--- a/Proyecto_CarlosVaralo.pptx
+++ b/Proyecto_CarlosVaralo.pptx
@@ -6,6 +6,18 @@
   </p:sldMasterIdLst>
   <p:sldIdLst>
     <p:sldId id="256" r:id="rId2"/>
+    <p:sldId id="257" r:id="rId3"/>
+    <p:sldId id="267" r:id="rId4"/>
+    <p:sldId id="268" r:id="rId5"/>
+    <p:sldId id="259" r:id="rId6"/>
+    <p:sldId id="265" r:id="rId7"/>
+    <p:sldId id="260" r:id="rId8"/>
+    <p:sldId id="264" r:id="rId9"/>
+    <p:sldId id="258" r:id="rId10"/>
+    <p:sldId id="263" r:id="rId11"/>
+    <p:sldId id="266" r:id="rId12"/>
+    <p:sldId id="261" r:id="rId13"/>
+    <p:sldId id="262" r:id="rId14"/>
   </p:sldIdLst>
   <p:sldSz cx="12192000" cy="6858000"/>
   <p:notesSz cx="6858000" cy="9144000"/>
@@ -104,6 +116,11 @@
       </a:defRPr>
     </a:lvl9pPr>
   </p:defaultTextStyle>
+  <p:extLst>
+    <p:ext uri="{EFAFB233-063F-42B5-8137-9DF3F51BA10A}">
+      <p15:sldGuideLst xmlns:p15="http://schemas.microsoft.com/office/powerpoint/2012/main"/>
+    </p:ext>
+  </p:extLst>
 </p:presentation>
 </file>
 
@@ -5364,6 +5381,9707 @@
 </p:sld>
 </file>
 
+<file path=ppt/slides/slide10.xml><?xml version="1.0" encoding="utf-8"?>
+<p:sld xmlns:a="http://schemas.openxmlformats.org/drawingml/2006/main" xmlns:r="http://schemas.openxmlformats.org/officeDocument/2006/relationships" xmlns:p="http://schemas.openxmlformats.org/presentationml/2006/main">
+  <p:cSld>
+    <p:bg>
+      <p:bgPr>
+        <a:solidFill>
+          <a:schemeClr val="bg1"/>
+        </a:solidFill>
+        <a:effectLst/>
+      </p:bgPr>
+    </p:bg>
+    <p:spTree>
+      <p:nvGrpSpPr>
+        <p:cNvPr id="1" name=""/>
+        <p:cNvGrpSpPr/>
+        <p:nvPr/>
+      </p:nvGrpSpPr>
+      <p:grpSpPr>
+        <a:xfrm>
+          <a:off x="0" y="0"/>
+          <a:ext cx="0" cy="0"/>
+          <a:chOff x="0" y="0"/>
+          <a:chExt cx="0" cy="0"/>
+        </a:xfrm>
+      </p:grpSpPr>
+      <p:cxnSp>
+        <p:nvCxnSpPr>
+          <p:cNvPr id="10" name="Straight Connector 9">
+            <a:extLst>
+              <a:ext uri="{FF2B5EF4-FFF2-40B4-BE49-F238E27FC236}">
+                <a16:creationId xmlns:a16="http://schemas.microsoft.com/office/drawing/2014/main" id="{D1B787A8-0D67-4B7E-9B48-86BD906AB6B5}"/>
+              </a:ext>
+              <a:ext uri="{C183D7F6-B498-43B3-948B-1728B52AA6E4}">
+                <adec:decorative xmlns:adec="http://schemas.microsoft.com/office/drawing/2017/decorative" val="1"/>
+              </a:ext>
+            </a:extLst>
+          </p:cNvPr>
+          <p:cNvCxnSpPr>
+            <a:cxnSpLocks noGrp="1" noRot="1" noChangeAspect="1" noMove="1" noResize="1" noEditPoints="1" noAdjustHandles="1" noChangeArrowheads="1" noChangeShapeType="1"/>
+          </p:cNvCxnSpPr>
+          <p:nvPr>
+            <p:extLst>
+              <p:ext uri="{386F3935-93C4-4BCD-93E2-E3B085C9AB24}">
+                <p16:designElem xmlns:p16="http://schemas.microsoft.com/office/powerpoint/2015/main" val="1"/>
+              </p:ext>
+            </p:extLst>
+          </p:nvPr>
+        </p:nvCxnSpPr>
+        <p:spPr>
+          <a:xfrm>
+            <a:off x="715890" y="1114050"/>
+            <a:ext cx="0" cy="5735637"/>
+          </a:xfrm>
+          <a:prstGeom prst="line">
+            <a:avLst/>
+          </a:prstGeom>
+          <a:ln w="25400" cap="sq">
+            <a:gradFill flip="none" rotWithShape="1">
+              <a:gsLst>
+                <a:gs pos="0">
+                  <a:schemeClr val="accent2"/>
+                </a:gs>
+                <a:gs pos="100000">
+                  <a:schemeClr val="accent4"/>
+                </a:gs>
+              </a:gsLst>
+              <a:lin ang="16200000" scaled="1"/>
+              <a:tileRect/>
+            </a:gradFill>
+            <a:bevel/>
+          </a:ln>
+        </p:spPr>
+        <p:style>
+          <a:lnRef idx="1">
+            <a:schemeClr val="accent1"/>
+          </a:lnRef>
+          <a:fillRef idx="0">
+            <a:schemeClr val="accent1"/>
+          </a:fillRef>
+          <a:effectRef idx="0">
+            <a:schemeClr val="accent1"/>
+          </a:effectRef>
+          <a:fontRef idx="minor">
+            <a:schemeClr val="tx1"/>
+          </a:fontRef>
+        </p:style>
+      </p:cxnSp>
+      <p:sp>
+        <p:nvSpPr>
+          <p:cNvPr id="12" name="Rectangle 11">
+            <a:extLst>
+              <a:ext uri="{FF2B5EF4-FFF2-40B4-BE49-F238E27FC236}">
+                <a16:creationId xmlns:a16="http://schemas.microsoft.com/office/drawing/2014/main" id="{158B3569-73B2-4D05-8E95-886A6EE17F1F}"/>
+              </a:ext>
+              <a:ext uri="{C183D7F6-B498-43B3-948B-1728B52AA6E4}">
+                <adec:decorative xmlns:adec="http://schemas.microsoft.com/office/drawing/2017/decorative" val="1"/>
+              </a:ext>
+            </a:extLst>
+          </p:cNvPr>
+          <p:cNvSpPr>
+            <a:spLocks noGrp="1" noRot="1" noChangeAspect="1" noMove="1" noResize="1" noEditPoints="1" noAdjustHandles="1" noChangeArrowheads="1" noChangeShapeType="1" noTextEdit="1"/>
+          </p:cNvSpPr>
+          <p:nvPr>
+            <p:extLst>
+              <p:ext uri="{386F3935-93C4-4BCD-93E2-E3B085C9AB24}">
+                <p16:designElem xmlns:p16="http://schemas.microsoft.com/office/powerpoint/2015/main" val="1"/>
+              </p:ext>
+            </p:extLst>
+          </p:nvPr>
+        </p:nvSpPr>
+        <p:spPr>
+          <a:xfrm>
+            <a:off x="0" y="0"/>
+            <a:ext cx="12192000" cy="6858000"/>
+          </a:xfrm>
+          <a:prstGeom prst="rect">
+            <a:avLst/>
+          </a:prstGeom>
+          <a:gradFill flip="none" rotWithShape="1">
+            <a:gsLst>
+              <a:gs pos="100000">
+                <a:schemeClr val="accent4"/>
+              </a:gs>
+              <a:gs pos="0">
+                <a:schemeClr val="accent2"/>
+              </a:gs>
+            </a:gsLst>
+            <a:lin ang="2700000" scaled="1"/>
+            <a:tileRect/>
+          </a:gradFill>
+          <a:ln>
+            <a:noFill/>
+          </a:ln>
+        </p:spPr>
+        <p:style>
+          <a:lnRef idx="2">
+            <a:schemeClr val="accent1">
+              <a:shade val="50000"/>
+            </a:schemeClr>
+          </a:lnRef>
+          <a:fillRef idx="1">
+            <a:schemeClr val="accent1"/>
+          </a:fillRef>
+          <a:effectRef idx="0">
+            <a:schemeClr val="accent1"/>
+          </a:effectRef>
+          <a:fontRef idx="minor">
+            <a:schemeClr val="lt1"/>
+          </a:fontRef>
+        </p:style>
+        <p:txBody>
+          <a:bodyPr rtlCol="0" anchor="ctr"/>
+          <a:lstStyle/>
+          <a:p>
+            <a:pPr algn="ctr"/>
+            <a:endParaRPr lang="en-US"/>
+          </a:p>
+        </p:txBody>
+      </p:sp>
+      <p:sp>
+        <p:nvSpPr>
+          <p:cNvPr id="2" name="Título 1">
+            <a:extLst>
+              <a:ext uri="{FF2B5EF4-FFF2-40B4-BE49-F238E27FC236}">
+                <a16:creationId xmlns:a16="http://schemas.microsoft.com/office/drawing/2014/main" id="{A73A657F-AB3E-7586-9697-7B25F92BC3D7}"/>
+              </a:ext>
+            </a:extLst>
+          </p:cNvPr>
+          <p:cNvSpPr>
+            <a:spLocks noGrp="1"/>
+          </p:cNvSpPr>
+          <p:nvPr>
+            <p:ph type="title"/>
+          </p:nvPr>
+        </p:nvSpPr>
+        <p:spPr>
+          <a:xfrm>
+            <a:off x="457200" y="1598246"/>
+            <a:ext cx="4412419" cy="3626217"/>
+          </a:xfrm>
+        </p:spPr>
+        <p:txBody>
+          <a:bodyPr vert="horz" lIns="91440" tIns="45720" rIns="91440" bIns="45720" rtlCol="0" anchor="t">
+            <a:normAutofit/>
+          </a:bodyPr>
+          <a:lstStyle/>
+          <a:p>
+            <a:pPr algn="r"/>
+            <a:r>
+              <a:rPr lang="en-US" sz="6200" b="1" i="0" kern="1200" cap="all" baseline="0" dirty="0">
+                <a:solidFill>
+                  <a:schemeClr val="bg1"/>
+                </a:solidFill>
+                <a:latin typeface="+mj-lt"/>
+                <a:ea typeface="+mj-ea"/>
+                <a:cs typeface="+mj-cs"/>
+              </a:rPr>
+              <a:t>¿Que es Tailwind </a:t>
+            </a:r>
+            <a:r>
+              <a:rPr lang="en-US" sz="6200" b="1" i="0" kern="1200" cap="all" baseline="0" dirty="0" err="1">
+                <a:solidFill>
+                  <a:schemeClr val="bg1"/>
+                </a:solidFill>
+                <a:latin typeface="+mj-lt"/>
+                <a:ea typeface="+mj-ea"/>
+                <a:cs typeface="+mj-cs"/>
+              </a:rPr>
+              <a:t>css</a:t>
+            </a:r>
+            <a:r>
+              <a:rPr lang="en-US" sz="6200" b="1" i="0" kern="1200" cap="all" baseline="0" dirty="0">
+                <a:solidFill>
+                  <a:schemeClr val="bg1"/>
+                </a:solidFill>
+                <a:latin typeface="+mj-lt"/>
+                <a:ea typeface="+mj-ea"/>
+                <a:cs typeface="+mj-cs"/>
+              </a:rPr>
+              <a:t>?</a:t>
+            </a:r>
+            <a:br>
+              <a:rPr lang="en-US" sz="6200" b="1" i="0" kern="1200" cap="all" baseline="0" dirty="0">
+                <a:solidFill>
+                  <a:schemeClr val="bg1"/>
+                </a:solidFill>
+                <a:latin typeface="+mj-lt"/>
+                <a:ea typeface="+mj-ea"/>
+                <a:cs typeface="+mj-cs"/>
+              </a:rPr>
+            </a:br>
+            <a:endParaRPr lang="en-US" sz="6200" b="1" i="0" kern="1200" cap="all" baseline="0" dirty="0">
+              <a:solidFill>
+                <a:schemeClr val="bg1"/>
+              </a:solidFill>
+              <a:latin typeface="+mj-lt"/>
+              <a:ea typeface="+mj-ea"/>
+              <a:cs typeface="+mj-cs"/>
+            </a:endParaRPr>
+          </a:p>
+        </p:txBody>
+      </p:sp>
+      <p:sp>
+        <p:nvSpPr>
+          <p:cNvPr id="14" name="Graphic 17">
+            <a:extLst>
+              <a:ext uri="{FF2B5EF4-FFF2-40B4-BE49-F238E27FC236}">
+                <a16:creationId xmlns:a16="http://schemas.microsoft.com/office/drawing/2014/main" id="{B71758F4-3F46-45DA-8AC5-4E508DA080BA}"/>
+              </a:ext>
+              <a:ext uri="{C183D7F6-B498-43B3-948B-1728B52AA6E4}">
+                <adec:decorative xmlns:adec="http://schemas.microsoft.com/office/drawing/2017/decorative" val="1"/>
+              </a:ext>
+            </a:extLst>
+          </p:cNvPr>
+          <p:cNvSpPr>
+            <a:spLocks noGrp="1" noRot="1" noChangeAspect="1" noMove="1" noResize="1" noEditPoints="1" noAdjustHandles="1" noChangeArrowheads="1" noChangeShapeType="1" noTextEdit="1"/>
+          </p:cNvSpPr>
+          <p:nvPr>
+            <p:extLst>
+              <p:ext uri="{386F3935-93C4-4BCD-93E2-E3B085C9AB24}">
+                <p16:designElem xmlns:p16="http://schemas.microsoft.com/office/powerpoint/2015/main" val="1"/>
+              </p:ext>
+            </p:extLst>
+          </p:nvPr>
+        </p:nvSpPr>
+        <p:spPr>
+          <a:xfrm>
+            <a:off x="11512034" y="1267063"/>
+            <a:ext cx="139037" cy="139039"/>
+          </a:xfrm>
+          <a:custGeom>
+            <a:avLst/>
+            <a:gdLst>
+              <a:gd name="connsiteX0" fmla="*/ 129600 w 139037"/>
+              <a:gd name="connsiteY0" fmla="*/ 60082 h 139039"/>
+              <a:gd name="connsiteX1" fmla="*/ 78955 w 139037"/>
+              <a:gd name="connsiteY1" fmla="*/ 60082 h 139039"/>
+              <a:gd name="connsiteX2" fmla="*/ 78955 w 139037"/>
+              <a:gd name="connsiteY2" fmla="*/ 9437 h 139039"/>
+              <a:gd name="connsiteX3" fmla="*/ 69519 w 139037"/>
+              <a:gd name="connsiteY3" fmla="*/ 0 h 139039"/>
+              <a:gd name="connsiteX4" fmla="*/ 60082 w 139037"/>
+              <a:gd name="connsiteY4" fmla="*/ 9437 h 139039"/>
+              <a:gd name="connsiteX5" fmla="*/ 60082 w 139037"/>
+              <a:gd name="connsiteY5" fmla="*/ 60082 h 139039"/>
+              <a:gd name="connsiteX6" fmla="*/ 9437 w 139037"/>
+              <a:gd name="connsiteY6" fmla="*/ 60082 h 139039"/>
+              <a:gd name="connsiteX7" fmla="*/ 0 w 139037"/>
+              <a:gd name="connsiteY7" fmla="*/ 69520 h 139039"/>
+              <a:gd name="connsiteX8" fmla="*/ 9437 w 139037"/>
+              <a:gd name="connsiteY8" fmla="*/ 78957 h 139039"/>
+              <a:gd name="connsiteX9" fmla="*/ 60082 w 139037"/>
+              <a:gd name="connsiteY9" fmla="*/ 78957 h 139039"/>
+              <a:gd name="connsiteX10" fmla="*/ 60082 w 139037"/>
+              <a:gd name="connsiteY10" fmla="*/ 129602 h 139039"/>
+              <a:gd name="connsiteX11" fmla="*/ 69519 w 139037"/>
+              <a:gd name="connsiteY11" fmla="*/ 139039 h 139039"/>
+              <a:gd name="connsiteX12" fmla="*/ 78955 w 139037"/>
+              <a:gd name="connsiteY12" fmla="*/ 129602 h 139039"/>
+              <a:gd name="connsiteX13" fmla="*/ 78955 w 139037"/>
+              <a:gd name="connsiteY13" fmla="*/ 78957 h 139039"/>
+              <a:gd name="connsiteX14" fmla="*/ 129600 w 139037"/>
+              <a:gd name="connsiteY14" fmla="*/ 78957 h 139039"/>
+              <a:gd name="connsiteX15" fmla="*/ 139037 w 139037"/>
+              <a:gd name="connsiteY15" fmla="*/ 69520 h 139039"/>
+              <a:gd name="connsiteX16" fmla="*/ 129600 w 139037"/>
+              <a:gd name="connsiteY16" fmla="*/ 60082 h 139039"/>
+            </a:gdLst>
+            <a:ahLst/>
+            <a:cxnLst>
+              <a:cxn ang="0">
+                <a:pos x="connsiteX0" y="connsiteY0"/>
+              </a:cxn>
+              <a:cxn ang="0">
+                <a:pos x="connsiteX1" y="connsiteY1"/>
+              </a:cxn>
+              <a:cxn ang="0">
+                <a:pos x="connsiteX2" y="connsiteY2"/>
+              </a:cxn>
+              <a:cxn ang="0">
+                <a:pos x="connsiteX3" y="connsiteY3"/>
+              </a:cxn>
+              <a:cxn ang="0">
+                <a:pos x="connsiteX4" y="connsiteY4"/>
+              </a:cxn>
+              <a:cxn ang="0">
+                <a:pos x="connsiteX5" y="connsiteY5"/>
+              </a:cxn>
+              <a:cxn ang="0">
+                <a:pos x="connsiteX6" y="connsiteY6"/>
+              </a:cxn>
+              <a:cxn ang="0">
+                <a:pos x="connsiteX7" y="connsiteY7"/>
+              </a:cxn>
+              <a:cxn ang="0">
+                <a:pos x="connsiteX8" y="connsiteY8"/>
+              </a:cxn>
+              <a:cxn ang="0">
+                <a:pos x="connsiteX9" y="connsiteY9"/>
+              </a:cxn>
+              <a:cxn ang="0">
+                <a:pos x="connsiteX10" y="connsiteY10"/>
+              </a:cxn>
+              <a:cxn ang="0">
+                <a:pos x="connsiteX11" y="connsiteY11"/>
+              </a:cxn>
+              <a:cxn ang="0">
+                <a:pos x="connsiteX12" y="connsiteY12"/>
+              </a:cxn>
+              <a:cxn ang="0">
+                <a:pos x="connsiteX13" y="connsiteY13"/>
+              </a:cxn>
+              <a:cxn ang="0">
+                <a:pos x="connsiteX14" y="connsiteY14"/>
+              </a:cxn>
+              <a:cxn ang="0">
+                <a:pos x="connsiteX15" y="connsiteY15"/>
+              </a:cxn>
+              <a:cxn ang="0">
+                <a:pos x="connsiteX16" y="connsiteY16"/>
+              </a:cxn>
+            </a:cxnLst>
+            <a:rect l="l" t="t" r="r" b="b"/>
+            <a:pathLst>
+              <a:path w="139037" h="139039">
+                <a:moveTo>
+                  <a:pt x="129600" y="60082"/>
+                </a:moveTo>
+                <a:lnTo>
+                  <a:pt x="78955" y="60082"/>
+                </a:lnTo>
+                <a:lnTo>
+                  <a:pt x="78955" y="9437"/>
+                </a:lnTo>
+                <a:cubicBezTo>
+                  <a:pt x="78955" y="4225"/>
+                  <a:pt x="74730" y="0"/>
+                  <a:pt x="69519" y="0"/>
+                </a:cubicBezTo>
+                <a:cubicBezTo>
+                  <a:pt x="64307" y="0"/>
+                  <a:pt x="60082" y="4225"/>
+                  <a:pt x="60082" y="9437"/>
+                </a:cubicBezTo>
+                <a:lnTo>
+                  <a:pt x="60082" y="60082"/>
+                </a:lnTo>
+                <a:lnTo>
+                  <a:pt x="9437" y="60082"/>
+                </a:lnTo>
+                <a:cubicBezTo>
+                  <a:pt x="4225" y="60082"/>
+                  <a:pt x="0" y="64308"/>
+                  <a:pt x="0" y="69520"/>
+                </a:cubicBezTo>
+                <a:cubicBezTo>
+                  <a:pt x="0" y="74731"/>
+                  <a:pt x="4225" y="78957"/>
+                  <a:pt x="9437" y="78957"/>
+                </a:cubicBezTo>
+                <a:lnTo>
+                  <a:pt x="60082" y="78957"/>
+                </a:lnTo>
+                <a:lnTo>
+                  <a:pt x="60082" y="129602"/>
+                </a:lnTo>
+                <a:cubicBezTo>
+                  <a:pt x="60082" y="134814"/>
+                  <a:pt x="64307" y="139039"/>
+                  <a:pt x="69519" y="139039"/>
+                </a:cubicBezTo>
+                <a:cubicBezTo>
+                  <a:pt x="74730" y="139039"/>
+                  <a:pt x="78955" y="134814"/>
+                  <a:pt x="78955" y="129602"/>
+                </a:cubicBezTo>
+                <a:lnTo>
+                  <a:pt x="78955" y="78957"/>
+                </a:lnTo>
+                <a:lnTo>
+                  <a:pt x="129600" y="78957"/>
+                </a:lnTo>
+                <a:cubicBezTo>
+                  <a:pt x="134812" y="78957"/>
+                  <a:pt x="139037" y="74731"/>
+                  <a:pt x="139037" y="69520"/>
+                </a:cubicBezTo>
+                <a:cubicBezTo>
+                  <a:pt x="139037" y="64308"/>
+                  <a:pt x="134812" y="60082"/>
+                  <a:pt x="129600" y="60082"/>
+                </a:cubicBezTo>
+                <a:close/>
+              </a:path>
+            </a:pathLst>
+          </a:custGeom>
+          <a:solidFill>
+            <a:schemeClr val="bg1"/>
+          </a:solidFill>
+          <a:ln w="603" cap="flat">
+            <a:noFill/>
+            <a:prstDash val="solid"/>
+            <a:miter/>
+          </a:ln>
+        </p:spPr>
+        <p:txBody>
+          <a:bodyPr rtlCol="0" anchor="ctr"/>
+          <a:lstStyle/>
+          <a:p>
+            <a:endParaRPr lang="en-US"/>
+          </a:p>
+        </p:txBody>
+      </p:sp>
+      <p:cxnSp>
+        <p:nvCxnSpPr>
+          <p:cNvPr id="16" name="Straight Connector 15">
+            <a:extLst>
+              <a:ext uri="{FF2B5EF4-FFF2-40B4-BE49-F238E27FC236}">
+                <a16:creationId xmlns:a16="http://schemas.microsoft.com/office/drawing/2014/main" id="{56020367-4FD5-4596-8E10-C5F095CD8DBF}"/>
+              </a:ext>
+              <a:ext uri="{C183D7F6-B498-43B3-948B-1728B52AA6E4}">
+                <adec:decorative xmlns:adec="http://schemas.microsoft.com/office/drawing/2017/decorative" val="1"/>
+              </a:ext>
+            </a:extLst>
+          </p:cNvPr>
+          <p:cNvCxnSpPr>
+            <a:cxnSpLocks noGrp="1" noRot="1" noChangeAspect="1" noMove="1" noResize="1" noEditPoints="1" noAdjustHandles="1" noChangeArrowheads="1" noChangeShapeType="1"/>
+          </p:cNvCxnSpPr>
+          <p:nvPr>
+            <p:extLst>
+              <p:ext uri="{386F3935-93C4-4BCD-93E2-E3B085C9AB24}">
+                <p16:designElem xmlns:p16="http://schemas.microsoft.com/office/powerpoint/2015/main" val="1"/>
+              </p:ext>
+            </p:extLst>
+          </p:nvPr>
+        </p:nvCxnSpPr>
+        <p:spPr>
+          <a:xfrm>
+            <a:off x="5447322" y="1589368"/>
+            <a:ext cx="0" cy="5259754"/>
+          </a:xfrm>
+          <a:prstGeom prst="line">
+            <a:avLst/>
+          </a:prstGeom>
+          <a:ln w="25400" cap="sq">
+            <a:solidFill>
+              <a:schemeClr val="bg1"/>
+            </a:solidFill>
+            <a:bevel/>
+          </a:ln>
+        </p:spPr>
+        <p:style>
+          <a:lnRef idx="1">
+            <a:schemeClr val="accent1"/>
+          </a:lnRef>
+          <a:fillRef idx="0">
+            <a:schemeClr val="accent1"/>
+          </a:fillRef>
+          <a:effectRef idx="0">
+            <a:schemeClr val="accent1"/>
+          </a:effectRef>
+          <a:fontRef idx="minor">
+            <a:schemeClr val="tx1"/>
+          </a:fontRef>
+        </p:style>
+      </p:cxnSp>
+      <p:pic>
+        <p:nvPicPr>
+          <p:cNvPr id="7" name="Graphic 6" descr="Preguntas">
+            <a:extLst>
+              <a:ext uri="{FF2B5EF4-FFF2-40B4-BE49-F238E27FC236}">
+                <a16:creationId xmlns:a16="http://schemas.microsoft.com/office/drawing/2014/main" id="{4370A73F-19F6-D9A6-7704-768EFC26DC56}"/>
+              </a:ext>
+            </a:extLst>
+          </p:cNvPr>
+          <p:cNvPicPr>
+            <a:picLocks noChangeAspect="1"/>
+          </p:cNvPicPr>
+          <p:nvPr/>
+        </p:nvPicPr>
+        <p:blipFill>
+          <a:blip r:embed="rId2">
+            <a:extLst>
+              <a:ext uri="{28A0092B-C50C-407E-A947-70E740481C1C}">
+                <a14:useLocalDpi xmlns:a14="http://schemas.microsoft.com/office/drawing/2010/main" val="0"/>
+              </a:ext>
+              <a:ext uri="{96DAC541-7B7A-43D3-8B79-37D633B846F1}">
+                <asvg:svgBlip xmlns:asvg="http://schemas.microsoft.com/office/drawing/2016/SVG/main" r:embed="rId3"/>
+              </a:ext>
+            </a:extLst>
+          </a:blip>
+          <a:stretch>
+            <a:fillRect/>
+          </a:stretch>
+        </p:blipFill>
+        <p:spPr>
+          <a:xfrm>
+            <a:off x="6380106" y="1598246"/>
+            <a:ext cx="4783504" cy="4783504"/>
+          </a:xfrm>
+          <a:prstGeom prst="rect">
+            <a:avLst/>
+          </a:prstGeom>
+        </p:spPr>
+      </p:pic>
+      <p:sp>
+        <p:nvSpPr>
+          <p:cNvPr id="18" name="Graphic 21">
+            <a:extLst>
+              <a:ext uri="{FF2B5EF4-FFF2-40B4-BE49-F238E27FC236}">
+                <a16:creationId xmlns:a16="http://schemas.microsoft.com/office/drawing/2014/main" id="{8D61482F-F3C5-4D66-8C5D-C6BBE3E1275C}"/>
+              </a:ext>
+              <a:ext uri="{C183D7F6-B498-43B3-948B-1728B52AA6E4}">
+                <adec:decorative xmlns:adec="http://schemas.microsoft.com/office/drawing/2017/decorative" val="1"/>
+              </a:ext>
+            </a:extLst>
+          </p:cNvPr>
+          <p:cNvSpPr>
+            <a:spLocks noGrp="1" noRot="1" noChangeAspect="1" noMove="1" noResize="1" noEditPoints="1" noAdjustHandles="1" noChangeArrowheads="1" noChangeShapeType="1" noTextEdit="1"/>
+          </p:cNvSpPr>
+          <p:nvPr>
+            <p:extLst>
+              <p:ext uri="{386F3935-93C4-4BCD-93E2-E3B085C9AB24}">
+                <p16:designElem xmlns:p16="http://schemas.microsoft.com/office/powerpoint/2015/main" val="1"/>
+              </p:ext>
+            </p:extLst>
+          </p:nvPr>
+        </p:nvSpPr>
+        <p:spPr>
+          <a:xfrm>
+            <a:off x="11752801" y="1659316"/>
+            <a:ext cx="127713" cy="127714"/>
+          </a:xfrm>
+          <a:custGeom>
+            <a:avLst/>
+            <a:gdLst>
+              <a:gd name="connsiteX0" fmla="*/ 63857 w 127713"/>
+              <a:gd name="connsiteY0" fmla="*/ 18874 h 127714"/>
+              <a:gd name="connsiteX1" fmla="*/ 108839 w 127713"/>
+              <a:gd name="connsiteY1" fmla="*/ 63857 h 127714"/>
+              <a:gd name="connsiteX2" fmla="*/ 63857 w 127713"/>
+              <a:gd name="connsiteY2" fmla="*/ 108840 h 127714"/>
+              <a:gd name="connsiteX3" fmla="*/ 18874 w 127713"/>
+              <a:gd name="connsiteY3" fmla="*/ 63857 h 127714"/>
+              <a:gd name="connsiteX4" fmla="*/ 63857 w 127713"/>
+              <a:gd name="connsiteY4" fmla="*/ 18874 h 127714"/>
+              <a:gd name="connsiteX5" fmla="*/ 63857 w 127713"/>
+              <a:gd name="connsiteY5" fmla="*/ 0 h 127714"/>
+              <a:gd name="connsiteX6" fmla="*/ 0 w 127713"/>
+              <a:gd name="connsiteY6" fmla="*/ 63857 h 127714"/>
+              <a:gd name="connsiteX7" fmla="*/ 63857 w 127713"/>
+              <a:gd name="connsiteY7" fmla="*/ 127714 h 127714"/>
+              <a:gd name="connsiteX8" fmla="*/ 127713 w 127713"/>
+              <a:gd name="connsiteY8" fmla="*/ 63857 h 127714"/>
+              <a:gd name="connsiteX9" fmla="*/ 63857 w 127713"/>
+              <a:gd name="connsiteY9" fmla="*/ 0 h 127714"/>
+            </a:gdLst>
+            <a:ahLst/>
+            <a:cxnLst>
+              <a:cxn ang="0">
+                <a:pos x="connsiteX0" y="connsiteY0"/>
+              </a:cxn>
+              <a:cxn ang="0">
+                <a:pos x="connsiteX1" y="connsiteY1"/>
+              </a:cxn>
+              <a:cxn ang="0">
+                <a:pos x="connsiteX2" y="connsiteY2"/>
+              </a:cxn>
+              <a:cxn ang="0">
+                <a:pos x="connsiteX3" y="connsiteY3"/>
+              </a:cxn>
+              <a:cxn ang="0">
+                <a:pos x="connsiteX4" y="connsiteY4"/>
+              </a:cxn>
+              <a:cxn ang="0">
+                <a:pos x="connsiteX5" y="connsiteY5"/>
+              </a:cxn>
+              <a:cxn ang="0">
+                <a:pos x="connsiteX6" y="connsiteY6"/>
+              </a:cxn>
+              <a:cxn ang="0">
+                <a:pos x="connsiteX7" y="connsiteY7"/>
+              </a:cxn>
+              <a:cxn ang="0">
+                <a:pos x="connsiteX8" y="connsiteY8"/>
+              </a:cxn>
+              <a:cxn ang="0">
+                <a:pos x="connsiteX9" y="connsiteY9"/>
+              </a:cxn>
+            </a:cxnLst>
+            <a:rect l="l" t="t" r="r" b="b"/>
+            <a:pathLst>
+              <a:path w="127713" h="127714">
+                <a:moveTo>
+                  <a:pt x="63857" y="18874"/>
+                </a:moveTo>
+                <a:cubicBezTo>
+                  <a:pt x="88700" y="18874"/>
+                  <a:pt x="108839" y="39014"/>
+                  <a:pt x="108839" y="63857"/>
+                </a:cubicBezTo>
+                <a:cubicBezTo>
+                  <a:pt x="108839" y="88700"/>
+                  <a:pt x="88700" y="108840"/>
+                  <a:pt x="63857" y="108840"/>
+                </a:cubicBezTo>
+                <a:cubicBezTo>
+                  <a:pt x="39013" y="108840"/>
+                  <a:pt x="18874" y="88700"/>
+                  <a:pt x="18874" y="63857"/>
+                </a:cubicBezTo>
+                <a:cubicBezTo>
+                  <a:pt x="18898" y="39024"/>
+                  <a:pt x="39023" y="18898"/>
+                  <a:pt x="63857" y="18874"/>
+                </a:cubicBezTo>
+                <a:moveTo>
+                  <a:pt x="63857" y="0"/>
+                </a:moveTo>
+                <a:cubicBezTo>
+                  <a:pt x="28590" y="0"/>
+                  <a:pt x="0" y="28590"/>
+                  <a:pt x="0" y="63857"/>
+                </a:cubicBezTo>
+                <a:cubicBezTo>
+                  <a:pt x="0" y="99124"/>
+                  <a:pt x="28590" y="127714"/>
+                  <a:pt x="63857" y="127714"/>
+                </a:cubicBezTo>
+                <a:cubicBezTo>
+                  <a:pt x="99124" y="127714"/>
+                  <a:pt x="127713" y="99124"/>
+                  <a:pt x="127713" y="63857"/>
+                </a:cubicBezTo>
+                <a:cubicBezTo>
+                  <a:pt x="127713" y="28590"/>
+                  <a:pt x="99124" y="0"/>
+                  <a:pt x="63857" y="0"/>
+                </a:cubicBezTo>
+                <a:close/>
+              </a:path>
+            </a:pathLst>
+          </a:custGeom>
+          <a:solidFill>
+            <a:schemeClr val="bg1"/>
+          </a:solidFill>
+          <a:ln w="610" cap="flat">
+            <a:noFill/>
+            <a:prstDash val="solid"/>
+            <a:miter/>
+          </a:ln>
+        </p:spPr>
+        <p:txBody>
+          <a:bodyPr rtlCol="0" anchor="ctr"/>
+          <a:lstStyle/>
+          <a:p>
+            <a:endParaRPr lang="en-US"/>
+          </a:p>
+        </p:txBody>
+      </p:sp>
+    </p:spTree>
+    <p:extLst>
+      <p:ext uri="{BB962C8B-B14F-4D97-AF65-F5344CB8AC3E}">
+        <p14:creationId xmlns:p14="http://schemas.microsoft.com/office/powerpoint/2010/main" val="3503783086"/>
+      </p:ext>
+    </p:extLst>
+  </p:cSld>
+  <p:clrMapOvr>
+    <a:masterClrMapping/>
+  </p:clrMapOvr>
+</p:sld>
+</file>
+
+<file path=ppt/slides/slide11.xml><?xml version="1.0" encoding="utf-8"?>
+<p:sld xmlns:a="http://schemas.openxmlformats.org/drawingml/2006/main" xmlns:r="http://schemas.openxmlformats.org/officeDocument/2006/relationships" xmlns:p="http://schemas.openxmlformats.org/presentationml/2006/main">
+  <p:cSld>
+    <p:bg>
+      <p:bgPr>
+        <a:solidFill>
+          <a:schemeClr val="bg1"/>
+        </a:solidFill>
+        <a:effectLst/>
+      </p:bgPr>
+    </p:bg>
+    <p:spTree>
+      <p:nvGrpSpPr>
+        <p:cNvPr id="1" name=""/>
+        <p:cNvGrpSpPr/>
+        <p:nvPr/>
+      </p:nvGrpSpPr>
+      <p:grpSpPr>
+        <a:xfrm>
+          <a:off x="0" y="0"/>
+          <a:ext cx="0" cy="0"/>
+          <a:chOff x="0" y="0"/>
+          <a:chExt cx="0" cy="0"/>
+        </a:xfrm>
+      </p:grpSpPr>
+      <p:sp useBgFill="1">
+        <p:nvSpPr>
+          <p:cNvPr id="39" name="Rectangle 38">
+            <a:extLst>
+              <a:ext uri="{FF2B5EF4-FFF2-40B4-BE49-F238E27FC236}">
+                <a16:creationId xmlns:a16="http://schemas.microsoft.com/office/drawing/2014/main" id="{A2679492-7988-4050-9056-542444452411}"/>
+              </a:ext>
+              <a:ext uri="{C183D7F6-B498-43B3-948B-1728B52AA6E4}">
+                <adec:decorative xmlns:adec="http://schemas.microsoft.com/office/drawing/2017/decorative" val="1"/>
+              </a:ext>
+            </a:extLst>
+          </p:cNvPr>
+          <p:cNvSpPr>
+            <a:spLocks noGrp="1" noRot="1" noChangeAspect="1" noMove="1" noResize="1" noEditPoints="1" noAdjustHandles="1" noChangeArrowheads="1" noChangeShapeType="1" noTextEdit="1"/>
+          </p:cNvSpPr>
+          <p:nvPr>
+            <p:extLst>
+              <p:ext uri="{386F3935-93C4-4BCD-93E2-E3B085C9AB24}">
+                <p16:designElem xmlns:p16="http://schemas.microsoft.com/office/powerpoint/2015/main" val="1"/>
+              </p:ext>
+            </p:extLst>
+          </p:nvPr>
+        </p:nvSpPr>
+        <p:spPr>
+          <a:xfrm>
+            <a:off x="0" y="0"/>
+            <a:ext cx="12192000" cy="6858000"/>
+          </a:xfrm>
+          <a:prstGeom prst="rect">
+            <a:avLst/>
+          </a:prstGeom>
+          <a:ln>
+            <a:noFill/>
+          </a:ln>
+        </p:spPr>
+        <p:style>
+          <a:lnRef idx="2">
+            <a:schemeClr val="accent1">
+              <a:shade val="50000"/>
+            </a:schemeClr>
+          </a:lnRef>
+          <a:fillRef idx="1">
+            <a:schemeClr val="accent1"/>
+          </a:fillRef>
+          <a:effectRef idx="0">
+            <a:schemeClr val="accent1"/>
+          </a:effectRef>
+          <a:fontRef idx="minor">
+            <a:schemeClr val="lt1"/>
+          </a:fontRef>
+        </p:style>
+        <p:txBody>
+          <a:bodyPr rtlCol="0" anchor="ctr"/>
+          <a:lstStyle/>
+          <a:p>
+            <a:pPr algn="ctr"/>
+            <a:endParaRPr lang="en-US"/>
+          </a:p>
+        </p:txBody>
+      </p:sp>
+      <p:sp>
+        <p:nvSpPr>
+          <p:cNvPr id="41" name="Rectangle 40">
+            <a:extLst>
+              <a:ext uri="{FF2B5EF4-FFF2-40B4-BE49-F238E27FC236}">
+                <a16:creationId xmlns:a16="http://schemas.microsoft.com/office/drawing/2014/main" id="{B091B163-7D61-4891-ABCF-5C13D9C418D0}"/>
+              </a:ext>
+              <a:ext uri="{C183D7F6-B498-43B3-948B-1728B52AA6E4}">
+                <adec:decorative xmlns:adec="http://schemas.microsoft.com/office/drawing/2017/decorative" val="1"/>
+              </a:ext>
+            </a:extLst>
+          </p:cNvPr>
+          <p:cNvSpPr>
+            <a:spLocks noGrp="1" noRot="1" noChangeAspect="1" noMove="1" noResize="1" noEditPoints="1" noAdjustHandles="1" noChangeArrowheads="1" noChangeShapeType="1" noTextEdit="1"/>
+          </p:cNvSpPr>
+          <p:nvPr>
+            <p:extLst>
+              <p:ext uri="{386F3935-93C4-4BCD-93E2-E3B085C9AB24}">
+                <p16:designElem xmlns:p16="http://schemas.microsoft.com/office/powerpoint/2015/main" val="1"/>
+              </p:ext>
+            </p:extLst>
+          </p:nvPr>
+        </p:nvSpPr>
+        <p:spPr>
+          <a:xfrm>
+            <a:off x="0" y="0"/>
+            <a:ext cx="5779911" cy="6858000"/>
+          </a:xfrm>
+          <a:prstGeom prst="rect">
+            <a:avLst/>
+          </a:prstGeom>
+          <a:gradFill flip="none" rotWithShape="1">
+            <a:gsLst>
+              <a:gs pos="100000">
+                <a:schemeClr val="accent4"/>
+              </a:gs>
+              <a:gs pos="0">
+                <a:schemeClr val="accent2"/>
+              </a:gs>
+            </a:gsLst>
+            <a:lin ang="2700000" scaled="1"/>
+            <a:tileRect/>
+          </a:gradFill>
+          <a:ln>
+            <a:noFill/>
+          </a:ln>
+        </p:spPr>
+        <p:style>
+          <a:lnRef idx="2">
+            <a:schemeClr val="accent1">
+              <a:shade val="50000"/>
+            </a:schemeClr>
+          </a:lnRef>
+          <a:fillRef idx="1">
+            <a:schemeClr val="accent1"/>
+          </a:fillRef>
+          <a:effectRef idx="0">
+            <a:schemeClr val="accent1"/>
+          </a:effectRef>
+          <a:fontRef idx="minor">
+            <a:schemeClr val="lt1"/>
+          </a:fontRef>
+        </p:style>
+        <p:txBody>
+          <a:bodyPr rtlCol="0" anchor="ctr"/>
+          <a:lstStyle/>
+          <a:p>
+            <a:pPr algn="ctr"/>
+            <a:endParaRPr lang="en-US"/>
+          </a:p>
+        </p:txBody>
+      </p:sp>
+      <p:pic>
+        <p:nvPicPr>
+          <p:cNvPr id="5" name="Picture 4" descr="Rompecabezas blanco con una pieza roja">
+            <a:extLst>
+              <a:ext uri="{FF2B5EF4-FFF2-40B4-BE49-F238E27FC236}">
+                <a16:creationId xmlns:a16="http://schemas.microsoft.com/office/drawing/2014/main" id="{33E9CF21-815E-5CF9-616C-1873583CC352}"/>
+              </a:ext>
+            </a:extLst>
+          </p:cNvPr>
+          <p:cNvPicPr>
+            <a:picLocks noChangeAspect="1"/>
+          </p:cNvPicPr>
+          <p:nvPr/>
+        </p:nvPicPr>
+        <p:blipFill rotWithShape="1">
+          <a:blip r:embed="rId2"/>
+          <a:srcRect l="27318" r="25755" b="1"/>
+          <a:stretch/>
+        </p:blipFill>
+        <p:spPr>
+          <a:xfrm>
+            <a:off x="279143" y="299509"/>
+            <a:ext cx="5221625" cy="6258983"/>
+          </a:xfrm>
+          <a:prstGeom prst="rect">
+            <a:avLst/>
+          </a:prstGeom>
+        </p:spPr>
+      </p:pic>
+      <p:sp>
+        <p:nvSpPr>
+          <p:cNvPr id="3" name="Marcador de contenido 2">
+            <a:extLst>
+              <a:ext uri="{FF2B5EF4-FFF2-40B4-BE49-F238E27FC236}">
+                <a16:creationId xmlns:a16="http://schemas.microsoft.com/office/drawing/2014/main" id="{8A774C64-83AC-703B-E813-0B83216DBC72}"/>
+              </a:ext>
+            </a:extLst>
+          </p:cNvPr>
+          <p:cNvSpPr>
+            <a:spLocks noGrp="1"/>
+          </p:cNvSpPr>
+          <p:nvPr>
+            <p:ph idx="1"/>
+          </p:nvPr>
+        </p:nvSpPr>
+        <p:spPr>
+          <a:xfrm>
+            <a:off x="6392583" y="797170"/>
+            <a:ext cx="4434721" cy="5559180"/>
+          </a:xfrm>
+        </p:spPr>
+        <p:txBody>
+          <a:bodyPr anchor="t">
+            <a:normAutofit/>
+          </a:bodyPr>
+          <a:lstStyle/>
+          <a:p>
+            <a:r>
+              <a:rPr lang="es-ES" sz="2000" dirty="0"/>
+              <a:t>Tailwind, en pocas palabras, es un framework CSS que da prioridad a la utilidad sobre el propio estilo, pero además a diferencia de otros frameworks CSS como Bootstrap o </a:t>
+            </a:r>
+            <a:r>
+              <a:rPr lang="es-ES" sz="2000" dirty="0" err="1"/>
+              <a:t>Bulma</a:t>
+            </a:r>
+            <a:r>
+              <a:rPr lang="es-ES" sz="2000" dirty="0"/>
+              <a:t>, Tailwind no provee una serie de componentes predefinidos. En su lugar, este framework opera en un nivel inferior y te proporciona un conjunto de clases de ayuda para estructura y estilado, de forma que, usando dichas clases, puedas crear rápidamente diseños personalizados con facilidad. Además, no es </a:t>
+            </a:r>
+            <a:r>
+              <a:rPr lang="es-ES" sz="2000" dirty="0" err="1"/>
+              <a:t>opinionado</a:t>
+            </a:r>
+            <a:r>
+              <a:rPr lang="es-ES" sz="2000" dirty="0"/>
+              <a:t> y gracias a su flexibilidad te permite crear un diseño realmente único.</a:t>
+            </a:r>
+          </a:p>
+        </p:txBody>
+      </p:sp>
+      <p:cxnSp>
+        <p:nvCxnSpPr>
+          <p:cNvPr id="43" name="!!Straight Connector">
+            <a:extLst>
+              <a:ext uri="{FF2B5EF4-FFF2-40B4-BE49-F238E27FC236}">
+                <a16:creationId xmlns:a16="http://schemas.microsoft.com/office/drawing/2014/main" id="{C49DA8F6-BCC1-4447-B54C-57856834B94B}"/>
+              </a:ext>
+              <a:ext uri="{C183D7F6-B498-43B3-948B-1728B52AA6E4}">
+                <adec:decorative xmlns:adec="http://schemas.microsoft.com/office/drawing/2017/decorative" val="1"/>
+              </a:ext>
+            </a:extLst>
+          </p:cNvPr>
+          <p:cNvCxnSpPr>
+            <a:cxnSpLocks noGrp="1" noRot="1" noChangeAspect="1" noMove="1" noResize="1" noEditPoints="1" noAdjustHandles="1" noChangeArrowheads="1" noChangeShapeType="1"/>
+          </p:cNvCxnSpPr>
+          <p:nvPr>
+            <p:extLst>
+              <p:ext uri="{386F3935-93C4-4BCD-93E2-E3B085C9AB24}">
+                <p16:designElem xmlns:p16="http://schemas.microsoft.com/office/powerpoint/2015/main" val="1"/>
+              </p:ext>
+            </p:extLst>
+          </p:nvPr>
+        </p:nvCxnSpPr>
+        <p:spPr>
+          <a:xfrm>
+            <a:off x="11586162" y="3619272"/>
+            <a:ext cx="0" cy="3238728"/>
+          </a:xfrm>
+          <a:prstGeom prst="line">
+            <a:avLst/>
+          </a:prstGeom>
+          <a:ln w="25400" cap="sq">
+            <a:gradFill flip="none" rotWithShape="1">
+              <a:gsLst>
+                <a:gs pos="0">
+                  <a:schemeClr val="accent2"/>
+                </a:gs>
+                <a:gs pos="100000">
+                  <a:schemeClr val="accent4"/>
+                </a:gs>
+              </a:gsLst>
+              <a:lin ang="16200000" scaled="1"/>
+              <a:tileRect/>
+            </a:gradFill>
+            <a:bevel/>
+          </a:ln>
+        </p:spPr>
+        <p:style>
+          <a:lnRef idx="1">
+            <a:schemeClr val="accent1"/>
+          </a:lnRef>
+          <a:fillRef idx="0">
+            <a:schemeClr val="accent1"/>
+          </a:fillRef>
+          <a:effectRef idx="0">
+            <a:schemeClr val="accent1"/>
+          </a:effectRef>
+          <a:fontRef idx="minor">
+            <a:schemeClr val="tx1"/>
+          </a:fontRef>
+        </p:style>
+      </p:cxnSp>
+    </p:spTree>
+    <p:extLst>
+      <p:ext uri="{BB962C8B-B14F-4D97-AF65-F5344CB8AC3E}">
+        <p14:creationId xmlns:p14="http://schemas.microsoft.com/office/powerpoint/2010/main" val="594627249"/>
+      </p:ext>
+    </p:extLst>
+  </p:cSld>
+  <p:clrMapOvr>
+    <a:masterClrMapping/>
+  </p:clrMapOvr>
+</p:sld>
+</file>
+
+<file path=ppt/slides/slide12.xml><?xml version="1.0" encoding="utf-8"?>
+<p:sld xmlns:a="http://schemas.openxmlformats.org/drawingml/2006/main" xmlns:r="http://schemas.openxmlformats.org/officeDocument/2006/relationships" xmlns:p="http://schemas.openxmlformats.org/presentationml/2006/main">
+  <p:cSld>
+    <p:bg>
+      <p:bgPr>
+        <a:solidFill>
+          <a:schemeClr val="bg1"/>
+        </a:solidFill>
+        <a:effectLst/>
+      </p:bgPr>
+    </p:bg>
+    <p:spTree>
+      <p:nvGrpSpPr>
+        <p:cNvPr id="1" name=""/>
+        <p:cNvGrpSpPr/>
+        <p:nvPr/>
+      </p:nvGrpSpPr>
+      <p:grpSpPr>
+        <a:xfrm>
+          <a:off x="0" y="0"/>
+          <a:ext cx="0" cy="0"/>
+          <a:chOff x="0" y="0"/>
+          <a:chExt cx="0" cy="0"/>
+        </a:xfrm>
+      </p:grpSpPr>
+      <p:cxnSp>
+        <p:nvCxnSpPr>
+          <p:cNvPr id="23" name="Straight Connector 13">
+            <a:extLst>
+              <a:ext uri="{FF2B5EF4-FFF2-40B4-BE49-F238E27FC236}">
+                <a16:creationId xmlns:a16="http://schemas.microsoft.com/office/drawing/2014/main" id="{D1B787A8-0D67-4B7E-9B48-86BD906AB6B5}"/>
+              </a:ext>
+              <a:ext uri="{C183D7F6-B498-43B3-948B-1728B52AA6E4}">
+                <adec:decorative xmlns:adec="http://schemas.microsoft.com/office/drawing/2017/decorative" val="1"/>
+              </a:ext>
+            </a:extLst>
+          </p:cNvPr>
+          <p:cNvCxnSpPr>
+            <a:cxnSpLocks noGrp="1" noRot="1" noChangeAspect="1" noMove="1" noResize="1" noEditPoints="1" noAdjustHandles="1" noChangeArrowheads="1" noChangeShapeType="1"/>
+          </p:cNvCxnSpPr>
+          <p:nvPr>
+            <p:extLst>
+              <p:ext uri="{386F3935-93C4-4BCD-93E2-E3B085C9AB24}">
+                <p16:designElem xmlns:p16="http://schemas.microsoft.com/office/powerpoint/2015/main" val="1"/>
+              </p:ext>
+            </p:extLst>
+          </p:nvPr>
+        </p:nvCxnSpPr>
+        <p:spPr>
+          <a:xfrm>
+            <a:off x="715890" y="1114050"/>
+            <a:ext cx="0" cy="5735637"/>
+          </a:xfrm>
+          <a:prstGeom prst="line">
+            <a:avLst/>
+          </a:prstGeom>
+          <a:ln w="25400" cap="sq">
+            <a:gradFill flip="none" rotWithShape="1">
+              <a:gsLst>
+                <a:gs pos="0">
+                  <a:schemeClr val="accent2"/>
+                </a:gs>
+                <a:gs pos="100000">
+                  <a:schemeClr val="accent4"/>
+                </a:gs>
+              </a:gsLst>
+              <a:lin ang="16200000" scaled="1"/>
+              <a:tileRect/>
+            </a:gradFill>
+            <a:bevel/>
+          </a:ln>
+        </p:spPr>
+        <p:style>
+          <a:lnRef idx="1">
+            <a:schemeClr val="accent1"/>
+          </a:lnRef>
+          <a:fillRef idx="0">
+            <a:schemeClr val="accent1"/>
+          </a:fillRef>
+          <a:effectRef idx="0">
+            <a:schemeClr val="accent1"/>
+          </a:effectRef>
+          <a:fontRef idx="minor">
+            <a:schemeClr val="tx1"/>
+          </a:fontRef>
+        </p:style>
+      </p:cxnSp>
+      <p:sp>
+        <p:nvSpPr>
+          <p:cNvPr id="24" name="Rectangle 15">
+            <a:extLst>
+              <a:ext uri="{FF2B5EF4-FFF2-40B4-BE49-F238E27FC236}">
+                <a16:creationId xmlns:a16="http://schemas.microsoft.com/office/drawing/2014/main" id="{158B3569-73B2-4D05-8E95-886A6EE17F1F}"/>
+              </a:ext>
+              <a:ext uri="{C183D7F6-B498-43B3-948B-1728B52AA6E4}">
+                <adec:decorative xmlns:adec="http://schemas.microsoft.com/office/drawing/2017/decorative" val="1"/>
+              </a:ext>
+            </a:extLst>
+          </p:cNvPr>
+          <p:cNvSpPr>
+            <a:spLocks noGrp="1" noRot="1" noChangeAspect="1" noMove="1" noResize="1" noEditPoints="1" noAdjustHandles="1" noChangeArrowheads="1" noChangeShapeType="1" noTextEdit="1"/>
+          </p:cNvSpPr>
+          <p:nvPr>
+            <p:extLst>
+              <p:ext uri="{386F3935-93C4-4BCD-93E2-E3B085C9AB24}">
+                <p16:designElem xmlns:p16="http://schemas.microsoft.com/office/powerpoint/2015/main" val="1"/>
+              </p:ext>
+            </p:extLst>
+          </p:nvPr>
+        </p:nvSpPr>
+        <p:spPr>
+          <a:xfrm>
+            <a:off x="0" y="0"/>
+            <a:ext cx="12192000" cy="6858000"/>
+          </a:xfrm>
+          <a:prstGeom prst="rect">
+            <a:avLst/>
+          </a:prstGeom>
+          <a:gradFill flip="none" rotWithShape="1">
+            <a:gsLst>
+              <a:gs pos="100000">
+                <a:schemeClr val="accent4"/>
+              </a:gs>
+              <a:gs pos="0">
+                <a:schemeClr val="accent2"/>
+              </a:gs>
+            </a:gsLst>
+            <a:lin ang="2700000" scaled="1"/>
+            <a:tileRect/>
+          </a:gradFill>
+          <a:ln>
+            <a:noFill/>
+          </a:ln>
+        </p:spPr>
+        <p:style>
+          <a:lnRef idx="2">
+            <a:schemeClr val="accent1">
+              <a:shade val="50000"/>
+            </a:schemeClr>
+          </a:lnRef>
+          <a:fillRef idx="1">
+            <a:schemeClr val="accent1"/>
+          </a:fillRef>
+          <a:effectRef idx="0">
+            <a:schemeClr val="accent1"/>
+          </a:effectRef>
+          <a:fontRef idx="minor">
+            <a:schemeClr val="lt1"/>
+          </a:fontRef>
+        </p:style>
+        <p:txBody>
+          <a:bodyPr rtlCol="0" anchor="ctr"/>
+          <a:lstStyle/>
+          <a:p>
+            <a:pPr algn="ctr"/>
+            <a:endParaRPr lang="en-US"/>
+          </a:p>
+        </p:txBody>
+      </p:sp>
+      <p:sp>
+        <p:nvSpPr>
+          <p:cNvPr id="2" name="Título 1">
+            <a:extLst>
+              <a:ext uri="{FF2B5EF4-FFF2-40B4-BE49-F238E27FC236}">
+                <a16:creationId xmlns:a16="http://schemas.microsoft.com/office/drawing/2014/main" id="{C3F15F6D-C674-EA92-BD58-27709CC91BF8}"/>
+              </a:ext>
+            </a:extLst>
+          </p:cNvPr>
+          <p:cNvSpPr>
+            <a:spLocks noGrp="1"/>
+          </p:cNvSpPr>
+          <p:nvPr>
+            <p:ph type="title"/>
+          </p:nvPr>
+        </p:nvSpPr>
+        <p:spPr>
+          <a:xfrm>
+            <a:off x="457200" y="1598246"/>
+            <a:ext cx="4412419" cy="3626217"/>
+          </a:xfrm>
+        </p:spPr>
+        <p:txBody>
+          <a:bodyPr vert="horz" lIns="91440" tIns="45720" rIns="91440" bIns="45720" rtlCol="0" anchor="t">
+            <a:normAutofit/>
+          </a:bodyPr>
+          <a:lstStyle/>
+          <a:p>
+            <a:pPr algn="r"/>
+            <a:r>
+              <a:rPr lang="en-US" b="1" i="0" kern="1200" cap="all" baseline="0">
+                <a:solidFill>
+                  <a:schemeClr val="bg1"/>
+                </a:solidFill>
+                <a:latin typeface="+mj-lt"/>
+                <a:ea typeface="+mj-ea"/>
+                <a:cs typeface="+mj-cs"/>
+              </a:rPr>
+              <a:t>Tailwindcss</a:t>
+            </a:r>
+          </a:p>
+        </p:txBody>
+      </p:sp>
+      <p:sp>
+        <p:nvSpPr>
+          <p:cNvPr id="25" name="Graphic 17">
+            <a:extLst>
+              <a:ext uri="{FF2B5EF4-FFF2-40B4-BE49-F238E27FC236}">
+                <a16:creationId xmlns:a16="http://schemas.microsoft.com/office/drawing/2014/main" id="{B71758F4-3F46-45DA-8AC5-4E508DA080BA}"/>
+              </a:ext>
+              <a:ext uri="{C183D7F6-B498-43B3-948B-1728B52AA6E4}">
+                <adec:decorative xmlns:adec="http://schemas.microsoft.com/office/drawing/2017/decorative" val="1"/>
+              </a:ext>
+            </a:extLst>
+          </p:cNvPr>
+          <p:cNvSpPr>
+            <a:spLocks noGrp="1" noRot="1" noChangeAspect="1" noMove="1" noResize="1" noEditPoints="1" noAdjustHandles="1" noChangeArrowheads="1" noChangeShapeType="1" noTextEdit="1"/>
+          </p:cNvSpPr>
+          <p:nvPr>
+            <p:extLst>
+              <p:ext uri="{386F3935-93C4-4BCD-93E2-E3B085C9AB24}">
+                <p16:designElem xmlns:p16="http://schemas.microsoft.com/office/powerpoint/2015/main" val="1"/>
+              </p:ext>
+            </p:extLst>
+          </p:nvPr>
+        </p:nvSpPr>
+        <p:spPr>
+          <a:xfrm>
+            <a:off x="11512034" y="1267063"/>
+            <a:ext cx="139037" cy="139039"/>
+          </a:xfrm>
+          <a:custGeom>
+            <a:avLst/>
+            <a:gdLst>
+              <a:gd name="connsiteX0" fmla="*/ 129600 w 139037"/>
+              <a:gd name="connsiteY0" fmla="*/ 60082 h 139039"/>
+              <a:gd name="connsiteX1" fmla="*/ 78955 w 139037"/>
+              <a:gd name="connsiteY1" fmla="*/ 60082 h 139039"/>
+              <a:gd name="connsiteX2" fmla="*/ 78955 w 139037"/>
+              <a:gd name="connsiteY2" fmla="*/ 9437 h 139039"/>
+              <a:gd name="connsiteX3" fmla="*/ 69519 w 139037"/>
+              <a:gd name="connsiteY3" fmla="*/ 0 h 139039"/>
+              <a:gd name="connsiteX4" fmla="*/ 60082 w 139037"/>
+              <a:gd name="connsiteY4" fmla="*/ 9437 h 139039"/>
+              <a:gd name="connsiteX5" fmla="*/ 60082 w 139037"/>
+              <a:gd name="connsiteY5" fmla="*/ 60082 h 139039"/>
+              <a:gd name="connsiteX6" fmla="*/ 9437 w 139037"/>
+              <a:gd name="connsiteY6" fmla="*/ 60082 h 139039"/>
+              <a:gd name="connsiteX7" fmla="*/ 0 w 139037"/>
+              <a:gd name="connsiteY7" fmla="*/ 69520 h 139039"/>
+              <a:gd name="connsiteX8" fmla="*/ 9437 w 139037"/>
+              <a:gd name="connsiteY8" fmla="*/ 78957 h 139039"/>
+              <a:gd name="connsiteX9" fmla="*/ 60082 w 139037"/>
+              <a:gd name="connsiteY9" fmla="*/ 78957 h 139039"/>
+              <a:gd name="connsiteX10" fmla="*/ 60082 w 139037"/>
+              <a:gd name="connsiteY10" fmla="*/ 129602 h 139039"/>
+              <a:gd name="connsiteX11" fmla="*/ 69519 w 139037"/>
+              <a:gd name="connsiteY11" fmla="*/ 139039 h 139039"/>
+              <a:gd name="connsiteX12" fmla="*/ 78955 w 139037"/>
+              <a:gd name="connsiteY12" fmla="*/ 129602 h 139039"/>
+              <a:gd name="connsiteX13" fmla="*/ 78955 w 139037"/>
+              <a:gd name="connsiteY13" fmla="*/ 78957 h 139039"/>
+              <a:gd name="connsiteX14" fmla="*/ 129600 w 139037"/>
+              <a:gd name="connsiteY14" fmla="*/ 78957 h 139039"/>
+              <a:gd name="connsiteX15" fmla="*/ 139037 w 139037"/>
+              <a:gd name="connsiteY15" fmla="*/ 69520 h 139039"/>
+              <a:gd name="connsiteX16" fmla="*/ 129600 w 139037"/>
+              <a:gd name="connsiteY16" fmla="*/ 60082 h 139039"/>
+            </a:gdLst>
+            <a:ahLst/>
+            <a:cxnLst>
+              <a:cxn ang="0">
+                <a:pos x="connsiteX0" y="connsiteY0"/>
+              </a:cxn>
+              <a:cxn ang="0">
+                <a:pos x="connsiteX1" y="connsiteY1"/>
+              </a:cxn>
+              <a:cxn ang="0">
+                <a:pos x="connsiteX2" y="connsiteY2"/>
+              </a:cxn>
+              <a:cxn ang="0">
+                <a:pos x="connsiteX3" y="connsiteY3"/>
+              </a:cxn>
+              <a:cxn ang="0">
+                <a:pos x="connsiteX4" y="connsiteY4"/>
+              </a:cxn>
+              <a:cxn ang="0">
+                <a:pos x="connsiteX5" y="connsiteY5"/>
+              </a:cxn>
+              <a:cxn ang="0">
+                <a:pos x="connsiteX6" y="connsiteY6"/>
+              </a:cxn>
+              <a:cxn ang="0">
+                <a:pos x="connsiteX7" y="connsiteY7"/>
+              </a:cxn>
+              <a:cxn ang="0">
+                <a:pos x="connsiteX8" y="connsiteY8"/>
+              </a:cxn>
+              <a:cxn ang="0">
+                <a:pos x="connsiteX9" y="connsiteY9"/>
+              </a:cxn>
+              <a:cxn ang="0">
+                <a:pos x="connsiteX10" y="connsiteY10"/>
+              </a:cxn>
+              <a:cxn ang="0">
+                <a:pos x="connsiteX11" y="connsiteY11"/>
+              </a:cxn>
+              <a:cxn ang="0">
+                <a:pos x="connsiteX12" y="connsiteY12"/>
+              </a:cxn>
+              <a:cxn ang="0">
+                <a:pos x="connsiteX13" y="connsiteY13"/>
+              </a:cxn>
+              <a:cxn ang="0">
+                <a:pos x="connsiteX14" y="connsiteY14"/>
+              </a:cxn>
+              <a:cxn ang="0">
+                <a:pos x="connsiteX15" y="connsiteY15"/>
+              </a:cxn>
+              <a:cxn ang="0">
+                <a:pos x="connsiteX16" y="connsiteY16"/>
+              </a:cxn>
+            </a:cxnLst>
+            <a:rect l="l" t="t" r="r" b="b"/>
+            <a:pathLst>
+              <a:path w="139037" h="139039">
+                <a:moveTo>
+                  <a:pt x="129600" y="60082"/>
+                </a:moveTo>
+                <a:lnTo>
+                  <a:pt x="78955" y="60082"/>
+                </a:lnTo>
+                <a:lnTo>
+                  <a:pt x="78955" y="9437"/>
+                </a:lnTo>
+                <a:cubicBezTo>
+                  <a:pt x="78955" y="4225"/>
+                  <a:pt x="74730" y="0"/>
+                  <a:pt x="69519" y="0"/>
+                </a:cubicBezTo>
+                <a:cubicBezTo>
+                  <a:pt x="64307" y="0"/>
+                  <a:pt x="60082" y="4225"/>
+                  <a:pt x="60082" y="9437"/>
+                </a:cubicBezTo>
+                <a:lnTo>
+                  <a:pt x="60082" y="60082"/>
+                </a:lnTo>
+                <a:lnTo>
+                  <a:pt x="9437" y="60082"/>
+                </a:lnTo>
+                <a:cubicBezTo>
+                  <a:pt x="4225" y="60082"/>
+                  <a:pt x="0" y="64308"/>
+                  <a:pt x="0" y="69520"/>
+                </a:cubicBezTo>
+                <a:cubicBezTo>
+                  <a:pt x="0" y="74731"/>
+                  <a:pt x="4225" y="78957"/>
+                  <a:pt x="9437" y="78957"/>
+                </a:cubicBezTo>
+                <a:lnTo>
+                  <a:pt x="60082" y="78957"/>
+                </a:lnTo>
+                <a:lnTo>
+                  <a:pt x="60082" y="129602"/>
+                </a:lnTo>
+                <a:cubicBezTo>
+                  <a:pt x="60082" y="134814"/>
+                  <a:pt x="64307" y="139039"/>
+                  <a:pt x="69519" y="139039"/>
+                </a:cubicBezTo>
+                <a:cubicBezTo>
+                  <a:pt x="74730" y="139039"/>
+                  <a:pt x="78955" y="134814"/>
+                  <a:pt x="78955" y="129602"/>
+                </a:cubicBezTo>
+                <a:lnTo>
+                  <a:pt x="78955" y="78957"/>
+                </a:lnTo>
+                <a:lnTo>
+                  <a:pt x="129600" y="78957"/>
+                </a:lnTo>
+                <a:cubicBezTo>
+                  <a:pt x="134812" y="78957"/>
+                  <a:pt x="139037" y="74731"/>
+                  <a:pt x="139037" y="69520"/>
+                </a:cubicBezTo>
+                <a:cubicBezTo>
+                  <a:pt x="139037" y="64308"/>
+                  <a:pt x="134812" y="60082"/>
+                  <a:pt x="129600" y="60082"/>
+                </a:cubicBezTo>
+                <a:close/>
+              </a:path>
+            </a:pathLst>
+          </a:custGeom>
+          <a:solidFill>
+            <a:schemeClr val="bg1"/>
+          </a:solidFill>
+          <a:ln w="603" cap="flat">
+            <a:noFill/>
+            <a:prstDash val="solid"/>
+            <a:miter/>
+          </a:ln>
+        </p:spPr>
+        <p:txBody>
+          <a:bodyPr rtlCol="0" anchor="ctr"/>
+          <a:lstStyle/>
+          <a:p>
+            <a:endParaRPr lang="en-US"/>
+          </a:p>
+        </p:txBody>
+      </p:sp>
+      <p:cxnSp>
+        <p:nvCxnSpPr>
+          <p:cNvPr id="26" name="Straight Connector 19">
+            <a:extLst>
+              <a:ext uri="{FF2B5EF4-FFF2-40B4-BE49-F238E27FC236}">
+                <a16:creationId xmlns:a16="http://schemas.microsoft.com/office/drawing/2014/main" id="{56020367-4FD5-4596-8E10-C5F095CD8DBF}"/>
+              </a:ext>
+              <a:ext uri="{C183D7F6-B498-43B3-948B-1728B52AA6E4}">
+                <adec:decorative xmlns:adec="http://schemas.microsoft.com/office/drawing/2017/decorative" val="1"/>
+              </a:ext>
+            </a:extLst>
+          </p:cNvPr>
+          <p:cNvCxnSpPr>
+            <a:cxnSpLocks noGrp="1" noRot="1" noChangeAspect="1" noMove="1" noResize="1" noEditPoints="1" noAdjustHandles="1" noChangeArrowheads="1" noChangeShapeType="1"/>
+          </p:cNvCxnSpPr>
+          <p:nvPr>
+            <p:extLst>
+              <p:ext uri="{386F3935-93C4-4BCD-93E2-E3B085C9AB24}">
+                <p16:designElem xmlns:p16="http://schemas.microsoft.com/office/powerpoint/2015/main" val="1"/>
+              </p:ext>
+            </p:extLst>
+          </p:nvPr>
+        </p:nvCxnSpPr>
+        <p:spPr>
+          <a:xfrm>
+            <a:off x="5447322" y="1589368"/>
+            <a:ext cx="0" cy="5259754"/>
+          </a:xfrm>
+          <a:prstGeom prst="line">
+            <a:avLst/>
+          </a:prstGeom>
+          <a:ln w="25400" cap="sq">
+            <a:solidFill>
+              <a:schemeClr val="bg1"/>
+            </a:solidFill>
+            <a:bevel/>
+          </a:ln>
+        </p:spPr>
+        <p:style>
+          <a:lnRef idx="1">
+            <a:schemeClr val="accent1"/>
+          </a:lnRef>
+          <a:fillRef idx="0">
+            <a:schemeClr val="accent1"/>
+          </a:fillRef>
+          <a:effectRef idx="0">
+            <a:schemeClr val="accent1"/>
+          </a:effectRef>
+          <a:fontRef idx="minor">
+            <a:schemeClr val="tx1"/>
+          </a:fontRef>
+        </p:style>
+      </p:cxnSp>
+      <p:pic>
+        <p:nvPicPr>
+          <p:cNvPr id="7" name="Marcador de contenido 6" descr="Dibujo de un animal con la boca abierta&#10;&#10;Descripción generada automáticamente con confianza baja">
+            <a:extLst>
+              <a:ext uri="{FF2B5EF4-FFF2-40B4-BE49-F238E27FC236}">
+                <a16:creationId xmlns:a16="http://schemas.microsoft.com/office/drawing/2014/main" id="{307CDA18-86AB-8538-8528-27E2DA69F954}"/>
+              </a:ext>
+            </a:extLst>
+          </p:cNvPr>
+          <p:cNvPicPr>
+            <a:picLocks noGrp="1" noChangeAspect="1"/>
+          </p:cNvPicPr>
+          <p:nvPr>
+            <p:ph idx="1"/>
+          </p:nvPr>
+        </p:nvPicPr>
+        <p:blipFill>
+          <a:blip r:embed="rId2">
+            <a:extLst>
+              <a:ext uri="{28A0092B-C50C-407E-A947-70E740481C1C}">
+                <a14:useLocalDpi xmlns:a14="http://schemas.microsoft.com/office/drawing/2010/main" val="0"/>
+              </a:ext>
+            </a:extLst>
+          </a:blip>
+          <a:stretch>
+            <a:fillRect/>
+          </a:stretch>
+        </p:blipFill>
+        <p:spPr>
+          <a:xfrm>
+            <a:off x="6380106" y="1598246"/>
+            <a:ext cx="4783504" cy="4783504"/>
+          </a:xfrm>
+          <a:prstGeom prst="rect">
+            <a:avLst/>
+          </a:prstGeom>
+        </p:spPr>
+      </p:pic>
+      <p:sp>
+        <p:nvSpPr>
+          <p:cNvPr id="22" name="Graphic 21">
+            <a:extLst>
+              <a:ext uri="{FF2B5EF4-FFF2-40B4-BE49-F238E27FC236}">
+                <a16:creationId xmlns:a16="http://schemas.microsoft.com/office/drawing/2014/main" id="{8D61482F-F3C5-4D66-8C5D-C6BBE3E1275C}"/>
+              </a:ext>
+              <a:ext uri="{C183D7F6-B498-43B3-948B-1728B52AA6E4}">
+                <adec:decorative xmlns:adec="http://schemas.microsoft.com/office/drawing/2017/decorative" val="1"/>
+              </a:ext>
+            </a:extLst>
+          </p:cNvPr>
+          <p:cNvSpPr>
+            <a:spLocks noGrp="1" noRot="1" noChangeAspect="1" noMove="1" noResize="1" noEditPoints="1" noAdjustHandles="1" noChangeArrowheads="1" noChangeShapeType="1" noTextEdit="1"/>
+          </p:cNvSpPr>
+          <p:nvPr>
+            <p:extLst>
+              <p:ext uri="{386F3935-93C4-4BCD-93E2-E3B085C9AB24}">
+                <p16:designElem xmlns:p16="http://schemas.microsoft.com/office/powerpoint/2015/main" val="1"/>
+              </p:ext>
+            </p:extLst>
+          </p:nvPr>
+        </p:nvSpPr>
+        <p:spPr>
+          <a:xfrm>
+            <a:off x="11752801" y="1659316"/>
+            <a:ext cx="127713" cy="127714"/>
+          </a:xfrm>
+          <a:custGeom>
+            <a:avLst/>
+            <a:gdLst>
+              <a:gd name="connsiteX0" fmla="*/ 63857 w 127713"/>
+              <a:gd name="connsiteY0" fmla="*/ 18874 h 127714"/>
+              <a:gd name="connsiteX1" fmla="*/ 108839 w 127713"/>
+              <a:gd name="connsiteY1" fmla="*/ 63857 h 127714"/>
+              <a:gd name="connsiteX2" fmla="*/ 63857 w 127713"/>
+              <a:gd name="connsiteY2" fmla="*/ 108840 h 127714"/>
+              <a:gd name="connsiteX3" fmla="*/ 18874 w 127713"/>
+              <a:gd name="connsiteY3" fmla="*/ 63857 h 127714"/>
+              <a:gd name="connsiteX4" fmla="*/ 63857 w 127713"/>
+              <a:gd name="connsiteY4" fmla="*/ 18874 h 127714"/>
+              <a:gd name="connsiteX5" fmla="*/ 63857 w 127713"/>
+              <a:gd name="connsiteY5" fmla="*/ 0 h 127714"/>
+              <a:gd name="connsiteX6" fmla="*/ 0 w 127713"/>
+              <a:gd name="connsiteY6" fmla="*/ 63857 h 127714"/>
+              <a:gd name="connsiteX7" fmla="*/ 63857 w 127713"/>
+              <a:gd name="connsiteY7" fmla="*/ 127714 h 127714"/>
+              <a:gd name="connsiteX8" fmla="*/ 127713 w 127713"/>
+              <a:gd name="connsiteY8" fmla="*/ 63857 h 127714"/>
+              <a:gd name="connsiteX9" fmla="*/ 63857 w 127713"/>
+              <a:gd name="connsiteY9" fmla="*/ 0 h 127714"/>
+            </a:gdLst>
+            <a:ahLst/>
+            <a:cxnLst>
+              <a:cxn ang="0">
+                <a:pos x="connsiteX0" y="connsiteY0"/>
+              </a:cxn>
+              <a:cxn ang="0">
+                <a:pos x="connsiteX1" y="connsiteY1"/>
+              </a:cxn>
+              <a:cxn ang="0">
+                <a:pos x="connsiteX2" y="connsiteY2"/>
+              </a:cxn>
+              <a:cxn ang="0">
+                <a:pos x="connsiteX3" y="connsiteY3"/>
+              </a:cxn>
+              <a:cxn ang="0">
+                <a:pos x="connsiteX4" y="connsiteY4"/>
+              </a:cxn>
+              <a:cxn ang="0">
+                <a:pos x="connsiteX5" y="connsiteY5"/>
+              </a:cxn>
+              <a:cxn ang="0">
+                <a:pos x="connsiteX6" y="connsiteY6"/>
+              </a:cxn>
+              <a:cxn ang="0">
+                <a:pos x="connsiteX7" y="connsiteY7"/>
+              </a:cxn>
+              <a:cxn ang="0">
+                <a:pos x="connsiteX8" y="connsiteY8"/>
+              </a:cxn>
+              <a:cxn ang="0">
+                <a:pos x="connsiteX9" y="connsiteY9"/>
+              </a:cxn>
+            </a:cxnLst>
+            <a:rect l="l" t="t" r="r" b="b"/>
+            <a:pathLst>
+              <a:path w="127713" h="127714">
+                <a:moveTo>
+                  <a:pt x="63857" y="18874"/>
+                </a:moveTo>
+                <a:cubicBezTo>
+                  <a:pt x="88700" y="18874"/>
+                  <a:pt x="108839" y="39014"/>
+                  <a:pt x="108839" y="63857"/>
+                </a:cubicBezTo>
+                <a:cubicBezTo>
+                  <a:pt x="108839" y="88700"/>
+                  <a:pt x="88700" y="108840"/>
+                  <a:pt x="63857" y="108840"/>
+                </a:cubicBezTo>
+                <a:cubicBezTo>
+                  <a:pt x="39013" y="108840"/>
+                  <a:pt x="18874" y="88700"/>
+                  <a:pt x="18874" y="63857"/>
+                </a:cubicBezTo>
+                <a:cubicBezTo>
+                  <a:pt x="18898" y="39024"/>
+                  <a:pt x="39023" y="18898"/>
+                  <a:pt x="63857" y="18874"/>
+                </a:cubicBezTo>
+                <a:moveTo>
+                  <a:pt x="63857" y="0"/>
+                </a:moveTo>
+                <a:cubicBezTo>
+                  <a:pt x="28590" y="0"/>
+                  <a:pt x="0" y="28590"/>
+                  <a:pt x="0" y="63857"/>
+                </a:cubicBezTo>
+                <a:cubicBezTo>
+                  <a:pt x="0" y="99124"/>
+                  <a:pt x="28590" y="127714"/>
+                  <a:pt x="63857" y="127714"/>
+                </a:cubicBezTo>
+                <a:cubicBezTo>
+                  <a:pt x="99124" y="127714"/>
+                  <a:pt x="127713" y="99124"/>
+                  <a:pt x="127713" y="63857"/>
+                </a:cubicBezTo>
+                <a:cubicBezTo>
+                  <a:pt x="127713" y="28590"/>
+                  <a:pt x="99124" y="0"/>
+                  <a:pt x="63857" y="0"/>
+                </a:cubicBezTo>
+                <a:close/>
+              </a:path>
+            </a:pathLst>
+          </a:custGeom>
+          <a:solidFill>
+            <a:schemeClr val="bg1"/>
+          </a:solidFill>
+          <a:ln w="610" cap="flat">
+            <a:noFill/>
+            <a:prstDash val="solid"/>
+            <a:miter/>
+          </a:ln>
+        </p:spPr>
+        <p:txBody>
+          <a:bodyPr rtlCol="0" anchor="ctr"/>
+          <a:lstStyle/>
+          <a:p>
+            <a:endParaRPr lang="en-US"/>
+          </a:p>
+        </p:txBody>
+      </p:sp>
+    </p:spTree>
+    <p:extLst>
+      <p:ext uri="{BB962C8B-B14F-4D97-AF65-F5344CB8AC3E}">
+        <p14:creationId xmlns:p14="http://schemas.microsoft.com/office/powerpoint/2010/main" val="3742376617"/>
+      </p:ext>
+    </p:extLst>
+  </p:cSld>
+  <p:clrMapOvr>
+    <a:masterClrMapping/>
+  </p:clrMapOvr>
+</p:sld>
+</file>
+
+<file path=ppt/slides/slide13.xml><?xml version="1.0" encoding="utf-8"?>
+<p:sld xmlns:a="http://schemas.openxmlformats.org/drawingml/2006/main" xmlns:r="http://schemas.openxmlformats.org/officeDocument/2006/relationships" xmlns:p="http://schemas.openxmlformats.org/presentationml/2006/main">
+  <p:cSld>
+    <p:bg>
+      <p:bgPr>
+        <a:solidFill>
+          <a:schemeClr val="bg1"/>
+        </a:solidFill>
+        <a:effectLst/>
+      </p:bgPr>
+    </p:bg>
+    <p:spTree>
+      <p:nvGrpSpPr>
+        <p:cNvPr id="1" name=""/>
+        <p:cNvGrpSpPr/>
+        <p:nvPr/>
+      </p:nvGrpSpPr>
+      <p:grpSpPr>
+        <a:xfrm>
+          <a:off x="0" y="0"/>
+          <a:ext cx="0" cy="0"/>
+          <a:chOff x="0" y="0"/>
+          <a:chExt cx="0" cy="0"/>
+        </a:xfrm>
+      </p:grpSpPr>
+      <p:cxnSp>
+        <p:nvCxnSpPr>
+          <p:cNvPr id="10" name="Straight Connector 9">
+            <a:extLst>
+              <a:ext uri="{FF2B5EF4-FFF2-40B4-BE49-F238E27FC236}">
+                <a16:creationId xmlns:a16="http://schemas.microsoft.com/office/drawing/2014/main" id="{D1B787A8-0D67-4B7E-9B48-86BD906AB6B5}"/>
+              </a:ext>
+              <a:ext uri="{C183D7F6-B498-43B3-948B-1728B52AA6E4}">
+                <adec:decorative xmlns:adec="http://schemas.microsoft.com/office/drawing/2017/decorative" val="1"/>
+              </a:ext>
+            </a:extLst>
+          </p:cNvPr>
+          <p:cNvCxnSpPr>
+            <a:cxnSpLocks noGrp="1" noRot="1" noChangeAspect="1" noMove="1" noResize="1" noEditPoints="1" noAdjustHandles="1" noChangeArrowheads="1" noChangeShapeType="1"/>
+          </p:cNvCxnSpPr>
+          <p:nvPr>
+            <p:extLst>
+              <p:ext uri="{386F3935-93C4-4BCD-93E2-E3B085C9AB24}">
+                <p16:designElem xmlns:p16="http://schemas.microsoft.com/office/powerpoint/2015/main" val="1"/>
+              </p:ext>
+            </p:extLst>
+          </p:nvPr>
+        </p:nvCxnSpPr>
+        <p:spPr>
+          <a:xfrm>
+            <a:off x="715890" y="1114050"/>
+            <a:ext cx="0" cy="5735637"/>
+          </a:xfrm>
+          <a:prstGeom prst="line">
+            <a:avLst/>
+          </a:prstGeom>
+          <a:ln w="25400" cap="sq">
+            <a:gradFill flip="none" rotWithShape="1">
+              <a:gsLst>
+                <a:gs pos="0">
+                  <a:schemeClr val="accent2"/>
+                </a:gs>
+                <a:gs pos="100000">
+                  <a:schemeClr val="accent4"/>
+                </a:gs>
+              </a:gsLst>
+              <a:lin ang="16200000" scaled="1"/>
+              <a:tileRect/>
+            </a:gradFill>
+            <a:bevel/>
+          </a:ln>
+        </p:spPr>
+        <p:style>
+          <a:lnRef idx="1">
+            <a:schemeClr val="accent1"/>
+          </a:lnRef>
+          <a:fillRef idx="0">
+            <a:schemeClr val="accent1"/>
+          </a:fillRef>
+          <a:effectRef idx="0">
+            <a:schemeClr val="accent1"/>
+          </a:effectRef>
+          <a:fontRef idx="minor">
+            <a:schemeClr val="tx1"/>
+          </a:fontRef>
+        </p:style>
+      </p:cxnSp>
+      <p:sp>
+        <p:nvSpPr>
+          <p:cNvPr id="12" name="Rectangle 11">
+            <a:extLst>
+              <a:ext uri="{FF2B5EF4-FFF2-40B4-BE49-F238E27FC236}">
+                <a16:creationId xmlns:a16="http://schemas.microsoft.com/office/drawing/2014/main" id="{158B3569-73B2-4D05-8E95-886A6EE17F1F}"/>
+              </a:ext>
+              <a:ext uri="{C183D7F6-B498-43B3-948B-1728B52AA6E4}">
+                <adec:decorative xmlns:adec="http://schemas.microsoft.com/office/drawing/2017/decorative" val="1"/>
+              </a:ext>
+            </a:extLst>
+          </p:cNvPr>
+          <p:cNvSpPr>
+            <a:spLocks noGrp="1" noRot="1" noChangeAspect="1" noMove="1" noResize="1" noEditPoints="1" noAdjustHandles="1" noChangeArrowheads="1" noChangeShapeType="1" noTextEdit="1"/>
+          </p:cNvSpPr>
+          <p:nvPr>
+            <p:extLst>
+              <p:ext uri="{386F3935-93C4-4BCD-93E2-E3B085C9AB24}">
+                <p16:designElem xmlns:p16="http://schemas.microsoft.com/office/powerpoint/2015/main" val="1"/>
+              </p:ext>
+            </p:extLst>
+          </p:nvPr>
+        </p:nvSpPr>
+        <p:spPr>
+          <a:xfrm>
+            <a:off x="0" y="0"/>
+            <a:ext cx="12192000" cy="6858000"/>
+          </a:xfrm>
+          <a:prstGeom prst="rect">
+            <a:avLst/>
+          </a:prstGeom>
+          <a:gradFill flip="none" rotWithShape="1">
+            <a:gsLst>
+              <a:gs pos="100000">
+                <a:schemeClr val="accent4"/>
+              </a:gs>
+              <a:gs pos="0">
+                <a:schemeClr val="accent2"/>
+              </a:gs>
+            </a:gsLst>
+            <a:lin ang="2700000" scaled="1"/>
+            <a:tileRect/>
+          </a:gradFill>
+          <a:ln>
+            <a:noFill/>
+          </a:ln>
+        </p:spPr>
+        <p:style>
+          <a:lnRef idx="2">
+            <a:schemeClr val="accent1">
+              <a:shade val="50000"/>
+            </a:schemeClr>
+          </a:lnRef>
+          <a:fillRef idx="1">
+            <a:schemeClr val="accent1"/>
+          </a:fillRef>
+          <a:effectRef idx="0">
+            <a:schemeClr val="accent1"/>
+          </a:effectRef>
+          <a:fontRef idx="minor">
+            <a:schemeClr val="lt1"/>
+          </a:fontRef>
+        </p:style>
+        <p:txBody>
+          <a:bodyPr rtlCol="0" anchor="ctr"/>
+          <a:lstStyle/>
+          <a:p>
+            <a:pPr algn="ctr"/>
+            <a:endParaRPr lang="en-US"/>
+          </a:p>
+        </p:txBody>
+      </p:sp>
+      <p:sp>
+        <p:nvSpPr>
+          <p:cNvPr id="2" name="Título 1">
+            <a:extLst>
+              <a:ext uri="{FF2B5EF4-FFF2-40B4-BE49-F238E27FC236}">
+                <a16:creationId xmlns:a16="http://schemas.microsoft.com/office/drawing/2014/main" id="{A73A657F-AB3E-7586-9697-7B25F92BC3D7}"/>
+              </a:ext>
+            </a:extLst>
+          </p:cNvPr>
+          <p:cNvSpPr>
+            <a:spLocks noGrp="1"/>
+          </p:cNvSpPr>
+          <p:nvPr>
+            <p:ph type="title"/>
+          </p:nvPr>
+        </p:nvSpPr>
+        <p:spPr>
+          <a:xfrm>
+            <a:off x="457200" y="1598246"/>
+            <a:ext cx="4412419" cy="3626217"/>
+          </a:xfrm>
+        </p:spPr>
+        <p:txBody>
+          <a:bodyPr vert="horz" lIns="91440" tIns="45720" rIns="91440" bIns="45720" rtlCol="0" anchor="t">
+            <a:normAutofit/>
+          </a:bodyPr>
+          <a:lstStyle/>
+          <a:p>
+            <a:pPr algn="r"/>
+            <a:r>
+              <a:rPr lang="en-US" sz="6200" b="1" i="0" kern="1200" cap="all" baseline="0" dirty="0">
+                <a:solidFill>
+                  <a:schemeClr val="bg1"/>
+                </a:solidFill>
+                <a:latin typeface="+mj-lt"/>
+                <a:ea typeface="+mj-ea"/>
+                <a:cs typeface="+mj-cs"/>
+              </a:rPr>
+              <a:t>¿Que es Tailwind </a:t>
+            </a:r>
+            <a:r>
+              <a:rPr lang="en-US" sz="6200" b="1" i="0" kern="1200" cap="all" baseline="0" dirty="0" err="1">
+                <a:solidFill>
+                  <a:schemeClr val="bg1"/>
+                </a:solidFill>
+                <a:latin typeface="+mj-lt"/>
+                <a:ea typeface="+mj-ea"/>
+                <a:cs typeface="+mj-cs"/>
+              </a:rPr>
+              <a:t>css</a:t>
+            </a:r>
+            <a:r>
+              <a:rPr lang="en-US" sz="6200" b="1" i="0" kern="1200" cap="all" baseline="0" dirty="0">
+                <a:solidFill>
+                  <a:schemeClr val="bg1"/>
+                </a:solidFill>
+                <a:latin typeface="+mj-lt"/>
+                <a:ea typeface="+mj-ea"/>
+                <a:cs typeface="+mj-cs"/>
+              </a:rPr>
+              <a:t>?</a:t>
+            </a:r>
+            <a:br>
+              <a:rPr lang="en-US" sz="6200" b="1" i="0" kern="1200" cap="all" baseline="0" dirty="0">
+                <a:solidFill>
+                  <a:schemeClr val="bg1"/>
+                </a:solidFill>
+                <a:latin typeface="+mj-lt"/>
+                <a:ea typeface="+mj-ea"/>
+                <a:cs typeface="+mj-cs"/>
+              </a:rPr>
+            </a:br>
+            <a:endParaRPr lang="en-US" sz="6200" b="1" i="0" kern="1200" cap="all" baseline="0" dirty="0">
+              <a:solidFill>
+                <a:schemeClr val="bg1"/>
+              </a:solidFill>
+              <a:latin typeface="+mj-lt"/>
+              <a:ea typeface="+mj-ea"/>
+              <a:cs typeface="+mj-cs"/>
+            </a:endParaRPr>
+          </a:p>
+        </p:txBody>
+      </p:sp>
+      <p:sp>
+        <p:nvSpPr>
+          <p:cNvPr id="14" name="Graphic 17">
+            <a:extLst>
+              <a:ext uri="{FF2B5EF4-FFF2-40B4-BE49-F238E27FC236}">
+                <a16:creationId xmlns:a16="http://schemas.microsoft.com/office/drawing/2014/main" id="{B71758F4-3F46-45DA-8AC5-4E508DA080BA}"/>
+              </a:ext>
+              <a:ext uri="{C183D7F6-B498-43B3-948B-1728B52AA6E4}">
+                <adec:decorative xmlns:adec="http://schemas.microsoft.com/office/drawing/2017/decorative" val="1"/>
+              </a:ext>
+            </a:extLst>
+          </p:cNvPr>
+          <p:cNvSpPr>
+            <a:spLocks noGrp="1" noRot="1" noChangeAspect="1" noMove="1" noResize="1" noEditPoints="1" noAdjustHandles="1" noChangeArrowheads="1" noChangeShapeType="1" noTextEdit="1"/>
+          </p:cNvSpPr>
+          <p:nvPr>
+            <p:extLst>
+              <p:ext uri="{386F3935-93C4-4BCD-93E2-E3B085C9AB24}">
+                <p16:designElem xmlns:p16="http://schemas.microsoft.com/office/powerpoint/2015/main" val="1"/>
+              </p:ext>
+            </p:extLst>
+          </p:nvPr>
+        </p:nvSpPr>
+        <p:spPr>
+          <a:xfrm>
+            <a:off x="11512034" y="1267063"/>
+            <a:ext cx="139037" cy="139039"/>
+          </a:xfrm>
+          <a:custGeom>
+            <a:avLst/>
+            <a:gdLst>
+              <a:gd name="connsiteX0" fmla="*/ 129600 w 139037"/>
+              <a:gd name="connsiteY0" fmla="*/ 60082 h 139039"/>
+              <a:gd name="connsiteX1" fmla="*/ 78955 w 139037"/>
+              <a:gd name="connsiteY1" fmla="*/ 60082 h 139039"/>
+              <a:gd name="connsiteX2" fmla="*/ 78955 w 139037"/>
+              <a:gd name="connsiteY2" fmla="*/ 9437 h 139039"/>
+              <a:gd name="connsiteX3" fmla="*/ 69519 w 139037"/>
+              <a:gd name="connsiteY3" fmla="*/ 0 h 139039"/>
+              <a:gd name="connsiteX4" fmla="*/ 60082 w 139037"/>
+              <a:gd name="connsiteY4" fmla="*/ 9437 h 139039"/>
+              <a:gd name="connsiteX5" fmla="*/ 60082 w 139037"/>
+              <a:gd name="connsiteY5" fmla="*/ 60082 h 139039"/>
+              <a:gd name="connsiteX6" fmla="*/ 9437 w 139037"/>
+              <a:gd name="connsiteY6" fmla="*/ 60082 h 139039"/>
+              <a:gd name="connsiteX7" fmla="*/ 0 w 139037"/>
+              <a:gd name="connsiteY7" fmla="*/ 69520 h 139039"/>
+              <a:gd name="connsiteX8" fmla="*/ 9437 w 139037"/>
+              <a:gd name="connsiteY8" fmla="*/ 78957 h 139039"/>
+              <a:gd name="connsiteX9" fmla="*/ 60082 w 139037"/>
+              <a:gd name="connsiteY9" fmla="*/ 78957 h 139039"/>
+              <a:gd name="connsiteX10" fmla="*/ 60082 w 139037"/>
+              <a:gd name="connsiteY10" fmla="*/ 129602 h 139039"/>
+              <a:gd name="connsiteX11" fmla="*/ 69519 w 139037"/>
+              <a:gd name="connsiteY11" fmla="*/ 139039 h 139039"/>
+              <a:gd name="connsiteX12" fmla="*/ 78955 w 139037"/>
+              <a:gd name="connsiteY12" fmla="*/ 129602 h 139039"/>
+              <a:gd name="connsiteX13" fmla="*/ 78955 w 139037"/>
+              <a:gd name="connsiteY13" fmla="*/ 78957 h 139039"/>
+              <a:gd name="connsiteX14" fmla="*/ 129600 w 139037"/>
+              <a:gd name="connsiteY14" fmla="*/ 78957 h 139039"/>
+              <a:gd name="connsiteX15" fmla="*/ 139037 w 139037"/>
+              <a:gd name="connsiteY15" fmla="*/ 69520 h 139039"/>
+              <a:gd name="connsiteX16" fmla="*/ 129600 w 139037"/>
+              <a:gd name="connsiteY16" fmla="*/ 60082 h 139039"/>
+            </a:gdLst>
+            <a:ahLst/>
+            <a:cxnLst>
+              <a:cxn ang="0">
+                <a:pos x="connsiteX0" y="connsiteY0"/>
+              </a:cxn>
+              <a:cxn ang="0">
+                <a:pos x="connsiteX1" y="connsiteY1"/>
+              </a:cxn>
+              <a:cxn ang="0">
+                <a:pos x="connsiteX2" y="connsiteY2"/>
+              </a:cxn>
+              <a:cxn ang="0">
+                <a:pos x="connsiteX3" y="connsiteY3"/>
+              </a:cxn>
+              <a:cxn ang="0">
+                <a:pos x="connsiteX4" y="connsiteY4"/>
+              </a:cxn>
+              <a:cxn ang="0">
+                <a:pos x="connsiteX5" y="connsiteY5"/>
+              </a:cxn>
+              <a:cxn ang="0">
+                <a:pos x="connsiteX6" y="connsiteY6"/>
+              </a:cxn>
+              <a:cxn ang="0">
+                <a:pos x="connsiteX7" y="connsiteY7"/>
+              </a:cxn>
+              <a:cxn ang="0">
+                <a:pos x="connsiteX8" y="connsiteY8"/>
+              </a:cxn>
+              <a:cxn ang="0">
+                <a:pos x="connsiteX9" y="connsiteY9"/>
+              </a:cxn>
+              <a:cxn ang="0">
+                <a:pos x="connsiteX10" y="connsiteY10"/>
+              </a:cxn>
+              <a:cxn ang="0">
+                <a:pos x="connsiteX11" y="connsiteY11"/>
+              </a:cxn>
+              <a:cxn ang="0">
+                <a:pos x="connsiteX12" y="connsiteY12"/>
+              </a:cxn>
+              <a:cxn ang="0">
+                <a:pos x="connsiteX13" y="connsiteY13"/>
+              </a:cxn>
+              <a:cxn ang="0">
+                <a:pos x="connsiteX14" y="connsiteY14"/>
+              </a:cxn>
+              <a:cxn ang="0">
+                <a:pos x="connsiteX15" y="connsiteY15"/>
+              </a:cxn>
+              <a:cxn ang="0">
+                <a:pos x="connsiteX16" y="connsiteY16"/>
+              </a:cxn>
+            </a:cxnLst>
+            <a:rect l="l" t="t" r="r" b="b"/>
+            <a:pathLst>
+              <a:path w="139037" h="139039">
+                <a:moveTo>
+                  <a:pt x="129600" y="60082"/>
+                </a:moveTo>
+                <a:lnTo>
+                  <a:pt x="78955" y="60082"/>
+                </a:lnTo>
+                <a:lnTo>
+                  <a:pt x="78955" y="9437"/>
+                </a:lnTo>
+                <a:cubicBezTo>
+                  <a:pt x="78955" y="4225"/>
+                  <a:pt x="74730" y="0"/>
+                  <a:pt x="69519" y="0"/>
+                </a:cubicBezTo>
+                <a:cubicBezTo>
+                  <a:pt x="64307" y="0"/>
+                  <a:pt x="60082" y="4225"/>
+                  <a:pt x="60082" y="9437"/>
+                </a:cubicBezTo>
+                <a:lnTo>
+                  <a:pt x="60082" y="60082"/>
+                </a:lnTo>
+                <a:lnTo>
+                  <a:pt x="9437" y="60082"/>
+                </a:lnTo>
+                <a:cubicBezTo>
+                  <a:pt x="4225" y="60082"/>
+                  <a:pt x="0" y="64308"/>
+                  <a:pt x="0" y="69520"/>
+                </a:cubicBezTo>
+                <a:cubicBezTo>
+                  <a:pt x="0" y="74731"/>
+                  <a:pt x="4225" y="78957"/>
+                  <a:pt x="9437" y="78957"/>
+                </a:cubicBezTo>
+                <a:lnTo>
+                  <a:pt x="60082" y="78957"/>
+                </a:lnTo>
+                <a:lnTo>
+                  <a:pt x="60082" y="129602"/>
+                </a:lnTo>
+                <a:cubicBezTo>
+                  <a:pt x="60082" y="134814"/>
+                  <a:pt x="64307" y="139039"/>
+                  <a:pt x="69519" y="139039"/>
+                </a:cubicBezTo>
+                <a:cubicBezTo>
+                  <a:pt x="74730" y="139039"/>
+                  <a:pt x="78955" y="134814"/>
+                  <a:pt x="78955" y="129602"/>
+                </a:cubicBezTo>
+                <a:lnTo>
+                  <a:pt x="78955" y="78957"/>
+                </a:lnTo>
+                <a:lnTo>
+                  <a:pt x="129600" y="78957"/>
+                </a:lnTo>
+                <a:cubicBezTo>
+                  <a:pt x="134812" y="78957"/>
+                  <a:pt x="139037" y="74731"/>
+                  <a:pt x="139037" y="69520"/>
+                </a:cubicBezTo>
+                <a:cubicBezTo>
+                  <a:pt x="139037" y="64308"/>
+                  <a:pt x="134812" y="60082"/>
+                  <a:pt x="129600" y="60082"/>
+                </a:cubicBezTo>
+                <a:close/>
+              </a:path>
+            </a:pathLst>
+          </a:custGeom>
+          <a:solidFill>
+            <a:schemeClr val="bg1"/>
+          </a:solidFill>
+          <a:ln w="603" cap="flat">
+            <a:noFill/>
+            <a:prstDash val="solid"/>
+            <a:miter/>
+          </a:ln>
+        </p:spPr>
+        <p:txBody>
+          <a:bodyPr rtlCol="0" anchor="ctr"/>
+          <a:lstStyle/>
+          <a:p>
+            <a:endParaRPr lang="en-US"/>
+          </a:p>
+        </p:txBody>
+      </p:sp>
+      <p:cxnSp>
+        <p:nvCxnSpPr>
+          <p:cNvPr id="16" name="Straight Connector 15">
+            <a:extLst>
+              <a:ext uri="{FF2B5EF4-FFF2-40B4-BE49-F238E27FC236}">
+                <a16:creationId xmlns:a16="http://schemas.microsoft.com/office/drawing/2014/main" id="{56020367-4FD5-4596-8E10-C5F095CD8DBF}"/>
+              </a:ext>
+              <a:ext uri="{C183D7F6-B498-43B3-948B-1728B52AA6E4}">
+                <adec:decorative xmlns:adec="http://schemas.microsoft.com/office/drawing/2017/decorative" val="1"/>
+              </a:ext>
+            </a:extLst>
+          </p:cNvPr>
+          <p:cNvCxnSpPr>
+            <a:cxnSpLocks noGrp="1" noRot="1" noChangeAspect="1" noMove="1" noResize="1" noEditPoints="1" noAdjustHandles="1" noChangeArrowheads="1" noChangeShapeType="1"/>
+          </p:cNvCxnSpPr>
+          <p:nvPr>
+            <p:extLst>
+              <p:ext uri="{386F3935-93C4-4BCD-93E2-E3B085C9AB24}">
+                <p16:designElem xmlns:p16="http://schemas.microsoft.com/office/powerpoint/2015/main" val="1"/>
+              </p:ext>
+            </p:extLst>
+          </p:nvPr>
+        </p:nvCxnSpPr>
+        <p:spPr>
+          <a:xfrm>
+            <a:off x="5447322" y="1589368"/>
+            <a:ext cx="0" cy="5259754"/>
+          </a:xfrm>
+          <a:prstGeom prst="line">
+            <a:avLst/>
+          </a:prstGeom>
+          <a:ln w="25400" cap="sq">
+            <a:solidFill>
+              <a:schemeClr val="bg1"/>
+            </a:solidFill>
+            <a:bevel/>
+          </a:ln>
+        </p:spPr>
+        <p:style>
+          <a:lnRef idx="1">
+            <a:schemeClr val="accent1"/>
+          </a:lnRef>
+          <a:fillRef idx="0">
+            <a:schemeClr val="accent1"/>
+          </a:fillRef>
+          <a:effectRef idx="0">
+            <a:schemeClr val="accent1"/>
+          </a:effectRef>
+          <a:fontRef idx="minor">
+            <a:schemeClr val="tx1"/>
+          </a:fontRef>
+        </p:style>
+      </p:cxnSp>
+      <p:pic>
+        <p:nvPicPr>
+          <p:cNvPr id="7" name="Graphic 6" descr="Preguntas">
+            <a:extLst>
+              <a:ext uri="{FF2B5EF4-FFF2-40B4-BE49-F238E27FC236}">
+                <a16:creationId xmlns:a16="http://schemas.microsoft.com/office/drawing/2014/main" id="{4370A73F-19F6-D9A6-7704-768EFC26DC56}"/>
+              </a:ext>
+            </a:extLst>
+          </p:cNvPr>
+          <p:cNvPicPr>
+            <a:picLocks noChangeAspect="1"/>
+          </p:cNvPicPr>
+          <p:nvPr/>
+        </p:nvPicPr>
+        <p:blipFill>
+          <a:blip r:embed="rId2">
+            <a:extLst>
+              <a:ext uri="{28A0092B-C50C-407E-A947-70E740481C1C}">
+                <a14:useLocalDpi xmlns:a14="http://schemas.microsoft.com/office/drawing/2010/main" val="0"/>
+              </a:ext>
+              <a:ext uri="{96DAC541-7B7A-43D3-8B79-37D633B846F1}">
+                <asvg:svgBlip xmlns:asvg="http://schemas.microsoft.com/office/drawing/2016/SVG/main" r:embed="rId3"/>
+              </a:ext>
+            </a:extLst>
+          </a:blip>
+          <a:stretch>
+            <a:fillRect/>
+          </a:stretch>
+        </p:blipFill>
+        <p:spPr>
+          <a:xfrm>
+            <a:off x="6380106" y="1598246"/>
+            <a:ext cx="4783504" cy="4783504"/>
+          </a:xfrm>
+          <a:prstGeom prst="rect">
+            <a:avLst/>
+          </a:prstGeom>
+        </p:spPr>
+      </p:pic>
+      <p:sp>
+        <p:nvSpPr>
+          <p:cNvPr id="18" name="Graphic 21">
+            <a:extLst>
+              <a:ext uri="{FF2B5EF4-FFF2-40B4-BE49-F238E27FC236}">
+                <a16:creationId xmlns:a16="http://schemas.microsoft.com/office/drawing/2014/main" id="{8D61482F-F3C5-4D66-8C5D-C6BBE3E1275C}"/>
+              </a:ext>
+              <a:ext uri="{C183D7F6-B498-43B3-948B-1728B52AA6E4}">
+                <adec:decorative xmlns:adec="http://schemas.microsoft.com/office/drawing/2017/decorative" val="1"/>
+              </a:ext>
+            </a:extLst>
+          </p:cNvPr>
+          <p:cNvSpPr>
+            <a:spLocks noGrp="1" noRot="1" noChangeAspect="1" noMove="1" noResize="1" noEditPoints="1" noAdjustHandles="1" noChangeArrowheads="1" noChangeShapeType="1" noTextEdit="1"/>
+          </p:cNvSpPr>
+          <p:nvPr>
+            <p:extLst>
+              <p:ext uri="{386F3935-93C4-4BCD-93E2-E3B085C9AB24}">
+                <p16:designElem xmlns:p16="http://schemas.microsoft.com/office/powerpoint/2015/main" val="1"/>
+              </p:ext>
+            </p:extLst>
+          </p:nvPr>
+        </p:nvSpPr>
+        <p:spPr>
+          <a:xfrm>
+            <a:off x="11752801" y="1659316"/>
+            <a:ext cx="127713" cy="127714"/>
+          </a:xfrm>
+          <a:custGeom>
+            <a:avLst/>
+            <a:gdLst>
+              <a:gd name="connsiteX0" fmla="*/ 63857 w 127713"/>
+              <a:gd name="connsiteY0" fmla="*/ 18874 h 127714"/>
+              <a:gd name="connsiteX1" fmla="*/ 108839 w 127713"/>
+              <a:gd name="connsiteY1" fmla="*/ 63857 h 127714"/>
+              <a:gd name="connsiteX2" fmla="*/ 63857 w 127713"/>
+              <a:gd name="connsiteY2" fmla="*/ 108840 h 127714"/>
+              <a:gd name="connsiteX3" fmla="*/ 18874 w 127713"/>
+              <a:gd name="connsiteY3" fmla="*/ 63857 h 127714"/>
+              <a:gd name="connsiteX4" fmla="*/ 63857 w 127713"/>
+              <a:gd name="connsiteY4" fmla="*/ 18874 h 127714"/>
+              <a:gd name="connsiteX5" fmla="*/ 63857 w 127713"/>
+              <a:gd name="connsiteY5" fmla="*/ 0 h 127714"/>
+              <a:gd name="connsiteX6" fmla="*/ 0 w 127713"/>
+              <a:gd name="connsiteY6" fmla="*/ 63857 h 127714"/>
+              <a:gd name="connsiteX7" fmla="*/ 63857 w 127713"/>
+              <a:gd name="connsiteY7" fmla="*/ 127714 h 127714"/>
+              <a:gd name="connsiteX8" fmla="*/ 127713 w 127713"/>
+              <a:gd name="connsiteY8" fmla="*/ 63857 h 127714"/>
+              <a:gd name="connsiteX9" fmla="*/ 63857 w 127713"/>
+              <a:gd name="connsiteY9" fmla="*/ 0 h 127714"/>
+            </a:gdLst>
+            <a:ahLst/>
+            <a:cxnLst>
+              <a:cxn ang="0">
+                <a:pos x="connsiteX0" y="connsiteY0"/>
+              </a:cxn>
+              <a:cxn ang="0">
+                <a:pos x="connsiteX1" y="connsiteY1"/>
+              </a:cxn>
+              <a:cxn ang="0">
+                <a:pos x="connsiteX2" y="connsiteY2"/>
+              </a:cxn>
+              <a:cxn ang="0">
+                <a:pos x="connsiteX3" y="connsiteY3"/>
+              </a:cxn>
+              <a:cxn ang="0">
+                <a:pos x="connsiteX4" y="connsiteY4"/>
+              </a:cxn>
+              <a:cxn ang="0">
+                <a:pos x="connsiteX5" y="connsiteY5"/>
+              </a:cxn>
+              <a:cxn ang="0">
+                <a:pos x="connsiteX6" y="connsiteY6"/>
+              </a:cxn>
+              <a:cxn ang="0">
+                <a:pos x="connsiteX7" y="connsiteY7"/>
+              </a:cxn>
+              <a:cxn ang="0">
+                <a:pos x="connsiteX8" y="connsiteY8"/>
+              </a:cxn>
+              <a:cxn ang="0">
+                <a:pos x="connsiteX9" y="connsiteY9"/>
+              </a:cxn>
+            </a:cxnLst>
+            <a:rect l="l" t="t" r="r" b="b"/>
+            <a:pathLst>
+              <a:path w="127713" h="127714">
+                <a:moveTo>
+                  <a:pt x="63857" y="18874"/>
+                </a:moveTo>
+                <a:cubicBezTo>
+                  <a:pt x="88700" y="18874"/>
+                  <a:pt x="108839" y="39014"/>
+                  <a:pt x="108839" y="63857"/>
+                </a:cubicBezTo>
+                <a:cubicBezTo>
+                  <a:pt x="108839" y="88700"/>
+                  <a:pt x="88700" y="108840"/>
+                  <a:pt x="63857" y="108840"/>
+                </a:cubicBezTo>
+                <a:cubicBezTo>
+                  <a:pt x="39013" y="108840"/>
+                  <a:pt x="18874" y="88700"/>
+                  <a:pt x="18874" y="63857"/>
+                </a:cubicBezTo>
+                <a:cubicBezTo>
+                  <a:pt x="18898" y="39024"/>
+                  <a:pt x="39023" y="18898"/>
+                  <a:pt x="63857" y="18874"/>
+                </a:cubicBezTo>
+                <a:moveTo>
+                  <a:pt x="63857" y="0"/>
+                </a:moveTo>
+                <a:cubicBezTo>
+                  <a:pt x="28590" y="0"/>
+                  <a:pt x="0" y="28590"/>
+                  <a:pt x="0" y="63857"/>
+                </a:cubicBezTo>
+                <a:cubicBezTo>
+                  <a:pt x="0" y="99124"/>
+                  <a:pt x="28590" y="127714"/>
+                  <a:pt x="63857" y="127714"/>
+                </a:cubicBezTo>
+                <a:cubicBezTo>
+                  <a:pt x="99124" y="127714"/>
+                  <a:pt x="127713" y="99124"/>
+                  <a:pt x="127713" y="63857"/>
+                </a:cubicBezTo>
+                <a:cubicBezTo>
+                  <a:pt x="127713" y="28590"/>
+                  <a:pt x="99124" y="0"/>
+                  <a:pt x="63857" y="0"/>
+                </a:cubicBezTo>
+                <a:close/>
+              </a:path>
+            </a:pathLst>
+          </a:custGeom>
+          <a:solidFill>
+            <a:schemeClr val="bg1"/>
+          </a:solidFill>
+          <a:ln w="610" cap="flat">
+            <a:noFill/>
+            <a:prstDash val="solid"/>
+            <a:miter/>
+          </a:ln>
+        </p:spPr>
+        <p:txBody>
+          <a:bodyPr rtlCol="0" anchor="ctr"/>
+          <a:lstStyle/>
+          <a:p>
+            <a:endParaRPr lang="en-US"/>
+          </a:p>
+        </p:txBody>
+      </p:sp>
+    </p:spTree>
+    <p:extLst>
+      <p:ext uri="{BB962C8B-B14F-4D97-AF65-F5344CB8AC3E}">
+        <p14:creationId xmlns:p14="http://schemas.microsoft.com/office/powerpoint/2010/main" val="1393686343"/>
+      </p:ext>
+    </p:extLst>
+  </p:cSld>
+  <p:clrMapOvr>
+    <a:masterClrMapping/>
+  </p:clrMapOvr>
+</p:sld>
+</file>
+
+<file path=ppt/slides/slide2.xml><?xml version="1.0" encoding="utf-8"?>
+<p:sld xmlns:a="http://schemas.openxmlformats.org/drawingml/2006/main" xmlns:r="http://schemas.openxmlformats.org/officeDocument/2006/relationships" xmlns:p="http://schemas.openxmlformats.org/presentationml/2006/main">
+  <p:cSld>
+    <p:bg>
+      <p:bgPr>
+        <a:solidFill>
+          <a:schemeClr val="bg1"/>
+        </a:solidFill>
+        <a:effectLst/>
+      </p:bgPr>
+    </p:bg>
+    <p:spTree>
+      <p:nvGrpSpPr>
+        <p:cNvPr id="1" name=""/>
+        <p:cNvGrpSpPr/>
+        <p:nvPr/>
+      </p:nvGrpSpPr>
+      <p:grpSpPr>
+        <a:xfrm>
+          <a:off x="0" y="0"/>
+          <a:ext cx="0" cy="0"/>
+          <a:chOff x="0" y="0"/>
+          <a:chExt cx="0" cy="0"/>
+        </a:xfrm>
+      </p:grpSpPr>
+      <p:sp useBgFill="1">
+        <p:nvSpPr>
+          <p:cNvPr id="44" name="Rectangle 30">
+            <a:extLst>
+              <a:ext uri="{FF2B5EF4-FFF2-40B4-BE49-F238E27FC236}">
+                <a16:creationId xmlns:a16="http://schemas.microsoft.com/office/drawing/2014/main" id="{7EE0A6B3-EB7E-45AA-ADB6-138489E0CD75}"/>
+              </a:ext>
+              <a:ext uri="{C183D7F6-B498-43B3-948B-1728B52AA6E4}">
+                <adec:decorative xmlns:adec="http://schemas.microsoft.com/office/drawing/2017/decorative" val="1"/>
+              </a:ext>
+            </a:extLst>
+          </p:cNvPr>
+          <p:cNvSpPr>
+            <a:spLocks noGrp="1" noRot="1" noChangeAspect="1" noMove="1" noResize="1" noEditPoints="1" noAdjustHandles="1" noChangeArrowheads="1" noChangeShapeType="1" noTextEdit="1"/>
+          </p:cNvSpPr>
+          <p:nvPr>
+            <p:extLst>
+              <p:ext uri="{386F3935-93C4-4BCD-93E2-E3B085C9AB24}">
+                <p16:designElem xmlns:p16="http://schemas.microsoft.com/office/powerpoint/2015/main" val="1"/>
+              </p:ext>
+            </p:extLst>
+          </p:nvPr>
+        </p:nvSpPr>
+        <p:spPr>
+          <a:xfrm>
+            <a:off x="0" y="0"/>
+            <a:ext cx="12192000" cy="6858000"/>
+          </a:xfrm>
+          <a:prstGeom prst="rect">
+            <a:avLst/>
+          </a:prstGeom>
+          <a:ln w="12700" cap="flat" cmpd="sng" algn="ctr">
+            <a:noFill/>
+            <a:prstDash val="solid"/>
+            <a:miter lim="800000"/>
+          </a:ln>
+          <a:effectLst/>
+          <a:extLst>
+            <a:ext uri="{91240B29-F687-4F45-9708-019B960494DF}">
+              <a14:hiddenLine xmlns:a14="http://schemas.microsoft.com/office/drawing/2010/main" w="12700" cap="flat" cmpd="sng" algn="ctr">
+                <a:solidFill>
+                  <a:schemeClr val="accent1">
+                    <a:shade val="50000"/>
+                  </a:schemeClr>
+                </a:solidFill>
+                <a:prstDash val="solid"/>
+                <a:miter lim="800000"/>
+              </a14:hiddenLine>
+            </a:ext>
+          </a:extLst>
+        </p:spPr>
+        <p:style>
+          <a:lnRef idx="2">
+            <a:schemeClr val="accent1">
+              <a:shade val="50000"/>
+            </a:schemeClr>
+          </a:lnRef>
+          <a:fillRef idx="1">
+            <a:schemeClr val="accent1"/>
+          </a:fillRef>
+          <a:effectRef idx="0">
+            <a:schemeClr val="accent1"/>
+          </a:effectRef>
+          <a:fontRef idx="minor">
+            <a:schemeClr val="lt1"/>
+          </a:fontRef>
+        </p:style>
+        <p:txBody>
+          <a:bodyPr rtlCol="0" anchor="ctr"/>
+          <a:lstStyle/>
+          <a:p>
+            <a:pPr algn="ctr"/>
+            <a:endParaRPr lang="en-US"/>
+          </a:p>
+        </p:txBody>
+      </p:sp>
+      <p:sp>
+        <p:nvSpPr>
+          <p:cNvPr id="45" name="!!Rectangle">
+            <a:extLst>
+              <a:ext uri="{FF2B5EF4-FFF2-40B4-BE49-F238E27FC236}">
+                <a16:creationId xmlns:a16="http://schemas.microsoft.com/office/drawing/2014/main" id="{0C0EA1AB-DC8C-4976-9474-9313A673D4E9}"/>
+              </a:ext>
+              <a:ext uri="{C183D7F6-B498-43B3-948B-1728B52AA6E4}">
+                <adec:decorative xmlns:adec="http://schemas.microsoft.com/office/drawing/2017/decorative" val="1"/>
+              </a:ext>
+            </a:extLst>
+          </p:cNvPr>
+          <p:cNvSpPr>
+            <a:spLocks noGrp="1" noRot="1" noChangeAspect="1" noMove="1" noResize="1" noEditPoints="1" noAdjustHandles="1" noChangeArrowheads="1" noChangeShapeType="1" noTextEdit="1"/>
+          </p:cNvSpPr>
+          <p:nvPr>
+            <p:extLst>
+              <p:ext uri="{386F3935-93C4-4BCD-93E2-E3B085C9AB24}">
+                <p16:designElem xmlns:p16="http://schemas.microsoft.com/office/powerpoint/2015/main" val="1"/>
+              </p:ext>
+            </p:extLst>
+          </p:nvPr>
+        </p:nvSpPr>
+        <p:spPr>
+          <a:xfrm>
+            <a:off x="0" y="-2"/>
+            <a:ext cx="12192000" cy="6858000"/>
+          </a:xfrm>
+          <a:prstGeom prst="rect">
+            <a:avLst/>
+          </a:prstGeom>
+          <a:gradFill flip="none" rotWithShape="1">
+            <a:gsLst>
+              <a:gs pos="100000">
+                <a:schemeClr val="accent4"/>
+              </a:gs>
+              <a:gs pos="0">
+                <a:schemeClr val="accent2"/>
+              </a:gs>
+            </a:gsLst>
+            <a:lin ang="18900000" scaled="1"/>
+            <a:tileRect/>
+          </a:gradFill>
+          <a:ln>
+            <a:noFill/>
+          </a:ln>
+        </p:spPr>
+        <p:style>
+          <a:lnRef idx="2">
+            <a:schemeClr val="accent1">
+              <a:shade val="50000"/>
+            </a:schemeClr>
+          </a:lnRef>
+          <a:fillRef idx="1">
+            <a:schemeClr val="accent1"/>
+          </a:fillRef>
+          <a:effectRef idx="0">
+            <a:schemeClr val="accent1"/>
+          </a:effectRef>
+          <a:fontRef idx="minor">
+            <a:schemeClr val="lt1"/>
+          </a:fontRef>
+        </p:style>
+        <p:txBody>
+          <a:bodyPr rtlCol="0" anchor="ctr"/>
+          <a:lstStyle/>
+          <a:p>
+            <a:pPr marL="0" marR="0" lvl="0" indent="0" algn="ctr" defTabSz="914400" rtl="0" eaLnBrk="1" fontAlgn="auto" latinLnBrk="0" hangingPunct="1">
+              <a:lnSpc>
+                <a:spcPct val="100000"/>
+              </a:lnSpc>
+              <a:spcBef>
+                <a:spcPts val="0"/>
+              </a:spcBef>
+              <a:spcAft>
+                <a:spcPts val="0"/>
+              </a:spcAft>
+              <a:buClrTx/>
+              <a:buSzTx/>
+              <a:buFontTx/>
+              <a:buNone/>
+              <a:tabLst/>
+              <a:defRPr/>
+            </a:pPr>
+            <a:endParaRPr kumimoji="0" lang="en-US" sz="1800" b="0" i="0" u="none" strike="noStrike" kern="1200" cap="none" spc="0" normalizeH="0" baseline="0" noProof="0">
+              <a:ln>
+                <a:noFill/>
+              </a:ln>
+              <a:solidFill>
+                <a:prstClr val="white"/>
+              </a:solidFill>
+              <a:effectLst/>
+              <a:uLnTx/>
+              <a:uFillTx/>
+              <a:latin typeface="Univers"/>
+              <a:ea typeface="+mn-ea"/>
+              <a:cs typeface="+mn-cs"/>
+            </a:endParaRPr>
+          </a:p>
+        </p:txBody>
+      </p:sp>
+      <p:pic>
+        <p:nvPicPr>
+          <p:cNvPr id="22" name="Picture 4" descr="Script de computador num ecrã">
+            <a:extLst>
+              <a:ext uri="{FF2B5EF4-FFF2-40B4-BE49-F238E27FC236}">
+                <a16:creationId xmlns:a16="http://schemas.microsoft.com/office/drawing/2014/main" id="{80CD2610-2060-AB2E-1C29-C36E66F6515B}"/>
+              </a:ext>
+            </a:extLst>
+          </p:cNvPr>
+          <p:cNvPicPr>
+            <a:picLocks noChangeAspect="1"/>
+          </p:cNvPicPr>
+          <p:nvPr/>
+        </p:nvPicPr>
+        <p:blipFill rotWithShape="1">
+          <a:blip r:embed="rId2">
+            <a:duotone>
+              <a:schemeClr val="accent1">
+                <a:shade val="45000"/>
+                <a:satMod val="135000"/>
+              </a:schemeClr>
+              <a:prstClr val="white"/>
+            </a:duotone>
+            <a:alphaModFix amt="35000"/>
+          </a:blip>
+          <a:srcRect t="7017" b="8713"/>
+          <a:stretch/>
+        </p:blipFill>
+        <p:spPr>
+          <a:xfrm>
+            <a:off x="20" y="-8877"/>
+            <a:ext cx="12191980" cy="6858000"/>
+          </a:xfrm>
+          <a:prstGeom prst="rect">
+            <a:avLst/>
+          </a:prstGeom>
+        </p:spPr>
+      </p:pic>
+      <p:sp>
+        <p:nvSpPr>
+          <p:cNvPr id="2" name="Título 1">
+            <a:extLst>
+              <a:ext uri="{FF2B5EF4-FFF2-40B4-BE49-F238E27FC236}">
+                <a16:creationId xmlns:a16="http://schemas.microsoft.com/office/drawing/2014/main" id="{BCC7CE61-A325-2B2A-83DE-184B326FE817}"/>
+              </a:ext>
+            </a:extLst>
+          </p:cNvPr>
+          <p:cNvSpPr>
+            <a:spLocks noGrp="1"/>
+          </p:cNvSpPr>
+          <p:nvPr>
+            <p:ph type="title"/>
+          </p:nvPr>
+        </p:nvSpPr>
+        <p:spPr>
+          <a:xfrm>
+            <a:off x="1188069" y="381935"/>
+            <a:ext cx="5366040" cy="2344840"/>
+          </a:xfrm>
+        </p:spPr>
+        <p:txBody>
+          <a:bodyPr anchor="b">
+            <a:normAutofit/>
+          </a:bodyPr>
+          <a:lstStyle/>
+          <a:p>
+            <a:r>
+              <a:rPr lang="es-ES" sz="7200">
+                <a:solidFill>
+                  <a:srgbClr val="FFFFFF"/>
+                </a:solidFill>
+              </a:rPr>
+              <a:t>Cosas que he usado</a:t>
+            </a:r>
+            <a:endParaRPr lang="es-ES" sz="7200" dirty="0">
+              <a:solidFill>
+                <a:srgbClr val="FFFFFF"/>
+              </a:solidFill>
+            </a:endParaRPr>
+          </a:p>
+        </p:txBody>
+      </p:sp>
+      <p:sp>
+        <p:nvSpPr>
+          <p:cNvPr id="35" name="Graphic 11">
+            <a:extLst>
+              <a:ext uri="{FF2B5EF4-FFF2-40B4-BE49-F238E27FC236}">
+                <a16:creationId xmlns:a16="http://schemas.microsoft.com/office/drawing/2014/main" id="{6CB927A4-E432-4310-9CD5-E89FF5063179}"/>
+              </a:ext>
+              <a:ext uri="{C183D7F6-B498-43B3-948B-1728B52AA6E4}">
+                <adec:decorative xmlns:adec="http://schemas.microsoft.com/office/drawing/2017/decorative" val="1"/>
+              </a:ext>
+            </a:extLst>
+          </p:cNvPr>
+          <p:cNvSpPr>
+            <a:spLocks noGrp="1" noRot="1" noChangeAspect="1" noMove="1" noResize="1" noEditPoints="1" noAdjustHandles="1" noChangeArrowheads="1" noChangeShapeType="1" noTextEdit="1"/>
+          </p:cNvSpPr>
+          <p:nvPr>
+            <p:extLst>
+              <p:ext uri="{386F3935-93C4-4BCD-93E2-E3B085C9AB24}">
+                <p16:designElem xmlns:p16="http://schemas.microsoft.com/office/powerpoint/2015/main" val="1"/>
+              </p:ext>
+            </p:extLst>
+          </p:nvPr>
+        </p:nvSpPr>
+        <p:spPr>
+          <a:xfrm>
+            <a:off x="11013369" y="554152"/>
+            <a:ext cx="171515" cy="171515"/>
+          </a:xfrm>
+          <a:custGeom>
+            <a:avLst/>
+            <a:gdLst>
+              <a:gd name="connsiteX0" fmla="*/ 159874 w 171515"/>
+              <a:gd name="connsiteY0" fmla="*/ 74116 h 171515"/>
+              <a:gd name="connsiteX1" fmla="*/ 97399 w 171515"/>
+              <a:gd name="connsiteY1" fmla="*/ 74116 h 171515"/>
+              <a:gd name="connsiteX2" fmla="*/ 97399 w 171515"/>
+              <a:gd name="connsiteY2" fmla="*/ 11641 h 171515"/>
+              <a:gd name="connsiteX3" fmla="*/ 85758 w 171515"/>
+              <a:gd name="connsiteY3" fmla="*/ 0 h 171515"/>
+              <a:gd name="connsiteX4" fmla="*/ 74116 w 171515"/>
+              <a:gd name="connsiteY4" fmla="*/ 11641 h 171515"/>
+              <a:gd name="connsiteX5" fmla="*/ 74116 w 171515"/>
+              <a:gd name="connsiteY5" fmla="*/ 74116 h 171515"/>
+              <a:gd name="connsiteX6" fmla="*/ 11641 w 171515"/>
+              <a:gd name="connsiteY6" fmla="*/ 74116 h 171515"/>
+              <a:gd name="connsiteX7" fmla="*/ 0 w 171515"/>
+              <a:gd name="connsiteY7" fmla="*/ 85758 h 171515"/>
+              <a:gd name="connsiteX8" fmla="*/ 11641 w 171515"/>
+              <a:gd name="connsiteY8" fmla="*/ 97399 h 171515"/>
+              <a:gd name="connsiteX9" fmla="*/ 74116 w 171515"/>
+              <a:gd name="connsiteY9" fmla="*/ 97399 h 171515"/>
+              <a:gd name="connsiteX10" fmla="*/ 74116 w 171515"/>
+              <a:gd name="connsiteY10" fmla="*/ 159874 h 171515"/>
+              <a:gd name="connsiteX11" fmla="*/ 85758 w 171515"/>
+              <a:gd name="connsiteY11" fmla="*/ 171515 h 171515"/>
+              <a:gd name="connsiteX12" fmla="*/ 97399 w 171515"/>
+              <a:gd name="connsiteY12" fmla="*/ 159874 h 171515"/>
+              <a:gd name="connsiteX13" fmla="*/ 97399 w 171515"/>
+              <a:gd name="connsiteY13" fmla="*/ 97399 h 171515"/>
+              <a:gd name="connsiteX14" fmla="*/ 159874 w 171515"/>
+              <a:gd name="connsiteY14" fmla="*/ 97399 h 171515"/>
+              <a:gd name="connsiteX15" fmla="*/ 171515 w 171515"/>
+              <a:gd name="connsiteY15" fmla="*/ 85758 h 171515"/>
+              <a:gd name="connsiteX16" fmla="*/ 159874 w 171515"/>
+              <a:gd name="connsiteY16" fmla="*/ 74116 h 171515"/>
+            </a:gdLst>
+            <a:ahLst/>
+            <a:cxnLst>
+              <a:cxn ang="0">
+                <a:pos x="connsiteX0" y="connsiteY0"/>
+              </a:cxn>
+              <a:cxn ang="0">
+                <a:pos x="connsiteX1" y="connsiteY1"/>
+              </a:cxn>
+              <a:cxn ang="0">
+                <a:pos x="connsiteX2" y="connsiteY2"/>
+              </a:cxn>
+              <a:cxn ang="0">
+                <a:pos x="connsiteX3" y="connsiteY3"/>
+              </a:cxn>
+              <a:cxn ang="0">
+                <a:pos x="connsiteX4" y="connsiteY4"/>
+              </a:cxn>
+              <a:cxn ang="0">
+                <a:pos x="connsiteX5" y="connsiteY5"/>
+              </a:cxn>
+              <a:cxn ang="0">
+                <a:pos x="connsiteX6" y="connsiteY6"/>
+              </a:cxn>
+              <a:cxn ang="0">
+                <a:pos x="connsiteX7" y="connsiteY7"/>
+              </a:cxn>
+              <a:cxn ang="0">
+                <a:pos x="connsiteX8" y="connsiteY8"/>
+              </a:cxn>
+              <a:cxn ang="0">
+                <a:pos x="connsiteX9" y="connsiteY9"/>
+              </a:cxn>
+              <a:cxn ang="0">
+                <a:pos x="connsiteX10" y="connsiteY10"/>
+              </a:cxn>
+              <a:cxn ang="0">
+                <a:pos x="connsiteX11" y="connsiteY11"/>
+              </a:cxn>
+              <a:cxn ang="0">
+                <a:pos x="connsiteX12" y="connsiteY12"/>
+              </a:cxn>
+              <a:cxn ang="0">
+                <a:pos x="connsiteX13" y="connsiteY13"/>
+              </a:cxn>
+              <a:cxn ang="0">
+                <a:pos x="connsiteX14" y="connsiteY14"/>
+              </a:cxn>
+              <a:cxn ang="0">
+                <a:pos x="connsiteX15" y="connsiteY15"/>
+              </a:cxn>
+              <a:cxn ang="0">
+                <a:pos x="connsiteX16" y="connsiteY16"/>
+              </a:cxn>
+            </a:cxnLst>
+            <a:rect l="l" t="t" r="r" b="b"/>
+            <a:pathLst>
+              <a:path w="171515" h="171515">
+                <a:moveTo>
+                  <a:pt x="159874" y="74116"/>
+                </a:moveTo>
+                <a:lnTo>
+                  <a:pt x="97399" y="74116"/>
+                </a:lnTo>
+                <a:lnTo>
+                  <a:pt x="97399" y="11641"/>
+                </a:lnTo>
+                <a:cubicBezTo>
+                  <a:pt x="97399" y="5212"/>
+                  <a:pt x="92187" y="0"/>
+                  <a:pt x="85758" y="0"/>
+                </a:cubicBezTo>
+                <a:cubicBezTo>
+                  <a:pt x="79328" y="0"/>
+                  <a:pt x="74116" y="5212"/>
+                  <a:pt x="74116" y="11641"/>
+                </a:cubicBezTo>
+                <a:lnTo>
+                  <a:pt x="74116" y="74116"/>
+                </a:lnTo>
+                <a:lnTo>
+                  <a:pt x="11641" y="74116"/>
+                </a:lnTo>
+                <a:cubicBezTo>
+                  <a:pt x="5212" y="74116"/>
+                  <a:pt x="0" y="79328"/>
+                  <a:pt x="0" y="85758"/>
+                </a:cubicBezTo>
+                <a:cubicBezTo>
+                  <a:pt x="0" y="92187"/>
+                  <a:pt x="5212" y="97399"/>
+                  <a:pt x="11641" y="97399"/>
+                </a:cubicBezTo>
+                <a:lnTo>
+                  <a:pt x="74116" y="97399"/>
+                </a:lnTo>
+                <a:lnTo>
+                  <a:pt x="74116" y="159874"/>
+                </a:lnTo>
+                <a:cubicBezTo>
+                  <a:pt x="74116" y="166303"/>
+                  <a:pt x="79328" y="171515"/>
+                  <a:pt x="85758" y="171515"/>
+                </a:cubicBezTo>
+                <a:cubicBezTo>
+                  <a:pt x="92187" y="171515"/>
+                  <a:pt x="97399" y="166303"/>
+                  <a:pt x="97399" y="159874"/>
+                </a:cubicBezTo>
+                <a:lnTo>
+                  <a:pt x="97399" y="97399"/>
+                </a:lnTo>
+                <a:lnTo>
+                  <a:pt x="159874" y="97399"/>
+                </a:lnTo>
+                <a:cubicBezTo>
+                  <a:pt x="166303" y="97399"/>
+                  <a:pt x="171515" y="92187"/>
+                  <a:pt x="171515" y="85758"/>
+                </a:cubicBezTo>
+                <a:cubicBezTo>
+                  <a:pt x="171515" y="79328"/>
+                  <a:pt x="166303" y="74116"/>
+                  <a:pt x="159874" y="74116"/>
+                </a:cubicBezTo>
+                <a:close/>
+              </a:path>
+            </a:pathLst>
+          </a:custGeom>
+          <a:solidFill>
+            <a:srgbClr val="FFFFFF"/>
+          </a:solidFill>
+          <a:ln w="776" cap="flat">
+            <a:noFill/>
+            <a:prstDash val="solid"/>
+            <a:miter/>
+          </a:ln>
+        </p:spPr>
+        <p:txBody>
+          <a:bodyPr rtlCol="0" anchor="ctr"/>
+          <a:lstStyle/>
+          <a:p>
+            <a:pPr marL="0" marR="0" lvl="0" indent="0" algn="l" defTabSz="914400" rtl="0" eaLnBrk="1" fontAlgn="auto" latinLnBrk="0" hangingPunct="1">
+              <a:lnSpc>
+                <a:spcPct val="100000"/>
+              </a:lnSpc>
+              <a:spcBef>
+                <a:spcPts val="0"/>
+              </a:spcBef>
+              <a:spcAft>
+                <a:spcPts val="0"/>
+              </a:spcAft>
+              <a:buClrTx/>
+              <a:buSzTx/>
+              <a:buFontTx/>
+              <a:buNone/>
+              <a:tabLst/>
+              <a:defRPr/>
+            </a:pPr>
+            <a:endParaRPr kumimoji="0" lang="en-US" sz="1800" b="0" i="0" u="none" strike="noStrike" kern="1200" cap="none" spc="0" normalizeH="0" baseline="0" noProof="0">
+              <a:ln>
+                <a:noFill/>
+              </a:ln>
+              <a:solidFill>
+                <a:prstClr val="black"/>
+              </a:solidFill>
+              <a:effectLst/>
+              <a:uLnTx/>
+              <a:uFillTx/>
+              <a:latin typeface="Univers"/>
+              <a:ea typeface="+mn-ea"/>
+              <a:cs typeface="+mn-cs"/>
+            </a:endParaRPr>
+          </a:p>
+        </p:txBody>
+      </p:sp>
+      <p:sp>
+        <p:nvSpPr>
+          <p:cNvPr id="46" name="Graphic 10">
+            <a:extLst>
+              <a:ext uri="{FF2B5EF4-FFF2-40B4-BE49-F238E27FC236}">
+                <a16:creationId xmlns:a16="http://schemas.microsoft.com/office/drawing/2014/main" id="{E3020543-B24B-4EC4-8FFC-8DD88EEA91A8}"/>
+              </a:ext>
+              <a:ext uri="{C183D7F6-B498-43B3-948B-1728B52AA6E4}">
+                <adec:decorative xmlns:adec="http://schemas.microsoft.com/office/drawing/2017/decorative" val="1"/>
+              </a:ext>
+            </a:extLst>
+          </p:cNvPr>
+          <p:cNvSpPr>
+            <a:spLocks noGrp="1" noRot="1" noChangeAspect="1" noMove="1" noResize="1" noEditPoints="1" noAdjustHandles="1" noChangeArrowheads="1" noChangeShapeType="1" noTextEdit="1"/>
+          </p:cNvSpPr>
+          <p:nvPr>
+            <p:extLst>
+              <p:ext uri="{386F3935-93C4-4BCD-93E2-E3B085C9AB24}">
+                <p16:designElem xmlns:p16="http://schemas.microsoft.com/office/powerpoint/2015/main" val="1"/>
+              </p:ext>
+            </p:extLst>
+          </p:nvPr>
+        </p:nvSpPr>
+        <p:spPr>
+          <a:xfrm>
+            <a:off x="11455951" y="837005"/>
+            <a:ext cx="112426" cy="112426"/>
+          </a:xfrm>
+          <a:custGeom>
+            <a:avLst/>
+            <a:gdLst>
+              <a:gd name="connsiteX0" fmla="*/ 112426 w 112426"/>
+              <a:gd name="connsiteY0" fmla="*/ 56213 h 112426"/>
+              <a:gd name="connsiteX1" fmla="*/ 56213 w 112426"/>
+              <a:gd name="connsiteY1" fmla="*/ 112426 h 112426"/>
+              <a:gd name="connsiteX2" fmla="*/ 0 w 112426"/>
+              <a:gd name="connsiteY2" fmla="*/ 56213 h 112426"/>
+              <a:gd name="connsiteX3" fmla="*/ 56213 w 112426"/>
+              <a:gd name="connsiteY3" fmla="*/ 0 h 112426"/>
+              <a:gd name="connsiteX4" fmla="*/ 112426 w 112426"/>
+              <a:gd name="connsiteY4" fmla="*/ 56213 h 112426"/>
+            </a:gdLst>
+            <a:ahLst/>
+            <a:cxnLst>
+              <a:cxn ang="0">
+                <a:pos x="connsiteX0" y="connsiteY0"/>
+              </a:cxn>
+              <a:cxn ang="0">
+                <a:pos x="connsiteX1" y="connsiteY1"/>
+              </a:cxn>
+              <a:cxn ang="0">
+                <a:pos x="connsiteX2" y="connsiteY2"/>
+              </a:cxn>
+              <a:cxn ang="0">
+                <a:pos x="connsiteX3" y="connsiteY3"/>
+              </a:cxn>
+              <a:cxn ang="0">
+                <a:pos x="connsiteX4" y="connsiteY4"/>
+              </a:cxn>
+            </a:cxnLst>
+            <a:rect l="l" t="t" r="r" b="b"/>
+            <a:pathLst>
+              <a:path w="112426" h="112426">
+                <a:moveTo>
+                  <a:pt x="112426" y="56213"/>
+                </a:moveTo>
+                <a:cubicBezTo>
+                  <a:pt x="112426" y="87259"/>
+                  <a:pt x="87259" y="112426"/>
+                  <a:pt x="56213" y="112426"/>
+                </a:cubicBezTo>
+                <a:cubicBezTo>
+                  <a:pt x="25167" y="112426"/>
+                  <a:pt x="0" y="87259"/>
+                  <a:pt x="0" y="56213"/>
+                </a:cubicBezTo>
+                <a:cubicBezTo>
+                  <a:pt x="0" y="25167"/>
+                  <a:pt x="25167" y="0"/>
+                  <a:pt x="56213" y="0"/>
+                </a:cubicBezTo>
+                <a:cubicBezTo>
+                  <a:pt x="87259" y="0"/>
+                  <a:pt x="112426" y="25167"/>
+                  <a:pt x="112426" y="56213"/>
+                </a:cubicBezTo>
+                <a:close/>
+              </a:path>
+            </a:pathLst>
+          </a:custGeom>
+          <a:solidFill>
+            <a:srgbClr val="FFFFFF"/>
+          </a:solidFill>
+          <a:ln w="516" cap="flat">
+            <a:noFill/>
+            <a:prstDash val="solid"/>
+            <a:miter/>
+          </a:ln>
+        </p:spPr>
+        <p:txBody>
+          <a:bodyPr rtlCol="0" anchor="ctr"/>
+          <a:lstStyle/>
+          <a:p>
+            <a:pPr marL="0" marR="0" lvl="0" indent="0" algn="l" defTabSz="914400" rtl="0" eaLnBrk="1" fontAlgn="auto" latinLnBrk="0" hangingPunct="1">
+              <a:lnSpc>
+                <a:spcPct val="100000"/>
+              </a:lnSpc>
+              <a:spcBef>
+                <a:spcPts val="0"/>
+              </a:spcBef>
+              <a:spcAft>
+                <a:spcPts val="0"/>
+              </a:spcAft>
+              <a:buClrTx/>
+              <a:buSzTx/>
+              <a:buFontTx/>
+              <a:buNone/>
+              <a:tabLst/>
+              <a:defRPr/>
+            </a:pPr>
+            <a:endParaRPr kumimoji="0" lang="en-US" sz="1800" b="0" i="0" u="none" strike="noStrike" kern="1200" cap="none" spc="0" normalizeH="0" baseline="0" noProof="0">
+              <a:ln>
+                <a:noFill/>
+              </a:ln>
+              <a:solidFill>
+                <a:prstClr val="black"/>
+              </a:solidFill>
+              <a:effectLst/>
+              <a:uLnTx/>
+              <a:uFillTx/>
+              <a:latin typeface="Univers"/>
+              <a:ea typeface="+mn-ea"/>
+              <a:cs typeface="+mn-cs"/>
+            </a:endParaRPr>
+          </a:p>
+        </p:txBody>
+      </p:sp>
+      <p:sp>
+        <p:nvSpPr>
+          <p:cNvPr id="47" name="Graphic 12">
+            <a:extLst>
+              <a:ext uri="{FF2B5EF4-FFF2-40B4-BE49-F238E27FC236}">
+                <a16:creationId xmlns:a16="http://schemas.microsoft.com/office/drawing/2014/main" id="{1453BF6C-B012-48B7-B4E8-6D7AC7C27D02}"/>
+              </a:ext>
+              <a:ext uri="{C183D7F6-B498-43B3-948B-1728B52AA6E4}">
+                <adec:decorative xmlns:adec="http://schemas.microsoft.com/office/drawing/2017/decorative" val="1"/>
+              </a:ext>
+            </a:extLst>
+          </p:cNvPr>
+          <p:cNvSpPr>
+            <a:spLocks noGrp="1" noRot="1" noChangeAspect="1" noMove="1" noResize="1" noEditPoints="1" noAdjustHandles="1" noChangeArrowheads="1" noChangeShapeType="1" noTextEdit="1"/>
+          </p:cNvSpPr>
+          <p:nvPr>
+            <p:extLst>
+              <p:ext uri="{386F3935-93C4-4BCD-93E2-E3B085C9AB24}">
+                <p16:designElem xmlns:p16="http://schemas.microsoft.com/office/powerpoint/2015/main" val="1"/>
+              </p:ext>
+            </p:extLst>
+          </p:nvPr>
+        </p:nvSpPr>
+        <p:spPr>
+          <a:xfrm>
+            <a:off x="10994200" y="1472473"/>
+            <a:ext cx="157545" cy="157545"/>
+          </a:xfrm>
+          <a:custGeom>
+            <a:avLst/>
+            <a:gdLst>
+              <a:gd name="connsiteX0" fmla="*/ 78773 w 157545"/>
+              <a:gd name="connsiteY0" fmla="*/ 23283 h 157545"/>
+              <a:gd name="connsiteX1" fmla="*/ 134262 w 157545"/>
+              <a:gd name="connsiteY1" fmla="*/ 78773 h 157545"/>
+              <a:gd name="connsiteX2" fmla="*/ 78773 w 157545"/>
+              <a:gd name="connsiteY2" fmla="*/ 134262 h 157545"/>
+              <a:gd name="connsiteX3" fmla="*/ 23283 w 157545"/>
+              <a:gd name="connsiteY3" fmla="*/ 78773 h 157545"/>
+              <a:gd name="connsiteX4" fmla="*/ 78773 w 157545"/>
+              <a:gd name="connsiteY4" fmla="*/ 23283 h 157545"/>
+              <a:gd name="connsiteX5" fmla="*/ 78773 w 157545"/>
+              <a:gd name="connsiteY5" fmla="*/ 0 h 157545"/>
+              <a:gd name="connsiteX6" fmla="*/ 0 w 157545"/>
+              <a:gd name="connsiteY6" fmla="*/ 78773 h 157545"/>
+              <a:gd name="connsiteX7" fmla="*/ 78773 w 157545"/>
+              <a:gd name="connsiteY7" fmla="*/ 157545 h 157545"/>
+              <a:gd name="connsiteX8" fmla="*/ 157545 w 157545"/>
+              <a:gd name="connsiteY8" fmla="*/ 78773 h 157545"/>
+              <a:gd name="connsiteX9" fmla="*/ 78773 w 157545"/>
+              <a:gd name="connsiteY9" fmla="*/ 0 h 157545"/>
+            </a:gdLst>
+            <a:ahLst/>
+            <a:cxnLst>
+              <a:cxn ang="0">
+                <a:pos x="connsiteX0" y="connsiteY0"/>
+              </a:cxn>
+              <a:cxn ang="0">
+                <a:pos x="connsiteX1" y="connsiteY1"/>
+              </a:cxn>
+              <a:cxn ang="0">
+                <a:pos x="connsiteX2" y="connsiteY2"/>
+              </a:cxn>
+              <a:cxn ang="0">
+                <a:pos x="connsiteX3" y="connsiteY3"/>
+              </a:cxn>
+              <a:cxn ang="0">
+                <a:pos x="connsiteX4" y="connsiteY4"/>
+              </a:cxn>
+              <a:cxn ang="0">
+                <a:pos x="connsiteX5" y="connsiteY5"/>
+              </a:cxn>
+              <a:cxn ang="0">
+                <a:pos x="connsiteX6" y="connsiteY6"/>
+              </a:cxn>
+              <a:cxn ang="0">
+                <a:pos x="connsiteX7" y="connsiteY7"/>
+              </a:cxn>
+              <a:cxn ang="0">
+                <a:pos x="connsiteX8" y="connsiteY8"/>
+              </a:cxn>
+              <a:cxn ang="0">
+                <a:pos x="connsiteX9" y="connsiteY9"/>
+              </a:cxn>
+            </a:cxnLst>
+            <a:rect l="l" t="t" r="r" b="b"/>
+            <a:pathLst>
+              <a:path w="157545" h="157545">
+                <a:moveTo>
+                  <a:pt x="78773" y="23283"/>
+                </a:moveTo>
+                <a:cubicBezTo>
+                  <a:pt x="109419" y="23283"/>
+                  <a:pt x="134262" y="48126"/>
+                  <a:pt x="134262" y="78773"/>
+                </a:cubicBezTo>
+                <a:cubicBezTo>
+                  <a:pt x="134262" y="109419"/>
+                  <a:pt x="109419" y="134262"/>
+                  <a:pt x="78773" y="134262"/>
+                </a:cubicBezTo>
+                <a:cubicBezTo>
+                  <a:pt x="48126" y="134262"/>
+                  <a:pt x="23283" y="109419"/>
+                  <a:pt x="23283" y="78773"/>
+                </a:cubicBezTo>
+                <a:cubicBezTo>
+                  <a:pt x="23312" y="48139"/>
+                  <a:pt x="48139" y="23312"/>
+                  <a:pt x="78773" y="23283"/>
+                </a:cubicBezTo>
+                <a:moveTo>
+                  <a:pt x="78773" y="0"/>
+                </a:moveTo>
+                <a:cubicBezTo>
+                  <a:pt x="35268" y="0"/>
+                  <a:pt x="0" y="35268"/>
+                  <a:pt x="0" y="78773"/>
+                </a:cubicBezTo>
+                <a:cubicBezTo>
+                  <a:pt x="0" y="122277"/>
+                  <a:pt x="35268" y="157545"/>
+                  <a:pt x="78773" y="157545"/>
+                </a:cubicBezTo>
+                <a:cubicBezTo>
+                  <a:pt x="122277" y="157545"/>
+                  <a:pt x="157545" y="122277"/>
+                  <a:pt x="157545" y="78773"/>
+                </a:cubicBezTo>
+                <a:cubicBezTo>
+                  <a:pt x="157545" y="35268"/>
+                  <a:pt x="122277" y="0"/>
+                  <a:pt x="78773" y="0"/>
+                </a:cubicBezTo>
+                <a:close/>
+              </a:path>
+            </a:pathLst>
+          </a:custGeom>
+          <a:solidFill>
+            <a:srgbClr val="FFFFFF"/>
+          </a:solidFill>
+          <a:ln w="751" cap="flat">
+            <a:noFill/>
+            <a:prstDash val="solid"/>
+            <a:miter/>
+          </a:ln>
+        </p:spPr>
+        <p:txBody>
+          <a:bodyPr rtlCol="0" anchor="ctr"/>
+          <a:lstStyle/>
+          <a:p>
+            <a:pPr marL="0" marR="0" lvl="0" indent="0" algn="l" defTabSz="914400" rtl="0" eaLnBrk="1" fontAlgn="auto" latinLnBrk="0" hangingPunct="1">
+              <a:lnSpc>
+                <a:spcPct val="100000"/>
+              </a:lnSpc>
+              <a:spcBef>
+                <a:spcPts val="0"/>
+              </a:spcBef>
+              <a:spcAft>
+                <a:spcPts val="0"/>
+              </a:spcAft>
+              <a:buClrTx/>
+              <a:buSzTx/>
+              <a:buFontTx/>
+              <a:buNone/>
+              <a:tabLst/>
+              <a:defRPr/>
+            </a:pPr>
+            <a:endParaRPr kumimoji="0" lang="en-US" sz="1800" b="0" i="0" u="none" strike="noStrike" kern="1200" cap="none" spc="0" normalizeH="0" baseline="0" noProof="0">
+              <a:ln>
+                <a:noFill/>
+              </a:ln>
+              <a:solidFill>
+                <a:prstClr val="black"/>
+              </a:solidFill>
+              <a:effectLst/>
+              <a:uLnTx/>
+              <a:uFillTx/>
+              <a:latin typeface="Univers"/>
+              <a:ea typeface="+mn-ea"/>
+              <a:cs typeface="+mn-cs"/>
+            </a:endParaRPr>
+          </a:p>
+        </p:txBody>
+      </p:sp>
+      <p:cxnSp>
+        <p:nvCxnSpPr>
+          <p:cNvPr id="48" name="Straight Connector">
+            <a:extLst>
+              <a:ext uri="{FF2B5EF4-FFF2-40B4-BE49-F238E27FC236}">
+                <a16:creationId xmlns:a16="http://schemas.microsoft.com/office/drawing/2014/main" id="{C49DA8F6-BCC1-4447-B54C-57856834B94B}"/>
+              </a:ext>
+              <a:ext uri="{C183D7F6-B498-43B3-948B-1728B52AA6E4}">
+                <adec:decorative xmlns:adec="http://schemas.microsoft.com/office/drawing/2017/decorative" val="1"/>
+              </a:ext>
+            </a:extLst>
+          </p:cNvPr>
+          <p:cNvCxnSpPr>
+            <a:cxnSpLocks noGrp="1" noRot="1" noChangeAspect="1" noMove="1" noResize="1" noEditPoints="1" noAdjustHandles="1" noChangeArrowheads="1" noChangeShapeType="1"/>
+          </p:cNvCxnSpPr>
+          <p:nvPr>
+            <p:extLst>
+              <p:ext uri="{386F3935-93C4-4BCD-93E2-E3B085C9AB24}">
+                <p16:designElem xmlns:p16="http://schemas.microsoft.com/office/powerpoint/2015/main" val="1"/>
+              </p:ext>
+            </p:extLst>
+          </p:nvPr>
+        </p:nvCxnSpPr>
+        <p:spPr>
+          <a:xfrm>
+            <a:off x="623622" y="3610394"/>
+            <a:ext cx="0" cy="3238728"/>
+          </a:xfrm>
+          <a:prstGeom prst="line">
+            <a:avLst/>
+          </a:prstGeom>
+          <a:ln w="25400" cap="sq">
+            <a:solidFill>
+              <a:schemeClr val="bg1"/>
+            </a:solidFill>
+            <a:bevel/>
+          </a:ln>
+        </p:spPr>
+        <p:style>
+          <a:lnRef idx="1">
+            <a:schemeClr val="accent1"/>
+          </a:lnRef>
+          <a:fillRef idx="0">
+            <a:schemeClr val="accent1"/>
+          </a:fillRef>
+          <a:effectRef idx="0">
+            <a:schemeClr val="accent1"/>
+          </a:effectRef>
+          <a:fontRef idx="minor">
+            <a:schemeClr val="tx1"/>
+          </a:fontRef>
+        </p:style>
+      </p:cxnSp>
+      <p:sp>
+        <p:nvSpPr>
+          <p:cNvPr id="26" name="Marcador de contenido 2">
+            <a:extLst>
+              <a:ext uri="{FF2B5EF4-FFF2-40B4-BE49-F238E27FC236}">
+                <a16:creationId xmlns:a16="http://schemas.microsoft.com/office/drawing/2014/main" id="{6652DE62-4AD6-2D9A-5B5E-687DA9C16A6C}"/>
+              </a:ext>
+            </a:extLst>
+          </p:cNvPr>
+          <p:cNvSpPr>
+            <a:spLocks noGrp="1"/>
+          </p:cNvSpPr>
+          <p:nvPr>
+            <p:ph idx="1"/>
+          </p:nvPr>
+        </p:nvSpPr>
+        <p:spPr>
+          <a:xfrm>
+            <a:off x="1188069" y="3175552"/>
+            <a:ext cx="5366041" cy="2809114"/>
+          </a:xfrm>
+        </p:spPr>
+        <p:txBody>
+          <a:bodyPr anchor="t">
+            <a:normAutofit/>
+          </a:bodyPr>
+          <a:lstStyle/>
+          <a:p>
+            <a:r>
+              <a:rPr lang="es-ES" sz="1800" dirty="0">
+                <a:solidFill>
+                  <a:srgbClr val="FFFFFF"/>
+                </a:solidFill>
+              </a:rPr>
+              <a:t>HTML</a:t>
+            </a:r>
+          </a:p>
+          <a:p>
+            <a:r>
+              <a:rPr lang="es-ES" sz="1800" dirty="0">
+                <a:solidFill>
+                  <a:srgbClr val="FFFFFF"/>
+                </a:solidFill>
+              </a:rPr>
+              <a:t>CSS</a:t>
+            </a:r>
+          </a:p>
+          <a:p>
+            <a:r>
+              <a:rPr lang="es-ES" sz="1800" dirty="0">
+                <a:solidFill>
+                  <a:srgbClr val="FFFFFF"/>
+                </a:solidFill>
+              </a:rPr>
+              <a:t>JS</a:t>
+            </a:r>
+          </a:p>
+          <a:p>
+            <a:r>
+              <a:rPr lang="es-ES" sz="1800" dirty="0">
+                <a:solidFill>
+                  <a:srgbClr val="FFFFFF"/>
+                </a:solidFill>
+              </a:rPr>
+              <a:t>NODE.JS</a:t>
+            </a:r>
+          </a:p>
+          <a:p>
+            <a:r>
+              <a:rPr lang="es-ES" sz="1800" dirty="0">
+                <a:solidFill>
+                  <a:srgbClr val="FFFFFF"/>
+                </a:solidFill>
+              </a:rPr>
+              <a:t>REACT</a:t>
+            </a:r>
+          </a:p>
+          <a:p>
+            <a:r>
+              <a:rPr lang="es-ES" sz="1800" dirty="0">
+                <a:solidFill>
+                  <a:srgbClr val="FFFFFF"/>
+                </a:solidFill>
+              </a:rPr>
+              <a:t>TAILWINDCSS</a:t>
+            </a:r>
+          </a:p>
+          <a:p>
+            <a:pPr marL="0" indent="0">
+              <a:buNone/>
+            </a:pPr>
+            <a:endParaRPr lang="es-ES" sz="1800" dirty="0">
+              <a:solidFill>
+                <a:srgbClr val="FFFFFF"/>
+              </a:solidFill>
+            </a:endParaRPr>
+          </a:p>
+        </p:txBody>
+      </p:sp>
+    </p:spTree>
+    <p:extLst>
+      <p:ext uri="{BB962C8B-B14F-4D97-AF65-F5344CB8AC3E}">
+        <p14:creationId xmlns:p14="http://schemas.microsoft.com/office/powerpoint/2010/main" val="2946057471"/>
+      </p:ext>
+    </p:extLst>
+  </p:cSld>
+  <p:clrMapOvr>
+    <a:masterClrMapping/>
+  </p:clrMapOvr>
+</p:sld>
+</file>
+
+<file path=ppt/slides/slide3.xml><?xml version="1.0" encoding="utf-8"?>
+<p:sld xmlns:a="http://schemas.openxmlformats.org/drawingml/2006/main" xmlns:r="http://schemas.openxmlformats.org/officeDocument/2006/relationships" xmlns:p="http://schemas.openxmlformats.org/presentationml/2006/main">
+  <p:cSld>
+    <p:bg>
+      <p:bgPr>
+        <a:solidFill>
+          <a:schemeClr val="bg1"/>
+        </a:solidFill>
+        <a:effectLst/>
+      </p:bgPr>
+    </p:bg>
+    <p:spTree>
+      <p:nvGrpSpPr>
+        <p:cNvPr id="1" name=""/>
+        <p:cNvGrpSpPr/>
+        <p:nvPr/>
+      </p:nvGrpSpPr>
+      <p:grpSpPr>
+        <a:xfrm>
+          <a:off x="0" y="0"/>
+          <a:ext cx="0" cy="0"/>
+          <a:chOff x="0" y="0"/>
+          <a:chExt cx="0" cy="0"/>
+        </a:xfrm>
+      </p:grpSpPr>
+      <p:sp useBgFill="1">
+        <p:nvSpPr>
+          <p:cNvPr id="9" name="Rectangle 8">
+            <a:extLst>
+              <a:ext uri="{FF2B5EF4-FFF2-40B4-BE49-F238E27FC236}">
+                <a16:creationId xmlns:a16="http://schemas.microsoft.com/office/drawing/2014/main" id="{45CF0CC2-658D-4A87-9D2E-154B0ABE1BA0}"/>
+              </a:ext>
+              <a:ext uri="{C183D7F6-B498-43B3-948B-1728B52AA6E4}">
+                <adec:decorative xmlns:adec="http://schemas.microsoft.com/office/drawing/2017/decorative" val="1"/>
+              </a:ext>
+            </a:extLst>
+          </p:cNvPr>
+          <p:cNvSpPr>
+            <a:spLocks noGrp="1" noRot="1" noChangeAspect="1" noMove="1" noResize="1" noEditPoints="1" noAdjustHandles="1" noChangeArrowheads="1" noChangeShapeType="1" noTextEdit="1"/>
+          </p:cNvSpPr>
+          <p:nvPr>
+            <p:extLst>
+              <p:ext uri="{386F3935-93C4-4BCD-93E2-E3B085C9AB24}">
+                <p16:designElem xmlns:p16="http://schemas.microsoft.com/office/powerpoint/2015/main" val="1"/>
+              </p:ext>
+            </p:extLst>
+          </p:nvPr>
+        </p:nvSpPr>
+        <p:spPr>
+          <a:xfrm>
+            <a:off x="0" y="0"/>
+            <a:ext cx="12192000" cy="6858000"/>
+          </a:xfrm>
+          <a:prstGeom prst="rect">
+            <a:avLst/>
+          </a:prstGeom>
+          <a:ln w="12700" cap="flat" cmpd="sng" algn="ctr">
+            <a:noFill/>
+            <a:prstDash val="solid"/>
+            <a:miter lim="800000"/>
+          </a:ln>
+          <a:effectLst/>
+          <a:extLst>
+            <a:ext uri="{91240B29-F687-4F45-9708-019B960494DF}">
+              <a14:hiddenLine xmlns:a14="http://schemas.microsoft.com/office/drawing/2010/main" w="12700" cap="flat" cmpd="sng" algn="ctr">
+                <a:solidFill>
+                  <a:schemeClr val="accent1">
+                    <a:shade val="50000"/>
+                  </a:schemeClr>
+                </a:solidFill>
+                <a:prstDash val="solid"/>
+                <a:miter lim="800000"/>
+              </a14:hiddenLine>
+            </a:ext>
+          </a:extLst>
+        </p:spPr>
+        <p:style>
+          <a:lnRef idx="2">
+            <a:schemeClr val="accent1">
+              <a:shade val="50000"/>
+            </a:schemeClr>
+          </a:lnRef>
+          <a:fillRef idx="1">
+            <a:schemeClr val="accent1"/>
+          </a:fillRef>
+          <a:effectRef idx="0">
+            <a:schemeClr val="accent1"/>
+          </a:effectRef>
+          <a:fontRef idx="minor">
+            <a:schemeClr val="lt1"/>
+          </a:fontRef>
+        </p:style>
+        <p:txBody>
+          <a:bodyPr rtlCol="0" anchor="ctr"/>
+          <a:lstStyle/>
+          <a:p>
+            <a:pPr algn="ctr"/>
+            <a:endParaRPr lang="en-US"/>
+          </a:p>
+        </p:txBody>
+      </p:sp>
+      <p:sp>
+        <p:nvSpPr>
+          <p:cNvPr id="11" name="!!Rectangle">
+            <a:extLst>
+              <a:ext uri="{FF2B5EF4-FFF2-40B4-BE49-F238E27FC236}">
+                <a16:creationId xmlns:a16="http://schemas.microsoft.com/office/drawing/2014/main" id="{796C2CE2-29C3-4EBD-A8BB-82C6CC06950D}"/>
+              </a:ext>
+              <a:ext uri="{C183D7F6-B498-43B3-948B-1728B52AA6E4}">
+                <adec:decorative xmlns:adec="http://schemas.microsoft.com/office/drawing/2017/decorative" val="1"/>
+              </a:ext>
+            </a:extLst>
+          </p:cNvPr>
+          <p:cNvSpPr>
+            <a:spLocks noGrp="1" noRot="1" noChangeAspect="1" noMove="1" noResize="1" noEditPoints="1" noAdjustHandles="1" noChangeArrowheads="1" noChangeShapeType="1" noTextEdit="1"/>
+          </p:cNvSpPr>
+          <p:nvPr>
+            <p:extLst>
+              <p:ext uri="{386F3935-93C4-4BCD-93E2-E3B085C9AB24}">
+                <p16:designElem xmlns:p16="http://schemas.microsoft.com/office/powerpoint/2015/main" val="1"/>
+              </p:ext>
+            </p:extLst>
+          </p:nvPr>
+        </p:nvSpPr>
+        <p:spPr>
+          <a:xfrm>
+            <a:off x="0" y="-2"/>
+            <a:ext cx="12192000" cy="6858000"/>
+          </a:xfrm>
+          <a:prstGeom prst="rect">
+            <a:avLst/>
+          </a:prstGeom>
+          <a:gradFill flip="none" rotWithShape="1">
+            <a:gsLst>
+              <a:gs pos="100000">
+                <a:schemeClr val="accent4"/>
+              </a:gs>
+              <a:gs pos="0">
+                <a:schemeClr val="accent2"/>
+              </a:gs>
+            </a:gsLst>
+            <a:lin ang="15000000" scaled="0"/>
+            <a:tileRect/>
+          </a:gradFill>
+          <a:ln>
+            <a:noFill/>
+          </a:ln>
+        </p:spPr>
+        <p:style>
+          <a:lnRef idx="2">
+            <a:schemeClr val="accent1">
+              <a:shade val="50000"/>
+            </a:schemeClr>
+          </a:lnRef>
+          <a:fillRef idx="1">
+            <a:schemeClr val="accent1"/>
+          </a:fillRef>
+          <a:effectRef idx="0">
+            <a:schemeClr val="accent1"/>
+          </a:effectRef>
+          <a:fontRef idx="minor">
+            <a:schemeClr val="lt1"/>
+          </a:fontRef>
+        </p:style>
+        <p:txBody>
+          <a:bodyPr rtlCol="0" anchor="ctr"/>
+          <a:lstStyle/>
+          <a:p>
+            <a:pPr marL="0" marR="0" lvl="0" indent="0" algn="ctr" defTabSz="914400" rtl="0" eaLnBrk="1" fontAlgn="auto" latinLnBrk="0" hangingPunct="1">
+              <a:lnSpc>
+                <a:spcPct val="100000"/>
+              </a:lnSpc>
+              <a:spcBef>
+                <a:spcPts val="0"/>
+              </a:spcBef>
+              <a:spcAft>
+                <a:spcPts val="0"/>
+              </a:spcAft>
+              <a:buClrTx/>
+              <a:buSzTx/>
+              <a:buFontTx/>
+              <a:buNone/>
+              <a:tabLst/>
+              <a:defRPr/>
+            </a:pPr>
+            <a:endParaRPr kumimoji="0" lang="en-US" sz="1800" b="0" i="0" u="none" strike="noStrike" kern="1200" cap="none" spc="0" normalizeH="0" baseline="0" noProof="0">
+              <a:ln>
+                <a:noFill/>
+              </a:ln>
+              <a:solidFill>
+                <a:prstClr val="white"/>
+              </a:solidFill>
+              <a:effectLst/>
+              <a:uLnTx/>
+              <a:uFillTx/>
+              <a:latin typeface="Univers"/>
+              <a:ea typeface="+mn-ea"/>
+              <a:cs typeface="+mn-cs"/>
+            </a:endParaRPr>
+          </a:p>
+        </p:txBody>
+      </p:sp>
+      <p:pic>
+        <p:nvPicPr>
+          <p:cNvPr id="5" name="Picture 4" descr="Esferas metálicas conectadas en una malla">
+            <a:extLst>
+              <a:ext uri="{FF2B5EF4-FFF2-40B4-BE49-F238E27FC236}">
+                <a16:creationId xmlns:a16="http://schemas.microsoft.com/office/drawing/2014/main" id="{C3CB8455-E901-7DD4-30D3-524CAEC7B08C}"/>
+              </a:ext>
+            </a:extLst>
+          </p:cNvPr>
+          <p:cNvPicPr>
+            <a:picLocks noChangeAspect="1"/>
+          </p:cNvPicPr>
+          <p:nvPr/>
+        </p:nvPicPr>
+        <p:blipFill rotWithShape="1">
+          <a:blip r:embed="rId2">
+            <a:duotone>
+              <a:schemeClr val="accent1">
+                <a:shade val="45000"/>
+                <a:satMod val="135000"/>
+              </a:schemeClr>
+              <a:prstClr val="white"/>
+            </a:duotone>
+            <a:alphaModFix amt="35000"/>
+          </a:blip>
+          <a:srcRect t="15730"/>
+          <a:stretch/>
+        </p:blipFill>
+        <p:spPr>
+          <a:xfrm>
+            <a:off x="20" y="-8877"/>
+            <a:ext cx="12191980" cy="6858000"/>
+          </a:xfrm>
+          <a:prstGeom prst="rect">
+            <a:avLst/>
+          </a:prstGeom>
+        </p:spPr>
+      </p:pic>
+      <p:sp>
+        <p:nvSpPr>
+          <p:cNvPr id="2" name="Título 1">
+            <a:extLst>
+              <a:ext uri="{FF2B5EF4-FFF2-40B4-BE49-F238E27FC236}">
+                <a16:creationId xmlns:a16="http://schemas.microsoft.com/office/drawing/2014/main" id="{4FB6EC3D-9CB5-F278-B2D3-BB092BFAE3EC}"/>
+              </a:ext>
+            </a:extLst>
+          </p:cNvPr>
+          <p:cNvSpPr>
+            <a:spLocks noGrp="1"/>
+          </p:cNvSpPr>
+          <p:nvPr>
+            <p:ph type="title"/>
+          </p:nvPr>
+        </p:nvSpPr>
+        <p:spPr>
+          <a:xfrm>
+            <a:off x="5846617" y="381935"/>
+            <a:ext cx="5366040" cy="2344840"/>
+          </a:xfrm>
+        </p:spPr>
+        <p:txBody>
+          <a:bodyPr anchor="b">
+            <a:normAutofit/>
+          </a:bodyPr>
+          <a:lstStyle/>
+          <a:p>
+            <a:r>
+              <a:rPr lang="es-ES" sz="7200" dirty="0">
+                <a:solidFill>
+                  <a:srgbClr val="FFFFFF"/>
+                </a:solidFill>
+              </a:rPr>
+              <a:t>¿Qué es un framework?</a:t>
+            </a:r>
+          </a:p>
+        </p:txBody>
+      </p:sp>
+      <p:sp>
+        <p:nvSpPr>
+          <p:cNvPr id="13" name="Graphic 11">
+            <a:extLst>
+              <a:ext uri="{FF2B5EF4-FFF2-40B4-BE49-F238E27FC236}">
+                <a16:creationId xmlns:a16="http://schemas.microsoft.com/office/drawing/2014/main" id="{6CB927A4-E432-4310-9CD5-E89FF5063179}"/>
+              </a:ext>
+              <a:ext uri="{C183D7F6-B498-43B3-948B-1728B52AA6E4}">
+                <adec:decorative xmlns:adec="http://schemas.microsoft.com/office/drawing/2017/decorative" val="1"/>
+              </a:ext>
+            </a:extLst>
+          </p:cNvPr>
+          <p:cNvSpPr>
+            <a:spLocks noGrp="1" noRot="1" noChangeAspect="1" noMove="1" noResize="1" noEditPoints="1" noAdjustHandles="1" noChangeArrowheads="1" noChangeShapeType="1" noTextEdit="1"/>
+          </p:cNvSpPr>
+          <p:nvPr>
+            <p:extLst>
+              <p:ext uri="{386F3935-93C4-4BCD-93E2-E3B085C9AB24}">
+                <p16:designElem xmlns:p16="http://schemas.microsoft.com/office/powerpoint/2015/main" val="1"/>
+              </p:ext>
+            </p:extLst>
+          </p:nvPr>
+        </p:nvSpPr>
+        <p:spPr>
+          <a:xfrm>
+            <a:off x="1379609" y="554152"/>
+            <a:ext cx="171515" cy="171515"/>
+          </a:xfrm>
+          <a:custGeom>
+            <a:avLst/>
+            <a:gdLst>
+              <a:gd name="connsiteX0" fmla="*/ 159874 w 171515"/>
+              <a:gd name="connsiteY0" fmla="*/ 74116 h 171515"/>
+              <a:gd name="connsiteX1" fmla="*/ 97399 w 171515"/>
+              <a:gd name="connsiteY1" fmla="*/ 74116 h 171515"/>
+              <a:gd name="connsiteX2" fmla="*/ 97399 w 171515"/>
+              <a:gd name="connsiteY2" fmla="*/ 11641 h 171515"/>
+              <a:gd name="connsiteX3" fmla="*/ 85758 w 171515"/>
+              <a:gd name="connsiteY3" fmla="*/ 0 h 171515"/>
+              <a:gd name="connsiteX4" fmla="*/ 74116 w 171515"/>
+              <a:gd name="connsiteY4" fmla="*/ 11641 h 171515"/>
+              <a:gd name="connsiteX5" fmla="*/ 74116 w 171515"/>
+              <a:gd name="connsiteY5" fmla="*/ 74116 h 171515"/>
+              <a:gd name="connsiteX6" fmla="*/ 11641 w 171515"/>
+              <a:gd name="connsiteY6" fmla="*/ 74116 h 171515"/>
+              <a:gd name="connsiteX7" fmla="*/ 0 w 171515"/>
+              <a:gd name="connsiteY7" fmla="*/ 85758 h 171515"/>
+              <a:gd name="connsiteX8" fmla="*/ 11641 w 171515"/>
+              <a:gd name="connsiteY8" fmla="*/ 97399 h 171515"/>
+              <a:gd name="connsiteX9" fmla="*/ 74116 w 171515"/>
+              <a:gd name="connsiteY9" fmla="*/ 97399 h 171515"/>
+              <a:gd name="connsiteX10" fmla="*/ 74116 w 171515"/>
+              <a:gd name="connsiteY10" fmla="*/ 159874 h 171515"/>
+              <a:gd name="connsiteX11" fmla="*/ 85758 w 171515"/>
+              <a:gd name="connsiteY11" fmla="*/ 171515 h 171515"/>
+              <a:gd name="connsiteX12" fmla="*/ 97399 w 171515"/>
+              <a:gd name="connsiteY12" fmla="*/ 159874 h 171515"/>
+              <a:gd name="connsiteX13" fmla="*/ 97399 w 171515"/>
+              <a:gd name="connsiteY13" fmla="*/ 97399 h 171515"/>
+              <a:gd name="connsiteX14" fmla="*/ 159874 w 171515"/>
+              <a:gd name="connsiteY14" fmla="*/ 97399 h 171515"/>
+              <a:gd name="connsiteX15" fmla="*/ 171515 w 171515"/>
+              <a:gd name="connsiteY15" fmla="*/ 85758 h 171515"/>
+              <a:gd name="connsiteX16" fmla="*/ 159874 w 171515"/>
+              <a:gd name="connsiteY16" fmla="*/ 74116 h 171515"/>
+            </a:gdLst>
+            <a:ahLst/>
+            <a:cxnLst>
+              <a:cxn ang="0">
+                <a:pos x="connsiteX0" y="connsiteY0"/>
+              </a:cxn>
+              <a:cxn ang="0">
+                <a:pos x="connsiteX1" y="connsiteY1"/>
+              </a:cxn>
+              <a:cxn ang="0">
+                <a:pos x="connsiteX2" y="connsiteY2"/>
+              </a:cxn>
+              <a:cxn ang="0">
+                <a:pos x="connsiteX3" y="connsiteY3"/>
+              </a:cxn>
+              <a:cxn ang="0">
+                <a:pos x="connsiteX4" y="connsiteY4"/>
+              </a:cxn>
+              <a:cxn ang="0">
+                <a:pos x="connsiteX5" y="connsiteY5"/>
+              </a:cxn>
+              <a:cxn ang="0">
+                <a:pos x="connsiteX6" y="connsiteY6"/>
+              </a:cxn>
+              <a:cxn ang="0">
+                <a:pos x="connsiteX7" y="connsiteY7"/>
+              </a:cxn>
+              <a:cxn ang="0">
+                <a:pos x="connsiteX8" y="connsiteY8"/>
+              </a:cxn>
+              <a:cxn ang="0">
+                <a:pos x="connsiteX9" y="connsiteY9"/>
+              </a:cxn>
+              <a:cxn ang="0">
+                <a:pos x="connsiteX10" y="connsiteY10"/>
+              </a:cxn>
+              <a:cxn ang="0">
+                <a:pos x="connsiteX11" y="connsiteY11"/>
+              </a:cxn>
+              <a:cxn ang="0">
+                <a:pos x="connsiteX12" y="connsiteY12"/>
+              </a:cxn>
+              <a:cxn ang="0">
+                <a:pos x="connsiteX13" y="connsiteY13"/>
+              </a:cxn>
+              <a:cxn ang="0">
+                <a:pos x="connsiteX14" y="connsiteY14"/>
+              </a:cxn>
+              <a:cxn ang="0">
+                <a:pos x="connsiteX15" y="connsiteY15"/>
+              </a:cxn>
+              <a:cxn ang="0">
+                <a:pos x="connsiteX16" y="connsiteY16"/>
+              </a:cxn>
+            </a:cxnLst>
+            <a:rect l="l" t="t" r="r" b="b"/>
+            <a:pathLst>
+              <a:path w="171515" h="171515">
+                <a:moveTo>
+                  <a:pt x="159874" y="74116"/>
+                </a:moveTo>
+                <a:lnTo>
+                  <a:pt x="97399" y="74116"/>
+                </a:lnTo>
+                <a:lnTo>
+                  <a:pt x="97399" y="11641"/>
+                </a:lnTo>
+                <a:cubicBezTo>
+                  <a:pt x="97399" y="5212"/>
+                  <a:pt x="92187" y="0"/>
+                  <a:pt x="85758" y="0"/>
+                </a:cubicBezTo>
+                <a:cubicBezTo>
+                  <a:pt x="79328" y="0"/>
+                  <a:pt x="74116" y="5212"/>
+                  <a:pt x="74116" y="11641"/>
+                </a:cubicBezTo>
+                <a:lnTo>
+                  <a:pt x="74116" y="74116"/>
+                </a:lnTo>
+                <a:lnTo>
+                  <a:pt x="11641" y="74116"/>
+                </a:lnTo>
+                <a:cubicBezTo>
+                  <a:pt x="5212" y="74116"/>
+                  <a:pt x="0" y="79328"/>
+                  <a:pt x="0" y="85758"/>
+                </a:cubicBezTo>
+                <a:cubicBezTo>
+                  <a:pt x="0" y="92187"/>
+                  <a:pt x="5212" y="97399"/>
+                  <a:pt x="11641" y="97399"/>
+                </a:cubicBezTo>
+                <a:lnTo>
+                  <a:pt x="74116" y="97399"/>
+                </a:lnTo>
+                <a:lnTo>
+                  <a:pt x="74116" y="159874"/>
+                </a:lnTo>
+                <a:cubicBezTo>
+                  <a:pt x="74116" y="166303"/>
+                  <a:pt x="79328" y="171515"/>
+                  <a:pt x="85758" y="171515"/>
+                </a:cubicBezTo>
+                <a:cubicBezTo>
+                  <a:pt x="92187" y="171515"/>
+                  <a:pt x="97399" y="166303"/>
+                  <a:pt x="97399" y="159874"/>
+                </a:cubicBezTo>
+                <a:lnTo>
+                  <a:pt x="97399" y="97399"/>
+                </a:lnTo>
+                <a:lnTo>
+                  <a:pt x="159874" y="97399"/>
+                </a:lnTo>
+                <a:cubicBezTo>
+                  <a:pt x="166303" y="97399"/>
+                  <a:pt x="171515" y="92187"/>
+                  <a:pt x="171515" y="85758"/>
+                </a:cubicBezTo>
+                <a:cubicBezTo>
+                  <a:pt x="171515" y="79328"/>
+                  <a:pt x="166303" y="74116"/>
+                  <a:pt x="159874" y="74116"/>
+                </a:cubicBezTo>
+                <a:close/>
+              </a:path>
+            </a:pathLst>
+          </a:custGeom>
+          <a:solidFill>
+            <a:srgbClr val="FFFFFF"/>
+          </a:solidFill>
+          <a:ln w="776" cap="flat">
+            <a:noFill/>
+            <a:prstDash val="solid"/>
+            <a:miter/>
+          </a:ln>
+        </p:spPr>
+        <p:txBody>
+          <a:bodyPr rtlCol="0" anchor="ctr"/>
+          <a:lstStyle/>
+          <a:p>
+            <a:pPr marL="0" marR="0" lvl="0" indent="0" algn="l" defTabSz="914400" rtl="0" eaLnBrk="1" fontAlgn="auto" latinLnBrk="0" hangingPunct="1">
+              <a:lnSpc>
+                <a:spcPct val="100000"/>
+              </a:lnSpc>
+              <a:spcBef>
+                <a:spcPts val="0"/>
+              </a:spcBef>
+              <a:spcAft>
+                <a:spcPts val="0"/>
+              </a:spcAft>
+              <a:buClrTx/>
+              <a:buSzTx/>
+              <a:buFontTx/>
+              <a:buNone/>
+              <a:tabLst/>
+              <a:defRPr/>
+            </a:pPr>
+            <a:endParaRPr kumimoji="0" lang="en-US" sz="1800" b="0" i="0" u="none" strike="noStrike" kern="1200" cap="none" spc="0" normalizeH="0" baseline="0" noProof="0">
+              <a:ln>
+                <a:noFill/>
+              </a:ln>
+              <a:solidFill>
+                <a:prstClr val="black"/>
+              </a:solidFill>
+              <a:effectLst/>
+              <a:uLnTx/>
+              <a:uFillTx/>
+              <a:latin typeface="Univers"/>
+              <a:ea typeface="+mn-ea"/>
+              <a:cs typeface="+mn-cs"/>
+            </a:endParaRPr>
+          </a:p>
+        </p:txBody>
+      </p:sp>
+      <p:sp>
+        <p:nvSpPr>
+          <p:cNvPr id="15" name="Graphic 10">
+            <a:extLst>
+              <a:ext uri="{FF2B5EF4-FFF2-40B4-BE49-F238E27FC236}">
+                <a16:creationId xmlns:a16="http://schemas.microsoft.com/office/drawing/2014/main" id="{E3020543-B24B-4EC4-8FFC-8DD88EEA91A8}"/>
+              </a:ext>
+              <a:ext uri="{C183D7F6-B498-43B3-948B-1728B52AA6E4}">
+                <adec:decorative xmlns:adec="http://schemas.microsoft.com/office/drawing/2017/decorative" val="1"/>
+              </a:ext>
+            </a:extLst>
+          </p:cNvPr>
+          <p:cNvSpPr>
+            <a:spLocks noGrp="1" noRot="1" noChangeAspect="1" noMove="1" noResize="1" noEditPoints="1" noAdjustHandles="1" noChangeArrowheads="1" noChangeShapeType="1" noTextEdit="1"/>
+          </p:cNvSpPr>
+          <p:nvPr>
+            <p:extLst>
+              <p:ext uri="{386F3935-93C4-4BCD-93E2-E3B085C9AB24}">
+                <p16:designElem xmlns:p16="http://schemas.microsoft.com/office/powerpoint/2015/main" val="1"/>
+              </p:ext>
+            </p:extLst>
+          </p:nvPr>
+        </p:nvSpPr>
+        <p:spPr>
+          <a:xfrm>
+            <a:off x="996116" y="837005"/>
+            <a:ext cx="112426" cy="112426"/>
+          </a:xfrm>
+          <a:custGeom>
+            <a:avLst/>
+            <a:gdLst>
+              <a:gd name="connsiteX0" fmla="*/ 112426 w 112426"/>
+              <a:gd name="connsiteY0" fmla="*/ 56213 h 112426"/>
+              <a:gd name="connsiteX1" fmla="*/ 56213 w 112426"/>
+              <a:gd name="connsiteY1" fmla="*/ 112426 h 112426"/>
+              <a:gd name="connsiteX2" fmla="*/ 0 w 112426"/>
+              <a:gd name="connsiteY2" fmla="*/ 56213 h 112426"/>
+              <a:gd name="connsiteX3" fmla="*/ 56213 w 112426"/>
+              <a:gd name="connsiteY3" fmla="*/ 0 h 112426"/>
+              <a:gd name="connsiteX4" fmla="*/ 112426 w 112426"/>
+              <a:gd name="connsiteY4" fmla="*/ 56213 h 112426"/>
+            </a:gdLst>
+            <a:ahLst/>
+            <a:cxnLst>
+              <a:cxn ang="0">
+                <a:pos x="connsiteX0" y="connsiteY0"/>
+              </a:cxn>
+              <a:cxn ang="0">
+                <a:pos x="connsiteX1" y="connsiteY1"/>
+              </a:cxn>
+              <a:cxn ang="0">
+                <a:pos x="connsiteX2" y="connsiteY2"/>
+              </a:cxn>
+              <a:cxn ang="0">
+                <a:pos x="connsiteX3" y="connsiteY3"/>
+              </a:cxn>
+              <a:cxn ang="0">
+                <a:pos x="connsiteX4" y="connsiteY4"/>
+              </a:cxn>
+            </a:cxnLst>
+            <a:rect l="l" t="t" r="r" b="b"/>
+            <a:pathLst>
+              <a:path w="112426" h="112426">
+                <a:moveTo>
+                  <a:pt x="112426" y="56213"/>
+                </a:moveTo>
+                <a:cubicBezTo>
+                  <a:pt x="112426" y="87259"/>
+                  <a:pt x="87259" y="112426"/>
+                  <a:pt x="56213" y="112426"/>
+                </a:cubicBezTo>
+                <a:cubicBezTo>
+                  <a:pt x="25167" y="112426"/>
+                  <a:pt x="0" y="87259"/>
+                  <a:pt x="0" y="56213"/>
+                </a:cubicBezTo>
+                <a:cubicBezTo>
+                  <a:pt x="0" y="25167"/>
+                  <a:pt x="25167" y="0"/>
+                  <a:pt x="56213" y="0"/>
+                </a:cubicBezTo>
+                <a:cubicBezTo>
+                  <a:pt x="87259" y="0"/>
+                  <a:pt x="112426" y="25167"/>
+                  <a:pt x="112426" y="56213"/>
+                </a:cubicBezTo>
+                <a:close/>
+              </a:path>
+            </a:pathLst>
+          </a:custGeom>
+          <a:solidFill>
+            <a:srgbClr val="FFFFFF"/>
+          </a:solidFill>
+          <a:ln w="516" cap="flat">
+            <a:noFill/>
+            <a:prstDash val="solid"/>
+            <a:miter/>
+          </a:ln>
+        </p:spPr>
+        <p:txBody>
+          <a:bodyPr rtlCol="0" anchor="ctr"/>
+          <a:lstStyle/>
+          <a:p>
+            <a:pPr marL="0" marR="0" lvl="0" indent="0" algn="l" defTabSz="914400" rtl="0" eaLnBrk="1" fontAlgn="auto" latinLnBrk="0" hangingPunct="1">
+              <a:lnSpc>
+                <a:spcPct val="100000"/>
+              </a:lnSpc>
+              <a:spcBef>
+                <a:spcPts val="0"/>
+              </a:spcBef>
+              <a:spcAft>
+                <a:spcPts val="0"/>
+              </a:spcAft>
+              <a:buClrTx/>
+              <a:buSzTx/>
+              <a:buFontTx/>
+              <a:buNone/>
+              <a:tabLst/>
+              <a:defRPr/>
+            </a:pPr>
+            <a:endParaRPr kumimoji="0" lang="en-US" sz="1800" b="0" i="0" u="none" strike="noStrike" kern="1200" cap="none" spc="0" normalizeH="0" baseline="0" noProof="0">
+              <a:ln>
+                <a:noFill/>
+              </a:ln>
+              <a:solidFill>
+                <a:prstClr val="black"/>
+              </a:solidFill>
+              <a:effectLst/>
+              <a:uLnTx/>
+              <a:uFillTx/>
+              <a:latin typeface="Univers"/>
+              <a:ea typeface="+mn-ea"/>
+              <a:cs typeface="+mn-cs"/>
+            </a:endParaRPr>
+          </a:p>
+        </p:txBody>
+      </p:sp>
+      <p:sp>
+        <p:nvSpPr>
+          <p:cNvPr id="17" name="Graphic 12">
+            <a:extLst>
+              <a:ext uri="{FF2B5EF4-FFF2-40B4-BE49-F238E27FC236}">
+                <a16:creationId xmlns:a16="http://schemas.microsoft.com/office/drawing/2014/main" id="{1453BF6C-B012-48B7-B4E8-6D7AC7C27D02}"/>
+              </a:ext>
+              <a:ext uri="{C183D7F6-B498-43B3-948B-1728B52AA6E4}">
+                <adec:decorative xmlns:adec="http://schemas.microsoft.com/office/drawing/2017/decorative" val="1"/>
+              </a:ext>
+            </a:extLst>
+          </p:cNvPr>
+          <p:cNvSpPr>
+            <a:spLocks noGrp="1" noRot="1" noChangeAspect="1" noMove="1" noResize="1" noEditPoints="1" noAdjustHandles="1" noChangeArrowheads="1" noChangeShapeType="1" noTextEdit="1"/>
+          </p:cNvSpPr>
+          <p:nvPr>
+            <p:extLst>
+              <p:ext uri="{386F3935-93C4-4BCD-93E2-E3B085C9AB24}">
+                <p16:designElem xmlns:p16="http://schemas.microsoft.com/office/powerpoint/2015/main" val="1"/>
+              </p:ext>
+            </p:extLst>
+          </p:nvPr>
+        </p:nvSpPr>
+        <p:spPr>
+          <a:xfrm>
+            <a:off x="1412748" y="1472473"/>
+            <a:ext cx="157545" cy="157545"/>
+          </a:xfrm>
+          <a:custGeom>
+            <a:avLst/>
+            <a:gdLst>
+              <a:gd name="connsiteX0" fmla="*/ 78773 w 157545"/>
+              <a:gd name="connsiteY0" fmla="*/ 23283 h 157545"/>
+              <a:gd name="connsiteX1" fmla="*/ 134262 w 157545"/>
+              <a:gd name="connsiteY1" fmla="*/ 78773 h 157545"/>
+              <a:gd name="connsiteX2" fmla="*/ 78773 w 157545"/>
+              <a:gd name="connsiteY2" fmla="*/ 134262 h 157545"/>
+              <a:gd name="connsiteX3" fmla="*/ 23283 w 157545"/>
+              <a:gd name="connsiteY3" fmla="*/ 78773 h 157545"/>
+              <a:gd name="connsiteX4" fmla="*/ 78773 w 157545"/>
+              <a:gd name="connsiteY4" fmla="*/ 23283 h 157545"/>
+              <a:gd name="connsiteX5" fmla="*/ 78773 w 157545"/>
+              <a:gd name="connsiteY5" fmla="*/ 0 h 157545"/>
+              <a:gd name="connsiteX6" fmla="*/ 0 w 157545"/>
+              <a:gd name="connsiteY6" fmla="*/ 78773 h 157545"/>
+              <a:gd name="connsiteX7" fmla="*/ 78773 w 157545"/>
+              <a:gd name="connsiteY7" fmla="*/ 157545 h 157545"/>
+              <a:gd name="connsiteX8" fmla="*/ 157545 w 157545"/>
+              <a:gd name="connsiteY8" fmla="*/ 78773 h 157545"/>
+              <a:gd name="connsiteX9" fmla="*/ 78773 w 157545"/>
+              <a:gd name="connsiteY9" fmla="*/ 0 h 157545"/>
+            </a:gdLst>
+            <a:ahLst/>
+            <a:cxnLst>
+              <a:cxn ang="0">
+                <a:pos x="connsiteX0" y="connsiteY0"/>
+              </a:cxn>
+              <a:cxn ang="0">
+                <a:pos x="connsiteX1" y="connsiteY1"/>
+              </a:cxn>
+              <a:cxn ang="0">
+                <a:pos x="connsiteX2" y="connsiteY2"/>
+              </a:cxn>
+              <a:cxn ang="0">
+                <a:pos x="connsiteX3" y="connsiteY3"/>
+              </a:cxn>
+              <a:cxn ang="0">
+                <a:pos x="connsiteX4" y="connsiteY4"/>
+              </a:cxn>
+              <a:cxn ang="0">
+                <a:pos x="connsiteX5" y="connsiteY5"/>
+              </a:cxn>
+              <a:cxn ang="0">
+                <a:pos x="connsiteX6" y="connsiteY6"/>
+              </a:cxn>
+              <a:cxn ang="0">
+                <a:pos x="connsiteX7" y="connsiteY7"/>
+              </a:cxn>
+              <a:cxn ang="0">
+                <a:pos x="connsiteX8" y="connsiteY8"/>
+              </a:cxn>
+              <a:cxn ang="0">
+                <a:pos x="connsiteX9" y="connsiteY9"/>
+              </a:cxn>
+            </a:cxnLst>
+            <a:rect l="l" t="t" r="r" b="b"/>
+            <a:pathLst>
+              <a:path w="157545" h="157545">
+                <a:moveTo>
+                  <a:pt x="78773" y="23283"/>
+                </a:moveTo>
+                <a:cubicBezTo>
+                  <a:pt x="109419" y="23283"/>
+                  <a:pt x="134262" y="48126"/>
+                  <a:pt x="134262" y="78773"/>
+                </a:cubicBezTo>
+                <a:cubicBezTo>
+                  <a:pt x="134262" y="109419"/>
+                  <a:pt x="109419" y="134262"/>
+                  <a:pt x="78773" y="134262"/>
+                </a:cubicBezTo>
+                <a:cubicBezTo>
+                  <a:pt x="48126" y="134262"/>
+                  <a:pt x="23283" y="109419"/>
+                  <a:pt x="23283" y="78773"/>
+                </a:cubicBezTo>
+                <a:cubicBezTo>
+                  <a:pt x="23312" y="48139"/>
+                  <a:pt x="48139" y="23312"/>
+                  <a:pt x="78773" y="23283"/>
+                </a:cubicBezTo>
+                <a:moveTo>
+                  <a:pt x="78773" y="0"/>
+                </a:moveTo>
+                <a:cubicBezTo>
+                  <a:pt x="35268" y="0"/>
+                  <a:pt x="0" y="35268"/>
+                  <a:pt x="0" y="78773"/>
+                </a:cubicBezTo>
+                <a:cubicBezTo>
+                  <a:pt x="0" y="122277"/>
+                  <a:pt x="35268" y="157545"/>
+                  <a:pt x="78773" y="157545"/>
+                </a:cubicBezTo>
+                <a:cubicBezTo>
+                  <a:pt x="122277" y="157545"/>
+                  <a:pt x="157545" y="122277"/>
+                  <a:pt x="157545" y="78773"/>
+                </a:cubicBezTo>
+                <a:cubicBezTo>
+                  <a:pt x="157545" y="35268"/>
+                  <a:pt x="122277" y="0"/>
+                  <a:pt x="78773" y="0"/>
+                </a:cubicBezTo>
+                <a:close/>
+              </a:path>
+            </a:pathLst>
+          </a:custGeom>
+          <a:solidFill>
+            <a:srgbClr val="FFFFFF"/>
+          </a:solidFill>
+          <a:ln w="751" cap="flat">
+            <a:noFill/>
+            <a:prstDash val="solid"/>
+            <a:miter/>
+          </a:ln>
+        </p:spPr>
+        <p:txBody>
+          <a:bodyPr rtlCol="0" anchor="ctr"/>
+          <a:lstStyle/>
+          <a:p>
+            <a:pPr marL="0" marR="0" lvl="0" indent="0" algn="l" defTabSz="914400" rtl="0" eaLnBrk="1" fontAlgn="auto" latinLnBrk="0" hangingPunct="1">
+              <a:lnSpc>
+                <a:spcPct val="100000"/>
+              </a:lnSpc>
+              <a:spcBef>
+                <a:spcPts val="0"/>
+              </a:spcBef>
+              <a:spcAft>
+                <a:spcPts val="0"/>
+              </a:spcAft>
+              <a:buClrTx/>
+              <a:buSzTx/>
+              <a:buFontTx/>
+              <a:buNone/>
+              <a:tabLst/>
+              <a:defRPr/>
+            </a:pPr>
+            <a:endParaRPr kumimoji="0" lang="en-US" sz="1800" b="0" i="0" u="none" strike="noStrike" kern="1200" cap="none" spc="0" normalizeH="0" baseline="0" noProof="0">
+              <a:ln>
+                <a:noFill/>
+              </a:ln>
+              <a:solidFill>
+                <a:prstClr val="black"/>
+              </a:solidFill>
+              <a:effectLst/>
+              <a:uLnTx/>
+              <a:uFillTx/>
+              <a:latin typeface="Univers"/>
+              <a:ea typeface="+mn-ea"/>
+              <a:cs typeface="+mn-cs"/>
+            </a:endParaRPr>
+          </a:p>
+        </p:txBody>
+      </p:sp>
+      <p:cxnSp>
+        <p:nvCxnSpPr>
+          <p:cNvPr id="19" name="Straight Connector">
+            <a:extLst>
+              <a:ext uri="{FF2B5EF4-FFF2-40B4-BE49-F238E27FC236}">
+                <a16:creationId xmlns:a16="http://schemas.microsoft.com/office/drawing/2014/main" id="{BF76EB78-6E9D-49A9-ADC5-7BCCD6F1FD48}"/>
+              </a:ext>
+              <a:ext uri="{C183D7F6-B498-43B3-948B-1728B52AA6E4}">
+                <adec:decorative xmlns:adec="http://schemas.microsoft.com/office/drawing/2017/decorative" val="1"/>
+              </a:ext>
+            </a:extLst>
+          </p:cNvPr>
+          <p:cNvCxnSpPr>
+            <a:cxnSpLocks noGrp="1" noRot="1" noChangeAspect="1" noMove="1" noResize="1" noEditPoints="1" noAdjustHandles="1" noChangeArrowheads="1" noChangeShapeType="1"/>
+          </p:cNvCxnSpPr>
+          <p:nvPr>
+            <p:extLst>
+              <p:ext uri="{386F3935-93C4-4BCD-93E2-E3B085C9AB24}">
+                <p16:designElem xmlns:p16="http://schemas.microsoft.com/office/powerpoint/2015/main" val="1"/>
+              </p:ext>
+            </p:extLst>
+          </p:nvPr>
+        </p:nvCxnSpPr>
+        <p:spPr>
+          <a:xfrm>
+            <a:off x="623622" y="3610394"/>
+            <a:ext cx="0" cy="3238728"/>
+          </a:xfrm>
+          <a:prstGeom prst="line">
+            <a:avLst/>
+          </a:prstGeom>
+          <a:ln w="25400" cap="sq">
+            <a:solidFill>
+              <a:srgbClr val="FFFFFF"/>
+            </a:solidFill>
+            <a:bevel/>
+          </a:ln>
+        </p:spPr>
+        <p:style>
+          <a:lnRef idx="1">
+            <a:schemeClr val="accent1"/>
+          </a:lnRef>
+          <a:fillRef idx="0">
+            <a:schemeClr val="accent1"/>
+          </a:fillRef>
+          <a:effectRef idx="0">
+            <a:schemeClr val="accent1"/>
+          </a:effectRef>
+          <a:fontRef idx="minor">
+            <a:schemeClr val="tx1"/>
+          </a:fontRef>
+        </p:style>
+      </p:cxnSp>
+      <p:sp>
+        <p:nvSpPr>
+          <p:cNvPr id="3" name="Marcador de contenido 2">
+            <a:extLst>
+              <a:ext uri="{FF2B5EF4-FFF2-40B4-BE49-F238E27FC236}">
+                <a16:creationId xmlns:a16="http://schemas.microsoft.com/office/drawing/2014/main" id="{A5E1291A-166F-C5E1-2A36-CC5E5859A4A6}"/>
+              </a:ext>
+            </a:extLst>
+          </p:cNvPr>
+          <p:cNvSpPr>
+            <a:spLocks noGrp="1"/>
+          </p:cNvSpPr>
+          <p:nvPr>
+            <p:ph idx="1"/>
+          </p:nvPr>
+        </p:nvSpPr>
+        <p:spPr>
+          <a:xfrm>
+            <a:off x="5846617" y="3175552"/>
+            <a:ext cx="5366041" cy="2809114"/>
+          </a:xfrm>
+        </p:spPr>
+        <p:txBody>
+          <a:bodyPr anchor="t">
+            <a:normAutofit/>
+          </a:bodyPr>
+          <a:lstStyle/>
+          <a:p>
+            <a:pPr marL="0" indent="0">
+              <a:buNone/>
+            </a:pPr>
+            <a:r>
+              <a:rPr lang="es-ES" sz="1800" dirty="0">
+                <a:solidFill>
+                  <a:srgbClr val="FFFFFF"/>
+                </a:solidFill>
+              </a:rPr>
+              <a:t>Un framework es un marco de trabajo que tiene como objetivo facilitar la solución de problemas que pueden surgir al programar. Los frameworks aceleran el proceso de programar facilitando tareas como la organización del código o el trabajo en equipo dentro de un proyecto, por ejemplo.</a:t>
+            </a:r>
+          </a:p>
+        </p:txBody>
+      </p:sp>
+    </p:spTree>
+    <p:extLst>
+      <p:ext uri="{BB962C8B-B14F-4D97-AF65-F5344CB8AC3E}">
+        <p14:creationId xmlns:p14="http://schemas.microsoft.com/office/powerpoint/2010/main" val="1036149493"/>
+      </p:ext>
+    </p:extLst>
+  </p:cSld>
+  <p:clrMapOvr>
+    <a:masterClrMapping/>
+  </p:clrMapOvr>
+</p:sld>
+</file>
+
+<file path=ppt/slides/slide4.xml><?xml version="1.0" encoding="utf-8"?>
+<p:sld xmlns:a="http://schemas.openxmlformats.org/drawingml/2006/main" xmlns:r="http://schemas.openxmlformats.org/officeDocument/2006/relationships" xmlns:p="http://schemas.openxmlformats.org/presentationml/2006/main">
+  <p:cSld>
+    <p:bg>
+      <p:bgPr>
+        <a:solidFill>
+          <a:schemeClr val="bg1"/>
+        </a:solidFill>
+        <a:effectLst/>
+      </p:bgPr>
+    </p:bg>
+    <p:spTree>
+      <p:nvGrpSpPr>
+        <p:cNvPr id="1" name=""/>
+        <p:cNvGrpSpPr/>
+        <p:nvPr/>
+      </p:nvGrpSpPr>
+      <p:grpSpPr>
+        <a:xfrm>
+          <a:off x="0" y="0"/>
+          <a:ext cx="0" cy="0"/>
+          <a:chOff x="0" y="0"/>
+          <a:chExt cx="0" cy="0"/>
+        </a:xfrm>
+      </p:grpSpPr>
+      <p:sp useBgFill="1">
+        <p:nvSpPr>
+          <p:cNvPr id="9" name="Rectangle 8">
+            <a:extLst>
+              <a:ext uri="{FF2B5EF4-FFF2-40B4-BE49-F238E27FC236}">
+                <a16:creationId xmlns:a16="http://schemas.microsoft.com/office/drawing/2014/main" id="{7EE0A6B3-EB7E-45AA-ADB6-138489E0CD75}"/>
+              </a:ext>
+              <a:ext uri="{C183D7F6-B498-43B3-948B-1728B52AA6E4}">
+                <adec:decorative xmlns:adec="http://schemas.microsoft.com/office/drawing/2017/decorative" val="1"/>
+              </a:ext>
+            </a:extLst>
+          </p:cNvPr>
+          <p:cNvSpPr>
+            <a:spLocks noGrp="1" noRot="1" noChangeAspect="1" noMove="1" noResize="1" noEditPoints="1" noAdjustHandles="1" noChangeArrowheads="1" noChangeShapeType="1" noTextEdit="1"/>
+          </p:cNvSpPr>
+          <p:nvPr>
+            <p:extLst>
+              <p:ext uri="{386F3935-93C4-4BCD-93E2-E3B085C9AB24}">
+                <p16:designElem xmlns:p16="http://schemas.microsoft.com/office/powerpoint/2015/main" val="1"/>
+              </p:ext>
+            </p:extLst>
+          </p:nvPr>
+        </p:nvSpPr>
+        <p:spPr>
+          <a:xfrm>
+            <a:off x="0" y="0"/>
+            <a:ext cx="12192000" cy="6858000"/>
+          </a:xfrm>
+          <a:prstGeom prst="rect">
+            <a:avLst/>
+          </a:prstGeom>
+          <a:ln w="12700" cap="flat" cmpd="sng" algn="ctr">
+            <a:noFill/>
+            <a:prstDash val="solid"/>
+            <a:miter lim="800000"/>
+          </a:ln>
+          <a:effectLst/>
+          <a:extLst>
+            <a:ext uri="{91240B29-F687-4F45-9708-019B960494DF}">
+              <a14:hiddenLine xmlns:a14="http://schemas.microsoft.com/office/drawing/2010/main" w="12700" cap="flat" cmpd="sng" algn="ctr">
+                <a:solidFill>
+                  <a:schemeClr val="accent1">
+                    <a:shade val="50000"/>
+                  </a:schemeClr>
+                </a:solidFill>
+                <a:prstDash val="solid"/>
+                <a:miter lim="800000"/>
+              </a14:hiddenLine>
+            </a:ext>
+          </a:extLst>
+        </p:spPr>
+        <p:style>
+          <a:lnRef idx="2">
+            <a:schemeClr val="accent1">
+              <a:shade val="50000"/>
+            </a:schemeClr>
+          </a:lnRef>
+          <a:fillRef idx="1">
+            <a:schemeClr val="accent1"/>
+          </a:fillRef>
+          <a:effectRef idx="0">
+            <a:schemeClr val="accent1"/>
+          </a:effectRef>
+          <a:fontRef idx="minor">
+            <a:schemeClr val="lt1"/>
+          </a:fontRef>
+        </p:style>
+        <p:txBody>
+          <a:bodyPr rtlCol="0" anchor="ctr"/>
+          <a:lstStyle/>
+          <a:p>
+            <a:pPr algn="ctr"/>
+            <a:endParaRPr lang="en-US"/>
+          </a:p>
+        </p:txBody>
+      </p:sp>
+      <p:sp>
+        <p:nvSpPr>
+          <p:cNvPr id="11" name="!!Rectangle">
+            <a:extLst>
+              <a:ext uri="{FF2B5EF4-FFF2-40B4-BE49-F238E27FC236}">
+                <a16:creationId xmlns:a16="http://schemas.microsoft.com/office/drawing/2014/main" id="{0C0EA1AB-DC8C-4976-9474-9313A673D4E9}"/>
+              </a:ext>
+              <a:ext uri="{C183D7F6-B498-43B3-948B-1728B52AA6E4}">
+                <adec:decorative xmlns:adec="http://schemas.microsoft.com/office/drawing/2017/decorative" val="1"/>
+              </a:ext>
+            </a:extLst>
+          </p:cNvPr>
+          <p:cNvSpPr>
+            <a:spLocks noGrp="1" noRot="1" noChangeAspect="1" noMove="1" noResize="1" noEditPoints="1" noAdjustHandles="1" noChangeArrowheads="1" noChangeShapeType="1" noTextEdit="1"/>
+          </p:cNvSpPr>
+          <p:nvPr>
+            <p:extLst>
+              <p:ext uri="{386F3935-93C4-4BCD-93E2-E3B085C9AB24}">
+                <p16:designElem xmlns:p16="http://schemas.microsoft.com/office/powerpoint/2015/main" val="1"/>
+              </p:ext>
+            </p:extLst>
+          </p:nvPr>
+        </p:nvSpPr>
+        <p:spPr>
+          <a:xfrm>
+            <a:off x="0" y="-2"/>
+            <a:ext cx="12192000" cy="6858000"/>
+          </a:xfrm>
+          <a:prstGeom prst="rect">
+            <a:avLst/>
+          </a:prstGeom>
+          <a:gradFill flip="none" rotWithShape="1">
+            <a:gsLst>
+              <a:gs pos="100000">
+                <a:schemeClr val="accent4"/>
+              </a:gs>
+              <a:gs pos="0">
+                <a:schemeClr val="accent2"/>
+              </a:gs>
+            </a:gsLst>
+            <a:lin ang="18900000" scaled="1"/>
+            <a:tileRect/>
+          </a:gradFill>
+          <a:ln>
+            <a:noFill/>
+          </a:ln>
+        </p:spPr>
+        <p:style>
+          <a:lnRef idx="2">
+            <a:schemeClr val="accent1">
+              <a:shade val="50000"/>
+            </a:schemeClr>
+          </a:lnRef>
+          <a:fillRef idx="1">
+            <a:schemeClr val="accent1"/>
+          </a:fillRef>
+          <a:effectRef idx="0">
+            <a:schemeClr val="accent1"/>
+          </a:effectRef>
+          <a:fontRef idx="minor">
+            <a:schemeClr val="lt1"/>
+          </a:fontRef>
+        </p:style>
+        <p:txBody>
+          <a:bodyPr rtlCol="0" anchor="ctr"/>
+          <a:lstStyle/>
+          <a:p>
+            <a:pPr marL="0" marR="0" lvl="0" indent="0" algn="ctr" defTabSz="914400" rtl="0" eaLnBrk="1" fontAlgn="auto" latinLnBrk="0" hangingPunct="1">
+              <a:lnSpc>
+                <a:spcPct val="100000"/>
+              </a:lnSpc>
+              <a:spcBef>
+                <a:spcPts val="0"/>
+              </a:spcBef>
+              <a:spcAft>
+                <a:spcPts val="0"/>
+              </a:spcAft>
+              <a:buClrTx/>
+              <a:buSzTx/>
+              <a:buFontTx/>
+              <a:buNone/>
+              <a:tabLst/>
+              <a:defRPr/>
+            </a:pPr>
+            <a:endParaRPr kumimoji="0" lang="en-US" sz="1800" b="0" i="0" u="none" strike="noStrike" kern="1200" cap="none" spc="0" normalizeH="0" baseline="0" noProof="0">
+              <a:ln>
+                <a:noFill/>
+              </a:ln>
+              <a:solidFill>
+                <a:prstClr val="white"/>
+              </a:solidFill>
+              <a:effectLst/>
+              <a:uLnTx/>
+              <a:uFillTx/>
+              <a:latin typeface="Univers"/>
+              <a:ea typeface="+mn-ea"/>
+              <a:cs typeface="+mn-cs"/>
+            </a:endParaRPr>
+          </a:p>
+        </p:txBody>
+      </p:sp>
+      <p:pic>
+        <p:nvPicPr>
+          <p:cNvPr id="5" name="Picture 4">
+            <a:extLst>
+              <a:ext uri="{FF2B5EF4-FFF2-40B4-BE49-F238E27FC236}">
+                <a16:creationId xmlns:a16="http://schemas.microsoft.com/office/drawing/2014/main" id="{B18F3E1C-9FF1-CF44-2D71-FBF6EB51BD1B}"/>
+              </a:ext>
+            </a:extLst>
+          </p:cNvPr>
+          <p:cNvPicPr>
+            <a:picLocks noChangeAspect="1"/>
+          </p:cNvPicPr>
+          <p:nvPr/>
+        </p:nvPicPr>
+        <p:blipFill rotWithShape="1">
+          <a:blip r:embed="rId2">
+            <a:duotone>
+              <a:schemeClr val="accent1">
+                <a:shade val="45000"/>
+                <a:satMod val="135000"/>
+              </a:schemeClr>
+              <a:prstClr val="white"/>
+            </a:duotone>
+            <a:alphaModFix amt="35000"/>
+          </a:blip>
+          <a:srcRect/>
+          <a:stretch/>
+        </p:blipFill>
+        <p:spPr>
+          <a:xfrm>
+            <a:off x="20" y="-8877"/>
+            <a:ext cx="12191980" cy="6858000"/>
+          </a:xfrm>
+          <a:prstGeom prst="rect">
+            <a:avLst/>
+          </a:prstGeom>
+        </p:spPr>
+      </p:pic>
+      <p:sp>
+        <p:nvSpPr>
+          <p:cNvPr id="2" name="Título 1">
+            <a:extLst>
+              <a:ext uri="{FF2B5EF4-FFF2-40B4-BE49-F238E27FC236}">
+                <a16:creationId xmlns:a16="http://schemas.microsoft.com/office/drawing/2014/main" id="{DBE3C47A-4845-0CB4-6E3A-DC9E4AAE9682}"/>
+              </a:ext>
+            </a:extLst>
+          </p:cNvPr>
+          <p:cNvSpPr>
+            <a:spLocks noGrp="1"/>
+          </p:cNvSpPr>
+          <p:nvPr>
+            <p:ph type="title"/>
+          </p:nvPr>
+        </p:nvSpPr>
+        <p:spPr>
+          <a:xfrm>
+            <a:off x="1188069" y="381935"/>
+            <a:ext cx="5366040" cy="2344840"/>
+          </a:xfrm>
+        </p:spPr>
+        <p:txBody>
+          <a:bodyPr anchor="b">
+            <a:normAutofit/>
+          </a:bodyPr>
+          <a:lstStyle/>
+          <a:p>
+            <a:r>
+              <a:rPr lang="es-ES" sz="5000" dirty="0">
+                <a:solidFill>
+                  <a:srgbClr val="FFFFFF"/>
+                </a:solidFill>
+              </a:rPr>
+              <a:t>¿Qué es una Biblioteca de JS?</a:t>
+            </a:r>
+          </a:p>
+        </p:txBody>
+      </p:sp>
+      <p:sp>
+        <p:nvSpPr>
+          <p:cNvPr id="13" name="Graphic 11">
+            <a:extLst>
+              <a:ext uri="{FF2B5EF4-FFF2-40B4-BE49-F238E27FC236}">
+                <a16:creationId xmlns:a16="http://schemas.microsoft.com/office/drawing/2014/main" id="{6CB927A4-E432-4310-9CD5-E89FF5063179}"/>
+              </a:ext>
+              <a:ext uri="{C183D7F6-B498-43B3-948B-1728B52AA6E4}">
+                <adec:decorative xmlns:adec="http://schemas.microsoft.com/office/drawing/2017/decorative" val="1"/>
+              </a:ext>
+            </a:extLst>
+          </p:cNvPr>
+          <p:cNvSpPr>
+            <a:spLocks noGrp="1" noRot="1" noChangeAspect="1" noMove="1" noResize="1" noEditPoints="1" noAdjustHandles="1" noChangeArrowheads="1" noChangeShapeType="1" noTextEdit="1"/>
+          </p:cNvSpPr>
+          <p:nvPr>
+            <p:extLst>
+              <p:ext uri="{386F3935-93C4-4BCD-93E2-E3B085C9AB24}">
+                <p16:designElem xmlns:p16="http://schemas.microsoft.com/office/powerpoint/2015/main" val="1"/>
+              </p:ext>
+            </p:extLst>
+          </p:nvPr>
+        </p:nvSpPr>
+        <p:spPr>
+          <a:xfrm>
+            <a:off x="11013369" y="554152"/>
+            <a:ext cx="171515" cy="171515"/>
+          </a:xfrm>
+          <a:custGeom>
+            <a:avLst/>
+            <a:gdLst>
+              <a:gd name="connsiteX0" fmla="*/ 159874 w 171515"/>
+              <a:gd name="connsiteY0" fmla="*/ 74116 h 171515"/>
+              <a:gd name="connsiteX1" fmla="*/ 97399 w 171515"/>
+              <a:gd name="connsiteY1" fmla="*/ 74116 h 171515"/>
+              <a:gd name="connsiteX2" fmla="*/ 97399 w 171515"/>
+              <a:gd name="connsiteY2" fmla="*/ 11641 h 171515"/>
+              <a:gd name="connsiteX3" fmla="*/ 85758 w 171515"/>
+              <a:gd name="connsiteY3" fmla="*/ 0 h 171515"/>
+              <a:gd name="connsiteX4" fmla="*/ 74116 w 171515"/>
+              <a:gd name="connsiteY4" fmla="*/ 11641 h 171515"/>
+              <a:gd name="connsiteX5" fmla="*/ 74116 w 171515"/>
+              <a:gd name="connsiteY5" fmla="*/ 74116 h 171515"/>
+              <a:gd name="connsiteX6" fmla="*/ 11641 w 171515"/>
+              <a:gd name="connsiteY6" fmla="*/ 74116 h 171515"/>
+              <a:gd name="connsiteX7" fmla="*/ 0 w 171515"/>
+              <a:gd name="connsiteY7" fmla="*/ 85758 h 171515"/>
+              <a:gd name="connsiteX8" fmla="*/ 11641 w 171515"/>
+              <a:gd name="connsiteY8" fmla="*/ 97399 h 171515"/>
+              <a:gd name="connsiteX9" fmla="*/ 74116 w 171515"/>
+              <a:gd name="connsiteY9" fmla="*/ 97399 h 171515"/>
+              <a:gd name="connsiteX10" fmla="*/ 74116 w 171515"/>
+              <a:gd name="connsiteY10" fmla="*/ 159874 h 171515"/>
+              <a:gd name="connsiteX11" fmla="*/ 85758 w 171515"/>
+              <a:gd name="connsiteY11" fmla="*/ 171515 h 171515"/>
+              <a:gd name="connsiteX12" fmla="*/ 97399 w 171515"/>
+              <a:gd name="connsiteY12" fmla="*/ 159874 h 171515"/>
+              <a:gd name="connsiteX13" fmla="*/ 97399 w 171515"/>
+              <a:gd name="connsiteY13" fmla="*/ 97399 h 171515"/>
+              <a:gd name="connsiteX14" fmla="*/ 159874 w 171515"/>
+              <a:gd name="connsiteY14" fmla="*/ 97399 h 171515"/>
+              <a:gd name="connsiteX15" fmla="*/ 171515 w 171515"/>
+              <a:gd name="connsiteY15" fmla="*/ 85758 h 171515"/>
+              <a:gd name="connsiteX16" fmla="*/ 159874 w 171515"/>
+              <a:gd name="connsiteY16" fmla="*/ 74116 h 171515"/>
+            </a:gdLst>
+            <a:ahLst/>
+            <a:cxnLst>
+              <a:cxn ang="0">
+                <a:pos x="connsiteX0" y="connsiteY0"/>
+              </a:cxn>
+              <a:cxn ang="0">
+                <a:pos x="connsiteX1" y="connsiteY1"/>
+              </a:cxn>
+              <a:cxn ang="0">
+                <a:pos x="connsiteX2" y="connsiteY2"/>
+              </a:cxn>
+              <a:cxn ang="0">
+                <a:pos x="connsiteX3" y="connsiteY3"/>
+              </a:cxn>
+              <a:cxn ang="0">
+                <a:pos x="connsiteX4" y="connsiteY4"/>
+              </a:cxn>
+              <a:cxn ang="0">
+                <a:pos x="connsiteX5" y="connsiteY5"/>
+              </a:cxn>
+              <a:cxn ang="0">
+                <a:pos x="connsiteX6" y="connsiteY6"/>
+              </a:cxn>
+              <a:cxn ang="0">
+                <a:pos x="connsiteX7" y="connsiteY7"/>
+              </a:cxn>
+              <a:cxn ang="0">
+                <a:pos x="connsiteX8" y="connsiteY8"/>
+              </a:cxn>
+              <a:cxn ang="0">
+                <a:pos x="connsiteX9" y="connsiteY9"/>
+              </a:cxn>
+              <a:cxn ang="0">
+                <a:pos x="connsiteX10" y="connsiteY10"/>
+              </a:cxn>
+              <a:cxn ang="0">
+                <a:pos x="connsiteX11" y="connsiteY11"/>
+              </a:cxn>
+              <a:cxn ang="0">
+                <a:pos x="connsiteX12" y="connsiteY12"/>
+              </a:cxn>
+              <a:cxn ang="0">
+                <a:pos x="connsiteX13" y="connsiteY13"/>
+              </a:cxn>
+              <a:cxn ang="0">
+                <a:pos x="connsiteX14" y="connsiteY14"/>
+              </a:cxn>
+              <a:cxn ang="0">
+                <a:pos x="connsiteX15" y="connsiteY15"/>
+              </a:cxn>
+              <a:cxn ang="0">
+                <a:pos x="connsiteX16" y="connsiteY16"/>
+              </a:cxn>
+            </a:cxnLst>
+            <a:rect l="l" t="t" r="r" b="b"/>
+            <a:pathLst>
+              <a:path w="171515" h="171515">
+                <a:moveTo>
+                  <a:pt x="159874" y="74116"/>
+                </a:moveTo>
+                <a:lnTo>
+                  <a:pt x="97399" y="74116"/>
+                </a:lnTo>
+                <a:lnTo>
+                  <a:pt x="97399" y="11641"/>
+                </a:lnTo>
+                <a:cubicBezTo>
+                  <a:pt x="97399" y="5212"/>
+                  <a:pt x="92187" y="0"/>
+                  <a:pt x="85758" y="0"/>
+                </a:cubicBezTo>
+                <a:cubicBezTo>
+                  <a:pt x="79328" y="0"/>
+                  <a:pt x="74116" y="5212"/>
+                  <a:pt x="74116" y="11641"/>
+                </a:cubicBezTo>
+                <a:lnTo>
+                  <a:pt x="74116" y="74116"/>
+                </a:lnTo>
+                <a:lnTo>
+                  <a:pt x="11641" y="74116"/>
+                </a:lnTo>
+                <a:cubicBezTo>
+                  <a:pt x="5212" y="74116"/>
+                  <a:pt x="0" y="79328"/>
+                  <a:pt x="0" y="85758"/>
+                </a:cubicBezTo>
+                <a:cubicBezTo>
+                  <a:pt x="0" y="92187"/>
+                  <a:pt x="5212" y="97399"/>
+                  <a:pt x="11641" y="97399"/>
+                </a:cubicBezTo>
+                <a:lnTo>
+                  <a:pt x="74116" y="97399"/>
+                </a:lnTo>
+                <a:lnTo>
+                  <a:pt x="74116" y="159874"/>
+                </a:lnTo>
+                <a:cubicBezTo>
+                  <a:pt x="74116" y="166303"/>
+                  <a:pt x="79328" y="171515"/>
+                  <a:pt x="85758" y="171515"/>
+                </a:cubicBezTo>
+                <a:cubicBezTo>
+                  <a:pt x="92187" y="171515"/>
+                  <a:pt x="97399" y="166303"/>
+                  <a:pt x="97399" y="159874"/>
+                </a:cubicBezTo>
+                <a:lnTo>
+                  <a:pt x="97399" y="97399"/>
+                </a:lnTo>
+                <a:lnTo>
+                  <a:pt x="159874" y="97399"/>
+                </a:lnTo>
+                <a:cubicBezTo>
+                  <a:pt x="166303" y="97399"/>
+                  <a:pt x="171515" y="92187"/>
+                  <a:pt x="171515" y="85758"/>
+                </a:cubicBezTo>
+                <a:cubicBezTo>
+                  <a:pt x="171515" y="79328"/>
+                  <a:pt x="166303" y="74116"/>
+                  <a:pt x="159874" y="74116"/>
+                </a:cubicBezTo>
+                <a:close/>
+              </a:path>
+            </a:pathLst>
+          </a:custGeom>
+          <a:solidFill>
+            <a:srgbClr val="FFFFFF"/>
+          </a:solidFill>
+          <a:ln w="776" cap="flat">
+            <a:noFill/>
+            <a:prstDash val="solid"/>
+            <a:miter/>
+          </a:ln>
+        </p:spPr>
+        <p:txBody>
+          <a:bodyPr rtlCol="0" anchor="ctr"/>
+          <a:lstStyle/>
+          <a:p>
+            <a:pPr marL="0" marR="0" lvl="0" indent="0" algn="l" defTabSz="914400" rtl="0" eaLnBrk="1" fontAlgn="auto" latinLnBrk="0" hangingPunct="1">
+              <a:lnSpc>
+                <a:spcPct val="100000"/>
+              </a:lnSpc>
+              <a:spcBef>
+                <a:spcPts val="0"/>
+              </a:spcBef>
+              <a:spcAft>
+                <a:spcPts val="0"/>
+              </a:spcAft>
+              <a:buClrTx/>
+              <a:buSzTx/>
+              <a:buFontTx/>
+              <a:buNone/>
+              <a:tabLst/>
+              <a:defRPr/>
+            </a:pPr>
+            <a:endParaRPr kumimoji="0" lang="en-US" sz="1800" b="0" i="0" u="none" strike="noStrike" kern="1200" cap="none" spc="0" normalizeH="0" baseline="0" noProof="0">
+              <a:ln>
+                <a:noFill/>
+              </a:ln>
+              <a:solidFill>
+                <a:prstClr val="black"/>
+              </a:solidFill>
+              <a:effectLst/>
+              <a:uLnTx/>
+              <a:uFillTx/>
+              <a:latin typeface="Univers"/>
+              <a:ea typeface="+mn-ea"/>
+              <a:cs typeface="+mn-cs"/>
+            </a:endParaRPr>
+          </a:p>
+        </p:txBody>
+      </p:sp>
+      <p:sp>
+        <p:nvSpPr>
+          <p:cNvPr id="15" name="Graphic 10">
+            <a:extLst>
+              <a:ext uri="{FF2B5EF4-FFF2-40B4-BE49-F238E27FC236}">
+                <a16:creationId xmlns:a16="http://schemas.microsoft.com/office/drawing/2014/main" id="{E3020543-B24B-4EC4-8FFC-8DD88EEA91A8}"/>
+              </a:ext>
+              <a:ext uri="{C183D7F6-B498-43B3-948B-1728B52AA6E4}">
+                <adec:decorative xmlns:adec="http://schemas.microsoft.com/office/drawing/2017/decorative" val="1"/>
+              </a:ext>
+            </a:extLst>
+          </p:cNvPr>
+          <p:cNvSpPr>
+            <a:spLocks noGrp="1" noRot="1" noChangeAspect="1" noMove="1" noResize="1" noEditPoints="1" noAdjustHandles="1" noChangeArrowheads="1" noChangeShapeType="1" noTextEdit="1"/>
+          </p:cNvSpPr>
+          <p:nvPr>
+            <p:extLst>
+              <p:ext uri="{386F3935-93C4-4BCD-93E2-E3B085C9AB24}">
+                <p16:designElem xmlns:p16="http://schemas.microsoft.com/office/powerpoint/2015/main" val="1"/>
+              </p:ext>
+            </p:extLst>
+          </p:nvPr>
+        </p:nvSpPr>
+        <p:spPr>
+          <a:xfrm>
+            <a:off x="11455951" y="837005"/>
+            <a:ext cx="112426" cy="112426"/>
+          </a:xfrm>
+          <a:custGeom>
+            <a:avLst/>
+            <a:gdLst>
+              <a:gd name="connsiteX0" fmla="*/ 112426 w 112426"/>
+              <a:gd name="connsiteY0" fmla="*/ 56213 h 112426"/>
+              <a:gd name="connsiteX1" fmla="*/ 56213 w 112426"/>
+              <a:gd name="connsiteY1" fmla="*/ 112426 h 112426"/>
+              <a:gd name="connsiteX2" fmla="*/ 0 w 112426"/>
+              <a:gd name="connsiteY2" fmla="*/ 56213 h 112426"/>
+              <a:gd name="connsiteX3" fmla="*/ 56213 w 112426"/>
+              <a:gd name="connsiteY3" fmla="*/ 0 h 112426"/>
+              <a:gd name="connsiteX4" fmla="*/ 112426 w 112426"/>
+              <a:gd name="connsiteY4" fmla="*/ 56213 h 112426"/>
+            </a:gdLst>
+            <a:ahLst/>
+            <a:cxnLst>
+              <a:cxn ang="0">
+                <a:pos x="connsiteX0" y="connsiteY0"/>
+              </a:cxn>
+              <a:cxn ang="0">
+                <a:pos x="connsiteX1" y="connsiteY1"/>
+              </a:cxn>
+              <a:cxn ang="0">
+                <a:pos x="connsiteX2" y="connsiteY2"/>
+              </a:cxn>
+              <a:cxn ang="0">
+                <a:pos x="connsiteX3" y="connsiteY3"/>
+              </a:cxn>
+              <a:cxn ang="0">
+                <a:pos x="connsiteX4" y="connsiteY4"/>
+              </a:cxn>
+            </a:cxnLst>
+            <a:rect l="l" t="t" r="r" b="b"/>
+            <a:pathLst>
+              <a:path w="112426" h="112426">
+                <a:moveTo>
+                  <a:pt x="112426" y="56213"/>
+                </a:moveTo>
+                <a:cubicBezTo>
+                  <a:pt x="112426" y="87259"/>
+                  <a:pt x="87259" y="112426"/>
+                  <a:pt x="56213" y="112426"/>
+                </a:cubicBezTo>
+                <a:cubicBezTo>
+                  <a:pt x="25167" y="112426"/>
+                  <a:pt x="0" y="87259"/>
+                  <a:pt x="0" y="56213"/>
+                </a:cubicBezTo>
+                <a:cubicBezTo>
+                  <a:pt x="0" y="25167"/>
+                  <a:pt x="25167" y="0"/>
+                  <a:pt x="56213" y="0"/>
+                </a:cubicBezTo>
+                <a:cubicBezTo>
+                  <a:pt x="87259" y="0"/>
+                  <a:pt x="112426" y="25167"/>
+                  <a:pt x="112426" y="56213"/>
+                </a:cubicBezTo>
+                <a:close/>
+              </a:path>
+            </a:pathLst>
+          </a:custGeom>
+          <a:solidFill>
+            <a:srgbClr val="FFFFFF"/>
+          </a:solidFill>
+          <a:ln w="516" cap="flat">
+            <a:noFill/>
+            <a:prstDash val="solid"/>
+            <a:miter/>
+          </a:ln>
+        </p:spPr>
+        <p:txBody>
+          <a:bodyPr rtlCol="0" anchor="ctr"/>
+          <a:lstStyle/>
+          <a:p>
+            <a:pPr marL="0" marR="0" lvl="0" indent="0" algn="l" defTabSz="914400" rtl="0" eaLnBrk="1" fontAlgn="auto" latinLnBrk="0" hangingPunct="1">
+              <a:lnSpc>
+                <a:spcPct val="100000"/>
+              </a:lnSpc>
+              <a:spcBef>
+                <a:spcPts val="0"/>
+              </a:spcBef>
+              <a:spcAft>
+                <a:spcPts val="0"/>
+              </a:spcAft>
+              <a:buClrTx/>
+              <a:buSzTx/>
+              <a:buFontTx/>
+              <a:buNone/>
+              <a:tabLst/>
+              <a:defRPr/>
+            </a:pPr>
+            <a:endParaRPr kumimoji="0" lang="en-US" sz="1800" b="0" i="0" u="none" strike="noStrike" kern="1200" cap="none" spc="0" normalizeH="0" baseline="0" noProof="0">
+              <a:ln>
+                <a:noFill/>
+              </a:ln>
+              <a:solidFill>
+                <a:prstClr val="black"/>
+              </a:solidFill>
+              <a:effectLst/>
+              <a:uLnTx/>
+              <a:uFillTx/>
+              <a:latin typeface="Univers"/>
+              <a:ea typeface="+mn-ea"/>
+              <a:cs typeface="+mn-cs"/>
+            </a:endParaRPr>
+          </a:p>
+        </p:txBody>
+      </p:sp>
+      <p:sp>
+        <p:nvSpPr>
+          <p:cNvPr id="17" name="Graphic 12">
+            <a:extLst>
+              <a:ext uri="{FF2B5EF4-FFF2-40B4-BE49-F238E27FC236}">
+                <a16:creationId xmlns:a16="http://schemas.microsoft.com/office/drawing/2014/main" id="{1453BF6C-B012-48B7-B4E8-6D7AC7C27D02}"/>
+              </a:ext>
+              <a:ext uri="{C183D7F6-B498-43B3-948B-1728B52AA6E4}">
+                <adec:decorative xmlns:adec="http://schemas.microsoft.com/office/drawing/2017/decorative" val="1"/>
+              </a:ext>
+            </a:extLst>
+          </p:cNvPr>
+          <p:cNvSpPr>
+            <a:spLocks noGrp="1" noRot="1" noChangeAspect="1" noMove="1" noResize="1" noEditPoints="1" noAdjustHandles="1" noChangeArrowheads="1" noChangeShapeType="1" noTextEdit="1"/>
+          </p:cNvSpPr>
+          <p:nvPr>
+            <p:extLst>
+              <p:ext uri="{386F3935-93C4-4BCD-93E2-E3B085C9AB24}">
+                <p16:designElem xmlns:p16="http://schemas.microsoft.com/office/powerpoint/2015/main" val="1"/>
+              </p:ext>
+            </p:extLst>
+          </p:nvPr>
+        </p:nvSpPr>
+        <p:spPr>
+          <a:xfrm>
+            <a:off x="10994200" y="1472473"/>
+            <a:ext cx="157545" cy="157545"/>
+          </a:xfrm>
+          <a:custGeom>
+            <a:avLst/>
+            <a:gdLst>
+              <a:gd name="connsiteX0" fmla="*/ 78773 w 157545"/>
+              <a:gd name="connsiteY0" fmla="*/ 23283 h 157545"/>
+              <a:gd name="connsiteX1" fmla="*/ 134262 w 157545"/>
+              <a:gd name="connsiteY1" fmla="*/ 78773 h 157545"/>
+              <a:gd name="connsiteX2" fmla="*/ 78773 w 157545"/>
+              <a:gd name="connsiteY2" fmla="*/ 134262 h 157545"/>
+              <a:gd name="connsiteX3" fmla="*/ 23283 w 157545"/>
+              <a:gd name="connsiteY3" fmla="*/ 78773 h 157545"/>
+              <a:gd name="connsiteX4" fmla="*/ 78773 w 157545"/>
+              <a:gd name="connsiteY4" fmla="*/ 23283 h 157545"/>
+              <a:gd name="connsiteX5" fmla="*/ 78773 w 157545"/>
+              <a:gd name="connsiteY5" fmla="*/ 0 h 157545"/>
+              <a:gd name="connsiteX6" fmla="*/ 0 w 157545"/>
+              <a:gd name="connsiteY6" fmla="*/ 78773 h 157545"/>
+              <a:gd name="connsiteX7" fmla="*/ 78773 w 157545"/>
+              <a:gd name="connsiteY7" fmla="*/ 157545 h 157545"/>
+              <a:gd name="connsiteX8" fmla="*/ 157545 w 157545"/>
+              <a:gd name="connsiteY8" fmla="*/ 78773 h 157545"/>
+              <a:gd name="connsiteX9" fmla="*/ 78773 w 157545"/>
+              <a:gd name="connsiteY9" fmla="*/ 0 h 157545"/>
+            </a:gdLst>
+            <a:ahLst/>
+            <a:cxnLst>
+              <a:cxn ang="0">
+                <a:pos x="connsiteX0" y="connsiteY0"/>
+              </a:cxn>
+              <a:cxn ang="0">
+                <a:pos x="connsiteX1" y="connsiteY1"/>
+              </a:cxn>
+              <a:cxn ang="0">
+                <a:pos x="connsiteX2" y="connsiteY2"/>
+              </a:cxn>
+              <a:cxn ang="0">
+                <a:pos x="connsiteX3" y="connsiteY3"/>
+              </a:cxn>
+              <a:cxn ang="0">
+                <a:pos x="connsiteX4" y="connsiteY4"/>
+              </a:cxn>
+              <a:cxn ang="0">
+                <a:pos x="connsiteX5" y="connsiteY5"/>
+              </a:cxn>
+              <a:cxn ang="0">
+                <a:pos x="connsiteX6" y="connsiteY6"/>
+              </a:cxn>
+              <a:cxn ang="0">
+                <a:pos x="connsiteX7" y="connsiteY7"/>
+              </a:cxn>
+              <a:cxn ang="0">
+                <a:pos x="connsiteX8" y="connsiteY8"/>
+              </a:cxn>
+              <a:cxn ang="0">
+                <a:pos x="connsiteX9" y="connsiteY9"/>
+              </a:cxn>
+            </a:cxnLst>
+            <a:rect l="l" t="t" r="r" b="b"/>
+            <a:pathLst>
+              <a:path w="157545" h="157545">
+                <a:moveTo>
+                  <a:pt x="78773" y="23283"/>
+                </a:moveTo>
+                <a:cubicBezTo>
+                  <a:pt x="109419" y="23283"/>
+                  <a:pt x="134262" y="48126"/>
+                  <a:pt x="134262" y="78773"/>
+                </a:cubicBezTo>
+                <a:cubicBezTo>
+                  <a:pt x="134262" y="109419"/>
+                  <a:pt x="109419" y="134262"/>
+                  <a:pt x="78773" y="134262"/>
+                </a:cubicBezTo>
+                <a:cubicBezTo>
+                  <a:pt x="48126" y="134262"/>
+                  <a:pt x="23283" y="109419"/>
+                  <a:pt x="23283" y="78773"/>
+                </a:cubicBezTo>
+                <a:cubicBezTo>
+                  <a:pt x="23312" y="48139"/>
+                  <a:pt x="48139" y="23312"/>
+                  <a:pt x="78773" y="23283"/>
+                </a:cubicBezTo>
+                <a:moveTo>
+                  <a:pt x="78773" y="0"/>
+                </a:moveTo>
+                <a:cubicBezTo>
+                  <a:pt x="35268" y="0"/>
+                  <a:pt x="0" y="35268"/>
+                  <a:pt x="0" y="78773"/>
+                </a:cubicBezTo>
+                <a:cubicBezTo>
+                  <a:pt x="0" y="122277"/>
+                  <a:pt x="35268" y="157545"/>
+                  <a:pt x="78773" y="157545"/>
+                </a:cubicBezTo>
+                <a:cubicBezTo>
+                  <a:pt x="122277" y="157545"/>
+                  <a:pt x="157545" y="122277"/>
+                  <a:pt x="157545" y="78773"/>
+                </a:cubicBezTo>
+                <a:cubicBezTo>
+                  <a:pt x="157545" y="35268"/>
+                  <a:pt x="122277" y="0"/>
+                  <a:pt x="78773" y="0"/>
+                </a:cubicBezTo>
+                <a:close/>
+              </a:path>
+            </a:pathLst>
+          </a:custGeom>
+          <a:solidFill>
+            <a:srgbClr val="FFFFFF"/>
+          </a:solidFill>
+          <a:ln w="751" cap="flat">
+            <a:noFill/>
+            <a:prstDash val="solid"/>
+            <a:miter/>
+          </a:ln>
+        </p:spPr>
+        <p:txBody>
+          <a:bodyPr rtlCol="0" anchor="ctr"/>
+          <a:lstStyle/>
+          <a:p>
+            <a:pPr marL="0" marR="0" lvl="0" indent="0" algn="l" defTabSz="914400" rtl="0" eaLnBrk="1" fontAlgn="auto" latinLnBrk="0" hangingPunct="1">
+              <a:lnSpc>
+                <a:spcPct val="100000"/>
+              </a:lnSpc>
+              <a:spcBef>
+                <a:spcPts val="0"/>
+              </a:spcBef>
+              <a:spcAft>
+                <a:spcPts val="0"/>
+              </a:spcAft>
+              <a:buClrTx/>
+              <a:buSzTx/>
+              <a:buFontTx/>
+              <a:buNone/>
+              <a:tabLst/>
+              <a:defRPr/>
+            </a:pPr>
+            <a:endParaRPr kumimoji="0" lang="en-US" sz="1800" b="0" i="0" u="none" strike="noStrike" kern="1200" cap="none" spc="0" normalizeH="0" baseline="0" noProof="0">
+              <a:ln>
+                <a:noFill/>
+              </a:ln>
+              <a:solidFill>
+                <a:prstClr val="black"/>
+              </a:solidFill>
+              <a:effectLst/>
+              <a:uLnTx/>
+              <a:uFillTx/>
+              <a:latin typeface="Univers"/>
+              <a:ea typeface="+mn-ea"/>
+              <a:cs typeface="+mn-cs"/>
+            </a:endParaRPr>
+          </a:p>
+        </p:txBody>
+      </p:sp>
+      <p:cxnSp>
+        <p:nvCxnSpPr>
+          <p:cNvPr id="19" name="Straight Connector">
+            <a:extLst>
+              <a:ext uri="{FF2B5EF4-FFF2-40B4-BE49-F238E27FC236}">
+                <a16:creationId xmlns:a16="http://schemas.microsoft.com/office/drawing/2014/main" id="{C49DA8F6-BCC1-4447-B54C-57856834B94B}"/>
+              </a:ext>
+              <a:ext uri="{C183D7F6-B498-43B3-948B-1728B52AA6E4}">
+                <adec:decorative xmlns:adec="http://schemas.microsoft.com/office/drawing/2017/decorative" val="1"/>
+              </a:ext>
+            </a:extLst>
+          </p:cNvPr>
+          <p:cNvCxnSpPr>
+            <a:cxnSpLocks noGrp="1" noRot="1" noChangeAspect="1" noMove="1" noResize="1" noEditPoints="1" noAdjustHandles="1" noChangeArrowheads="1" noChangeShapeType="1"/>
+          </p:cNvCxnSpPr>
+          <p:nvPr>
+            <p:extLst>
+              <p:ext uri="{386F3935-93C4-4BCD-93E2-E3B085C9AB24}">
+                <p16:designElem xmlns:p16="http://schemas.microsoft.com/office/powerpoint/2015/main" val="1"/>
+              </p:ext>
+            </p:extLst>
+          </p:nvPr>
+        </p:nvCxnSpPr>
+        <p:spPr>
+          <a:xfrm>
+            <a:off x="623622" y="3610394"/>
+            <a:ext cx="0" cy="3238728"/>
+          </a:xfrm>
+          <a:prstGeom prst="line">
+            <a:avLst/>
+          </a:prstGeom>
+          <a:ln w="25400" cap="sq">
+            <a:solidFill>
+              <a:schemeClr val="bg1"/>
+            </a:solidFill>
+            <a:bevel/>
+          </a:ln>
+        </p:spPr>
+        <p:style>
+          <a:lnRef idx="1">
+            <a:schemeClr val="accent1"/>
+          </a:lnRef>
+          <a:fillRef idx="0">
+            <a:schemeClr val="accent1"/>
+          </a:fillRef>
+          <a:effectRef idx="0">
+            <a:schemeClr val="accent1"/>
+          </a:effectRef>
+          <a:fontRef idx="minor">
+            <a:schemeClr val="tx1"/>
+          </a:fontRef>
+        </p:style>
+      </p:cxnSp>
+      <p:sp>
+        <p:nvSpPr>
+          <p:cNvPr id="3" name="Marcador de contenido 2">
+            <a:extLst>
+              <a:ext uri="{FF2B5EF4-FFF2-40B4-BE49-F238E27FC236}">
+                <a16:creationId xmlns:a16="http://schemas.microsoft.com/office/drawing/2014/main" id="{D5CA8A8E-236C-0DD9-44D2-741BFD509CB3}"/>
+              </a:ext>
+            </a:extLst>
+          </p:cNvPr>
+          <p:cNvSpPr>
+            <a:spLocks noGrp="1"/>
+          </p:cNvSpPr>
+          <p:nvPr>
+            <p:ph idx="1"/>
+          </p:nvPr>
+        </p:nvSpPr>
+        <p:spPr>
+          <a:xfrm>
+            <a:off x="1188069" y="3175552"/>
+            <a:ext cx="5366041" cy="2809114"/>
+          </a:xfrm>
+        </p:spPr>
+        <p:txBody>
+          <a:bodyPr anchor="t">
+            <a:normAutofit/>
+          </a:bodyPr>
+          <a:lstStyle/>
+          <a:p>
+            <a:r>
+              <a:rPr lang="es-ES" sz="1800" dirty="0">
+                <a:solidFill>
+                  <a:srgbClr val="FFFFFF"/>
+                </a:solidFill>
+              </a:rPr>
+              <a:t>Una biblioteca de JavaScript es una biblioteca de código </a:t>
+            </a:r>
+            <a:r>
+              <a:rPr lang="es-ES" sz="1800" dirty="0" err="1">
+                <a:solidFill>
+                  <a:srgbClr val="FFFFFF"/>
+                </a:solidFill>
+              </a:rPr>
+              <a:t>pre-escrito</a:t>
+            </a:r>
+            <a:r>
+              <a:rPr lang="es-ES" sz="1800" dirty="0">
+                <a:solidFill>
+                  <a:srgbClr val="FFFFFF"/>
+                </a:solidFill>
+              </a:rPr>
+              <a:t> en JavaScript que permite un desarrollo más fácil de aplicaciones basadas en JavaScript, especialmente AJAX y otras tecnologías centradas en la web.​</a:t>
+            </a:r>
+          </a:p>
+        </p:txBody>
+      </p:sp>
+    </p:spTree>
+    <p:extLst>
+      <p:ext uri="{BB962C8B-B14F-4D97-AF65-F5344CB8AC3E}">
+        <p14:creationId xmlns:p14="http://schemas.microsoft.com/office/powerpoint/2010/main" val="168553603"/>
+      </p:ext>
+    </p:extLst>
+  </p:cSld>
+  <p:clrMapOvr>
+    <a:masterClrMapping/>
+  </p:clrMapOvr>
+</p:sld>
+</file>
+
+<file path=ppt/slides/slide5.xml><?xml version="1.0" encoding="utf-8"?>
+<p:sld xmlns:a="http://schemas.openxmlformats.org/drawingml/2006/main" xmlns:r="http://schemas.openxmlformats.org/officeDocument/2006/relationships" xmlns:p="http://schemas.openxmlformats.org/presentationml/2006/main">
+  <p:cSld>
+    <p:bg>
+      <p:bgPr>
+        <a:solidFill>
+          <a:schemeClr val="bg1"/>
+        </a:solidFill>
+        <a:effectLst/>
+      </p:bgPr>
+    </p:bg>
+    <p:spTree>
+      <p:nvGrpSpPr>
+        <p:cNvPr id="1" name=""/>
+        <p:cNvGrpSpPr/>
+        <p:nvPr/>
+      </p:nvGrpSpPr>
+      <p:grpSpPr>
+        <a:xfrm>
+          <a:off x="0" y="0"/>
+          <a:ext cx="0" cy="0"/>
+          <a:chOff x="0" y="0"/>
+          <a:chExt cx="0" cy="0"/>
+        </a:xfrm>
+      </p:grpSpPr>
+      <p:cxnSp>
+        <p:nvCxnSpPr>
+          <p:cNvPr id="10" name="Straight Connector 9">
+            <a:extLst>
+              <a:ext uri="{FF2B5EF4-FFF2-40B4-BE49-F238E27FC236}">
+                <a16:creationId xmlns:a16="http://schemas.microsoft.com/office/drawing/2014/main" id="{D1B787A8-0D67-4B7E-9B48-86BD906AB6B5}"/>
+              </a:ext>
+              <a:ext uri="{C183D7F6-B498-43B3-948B-1728B52AA6E4}">
+                <adec:decorative xmlns:adec="http://schemas.microsoft.com/office/drawing/2017/decorative" val="1"/>
+              </a:ext>
+            </a:extLst>
+          </p:cNvPr>
+          <p:cNvCxnSpPr>
+            <a:cxnSpLocks noGrp="1" noRot="1" noChangeAspect="1" noMove="1" noResize="1" noEditPoints="1" noAdjustHandles="1" noChangeArrowheads="1" noChangeShapeType="1"/>
+          </p:cNvCxnSpPr>
+          <p:nvPr>
+            <p:extLst>
+              <p:ext uri="{386F3935-93C4-4BCD-93E2-E3B085C9AB24}">
+                <p16:designElem xmlns:p16="http://schemas.microsoft.com/office/powerpoint/2015/main" val="1"/>
+              </p:ext>
+            </p:extLst>
+          </p:nvPr>
+        </p:nvCxnSpPr>
+        <p:spPr>
+          <a:xfrm>
+            <a:off x="715890" y="1114050"/>
+            <a:ext cx="0" cy="5735637"/>
+          </a:xfrm>
+          <a:prstGeom prst="line">
+            <a:avLst/>
+          </a:prstGeom>
+          <a:ln w="25400" cap="sq">
+            <a:gradFill flip="none" rotWithShape="1">
+              <a:gsLst>
+                <a:gs pos="0">
+                  <a:schemeClr val="accent2"/>
+                </a:gs>
+                <a:gs pos="100000">
+                  <a:schemeClr val="accent4"/>
+                </a:gs>
+              </a:gsLst>
+              <a:lin ang="16200000" scaled="1"/>
+              <a:tileRect/>
+            </a:gradFill>
+            <a:bevel/>
+          </a:ln>
+        </p:spPr>
+        <p:style>
+          <a:lnRef idx="1">
+            <a:schemeClr val="accent1"/>
+          </a:lnRef>
+          <a:fillRef idx="0">
+            <a:schemeClr val="accent1"/>
+          </a:fillRef>
+          <a:effectRef idx="0">
+            <a:schemeClr val="accent1"/>
+          </a:effectRef>
+          <a:fontRef idx="minor">
+            <a:schemeClr val="tx1"/>
+          </a:fontRef>
+        </p:style>
+      </p:cxnSp>
+      <p:sp useBgFill="1">
+        <p:nvSpPr>
+          <p:cNvPr id="12" name="Rectangle 11">
+            <a:extLst>
+              <a:ext uri="{FF2B5EF4-FFF2-40B4-BE49-F238E27FC236}">
+                <a16:creationId xmlns:a16="http://schemas.microsoft.com/office/drawing/2014/main" id="{79C60ED7-11F7-478C-AC8E-0865FABDACBF}"/>
+              </a:ext>
+              <a:ext uri="{C183D7F6-B498-43B3-948B-1728B52AA6E4}">
+                <adec:decorative xmlns:adec="http://schemas.microsoft.com/office/drawing/2017/decorative" val="1"/>
+              </a:ext>
+            </a:extLst>
+          </p:cNvPr>
+          <p:cNvSpPr>
+            <a:spLocks noGrp="1" noRot="1" noChangeAspect="1" noMove="1" noResize="1" noEditPoints="1" noAdjustHandles="1" noChangeArrowheads="1" noChangeShapeType="1" noTextEdit="1"/>
+          </p:cNvSpPr>
+          <p:nvPr>
+            <p:extLst>
+              <p:ext uri="{386F3935-93C4-4BCD-93E2-E3B085C9AB24}">
+                <p16:designElem xmlns:p16="http://schemas.microsoft.com/office/powerpoint/2015/main" val="1"/>
+              </p:ext>
+            </p:extLst>
+          </p:nvPr>
+        </p:nvSpPr>
+        <p:spPr>
+          <a:xfrm>
+            <a:off x="0" y="0"/>
+            <a:ext cx="12192000" cy="6858000"/>
+          </a:xfrm>
+          <a:prstGeom prst="rect">
+            <a:avLst/>
+          </a:prstGeom>
+          <a:ln w="12700" cap="flat" cmpd="sng" algn="ctr">
+            <a:noFill/>
+            <a:prstDash val="solid"/>
+            <a:miter lim="800000"/>
+          </a:ln>
+          <a:effectLst/>
+          <a:extLst>
+            <a:ext uri="{91240B29-F687-4F45-9708-019B960494DF}">
+              <a14:hiddenLine xmlns:a14="http://schemas.microsoft.com/office/drawing/2010/main" w="12700" cap="flat" cmpd="sng" algn="ctr">
+                <a:solidFill>
+                  <a:schemeClr val="accent1">
+                    <a:shade val="50000"/>
+                  </a:schemeClr>
+                </a:solidFill>
+                <a:prstDash val="solid"/>
+                <a:miter lim="800000"/>
+              </a14:hiddenLine>
+            </a:ext>
+          </a:extLst>
+        </p:spPr>
+        <p:style>
+          <a:lnRef idx="2">
+            <a:schemeClr val="accent1">
+              <a:shade val="50000"/>
+            </a:schemeClr>
+          </a:lnRef>
+          <a:fillRef idx="1">
+            <a:schemeClr val="accent1"/>
+          </a:fillRef>
+          <a:effectRef idx="0">
+            <a:schemeClr val="accent1"/>
+          </a:effectRef>
+          <a:fontRef idx="minor">
+            <a:schemeClr val="lt1"/>
+          </a:fontRef>
+        </p:style>
+        <p:txBody>
+          <a:bodyPr rtlCol="0" anchor="ctr"/>
+          <a:lstStyle/>
+          <a:p>
+            <a:pPr algn="ctr"/>
+            <a:endParaRPr lang="en-US"/>
+          </a:p>
+        </p:txBody>
+      </p:sp>
+      <p:sp>
+        <p:nvSpPr>
+          <p:cNvPr id="14" name="!!Rectangle">
+            <a:extLst>
+              <a:ext uri="{FF2B5EF4-FFF2-40B4-BE49-F238E27FC236}">
+                <a16:creationId xmlns:a16="http://schemas.microsoft.com/office/drawing/2014/main" id="{D472C551-D440-40DF-9260-BDB9AC40960A}"/>
+              </a:ext>
+              <a:ext uri="{C183D7F6-B498-43B3-948B-1728B52AA6E4}">
+                <adec:decorative xmlns:adec="http://schemas.microsoft.com/office/drawing/2017/decorative" val="1"/>
+              </a:ext>
+            </a:extLst>
+          </p:cNvPr>
+          <p:cNvSpPr>
+            <a:spLocks noGrp="1" noRot="1" noChangeAspect="1" noMove="1" noResize="1" noEditPoints="1" noAdjustHandles="1" noChangeArrowheads="1" noChangeShapeType="1" noTextEdit="1"/>
+          </p:cNvSpPr>
+          <p:nvPr>
+            <p:extLst>
+              <p:ext uri="{386F3935-93C4-4BCD-93E2-E3B085C9AB24}">
+                <p16:designElem xmlns:p16="http://schemas.microsoft.com/office/powerpoint/2015/main" val="1"/>
+              </p:ext>
+            </p:extLst>
+          </p:nvPr>
+        </p:nvSpPr>
+        <p:spPr>
+          <a:xfrm>
+            <a:off x="0" y="0"/>
+            <a:ext cx="12192000" cy="6858000"/>
+          </a:xfrm>
+          <a:prstGeom prst="rect">
+            <a:avLst/>
+          </a:prstGeom>
+          <a:gradFill flip="none" rotWithShape="1">
+            <a:gsLst>
+              <a:gs pos="100000">
+                <a:schemeClr val="accent4"/>
+              </a:gs>
+              <a:gs pos="0">
+                <a:schemeClr val="accent2"/>
+              </a:gs>
+            </a:gsLst>
+            <a:lin ang="18900000" scaled="1"/>
+            <a:tileRect/>
+          </a:gradFill>
+          <a:ln>
+            <a:noFill/>
+          </a:ln>
+        </p:spPr>
+        <p:style>
+          <a:lnRef idx="2">
+            <a:schemeClr val="accent1">
+              <a:shade val="50000"/>
+            </a:schemeClr>
+          </a:lnRef>
+          <a:fillRef idx="1">
+            <a:schemeClr val="accent1"/>
+          </a:fillRef>
+          <a:effectRef idx="0">
+            <a:schemeClr val="accent1"/>
+          </a:effectRef>
+          <a:fontRef idx="minor">
+            <a:schemeClr val="lt1"/>
+          </a:fontRef>
+        </p:style>
+        <p:txBody>
+          <a:bodyPr rtlCol="0" anchor="ctr"/>
+          <a:lstStyle/>
+          <a:p>
+            <a:pPr marL="0" marR="0" lvl="0" indent="0" algn="ctr" defTabSz="914400" rtl="0" eaLnBrk="1" fontAlgn="auto" latinLnBrk="0" hangingPunct="1">
+              <a:lnSpc>
+                <a:spcPct val="100000"/>
+              </a:lnSpc>
+              <a:spcBef>
+                <a:spcPts val="0"/>
+              </a:spcBef>
+              <a:spcAft>
+                <a:spcPts val="0"/>
+              </a:spcAft>
+              <a:buClrTx/>
+              <a:buSzTx/>
+              <a:buFontTx/>
+              <a:buNone/>
+              <a:tabLst/>
+              <a:defRPr/>
+            </a:pPr>
+            <a:endParaRPr kumimoji="0" lang="en-US" sz="1800" b="0" i="0" u="none" strike="noStrike" kern="1200" cap="none" spc="0" normalizeH="0" baseline="0" noProof="0">
+              <a:ln>
+                <a:noFill/>
+              </a:ln>
+              <a:solidFill>
+                <a:prstClr val="white"/>
+              </a:solidFill>
+              <a:effectLst/>
+              <a:uLnTx/>
+              <a:uFillTx/>
+              <a:latin typeface="Univers"/>
+              <a:ea typeface="+mn-ea"/>
+              <a:cs typeface="+mn-cs"/>
+            </a:endParaRPr>
+          </a:p>
+        </p:txBody>
+      </p:sp>
+      <p:pic>
+        <p:nvPicPr>
+          <p:cNvPr id="5" name="Marcador de contenido 4" descr="Logotipo&#10;&#10;Descripción generada automáticamente">
+            <a:extLst>
+              <a:ext uri="{FF2B5EF4-FFF2-40B4-BE49-F238E27FC236}">
+                <a16:creationId xmlns:a16="http://schemas.microsoft.com/office/drawing/2014/main" id="{8A0B3416-B61D-8613-7A75-0B16368D0AAE}"/>
+              </a:ext>
+            </a:extLst>
+          </p:cNvPr>
+          <p:cNvPicPr>
+            <a:picLocks noGrp="1" noChangeAspect="1"/>
+          </p:cNvPicPr>
+          <p:nvPr>
+            <p:ph idx="1"/>
+          </p:nvPr>
+        </p:nvPicPr>
+        <p:blipFill rotWithShape="1">
+          <a:blip r:embed="rId2">
+            <a:duotone>
+              <a:schemeClr val="accent1">
+                <a:shade val="45000"/>
+                <a:satMod val="135000"/>
+              </a:schemeClr>
+              <a:prstClr val="white"/>
+            </a:duotone>
+            <a:alphaModFix amt="35000"/>
+            <a:extLst>
+              <a:ext uri="{28A0092B-C50C-407E-A947-70E740481C1C}">
+                <a14:useLocalDpi xmlns:a14="http://schemas.microsoft.com/office/drawing/2010/main" val="0"/>
+              </a:ext>
+            </a:extLst>
+          </a:blip>
+          <a:srcRect l="14016" r="8987" b="2"/>
+          <a:stretch/>
+        </p:blipFill>
+        <p:spPr>
+          <a:xfrm>
+            <a:off x="20" y="-8877"/>
+            <a:ext cx="12191980" cy="6858000"/>
+          </a:xfrm>
+          <a:prstGeom prst="rect">
+            <a:avLst/>
+          </a:prstGeom>
+        </p:spPr>
+      </p:pic>
+      <p:sp>
+        <p:nvSpPr>
+          <p:cNvPr id="2" name="Título 1">
+            <a:extLst>
+              <a:ext uri="{FF2B5EF4-FFF2-40B4-BE49-F238E27FC236}">
+                <a16:creationId xmlns:a16="http://schemas.microsoft.com/office/drawing/2014/main" id="{6AF0F4A3-6822-6219-0E2E-D7785E542A67}"/>
+              </a:ext>
+            </a:extLst>
+          </p:cNvPr>
+          <p:cNvSpPr>
+            <a:spLocks noGrp="1"/>
+          </p:cNvSpPr>
+          <p:nvPr>
+            <p:ph type="title"/>
+          </p:nvPr>
+        </p:nvSpPr>
+        <p:spPr>
+          <a:xfrm>
+            <a:off x="994873" y="2271449"/>
+            <a:ext cx="6347918" cy="3670098"/>
+          </a:xfrm>
+        </p:spPr>
+        <p:txBody>
+          <a:bodyPr vert="horz" lIns="91440" tIns="45720" rIns="91440" bIns="45720" rtlCol="0" anchor="b">
+            <a:normAutofit/>
+          </a:bodyPr>
+          <a:lstStyle/>
+          <a:p>
+            <a:r>
+              <a:rPr lang="en-US" sz="6600" b="1" i="0" kern="1200" cap="all" baseline="0">
+                <a:solidFill>
+                  <a:srgbClr val="FFFFFF"/>
+                </a:solidFill>
+                <a:latin typeface="+mj-lt"/>
+                <a:ea typeface="+mj-ea"/>
+                <a:cs typeface="+mj-cs"/>
+              </a:rPr>
+              <a:t>JS</a:t>
+            </a:r>
+          </a:p>
+        </p:txBody>
+      </p:sp>
+      <p:cxnSp>
+        <p:nvCxnSpPr>
+          <p:cNvPr id="16" name="Straight Connector 15">
+            <a:extLst>
+              <a:ext uri="{FF2B5EF4-FFF2-40B4-BE49-F238E27FC236}">
+                <a16:creationId xmlns:a16="http://schemas.microsoft.com/office/drawing/2014/main" id="{56020367-4FD5-4596-8E10-C5F095CD8DBF}"/>
+              </a:ext>
+              <a:ext uri="{C183D7F6-B498-43B3-948B-1728B52AA6E4}">
+                <adec:decorative xmlns:adec="http://schemas.microsoft.com/office/drawing/2017/decorative" val="1"/>
+              </a:ext>
+            </a:extLst>
+          </p:cNvPr>
+          <p:cNvCxnSpPr>
+            <a:cxnSpLocks noGrp="1" noRot="1" noChangeAspect="1" noMove="1" noResize="1" noEditPoints="1" noAdjustHandles="1" noChangeArrowheads="1" noChangeShapeType="1"/>
+          </p:cNvCxnSpPr>
+          <p:nvPr>
+            <p:extLst>
+              <p:ext uri="{386F3935-93C4-4BCD-93E2-E3B085C9AB24}">
+                <p16:designElem xmlns:p16="http://schemas.microsoft.com/office/powerpoint/2015/main" val="1"/>
+              </p:ext>
+            </p:extLst>
+          </p:nvPr>
+        </p:nvCxnSpPr>
+        <p:spPr>
+          <a:xfrm>
+            <a:off x="8878" y="806470"/>
+            <a:ext cx="8453437" cy="0"/>
+          </a:xfrm>
+          <a:prstGeom prst="line">
+            <a:avLst/>
+          </a:prstGeom>
+          <a:ln w="25400" cap="sq">
+            <a:solidFill>
+              <a:srgbClr val="FFFFFF"/>
+            </a:solidFill>
+            <a:bevel/>
+          </a:ln>
+        </p:spPr>
+        <p:style>
+          <a:lnRef idx="1">
+            <a:schemeClr val="accent1"/>
+          </a:lnRef>
+          <a:fillRef idx="0">
+            <a:schemeClr val="accent1"/>
+          </a:fillRef>
+          <a:effectRef idx="0">
+            <a:schemeClr val="accent1"/>
+          </a:effectRef>
+          <a:fontRef idx="minor">
+            <a:schemeClr val="tx1"/>
+          </a:fontRef>
+        </p:style>
+      </p:cxnSp>
+      <p:sp>
+        <p:nvSpPr>
+          <p:cNvPr id="18" name="Graphic 22">
+            <a:extLst>
+              <a:ext uri="{FF2B5EF4-FFF2-40B4-BE49-F238E27FC236}">
+                <a16:creationId xmlns:a16="http://schemas.microsoft.com/office/drawing/2014/main" id="{508BEF50-7B1E-49A4-BC19-5F4F1D755E64}"/>
+              </a:ext>
+              <a:ext uri="{C183D7F6-B498-43B3-948B-1728B52AA6E4}">
+                <adec:decorative xmlns:adec="http://schemas.microsoft.com/office/drawing/2017/decorative" val="1"/>
+              </a:ext>
+            </a:extLst>
+          </p:cNvPr>
+          <p:cNvSpPr>
+            <a:spLocks noGrp="1" noRot="1" noChangeAspect="1" noMove="1" noResize="1" noEditPoints="1" noAdjustHandles="1" noChangeArrowheads="1" noChangeShapeType="1" noTextEdit="1"/>
+          </p:cNvSpPr>
+          <p:nvPr>
+            <p:extLst>
+              <p:ext uri="{386F3935-93C4-4BCD-93E2-E3B085C9AB24}">
+                <p16:designElem xmlns:p16="http://schemas.microsoft.com/office/powerpoint/2015/main" val="1"/>
+              </p:ext>
+            </p:extLst>
+          </p:nvPr>
+        </p:nvSpPr>
+        <p:spPr>
+          <a:xfrm>
+            <a:off x="11174340" y="1225788"/>
+            <a:ext cx="151536" cy="151536"/>
+          </a:xfrm>
+          <a:custGeom>
+            <a:avLst/>
+            <a:gdLst>
+              <a:gd name="connsiteX0" fmla="*/ 141251 w 151536"/>
+              <a:gd name="connsiteY0" fmla="*/ 65483 h 151536"/>
+              <a:gd name="connsiteX1" fmla="*/ 86053 w 151536"/>
+              <a:gd name="connsiteY1" fmla="*/ 65483 h 151536"/>
+              <a:gd name="connsiteX2" fmla="*/ 86053 w 151536"/>
+              <a:gd name="connsiteY2" fmla="*/ 10285 h 151536"/>
+              <a:gd name="connsiteX3" fmla="*/ 75768 w 151536"/>
+              <a:gd name="connsiteY3" fmla="*/ 0 h 151536"/>
+              <a:gd name="connsiteX4" fmla="*/ 65483 w 151536"/>
+              <a:gd name="connsiteY4" fmla="*/ 10285 h 151536"/>
+              <a:gd name="connsiteX5" fmla="*/ 65483 w 151536"/>
+              <a:gd name="connsiteY5" fmla="*/ 65483 h 151536"/>
+              <a:gd name="connsiteX6" fmla="*/ 10285 w 151536"/>
+              <a:gd name="connsiteY6" fmla="*/ 65483 h 151536"/>
+              <a:gd name="connsiteX7" fmla="*/ 0 w 151536"/>
+              <a:gd name="connsiteY7" fmla="*/ 75768 h 151536"/>
+              <a:gd name="connsiteX8" fmla="*/ 10285 w 151536"/>
+              <a:gd name="connsiteY8" fmla="*/ 86053 h 151536"/>
+              <a:gd name="connsiteX9" fmla="*/ 65483 w 151536"/>
+              <a:gd name="connsiteY9" fmla="*/ 86053 h 151536"/>
+              <a:gd name="connsiteX10" fmla="*/ 65483 w 151536"/>
+              <a:gd name="connsiteY10" fmla="*/ 141251 h 151536"/>
+              <a:gd name="connsiteX11" fmla="*/ 75768 w 151536"/>
+              <a:gd name="connsiteY11" fmla="*/ 151536 h 151536"/>
+              <a:gd name="connsiteX12" fmla="*/ 86053 w 151536"/>
+              <a:gd name="connsiteY12" fmla="*/ 141251 h 151536"/>
+              <a:gd name="connsiteX13" fmla="*/ 86053 w 151536"/>
+              <a:gd name="connsiteY13" fmla="*/ 86053 h 151536"/>
+              <a:gd name="connsiteX14" fmla="*/ 141251 w 151536"/>
+              <a:gd name="connsiteY14" fmla="*/ 86053 h 151536"/>
+              <a:gd name="connsiteX15" fmla="*/ 151536 w 151536"/>
+              <a:gd name="connsiteY15" fmla="*/ 75768 h 151536"/>
+              <a:gd name="connsiteX16" fmla="*/ 141251 w 151536"/>
+              <a:gd name="connsiteY16" fmla="*/ 65483 h 151536"/>
+            </a:gdLst>
+            <a:ahLst/>
+            <a:cxnLst>
+              <a:cxn ang="0">
+                <a:pos x="connsiteX0" y="connsiteY0"/>
+              </a:cxn>
+              <a:cxn ang="0">
+                <a:pos x="connsiteX1" y="connsiteY1"/>
+              </a:cxn>
+              <a:cxn ang="0">
+                <a:pos x="connsiteX2" y="connsiteY2"/>
+              </a:cxn>
+              <a:cxn ang="0">
+                <a:pos x="connsiteX3" y="connsiteY3"/>
+              </a:cxn>
+              <a:cxn ang="0">
+                <a:pos x="connsiteX4" y="connsiteY4"/>
+              </a:cxn>
+              <a:cxn ang="0">
+                <a:pos x="connsiteX5" y="connsiteY5"/>
+              </a:cxn>
+              <a:cxn ang="0">
+                <a:pos x="connsiteX6" y="connsiteY6"/>
+              </a:cxn>
+              <a:cxn ang="0">
+                <a:pos x="connsiteX7" y="connsiteY7"/>
+              </a:cxn>
+              <a:cxn ang="0">
+                <a:pos x="connsiteX8" y="connsiteY8"/>
+              </a:cxn>
+              <a:cxn ang="0">
+                <a:pos x="connsiteX9" y="connsiteY9"/>
+              </a:cxn>
+              <a:cxn ang="0">
+                <a:pos x="connsiteX10" y="connsiteY10"/>
+              </a:cxn>
+              <a:cxn ang="0">
+                <a:pos x="connsiteX11" y="connsiteY11"/>
+              </a:cxn>
+              <a:cxn ang="0">
+                <a:pos x="connsiteX12" y="connsiteY12"/>
+              </a:cxn>
+              <a:cxn ang="0">
+                <a:pos x="connsiteX13" y="connsiteY13"/>
+              </a:cxn>
+              <a:cxn ang="0">
+                <a:pos x="connsiteX14" y="connsiteY14"/>
+              </a:cxn>
+              <a:cxn ang="0">
+                <a:pos x="connsiteX15" y="connsiteY15"/>
+              </a:cxn>
+              <a:cxn ang="0">
+                <a:pos x="connsiteX16" y="connsiteY16"/>
+              </a:cxn>
+            </a:cxnLst>
+            <a:rect l="l" t="t" r="r" b="b"/>
+            <a:pathLst>
+              <a:path w="151536" h="151536">
+                <a:moveTo>
+                  <a:pt x="141251" y="65483"/>
+                </a:moveTo>
+                <a:lnTo>
+                  <a:pt x="86053" y="65483"/>
+                </a:lnTo>
+                <a:lnTo>
+                  <a:pt x="86053" y="10285"/>
+                </a:lnTo>
+                <a:cubicBezTo>
+                  <a:pt x="86053" y="4605"/>
+                  <a:pt x="81448" y="0"/>
+                  <a:pt x="75768" y="0"/>
+                </a:cubicBezTo>
+                <a:cubicBezTo>
+                  <a:pt x="70088" y="0"/>
+                  <a:pt x="65483" y="4605"/>
+                  <a:pt x="65483" y="10285"/>
+                </a:cubicBezTo>
+                <a:lnTo>
+                  <a:pt x="65483" y="65483"/>
+                </a:lnTo>
+                <a:lnTo>
+                  <a:pt x="10285" y="65483"/>
+                </a:lnTo>
+                <a:cubicBezTo>
+                  <a:pt x="4605" y="65483"/>
+                  <a:pt x="0" y="70088"/>
+                  <a:pt x="0" y="75768"/>
+                </a:cubicBezTo>
+                <a:cubicBezTo>
+                  <a:pt x="0" y="81448"/>
+                  <a:pt x="4605" y="86053"/>
+                  <a:pt x="10285" y="86053"/>
+                </a:cubicBezTo>
+                <a:lnTo>
+                  <a:pt x="65483" y="86053"/>
+                </a:lnTo>
+                <a:lnTo>
+                  <a:pt x="65483" y="141251"/>
+                </a:lnTo>
+                <a:cubicBezTo>
+                  <a:pt x="65483" y="146931"/>
+                  <a:pt x="70088" y="151536"/>
+                  <a:pt x="75768" y="151536"/>
+                </a:cubicBezTo>
+                <a:cubicBezTo>
+                  <a:pt x="81448" y="151536"/>
+                  <a:pt x="86053" y="146931"/>
+                  <a:pt x="86053" y="141251"/>
+                </a:cubicBezTo>
+                <a:lnTo>
+                  <a:pt x="86053" y="86053"/>
+                </a:lnTo>
+                <a:lnTo>
+                  <a:pt x="141251" y="86053"/>
+                </a:lnTo>
+                <a:cubicBezTo>
+                  <a:pt x="146931" y="86053"/>
+                  <a:pt x="151536" y="81448"/>
+                  <a:pt x="151536" y="75768"/>
+                </a:cubicBezTo>
+                <a:cubicBezTo>
+                  <a:pt x="151536" y="70088"/>
+                  <a:pt x="146931" y="65483"/>
+                  <a:pt x="141251" y="65483"/>
+                </a:cubicBezTo>
+                <a:close/>
+              </a:path>
+            </a:pathLst>
+          </a:custGeom>
+          <a:solidFill>
+            <a:srgbClr val="FFFFFF"/>
+          </a:solidFill>
+          <a:ln w="646" cap="flat">
+            <a:noFill/>
+            <a:prstDash val="solid"/>
+            <a:miter/>
+          </a:ln>
+        </p:spPr>
+        <p:txBody>
+          <a:bodyPr rtlCol="0" anchor="ctr"/>
+          <a:lstStyle/>
+          <a:p>
+            <a:pPr marL="0" marR="0" lvl="0" indent="0" algn="l" defTabSz="914400" rtl="0" eaLnBrk="1" fontAlgn="auto" latinLnBrk="0" hangingPunct="1">
+              <a:lnSpc>
+                <a:spcPct val="100000"/>
+              </a:lnSpc>
+              <a:spcBef>
+                <a:spcPts val="0"/>
+              </a:spcBef>
+              <a:spcAft>
+                <a:spcPts val="0"/>
+              </a:spcAft>
+              <a:buClrTx/>
+              <a:buSzTx/>
+              <a:buFontTx/>
+              <a:buNone/>
+              <a:tabLst/>
+              <a:defRPr/>
+            </a:pPr>
+            <a:endParaRPr kumimoji="0" lang="en-US" sz="1800" b="0" i="0" u="none" strike="noStrike" kern="1200" cap="none" spc="0" normalizeH="0" baseline="0" noProof="0">
+              <a:ln>
+                <a:noFill/>
+              </a:ln>
+              <a:solidFill>
+                <a:prstClr val="black"/>
+              </a:solidFill>
+              <a:effectLst/>
+              <a:uLnTx/>
+              <a:uFillTx/>
+              <a:latin typeface="Univers"/>
+              <a:ea typeface="+mn-ea"/>
+              <a:cs typeface="+mn-cs"/>
+            </a:endParaRPr>
+          </a:p>
+        </p:txBody>
+      </p:sp>
+      <p:sp>
+        <p:nvSpPr>
+          <p:cNvPr id="20" name="Graphic 23">
+            <a:extLst>
+              <a:ext uri="{FF2B5EF4-FFF2-40B4-BE49-F238E27FC236}">
+                <a16:creationId xmlns:a16="http://schemas.microsoft.com/office/drawing/2014/main" id="{3FBAD350-5664-4811-A208-657FB882D350}"/>
+              </a:ext>
+              <a:ext uri="{C183D7F6-B498-43B3-948B-1728B52AA6E4}">
+                <adec:decorative xmlns:adec="http://schemas.microsoft.com/office/drawing/2017/decorative" val="1"/>
+              </a:ext>
+            </a:extLst>
+          </p:cNvPr>
+          <p:cNvSpPr>
+            <a:spLocks noGrp="1" noRot="1" noChangeAspect="1" noMove="1" noResize="1" noEditPoints="1" noAdjustHandles="1" noChangeArrowheads="1" noChangeShapeType="1" noTextEdit="1"/>
+          </p:cNvSpPr>
+          <p:nvPr>
+            <p:extLst>
+              <p:ext uri="{386F3935-93C4-4BCD-93E2-E3B085C9AB24}">
+                <p16:designElem xmlns:p16="http://schemas.microsoft.com/office/powerpoint/2015/main" val="1"/>
+              </p:ext>
+            </p:extLst>
+          </p:nvPr>
+        </p:nvSpPr>
+        <p:spPr>
+          <a:xfrm>
+            <a:off x="11534855" y="1685867"/>
+            <a:ext cx="108625" cy="108625"/>
+          </a:xfrm>
+          <a:custGeom>
+            <a:avLst/>
+            <a:gdLst>
+              <a:gd name="connsiteX0" fmla="*/ 54313 w 108625"/>
+              <a:gd name="connsiteY0" fmla="*/ 16053 h 108625"/>
+              <a:gd name="connsiteX1" fmla="*/ 92572 w 108625"/>
+              <a:gd name="connsiteY1" fmla="*/ 54313 h 108625"/>
+              <a:gd name="connsiteX2" fmla="*/ 54313 w 108625"/>
+              <a:gd name="connsiteY2" fmla="*/ 92572 h 108625"/>
+              <a:gd name="connsiteX3" fmla="*/ 16053 w 108625"/>
+              <a:gd name="connsiteY3" fmla="*/ 54313 h 108625"/>
+              <a:gd name="connsiteX4" fmla="*/ 54313 w 108625"/>
+              <a:gd name="connsiteY4" fmla="*/ 16053 h 108625"/>
+              <a:gd name="connsiteX5" fmla="*/ 54313 w 108625"/>
+              <a:gd name="connsiteY5" fmla="*/ 0 h 108625"/>
+              <a:gd name="connsiteX6" fmla="*/ 0 w 108625"/>
+              <a:gd name="connsiteY6" fmla="*/ 54313 h 108625"/>
+              <a:gd name="connsiteX7" fmla="*/ 54313 w 108625"/>
+              <a:gd name="connsiteY7" fmla="*/ 108625 h 108625"/>
+              <a:gd name="connsiteX8" fmla="*/ 108625 w 108625"/>
+              <a:gd name="connsiteY8" fmla="*/ 54313 h 108625"/>
+              <a:gd name="connsiteX9" fmla="*/ 54313 w 108625"/>
+              <a:gd name="connsiteY9" fmla="*/ 0 h 108625"/>
+            </a:gdLst>
+            <a:ahLst/>
+            <a:cxnLst>
+              <a:cxn ang="0">
+                <a:pos x="connsiteX0" y="connsiteY0"/>
+              </a:cxn>
+              <a:cxn ang="0">
+                <a:pos x="connsiteX1" y="connsiteY1"/>
+              </a:cxn>
+              <a:cxn ang="0">
+                <a:pos x="connsiteX2" y="connsiteY2"/>
+              </a:cxn>
+              <a:cxn ang="0">
+                <a:pos x="connsiteX3" y="connsiteY3"/>
+              </a:cxn>
+              <a:cxn ang="0">
+                <a:pos x="connsiteX4" y="connsiteY4"/>
+              </a:cxn>
+              <a:cxn ang="0">
+                <a:pos x="connsiteX5" y="connsiteY5"/>
+              </a:cxn>
+              <a:cxn ang="0">
+                <a:pos x="connsiteX6" y="connsiteY6"/>
+              </a:cxn>
+              <a:cxn ang="0">
+                <a:pos x="connsiteX7" y="connsiteY7"/>
+              </a:cxn>
+              <a:cxn ang="0">
+                <a:pos x="connsiteX8" y="connsiteY8"/>
+              </a:cxn>
+              <a:cxn ang="0">
+                <a:pos x="connsiteX9" y="connsiteY9"/>
+              </a:cxn>
+            </a:cxnLst>
+            <a:rect l="l" t="t" r="r" b="b"/>
+            <a:pathLst>
+              <a:path w="108625" h="108625">
+                <a:moveTo>
+                  <a:pt x="54313" y="16053"/>
+                </a:moveTo>
+                <a:cubicBezTo>
+                  <a:pt x="75442" y="16053"/>
+                  <a:pt x="92572" y="33182"/>
+                  <a:pt x="92572" y="54313"/>
+                </a:cubicBezTo>
+                <a:cubicBezTo>
+                  <a:pt x="92572" y="75442"/>
+                  <a:pt x="75442" y="92572"/>
+                  <a:pt x="54313" y="92572"/>
+                </a:cubicBezTo>
+                <a:cubicBezTo>
+                  <a:pt x="33182" y="92572"/>
+                  <a:pt x="16053" y="75442"/>
+                  <a:pt x="16053" y="54313"/>
+                </a:cubicBezTo>
+                <a:cubicBezTo>
+                  <a:pt x="16074" y="33191"/>
+                  <a:pt x="33191" y="16074"/>
+                  <a:pt x="54313" y="16053"/>
+                </a:cubicBezTo>
+                <a:moveTo>
+                  <a:pt x="54313" y="0"/>
+                </a:moveTo>
+                <a:cubicBezTo>
+                  <a:pt x="24317" y="0"/>
+                  <a:pt x="0" y="24317"/>
+                  <a:pt x="0" y="54313"/>
+                </a:cubicBezTo>
+                <a:cubicBezTo>
+                  <a:pt x="0" y="84309"/>
+                  <a:pt x="24317" y="108625"/>
+                  <a:pt x="54313" y="108625"/>
+                </a:cubicBezTo>
+                <a:cubicBezTo>
+                  <a:pt x="84309" y="108625"/>
+                  <a:pt x="108625" y="84309"/>
+                  <a:pt x="108625" y="54313"/>
+                </a:cubicBezTo>
+                <a:cubicBezTo>
+                  <a:pt x="108625" y="24317"/>
+                  <a:pt x="84309" y="0"/>
+                  <a:pt x="54313" y="0"/>
+                </a:cubicBezTo>
+                <a:close/>
+              </a:path>
+            </a:pathLst>
+          </a:custGeom>
+          <a:solidFill>
+            <a:srgbClr val="FFFFFF"/>
+          </a:solidFill>
+          <a:ln w="516" cap="flat">
+            <a:noFill/>
+            <a:prstDash val="solid"/>
+            <a:miter/>
+          </a:ln>
+        </p:spPr>
+        <p:txBody>
+          <a:bodyPr rtlCol="0" anchor="ctr"/>
+          <a:lstStyle/>
+          <a:p>
+            <a:pPr marL="0" marR="0" lvl="0" indent="0" algn="l" defTabSz="914400" rtl="0" eaLnBrk="1" fontAlgn="auto" latinLnBrk="0" hangingPunct="1">
+              <a:lnSpc>
+                <a:spcPct val="100000"/>
+              </a:lnSpc>
+              <a:spcBef>
+                <a:spcPts val="0"/>
+              </a:spcBef>
+              <a:spcAft>
+                <a:spcPts val="0"/>
+              </a:spcAft>
+              <a:buClrTx/>
+              <a:buSzTx/>
+              <a:buFontTx/>
+              <a:buNone/>
+              <a:tabLst/>
+              <a:defRPr/>
+            </a:pPr>
+            <a:endParaRPr kumimoji="0" lang="en-US" sz="1800" b="0" i="0" u="none" strike="noStrike" kern="1200" cap="none" spc="0" normalizeH="0" baseline="0" noProof="0">
+              <a:ln>
+                <a:noFill/>
+              </a:ln>
+              <a:solidFill>
+                <a:prstClr val="black"/>
+              </a:solidFill>
+              <a:effectLst/>
+              <a:uLnTx/>
+              <a:uFillTx/>
+              <a:latin typeface="Univers"/>
+              <a:ea typeface="+mn-ea"/>
+              <a:cs typeface="+mn-cs"/>
+            </a:endParaRPr>
+          </a:p>
+        </p:txBody>
+      </p:sp>
+      <p:sp>
+        <p:nvSpPr>
+          <p:cNvPr id="22" name="Graphic 21">
+            <a:extLst>
+              <a:ext uri="{FF2B5EF4-FFF2-40B4-BE49-F238E27FC236}">
+                <a16:creationId xmlns:a16="http://schemas.microsoft.com/office/drawing/2014/main" id="{C39ADB8F-D187-49D7-BDCF-C1B6DC727068}"/>
+              </a:ext>
+              <a:ext uri="{C183D7F6-B498-43B3-948B-1728B52AA6E4}">
+                <adec:decorative xmlns:adec="http://schemas.microsoft.com/office/drawing/2017/decorative" val="1"/>
+              </a:ext>
+            </a:extLst>
+          </p:cNvPr>
+          <p:cNvSpPr>
+            <a:spLocks noGrp="1" noRot="1" noChangeAspect="1" noMove="1" noResize="1" noEditPoints="1" noAdjustHandles="1" noChangeArrowheads="1" noChangeShapeType="1" noTextEdit="1"/>
+          </p:cNvSpPr>
+          <p:nvPr>
+            <p:extLst>
+              <p:ext uri="{386F3935-93C4-4BCD-93E2-E3B085C9AB24}">
+                <p16:designElem xmlns:p16="http://schemas.microsoft.com/office/powerpoint/2015/main" val="1"/>
+              </p:ext>
+            </p:extLst>
+          </p:nvPr>
+        </p:nvSpPr>
+        <p:spPr>
+          <a:xfrm>
+            <a:off x="10987962" y="2175690"/>
+            <a:ext cx="95759" cy="95759"/>
+          </a:xfrm>
+          <a:custGeom>
+            <a:avLst/>
+            <a:gdLst>
+              <a:gd name="connsiteX0" fmla="*/ 95759 w 95759"/>
+              <a:gd name="connsiteY0" fmla="*/ 47880 h 95759"/>
+              <a:gd name="connsiteX1" fmla="*/ 47880 w 95759"/>
+              <a:gd name="connsiteY1" fmla="*/ 95759 h 95759"/>
+              <a:gd name="connsiteX2" fmla="*/ 0 w 95759"/>
+              <a:gd name="connsiteY2" fmla="*/ 47880 h 95759"/>
+              <a:gd name="connsiteX3" fmla="*/ 47880 w 95759"/>
+              <a:gd name="connsiteY3" fmla="*/ 0 h 95759"/>
+              <a:gd name="connsiteX4" fmla="*/ 95759 w 95759"/>
+              <a:gd name="connsiteY4" fmla="*/ 47880 h 95759"/>
+            </a:gdLst>
+            <a:ahLst/>
+            <a:cxnLst>
+              <a:cxn ang="0">
+                <a:pos x="connsiteX0" y="connsiteY0"/>
+              </a:cxn>
+              <a:cxn ang="0">
+                <a:pos x="connsiteX1" y="connsiteY1"/>
+              </a:cxn>
+              <a:cxn ang="0">
+                <a:pos x="connsiteX2" y="connsiteY2"/>
+              </a:cxn>
+              <a:cxn ang="0">
+                <a:pos x="connsiteX3" y="connsiteY3"/>
+              </a:cxn>
+              <a:cxn ang="0">
+                <a:pos x="connsiteX4" y="connsiteY4"/>
+              </a:cxn>
+            </a:cxnLst>
+            <a:rect l="l" t="t" r="r" b="b"/>
+            <a:pathLst>
+              <a:path w="95759" h="95759">
+                <a:moveTo>
+                  <a:pt x="95759" y="47880"/>
+                </a:moveTo>
+                <a:cubicBezTo>
+                  <a:pt x="95759" y="74323"/>
+                  <a:pt x="74323" y="95759"/>
+                  <a:pt x="47880" y="95759"/>
+                </a:cubicBezTo>
+                <a:cubicBezTo>
+                  <a:pt x="21436" y="95759"/>
+                  <a:pt x="0" y="74323"/>
+                  <a:pt x="0" y="47880"/>
+                </a:cubicBezTo>
+                <a:cubicBezTo>
+                  <a:pt x="0" y="21436"/>
+                  <a:pt x="21436" y="0"/>
+                  <a:pt x="47880" y="0"/>
+                </a:cubicBezTo>
+                <a:cubicBezTo>
+                  <a:pt x="74323" y="0"/>
+                  <a:pt x="95759" y="21436"/>
+                  <a:pt x="95759" y="47880"/>
+                </a:cubicBezTo>
+                <a:close/>
+              </a:path>
+            </a:pathLst>
+          </a:custGeom>
+          <a:solidFill>
+            <a:srgbClr val="FFFFFF"/>
+          </a:solidFill>
+          <a:ln w="469" cap="flat">
+            <a:noFill/>
+            <a:prstDash val="solid"/>
+            <a:miter/>
+          </a:ln>
+        </p:spPr>
+        <p:txBody>
+          <a:bodyPr rtlCol="0" anchor="ctr"/>
+          <a:lstStyle/>
+          <a:p>
+            <a:pPr marL="0" marR="0" lvl="0" indent="0" algn="l" defTabSz="914400" rtl="0" eaLnBrk="1" fontAlgn="auto" latinLnBrk="0" hangingPunct="1">
+              <a:lnSpc>
+                <a:spcPct val="100000"/>
+              </a:lnSpc>
+              <a:spcBef>
+                <a:spcPts val="0"/>
+              </a:spcBef>
+              <a:spcAft>
+                <a:spcPts val="0"/>
+              </a:spcAft>
+              <a:buClrTx/>
+              <a:buSzTx/>
+              <a:buFontTx/>
+              <a:buNone/>
+              <a:tabLst/>
+              <a:defRPr/>
+            </a:pPr>
+            <a:endParaRPr kumimoji="0" lang="en-US" sz="1800" b="0" i="0" u="none" strike="noStrike" kern="1200" cap="none" spc="0" normalizeH="0" baseline="0" noProof="0">
+              <a:ln>
+                <a:noFill/>
+              </a:ln>
+              <a:solidFill>
+                <a:prstClr val="black"/>
+              </a:solidFill>
+              <a:effectLst/>
+              <a:uLnTx/>
+              <a:uFillTx/>
+              <a:latin typeface="Univers"/>
+              <a:ea typeface="+mn-ea"/>
+              <a:cs typeface="+mn-cs"/>
+            </a:endParaRPr>
+          </a:p>
+        </p:txBody>
+      </p:sp>
+    </p:spTree>
+    <p:extLst>
+      <p:ext uri="{BB962C8B-B14F-4D97-AF65-F5344CB8AC3E}">
+        <p14:creationId xmlns:p14="http://schemas.microsoft.com/office/powerpoint/2010/main" val="1643424437"/>
+      </p:ext>
+    </p:extLst>
+  </p:cSld>
+  <p:clrMapOvr>
+    <a:masterClrMapping/>
+  </p:clrMapOvr>
+</p:sld>
+</file>
+
+<file path=ppt/slides/slide6.xml><?xml version="1.0" encoding="utf-8"?>
+<p:sld xmlns:a="http://schemas.openxmlformats.org/drawingml/2006/main" xmlns:r="http://schemas.openxmlformats.org/officeDocument/2006/relationships" xmlns:p="http://schemas.openxmlformats.org/presentationml/2006/main">
+  <p:cSld>
+    <p:bg>
+      <p:bgPr>
+        <a:solidFill>
+          <a:schemeClr val="bg1"/>
+        </a:solidFill>
+        <a:effectLst/>
+      </p:bgPr>
+    </p:bg>
+    <p:spTree>
+      <p:nvGrpSpPr>
+        <p:cNvPr id="1" name=""/>
+        <p:cNvGrpSpPr/>
+        <p:nvPr/>
+      </p:nvGrpSpPr>
+      <p:grpSpPr>
+        <a:xfrm>
+          <a:off x="0" y="0"/>
+          <a:ext cx="0" cy="0"/>
+          <a:chOff x="0" y="0"/>
+          <a:chExt cx="0" cy="0"/>
+        </a:xfrm>
+      </p:grpSpPr>
+      <p:cxnSp>
+        <p:nvCxnSpPr>
+          <p:cNvPr id="10" name="Straight Connector 9">
+            <a:extLst>
+              <a:ext uri="{FF2B5EF4-FFF2-40B4-BE49-F238E27FC236}">
+                <a16:creationId xmlns:a16="http://schemas.microsoft.com/office/drawing/2014/main" id="{D1B787A8-0D67-4B7E-9B48-86BD906AB6B5}"/>
+              </a:ext>
+              <a:ext uri="{C183D7F6-B498-43B3-948B-1728B52AA6E4}">
+                <adec:decorative xmlns:adec="http://schemas.microsoft.com/office/drawing/2017/decorative" val="1"/>
+              </a:ext>
+            </a:extLst>
+          </p:cNvPr>
+          <p:cNvCxnSpPr>
+            <a:cxnSpLocks noGrp="1" noRot="1" noChangeAspect="1" noMove="1" noResize="1" noEditPoints="1" noAdjustHandles="1" noChangeArrowheads="1" noChangeShapeType="1"/>
+          </p:cNvCxnSpPr>
+          <p:nvPr>
+            <p:extLst>
+              <p:ext uri="{386F3935-93C4-4BCD-93E2-E3B085C9AB24}">
+                <p16:designElem xmlns:p16="http://schemas.microsoft.com/office/powerpoint/2015/main" val="1"/>
+              </p:ext>
+            </p:extLst>
+          </p:nvPr>
+        </p:nvCxnSpPr>
+        <p:spPr>
+          <a:xfrm>
+            <a:off x="715890" y="1114050"/>
+            <a:ext cx="0" cy="5735637"/>
+          </a:xfrm>
+          <a:prstGeom prst="line">
+            <a:avLst/>
+          </a:prstGeom>
+          <a:ln w="25400" cap="sq">
+            <a:gradFill flip="none" rotWithShape="1">
+              <a:gsLst>
+                <a:gs pos="0">
+                  <a:schemeClr val="accent2"/>
+                </a:gs>
+                <a:gs pos="100000">
+                  <a:schemeClr val="accent4"/>
+                </a:gs>
+              </a:gsLst>
+              <a:lin ang="16200000" scaled="1"/>
+              <a:tileRect/>
+            </a:gradFill>
+            <a:bevel/>
+          </a:ln>
+        </p:spPr>
+        <p:style>
+          <a:lnRef idx="1">
+            <a:schemeClr val="accent1"/>
+          </a:lnRef>
+          <a:fillRef idx="0">
+            <a:schemeClr val="accent1"/>
+          </a:fillRef>
+          <a:effectRef idx="0">
+            <a:schemeClr val="accent1"/>
+          </a:effectRef>
+          <a:fontRef idx="minor">
+            <a:schemeClr val="tx1"/>
+          </a:fontRef>
+        </p:style>
+      </p:cxnSp>
+      <p:sp>
+        <p:nvSpPr>
+          <p:cNvPr id="12" name="Rectangle 11">
+            <a:extLst>
+              <a:ext uri="{FF2B5EF4-FFF2-40B4-BE49-F238E27FC236}">
+                <a16:creationId xmlns:a16="http://schemas.microsoft.com/office/drawing/2014/main" id="{158B3569-73B2-4D05-8E95-886A6EE17F1F}"/>
+              </a:ext>
+              <a:ext uri="{C183D7F6-B498-43B3-948B-1728B52AA6E4}">
+                <adec:decorative xmlns:adec="http://schemas.microsoft.com/office/drawing/2017/decorative" val="1"/>
+              </a:ext>
+            </a:extLst>
+          </p:cNvPr>
+          <p:cNvSpPr>
+            <a:spLocks noGrp="1" noRot="1" noChangeAspect="1" noMove="1" noResize="1" noEditPoints="1" noAdjustHandles="1" noChangeArrowheads="1" noChangeShapeType="1" noTextEdit="1"/>
+          </p:cNvSpPr>
+          <p:nvPr>
+            <p:extLst>
+              <p:ext uri="{386F3935-93C4-4BCD-93E2-E3B085C9AB24}">
+                <p16:designElem xmlns:p16="http://schemas.microsoft.com/office/powerpoint/2015/main" val="1"/>
+              </p:ext>
+            </p:extLst>
+          </p:nvPr>
+        </p:nvSpPr>
+        <p:spPr>
+          <a:xfrm>
+            <a:off x="0" y="0"/>
+            <a:ext cx="12192000" cy="6858000"/>
+          </a:xfrm>
+          <a:prstGeom prst="rect">
+            <a:avLst/>
+          </a:prstGeom>
+          <a:gradFill flip="none" rotWithShape="1">
+            <a:gsLst>
+              <a:gs pos="100000">
+                <a:schemeClr val="accent4"/>
+              </a:gs>
+              <a:gs pos="0">
+                <a:schemeClr val="accent2"/>
+              </a:gs>
+            </a:gsLst>
+            <a:lin ang="2700000" scaled="1"/>
+            <a:tileRect/>
+          </a:gradFill>
+          <a:ln>
+            <a:noFill/>
+          </a:ln>
+        </p:spPr>
+        <p:style>
+          <a:lnRef idx="2">
+            <a:schemeClr val="accent1">
+              <a:shade val="50000"/>
+            </a:schemeClr>
+          </a:lnRef>
+          <a:fillRef idx="1">
+            <a:schemeClr val="accent1"/>
+          </a:fillRef>
+          <a:effectRef idx="0">
+            <a:schemeClr val="accent1"/>
+          </a:effectRef>
+          <a:fontRef idx="minor">
+            <a:schemeClr val="lt1"/>
+          </a:fontRef>
+        </p:style>
+        <p:txBody>
+          <a:bodyPr rtlCol="0" anchor="ctr"/>
+          <a:lstStyle/>
+          <a:p>
+            <a:pPr algn="ctr"/>
+            <a:endParaRPr lang="en-US"/>
+          </a:p>
+        </p:txBody>
+      </p:sp>
+      <p:sp>
+        <p:nvSpPr>
+          <p:cNvPr id="2" name="Título 1">
+            <a:extLst>
+              <a:ext uri="{FF2B5EF4-FFF2-40B4-BE49-F238E27FC236}">
+                <a16:creationId xmlns:a16="http://schemas.microsoft.com/office/drawing/2014/main" id="{A73A657F-AB3E-7586-9697-7B25F92BC3D7}"/>
+              </a:ext>
+            </a:extLst>
+          </p:cNvPr>
+          <p:cNvSpPr>
+            <a:spLocks noGrp="1"/>
+          </p:cNvSpPr>
+          <p:nvPr>
+            <p:ph type="title"/>
+          </p:nvPr>
+        </p:nvSpPr>
+        <p:spPr>
+          <a:xfrm>
+            <a:off x="457200" y="1598246"/>
+            <a:ext cx="4412419" cy="3626217"/>
+          </a:xfrm>
+        </p:spPr>
+        <p:txBody>
+          <a:bodyPr vert="horz" lIns="91440" tIns="45720" rIns="91440" bIns="45720" rtlCol="0" anchor="t">
+            <a:normAutofit/>
+          </a:bodyPr>
+          <a:lstStyle/>
+          <a:p>
+            <a:pPr algn="r"/>
+            <a:r>
+              <a:rPr lang="en-US" sz="6200" b="1" i="0" kern="1200" cap="all" baseline="0" dirty="0">
+                <a:solidFill>
+                  <a:schemeClr val="bg1"/>
+                </a:solidFill>
+                <a:latin typeface="+mj-lt"/>
+                <a:ea typeface="+mj-ea"/>
+                <a:cs typeface="+mj-cs"/>
+              </a:rPr>
+              <a:t>¿Que es Tailwind </a:t>
+            </a:r>
+            <a:r>
+              <a:rPr lang="en-US" sz="6200" b="1" i="0" kern="1200" cap="all" baseline="0" dirty="0" err="1">
+                <a:solidFill>
+                  <a:schemeClr val="bg1"/>
+                </a:solidFill>
+                <a:latin typeface="+mj-lt"/>
+                <a:ea typeface="+mj-ea"/>
+                <a:cs typeface="+mj-cs"/>
+              </a:rPr>
+              <a:t>css</a:t>
+            </a:r>
+            <a:r>
+              <a:rPr lang="en-US" sz="6200" b="1" i="0" kern="1200" cap="all" baseline="0" dirty="0">
+                <a:solidFill>
+                  <a:schemeClr val="bg1"/>
+                </a:solidFill>
+                <a:latin typeface="+mj-lt"/>
+                <a:ea typeface="+mj-ea"/>
+                <a:cs typeface="+mj-cs"/>
+              </a:rPr>
+              <a:t>?</a:t>
+            </a:r>
+            <a:br>
+              <a:rPr lang="en-US" sz="6200" b="1" i="0" kern="1200" cap="all" baseline="0" dirty="0">
+                <a:solidFill>
+                  <a:schemeClr val="bg1"/>
+                </a:solidFill>
+                <a:latin typeface="+mj-lt"/>
+                <a:ea typeface="+mj-ea"/>
+                <a:cs typeface="+mj-cs"/>
+              </a:rPr>
+            </a:br>
+            <a:endParaRPr lang="en-US" sz="6200" b="1" i="0" kern="1200" cap="all" baseline="0" dirty="0">
+              <a:solidFill>
+                <a:schemeClr val="bg1"/>
+              </a:solidFill>
+              <a:latin typeface="+mj-lt"/>
+              <a:ea typeface="+mj-ea"/>
+              <a:cs typeface="+mj-cs"/>
+            </a:endParaRPr>
+          </a:p>
+        </p:txBody>
+      </p:sp>
+      <p:sp>
+        <p:nvSpPr>
+          <p:cNvPr id="14" name="Graphic 17">
+            <a:extLst>
+              <a:ext uri="{FF2B5EF4-FFF2-40B4-BE49-F238E27FC236}">
+                <a16:creationId xmlns:a16="http://schemas.microsoft.com/office/drawing/2014/main" id="{B71758F4-3F46-45DA-8AC5-4E508DA080BA}"/>
+              </a:ext>
+              <a:ext uri="{C183D7F6-B498-43B3-948B-1728B52AA6E4}">
+                <adec:decorative xmlns:adec="http://schemas.microsoft.com/office/drawing/2017/decorative" val="1"/>
+              </a:ext>
+            </a:extLst>
+          </p:cNvPr>
+          <p:cNvSpPr>
+            <a:spLocks noGrp="1" noRot="1" noChangeAspect="1" noMove="1" noResize="1" noEditPoints="1" noAdjustHandles="1" noChangeArrowheads="1" noChangeShapeType="1" noTextEdit="1"/>
+          </p:cNvSpPr>
+          <p:nvPr>
+            <p:extLst>
+              <p:ext uri="{386F3935-93C4-4BCD-93E2-E3B085C9AB24}">
+                <p16:designElem xmlns:p16="http://schemas.microsoft.com/office/powerpoint/2015/main" val="1"/>
+              </p:ext>
+            </p:extLst>
+          </p:nvPr>
+        </p:nvSpPr>
+        <p:spPr>
+          <a:xfrm>
+            <a:off x="11512034" y="1267063"/>
+            <a:ext cx="139037" cy="139039"/>
+          </a:xfrm>
+          <a:custGeom>
+            <a:avLst/>
+            <a:gdLst>
+              <a:gd name="connsiteX0" fmla="*/ 129600 w 139037"/>
+              <a:gd name="connsiteY0" fmla="*/ 60082 h 139039"/>
+              <a:gd name="connsiteX1" fmla="*/ 78955 w 139037"/>
+              <a:gd name="connsiteY1" fmla="*/ 60082 h 139039"/>
+              <a:gd name="connsiteX2" fmla="*/ 78955 w 139037"/>
+              <a:gd name="connsiteY2" fmla="*/ 9437 h 139039"/>
+              <a:gd name="connsiteX3" fmla="*/ 69519 w 139037"/>
+              <a:gd name="connsiteY3" fmla="*/ 0 h 139039"/>
+              <a:gd name="connsiteX4" fmla="*/ 60082 w 139037"/>
+              <a:gd name="connsiteY4" fmla="*/ 9437 h 139039"/>
+              <a:gd name="connsiteX5" fmla="*/ 60082 w 139037"/>
+              <a:gd name="connsiteY5" fmla="*/ 60082 h 139039"/>
+              <a:gd name="connsiteX6" fmla="*/ 9437 w 139037"/>
+              <a:gd name="connsiteY6" fmla="*/ 60082 h 139039"/>
+              <a:gd name="connsiteX7" fmla="*/ 0 w 139037"/>
+              <a:gd name="connsiteY7" fmla="*/ 69520 h 139039"/>
+              <a:gd name="connsiteX8" fmla="*/ 9437 w 139037"/>
+              <a:gd name="connsiteY8" fmla="*/ 78957 h 139039"/>
+              <a:gd name="connsiteX9" fmla="*/ 60082 w 139037"/>
+              <a:gd name="connsiteY9" fmla="*/ 78957 h 139039"/>
+              <a:gd name="connsiteX10" fmla="*/ 60082 w 139037"/>
+              <a:gd name="connsiteY10" fmla="*/ 129602 h 139039"/>
+              <a:gd name="connsiteX11" fmla="*/ 69519 w 139037"/>
+              <a:gd name="connsiteY11" fmla="*/ 139039 h 139039"/>
+              <a:gd name="connsiteX12" fmla="*/ 78955 w 139037"/>
+              <a:gd name="connsiteY12" fmla="*/ 129602 h 139039"/>
+              <a:gd name="connsiteX13" fmla="*/ 78955 w 139037"/>
+              <a:gd name="connsiteY13" fmla="*/ 78957 h 139039"/>
+              <a:gd name="connsiteX14" fmla="*/ 129600 w 139037"/>
+              <a:gd name="connsiteY14" fmla="*/ 78957 h 139039"/>
+              <a:gd name="connsiteX15" fmla="*/ 139037 w 139037"/>
+              <a:gd name="connsiteY15" fmla="*/ 69520 h 139039"/>
+              <a:gd name="connsiteX16" fmla="*/ 129600 w 139037"/>
+              <a:gd name="connsiteY16" fmla="*/ 60082 h 139039"/>
+            </a:gdLst>
+            <a:ahLst/>
+            <a:cxnLst>
+              <a:cxn ang="0">
+                <a:pos x="connsiteX0" y="connsiteY0"/>
+              </a:cxn>
+              <a:cxn ang="0">
+                <a:pos x="connsiteX1" y="connsiteY1"/>
+              </a:cxn>
+              <a:cxn ang="0">
+                <a:pos x="connsiteX2" y="connsiteY2"/>
+              </a:cxn>
+              <a:cxn ang="0">
+                <a:pos x="connsiteX3" y="connsiteY3"/>
+              </a:cxn>
+              <a:cxn ang="0">
+                <a:pos x="connsiteX4" y="connsiteY4"/>
+              </a:cxn>
+              <a:cxn ang="0">
+                <a:pos x="connsiteX5" y="connsiteY5"/>
+              </a:cxn>
+              <a:cxn ang="0">
+                <a:pos x="connsiteX6" y="connsiteY6"/>
+              </a:cxn>
+              <a:cxn ang="0">
+                <a:pos x="connsiteX7" y="connsiteY7"/>
+              </a:cxn>
+              <a:cxn ang="0">
+                <a:pos x="connsiteX8" y="connsiteY8"/>
+              </a:cxn>
+              <a:cxn ang="0">
+                <a:pos x="connsiteX9" y="connsiteY9"/>
+              </a:cxn>
+              <a:cxn ang="0">
+                <a:pos x="connsiteX10" y="connsiteY10"/>
+              </a:cxn>
+              <a:cxn ang="0">
+                <a:pos x="connsiteX11" y="connsiteY11"/>
+              </a:cxn>
+              <a:cxn ang="0">
+                <a:pos x="connsiteX12" y="connsiteY12"/>
+              </a:cxn>
+              <a:cxn ang="0">
+                <a:pos x="connsiteX13" y="connsiteY13"/>
+              </a:cxn>
+              <a:cxn ang="0">
+                <a:pos x="connsiteX14" y="connsiteY14"/>
+              </a:cxn>
+              <a:cxn ang="0">
+                <a:pos x="connsiteX15" y="connsiteY15"/>
+              </a:cxn>
+              <a:cxn ang="0">
+                <a:pos x="connsiteX16" y="connsiteY16"/>
+              </a:cxn>
+            </a:cxnLst>
+            <a:rect l="l" t="t" r="r" b="b"/>
+            <a:pathLst>
+              <a:path w="139037" h="139039">
+                <a:moveTo>
+                  <a:pt x="129600" y="60082"/>
+                </a:moveTo>
+                <a:lnTo>
+                  <a:pt x="78955" y="60082"/>
+                </a:lnTo>
+                <a:lnTo>
+                  <a:pt x="78955" y="9437"/>
+                </a:lnTo>
+                <a:cubicBezTo>
+                  <a:pt x="78955" y="4225"/>
+                  <a:pt x="74730" y="0"/>
+                  <a:pt x="69519" y="0"/>
+                </a:cubicBezTo>
+                <a:cubicBezTo>
+                  <a:pt x="64307" y="0"/>
+                  <a:pt x="60082" y="4225"/>
+                  <a:pt x="60082" y="9437"/>
+                </a:cubicBezTo>
+                <a:lnTo>
+                  <a:pt x="60082" y="60082"/>
+                </a:lnTo>
+                <a:lnTo>
+                  <a:pt x="9437" y="60082"/>
+                </a:lnTo>
+                <a:cubicBezTo>
+                  <a:pt x="4225" y="60082"/>
+                  <a:pt x="0" y="64308"/>
+                  <a:pt x="0" y="69520"/>
+                </a:cubicBezTo>
+                <a:cubicBezTo>
+                  <a:pt x="0" y="74731"/>
+                  <a:pt x="4225" y="78957"/>
+                  <a:pt x="9437" y="78957"/>
+                </a:cubicBezTo>
+                <a:lnTo>
+                  <a:pt x="60082" y="78957"/>
+                </a:lnTo>
+                <a:lnTo>
+                  <a:pt x="60082" y="129602"/>
+                </a:lnTo>
+                <a:cubicBezTo>
+                  <a:pt x="60082" y="134814"/>
+                  <a:pt x="64307" y="139039"/>
+                  <a:pt x="69519" y="139039"/>
+                </a:cubicBezTo>
+                <a:cubicBezTo>
+                  <a:pt x="74730" y="139039"/>
+                  <a:pt x="78955" y="134814"/>
+                  <a:pt x="78955" y="129602"/>
+                </a:cubicBezTo>
+                <a:lnTo>
+                  <a:pt x="78955" y="78957"/>
+                </a:lnTo>
+                <a:lnTo>
+                  <a:pt x="129600" y="78957"/>
+                </a:lnTo>
+                <a:cubicBezTo>
+                  <a:pt x="134812" y="78957"/>
+                  <a:pt x="139037" y="74731"/>
+                  <a:pt x="139037" y="69520"/>
+                </a:cubicBezTo>
+                <a:cubicBezTo>
+                  <a:pt x="139037" y="64308"/>
+                  <a:pt x="134812" y="60082"/>
+                  <a:pt x="129600" y="60082"/>
+                </a:cubicBezTo>
+                <a:close/>
+              </a:path>
+            </a:pathLst>
+          </a:custGeom>
+          <a:solidFill>
+            <a:schemeClr val="bg1"/>
+          </a:solidFill>
+          <a:ln w="603" cap="flat">
+            <a:noFill/>
+            <a:prstDash val="solid"/>
+            <a:miter/>
+          </a:ln>
+        </p:spPr>
+        <p:txBody>
+          <a:bodyPr rtlCol="0" anchor="ctr"/>
+          <a:lstStyle/>
+          <a:p>
+            <a:endParaRPr lang="en-US"/>
+          </a:p>
+        </p:txBody>
+      </p:sp>
+      <p:cxnSp>
+        <p:nvCxnSpPr>
+          <p:cNvPr id="16" name="Straight Connector 15">
+            <a:extLst>
+              <a:ext uri="{FF2B5EF4-FFF2-40B4-BE49-F238E27FC236}">
+                <a16:creationId xmlns:a16="http://schemas.microsoft.com/office/drawing/2014/main" id="{56020367-4FD5-4596-8E10-C5F095CD8DBF}"/>
+              </a:ext>
+              <a:ext uri="{C183D7F6-B498-43B3-948B-1728B52AA6E4}">
+                <adec:decorative xmlns:adec="http://schemas.microsoft.com/office/drawing/2017/decorative" val="1"/>
+              </a:ext>
+            </a:extLst>
+          </p:cNvPr>
+          <p:cNvCxnSpPr>
+            <a:cxnSpLocks noGrp="1" noRot="1" noChangeAspect="1" noMove="1" noResize="1" noEditPoints="1" noAdjustHandles="1" noChangeArrowheads="1" noChangeShapeType="1"/>
+          </p:cNvCxnSpPr>
+          <p:nvPr>
+            <p:extLst>
+              <p:ext uri="{386F3935-93C4-4BCD-93E2-E3B085C9AB24}">
+                <p16:designElem xmlns:p16="http://schemas.microsoft.com/office/powerpoint/2015/main" val="1"/>
+              </p:ext>
+            </p:extLst>
+          </p:nvPr>
+        </p:nvCxnSpPr>
+        <p:spPr>
+          <a:xfrm>
+            <a:off x="5447322" y="1589368"/>
+            <a:ext cx="0" cy="5259754"/>
+          </a:xfrm>
+          <a:prstGeom prst="line">
+            <a:avLst/>
+          </a:prstGeom>
+          <a:ln w="25400" cap="sq">
+            <a:solidFill>
+              <a:schemeClr val="bg1"/>
+            </a:solidFill>
+            <a:bevel/>
+          </a:ln>
+        </p:spPr>
+        <p:style>
+          <a:lnRef idx="1">
+            <a:schemeClr val="accent1"/>
+          </a:lnRef>
+          <a:fillRef idx="0">
+            <a:schemeClr val="accent1"/>
+          </a:fillRef>
+          <a:effectRef idx="0">
+            <a:schemeClr val="accent1"/>
+          </a:effectRef>
+          <a:fontRef idx="minor">
+            <a:schemeClr val="tx1"/>
+          </a:fontRef>
+        </p:style>
+      </p:cxnSp>
+      <p:pic>
+        <p:nvPicPr>
+          <p:cNvPr id="7" name="Graphic 6" descr="Preguntas">
+            <a:extLst>
+              <a:ext uri="{FF2B5EF4-FFF2-40B4-BE49-F238E27FC236}">
+                <a16:creationId xmlns:a16="http://schemas.microsoft.com/office/drawing/2014/main" id="{4370A73F-19F6-D9A6-7704-768EFC26DC56}"/>
+              </a:ext>
+            </a:extLst>
+          </p:cNvPr>
+          <p:cNvPicPr>
+            <a:picLocks noChangeAspect="1"/>
+          </p:cNvPicPr>
+          <p:nvPr/>
+        </p:nvPicPr>
+        <p:blipFill>
+          <a:blip r:embed="rId2">
+            <a:extLst>
+              <a:ext uri="{28A0092B-C50C-407E-A947-70E740481C1C}">
+                <a14:useLocalDpi xmlns:a14="http://schemas.microsoft.com/office/drawing/2010/main" val="0"/>
+              </a:ext>
+              <a:ext uri="{96DAC541-7B7A-43D3-8B79-37D633B846F1}">
+                <asvg:svgBlip xmlns:asvg="http://schemas.microsoft.com/office/drawing/2016/SVG/main" r:embed="rId3"/>
+              </a:ext>
+            </a:extLst>
+          </a:blip>
+          <a:stretch>
+            <a:fillRect/>
+          </a:stretch>
+        </p:blipFill>
+        <p:spPr>
+          <a:xfrm>
+            <a:off x="6380106" y="1598246"/>
+            <a:ext cx="4783504" cy="4783504"/>
+          </a:xfrm>
+          <a:prstGeom prst="rect">
+            <a:avLst/>
+          </a:prstGeom>
+        </p:spPr>
+      </p:pic>
+      <p:sp>
+        <p:nvSpPr>
+          <p:cNvPr id="18" name="Graphic 21">
+            <a:extLst>
+              <a:ext uri="{FF2B5EF4-FFF2-40B4-BE49-F238E27FC236}">
+                <a16:creationId xmlns:a16="http://schemas.microsoft.com/office/drawing/2014/main" id="{8D61482F-F3C5-4D66-8C5D-C6BBE3E1275C}"/>
+              </a:ext>
+              <a:ext uri="{C183D7F6-B498-43B3-948B-1728B52AA6E4}">
+                <adec:decorative xmlns:adec="http://schemas.microsoft.com/office/drawing/2017/decorative" val="1"/>
+              </a:ext>
+            </a:extLst>
+          </p:cNvPr>
+          <p:cNvSpPr>
+            <a:spLocks noGrp="1" noRot="1" noChangeAspect="1" noMove="1" noResize="1" noEditPoints="1" noAdjustHandles="1" noChangeArrowheads="1" noChangeShapeType="1" noTextEdit="1"/>
+          </p:cNvSpPr>
+          <p:nvPr>
+            <p:extLst>
+              <p:ext uri="{386F3935-93C4-4BCD-93E2-E3B085C9AB24}">
+                <p16:designElem xmlns:p16="http://schemas.microsoft.com/office/powerpoint/2015/main" val="1"/>
+              </p:ext>
+            </p:extLst>
+          </p:nvPr>
+        </p:nvSpPr>
+        <p:spPr>
+          <a:xfrm>
+            <a:off x="11752801" y="1659316"/>
+            <a:ext cx="127713" cy="127714"/>
+          </a:xfrm>
+          <a:custGeom>
+            <a:avLst/>
+            <a:gdLst>
+              <a:gd name="connsiteX0" fmla="*/ 63857 w 127713"/>
+              <a:gd name="connsiteY0" fmla="*/ 18874 h 127714"/>
+              <a:gd name="connsiteX1" fmla="*/ 108839 w 127713"/>
+              <a:gd name="connsiteY1" fmla="*/ 63857 h 127714"/>
+              <a:gd name="connsiteX2" fmla="*/ 63857 w 127713"/>
+              <a:gd name="connsiteY2" fmla="*/ 108840 h 127714"/>
+              <a:gd name="connsiteX3" fmla="*/ 18874 w 127713"/>
+              <a:gd name="connsiteY3" fmla="*/ 63857 h 127714"/>
+              <a:gd name="connsiteX4" fmla="*/ 63857 w 127713"/>
+              <a:gd name="connsiteY4" fmla="*/ 18874 h 127714"/>
+              <a:gd name="connsiteX5" fmla="*/ 63857 w 127713"/>
+              <a:gd name="connsiteY5" fmla="*/ 0 h 127714"/>
+              <a:gd name="connsiteX6" fmla="*/ 0 w 127713"/>
+              <a:gd name="connsiteY6" fmla="*/ 63857 h 127714"/>
+              <a:gd name="connsiteX7" fmla="*/ 63857 w 127713"/>
+              <a:gd name="connsiteY7" fmla="*/ 127714 h 127714"/>
+              <a:gd name="connsiteX8" fmla="*/ 127713 w 127713"/>
+              <a:gd name="connsiteY8" fmla="*/ 63857 h 127714"/>
+              <a:gd name="connsiteX9" fmla="*/ 63857 w 127713"/>
+              <a:gd name="connsiteY9" fmla="*/ 0 h 127714"/>
+            </a:gdLst>
+            <a:ahLst/>
+            <a:cxnLst>
+              <a:cxn ang="0">
+                <a:pos x="connsiteX0" y="connsiteY0"/>
+              </a:cxn>
+              <a:cxn ang="0">
+                <a:pos x="connsiteX1" y="connsiteY1"/>
+              </a:cxn>
+              <a:cxn ang="0">
+                <a:pos x="connsiteX2" y="connsiteY2"/>
+              </a:cxn>
+              <a:cxn ang="0">
+                <a:pos x="connsiteX3" y="connsiteY3"/>
+              </a:cxn>
+              <a:cxn ang="0">
+                <a:pos x="connsiteX4" y="connsiteY4"/>
+              </a:cxn>
+              <a:cxn ang="0">
+                <a:pos x="connsiteX5" y="connsiteY5"/>
+              </a:cxn>
+              <a:cxn ang="0">
+                <a:pos x="connsiteX6" y="connsiteY6"/>
+              </a:cxn>
+              <a:cxn ang="0">
+                <a:pos x="connsiteX7" y="connsiteY7"/>
+              </a:cxn>
+              <a:cxn ang="0">
+                <a:pos x="connsiteX8" y="connsiteY8"/>
+              </a:cxn>
+              <a:cxn ang="0">
+                <a:pos x="connsiteX9" y="connsiteY9"/>
+              </a:cxn>
+            </a:cxnLst>
+            <a:rect l="l" t="t" r="r" b="b"/>
+            <a:pathLst>
+              <a:path w="127713" h="127714">
+                <a:moveTo>
+                  <a:pt x="63857" y="18874"/>
+                </a:moveTo>
+                <a:cubicBezTo>
+                  <a:pt x="88700" y="18874"/>
+                  <a:pt x="108839" y="39014"/>
+                  <a:pt x="108839" y="63857"/>
+                </a:cubicBezTo>
+                <a:cubicBezTo>
+                  <a:pt x="108839" y="88700"/>
+                  <a:pt x="88700" y="108840"/>
+                  <a:pt x="63857" y="108840"/>
+                </a:cubicBezTo>
+                <a:cubicBezTo>
+                  <a:pt x="39013" y="108840"/>
+                  <a:pt x="18874" y="88700"/>
+                  <a:pt x="18874" y="63857"/>
+                </a:cubicBezTo>
+                <a:cubicBezTo>
+                  <a:pt x="18898" y="39024"/>
+                  <a:pt x="39023" y="18898"/>
+                  <a:pt x="63857" y="18874"/>
+                </a:cubicBezTo>
+                <a:moveTo>
+                  <a:pt x="63857" y="0"/>
+                </a:moveTo>
+                <a:cubicBezTo>
+                  <a:pt x="28590" y="0"/>
+                  <a:pt x="0" y="28590"/>
+                  <a:pt x="0" y="63857"/>
+                </a:cubicBezTo>
+                <a:cubicBezTo>
+                  <a:pt x="0" y="99124"/>
+                  <a:pt x="28590" y="127714"/>
+                  <a:pt x="63857" y="127714"/>
+                </a:cubicBezTo>
+                <a:cubicBezTo>
+                  <a:pt x="99124" y="127714"/>
+                  <a:pt x="127713" y="99124"/>
+                  <a:pt x="127713" y="63857"/>
+                </a:cubicBezTo>
+                <a:cubicBezTo>
+                  <a:pt x="127713" y="28590"/>
+                  <a:pt x="99124" y="0"/>
+                  <a:pt x="63857" y="0"/>
+                </a:cubicBezTo>
+                <a:close/>
+              </a:path>
+            </a:pathLst>
+          </a:custGeom>
+          <a:solidFill>
+            <a:schemeClr val="bg1"/>
+          </a:solidFill>
+          <a:ln w="610" cap="flat">
+            <a:noFill/>
+            <a:prstDash val="solid"/>
+            <a:miter/>
+          </a:ln>
+        </p:spPr>
+        <p:txBody>
+          <a:bodyPr rtlCol="0" anchor="ctr"/>
+          <a:lstStyle/>
+          <a:p>
+            <a:endParaRPr lang="en-US"/>
+          </a:p>
+        </p:txBody>
+      </p:sp>
+    </p:spTree>
+    <p:extLst>
+      <p:ext uri="{BB962C8B-B14F-4D97-AF65-F5344CB8AC3E}">
+        <p14:creationId xmlns:p14="http://schemas.microsoft.com/office/powerpoint/2010/main" val="2609673599"/>
+      </p:ext>
+    </p:extLst>
+  </p:cSld>
+  <p:clrMapOvr>
+    <a:masterClrMapping/>
+  </p:clrMapOvr>
+</p:sld>
+</file>
+
+<file path=ppt/slides/slide7.xml><?xml version="1.0" encoding="utf-8"?>
+<p:sld xmlns:a="http://schemas.openxmlformats.org/drawingml/2006/main" xmlns:r="http://schemas.openxmlformats.org/officeDocument/2006/relationships" xmlns:p="http://schemas.openxmlformats.org/presentationml/2006/main">
+  <p:cSld>
+    <p:bg>
+      <p:bgPr>
+        <a:solidFill>
+          <a:schemeClr val="bg1"/>
+        </a:solidFill>
+        <a:effectLst/>
+      </p:bgPr>
+    </p:bg>
+    <p:spTree>
+      <p:nvGrpSpPr>
+        <p:cNvPr id="1" name=""/>
+        <p:cNvGrpSpPr/>
+        <p:nvPr/>
+      </p:nvGrpSpPr>
+      <p:grpSpPr>
+        <a:xfrm>
+          <a:off x="0" y="0"/>
+          <a:ext cx="0" cy="0"/>
+          <a:chOff x="0" y="0"/>
+          <a:chExt cx="0" cy="0"/>
+        </a:xfrm>
+      </p:grpSpPr>
+      <p:cxnSp>
+        <p:nvCxnSpPr>
+          <p:cNvPr id="10" name="Straight Connector 9">
+            <a:extLst>
+              <a:ext uri="{FF2B5EF4-FFF2-40B4-BE49-F238E27FC236}">
+                <a16:creationId xmlns:a16="http://schemas.microsoft.com/office/drawing/2014/main" id="{D1B787A8-0D67-4B7E-9B48-86BD906AB6B5}"/>
+              </a:ext>
+              <a:ext uri="{C183D7F6-B498-43B3-948B-1728B52AA6E4}">
+                <adec:decorative xmlns:adec="http://schemas.microsoft.com/office/drawing/2017/decorative" val="1"/>
+              </a:ext>
+            </a:extLst>
+          </p:cNvPr>
+          <p:cNvCxnSpPr>
+            <a:cxnSpLocks noGrp="1" noRot="1" noChangeAspect="1" noMove="1" noResize="1" noEditPoints="1" noAdjustHandles="1" noChangeArrowheads="1" noChangeShapeType="1"/>
+          </p:cNvCxnSpPr>
+          <p:nvPr>
+            <p:extLst>
+              <p:ext uri="{386F3935-93C4-4BCD-93E2-E3B085C9AB24}">
+                <p16:designElem xmlns:p16="http://schemas.microsoft.com/office/powerpoint/2015/main" val="1"/>
+              </p:ext>
+            </p:extLst>
+          </p:nvPr>
+        </p:nvCxnSpPr>
+        <p:spPr>
+          <a:xfrm>
+            <a:off x="715890" y="1114050"/>
+            <a:ext cx="0" cy="5735637"/>
+          </a:xfrm>
+          <a:prstGeom prst="line">
+            <a:avLst/>
+          </a:prstGeom>
+          <a:ln w="25400" cap="sq">
+            <a:gradFill flip="none" rotWithShape="1">
+              <a:gsLst>
+                <a:gs pos="0">
+                  <a:schemeClr val="accent2"/>
+                </a:gs>
+                <a:gs pos="100000">
+                  <a:schemeClr val="accent4"/>
+                </a:gs>
+              </a:gsLst>
+              <a:lin ang="16200000" scaled="1"/>
+              <a:tileRect/>
+            </a:gradFill>
+            <a:bevel/>
+          </a:ln>
+        </p:spPr>
+        <p:style>
+          <a:lnRef idx="1">
+            <a:schemeClr val="accent1"/>
+          </a:lnRef>
+          <a:fillRef idx="0">
+            <a:schemeClr val="accent1"/>
+          </a:fillRef>
+          <a:effectRef idx="0">
+            <a:schemeClr val="accent1"/>
+          </a:effectRef>
+          <a:fontRef idx="minor">
+            <a:schemeClr val="tx1"/>
+          </a:fontRef>
+        </p:style>
+      </p:cxnSp>
+      <p:sp useBgFill="1">
+        <p:nvSpPr>
+          <p:cNvPr id="12" name="Rectangle 11">
+            <a:extLst>
+              <a:ext uri="{FF2B5EF4-FFF2-40B4-BE49-F238E27FC236}">
+                <a16:creationId xmlns:a16="http://schemas.microsoft.com/office/drawing/2014/main" id="{79C60ED7-11F7-478C-AC8E-0865FABDACBF}"/>
+              </a:ext>
+              <a:ext uri="{C183D7F6-B498-43B3-948B-1728B52AA6E4}">
+                <adec:decorative xmlns:adec="http://schemas.microsoft.com/office/drawing/2017/decorative" val="1"/>
+              </a:ext>
+            </a:extLst>
+          </p:cNvPr>
+          <p:cNvSpPr>
+            <a:spLocks noGrp="1" noRot="1" noChangeAspect="1" noMove="1" noResize="1" noEditPoints="1" noAdjustHandles="1" noChangeArrowheads="1" noChangeShapeType="1" noTextEdit="1"/>
+          </p:cNvSpPr>
+          <p:nvPr>
+            <p:extLst>
+              <p:ext uri="{386F3935-93C4-4BCD-93E2-E3B085C9AB24}">
+                <p16:designElem xmlns:p16="http://schemas.microsoft.com/office/powerpoint/2015/main" val="1"/>
+              </p:ext>
+            </p:extLst>
+          </p:nvPr>
+        </p:nvSpPr>
+        <p:spPr>
+          <a:xfrm>
+            <a:off x="0" y="0"/>
+            <a:ext cx="12192000" cy="6858000"/>
+          </a:xfrm>
+          <a:prstGeom prst="rect">
+            <a:avLst/>
+          </a:prstGeom>
+          <a:ln w="12700" cap="flat" cmpd="sng" algn="ctr">
+            <a:noFill/>
+            <a:prstDash val="solid"/>
+            <a:miter lim="800000"/>
+          </a:ln>
+          <a:effectLst/>
+          <a:extLst>
+            <a:ext uri="{91240B29-F687-4F45-9708-019B960494DF}">
+              <a14:hiddenLine xmlns:a14="http://schemas.microsoft.com/office/drawing/2010/main" w="12700" cap="flat" cmpd="sng" algn="ctr">
+                <a:solidFill>
+                  <a:schemeClr val="accent1">
+                    <a:shade val="50000"/>
+                  </a:schemeClr>
+                </a:solidFill>
+                <a:prstDash val="solid"/>
+                <a:miter lim="800000"/>
+              </a14:hiddenLine>
+            </a:ext>
+          </a:extLst>
+        </p:spPr>
+        <p:style>
+          <a:lnRef idx="2">
+            <a:schemeClr val="accent1">
+              <a:shade val="50000"/>
+            </a:schemeClr>
+          </a:lnRef>
+          <a:fillRef idx="1">
+            <a:schemeClr val="accent1"/>
+          </a:fillRef>
+          <a:effectRef idx="0">
+            <a:schemeClr val="accent1"/>
+          </a:effectRef>
+          <a:fontRef idx="minor">
+            <a:schemeClr val="lt1"/>
+          </a:fontRef>
+        </p:style>
+        <p:txBody>
+          <a:bodyPr rtlCol="0" anchor="ctr"/>
+          <a:lstStyle/>
+          <a:p>
+            <a:pPr algn="ctr"/>
+            <a:endParaRPr lang="en-US"/>
+          </a:p>
+        </p:txBody>
+      </p:sp>
+      <p:sp>
+        <p:nvSpPr>
+          <p:cNvPr id="14" name="!!Rectangle">
+            <a:extLst>
+              <a:ext uri="{FF2B5EF4-FFF2-40B4-BE49-F238E27FC236}">
+                <a16:creationId xmlns:a16="http://schemas.microsoft.com/office/drawing/2014/main" id="{D472C551-D440-40DF-9260-BDB9AC40960A}"/>
+              </a:ext>
+              <a:ext uri="{C183D7F6-B498-43B3-948B-1728B52AA6E4}">
+                <adec:decorative xmlns:adec="http://schemas.microsoft.com/office/drawing/2017/decorative" val="1"/>
+              </a:ext>
+            </a:extLst>
+          </p:cNvPr>
+          <p:cNvSpPr>
+            <a:spLocks noGrp="1" noRot="1" noChangeAspect="1" noMove="1" noResize="1" noEditPoints="1" noAdjustHandles="1" noChangeArrowheads="1" noChangeShapeType="1" noTextEdit="1"/>
+          </p:cNvSpPr>
+          <p:nvPr>
+            <p:extLst>
+              <p:ext uri="{386F3935-93C4-4BCD-93E2-E3B085C9AB24}">
+                <p16:designElem xmlns:p16="http://schemas.microsoft.com/office/powerpoint/2015/main" val="1"/>
+              </p:ext>
+            </p:extLst>
+          </p:nvPr>
+        </p:nvSpPr>
+        <p:spPr>
+          <a:xfrm>
+            <a:off x="0" y="0"/>
+            <a:ext cx="12192000" cy="6858000"/>
+          </a:xfrm>
+          <a:prstGeom prst="rect">
+            <a:avLst/>
+          </a:prstGeom>
+          <a:gradFill flip="none" rotWithShape="1">
+            <a:gsLst>
+              <a:gs pos="100000">
+                <a:schemeClr val="accent4"/>
+              </a:gs>
+              <a:gs pos="0">
+                <a:schemeClr val="accent2"/>
+              </a:gs>
+            </a:gsLst>
+            <a:lin ang="18900000" scaled="1"/>
+            <a:tileRect/>
+          </a:gradFill>
+          <a:ln>
+            <a:noFill/>
+          </a:ln>
+        </p:spPr>
+        <p:style>
+          <a:lnRef idx="2">
+            <a:schemeClr val="accent1">
+              <a:shade val="50000"/>
+            </a:schemeClr>
+          </a:lnRef>
+          <a:fillRef idx="1">
+            <a:schemeClr val="accent1"/>
+          </a:fillRef>
+          <a:effectRef idx="0">
+            <a:schemeClr val="accent1"/>
+          </a:effectRef>
+          <a:fontRef idx="minor">
+            <a:schemeClr val="lt1"/>
+          </a:fontRef>
+        </p:style>
+        <p:txBody>
+          <a:bodyPr rtlCol="0" anchor="ctr"/>
+          <a:lstStyle/>
+          <a:p>
+            <a:pPr marL="0" marR="0" lvl="0" indent="0" algn="ctr" defTabSz="914400" rtl="0" eaLnBrk="1" fontAlgn="auto" latinLnBrk="0" hangingPunct="1">
+              <a:lnSpc>
+                <a:spcPct val="100000"/>
+              </a:lnSpc>
+              <a:spcBef>
+                <a:spcPts val="0"/>
+              </a:spcBef>
+              <a:spcAft>
+                <a:spcPts val="0"/>
+              </a:spcAft>
+              <a:buClrTx/>
+              <a:buSzTx/>
+              <a:buFontTx/>
+              <a:buNone/>
+              <a:tabLst/>
+              <a:defRPr/>
+            </a:pPr>
+            <a:endParaRPr kumimoji="0" lang="en-US" sz="1800" b="0" i="0" u="none" strike="noStrike" kern="1200" cap="none" spc="0" normalizeH="0" baseline="0" noProof="0">
+              <a:ln>
+                <a:noFill/>
+              </a:ln>
+              <a:solidFill>
+                <a:prstClr val="white"/>
+              </a:solidFill>
+              <a:effectLst/>
+              <a:uLnTx/>
+              <a:uFillTx/>
+              <a:latin typeface="Univers"/>
+              <a:ea typeface="+mn-ea"/>
+              <a:cs typeface="+mn-cs"/>
+            </a:endParaRPr>
+          </a:p>
+        </p:txBody>
+      </p:sp>
+      <p:pic>
+        <p:nvPicPr>
+          <p:cNvPr id="5" name="Marcador de contenido 4" descr="Icono&#10;&#10;Descripción generada automáticamente">
+            <a:extLst>
+              <a:ext uri="{FF2B5EF4-FFF2-40B4-BE49-F238E27FC236}">
+                <a16:creationId xmlns:a16="http://schemas.microsoft.com/office/drawing/2014/main" id="{C1EAC36E-843A-379A-D35E-1202209BA93F}"/>
+              </a:ext>
+            </a:extLst>
+          </p:cNvPr>
+          <p:cNvPicPr>
+            <a:picLocks noGrp="1" noChangeAspect="1"/>
+          </p:cNvPicPr>
+          <p:nvPr>
+            <p:ph idx="1"/>
+          </p:nvPr>
+        </p:nvPicPr>
+        <p:blipFill rotWithShape="1">
+          <a:blip r:embed="rId2">
+            <a:duotone>
+              <a:schemeClr val="accent1">
+                <a:shade val="45000"/>
+                <a:satMod val="135000"/>
+              </a:schemeClr>
+              <a:prstClr val="white"/>
+            </a:duotone>
+            <a:alphaModFix amt="35000"/>
+            <a:extLst>
+              <a:ext uri="{28A0092B-C50C-407E-A947-70E740481C1C}">
+                <a14:useLocalDpi xmlns:a14="http://schemas.microsoft.com/office/drawing/2010/main" val="0"/>
+              </a:ext>
+            </a:extLst>
+          </a:blip>
+          <a:srcRect l="4122" r="2544"/>
+          <a:stretch/>
+        </p:blipFill>
+        <p:spPr>
+          <a:xfrm>
+            <a:off x="20" y="-8877"/>
+            <a:ext cx="12191980" cy="6858000"/>
+          </a:xfrm>
+          <a:prstGeom prst="rect">
+            <a:avLst/>
+          </a:prstGeom>
+        </p:spPr>
+      </p:pic>
+      <p:sp>
+        <p:nvSpPr>
+          <p:cNvPr id="2" name="Título 1">
+            <a:extLst>
+              <a:ext uri="{FF2B5EF4-FFF2-40B4-BE49-F238E27FC236}">
+                <a16:creationId xmlns:a16="http://schemas.microsoft.com/office/drawing/2014/main" id="{E7DA6FD7-8616-C23B-9DB7-235F5D9DC42E}"/>
+              </a:ext>
+            </a:extLst>
+          </p:cNvPr>
+          <p:cNvSpPr>
+            <a:spLocks noGrp="1"/>
+          </p:cNvSpPr>
+          <p:nvPr>
+            <p:ph type="title"/>
+          </p:nvPr>
+        </p:nvSpPr>
+        <p:spPr>
+          <a:xfrm>
+            <a:off x="994873" y="2271449"/>
+            <a:ext cx="6347918" cy="3670098"/>
+          </a:xfrm>
+        </p:spPr>
+        <p:txBody>
+          <a:bodyPr vert="horz" lIns="91440" tIns="45720" rIns="91440" bIns="45720" rtlCol="0" anchor="b">
+            <a:normAutofit/>
+          </a:bodyPr>
+          <a:lstStyle/>
+          <a:p>
+            <a:r>
+              <a:rPr lang="en-US" sz="6600" b="1" i="0" kern="1200" cap="all" baseline="0">
+                <a:solidFill>
+                  <a:srgbClr val="FFFFFF"/>
+                </a:solidFill>
+                <a:latin typeface="+mj-lt"/>
+                <a:ea typeface="+mj-ea"/>
+                <a:cs typeface="+mj-cs"/>
+              </a:rPr>
+              <a:t>NODE.JS</a:t>
+            </a:r>
+          </a:p>
+        </p:txBody>
+      </p:sp>
+      <p:cxnSp>
+        <p:nvCxnSpPr>
+          <p:cNvPr id="24" name="Straight Connector 15">
+            <a:extLst>
+              <a:ext uri="{FF2B5EF4-FFF2-40B4-BE49-F238E27FC236}">
+                <a16:creationId xmlns:a16="http://schemas.microsoft.com/office/drawing/2014/main" id="{56020367-4FD5-4596-8E10-C5F095CD8DBF}"/>
+              </a:ext>
+              <a:ext uri="{C183D7F6-B498-43B3-948B-1728B52AA6E4}">
+                <adec:decorative xmlns:adec="http://schemas.microsoft.com/office/drawing/2017/decorative" val="1"/>
+              </a:ext>
+            </a:extLst>
+          </p:cNvPr>
+          <p:cNvCxnSpPr>
+            <a:cxnSpLocks noGrp="1" noRot="1" noChangeAspect="1" noMove="1" noResize="1" noEditPoints="1" noAdjustHandles="1" noChangeArrowheads="1" noChangeShapeType="1"/>
+          </p:cNvCxnSpPr>
+          <p:nvPr>
+            <p:extLst>
+              <p:ext uri="{386F3935-93C4-4BCD-93E2-E3B085C9AB24}">
+                <p16:designElem xmlns:p16="http://schemas.microsoft.com/office/powerpoint/2015/main" val="1"/>
+              </p:ext>
+            </p:extLst>
+          </p:nvPr>
+        </p:nvCxnSpPr>
+        <p:spPr>
+          <a:xfrm>
+            <a:off x="8878" y="806470"/>
+            <a:ext cx="8453437" cy="0"/>
+          </a:xfrm>
+          <a:prstGeom prst="line">
+            <a:avLst/>
+          </a:prstGeom>
+          <a:ln w="25400" cap="sq">
+            <a:solidFill>
+              <a:srgbClr val="FFFFFF"/>
+            </a:solidFill>
+            <a:bevel/>
+          </a:ln>
+        </p:spPr>
+        <p:style>
+          <a:lnRef idx="1">
+            <a:schemeClr val="accent1"/>
+          </a:lnRef>
+          <a:fillRef idx="0">
+            <a:schemeClr val="accent1"/>
+          </a:fillRef>
+          <a:effectRef idx="0">
+            <a:schemeClr val="accent1"/>
+          </a:effectRef>
+          <a:fontRef idx="minor">
+            <a:schemeClr val="tx1"/>
+          </a:fontRef>
+        </p:style>
+      </p:cxnSp>
+      <p:sp>
+        <p:nvSpPr>
+          <p:cNvPr id="25" name="Graphic 22">
+            <a:extLst>
+              <a:ext uri="{FF2B5EF4-FFF2-40B4-BE49-F238E27FC236}">
+                <a16:creationId xmlns:a16="http://schemas.microsoft.com/office/drawing/2014/main" id="{508BEF50-7B1E-49A4-BC19-5F4F1D755E64}"/>
+              </a:ext>
+              <a:ext uri="{C183D7F6-B498-43B3-948B-1728B52AA6E4}">
+                <adec:decorative xmlns:adec="http://schemas.microsoft.com/office/drawing/2017/decorative" val="1"/>
+              </a:ext>
+            </a:extLst>
+          </p:cNvPr>
+          <p:cNvSpPr>
+            <a:spLocks noGrp="1" noRot="1" noChangeAspect="1" noMove="1" noResize="1" noEditPoints="1" noAdjustHandles="1" noChangeArrowheads="1" noChangeShapeType="1" noTextEdit="1"/>
+          </p:cNvSpPr>
+          <p:nvPr>
+            <p:extLst>
+              <p:ext uri="{386F3935-93C4-4BCD-93E2-E3B085C9AB24}">
+                <p16:designElem xmlns:p16="http://schemas.microsoft.com/office/powerpoint/2015/main" val="1"/>
+              </p:ext>
+            </p:extLst>
+          </p:nvPr>
+        </p:nvSpPr>
+        <p:spPr>
+          <a:xfrm>
+            <a:off x="11174340" y="1225788"/>
+            <a:ext cx="151536" cy="151536"/>
+          </a:xfrm>
+          <a:custGeom>
+            <a:avLst/>
+            <a:gdLst>
+              <a:gd name="connsiteX0" fmla="*/ 141251 w 151536"/>
+              <a:gd name="connsiteY0" fmla="*/ 65483 h 151536"/>
+              <a:gd name="connsiteX1" fmla="*/ 86053 w 151536"/>
+              <a:gd name="connsiteY1" fmla="*/ 65483 h 151536"/>
+              <a:gd name="connsiteX2" fmla="*/ 86053 w 151536"/>
+              <a:gd name="connsiteY2" fmla="*/ 10285 h 151536"/>
+              <a:gd name="connsiteX3" fmla="*/ 75768 w 151536"/>
+              <a:gd name="connsiteY3" fmla="*/ 0 h 151536"/>
+              <a:gd name="connsiteX4" fmla="*/ 65483 w 151536"/>
+              <a:gd name="connsiteY4" fmla="*/ 10285 h 151536"/>
+              <a:gd name="connsiteX5" fmla="*/ 65483 w 151536"/>
+              <a:gd name="connsiteY5" fmla="*/ 65483 h 151536"/>
+              <a:gd name="connsiteX6" fmla="*/ 10285 w 151536"/>
+              <a:gd name="connsiteY6" fmla="*/ 65483 h 151536"/>
+              <a:gd name="connsiteX7" fmla="*/ 0 w 151536"/>
+              <a:gd name="connsiteY7" fmla="*/ 75768 h 151536"/>
+              <a:gd name="connsiteX8" fmla="*/ 10285 w 151536"/>
+              <a:gd name="connsiteY8" fmla="*/ 86053 h 151536"/>
+              <a:gd name="connsiteX9" fmla="*/ 65483 w 151536"/>
+              <a:gd name="connsiteY9" fmla="*/ 86053 h 151536"/>
+              <a:gd name="connsiteX10" fmla="*/ 65483 w 151536"/>
+              <a:gd name="connsiteY10" fmla="*/ 141251 h 151536"/>
+              <a:gd name="connsiteX11" fmla="*/ 75768 w 151536"/>
+              <a:gd name="connsiteY11" fmla="*/ 151536 h 151536"/>
+              <a:gd name="connsiteX12" fmla="*/ 86053 w 151536"/>
+              <a:gd name="connsiteY12" fmla="*/ 141251 h 151536"/>
+              <a:gd name="connsiteX13" fmla="*/ 86053 w 151536"/>
+              <a:gd name="connsiteY13" fmla="*/ 86053 h 151536"/>
+              <a:gd name="connsiteX14" fmla="*/ 141251 w 151536"/>
+              <a:gd name="connsiteY14" fmla="*/ 86053 h 151536"/>
+              <a:gd name="connsiteX15" fmla="*/ 151536 w 151536"/>
+              <a:gd name="connsiteY15" fmla="*/ 75768 h 151536"/>
+              <a:gd name="connsiteX16" fmla="*/ 141251 w 151536"/>
+              <a:gd name="connsiteY16" fmla="*/ 65483 h 151536"/>
+            </a:gdLst>
+            <a:ahLst/>
+            <a:cxnLst>
+              <a:cxn ang="0">
+                <a:pos x="connsiteX0" y="connsiteY0"/>
+              </a:cxn>
+              <a:cxn ang="0">
+                <a:pos x="connsiteX1" y="connsiteY1"/>
+              </a:cxn>
+              <a:cxn ang="0">
+                <a:pos x="connsiteX2" y="connsiteY2"/>
+              </a:cxn>
+              <a:cxn ang="0">
+                <a:pos x="connsiteX3" y="connsiteY3"/>
+              </a:cxn>
+              <a:cxn ang="0">
+                <a:pos x="connsiteX4" y="connsiteY4"/>
+              </a:cxn>
+              <a:cxn ang="0">
+                <a:pos x="connsiteX5" y="connsiteY5"/>
+              </a:cxn>
+              <a:cxn ang="0">
+                <a:pos x="connsiteX6" y="connsiteY6"/>
+              </a:cxn>
+              <a:cxn ang="0">
+                <a:pos x="connsiteX7" y="connsiteY7"/>
+              </a:cxn>
+              <a:cxn ang="0">
+                <a:pos x="connsiteX8" y="connsiteY8"/>
+              </a:cxn>
+              <a:cxn ang="0">
+                <a:pos x="connsiteX9" y="connsiteY9"/>
+              </a:cxn>
+              <a:cxn ang="0">
+                <a:pos x="connsiteX10" y="connsiteY10"/>
+              </a:cxn>
+              <a:cxn ang="0">
+                <a:pos x="connsiteX11" y="connsiteY11"/>
+              </a:cxn>
+              <a:cxn ang="0">
+                <a:pos x="connsiteX12" y="connsiteY12"/>
+              </a:cxn>
+              <a:cxn ang="0">
+                <a:pos x="connsiteX13" y="connsiteY13"/>
+              </a:cxn>
+              <a:cxn ang="0">
+                <a:pos x="connsiteX14" y="connsiteY14"/>
+              </a:cxn>
+              <a:cxn ang="0">
+                <a:pos x="connsiteX15" y="connsiteY15"/>
+              </a:cxn>
+              <a:cxn ang="0">
+                <a:pos x="connsiteX16" y="connsiteY16"/>
+              </a:cxn>
+            </a:cxnLst>
+            <a:rect l="l" t="t" r="r" b="b"/>
+            <a:pathLst>
+              <a:path w="151536" h="151536">
+                <a:moveTo>
+                  <a:pt x="141251" y="65483"/>
+                </a:moveTo>
+                <a:lnTo>
+                  <a:pt x="86053" y="65483"/>
+                </a:lnTo>
+                <a:lnTo>
+                  <a:pt x="86053" y="10285"/>
+                </a:lnTo>
+                <a:cubicBezTo>
+                  <a:pt x="86053" y="4605"/>
+                  <a:pt x="81448" y="0"/>
+                  <a:pt x="75768" y="0"/>
+                </a:cubicBezTo>
+                <a:cubicBezTo>
+                  <a:pt x="70088" y="0"/>
+                  <a:pt x="65483" y="4605"/>
+                  <a:pt x="65483" y="10285"/>
+                </a:cubicBezTo>
+                <a:lnTo>
+                  <a:pt x="65483" y="65483"/>
+                </a:lnTo>
+                <a:lnTo>
+                  <a:pt x="10285" y="65483"/>
+                </a:lnTo>
+                <a:cubicBezTo>
+                  <a:pt x="4605" y="65483"/>
+                  <a:pt x="0" y="70088"/>
+                  <a:pt x="0" y="75768"/>
+                </a:cubicBezTo>
+                <a:cubicBezTo>
+                  <a:pt x="0" y="81448"/>
+                  <a:pt x="4605" y="86053"/>
+                  <a:pt x="10285" y="86053"/>
+                </a:cubicBezTo>
+                <a:lnTo>
+                  <a:pt x="65483" y="86053"/>
+                </a:lnTo>
+                <a:lnTo>
+                  <a:pt x="65483" y="141251"/>
+                </a:lnTo>
+                <a:cubicBezTo>
+                  <a:pt x="65483" y="146931"/>
+                  <a:pt x="70088" y="151536"/>
+                  <a:pt x="75768" y="151536"/>
+                </a:cubicBezTo>
+                <a:cubicBezTo>
+                  <a:pt x="81448" y="151536"/>
+                  <a:pt x="86053" y="146931"/>
+                  <a:pt x="86053" y="141251"/>
+                </a:cubicBezTo>
+                <a:lnTo>
+                  <a:pt x="86053" y="86053"/>
+                </a:lnTo>
+                <a:lnTo>
+                  <a:pt x="141251" y="86053"/>
+                </a:lnTo>
+                <a:cubicBezTo>
+                  <a:pt x="146931" y="86053"/>
+                  <a:pt x="151536" y="81448"/>
+                  <a:pt x="151536" y="75768"/>
+                </a:cubicBezTo>
+                <a:cubicBezTo>
+                  <a:pt x="151536" y="70088"/>
+                  <a:pt x="146931" y="65483"/>
+                  <a:pt x="141251" y="65483"/>
+                </a:cubicBezTo>
+                <a:close/>
+              </a:path>
+            </a:pathLst>
+          </a:custGeom>
+          <a:solidFill>
+            <a:srgbClr val="FFFFFF"/>
+          </a:solidFill>
+          <a:ln w="646" cap="flat">
+            <a:noFill/>
+            <a:prstDash val="solid"/>
+            <a:miter/>
+          </a:ln>
+        </p:spPr>
+        <p:txBody>
+          <a:bodyPr rtlCol="0" anchor="ctr"/>
+          <a:lstStyle/>
+          <a:p>
+            <a:pPr marL="0" marR="0" lvl="0" indent="0" algn="l" defTabSz="914400" rtl="0" eaLnBrk="1" fontAlgn="auto" latinLnBrk="0" hangingPunct="1">
+              <a:lnSpc>
+                <a:spcPct val="100000"/>
+              </a:lnSpc>
+              <a:spcBef>
+                <a:spcPts val="0"/>
+              </a:spcBef>
+              <a:spcAft>
+                <a:spcPts val="0"/>
+              </a:spcAft>
+              <a:buClrTx/>
+              <a:buSzTx/>
+              <a:buFontTx/>
+              <a:buNone/>
+              <a:tabLst/>
+              <a:defRPr/>
+            </a:pPr>
+            <a:endParaRPr kumimoji="0" lang="en-US" sz="1800" b="0" i="0" u="none" strike="noStrike" kern="1200" cap="none" spc="0" normalizeH="0" baseline="0" noProof="0">
+              <a:ln>
+                <a:noFill/>
+              </a:ln>
+              <a:solidFill>
+                <a:prstClr val="black"/>
+              </a:solidFill>
+              <a:effectLst/>
+              <a:uLnTx/>
+              <a:uFillTx/>
+              <a:latin typeface="Univers"/>
+              <a:ea typeface="+mn-ea"/>
+              <a:cs typeface="+mn-cs"/>
+            </a:endParaRPr>
+          </a:p>
+        </p:txBody>
+      </p:sp>
+      <p:sp>
+        <p:nvSpPr>
+          <p:cNvPr id="26" name="Graphic 23">
+            <a:extLst>
+              <a:ext uri="{FF2B5EF4-FFF2-40B4-BE49-F238E27FC236}">
+                <a16:creationId xmlns:a16="http://schemas.microsoft.com/office/drawing/2014/main" id="{3FBAD350-5664-4811-A208-657FB882D350}"/>
+              </a:ext>
+              <a:ext uri="{C183D7F6-B498-43B3-948B-1728B52AA6E4}">
+                <adec:decorative xmlns:adec="http://schemas.microsoft.com/office/drawing/2017/decorative" val="1"/>
+              </a:ext>
+            </a:extLst>
+          </p:cNvPr>
+          <p:cNvSpPr>
+            <a:spLocks noGrp="1" noRot="1" noChangeAspect="1" noMove="1" noResize="1" noEditPoints="1" noAdjustHandles="1" noChangeArrowheads="1" noChangeShapeType="1" noTextEdit="1"/>
+          </p:cNvSpPr>
+          <p:nvPr>
+            <p:extLst>
+              <p:ext uri="{386F3935-93C4-4BCD-93E2-E3B085C9AB24}">
+                <p16:designElem xmlns:p16="http://schemas.microsoft.com/office/powerpoint/2015/main" val="1"/>
+              </p:ext>
+            </p:extLst>
+          </p:nvPr>
+        </p:nvSpPr>
+        <p:spPr>
+          <a:xfrm>
+            <a:off x="11534855" y="1685867"/>
+            <a:ext cx="108625" cy="108625"/>
+          </a:xfrm>
+          <a:custGeom>
+            <a:avLst/>
+            <a:gdLst>
+              <a:gd name="connsiteX0" fmla="*/ 54313 w 108625"/>
+              <a:gd name="connsiteY0" fmla="*/ 16053 h 108625"/>
+              <a:gd name="connsiteX1" fmla="*/ 92572 w 108625"/>
+              <a:gd name="connsiteY1" fmla="*/ 54313 h 108625"/>
+              <a:gd name="connsiteX2" fmla="*/ 54313 w 108625"/>
+              <a:gd name="connsiteY2" fmla="*/ 92572 h 108625"/>
+              <a:gd name="connsiteX3" fmla="*/ 16053 w 108625"/>
+              <a:gd name="connsiteY3" fmla="*/ 54313 h 108625"/>
+              <a:gd name="connsiteX4" fmla="*/ 54313 w 108625"/>
+              <a:gd name="connsiteY4" fmla="*/ 16053 h 108625"/>
+              <a:gd name="connsiteX5" fmla="*/ 54313 w 108625"/>
+              <a:gd name="connsiteY5" fmla="*/ 0 h 108625"/>
+              <a:gd name="connsiteX6" fmla="*/ 0 w 108625"/>
+              <a:gd name="connsiteY6" fmla="*/ 54313 h 108625"/>
+              <a:gd name="connsiteX7" fmla="*/ 54313 w 108625"/>
+              <a:gd name="connsiteY7" fmla="*/ 108625 h 108625"/>
+              <a:gd name="connsiteX8" fmla="*/ 108625 w 108625"/>
+              <a:gd name="connsiteY8" fmla="*/ 54313 h 108625"/>
+              <a:gd name="connsiteX9" fmla="*/ 54313 w 108625"/>
+              <a:gd name="connsiteY9" fmla="*/ 0 h 108625"/>
+            </a:gdLst>
+            <a:ahLst/>
+            <a:cxnLst>
+              <a:cxn ang="0">
+                <a:pos x="connsiteX0" y="connsiteY0"/>
+              </a:cxn>
+              <a:cxn ang="0">
+                <a:pos x="connsiteX1" y="connsiteY1"/>
+              </a:cxn>
+              <a:cxn ang="0">
+                <a:pos x="connsiteX2" y="connsiteY2"/>
+              </a:cxn>
+              <a:cxn ang="0">
+                <a:pos x="connsiteX3" y="connsiteY3"/>
+              </a:cxn>
+              <a:cxn ang="0">
+                <a:pos x="connsiteX4" y="connsiteY4"/>
+              </a:cxn>
+              <a:cxn ang="0">
+                <a:pos x="connsiteX5" y="connsiteY5"/>
+              </a:cxn>
+              <a:cxn ang="0">
+                <a:pos x="connsiteX6" y="connsiteY6"/>
+              </a:cxn>
+              <a:cxn ang="0">
+                <a:pos x="connsiteX7" y="connsiteY7"/>
+              </a:cxn>
+              <a:cxn ang="0">
+                <a:pos x="connsiteX8" y="connsiteY8"/>
+              </a:cxn>
+              <a:cxn ang="0">
+                <a:pos x="connsiteX9" y="connsiteY9"/>
+              </a:cxn>
+            </a:cxnLst>
+            <a:rect l="l" t="t" r="r" b="b"/>
+            <a:pathLst>
+              <a:path w="108625" h="108625">
+                <a:moveTo>
+                  <a:pt x="54313" y="16053"/>
+                </a:moveTo>
+                <a:cubicBezTo>
+                  <a:pt x="75442" y="16053"/>
+                  <a:pt x="92572" y="33182"/>
+                  <a:pt x="92572" y="54313"/>
+                </a:cubicBezTo>
+                <a:cubicBezTo>
+                  <a:pt x="92572" y="75442"/>
+                  <a:pt x="75442" y="92572"/>
+                  <a:pt x="54313" y="92572"/>
+                </a:cubicBezTo>
+                <a:cubicBezTo>
+                  <a:pt x="33182" y="92572"/>
+                  <a:pt x="16053" y="75442"/>
+                  <a:pt x="16053" y="54313"/>
+                </a:cubicBezTo>
+                <a:cubicBezTo>
+                  <a:pt x="16074" y="33191"/>
+                  <a:pt x="33191" y="16074"/>
+                  <a:pt x="54313" y="16053"/>
+                </a:cubicBezTo>
+                <a:moveTo>
+                  <a:pt x="54313" y="0"/>
+                </a:moveTo>
+                <a:cubicBezTo>
+                  <a:pt x="24317" y="0"/>
+                  <a:pt x="0" y="24317"/>
+                  <a:pt x="0" y="54313"/>
+                </a:cubicBezTo>
+                <a:cubicBezTo>
+                  <a:pt x="0" y="84309"/>
+                  <a:pt x="24317" y="108625"/>
+                  <a:pt x="54313" y="108625"/>
+                </a:cubicBezTo>
+                <a:cubicBezTo>
+                  <a:pt x="84309" y="108625"/>
+                  <a:pt x="108625" y="84309"/>
+                  <a:pt x="108625" y="54313"/>
+                </a:cubicBezTo>
+                <a:cubicBezTo>
+                  <a:pt x="108625" y="24317"/>
+                  <a:pt x="84309" y="0"/>
+                  <a:pt x="54313" y="0"/>
+                </a:cubicBezTo>
+                <a:close/>
+              </a:path>
+            </a:pathLst>
+          </a:custGeom>
+          <a:solidFill>
+            <a:srgbClr val="FFFFFF"/>
+          </a:solidFill>
+          <a:ln w="516" cap="flat">
+            <a:noFill/>
+            <a:prstDash val="solid"/>
+            <a:miter/>
+          </a:ln>
+        </p:spPr>
+        <p:txBody>
+          <a:bodyPr rtlCol="0" anchor="ctr"/>
+          <a:lstStyle/>
+          <a:p>
+            <a:pPr marL="0" marR="0" lvl="0" indent="0" algn="l" defTabSz="914400" rtl="0" eaLnBrk="1" fontAlgn="auto" latinLnBrk="0" hangingPunct="1">
+              <a:lnSpc>
+                <a:spcPct val="100000"/>
+              </a:lnSpc>
+              <a:spcBef>
+                <a:spcPts val="0"/>
+              </a:spcBef>
+              <a:spcAft>
+                <a:spcPts val="0"/>
+              </a:spcAft>
+              <a:buClrTx/>
+              <a:buSzTx/>
+              <a:buFontTx/>
+              <a:buNone/>
+              <a:tabLst/>
+              <a:defRPr/>
+            </a:pPr>
+            <a:endParaRPr kumimoji="0" lang="en-US" sz="1800" b="0" i="0" u="none" strike="noStrike" kern="1200" cap="none" spc="0" normalizeH="0" baseline="0" noProof="0">
+              <a:ln>
+                <a:noFill/>
+              </a:ln>
+              <a:solidFill>
+                <a:prstClr val="black"/>
+              </a:solidFill>
+              <a:effectLst/>
+              <a:uLnTx/>
+              <a:uFillTx/>
+              <a:latin typeface="Univers"/>
+              <a:ea typeface="+mn-ea"/>
+              <a:cs typeface="+mn-cs"/>
+            </a:endParaRPr>
+          </a:p>
+        </p:txBody>
+      </p:sp>
+      <p:sp>
+        <p:nvSpPr>
+          <p:cNvPr id="27" name="Graphic 21">
+            <a:extLst>
+              <a:ext uri="{FF2B5EF4-FFF2-40B4-BE49-F238E27FC236}">
+                <a16:creationId xmlns:a16="http://schemas.microsoft.com/office/drawing/2014/main" id="{C39ADB8F-D187-49D7-BDCF-C1B6DC727068}"/>
+              </a:ext>
+              <a:ext uri="{C183D7F6-B498-43B3-948B-1728B52AA6E4}">
+                <adec:decorative xmlns:adec="http://schemas.microsoft.com/office/drawing/2017/decorative" val="1"/>
+              </a:ext>
+            </a:extLst>
+          </p:cNvPr>
+          <p:cNvSpPr>
+            <a:spLocks noGrp="1" noRot="1" noChangeAspect="1" noMove="1" noResize="1" noEditPoints="1" noAdjustHandles="1" noChangeArrowheads="1" noChangeShapeType="1" noTextEdit="1"/>
+          </p:cNvSpPr>
+          <p:nvPr>
+            <p:extLst>
+              <p:ext uri="{386F3935-93C4-4BCD-93E2-E3B085C9AB24}">
+                <p16:designElem xmlns:p16="http://schemas.microsoft.com/office/powerpoint/2015/main" val="1"/>
+              </p:ext>
+            </p:extLst>
+          </p:nvPr>
+        </p:nvSpPr>
+        <p:spPr>
+          <a:xfrm>
+            <a:off x="10987962" y="2175690"/>
+            <a:ext cx="95759" cy="95759"/>
+          </a:xfrm>
+          <a:custGeom>
+            <a:avLst/>
+            <a:gdLst>
+              <a:gd name="connsiteX0" fmla="*/ 95759 w 95759"/>
+              <a:gd name="connsiteY0" fmla="*/ 47880 h 95759"/>
+              <a:gd name="connsiteX1" fmla="*/ 47880 w 95759"/>
+              <a:gd name="connsiteY1" fmla="*/ 95759 h 95759"/>
+              <a:gd name="connsiteX2" fmla="*/ 0 w 95759"/>
+              <a:gd name="connsiteY2" fmla="*/ 47880 h 95759"/>
+              <a:gd name="connsiteX3" fmla="*/ 47880 w 95759"/>
+              <a:gd name="connsiteY3" fmla="*/ 0 h 95759"/>
+              <a:gd name="connsiteX4" fmla="*/ 95759 w 95759"/>
+              <a:gd name="connsiteY4" fmla="*/ 47880 h 95759"/>
+            </a:gdLst>
+            <a:ahLst/>
+            <a:cxnLst>
+              <a:cxn ang="0">
+                <a:pos x="connsiteX0" y="connsiteY0"/>
+              </a:cxn>
+              <a:cxn ang="0">
+                <a:pos x="connsiteX1" y="connsiteY1"/>
+              </a:cxn>
+              <a:cxn ang="0">
+                <a:pos x="connsiteX2" y="connsiteY2"/>
+              </a:cxn>
+              <a:cxn ang="0">
+                <a:pos x="connsiteX3" y="connsiteY3"/>
+              </a:cxn>
+              <a:cxn ang="0">
+                <a:pos x="connsiteX4" y="connsiteY4"/>
+              </a:cxn>
+            </a:cxnLst>
+            <a:rect l="l" t="t" r="r" b="b"/>
+            <a:pathLst>
+              <a:path w="95759" h="95759">
+                <a:moveTo>
+                  <a:pt x="95759" y="47880"/>
+                </a:moveTo>
+                <a:cubicBezTo>
+                  <a:pt x="95759" y="74323"/>
+                  <a:pt x="74323" y="95759"/>
+                  <a:pt x="47880" y="95759"/>
+                </a:cubicBezTo>
+                <a:cubicBezTo>
+                  <a:pt x="21436" y="95759"/>
+                  <a:pt x="0" y="74323"/>
+                  <a:pt x="0" y="47880"/>
+                </a:cubicBezTo>
+                <a:cubicBezTo>
+                  <a:pt x="0" y="21436"/>
+                  <a:pt x="21436" y="0"/>
+                  <a:pt x="47880" y="0"/>
+                </a:cubicBezTo>
+                <a:cubicBezTo>
+                  <a:pt x="74323" y="0"/>
+                  <a:pt x="95759" y="21436"/>
+                  <a:pt x="95759" y="47880"/>
+                </a:cubicBezTo>
+                <a:close/>
+              </a:path>
+            </a:pathLst>
+          </a:custGeom>
+          <a:solidFill>
+            <a:srgbClr val="FFFFFF"/>
+          </a:solidFill>
+          <a:ln w="469" cap="flat">
+            <a:noFill/>
+            <a:prstDash val="solid"/>
+            <a:miter/>
+          </a:ln>
+        </p:spPr>
+        <p:txBody>
+          <a:bodyPr rtlCol="0" anchor="ctr"/>
+          <a:lstStyle/>
+          <a:p>
+            <a:pPr marL="0" marR="0" lvl="0" indent="0" algn="l" defTabSz="914400" rtl="0" eaLnBrk="1" fontAlgn="auto" latinLnBrk="0" hangingPunct="1">
+              <a:lnSpc>
+                <a:spcPct val="100000"/>
+              </a:lnSpc>
+              <a:spcBef>
+                <a:spcPts val="0"/>
+              </a:spcBef>
+              <a:spcAft>
+                <a:spcPts val="0"/>
+              </a:spcAft>
+              <a:buClrTx/>
+              <a:buSzTx/>
+              <a:buFontTx/>
+              <a:buNone/>
+              <a:tabLst/>
+              <a:defRPr/>
+            </a:pPr>
+            <a:endParaRPr kumimoji="0" lang="en-US" sz="1800" b="0" i="0" u="none" strike="noStrike" kern="1200" cap="none" spc="0" normalizeH="0" baseline="0" noProof="0">
+              <a:ln>
+                <a:noFill/>
+              </a:ln>
+              <a:solidFill>
+                <a:prstClr val="black"/>
+              </a:solidFill>
+              <a:effectLst/>
+              <a:uLnTx/>
+              <a:uFillTx/>
+              <a:latin typeface="Univers"/>
+              <a:ea typeface="+mn-ea"/>
+              <a:cs typeface="+mn-cs"/>
+            </a:endParaRPr>
+          </a:p>
+        </p:txBody>
+      </p:sp>
+    </p:spTree>
+    <p:extLst>
+      <p:ext uri="{BB962C8B-B14F-4D97-AF65-F5344CB8AC3E}">
+        <p14:creationId xmlns:p14="http://schemas.microsoft.com/office/powerpoint/2010/main" val="4294801886"/>
+      </p:ext>
+    </p:extLst>
+  </p:cSld>
+  <p:clrMapOvr>
+    <a:masterClrMapping/>
+  </p:clrMapOvr>
+</p:sld>
+</file>
+
+<file path=ppt/slides/slide8.xml><?xml version="1.0" encoding="utf-8"?>
+<p:sld xmlns:a="http://schemas.openxmlformats.org/drawingml/2006/main" xmlns:r="http://schemas.openxmlformats.org/officeDocument/2006/relationships" xmlns:p="http://schemas.openxmlformats.org/presentationml/2006/main">
+  <p:cSld>
+    <p:bg>
+      <p:bgPr>
+        <a:solidFill>
+          <a:schemeClr val="bg1"/>
+        </a:solidFill>
+        <a:effectLst/>
+      </p:bgPr>
+    </p:bg>
+    <p:spTree>
+      <p:nvGrpSpPr>
+        <p:cNvPr id="1" name=""/>
+        <p:cNvGrpSpPr/>
+        <p:nvPr/>
+      </p:nvGrpSpPr>
+      <p:grpSpPr>
+        <a:xfrm>
+          <a:off x="0" y="0"/>
+          <a:ext cx="0" cy="0"/>
+          <a:chOff x="0" y="0"/>
+          <a:chExt cx="0" cy="0"/>
+        </a:xfrm>
+      </p:grpSpPr>
+      <p:cxnSp>
+        <p:nvCxnSpPr>
+          <p:cNvPr id="10" name="Straight Connector 9">
+            <a:extLst>
+              <a:ext uri="{FF2B5EF4-FFF2-40B4-BE49-F238E27FC236}">
+                <a16:creationId xmlns:a16="http://schemas.microsoft.com/office/drawing/2014/main" id="{D1B787A8-0D67-4B7E-9B48-86BD906AB6B5}"/>
+              </a:ext>
+              <a:ext uri="{C183D7F6-B498-43B3-948B-1728B52AA6E4}">
+                <adec:decorative xmlns:adec="http://schemas.microsoft.com/office/drawing/2017/decorative" val="1"/>
+              </a:ext>
+            </a:extLst>
+          </p:cNvPr>
+          <p:cNvCxnSpPr>
+            <a:cxnSpLocks noGrp="1" noRot="1" noChangeAspect="1" noMove="1" noResize="1" noEditPoints="1" noAdjustHandles="1" noChangeArrowheads="1" noChangeShapeType="1"/>
+          </p:cNvCxnSpPr>
+          <p:nvPr>
+            <p:extLst>
+              <p:ext uri="{386F3935-93C4-4BCD-93E2-E3B085C9AB24}">
+                <p16:designElem xmlns:p16="http://schemas.microsoft.com/office/powerpoint/2015/main" val="1"/>
+              </p:ext>
+            </p:extLst>
+          </p:nvPr>
+        </p:nvCxnSpPr>
+        <p:spPr>
+          <a:xfrm>
+            <a:off x="715890" y="1114050"/>
+            <a:ext cx="0" cy="5735637"/>
+          </a:xfrm>
+          <a:prstGeom prst="line">
+            <a:avLst/>
+          </a:prstGeom>
+          <a:ln w="25400" cap="sq">
+            <a:gradFill flip="none" rotWithShape="1">
+              <a:gsLst>
+                <a:gs pos="0">
+                  <a:schemeClr val="accent2"/>
+                </a:gs>
+                <a:gs pos="100000">
+                  <a:schemeClr val="accent4"/>
+                </a:gs>
+              </a:gsLst>
+              <a:lin ang="16200000" scaled="1"/>
+              <a:tileRect/>
+            </a:gradFill>
+            <a:bevel/>
+          </a:ln>
+        </p:spPr>
+        <p:style>
+          <a:lnRef idx="1">
+            <a:schemeClr val="accent1"/>
+          </a:lnRef>
+          <a:fillRef idx="0">
+            <a:schemeClr val="accent1"/>
+          </a:fillRef>
+          <a:effectRef idx="0">
+            <a:schemeClr val="accent1"/>
+          </a:effectRef>
+          <a:fontRef idx="minor">
+            <a:schemeClr val="tx1"/>
+          </a:fontRef>
+        </p:style>
+      </p:cxnSp>
+      <p:sp>
+        <p:nvSpPr>
+          <p:cNvPr id="12" name="Rectangle 11">
+            <a:extLst>
+              <a:ext uri="{FF2B5EF4-FFF2-40B4-BE49-F238E27FC236}">
+                <a16:creationId xmlns:a16="http://schemas.microsoft.com/office/drawing/2014/main" id="{158B3569-73B2-4D05-8E95-886A6EE17F1F}"/>
+              </a:ext>
+              <a:ext uri="{C183D7F6-B498-43B3-948B-1728B52AA6E4}">
+                <adec:decorative xmlns:adec="http://schemas.microsoft.com/office/drawing/2017/decorative" val="1"/>
+              </a:ext>
+            </a:extLst>
+          </p:cNvPr>
+          <p:cNvSpPr>
+            <a:spLocks noGrp="1" noRot="1" noChangeAspect="1" noMove="1" noResize="1" noEditPoints="1" noAdjustHandles="1" noChangeArrowheads="1" noChangeShapeType="1" noTextEdit="1"/>
+          </p:cNvSpPr>
+          <p:nvPr>
+            <p:extLst>
+              <p:ext uri="{386F3935-93C4-4BCD-93E2-E3B085C9AB24}">
+                <p16:designElem xmlns:p16="http://schemas.microsoft.com/office/powerpoint/2015/main" val="1"/>
+              </p:ext>
+            </p:extLst>
+          </p:nvPr>
+        </p:nvSpPr>
+        <p:spPr>
+          <a:xfrm>
+            <a:off x="0" y="0"/>
+            <a:ext cx="12192000" cy="6858000"/>
+          </a:xfrm>
+          <a:prstGeom prst="rect">
+            <a:avLst/>
+          </a:prstGeom>
+          <a:gradFill flip="none" rotWithShape="1">
+            <a:gsLst>
+              <a:gs pos="100000">
+                <a:schemeClr val="accent4"/>
+              </a:gs>
+              <a:gs pos="0">
+                <a:schemeClr val="accent2"/>
+              </a:gs>
+            </a:gsLst>
+            <a:lin ang="2700000" scaled="1"/>
+            <a:tileRect/>
+          </a:gradFill>
+          <a:ln>
+            <a:noFill/>
+          </a:ln>
+        </p:spPr>
+        <p:style>
+          <a:lnRef idx="2">
+            <a:schemeClr val="accent1">
+              <a:shade val="50000"/>
+            </a:schemeClr>
+          </a:lnRef>
+          <a:fillRef idx="1">
+            <a:schemeClr val="accent1"/>
+          </a:fillRef>
+          <a:effectRef idx="0">
+            <a:schemeClr val="accent1"/>
+          </a:effectRef>
+          <a:fontRef idx="minor">
+            <a:schemeClr val="lt1"/>
+          </a:fontRef>
+        </p:style>
+        <p:txBody>
+          <a:bodyPr rtlCol="0" anchor="ctr"/>
+          <a:lstStyle/>
+          <a:p>
+            <a:pPr algn="ctr"/>
+            <a:endParaRPr lang="en-US"/>
+          </a:p>
+        </p:txBody>
+      </p:sp>
+      <p:sp>
+        <p:nvSpPr>
+          <p:cNvPr id="2" name="Título 1">
+            <a:extLst>
+              <a:ext uri="{FF2B5EF4-FFF2-40B4-BE49-F238E27FC236}">
+                <a16:creationId xmlns:a16="http://schemas.microsoft.com/office/drawing/2014/main" id="{A73A657F-AB3E-7586-9697-7B25F92BC3D7}"/>
+              </a:ext>
+            </a:extLst>
+          </p:cNvPr>
+          <p:cNvSpPr>
+            <a:spLocks noGrp="1"/>
+          </p:cNvSpPr>
+          <p:nvPr>
+            <p:ph type="title"/>
+          </p:nvPr>
+        </p:nvSpPr>
+        <p:spPr>
+          <a:xfrm>
+            <a:off x="457200" y="1598246"/>
+            <a:ext cx="4412419" cy="3626217"/>
+          </a:xfrm>
+        </p:spPr>
+        <p:txBody>
+          <a:bodyPr vert="horz" lIns="91440" tIns="45720" rIns="91440" bIns="45720" rtlCol="0" anchor="t">
+            <a:normAutofit/>
+          </a:bodyPr>
+          <a:lstStyle/>
+          <a:p>
+            <a:pPr algn="r"/>
+            <a:r>
+              <a:rPr lang="en-US" sz="6200" b="1" i="0" kern="1200" cap="all" baseline="0" dirty="0">
+                <a:solidFill>
+                  <a:schemeClr val="bg1"/>
+                </a:solidFill>
+                <a:latin typeface="+mj-lt"/>
+                <a:ea typeface="+mj-ea"/>
+                <a:cs typeface="+mj-cs"/>
+              </a:rPr>
+              <a:t>¿Que es Tailwind </a:t>
+            </a:r>
+            <a:r>
+              <a:rPr lang="en-US" sz="6200" b="1" i="0" kern="1200" cap="all" baseline="0" dirty="0" err="1">
+                <a:solidFill>
+                  <a:schemeClr val="bg1"/>
+                </a:solidFill>
+                <a:latin typeface="+mj-lt"/>
+                <a:ea typeface="+mj-ea"/>
+                <a:cs typeface="+mj-cs"/>
+              </a:rPr>
+              <a:t>css</a:t>
+            </a:r>
+            <a:r>
+              <a:rPr lang="en-US" sz="6200" b="1" i="0" kern="1200" cap="all" baseline="0" dirty="0">
+                <a:solidFill>
+                  <a:schemeClr val="bg1"/>
+                </a:solidFill>
+                <a:latin typeface="+mj-lt"/>
+                <a:ea typeface="+mj-ea"/>
+                <a:cs typeface="+mj-cs"/>
+              </a:rPr>
+              <a:t>?</a:t>
+            </a:r>
+            <a:br>
+              <a:rPr lang="en-US" sz="6200" b="1" i="0" kern="1200" cap="all" baseline="0" dirty="0">
+                <a:solidFill>
+                  <a:schemeClr val="bg1"/>
+                </a:solidFill>
+                <a:latin typeface="+mj-lt"/>
+                <a:ea typeface="+mj-ea"/>
+                <a:cs typeface="+mj-cs"/>
+              </a:rPr>
+            </a:br>
+            <a:endParaRPr lang="en-US" sz="6200" b="1" i="0" kern="1200" cap="all" baseline="0" dirty="0">
+              <a:solidFill>
+                <a:schemeClr val="bg1"/>
+              </a:solidFill>
+              <a:latin typeface="+mj-lt"/>
+              <a:ea typeface="+mj-ea"/>
+              <a:cs typeface="+mj-cs"/>
+            </a:endParaRPr>
+          </a:p>
+        </p:txBody>
+      </p:sp>
+      <p:sp>
+        <p:nvSpPr>
+          <p:cNvPr id="14" name="Graphic 17">
+            <a:extLst>
+              <a:ext uri="{FF2B5EF4-FFF2-40B4-BE49-F238E27FC236}">
+                <a16:creationId xmlns:a16="http://schemas.microsoft.com/office/drawing/2014/main" id="{B71758F4-3F46-45DA-8AC5-4E508DA080BA}"/>
+              </a:ext>
+              <a:ext uri="{C183D7F6-B498-43B3-948B-1728B52AA6E4}">
+                <adec:decorative xmlns:adec="http://schemas.microsoft.com/office/drawing/2017/decorative" val="1"/>
+              </a:ext>
+            </a:extLst>
+          </p:cNvPr>
+          <p:cNvSpPr>
+            <a:spLocks noGrp="1" noRot="1" noChangeAspect="1" noMove="1" noResize="1" noEditPoints="1" noAdjustHandles="1" noChangeArrowheads="1" noChangeShapeType="1" noTextEdit="1"/>
+          </p:cNvSpPr>
+          <p:nvPr>
+            <p:extLst>
+              <p:ext uri="{386F3935-93C4-4BCD-93E2-E3B085C9AB24}">
+                <p16:designElem xmlns:p16="http://schemas.microsoft.com/office/powerpoint/2015/main" val="1"/>
+              </p:ext>
+            </p:extLst>
+          </p:nvPr>
+        </p:nvSpPr>
+        <p:spPr>
+          <a:xfrm>
+            <a:off x="11512034" y="1267063"/>
+            <a:ext cx="139037" cy="139039"/>
+          </a:xfrm>
+          <a:custGeom>
+            <a:avLst/>
+            <a:gdLst>
+              <a:gd name="connsiteX0" fmla="*/ 129600 w 139037"/>
+              <a:gd name="connsiteY0" fmla="*/ 60082 h 139039"/>
+              <a:gd name="connsiteX1" fmla="*/ 78955 w 139037"/>
+              <a:gd name="connsiteY1" fmla="*/ 60082 h 139039"/>
+              <a:gd name="connsiteX2" fmla="*/ 78955 w 139037"/>
+              <a:gd name="connsiteY2" fmla="*/ 9437 h 139039"/>
+              <a:gd name="connsiteX3" fmla="*/ 69519 w 139037"/>
+              <a:gd name="connsiteY3" fmla="*/ 0 h 139039"/>
+              <a:gd name="connsiteX4" fmla="*/ 60082 w 139037"/>
+              <a:gd name="connsiteY4" fmla="*/ 9437 h 139039"/>
+              <a:gd name="connsiteX5" fmla="*/ 60082 w 139037"/>
+              <a:gd name="connsiteY5" fmla="*/ 60082 h 139039"/>
+              <a:gd name="connsiteX6" fmla="*/ 9437 w 139037"/>
+              <a:gd name="connsiteY6" fmla="*/ 60082 h 139039"/>
+              <a:gd name="connsiteX7" fmla="*/ 0 w 139037"/>
+              <a:gd name="connsiteY7" fmla="*/ 69520 h 139039"/>
+              <a:gd name="connsiteX8" fmla="*/ 9437 w 139037"/>
+              <a:gd name="connsiteY8" fmla="*/ 78957 h 139039"/>
+              <a:gd name="connsiteX9" fmla="*/ 60082 w 139037"/>
+              <a:gd name="connsiteY9" fmla="*/ 78957 h 139039"/>
+              <a:gd name="connsiteX10" fmla="*/ 60082 w 139037"/>
+              <a:gd name="connsiteY10" fmla="*/ 129602 h 139039"/>
+              <a:gd name="connsiteX11" fmla="*/ 69519 w 139037"/>
+              <a:gd name="connsiteY11" fmla="*/ 139039 h 139039"/>
+              <a:gd name="connsiteX12" fmla="*/ 78955 w 139037"/>
+              <a:gd name="connsiteY12" fmla="*/ 129602 h 139039"/>
+              <a:gd name="connsiteX13" fmla="*/ 78955 w 139037"/>
+              <a:gd name="connsiteY13" fmla="*/ 78957 h 139039"/>
+              <a:gd name="connsiteX14" fmla="*/ 129600 w 139037"/>
+              <a:gd name="connsiteY14" fmla="*/ 78957 h 139039"/>
+              <a:gd name="connsiteX15" fmla="*/ 139037 w 139037"/>
+              <a:gd name="connsiteY15" fmla="*/ 69520 h 139039"/>
+              <a:gd name="connsiteX16" fmla="*/ 129600 w 139037"/>
+              <a:gd name="connsiteY16" fmla="*/ 60082 h 139039"/>
+            </a:gdLst>
+            <a:ahLst/>
+            <a:cxnLst>
+              <a:cxn ang="0">
+                <a:pos x="connsiteX0" y="connsiteY0"/>
+              </a:cxn>
+              <a:cxn ang="0">
+                <a:pos x="connsiteX1" y="connsiteY1"/>
+              </a:cxn>
+              <a:cxn ang="0">
+                <a:pos x="connsiteX2" y="connsiteY2"/>
+              </a:cxn>
+              <a:cxn ang="0">
+                <a:pos x="connsiteX3" y="connsiteY3"/>
+              </a:cxn>
+              <a:cxn ang="0">
+                <a:pos x="connsiteX4" y="connsiteY4"/>
+              </a:cxn>
+              <a:cxn ang="0">
+                <a:pos x="connsiteX5" y="connsiteY5"/>
+              </a:cxn>
+              <a:cxn ang="0">
+                <a:pos x="connsiteX6" y="connsiteY6"/>
+              </a:cxn>
+              <a:cxn ang="0">
+                <a:pos x="connsiteX7" y="connsiteY7"/>
+              </a:cxn>
+              <a:cxn ang="0">
+                <a:pos x="connsiteX8" y="connsiteY8"/>
+              </a:cxn>
+              <a:cxn ang="0">
+                <a:pos x="connsiteX9" y="connsiteY9"/>
+              </a:cxn>
+              <a:cxn ang="0">
+                <a:pos x="connsiteX10" y="connsiteY10"/>
+              </a:cxn>
+              <a:cxn ang="0">
+                <a:pos x="connsiteX11" y="connsiteY11"/>
+              </a:cxn>
+              <a:cxn ang="0">
+                <a:pos x="connsiteX12" y="connsiteY12"/>
+              </a:cxn>
+              <a:cxn ang="0">
+                <a:pos x="connsiteX13" y="connsiteY13"/>
+              </a:cxn>
+              <a:cxn ang="0">
+                <a:pos x="connsiteX14" y="connsiteY14"/>
+              </a:cxn>
+              <a:cxn ang="0">
+                <a:pos x="connsiteX15" y="connsiteY15"/>
+              </a:cxn>
+              <a:cxn ang="0">
+                <a:pos x="connsiteX16" y="connsiteY16"/>
+              </a:cxn>
+            </a:cxnLst>
+            <a:rect l="l" t="t" r="r" b="b"/>
+            <a:pathLst>
+              <a:path w="139037" h="139039">
+                <a:moveTo>
+                  <a:pt x="129600" y="60082"/>
+                </a:moveTo>
+                <a:lnTo>
+                  <a:pt x="78955" y="60082"/>
+                </a:lnTo>
+                <a:lnTo>
+                  <a:pt x="78955" y="9437"/>
+                </a:lnTo>
+                <a:cubicBezTo>
+                  <a:pt x="78955" y="4225"/>
+                  <a:pt x="74730" y="0"/>
+                  <a:pt x="69519" y="0"/>
+                </a:cubicBezTo>
+                <a:cubicBezTo>
+                  <a:pt x="64307" y="0"/>
+                  <a:pt x="60082" y="4225"/>
+                  <a:pt x="60082" y="9437"/>
+                </a:cubicBezTo>
+                <a:lnTo>
+                  <a:pt x="60082" y="60082"/>
+                </a:lnTo>
+                <a:lnTo>
+                  <a:pt x="9437" y="60082"/>
+                </a:lnTo>
+                <a:cubicBezTo>
+                  <a:pt x="4225" y="60082"/>
+                  <a:pt x="0" y="64308"/>
+                  <a:pt x="0" y="69520"/>
+                </a:cubicBezTo>
+                <a:cubicBezTo>
+                  <a:pt x="0" y="74731"/>
+                  <a:pt x="4225" y="78957"/>
+                  <a:pt x="9437" y="78957"/>
+                </a:cubicBezTo>
+                <a:lnTo>
+                  <a:pt x="60082" y="78957"/>
+                </a:lnTo>
+                <a:lnTo>
+                  <a:pt x="60082" y="129602"/>
+                </a:lnTo>
+                <a:cubicBezTo>
+                  <a:pt x="60082" y="134814"/>
+                  <a:pt x="64307" y="139039"/>
+                  <a:pt x="69519" y="139039"/>
+                </a:cubicBezTo>
+                <a:cubicBezTo>
+                  <a:pt x="74730" y="139039"/>
+                  <a:pt x="78955" y="134814"/>
+                  <a:pt x="78955" y="129602"/>
+                </a:cubicBezTo>
+                <a:lnTo>
+                  <a:pt x="78955" y="78957"/>
+                </a:lnTo>
+                <a:lnTo>
+                  <a:pt x="129600" y="78957"/>
+                </a:lnTo>
+                <a:cubicBezTo>
+                  <a:pt x="134812" y="78957"/>
+                  <a:pt x="139037" y="74731"/>
+                  <a:pt x="139037" y="69520"/>
+                </a:cubicBezTo>
+                <a:cubicBezTo>
+                  <a:pt x="139037" y="64308"/>
+                  <a:pt x="134812" y="60082"/>
+                  <a:pt x="129600" y="60082"/>
+                </a:cubicBezTo>
+                <a:close/>
+              </a:path>
+            </a:pathLst>
+          </a:custGeom>
+          <a:solidFill>
+            <a:schemeClr val="bg1"/>
+          </a:solidFill>
+          <a:ln w="603" cap="flat">
+            <a:noFill/>
+            <a:prstDash val="solid"/>
+            <a:miter/>
+          </a:ln>
+        </p:spPr>
+        <p:txBody>
+          <a:bodyPr rtlCol="0" anchor="ctr"/>
+          <a:lstStyle/>
+          <a:p>
+            <a:endParaRPr lang="en-US"/>
+          </a:p>
+        </p:txBody>
+      </p:sp>
+      <p:cxnSp>
+        <p:nvCxnSpPr>
+          <p:cNvPr id="16" name="Straight Connector 15">
+            <a:extLst>
+              <a:ext uri="{FF2B5EF4-FFF2-40B4-BE49-F238E27FC236}">
+                <a16:creationId xmlns:a16="http://schemas.microsoft.com/office/drawing/2014/main" id="{56020367-4FD5-4596-8E10-C5F095CD8DBF}"/>
+              </a:ext>
+              <a:ext uri="{C183D7F6-B498-43B3-948B-1728B52AA6E4}">
+                <adec:decorative xmlns:adec="http://schemas.microsoft.com/office/drawing/2017/decorative" val="1"/>
+              </a:ext>
+            </a:extLst>
+          </p:cNvPr>
+          <p:cNvCxnSpPr>
+            <a:cxnSpLocks noGrp="1" noRot="1" noChangeAspect="1" noMove="1" noResize="1" noEditPoints="1" noAdjustHandles="1" noChangeArrowheads="1" noChangeShapeType="1"/>
+          </p:cNvCxnSpPr>
+          <p:nvPr>
+            <p:extLst>
+              <p:ext uri="{386F3935-93C4-4BCD-93E2-E3B085C9AB24}">
+                <p16:designElem xmlns:p16="http://schemas.microsoft.com/office/powerpoint/2015/main" val="1"/>
+              </p:ext>
+            </p:extLst>
+          </p:nvPr>
+        </p:nvCxnSpPr>
+        <p:spPr>
+          <a:xfrm>
+            <a:off x="5447322" y="1589368"/>
+            <a:ext cx="0" cy="5259754"/>
+          </a:xfrm>
+          <a:prstGeom prst="line">
+            <a:avLst/>
+          </a:prstGeom>
+          <a:ln w="25400" cap="sq">
+            <a:solidFill>
+              <a:schemeClr val="bg1"/>
+            </a:solidFill>
+            <a:bevel/>
+          </a:ln>
+        </p:spPr>
+        <p:style>
+          <a:lnRef idx="1">
+            <a:schemeClr val="accent1"/>
+          </a:lnRef>
+          <a:fillRef idx="0">
+            <a:schemeClr val="accent1"/>
+          </a:fillRef>
+          <a:effectRef idx="0">
+            <a:schemeClr val="accent1"/>
+          </a:effectRef>
+          <a:fontRef idx="minor">
+            <a:schemeClr val="tx1"/>
+          </a:fontRef>
+        </p:style>
+      </p:cxnSp>
+      <p:pic>
+        <p:nvPicPr>
+          <p:cNvPr id="7" name="Graphic 6" descr="Preguntas">
+            <a:extLst>
+              <a:ext uri="{FF2B5EF4-FFF2-40B4-BE49-F238E27FC236}">
+                <a16:creationId xmlns:a16="http://schemas.microsoft.com/office/drawing/2014/main" id="{4370A73F-19F6-D9A6-7704-768EFC26DC56}"/>
+              </a:ext>
+            </a:extLst>
+          </p:cNvPr>
+          <p:cNvPicPr>
+            <a:picLocks noChangeAspect="1"/>
+          </p:cNvPicPr>
+          <p:nvPr/>
+        </p:nvPicPr>
+        <p:blipFill>
+          <a:blip r:embed="rId2">
+            <a:extLst>
+              <a:ext uri="{28A0092B-C50C-407E-A947-70E740481C1C}">
+                <a14:useLocalDpi xmlns:a14="http://schemas.microsoft.com/office/drawing/2010/main" val="0"/>
+              </a:ext>
+              <a:ext uri="{96DAC541-7B7A-43D3-8B79-37D633B846F1}">
+                <asvg:svgBlip xmlns:asvg="http://schemas.microsoft.com/office/drawing/2016/SVG/main" r:embed="rId3"/>
+              </a:ext>
+            </a:extLst>
+          </a:blip>
+          <a:stretch>
+            <a:fillRect/>
+          </a:stretch>
+        </p:blipFill>
+        <p:spPr>
+          <a:xfrm>
+            <a:off x="6380106" y="1598246"/>
+            <a:ext cx="4783504" cy="4783504"/>
+          </a:xfrm>
+          <a:prstGeom prst="rect">
+            <a:avLst/>
+          </a:prstGeom>
+        </p:spPr>
+      </p:pic>
+      <p:sp>
+        <p:nvSpPr>
+          <p:cNvPr id="18" name="Graphic 21">
+            <a:extLst>
+              <a:ext uri="{FF2B5EF4-FFF2-40B4-BE49-F238E27FC236}">
+                <a16:creationId xmlns:a16="http://schemas.microsoft.com/office/drawing/2014/main" id="{8D61482F-F3C5-4D66-8C5D-C6BBE3E1275C}"/>
+              </a:ext>
+              <a:ext uri="{C183D7F6-B498-43B3-948B-1728B52AA6E4}">
+                <adec:decorative xmlns:adec="http://schemas.microsoft.com/office/drawing/2017/decorative" val="1"/>
+              </a:ext>
+            </a:extLst>
+          </p:cNvPr>
+          <p:cNvSpPr>
+            <a:spLocks noGrp="1" noRot="1" noChangeAspect="1" noMove="1" noResize="1" noEditPoints="1" noAdjustHandles="1" noChangeArrowheads="1" noChangeShapeType="1" noTextEdit="1"/>
+          </p:cNvSpPr>
+          <p:nvPr>
+            <p:extLst>
+              <p:ext uri="{386F3935-93C4-4BCD-93E2-E3B085C9AB24}">
+                <p16:designElem xmlns:p16="http://schemas.microsoft.com/office/powerpoint/2015/main" val="1"/>
+              </p:ext>
+            </p:extLst>
+          </p:nvPr>
+        </p:nvSpPr>
+        <p:spPr>
+          <a:xfrm>
+            <a:off x="11752801" y="1659316"/>
+            <a:ext cx="127713" cy="127714"/>
+          </a:xfrm>
+          <a:custGeom>
+            <a:avLst/>
+            <a:gdLst>
+              <a:gd name="connsiteX0" fmla="*/ 63857 w 127713"/>
+              <a:gd name="connsiteY0" fmla="*/ 18874 h 127714"/>
+              <a:gd name="connsiteX1" fmla="*/ 108839 w 127713"/>
+              <a:gd name="connsiteY1" fmla="*/ 63857 h 127714"/>
+              <a:gd name="connsiteX2" fmla="*/ 63857 w 127713"/>
+              <a:gd name="connsiteY2" fmla="*/ 108840 h 127714"/>
+              <a:gd name="connsiteX3" fmla="*/ 18874 w 127713"/>
+              <a:gd name="connsiteY3" fmla="*/ 63857 h 127714"/>
+              <a:gd name="connsiteX4" fmla="*/ 63857 w 127713"/>
+              <a:gd name="connsiteY4" fmla="*/ 18874 h 127714"/>
+              <a:gd name="connsiteX5" fmla="*/ 63857 w 127713"/>
+              <a:gd name="connsiteY5" fmla="*/ 0 h 127714"/>
+              <a:gd name="connsiteX6" fmla="*/ 0 w 127713"/>
+              <a:gd name="connsiteY6" fmla="*/ 63857 h 127714"/>
+              <a:gd name="connsiteX7" fmla="*/ 63857 w 127713"/>
+              <a:gd name="connsiteY7" fmla="*/ 127714 h 127714"/>
+              <a:gd name="connsiteX8" fmla="*/ 127713 w 127713"/>
+              <a:gd name="connsiteY8" fmla="*/ 63857 h 127714"/>
+              <a:gd name="connsiteX9" fmla="*/ 63857 w 127713"/>
+              <a:gd name="connsiteY9" fmla="*/ 0 h 127714"/>
+            </a:gdLst>
+            <a:ahLst/>
+            <a:cxnLst>
+              <a:cxn ang="0">
+                <a:pos x="connsiteX0" y="connsiteY0"/>
+              </a:cxn>
+              <a:cxn ang="0">
+                <a:pos x="connsiteX1" y="connsiteY1"/>
+              </a:cxn>
+              <a:cxn ang="0">
+                <a:pos x="connsiteX2" y="connsiteY2"/>
+              </a:cxn>
+              <a:cxn ang="0">
+                <a:pos x="connsiteX3" y="connsiteY3"/>
+              </a:cxn>
+              <a:cxn ang="0">
+                <a:pos x="connsiteX4" y="connsiteY4"/>
+              </a:cxn>
+              <a:cxn ang="0">
+                <a:pos x="connsiteX5" y="connsiteY5"/>
+              </a:cxn>
+              <a:cxn ang="0">
+                <a:pos x="connsiteX6" y="connsiteY6"/>
+              </a:cxn>
+              <a:cxn ang="0">
+                <a:pos x="connsiteX7" y="connsiteY7"/>
+              </a:cxn>
+              <a:cxn ang="0">
+                <a:pos x="connsiteX8" y="connsiteY8"/>
+              </a:cxn>
+              <a:cxn ang="0">
+                <a:pos x="connsiteX9" y="connsiteY9"/>
+              </a:cxn>
+            </a:cxnLst>
+            <a:rect l="l" t="t" r="r" b="b"/>
+            <a:pathLst>
+              <a:path w="127713" h="127714">
+                <a:moveTo>
+                  <a:pt x="63857" y="18874"/>
+                </a:moveTo>
+                <a:cubicBezTo>
+                  <a:pt x="88700" y="18874"/>
+                  <a:pt x="108839" y="39014"/>
+                  <a:pt x="108839" y="63857"/>
+                </a:cubicBezTo>
+                <a:cubicBezTo>
+                  <a:pt x="108839" y="88700"/>
+                  <a:pt x="88700" y="108840"/>
+                  <a:pt x="63857" y="108840"/>
+                </a:cubicBezTo>
+                <a:cubicBezTo>
+                  <a:pt x="39013" y="108840"/>
+                  <a:pt x="18874" y="88700"/>
+                  <a:pt x="18874" y="63857"/>
+                </a:cubicBezTo>
+                <a:cubicBezTo>
+                  <a:pt x="18898" y="39024"/>
+                  <a:pt x="39023" y="18898"/>
+                  <a:pt x="63857" y="18874"/>
+                </a:cubicBezTo>
+                <a:moveTo>
+                  <a:pt x="63857" y="0"/>
+                </a:moveTo>
+                <a:cubicBezTo>
+                  <a:pt x="28590" y="0"/>
+                  <a:pt x="0" y="28590"/>
+                  <a:pt x="0" y="63857"/>
+                </a:cubicBezTo>
+                <a:cubicBezTo>
+                  <a:pt x="0" y="99124"/>
+                  <a:pt x="28590" y="127714"/>
+                  <a:pt x="63857" y="127714"/>
+                </a:cubicBezTo>
+                <a:cubicBezTo>
+                  <a:pt x="99124" y="127714"/>
+                  <a:pt x="127713" y="99124"/>
+                  <a:pt x="127713" y="63857"/>
+                </a:cubicBezTo>
+                <a:cubicBezTo>
+                  <a:pt x="127713" y="28590"/>
+                  <a:pt x="99124" y="0"/>
+                  <a:pt x="63857" y="0"/>
+                </a:cubicBezTo>
+                <a:close/>
+              </a:path>
+            </a:pathLst>
+          </a:custGeom>
+          <a:solidFill>
+            <a:schemeClr val="bg1"/>
+          </a:solidFill>
+          <a:ln w="610" cap="flat">
+            <a:noFill/>
+            <a:prstDash val="solid"/>
+            <a:miter/>
+          </a:ln>
+        </p:spPr>
+        <p:txBody>
+          <a:bodyPr rtlCol="0" anchor="ctr"/>
+          <a:lstStyle/>
+          <a:p>
+            <a:endParaRPr lang="en-US"/>
+          </a:p>
+        </p:txBody>
+      </p:sp>
+    </p:spTree>
+    <p:extLst>
+      <p:ext uri="{BB962C8B-B14F-4D97-AF65-F5344CB8AC3E}">
+        <p14:creationId xmlns:p14="http://schemas.microsoft.com/office/powerpoint/2010/main" val="1463321429"/>
+      </p:ext>
+    </p:extLst>
+  </p:cSld>
+  <p:clrMapOvr>
+    <a:masterClrMapping/>
+  </p:clrMapOvr>
+</p:sld>
+</file>
+
+<file path=ppt/slides/slide9.xml><?xml version="1.0" encoding="utf-8"?>
+<p:sld xmlns:a="http://schemas.openxmlformats.org/drawingml/2006/main" xmlns:r="http://schemas.openxmlformats.org/officeDocument/2006/relationships" xmlns:p="http://schemas.openxmlformats.org/presentationml/2006/main">
+  <p:cSld>
+    <p:bg>
+      <p:bgPr>
+        <a:solidFill>
+          <a:schemeClr val="bg1"/>
+        </a:solidFill>
+        <a:effectLst/>
+      </p:bgPr>
+    </p:bg>
+    <p:spTree>
+      <p:nvGrpSpPr>
+        <p:cNvPr id="1" name=""/>
+        <p:cNvGrpSpPr/>
+        <p:nvPr/>
+      </p:nvGrpSpPr>
+      <p:grpSpPr>
+        <a:xfrm>
+          <a:off x="0" y="0"/>
+          <a:ext cx="0" cy="0"/>
+          <a:chOff x="0" y="0"/>
+          <a:chExt cx="0" cy="0"/>
+        </a:xfrm>
+      </p:grpSpPr>
+      <p:cxnSp>
+        <p:nvCxnSpPr>
+          <p:cNvPr id="10" name="Straight Connector 9">
+            <a:extLst>
+              <a:ext uri="{FF2B5EF4-FFF2-40B4-BE49-F238E27FC236}">
+                <a16:creationId xmlns:a16="http://schemas.microsoft.com/office/drawing/2014/main" id="{D1B787A8-0D67-4B7E-9B48-86BD906AB6B5}"/>
+              </a:ext>
+              <a:ext uri="{C183D7F6-B498-43B3-948B-1728B52AA6E4}">
+                <adec:decorative xmlns:adec="http://schemas.microsoft.com/office/drawing/2017/decorative" val="1"/>
+              </a:ext>
+            </a:extLst>
+          </p:cNvPr>
+          <p:cNvCxnSpPr>
+            <a:cxnSpLocks noGrp="1" noRot="1" noChangeAspect="1" noMove="1" noResize="1" noEditPoints="1" noAdjustHandles="1" noChangeArrowheads="1" noChangeShapeType="1"/>
+          </p:cNvCxnSpPr>
+          <p:nvPr>
+            <p:extLst>
+              <p:ext uri="{386F3935-93C4-4BCD-93E2-E3B085C9AB24}">
+                <p16:designElem xmlns:p16="http://schemas.microsoft.com/office/powerpoint/2015/main" val="1"/>
+              </p:ext>
+            </p:extLst>
+          </p:nvPr>
+        </p:nvCxnSpPr>
+        <p:spPr>
+          <a:xfrm>
+            <a:off x="715890" y="1114050"/>
+            <a:ext cx="0" cy="5735637"/>
+          </a:xfrm>
+          <a:prstGeom prst="line">
+            <a:avLst/>
+          </a:prstGeom>
+          <a:ln w="25400" cap="sq">
+            <a:gradFill flip="none" rotWithShape="1">
+              <a:gsLst>
+                <a:gs pos="0">
+                  <a:schemeClr val="accent2"/>
+                </a:gs>
+                <a:gs pos="100000">
+                  <a:schemeClr val="accent4"/>
+                </a:gs>
+              </a:gsLst>
+              <a:lin ang="16200000" scaled="1"/>
+              <a:tileRect/>
+            </a:gradFill>
+            <a:bevel/>
+          </a:ln>
+        </p:spPr>
+        <p:style>
+          <a:lnRef idx="1">
+            <a:schemeClr val="accent1"/>
+          </a:lnRef>
+          <a:fillRef idx="0">
+            <a:schemeClr val="accent1"/>
+          </a:fillRef>
+          <a:effectRef idx="0">
+            <a:schemeClr val="accent1"/>
+          </a:effectRef>
+          <a:fontRef idx="minor">
+            <a:schemeClr val="tx1"/>
+          </a:fontRef>
+        </p:style>
+      </p:cxnSp>
+      <p:sp useBgFill="1">
+        <p:nvSpPr>
+          <p:cNvPr id="35" name="Rectangle 11">
+            <a:extLst>
+              <a:ext uri="{FF2B5EF4-FFF2-40B4-BE49-F238E27FC236}">
+                <a16:creationId xmlns:a16="http://schemas.microsoft.com/office/drawing/2014/main" id="{6E37B132-9C54-4236-8910-3340177AD9DB}"/>
+              </a:ext>
+              <a:ext uri="{C183D7F6-B498-43B3-948B-1728B52AA6E4}">
+                <adec:decorative xmlns:adec="http://schemas.microsoft.com/office/drawing/2017/decorative" val="1"/>
+              </a:ext>
+            </a:extLst>
+          </p:cNvPr>
+          <p:cNvSpPr>
+            <a:spLocks noGrp="1" noRot="1" noChangeAspect="1" noMove="1" noResize="1" noEditPoints="1" noAdjustHandles="1" noChangeArrowheads="1" noChangeShapeType="1" noTextEdit="1"/>
+          </p:cNvSpPr>
+          <p:nvPr>
+            <p:extLst>
+              <p:ext uri="{386F3935-93C4-4BCD-93E2-E3B085C9AB24}">
+                <p16:designElem xmlns:p16="http://schemas.microsoft.com/office/powerpoint/2015/main" val="1"/>
+              </p:ext>
+            </p:extLst>
+          </p:nvPr>
+        </p:nvSpPr>
+        <p:spPr>
+          <a:xfrm>
+            <a:off x="0" y="0"/>
+            <a:ext cx="12192000" cy="6858000"/>
+          </a:xfrm>
+          <a:prstGeom prst="rect">
+            <a:avLst/>
+          </a:prstGeom>
+          <a:ln w="12700" cap="flat" cmpd="sng" algn="ctr">
+            <a:noFill/>
+            <a:prstDash val="solid"/>
+            <a:miter lim="800000"/>
+          </a:ln>
+          <a:effectLst/>
+          <a:extLst>
+            <a:ext uri="{91240B29-F687-4F45-9708-019B960494DF}">
+              <a14:hiddenLine xmlns:a14="http://schemas.microsoft.com/office/drawing/2010/main" w="12700" cap="flat" cmpd="sng" algn="ctr">
+                <a:solidFill>
+                  <a:schemeClr val="accent1">
+                    <a:shade val="50000"/>
+                  </a:schemeClr>
+                </a:solidFill>
+                <a:prstDash val="solid"/>
+                <a:miter lim="800000"/>
+              </a14:hiddenLine>
+            </a:ext>
+          </a:extLst>
+        </p:spPr>
+        <p:style>
+          <a:lnRef idx="2">
+            <a:schemeClr val="accent1">
+              <a:shade val="50000"/>
+            </a:schemeClr>
+          </a:lnRef>
+          <a:fillRef idx="1">
+            <a:schemeClr val="accent1"/>
+          </a:fillRef>
+          <a:effectRef idx="0">
+            <a:schemeClr val="accent1"/>
+          </a:effectRef>
+          <a:fontRef idx="minor">
+            <a:schemeClr val="lt1"/>
+          </a:fontRef>
+        </p:style>
+        <p:txBody>
+          <a:bodyPr rtlCol="0" anchor="ctr"/>
+          <a:lstStyle/>
+          <a:p>
+            <a:pPr algn="ctr"/>
+            <a:endParaRPr lang="en-US"/>
+          </a:p>
+        </p:txBody>
+      </p:sp>
+      <p:sp>
+        <p:nvSpPr>
+          <p:cNvPr id="36" name="!!Rectangle">
+            <a:extLst>
+              <a:ext uri="{FF2B5EF4-FFF2-40B4-BE49-F238E27FC236}">
+                <a16:creationId xmlns:a16="http://schemas.microsoft.com/office/drawing/2014/main" id="{D472C551-D440-40DF-9260-BDB9AC40960A}"/>
+              </a:ext>
+              <a:ext uri="{C183D7F6-B498-43B3-948B-1728B52AA6E4}">
+                <adec:decorative xmlns:adec="http://schemas.microsoft.com/office/drawing/2017/decorative" val="1"/>
+              </a:ext>
+            </a:extLst>
+          </p:cNvPr>
+          <p:cNvSpPr>
+            <a:spLocks noGrp="1" noRot="1" noChangeAspect="1" noMove="1" noResize="1" noEditPoints="1" noAdjustHandles="1" noChangeArrowheads="1" noChangeShapeType="1" noTextEdit="1"/>
+          </p:cNvSpPr>
+          <p:nvPr>
+            <p:extLst>
+              <p:ext uri="{386F3935-93C4-4BCD-93E2-E3B085C9AB24}">
+                <p16:designElem xmlns:p16="http://schemas.microsoft.com/office/powerpoint/2015/main" val="1"/>
+              </p:ext>
+            </p:extLst>
+          </p:nvPr>
+        </p:nvSpPr>
+        <p:spPr>
+          <a:xfrm>
+            <a:off x="0" y="0"/>
+            <a:ext cx="12192000" cy="6858000"/>
+          </a:xfrm>
+          <a:prstGeom prst="rect">
+            <a:avLst/>
+          </a:prstGeom>
+          <a:gradFill flip="none" rotWithShape="1">
+            <a:gsLst>
+              <a:gs pos="100000">
+                <a:schemeClr val="accent4"/>
+              </a:gs>
+              <a:gs pos="0">
+                <a:schemeClr val="accent2"/>
+              </a:gs>
+            </a:gsLst>
+            <a:lin ang="18900000" scaled="1"/>
+            <a:tileRect/>
+          </a:gradFill>
+          <a:ln>
+            <a:noFill/>
+          </a:ln>
+        </p:spPr>
+        <p:style>
+          <a:lnRef idx="2">
+            <a:schemeClr val="accent1">
+              <a:shade val="50000"/>
+            </a:schemeClr>
+          </a:lnRef>
+          <a:fillRef idx="1">
+            <a:schemeClr val="accent1"/>
+          </a:fillRef>
+          <a:effectRef idx="0">
+            <a:schemeClr val="accent1"/>
+          </a:effectRef>
+          <a:fontRef idx="minor">
+            <a:schemeClr val="lt1"/>
+          </a:fontRef>
+        </p:style>
+        <p:txBody>
+          <a:bodyPr rtlCol="0" anchor="ctr"/>
+          <a:lstStyle/>
+          <a:p>
+            <a:pPr marL="0" marR="0" lvl="0" indent="0" algn="ctr" defTabSz="914400" rtl="0" eaLnBrk="1" fontAlgn="auto" latinLnBrk="0" hangingPunct="1">
+              <a:lnSpc>
+                <a:spcPct val="100000"/>
+              </a:lnSpc>
+              <a:spcBef>
+                <a:spcPts val="0"/>
+              </a:spcBef>
+              <a:spcAft>
+                <a:spcPts val="0"/>
+              </a:spcAft>
+              <a:buClrTx/>
+              <a:buSzTx/>
+              <a:buFontTx/>
+              <a:buNone/>
+              <a:tabLst/>
+              <a:defRPr/>
+            </a:pPr>
+            <a:endParaRPr kumimoji="0" lang="en-US" sz="1800" b="0" i="0" u="none" strike="noStrike" kern="1200" cap="none" spc="0" normalizeH="0" baseline="0" noProof="0">
+              <a:ln>
+                <a:noFill/>
+              </a:ln>
+              <a:solidFill>
+                <a:prstClr val="white"/>
+              </a:solidFill>
+              <a:effectLst/>
+              <a:uLnTx/>
+              <a:uFillTx/>
+              <a:latin typeface="Univers"/>
+              <a:ea typeface="+mn-ea"/>
+              <a:cs typeface="+mn-cs"/>
+            </a:endParaRPr>
+          </a:p>
+        </p:txBody>
+      </p:sp>
+      <p:pic>
+        <p:nvPicPr>
+          <p:cNvPr id="5" name="Marcador de contenido 4" descr="Logotipo&#10;&#10;Descripción generada automáticamente">
+            <a:extLst>
+              <a:ext uri="{FF2B5EF4-FFF2-40B4-BE49-F238E27FC236}">
+                <a16:creationId xmlns:a16="http://schemas.microsoft.com/office/drawing/2014/main" id="{7C1DECBE-0057-C707-1893-463B3F23D5BA}"/>
+              </a:ext>
+            </a:extLst>
+          </p:cNvPr>
+          <p:cNvPicPr>
+            <a:picLocks noGrp="1" noChangeAspect="1"/>
+          </p:cNvPicPr>
+          <p:nvPr>
+            <p:ph idx="1"/>
+          </p:nvPr>
+        </p:nvPicPr>
+        <p:blipFill rotWithShape="1">
+          <a:blip r:embed="rId2">
+            <a:duotone>
+              <a:schemeClr val="accent1">
+                <a:shade val="45000"/>
+                <a:satMod val="135000"/>
+              </a:schemeClr>
+              <a:prstClr val="white"/>
+            </a:duotone>
+            <a:alphaModFix amt="35000"/>
+            <a:extLst>
+              <a:ext uri="{28A0092B-C50C-407E-A947-70E740481C1C}">
+                <a14:useLocalDpi xmlns:a14="http://schemas.microsoft.com/office/drawing/2010/main" val="0"/>
+              </a:ext>
+            </a:extLst>
+          </a:blip>
+          <a:srcRect l="3254" r="3479" b="-2"/>
+          <a:stretch/>
+        </p:blipFill>
+        <p:spPr>
+          <a:xfrm>
+            <a:off x="1" y="10"/>
+            <a:ext cx="12183122" cy="6857989"/>
+          </a:xfrm>
+          <a:prstGeom prst="rect">
+            <a:avLst/>
+          </a:prstGeom>
+        </p:spPr>
+      </p:pic>
+      <p:sp>
+        <p:nvSpPr>
+          <p:cNvPr id="2" name="Título 1">
+            <a:extLst>
+              <a:ext uri="{FF2B5EF4-FFF2-40B4-BE49-F238E27FC236}">
+                <a16:creationId xmlns:a16="http://schemas.microsoft.com/office/drawing/2014/main" id="{B96D45D7-7270-3181-9AA0-CFCD0FB3AF5F}"/>
+              </a:ext>
+            </a:extLst>
+          </p:cNvPr>
+          <p:cNvSpPr>
+            <a:spLocks noGrp="1"/>
+          </p:cNvSpPr>
+          <p:nvPr>
+            <p:ph type="title"/>
+          </p:nvPr>
+        </p:nvSpPr>
+        <p:spPr>
+          <a:xfrm>
+            <a:off x="994873" y="2271449"/>
+            <a:ext cx="6347918" cy="3670098"/>
+          </a:xfrm>
+        </p:spPr>
+        <p:txBody>
+          <a:bodyPr vert="horz" lIns="91440" tIns="45720" rIns="91440" bIns="45720" rtlCol="0" anchor="b">
+            <a:normAutofit/>
+          </a:bodyPr>
+          <a:lstStyle/>
+          <a:p>
+            <a:r>
+              <a:rPr lang="en-US" sz="6600" b="1" i="0" kern="1200" cap="all" baseline="0">
+                <a:solidFill>
+                  <a:srgbClr val="FFFFFF"/>
+                </a:solidFill>
+                <a:latin typeface="+mj-lt"/>
+                <a:ea typeface="+mj-ea"/>
+                <a:cs typeface="+mj-cs"/>
+              </a:rPr>
+              <a:t>REACT</a:t>
+            </a:r>
+          </a:p>
+        </p:txBody>
+      </p:sp>
+      <p:cxnSp>
+        <p:nvCxnSpPr>
+          <p:cNvPr id="16" name="Straight Connector 15">
+            <a:extLst>
+              <a:ext uri="{FF2B5EF4-FFF2-40B4-BE49-F238E27FC236}">
+                <a16:creationId xmlns:a16="http://schemas.microsoft.com/office/drawing/2014/main" id="{56020367-4FD5-4596-8E10-C5F095CD8DBF}"/>
+              </a:ext>
+              <a:ext uri="{C183D7F6-B498-43B3-948B-1728B52AA6E4}">
+                <adec:decorative xmlns:adec="http://schemas.microsoft.com/office/drawing/2017/decorative" val="1"/>
+              </a:ext>
+            </a:extLst>
+          </p:cNvPr>
+          <p:cNvCxnSpPr>
+            <a:cxnSpLocks noGrp="1" noRot="1" noChangeAspect="1" noMove="1" noResize="1" noEditPoints="1" noAdjustHandles="1" noChangeArrowheads="1" noChangeShapeType="1"/>
+          </p:cNvCxnSpPr>
+          <p:nvPr>
+            <p:extLst>
+              <p:ext uri="{386F3935-93C4-4BCD-93E2-E3B085C9AB24}">
+                <p16:designElem xmlns:p16="http://schemas.microsoft.com/office/powerpoint/2015/main" val="1"/>
+              </p:ext>
+            </p:extLst>
+          </p:nvPr>
+        </p:nvCxnSpPr>
+        <p:spPr>
+          <a:xfrm>
+            <a:off x="8878" y="806470"/>
+            <a:ext cx="8453437" cy="0"/>
+          </a:xfrm>
+          <a:prstGeom prst="line">
+            <a:avLst/>
+          </a:prstGeom>
+          <a:ln w="25400" cap="sq">
+            <a:solidFill>
+              <a:srgbClr val="FFFFFF"/>
+            </a:solidFill>
+            <a:bevel/>
+          </a:ln>
+        </p:spPr>
+        <p:style>
+          <a:lnRef idx="1">
+            <a:schemeClr val="accent1"/>
+          </a:lnRef>
+          <a:fillRef idx="0">
+            <a:schemeClr val="accent1"/>
+          </a:fillRef>
+          <a:effectRef idx="0">
+            <a:schemeClr val="accent1"/>
+          </a:effectRef>
+          <a:fontRef idx="minor">
+            <a:schemeClr val="tx1"/>
+          </a:fontRef>
+        </p:style>
+      </p:cxnSp>
+      <p:sp>
+        <p:nvSpPr>
+          <p:cNvPr id="37" name="Graphic 22">
+            <a:extLst>
+              <a:ext uri="{FF2B5EF4-FFF2-40B4-BE49-F238E27FC236}">
+                <a16:creationId xmlns:a16="http://schemas.microsoft.com/office/drawing/2014/main" id="{508BEF50-7B1E-49A4-BC19-5F4F1D755E64}"/>
+              </a:ext>
+              <a:ext uri="{C183D7F6-B498-43B3-948B-1728B52AA6E4}">
+                <adec:decorative xmlns:adec="http://schemas.microsoft.com/office/drawing/2017/decorative" val="1"/>
+              </a:ext>
+            </a:extLst>
+          </p:cNvPr>
+          <p:cNvSpPr>
+            <a:spLocks noGrp="1" noRot="1" noChangeAspect="1" noMove="1" noResize="1" noEditPoints="1" noAdjustHandles="1" noChangeArrowheads="1" noChangeShapeType="1" noTextEdit="1"/>
+          </p:cNvSpPr>
+          <p:nvPr>
+            <p:extLst>
+              <p:ext uri="{386F3935-93C4-4BCD-93E2-E3B085C9AB24}">
+                <p16:designElem xmlns:p16="http://schemas.microsoft.com/office/powerpoint/2015/main" val="1"/>
+              </p:ext>
+            </p:extLst>
+          </p:nvPr>
+        </p:nvSpPr>
+        <p:spPr>
+          <a:xfrm>
+            <a:off x="11174340" y="1225788"/>
+            <a:ext cx="151536" cy="151536"/>
+          </a:xfrm>
+          <a:custGeom>
+            <a:avLst/>
+            <a:gdLst>
+              <a:gd name="connsiteX0" fmla="*/ 141251 w 151536"/>
+              <a:gd name="connsiteY0" fmla="*/ 65483 h 151536"/>
+              <a:gd name="connsiteX1" fmla="*/ 86053 w 151536"/>
+              <a:gd name="connsiteY1" fmla="*/ 65483 h 151536"/>
+              <a:gd name="connsiteX2" fmla="*/ 86053 w 151536"/>
+              <a:gd name="connsiteY2" fmla="*/ 10285 h 151536"/>
+              <a:gd name="connsiteX3" fmla="*/ 75768 w 151536"/>
+              <a:gd name="connsiteY3" fmla="*/ 0 h 151536"/>
+              <a:gd name="connsiteX4" fmla="*/ 65483 w 151536"/>
+              <a:gd name="connsiteY4" fmla="*/ 10285 h 151536"/>
+              <a:gd name="connsiteX5" fmla="*/ 65483 w 151536"/>
+              <a:gd name="connsiteY5" fmla="*/ 65483 h 151536"/>
+              <a:gd name="connsiteX6" fmla="*/ 10285 w 151536"/>
+              <a:gd name="connsiteY6" fmla="*/ 65483 h 151536"/>
+              <a:gd name="connsiteX7" fmla="*/ 0 w 151536"/>
+              <a:gd name="connsiteY7" fmla="*/ 75768 h 151536"/>
+              <a:gd name="connsiteX8" fmla="*/ 10285 w 151536"/>
+              <a:gd name="connsiteY8" fmla="*/ 86053 h 151536"/>
+              <a:gd name="connsiteX9" fmla="*/ 65483 w 151536"/>
+              <a:gd name="connsiteY9" fmla="*/ 86053 h 151536"/>
+              <a:gd name="connsiteX10" fmla="*/ 65483 w 151536"/>
+              <a:gd name="connsiteY10" fmla="*/ 141251 h 151536"/>
+              <a:gd name="connsiteX11" fmla="*/ 75768 w 151536"/>
+              <a:gd name="connsiteY11" fmla="*/ 151536 h 151536"/>
+              <a:gd name="connsiteX12" fmla="*/ 86053 w 151536"/>
+              <a:gd name="connsiteY12" fmla="*/ 141251 h 151536"/>
+              <a:gd name="connsiteX13" fmla="*/ 86053 w 151536"/>
+              <a:gd name="connsiteY13" fmla="*/ 86053 h 151536"/>
+              <a:gd name="connsiteX14" fmla="*/ 141251 w 151536"/>
+              <a:gd name="connsiteY14" fmla="*/ 86053 h 151536"/>
+              <a:gd name="connsiteX15" fmla="*/ 151536 w 151536"/>
+              <a:gd name="connsiteY15" fmla="*/ 75768 h 151536"/>
+              <a:gd name="connsiteX16" fmla="*/ 141251 w 151536"/>
+              <a:gd name="connsiteY16" fmla="*/ 65483 h 151536"/>
+            </a:gdLst>
+            <a:ahLst/>
+            <a:cxnLst>
+              <a:cxn ang="0">
+                <a:pos x="connsiteX0" y="connsiteY0"/>
+              </a:cxn>
+              <a:cxn ang="0">
+                <a:pos x="connsiteX1" y="connsiteY1"/>
+              </a:cxn>
+              <a:cxn ang="0">
+                <a:pos x="connsiteX2" y="connsiteY2"/>
+              </a:cxn>
+              <a:cxn ang="0">
+                <a:pos x="connsiteX3" y="connsiteY3"/>
+              </a:cxn>
+              <a:cxn ang="0">
+                <a:pos x="connsiteX4" y="connsiteY4"/>
+              </a:cxn>
+              <a:cxn ang="0">
+                <a:pos x="connsiteX5" y="connsiteY5"/>
+              </a:cxn>
+              <a:cxn ang="0">
+                <a:pos x="connsiteX6" y="connsiteY6"/>
+              </a:cxn>
+              <a:cxn ang="0">
+                <a:pos x="connsiteX7" y="connsiteY7"/>
+              </a:cxn>
+              <a:cxn ang="0">
+                <a:pos x="connsiteX8" y="connsiteY8"/>
+              </a:cxn>
+              <a:cxn ang="0">
+                <a:pos x="connsiteX9" y="connsiteY9"/>
+              </a:cxn>
+              <a:cxn ang="0">
+                <a:pos x="connsiteX10" y="connsiteY10"/>
+              </a:cxn>
+              <a:cxn ang="0">
+                <a:pos x="connsiteX11" y="connsiteY11"/>
+              </a:cxn>
+              <a:cxn ang="0">
+                <a:pos x="connsiteX12" y="connsiteY12"/>
+              </a:cxn>
+              <a:cxn ang="0">
+                <a:pos x="connsiteX13" y="connsiteY13"/>
+              </a:cxn>
+              <a:cxn ang="0">
+                <a:pos x="connsiteX14" y="connsiteY14"/>
+              </a:cxn>
+              <a:cxn ang="0">
+                <a:pos x="connsiteX15" y="connsiteY15"/>
+              </a:cxn>
+              <a:cxn ang="0">
+                <a:pos x="connsiteX16" y="connsiteY16"/>
+              </a:cxn>
+            </a:cxnLst>
+            <a:rect l="l" t="t" r="r" b="b"/>
+            <a:pathLst>
+              <a:path w="151536" h="151536">
+                <a:moveTo>
+                  <a:pt x="141251" y="65483"/>
+                </a:moveTo>
+                <a:lnTo>
+                  <a:pt x="86053" y="65483"/>
+                </a:lnTo>
+                <a:lnTo>
+                  <a:pt x="86053" y="10285"/>
+                </a:lnTo>
+                <a:cubicBezTo>
+                  <a:pt x="86053" y="4605"/>
+                  <a:pt x="81448" y="0"/>
+                  <a:pt x="75768" y="0"/>
+                </a:cubicBezTo>
+                <a:cubicBezTo>
+                  <a:pt x="70088" y="0"/>
+                  <a:pt x="65483" y="4605"/>
+                  <a:pt x="65483" y="10285"/>
+                </a:cubicBezTo>
+                <a:lnTo>
+                  <a:pt x="65483" y="65483"/>
+                </a:lnTo>
+                <a:lnTo>
+                  <a:pt x="10285" y="65483"/>
+                </a:lnTo>
+                <a:cubicBezTo>
+                  <a:pt x="4605" y="65483"/>
+                  <a:pt x="0" y="70088"/>
+                  <a:pt x="0" y="75768"/>
+                </a:cubicBezTo>
+                <a:cubicBezTo>
+                  <a:pt x="0" y="81448"/>
+                  <a:pt x="4605" y="86053"/>
+                  <a:pt x="10285" y="86053"/>
+                </a:cubicBezTo>
+                <a:lnTo>
+                  <a:pt x="65483" y="86053"/>
+                </a:lnTo>
+                <a:lnTo>
+                  <a:pt x="65483" y="141251"/>
+                </a:lnTo>
+                <a:cubicBezTo>
+                  <a:pt x="65483" y="146931"/>
+                  <a:pt x="70088" y="151536"/>
+                  <a:pt x="75768" y="151536"/>
+                </a:cubicBezTo>
+                <a:cubicBezTo>
+                  <a:pt x="81448" y="151536"/>
+                  <a:pt x="86053" y="146931"/>
+                  <a:pt x="86053" y="141251"/>
+                </a:cubicBezTo>
+                <a:lnTo>
+                  <a:pt x="86053" y="86053"/>
+                </a:lnTo>
+                <a:lnTo>
+                  <a:pt x="141251" y="86053"/>
+                </a:lnTo>
+                <a:cubicBezTo>
+                  <a:pt x="146931" y="86053"/>
+                  <a:pt x="151536" y="81448"/>
+                  <a:pt x="151536" y="75768"/>
+                </a:cubicBezTo>
+                <a:cubicBezTo>
+                  <a:pt x="151536" y="70088"/>
+                  <a:pt x="146931" y="65483"/>
+                  <a:pt x="141251" y="65483"/>
+                </a:cubicBezTo>
+                <a:close/>
+              </a:path>
+            </a:pathLst>
+          </a:custGeom>
+          <a:solidFill>
+            <a:srgbClr val="FFFFFF"/>
+          </a:solidFill>
+          <a:ln w="646" cap="flat">
+            <a:noFill/>
+            <a:prstDash val="solid"/>
+            <a:miter/>
+          </a:ln>
+        </p:spPr>
+        <p:txBody>
+          <a:bodyPr rtlCol="0" anchor="ctr"/>
+          <a:lstStyle/>
+          <a:p>
+            <a:pPr marL="0" marR="0" lvl="0" indent="0" algn="l" defTabSz="914400" rtl="0" eaLnBrk="1" fontAlgn="auto" latinLnBrk="0" hangingPunct="1">
+              <a:lnSpc>
+                <a:spcPct val="100000"/>
+              </a:lnSpc>
+              <a:spcBef>
+                <a:spcPts val="0"/>
+              </a:spcBef>
+              <a:spcAft>
+                <a:spcPts val="0"/>
+              </a:spcAft>
+              <a:buClrTx/>
+              <a:buSzTx/>
+              <a:buFontTx/>
+              <a:buNone/>
+              <a:tabLst/>
+              <a:defRPr/>
+            </a:pPr>
+            <a:endParaRPr kumimoji="0" lang="en-US" sz="1800" b="0" i="0" u="none" strike="noStrike" kern="1200" cap="none" spc="0" normalizeH="0" baseline="0" noProof="0">
+              <a:ln>
+                <a:noFill/>
+              </a:ln>
+              <a:solidFill>
+                <a:prstClr val="black"/>
+              </a:solidFill>
+              <a:effectLst/>
+              <a:uLnTx/>
+              <a:uFillTx/>
+              <a:latin typeface="Univers"/>
+              <a:ea typeface="+mn-ea"/>
+              <a:cs typeface="+mn-cs"/>
+            </a:endParaRPr>
+          </a:p>
+        </p:txBody>
+      </p:sp>
+      <p:sp>
+        <p:nvSpPr>
+          <p:cNvPr id="38" name="Graphic 23">
+            <a:extLst>
+              <a:ext uri="{FF2B5EF4-FFF2-40B4-BE49-F238E27FC236}">
+                <a16:creationId xmlns:a16="http://schemas.microsoft.com/office/drawing/2014/main" id="{3FBAD350-5664-4811-A208-657FB882D350}"/>
+              </a:ext>
+              <a:ext uri="{C183D7F6-B498-43B3-948B-1728B52AA6E4}">
+                <adec:decorative xmlns:adec="http://schemas.microsoft.com/office/drawing/2017/decorative" val="1"/>
+              </a:ext>
+            </a:extLst>
+          </p:cNvPr>
+          <p:cNvSpPr>
+            <a:spLocks noGrp="1" noRot="1" noChangeAspect="1" noMove="1" noResize="1" noEditPoints="1" noAdjustHandles="1" noChangeArrowheads="1" noChangeShapeType="1" noTextEdit="1"/>
+          </p:cNvSpPr>
+          <p:nvPr>
+            <p:extLst>
+              <p:ext uri="{386F3935-93C4-4BCD-93E2-E3B085C9AB24}">
+                <p16:designElem xmlns:p16="http://schemas.microsoft.com/office/powerpoint/2015/main" val="1"/>
+              </p:ext>
+            </p:extLst>
+          </p:nvPr>
+        </p:nvSpPr>
+        <p:spPr>
+          <a:xfrm>
+            <a:off x="11534855" y="1685867"/>
+            <a:ext cx="108625" cy="108625"/>
+          </a:xfrm>
+          <a:custGeom>
+            <a:avLst/>
+            <a:gdLst>
+              <a:gd name="connsiteX0" fmla="*/ 54313 w 108625"/>
+              <a:gd name="connsiteY0" fmla="*/ 16053 h 108625"/>
+              <a:gd name="connsiteX1" fmla="*/ 92572 w 108625"/>
+              <a:gd name="connsiteY1" fmla="*/ 54313 h 108625"/>
+              <a:gd name="connsiteX2" fmla="*/ 54313 w 108625"/>
+              <a:gd name="connsiteY2" fmla="*/ 92572 h 108625"/>
+              <a:gd name="connsiteX3" fmla="*/ 16053 w 108625"/>
+              <a:gd name="connsiteY3" fmla="*/ 54313 h 108625"/>
+              <a:gd name="connsiteX4" fmla="*/ 54313 w 108625"/>
+              <a:gd name="connsiteY4" fmla="*/ 16053 h 108625"/>
+              <a:gd name="connsiteX5" fmla="*/ 54313 w 108625"/>
+              <a:gd name="connsiteY5" fmla="*/ 0 h 108625"/>
+              <a:gd name="connsiteX6" fmla="*/ 0 w 108625"/>
+              <a:gd name="connsiteY6" fmla="*/ 54313 h 108625"/>
+              <a:gd name="connsiteX7" fmla="*/ 54313 w 108625"/>
+              <a:gd name="connsiteY7" fmla="*/ 108625 h 108625"/>
+              <a:gd name="connsiteX8" fmla="*/ 108625 w 108625"/>
+              <a:gd name="connsiteY8" fmla="*/ 54313 h 108625"/>
+              <a:gd name="connsiteX9" fmla="*/ 54313 w 108625"/>
+              <a:gd name="connsiteY9" fmla="*/ 0 h 108625"/>
+            </a:gdLst>
+            <a:ahLst/>
+            <a:cxnLst>
+              <a:cxn ang="0">
+                <a:pos x="connsiteX0" y="connsiteY0"/>
+              </a:cxn>
+              <a:cxn ang="0">
+                <a:pos x="connsiteX1" y="connsiteY1"/>
+              </a:cxn>
+              <a:cxn ang="0">
+                <a:pos x="connsiteX2" y="connsiteY2"/>
+              </a:cxn>
+              <a:cxn ang="0">
+                <a:pos x="connsiteX3" y="connsiteY3"/>
+              </a:cxn>
+              <a:cxn ang="0">
+                <a:pos x="connsiteX4" y="connsiteY4"/>
+              </a:cxn>
+              <a:cxn ang="0">
+                <a:pos x="connsiteX5" y="connsiteY5"/>
+              </a:cxn>
+              <a:cxn ang="0">
+                <a:pos x="connsiteX6" y="connsiteY6"/>
+              </a:cxn>
+              <a:cxn ang="0">
+                <a:pos x="connsiteX7" y="connsiteY7"/>
+              </a:cxn>
+              <a:cxn ang="0">
+                <a:pos x="connsiteX8" y="connsiteY8"/>
+              </a:cxn>
+              <a:cxn ang="0">
+                <a:pos x="connsiteX9" y="connsiteY9"/>
+              </a:cxn>
+            </a:cxnLst>
+            <a:rect l="l" t="t" r="r" b="b"/>
+            <a:pathLst>
+              <a:path w="108625" h="108625">
+                <a:moveTo>
+                  <a:pt x="54313" y="16053"/>
+                </a:moveTo>
+                <a:cubicBezTo>
+                  <a:pt x="75442" y="16053"/>
+                  <a:pt x="92572" y="33182"/>
+                  <a:pt x="92572" y="54313"/>
+                </a:cubicBezTo>
+                <a:cubicBezTo>
+                  <a:pt x="92572" y="75442"/>
+                  <a:pt x="75442" y="92572"/>
+                  <a:pt x="54313" y="92572"/>
+                </a:cubicBezTo>
+                <a:cubicBezTo>
+                  <a:pt x="33182" y="92572"/>
+                  <a:pt x="16053" y="75442"/>
+                  <a:pt x="16053" y="54313"/>
+                </a:cubicBezTo>
+                <a:cubicBezTo>
+                  <a:pt x="16074" y="33191"/>
+                  <a:pt x="33191" y="16074"/>
+                  <a:pt x="54313" y="16053"/>
+                </a:cubicBezTo>
+                <a:moveTo>
+                  <a:pt x="54313" y="0"/>
+                </a:moveTo>
+                <a:cubicBezTo>
+                  <a:pt x="24317" y="0"/>
+                  <a:pt x="0" y="24317"/>
+                  <a:pt x="0" y="54313"/>
+                </a:cubicBezTo>
+                <a:cubicBezTo>
+                  <a:pt x="0" y="84309"/>
+                  <a:pt x="24317" y="108625"/>
+                  <a:pt x="54313" y="108625"/>
+                </a:cubicBezTo>
+                <a:cubicBezTo>
+                  <a:pt x="84309" y="108625"/>
+                  <a:pt x="108625" y="84309"/>
+                  <a:pt x="108625" y="54313"/>
+                </a:cubicBezTo>
+                <a:cubicBezTo>
+                  <a:pt x="108625" y="24317"/>
+                  <a:pt x="84309" y="0"/>
+                  <a:pt x="54313" y="0"/>
+                </a:cubicBezTo>
+                <a:close/>
+              </a:path>
+            </a:pathLst>
+          </a:custGeom>
+          <a:solidFill>
+            <a:srgbClr val="FFFFFF"/>
+          </a:solidFill>
+          <a:ln w="516" cap="flat">
+            <a:noFill/>
+            <a:prstDash val="solid"/>
+            <a:miter/>
+          </a:ln>
+        </p:spPr>
+        <p:txBody>
+          <a:bodyPr rtlCol="0" anchor="ctr"/>
+          <a:lstStyle/>
+          <a:p>
+            <a:pPr marL="0" marR="0" lvl="0" indent="0" algn="l" defTabSz="914400" rtl="0" eaLnBrk="1" fontAlgn="auto" latinLnBrk="0" hangingPunct="1">
+              <a:lnSpc>
+                <a:spcPct val="100000"/>
+              </a:lnSpc>
+              <a:spcBef>
+                <a:spcPts val="0"/>
+              </a:spcBef>
+              <a:spcAft>
+                <a:spcPts val="0"/>
+              </a:spcAft>
+              <a:buClrTx/>
+              <a:buSzTx/>
+              <a:buFontTx/>
+              <a:buNone/>
+              <a:tabLst/>
+              <a:defRPr/>
+            </a:pPr>
+            <a:endParaRPr kumimoji="0" lang="en-US" sz="1800" b="0" i="0" u="none" strike="noStrike" kern="1200" cap="none" spc="0" normalizeH="0" baseline="0" noProof="0">
+              <a:ln>
+                <a:noFill/>
+              </a:ln>
+              <a:solidFill>
+                <a:prstClr val="black"/>
+              </a:solidFill>
+              <a:effectLst/>
+              <a:uLnTx/>
+              <a:uFillTx/>
+              <a:latin typeface="Univers"/>
+              <a:ea typeface="+mn-ea"/>
+              <a:cs typeface="+mn-cs"/>
+            </a:endParaRPr>
+          </a:p>
+        </p:txBody>
+      </p:sp>
+      <p:sp>
+        <p:nvSpPr>
+          <p:cNvPr id="39" name="Graphic 21">
+            <a:extLst>
+              <a:ext uri="{FF2B5EF4-FFF2-40B4-BE49-F238E27FC236}">
+                <a16:creationId xmlns:a16="http://schemas.microsoft.com/office/drawing/2014/main" id="{C39ADB8F-D187-49D7-BDCF-C1B6DC727068}"/>
+              </a:ext>
+              <a:ext uri="{C183D7F6-B498-43B3-948B-1728B52AA6E4}">
+                <adec:decorative xmlns:adec="http://schemas.microsoft.com/office/drawing/2017/decorative" val="1"/>
+              </a:ext>
+            </a:extLst>
+          </p:cNvPr>
+          <p:cNvSpPr>
+            <a:spLocks noGrp="1" noRot="1" noChangeAspect="1" noMove="1" noResize="1" noEditPoints="1" noAdjustHandles="1" noChangeArrowheads="1" noChangeShapeType="1" noTextEdit="1"/>
+          </p:cNvSpPr>
+          <p:nvPr>
+            <p:extLst>
+              <p:ext uri="{386F3935-93C4-4BCD-93E2-E3B085C9AB24}">
+                <p16:designElem xmlns:p16="http://schemas.microsoft.com/office/powerpoint/2015/main" val="1"/>
+              </p:ext>
+            </p:extLst>
+          </p:nvPr>
+        </p:nvSpPr>
+        <p:spPr>
+          <a:xfrm>
+            <a:off x="10987962" y="2175690"/>
+            <a:ext cx="95759" cy="95759"/>
+          </a:xfrm>
+          <a:custGeom>
+            <a:avLst/>
+            <a:gdLst>
+              <a:gd name="connsiteX0" fmla="*/ 95759 w 95759"/>
+              <a:gd name="connsiteY0" fmla="*/ 47880 h 95759"/>
+              <a:gd name="connsiteX1" fmla="*/ 47880 w 95759"/>
+              <a:gd name="connsiteY1" fmla="*/ 95759 h 95759"/>
+              <a:gd name="connsiteX2" fmla="*/ 0 w 95759"/>
+              <a:gd name="connsiteY2" fmla="*/ 47880 h 95759"/>
+              <a:gd name="connsiteX3" fmla="*/ 47880 w 95759"/>
+              <a:gd name="connsiteY3" fmla="*/ 0 h 95759"/>
+              <a:gd name="connsiteX4" fmla="*/ 95759 w 95759"/>
+              <a:gd name="connsiteY4" fmla="*/ 47880 h 95759"/>
+            </a:gdLst>
+            <a:ahLst/>
+            <a:cxnLst>
+              <a:cxn ang="0">
+                <a:pos x="connsiteX0" y="connsiteY0"/>
+              </a:cxn>
+              <a:cxn ang="0">
+                <a:pos x="connsiteX1" y="connsiteY1"/>
+              </a:cxn>
+              <a:cxn ang="0">
+                <a:pos x="connsiteX2" y="connsiteY2"/>
+              </a:cxn>
+              <a:cxn ang="0">
+                <a:pos x="connsiteX3" y="connsiteY3"/>
+              </a:cxn>
+              <a:cxn ang="0">
+                <a:pos x="connsiteX4" y="connsiteY4"/>
+              </a:cxn>
+            </a:cxnLst>
+            <a:rect l="l" t="t" r="r" b="b"/>
+            <a:pathLst>
+              <a:path w="95759" h="95759">
+                <a:moveTo>
+                  <a:pt x="95759" y="47880"/>
+                </a:moveTo>
+                <a:cubicBezTo>
+                  <a:pt x="95759" y="74323"/>
+                  <a:pt x="74323" y="95759"/>
+                  <a:pt x="47880" y="95759"/>
+                </a:cubicBezTo>
+                <a:cubicBezTo>
+                  <a:pt x="21436" y="95759"/>
+                  <a:pt x="0" y="74323"/>
+                  <a:pt x="0" y="47880"/>
+                </a:cubicBezTo>
+                <a:cubicBezTo>
+                  <a:pt x="0" y="21436"/>
+                  <a:pt x="21436" y="0"/>
+                  <a:pt x="47880" y="0"/>
+                </a:cubicBezTo>
+                <a:cubicBezTo>
+                  <a:pt x="74323" y="0"/>
+                  <a:pt x="95759" y="21436"/>
+                  <a:pt x="95759" y="47880"/>
+                </a:cubicBezTo>
+                <a:close/>
+              </a:path>
+            </a:pathLst>
+          </a:custGeom>
+          <a:solidFill>
+            <a:srgbClr val="FFFFFF"/>
+          </a:solidFill>
+          <a:ln w="469" cap="flat">
+            <a:noFill/>
+            <a:prstDash val="solid"/>
+            <a:miter/>
+          </a:ln>
+        </p:spPr>
+        <p:txBody>
+          <a:bodyPr rtlCol="0" anchor="ctr"/>
+          <a:lstStyle/>
+          <a:p>
+            <a:pPr marL="0" marR="0" lvl="0" indent="0" algn="l" defTabSz="914400" rtl="0" eaLnBrk="1" fontAlgn="auto" latinLnBrk="0" hangingPunct="1">
+              <a:lnSpc>
+                <a:spcPct val="100000"/>
+              </a:lnSpc>
+              <a:spcBef>
+                <a:spcPts val="0"/>
+              </a:spcBef>
+              <a:spcAft>
+                <a:spcPts val="0"/>
+              </a:spcAft>
+              <a:buClrTx/>
+              <a:buSzTx/>
+              <a:buFontTx/>
+              <a:buNone/>
+              <a:tabLst/>
+              <a:defRPr/>
+            </a:pPr>
+            <a:endParaRPr kumimoji="0" lang="en-US" sz="1800" b="0" i="0" u="none" strike="noStrike" kern="1200" cap="none" spc="0" normalizeH="0" baseline="0" noProof="0">
+              <a:ln>
+                <a:noFill/>
+              </a:ln>
+              <a:solidFill>
+                <a:prstClr val="black"/>
+              </a:solidFill>
+              <a:effectLst/>
+              <a:uLnTx/>
+              <a:uFillTx/>
+              <a:latin typeface="Univers"/>
+              <a:ea typeface="+mn-ea"/>
+              <a:cs typeface="+mn-cs"/>
+            </a:endParaRPr>
+          </a:p>
+        </p:txBody>
+      </p:sp>
+    </p:spTree>
+    <p:extLst>
+      <p:ext uri="{BB962C8B-B14F-4D97-AF65-F5344CB8AC3E}">
+        <p14:creationId xmlns:p14="http://schemas.microsoft.com/office/powerpoint/2010/main" val="894750795"/>
+      </p:ext>
+    </p:extLst>
+  </p:cSld>
+  <p:clrMapOvr>
+    <a:masterClrMapping/>
+  </p:clrMapOvr>
+</p:sld>
+</file>
+
 <file path=ppt/theme/theme1.xml><?xml version="1.0" encoding="utf-8"?>
 <a:theme xmlns:a="http://schemas.openxmlformats.org/drawingml/2006/main" name="GradientVTI">
   <a:themeElements>

--- a/Proyecto_CarlosVaralo.pptx
+++ b/Proyecto_CarlosVaralo.pptx
@@ -7,18 +7,24 @@
   <p:sldIdLst>
     <p:sldId id="256" r:id="rId2"/>
     <p:sldId id="269" r:id="rId3"/>
-    <p:sldId id="257" r:id="rId4"/>
-    <p:sldId id="267" r:id="rId5"/>
-    <p:sldId id="268" r:id="rId6"/>
+    <p:sldId id="267" r:id="rId4"/>
+    <p:sldId id="268" r:id="rId5"/>
+    <p:sldId id="257" r:id="rId6"/>
     <p:sldId id="259" r:id="rId7"/>
     <p:sldId id="265" r:id="rId8"/>
     <p:sldId id="260" r:id="rId9"/>
     <p:sldId id="264" r:id="rId10"/>
     <p:sldId id="258" r:id="rId11"/>
     <p:sldId id="263" r:id="rId12"/>
-    <p:sldId id="266" r:id="rId13"/>
+    <p:sldId id="271" r:id="rId13"/>
     <p:sldId id="261" r:id="rId14"/>
     <p:sldId id="262" r:id="rId15"/>
+    <p:sldId id="274" r:id="rId16"/>
+    <p:sldId id="275" r:id="rId17"/>
+    <p:sldId id="276" r:id="rId18"/>
+    <p:sldId id="278" r:id="rId19"/>
+    <p:sldId id="272" r:id="rId20"/>
+    <p:sldId id="273" r:id="rId21"/>
   </p:sldIdLst>
   <p:sldSz cx="12192000" cy="6858000"/>
   <p:notesSz cx="6858000" cy="9144000"/>
@@ -126,15 +132,15 @@
 </file>
 
 <file path=ppt/diagrams/colors1.xml><?xml version="1.0" encoding="utf-8"?>
-<dgm:colorsDef xmlns:dgm="http://schemas.openxmlformats.org/drawingml/2006/diagram" xmlns:a="http://schemas.openxmlformats.org/drawingml/2006/main" uniqueId="urn:microsoft.com/office/officeart/2018/5/colors/Iconchunking_neutralbg_colorful1">
+<dgm:colorsDef xmlns:dgm="http://schemas.openxmlformats.org/drawingml/2006/diagram" xmlns:a="http://schemas.openxmlformats.org/drawingml/2006/main" uniqueId="urn:microsoft.com/office/officeart/2018/5/colors/Iconchunking_neutralbg_colorful5">
   <dgm:title val=""/>
   <dgm:desc val=""/>
   <dgm:catLst>
-    <dgm:cat type="colorful" pri="10100"/>
+    <dgm:cat type="colorful" pri="10500"/>
   </dgm:catLst>
   <dgm:styleLbl name="node0">
     <dgm:fillClrLst meth="repeat">
-      <a:schemeClr val="accent1"/>
+      <a:schemeClr val="accent4"/>
     </dgm:fillClrLst>
     <dgm:linClrLst meth="repeat">
       <a:schemeClr val="lt1"/>
@@ -145,10 +151,7 @@
     <dgm:txEffectClrLst/>
   </dgm:styleLbl>
   <dgm:styleLbl name="node1">
-    <dgm:fillClrLst meth="repeat">
-      <a:schemeClr val="accent2"/>
-      <a:schemeClr val="accent3"/>
-      <a:schemeClr val="accent4"/>
+    <dgm:fillClrLst>
       <a:schemeClr val="accent5"/>
       <a:schemeClr val="accent6"/>
     </dgm:fillClrLst>
@@ -163,17 +166,11 @@
     <dgm:txEffectClrLst/>
   </dgm:styleLbl>
   <dgm:styleLbl name="alignNode1">
-    <dgm:fillClrLst meth="repeat">
-      <a:schemeClr val="accent2"/>
-      <a:schemeClr val="accent3"/>
-      <a:schemeClr val="accent4"/>
+    <dgm:fillClrLst>
       <a:schemeClr val="accent5"/>
       <a:schemeClr val="accent6"/>
     </dgm:fillClrLst>
-    <dgm:linClrLst meth="repeat">
-      <a:schemeClr val="accent2"/>
-      <a:schemeClr val="accent3"/>
-      <a:schemeClr val="accent4"/>
+    <dgm:linClrLst>
       <a:schemeClr val="accent5"/>
       <a:schemeClr val="accent6"/>
     </dgm:linClrLst>
@@ -183,10 +180,7 @@
     <dgm:txEffectClrLst/>
   </dgm:styleLbl>
   <dgm:styleLbl name="lnNode1">
-    <dgm:fillClrLst meth="repeat">
-      <a:schemeClr val="accent2"/>
-      <a:schemeClr val="accent3"/>
-      <a:schemeClr val="accent4"/>
+    <dgm:fillClrLst>
       <a:schemeClr val="accent5"/>
       <a:schemeClr val="accent6"/>
     </dgm:fillClrLst>
@@ -199,16 +193,7 @@
     <dgm:txEffectClrLst/>
   </dgm:styleLbl>
   <dgm:styleLbl name="vennNode1">
-    <dgm:fillClrLst meth="repeat">
-      <a:schemeClr val="accent2">
-        <a:alpha val="50000"/>
-      </a:schemeClr>
-      <a:schemeClr val="accent3">
-        <a:alpha val="50000"/>
-      </a:schemeClr>
-      <a:schemeClr val="accent4">
-        <a:alpha val="50000"/>
-      </a:schemeClr>
+    <dgm:fillClrLst>
       <a:schemeClr val="accent5">
         <a:alpha val="50000"/>
       </a:schemeClr>
@@ -226,7 +211,7 @@
   </dgm:styleLbl>
   <dgm:styleLbl name="node2">
     <dgm:fillClrLst>
-      <a:schemeClr val="accent2"/>
+      <a:schemeClr val="accent6"/>
     </dgm:fillClrLst>
     <dgm:linClrLst meth="repeat">
       <a:schemeClr val="lt1"/>
@@ -238,7 +223,7 @@
   </dgm:styleLbl>
   <dgm:styleLbl name="node3">
     <dgm:fillClrLst>
-      <a:schemeClr val="accent3"/>
+      <a:schemeClr val="accent1"/>
     </dgm:fillClrLst>
     <dgm:linClrLst meth="repeat">
       <a:schemeClr val="lt1"/>
@@ -250,7 +235,7 @@
   </dgm:styleLbl>
   <dgm:styleLbl name="node4">
     <dgm:fillClrLst>
-      <a:schemeClr val="accent4"/>
+      <a:schemeClr val="accent2"/>
     </dgm:fillClrLst>
     <dgm:linClrLst meth="repeat">
       <a:schemeClr val="lt1"/>
@@ -261,16 +246,7 @@
     <dgm:txEffectClrLst/>
   </dgm:styleLbl>
   <dgm:styleLbl name="fgImgPlace1">
-    <dgm:fillClrLst meth="repeat">
-      <a:schemeClr val="accent2">
-        <a:tint val="50000"/>
-      </a:schemeClr>
-      <a:schemeClr val="accent3">
-        <a:tint val="50000"/>
-      </a:schemeClr>
-      <a:schemeClr val="accent4">
-        <a:tint val="50000"/>
-      </a:schemeClr>
+    <dgm:fillClrLst>
       <a:schemeClr val="accent5">
         <a:tint val="50000"/>
       </a:schemeClr>
@@ -290,10 +266,10 @@
   </dgm:styleLbl>
   <dgm:styleLbl name="alignImgPlace1">
     <dgm:fillClrLst>
-      <a:schemeClr val="accent1">
+      <a:schemeClr val="accent5">
         <a:tint val="50000"/>
       </a:schemeClr>
-      <a:schemeClr val="accent2">
+      <a:schemeClr val="accent6">
         <a:tint val="20000"/>
       </a:schemeClr>
     </dgm:fillClrLst>
@@ -309,10 +285,10 @@
   </dgm:styleLbl>
   <dgm:styleLbl name="bgImgPlace1">
     <dgm:fillClrLst>
-      <a:schemeClr val="accent1">
+      <a:schemeClr val="accent5">
         <a:tint val="50000"/>
       </a:schemeClr>
-      <a:schemeClr val="accent2">
+      <a:schemeClr val="accent6">
         <a:tint val="20000"/>
       </a:schemeClr>
     </dgm:fillClrLst>
@@ -327,14 +303,11 @@
     <dgm:txEffectClrLst/>
   </dgm:styleLbl>
   <dgm:styleLbl name="sibTrans2D1">
-    <dgm:fillClrLst meth="repeat">
-      <a:schemeClr val="accent2"/>
-      <a:schemeClr val="accent3"/>
-      <a:schemeClr val="accent4"/>
+    <dgm:fillClrLst>
       <a:schemeClr val="accent5"/>
       <a:schemeClr val="accent6"/>
     </dgm:fillClrLst>
-    <dgm:linClrLst meth="cycle">
+    <dgm:linClrLst meth="repeat">
       <a:schemeClr val="lt1"/>
     </dgm:linClrLst>
     <dgm:effectClrLst/>
@@ -343,14 +316,11 @@
     <dgm:txEffectClrLst/>
   </dgm:styleLbl>
   <dgm:styleLbl name="fgSibTrans2D1">
-    <dgm:fillClrLst meth="repeat">
-      <a:schemeClr val="accent2"/>
-      <a:schemeClr val="accent3"/>
-      <a:schemeClr val="accent4"/>
+    <dgm:fillClrLst>
       <a:schemeClr val="accent5"/>
       <a:schemeClr val="accent6"/>
     </dgm:fillClrLst>
-    <dgm:linClrLst meth="cycle">
+    <dgm:linClrLst meth="repeat">
       <a:schemeClr val="lt1"/>
     </dgm:linClrLst>
     <dgm:effectClrLst/>
@@ -361,14 +331,11 @@
     <dgm:txEffectClrLst/>
   </dgm:styleLbl>
   <dgm:styleLbl name="bgSibTrans2D1">
-    <dgm:fillClrLst meth="repeat">
-      <a:schemeClr val="accent2"/>
-      <a:schemeClr val="accent3"/>
-      <a:schemeClr val="accent4"/>
+    <dgm:fillClrLst>
       <a:schemeClr val="accent5"/>
       <a:schemeClr val="accent6"/>
     </dgm:fillClrLst>
-    <dgm:linClrLst meth="cycle">
+    <dgm:linClrLst meth="repeat">
       <a:schemeClr val="lt1"/>
     </dgm:linClrLst>
     <dgm:effectClrLst/>
@@ -379,17 +346,8 @@
     <dgm:txEffectClrLst/>
   </dgm:styleLbl>
   <dgm:styleLbl name="sibTrans1D1">
-    <dgm:fillClrLst meth="repeat">
-      <a:schemeClr val="accent2"/>
-      <a:schemeClr val="accent3"/>
-      <a:schemeClr val="accent4"/>
-      <a:schemeClr val="accent5"/>
-      <a:schemeClr val="accent6"/>
-    </dgm:fillClrLst>
-    <dgm:linClrLst meth="repeat">
-      <a:schemeClr val="accent2"/>
-      <a:schemeClr val="accent3"/>
-      <a:schemeClr val="accent4"/>
+    <dgm:fillClrLst/>
+    <dgm:linClrLst>
       <a:schemeClr val="accent5"/>
       <a:schemeClr val="accent6"/>
     </dgm:linClrLst>
@@ -402,10 +360,10 @@
   </dgm:styleLbl>
   <dgm:styleLbl name="callout">
     <dgm:fillClrLst meth="repeat">
-      <a:schemeClr val="accent2"/>
+      <a:schemeClr val="accent5"/>
     </dgm:fillClrLst>
     <dgm:linClrLst meth="repeat">
-      <a:schemeClr val="accent2">
+      <a:schemeClr val="accent5">
         <a:tint val="50000"/>
       </a:schemeClr>
     </dgm:linClrLst>
@@ -418,6 +376,34 @@
   </dgm:styleLbl>
   <dgm:styleLbl name="asst0">
     <dgm:fillClrLst meth="repeat">
+      <a:schemeClr val="accent5"/>
+    </dgm:fillClrLst>
+    <dgm:linClrLst meth="repeat">
+      <a:schemeClr val="lt1">
+        <a:shade val="80000"/>
+      </a:schemeClr>
+    </dgm:linClrLst>
+    <dgm:effectClrLst/>
+    <dgm:txLinClrLst/>
+    <dgm:txFillClrLst/>
+    <dgm:txEffectClrLst/>
+  </dgm:styleLbl>
+  <dgm:styleLbl name="asst1">
+    <dgm:fillClrLst meth="repeat">
+      <a:schemeClr val="accent6"/>
+    </dgm:fillClrLst>
+    <dgm:linClrLst meth="repeat">
+      <a:schemeClr val="lt1">
+        <a:shade val="80000"/>
+      </a:schemeClr>
+    </dgm:linClrLst>
+    <dgm:effectClrLst/>
+    <dgm:txLinClrLst/>
+    <dgm:txFillClrLst/>
+    <dgm:txEffectClrLst/>
+  </dgm:styleLbl>
+  <dgm:styleLbl name="asst2">
+    <dgm:fillClrLst>
       <a:schemeClr val="accent1"/>
     </dgm:fillClrLst>
     <dgm:linClrLst meth="repeat">
@@ -428,8 +414,8 @@
     <dgm:txFillClrLst/>
     <dgm:txEffectClrLst/>
   </dgm:styleLbl>
-  <dgm:styleLbl name="asst1">
-    <dgm:fillClrLst meth="repeat">
+  <dgm:styleLbl name="asst3">
+    <dgm:fillClrLst>
       <a:schemeClr val="accent2"/>
     </dgm:fillClrLst>
     <dgm:linClrLst meth="repeat">
@@ -440,7 +426,7 @@
     <dgm:txFillClrLst/>
     <dgm:txEffectClrLst/>
   </dgm:styleLbl>
-  <dgm:styleLbl name="asst2">
+  <dgm:styleLbl name="asst4">
     <dgm:fillClrLst>
       <a:schemeClr val="accent3"/>
     </dgm:fillClrLst>
@@ -452,33 +438,9 @@
     <dgm:txFillClrLst/>
     <dgm:txEffectClrLst/>
   </dgm:styleLbl>
-  <dgm:styleLbl name="asst3">
-    <dgm:fillClrLst>
-      <a:schemeClr val="accent4"/>
-    </dgm:fillClrLst>
-    <dgm:linClrLst meth="repeat">
-      <a:schemeClr val="lt1"/>
-    </dgm:linClrLst>
-    <dgm:effectClrLst/>
-    <dgm:txLinClrLst/>
-    <dgm:txFillClrLst/>
-    <dgm:txEffectClrLst/>
-  </dgm:styleLbl>
-  <dgm:styleLbl name="asst4">
-    <dgm:fillClrLst>
-      <a:schemeClr val="accent5"/>
-    </dgm:fillClrLst>
-    <dgm:linClrLst meth="repeat">
-      <a:schemeClr val="lt1"/>
-    </dgm:linClrLst>
-    <dgm:effectClrLst/>
-    <dgm:txLinClrLst/>
-    <dgm:txFillClrLst/>
-    <dgm:txEffectClrLst/>
-  </dgm:styleLbl>
   <dgm:styleLbl name="parChTrans2D1">
     <dgm:fillClrLst meth="repeat">
-      <a:schemeClr val="accent2"/>
+      <a:schemeClr val="accent5"/>
     </dgm:fillClrLst>
     <dgm:linClrLst meth="repeat">
       <a:schemeClr val="lt1"/>
@@ -492,7 +454,7 @@
   </dgm:styleLbl>
   <dgm:styleLbl name="parChTrans2D2">
     <dgm:fillClrLst meth="repeat">
-      <a:schemeClr val="accent3"/>
+      <a:schemeClr val="accent6"/>
     </dgm:fillClrLst>
     <dgm:linClrLst meth="repeat">
       <a:schemeClr val="lt1"/>
@@ -504,7 +466,7 @@
   </dgm:styleLbl>
   <dgm:styleLbl name="parChTrans2D3">
     <dgm:fillClrLst meth="repeat">
-      <a:schemeClr val="accent4"/>
+      <a:schemeClr val="accent6"/>
     </dgm:fillClrLst>
     <dgm:linClrLst meth="repeat">
       <a:schemeClr val="lt1"/>
@@ -516,7 +478,7 @@
   </dgm:styleLbl>
   <dgm:styleLbl name="parChTrans2D4">
     <dgm:fillClrLst meth="repeat">
-      <a:schemeClr val="accent5"/>
+      <a:schemeClr val="accent1"/>
     </dgm:fillClrLst>
     <dgm:linClrLst meth="repeat">
       <a:schemeClr val="lt1"/>
@@ -530,7 +492,39 @@
   </dgm:styleLbl>
   <dgm:styleLbl name="parChTrans1D1">
     <dgm:fillClrLst meth="repeat">
-      <a:schemeClr val="accent2"/>
+      <a:schemeClr val="accent5"/>
+    </dgm:fillClrLst>
+    <dgm:linClrLst meth="repeat">
+      <a:schemeClr val="accent5"/>
+    </dgm:linClrLst>
+    <dgm:effectClrLst/>
+    <dgm:txLinClrLst/>
+    <dgm:txFillClrLst meth="repeat">
+      <a:schemeClr val="tx1"/>
+    </dgm:txFillClrLst>
+    <dgm:txEffectClrLst/>
+  </dgm:styleLbl>
+  <dgm:styleLbl name="parChTrans1D2">
+    <dgm:fillClrLst meth="repeat">
+      <a:schemeClr val="accent6">
+        <a:tint val="90000"/>
+      </a:schemeClr>
+    </dgm:fillClrLst>
+    <dgm:linClrLst meth="repeat">
+      <a:schemeClr val="accent6"/>
+    </dgm:linClrLst>
+    <dgm:effectClrLst/>
+    <dgm:txLinClrLst/>
+    <dgm:txFillClrLst meth="repeat">
+      <a:schemeClr val="tx1"/>
+    </dgm:txFillClrLst>
+    <dgm:txEffectClrLst/>
+  </dgm:styleLbl>
+  <dgm:styleLbl name="parChTrans1D3">
+    <dgm:fillClrLst meth="repeat">
+      <a:schemeClr val="accent6">
+        <a:tint val="70000"/>
+      </a:schemeClr>
     </dgm:fillClrLst>
     <dgm:linClrLst meth="repeat">
       <a:schemeClr val="accent1"/>
@@ -542,46 +536,14 @@
     </dgm:txFillClrLst>
     <dgm:txEffectClrLst/>
   </dgm:styleLbl>
-  <dgm:styleLbl name="parChTrans1D2">
+  <dgm:styleLbl name="parChTrans1D4">
     <dgm:fillClrLst meth="repeat">
-      <a:schemeClr val="accent3">
-        <a:tint val="90000"/>
+      <a:schemeClr val="accent6">
+        <a:tint val="50000"/>
       </a:schemeClr>
     </dgm:fillClrLst>
     <dgm:linClrLst meth="repeat">
       <a:schemeClr val="accent2"/>
-    </dgm:linClrLst>
-    <dgm:effectClrLst/>
-    <dgm:txLinClrLst/>
-    <dgm:txFillClrLst meth="repeat">
-      <a:schemeClr val="tx1"/>
-    </dgm:txFillClrLst>
-    <dgm:txEffectClrLst/>
-  </dgm:styleLbl>
-  <dgm:styleLbl name="parChTrans1D3">
-    <dgm:fillClrLst meth="repeat">
-      <a:schemeClr val="accent4">
-        <a:tint val="70000"/>
-      </a:schemeClr>
-    </dgm:fillClrLst>
-    <dgm:linClrLst meth="repeat">
-      <a:schemeClr val="accent3"/>
-    </dgm:linClrLst>
-    <dgm:effectClrLst/>
-    <dgm:txLinClrLst/>
-    <dgm:txFillClrLst meth="repeat">
-      <a:schemeClr val="tx1"/>
-    </dgm:txFillClrLst>
-    <dgm:txEffectClrLst/>
-  </dgm:styleLbl>
-  <dgm:styleLbl name="parChTrans1D4">
-    <dgm:fillClrLst meth="repeat">
-      <a:schemeClr val="accent5">
-        <a:tint val="50000"/>
-      </a:schemeClr>
-    </dgm:fillClrLst>
-    <dgm:linClrLst meth="repeat">
-      <a:schemeClr val="accent4"/>
     </dgm:linClrLst>
     <dgm:effectClrLst/>
     <dgm:txLinClrLst/>
@@ -596,10 +558,7 @@
         <a:alpha val="90000"/>
       </a:schemeClr>
     </dgm:fillClrLst>
-    <dgm:linClrLst meth="repeat">
-      <a:schemeClr val="accent2"/>
-      <a:schemeClr val="accent3"/>
-      <a:schemeClr val="accent4"/>
+    <dgm:linClrLst>
       <a:schemeClr val="accent5"/>
       <a:schemeClr val="accent6"/>
     </dgm:linClrLst>
@@ -616,10 +575,7 @@
         <a:alpha val="90000"/>
       </a:schemeClr>
     </dgm:fillClrLst>
-    <dgm:linClrLst meth="repeat">
-      <a:schemeClr val="accent2"/>
-      <a:schemeClr val="accent3"/>
-      <a:schemeClr val="accent4"/>
+    <dgm:linClrLst>
       <a:schemeClr val="accent5"/>
       <a:schemeClr val="accent6"/>
     </dgm:linClrLst>
@@ -636,10 +592,7 @@
         <a:alpha val="90000"/>
       </a:schemeClr>
     </dgm:fillClrLst>
-    <dgm:linClrLst meth="repeat">
-      <a:schemeClr val="accent2"/>
-      <a:schemeClr val="accent3"/>
-      <a:schemeClr val="accent4"/>
+    <dgm:linClrLst>
       <a:schemeClr val="accent5"/>
       <a:schemeClr val="accent6"/>
     </dgm:linClrLst>
@@ -657,7 +610,7 @@
       </a:schemeClr>
     </dgm:fillClrLst>
     <dgm:linClrLst meth="repeat">
-      <a:schemeClr val="accent1"/>
+      <a:schemeClr val="accent5"/>
     </dgm:linClrLst>
     <dgm:effectClrLst/>
     <dgm:txLinClrLst/>
@@ -672,10 +625,7 @@
         <a:alpha val="90000"/>
       </a:schemeClr>
     </dgm:fillClrLst>
-    <dgm:linClrLst meth="repeat">
-      <a:schemeClr val="accent2"/>
-      <a:schemeClr val="accent3"/>
-      <a:schemeClr val="accent4"/>
+    <dgm:linClrLst>
       <a:schemeClr val="accent5"/>
       <a:schemeClr val="accent6"/>
     </dgm:linClrLst>
@@ -690,10 +640,7 @@
     <dgm:fillClrLst meth="repeat">
       <a:schemeClr val="lt1"/>
     </dgm:fillClrLst>
-    <dgm:linClrLst meth="repeat">
-      <a:schemeClr val="accent2"/>
-      <a:schemeClr val="accent3"/>
-      <a:schemeClr val="accent4"/>
+    <dgm:linClrLst>
       <a:schemeClr val="accent5"/>
       <a:schemeClr val="accent6"/>
     </dgm:linClrLst>
@@ -708,10 +655,7 @@
     <dgm:fillClrLst meth="repeat">
       <a:schemeClr val="lt1"/>
     </dgm:fillClrLst>
-    <dgm:linClrLst meth="repeat">
-      <a:schemeClr val="accent2"/>
-      <a:schemeClr val="accent3"/>
-      <a:schemeClr val="accent4"/>
+    <dgm:linClrLst>
       <a:schemeClr val="accent5"/>
       <a:schemeClr val="accent6"/>
     </dgm:linClrLst>
@@ -726,10 +670,7 @@
     <dgm:fillClrLst meth="repeat">
       <a:schemeClr val="lt1"/>
     </dgm:fillClrLst>
-    <dgm:linClrLst meth="repeat">
-      <a:schemeClr val="accent2"/>
-      <a:schemeClr val="accent3"/>
-      <a:schemeClr val="accent4"/>
+    <dgm:linClrLst>
       <a:schemeClr val="accent5"/>
       <a:schemeClr val="accent6"/>
     </dgm:linClrLst>
@@ -741,19 +682,7 @@
     <dgm:txEffectClrLst/>
   </dgm:styleLbl>
   <dgm:styleLbl name="fgAccFollowNode1">
-    <dgm:fillClrLst meth="repeat">
-      <a:schemeClr val="accent2">
-        <a:tint val="40000"/>
-        <a:alpha val="90000"/>
-      </a:schemeClr>
-      <a:schemeClr val="accent3">
-        <a:tint val="40000"/>
-        <a:alpha val="90000"/>
-      </a:schemeClr>
-      <a:schemeClr val="accent4">
-        <a:tint val="40000"/>
-        <a:alpha val="90000"/>
-      </a:schemeClr>
+    <dgm:fillClrLst>
       <a:schemeClr val="accent5">
         <a:tint val="40000"/>
         <a:alpha val="90000"/>
@@ -763,24 +692,12 @@
         <a:alpha val="90000"/>
       </a:schemeClr>
     </dgm:fillClrLst>
-    <dgm:linClrLst meth="repeat">
-      <a:schemeClr val="accent2">
-        <a:tint val="40000"/>
-        <a:alpha val="90000"/>
-      </a:schemeClr>
-      <a:schemeClr val="accent3">
-        <a:tint val="40000"/>
-        <a:alpha val="90000"/>
-      </a:schemeClr>
-      <a:schemeClr val="accent4">
+    <dgm:linClrLst>
+      <a:schemeClr val="accent5">
         <a:tint val="40000"/>
         <a:alpha val="90000"/>
       </a:schemeClr>
       <a:schemeClr val="accent5">
-        <a:tint val="40000"/>
-        <a:alpha val="90000"/>
-      </a:schemeClr>
-      <a:schemeClr val="accent6">
         <a:tint val="40000"/>
         <a:alpha val="90000"/>
       </a:schemeClr>
@@ -793,19 +710,7 @@
     <dgm:txEffectClrLst/>
   </dgm:styleLbl>
   <dgm:styleLbl name="alignAccFollowNode1">
-    <dgm:fillClrLst meth="repeat">
-      <a:schemeClr val="accent2">
-        <a:tint val="40000"/>
-        <a:alpha val="90000"/>
-      </a:schemeClr>
-      <a:schemeClr val="accent3">
-        <a:tint val="40000"/>
-        <a:alpha val="90000"/>
-      </a:schemeClr>
-      <a:schemeClr val="accent4">
-        <a:tint val="40000"/>
-        <a:alpha val="90000"/>
-      </a:schemeClr>
+    <dgm:fillClrLst>
       <a:schemeClr val="accent5">
         <a:tint val="40000"/>
         <a:alpha val="90000"/>
@@ -815,19 +720,7 @@
         <a:alpha val="90000"/>
       </a:schemeClr>
     </dgm:fillClrLst>
-    <dgm:linClrLst meth="repeat">
-      <a:schemeClr val="accent2">
-        <a:tint val="40000"/>
-        <a:alpha val="90000"/>
-      </a:schemeClr>
-      <a:schemeClr val="accent3">
-        <a:tint val="40000"/>
-        <a:alpha val="90000"/>
-      </a:schemeClr>
-      <a:schemeClr val="accent4">
-        <a:tint val="40000"/>
-        <a:alpha val="90000"/>
-      </a:schemeClr>
+    <dgm:linClrLst>
       <a:schemeClr val="accent5">
         <a:tint val="40000"/>
         <a:alpha val="90000"/>
@@ -845,19 +738,7 @@
     <dgm:txEffectClrLst/>
   </dgm:styleLbl>
   <dgm:styleLbl name="bgAccFollowNode1">
-    <dgm:fillClrLst meth="repeat">
-      <a:schemeClr val="accent2">
-        <a:tint val="40000"/>
-        <a:alpha val="90000"/>
-      </a:schemeClr>
-      <a:schemeClr val="accent3">
-        <a:tint val="40000"/>
-        <a:alpha val="90000"/>
-      </a:schemeClr>
-      <a:schemeClr val="accent4">
-        <a:tint val="40000"/>
-        <a:alpha val="90000"/>
-      </a:schemeClr>
+    <dgm:fillClrLst>
       <a:schemeClr val="accent5">
         <a:tint val="40000"/>
         <a:alpha val="90000"/>
@@ -867,19 +748,7 @@
         <a:alpha val="90000"/>
       </a:schemeClr>
     </dgm:fillClrLst>
-    <dgm:linClrLst meth="repeat">
-      <a:schemeClr val="accent2">
-        <a:tint val="40000"/>
-        <a:alpha val="90000"/>
-      </a:schemeClr>
-      <a:schemeClr val="accent3">
-        <a:tint val="40000"/>
-        <a:alpha val="90000"/>
-      </a:schemeClr>
-      <a:schemeClr val="accent4">
-        <a:tint val="40000"/>
-        <a:alpha val="90000"/>
-      </a:schemeClr>
+    <dgm:linClrLst>
       <a:schemeClr val="accent5">
         <a:tint val="40000"/>
         <a:alpha val="90000"/>
@@ -903,7 +772,7 @@
       </a:schemeClr>
     </dgm:fillClrLst>
     <dgm:linClrLst>
-      <a:schemeClr val="accent1"/>
+      <a:schemeClr val="accent4"/>
     </dgm:linClrLst>
     <dgm:effectClrLst/>
     <dgm:txLinClrLst/>
@@ -919,7 +788,7 @@
       </a:schemeClr>
     </dgm:fillClrLst>
     <dgm:linClrLst>
-      <a:schemeClr val="accent2"/>
+      <a:schemeClr val="accent6"/>
     </dgm:linClrLst>
     <dgm:effectClrLst/>
     <dgm:txLinClrLst/>
@@ -935,7 +804,7 @@
       </a:schemeClr>
     </dgm:fillClrLst>
     <dgm:linClrLst>
-      <a:schemeClr val="accent3"/>
+      <a:schemeClr val="accent1"/>
     </dgm:linClrLst>
     <dgm:effectClrLst/>
     <dgm:txLinClrLst/>
@@ -951,7 +820,7 @@
       </a:schemeClr>
     </dgm:fillClrLst>
     <dgm:linClrLst>
-      <a:schemeClr val="accent4"/>
+      <a:schemeClr val="accent2"/>
     </dgm:linClrLst>
     <dgm:effectClrLst/>
     <dgm:txLinClrLst/>
@@ -978,7 +847,7 @@
   </dgm:styleLbl>
   <dgm:styleLbl name="dkBgShp">
     <dgm:fillClrLst meth="repeat">
-      <a:schemeClr val="accent2">
+      <a:schemeClr val="accent5">
         <a:shade val="90000"/>
       </a:schemeClr>
     </dgm:fillClrLst>
@@ -994,13 +863,13 @@
   </dgm:styleLbl>
   <dgm:styleLbl name="trBgShp">
     <dgm:fillClrLst meth="repeat">
-      <a:schemeClr val="accent1">
+      <a:schemeClr val="accent5">
         <a:tint val="50000"/>
         <a:alpha val="40000"/>
       </a:schemeClr>
     </dgm:fillClrLst>
     <dgm:linClrLst meth="repeat">
-      <a:schemeClr val="accent2"/>
+      <a:schemeClr val="accent5"/>
     </dgm:linClrLst>
     <dgm:effectClrLst/>
     <dgm:txLinClrLst/>
@@ -1011,7 +880,7 @@
   </dgm:styleLbl>
   <dgm:styleLbl name="fgShp">
     <dgm:fillClrLst meth="repeat">
-      <a:schemeClr val="accent2">
+      <a:schemeClr val="accent5">
         <a:tint val="40000"/>
       </a:schemeClr>
     </dgm:fillClrLst>
@@ -1050,7 +919,7 @@
 <dgm:dataModel xmlns:dgm="http://schemas.openxmlformats.org/drawingml/2006/diagram" xmlns:a="http://schemas.openxmlformats.org/drawingml/2006/main">
   <dgm:ptLst>
     <dgm:pt modelId="{B7CCDE46-7A3F-47FA-8ECD-F3A496337D39}" type="doc">
-      <dgm:prSet loTypeId="urn:microsoft.com/office/officeart/2018/2/layout/IconVerticalSolidList" loCatId="icon" qsTypeId="urn:microsoft.com/office/officeart/2005/8/quickstyle/simple1" qsCatId="simple" csTypeId="urn:microsoft.com/office/officeart/2018/5/colors/Iconchunking_neutralbg_colorful1" csCatId="colorful" phldr="1"/>
+      <dgm:prSet loTypeId="urn:microsoft.com/office/officeart/2018/2/layout/IconVerticalSolidList" loCatId="icon" qsTypeId="urn:microsoft.com/office/officeart/2005/8/quickstyle/simple1" qsCatId="simple" csTypeId="urn:microsoft.com/office/officeart/2018/5/colors/Iconchunking_neutralbg_colorful5" csCatId="colorful" phldr="1"/>
       <dgm:spPr/>
       <dgm:t>
         <a:bodyPr/>
@@ -1208,43 +1077,6 @@
         </a:p>
       </dgm:t>
     </dgm:pt>
-    <dgm:pt modelId="{B86E489B-8C4C-4461-9EAE-410833D8CEBC}">
-      <dgm:prSet/>
-      <dgm:spPr/>
-      <dgm:t>
-        <a:bodyPr/>
-        <a:lstStyle/>
-        <a:p>
-          <a:r>
-            <a:rPr lang="es-ES"/>
-            <a:t>Codigo</a:t>
-          </a:r>
-          <a:endParaRPr lang="en-US"/>
-        </a:p>
-      </dgm:t>
-    </dgm:pt>
-    <dgm:pt modelId="{41DEE1D2-F5E5-4C52-8FB2-4302C0C7FF3F}" type="parTrans" cxnId="{32EE017D-A59C-4609-8013-B9CFE99A8AB4}">
-      <dgm:prSet/>
-      <dgm:spPr/>
-      <dgm:t>
-        <a:bodyPr/>
-        <a:lstStyle/>
-        <a:p>
-          <a:endParaRPr lang="en-US"/>
-        </a:p>
-      </dgm:t>
-    </dgm:pt>
-    <dgm:pt modelId="{34A26E3A-2A55-4BB1-82FA-9A039A817F39}" type="sibTrans" cxnId="{32EE017D-A59C-4609-8013-B9CFE99A8AB4}">
-      <dgm:prSet/>
-      <dgm:spPr/>
-      <dgm:t>
-        <a:bodyPr/>
-        <a:lstStyle/>
-        <a:p>
-          <a:endParaRPr lang="en-US"/>
-        </a:p>
-      </dgm:t>
-    </dgm:pt>
     <dgm:pt modelId="{CB569D9D-1602-40CA-9A2F-46B70A203773}">
       <dgm:prSet/>
       <dgm:spPr/>
@@ -1253,10 +1085,10 @@
         <a:lstStyle/>
         <a:p>
           <a:r>
-            <a:rPr lang="es-ES"/>
-            <a:t>Porque e usado esto?</a:t>
+            <a:rPr lang="es-ES" dirty="0"/>
+            <a:t>¿Porque he usado esto?</a:t>
           </a:r>
-          <a:endParaRPr lang="en-US"/>
+          <a:endParaRPr lang="en-US" dirty="0"/>
         </a:p>
       </dgm:t>
     </dgm:pt>
@@ -1296,11 +1128,11 @@
       <dgm:spPr/>
     </dgm:pt>
     <dgm:pt modelId="{965EA740-D44A-47B2-AD39-5993B560A3A2}" type="pres">
-      <dgm:prSet presAssocID="{B82B9C7E-636D-481B-B734-DBD3A0C81D00}" presName="bgRect" presStyleLbl="bgShp" presStyleIdx="0" presStyleCnt="6"/>
+      <dgm:prSet presAssocID="{B82B9C7E-636D-481B-B734-DBD3A0C81D00}" presName="bgRect" presStyleLbl="bgShp" presStyleIdx="0" presStyleCnt="5"/>
       <dgm:spPr/>
     </dgm:pt>
     <dgm:pt modelId="{7106DC7E-810F-40AC-901A-993B60B0BABB}" type="pres">
-      <dgm:prSet presAssocID="{B82B9C7E-636D-481B-B734-DBD3A0C81D00}" presName="iconRect" presStyleLbl="node1" presStyleIdx="0" presStyleCnt="6"/>
+      <dgm:prSet presAssocID="{B82B9C7E-636D-481B-B734-DBD3A0C81D00}" presName="iconRect" presStyleLbl="node1" presStyleIdx="0" presStyleCnt="5"/>
       <dgm:spPr>
         <a:blipFill>
           <a:blip xmlns:r="http://schemas.openxmlformats.org/officeDocument/2006/relationships" r:embed="rId1">
@@ -1332,7 +1164,7 @@
       <dgm:spPr/>
     </dgm:pt>
     <dgm:pt modelId="{1CE228F7-A178-4AF6-8E91-3B113C03160E}" type="pres">
-      <dgm:prSet presAssocID="{B82B9C7E-636D-481B-B734-DBD3A0C81D00}" presName="parTx" presStyleLbl="revTx" presStyleIdx="0" presStyleCnt="6">
+      <dgm:prSet presAssocID="{B82B9C7E-636D-481B-B734-DBD3A0C81D00}" presName="parTx" presStyleLbl="revTx" presStyleIdx="0" presStyleCnt="5">
         <dgm:presLayoutVars>
           <dgm:chMax val="0"/>
           <dgm:chPref val="0"/>
@@ -1349,11 +1181,11 @@
       <dgm:spPr/>
     </dgm:pt>
     <dgm:pt modelId="{7A8C693B-9C50-4E38-A137-CE889639C2D0}" type="pres">
-      <dgm:prSet presAssocID="{1F9DB50F-1A8C-42C2-BFA4-4EC48BEAE6E5}" presName="bgRect" presStyleLbl="bgShp" presStyleIdx="1" presStyleCnt="6"/>
+      <dgm:prSet presAssocID="{1F9DB50F-1A8C-42C2-BFA4-4EC48BEAE6E5}" presName="bgRect" presStyleLbl="bgShp" presStyleIdx="1" presStyleCnt="5"/>
       <dgm:spPr/>
     </dgm:pt>
     <dgm:pt modelId="{9BD92682-E08B-4F50-925B-BA6B74DD554A}" type="pres">
-      <dgm:prSet presAssocID="{1F9DB50F-1A8C-42C2-BFA4-4EC48BEAE6E5}" presName="iconRect" presStyleLbl="node1" presStyleIdx="1" presStyleCnt="6"/>
+      <dgm:prSet presAssocID="{1F9DB50F-1A8C-42C2-BFA4-4EC48BEAE6E5}" presName="iconRect" presStyleLbl="node1" presStyleIdx="1" presStyleCnt="5"/>
       <dgm:spPr>
         <a:blipFill>
           <a:blip xmlns:r="http://schemas.openxmlformats.org/officeDocument/2006/relationships" r:embed="rId3">
@@ -1385,7 +1217,7 @@
       <dgm:spPr/>
     </dgm:pt>
     <dgm:pt modelId="{23A23C3B-4CE0-4685-9F49-D3399742A06F}" type="pres">
-      <dgm:prSet presAssocID="{1F9DB50F-1A8C-42C2-BFA4-4EC48BEAE6E5}" presName="parTx" presStyleLbl="revTx" presStyleIdx="1" presStyleCnt="6">
+      <dgm:prSet presAssocID="{1F9DB50F-1A8C-42C2-BFA4-4EC48BEAE6E5}" presName="parTx" presStyleLbl="revTx" presStyleIdx="1" presStyleCnt="5">
         <dgm:presLayoutVars>
           <dgm:chMax val="0"/>
           <dgm:chPref val="0"/>
@@ -1402,11 +1234,11 @@
       <dgm:spPr/>
     </dgm:pt>
     <dgm:pt modelId="{32A63343-310A-4F9A-8AA5-153130F6FA2A}" type="pres">
-      <dgm:prSet presAssocID="{8FA06BA2-199B-4291-882D-E33C8411082A}" presName="bgRect" presStyleLbl="bgShp" presStyleIdx="2" presStyleCnt="6"/>
+      <dgm:prSet presAssocID="{8FA06BA2-199B-4291-882D-E33C8411082A}" presName="bgRect" presStyleLbl="bgShp" presStyleIdx="2" presStyleCnt="5"/>
       <dgm:spPr/>
     </dgm:pt>
     <dgm:pt modelId="{E3FC30FE-41E9-4635-863D-01CB809540CF}" type="pres">
-      <dgm:prSet presAssocID="{8FA06BA2-199B-4291-882D-E33C8411082A}" presName="iconRect" presStyleLbl="node1" presStyleIdx="2" presStyleCnt="6"/>
+      <dgm:prSet presAssocID="{8FA06BA2-199B-4291-882D-E33C8411082A}" presName="iconRect" presStyleLbl="node1" presStyleIdx="2" presStyleCnt="5"/>
       <dgm:spPr>
         <a:blipFill>
           <a:blip xmlns:r="http://schemas.openxmlformats.org/officeDocument/2006/relationships" r:embed="rId5">
@@ -1438,7 +1270,7 @@
       <dgm:spPr/>
     </dgm:pt>
     <dgm:pt modelId="{BCC6B495-1159-4859-ADBF-57F526D89FA1}" type="pres">
-      <dgm:prSet presAssocID="{8FA06BA2-199B-4291-882D-E33C8411082A}" presName="parTx" presStyleLbl="revTx" presStyleIdx="2" presStyleCnt="6">
+      <dgm:prSet presAssocID="{8FA06BA2-199B-4291-882D-E33C8411082A}" presName="parTx" presStyleLbl="revTx" presStyleIdx="2" presStyleCnt="5">
         <dgm:presLayoutVars>
           <dgm:chMax val="0"/>
           <dgm:chPref val="0"/>
@@ -1455,11 +1287,11 @@
       <dgm:spPr/>
     </dgm:pt>
     <dgm:pt modelId="{FEA0FCAC-17E7-4248-84CE-963C64E31AA0}" type="pres">
-      <dgm:prSet presAssocID="{2E2DDA94-608C-43AC-9C61-68964103DADA}" presName="bgRect" presStyleLbl="bgShp" presStyleIdx="3" presStyleCnt="6"/>
+      <dgm:prSet presAssocID="{2E2DDA94-608C-43AC-9C61-68964103DADA}" presName="bgRect" presStyleLbl="bgShp" presStyleIdx="3" presStyleCnt="5" custLinFactNeighborX="458"/>
       <dgm:spPr/>
     </dgm:pt>
     <dgm:pt modelId="{4FF875F4-129C-436B-AE5B-E30E4EA6125E}" type="pres">
-      <dgm:prSet presAssocID="{2E2DDA94-608C-43AC-9C61-68964103DADA}" presName="iconRect" presStyleLbl="node1" presStyleIdx="3" presStyleCnt="6"/>
+      <dgm:prSet presAssocID="{2E2DDA94-608C-43AC-9C61-68964103DADA}" presName="iconRect" presStyleLbl="node1" presStyleIdx="3" presStyleCnt="5"/>
       <dgm:spPr>
         <a:blipFill>
           <a:blip xmlns:r="http://schemas.openxmlformats.org/officeDocument/2006/relationships" r:embed="rId7">
@@ -1491,7 +1323,7 @@
       <dgm:spPr/>
     </dgm:pt>
     <dgm:pt modelId="{F763F47D-E8A0-4E12-BDBB-569B51C6BB57}" type="pres">
-      <dgm:prSet presAssocID="{2E2DDA94-608C-43AC-9C61-68964103DADA}" presName="parTx" presStyleLbl="revTx" presStyleIdx="3" presStyleCnt="6">
+      <dgm:prSet presAssocID="{2E2DDA94-608C-43AC-9C61-68964103DADA}" presName="parTx" presStyleLbl="revTx" presStyleIdx="3" presStyleCnt="5">
         <dgm:presLayoutVars>
           <dgm:chMax val="0"/>
           <dgm:chPref val="0"/>
@@ -1503,78 +1335,25 @@
       <dgm:prSet presAssocID="{D1A42052-FBF5-4238-82DC-10412AAFD09F}" presName="sibTrans" presStyleCnt="0"/>
       <dgm:spPr/>
     </dgm:pt>
-    <dgm:pt modelId="{893FC24A-2553-4DF7-B526-4F9F238BF3CC}" type="pres">
-      <dgm:prSet presAssocID="{B86E489B-8C4C-4461-9EAE-410833D8CEBC}" presName="compNode" presStyleCnt="0"/>
-      <dgm:spPr/>
-    </dgm:pt>
-    <dgm:pt modelId="{3D5CCE64-0CF4-43E5-926A-891251C34F07}" type="pres">
-      <dgm:prSet presAssocID="{B86E489B-8C4C-4461-9EAE-410833D8CEBC}" presName="bgRect" presStyleLbl="bgShp" presStyleIdx="4" presStyleCnt="6"/>
-      <dgm:spPr/>
-    </dgm:pt>
-    <dgm:pt modelId="{F6E1CECA-FCEF-4437-BF8F-BC259095A948}" type="pres">
-      <dgm:prSet presAssocID="{B86E489B-8C4C-4461-9EAE-410833D8CEBC}" presName="iconRect" presStyleLbl="node1" presStyleIdx="4" presStyleCnt="6"/>
-      <dgm:spPr>
-        <a:blipFill>
-          <a:blip xmlns:r="http://schemas.openxmlformats.org/officeDocument/2006/relationships" r:embed="rId9">
-            <a:extLst>
-              <a:ext uri="{28A0092B-C50C-407E-A947-70E740481C1C}">
-                <a14:useLocalDpi xmlns:a14="http://schemas.microsoft.com/office/drawing/2010/main" val="0"/>
-              </a:ext>
-              <a:ext uri="{96DAC541-7B7A-43D3-8B79-37D633B846F1}">
-                <asvg:svgBlip xmlns:asvg="http://schemas.microsoft.com/office/drawing/2016/SVG/main" r:embed="rId10"/>
-              </a:ext>
-            </a:extLst>
-          </a:blip>
-          <a:stretch>
-            <a:fillRect/>
-          </a:stretch>
-        </a:blipFill>
-        <a:ln>
-          <a:noFill/>
-        </a:ln>
-      </dgm:spPr>
-      <dgm:extLst>
-        <a:ext uri="{E40237B7-FDA0-4F09-8148-C483321AD2D9}">
-          <dgm14:cNvPr xmlns:dgm14="http://schemas.microsoft.com/office/drawing/2010/diagram" id="0" name="" descr="Código de barras"/>
-        </a:ext>
-      </dgm:extLst>
-    </dgm:pt>
-    <dgm:pt modelId="{36ADCF31-27D6-41FB-AB5E-58F7B4D3E40D}" type="pres">
-      <dgm:prSet presAssocID="{B86E489B-8C4C-4461-9EAE-410833D8CEBC}" presName="spaceRect" presStyleCnt="0"/>
-      <dgm:spPr/>
-    </dgm:pt>
-    <dgm:pt modelId="{BD5CA3FA-F5FD-484C-BD98-88E507916A51}" type="pres">
-      <dgm:prSet presAssocID="{B86E489B-8C4C-4461-9EAE-410833D8CEBC}" presName="parTx" presStyleLbl="revTx" presStyleIdx="4" presStyleCnt="6">
-        <dgm:presLayoutVars>
-          <dgm:chMax val="0"/>
-          <dgm:chPref val="0"/>
-        </dgm:presLayoutVars>
-      </dgm:prSet>
-      <dgm:spPr/>
-    </dgm:pt>
-    <dgm:pt modelId="{BC571819-74D0-46E8-97FB-59829C3FA7C2}" type="pres">
-      <dgm:prSet presAssocID="{34A26E3A-2A55-4BB1-82FA-9A039A817F39}" presName="sibTrans" presStyleCnt="0"/>
-      <dgm:spPr/>
-    </dgm:pt>
     <dgm:pt modelId="{F17BFC32-3A57-4900-9F2D-D3FDE9F32FD8}" type="pres">
       <dgm:prSet presAssocID="{CB569D9D-1602-40CA-9A2F-46B70A203773}" presName="compNode" presStyleCnt="0"/>
       <dgm:spPr/>
     </dgm:pt>
     <dgm:pt modelId="{F6D12AFC-15E0-44B8-8DA0-C45ADE6CAFC1}" type="pres">
-      <dgm:prSet presAssocID="{CB569D9D-1602-40CA-9A2F-46B70A203773}" presName="bgRect" presStyleLbl="bgShp" presStyleIdx="5" presStyleCnt="6"/>
+      <dgm:prSet presAssocID="{CB569D9D-1602-40CA-9A2F-46B70A203773}" presName="bgRect" presStyleLbl="bgShp" presStyleIdx="4" presStyleCnt="5"/>
       <dgm:spPr/>
     </dgm:pt>
     <dgm:pt modelId="{A103EDB6-5C00-4505-88EF-1BDF3C70FF20}" type="pres">
-      <dgm:prSet presAssocID="{CB569D9D-1602-40CA-9A2F-46B70A203773}" presName="iconRect" presStyleLbl="node1" presStyleIdx="5" presStyleCnt="6"/>
+      <dgm:prSet presAssocID="{CB569D9D-1602-40CA-9A2F-46B70A203773}" presName="iconRect" presStyleLbl="node1" presStyleIdx="4" presStyleCnt="5"/>
       <dgm:spPr>
         <a:blipFill>
-          <a:blip xmlns:r="http://schemas.openxmlformats.org/officeDocument/2006/relationships" r:embed="rId11">
+          <a:blip xmlns:r="http://schemas.openxmlformats.org/officeDocument/2006/relationships" r:embed="rId9">
             <a:extLst>
               <a:ext uri="{28A0092B-C50C-407E-A947-70E740481C1C}">
                 <a14:useLocalDpi xmlns:a14="http://schemas.microsoft.com/office/drawing/2010/main" val="0"/>
               </a:ext>
               <a:ext uri="{96DAC541-7B7A-43D3-8B79-37D633B846F1}">
-                <asvg:svgBlip xmlns:asvg="http://schemas.microsoft.com/office/drawing/2016/SVG/main" r:embed="rId12"/>
+                <asvg:svgBlip xmlns:asvg="http://schemas.microsoft.com/office/drawing/2016/SVG/main" r:embed="rId10"/>
               </a:ext>
             </a:extLst>
           </a:blip>
@@ -1597,7 +1376,7 @@
       <dgm:spPr/>
     </dgm:pt>
     <dgm:pt modelId="{AD0AF3D7-E99C-45BB-9E50-9CC991F6BEDD}" type="pres">
-      <dgm:prSet presAssocID="{CB569D9D-1602-40CA-9A2F-46B70A203773}" presName="parTx" presStyleLbl="revTx" presStyleIdx="5" presStyleCnt="6">
+      <dgm:prSet presAssocID="{CB569D9D-1602-40CA-9A2F-46B70A203773}" presName="parTx" presStyleLbl="revTx" presStyleIdx="4" presStyleCnt="5">
         <dgm:presLayoutVars>
           <dgm:chMax val="0"/>
           <dgm:chPref val="0"/>
@@ -1608,53 +1387,45 @@
   </dgm:ptLst>
   <dgm:cxnLst>
     <dgm:cxn modelId="{5A917401-ECF4-46D9-98DE-081D941129D2}" srcId="{B7CCDE46-7A3F-47FA-8ECD-F3A496337D39}" destId="{B82B9C7E-636D-481B-B734-DBD3A0C81D00}" srcOrd="0" destOrd="0" parTransId="{C7183387-A109-4D80-84EF-0AAC1EFE13E7}" sibTransId="{7A2A1A69-6609-4EF7-8106-653CB7048CD9}"/>
-    <dgm:cxn modelId="{7AAAAE12-36A9-42AD-BBD9-8F76FF84E0B7}" type="presOf" srcId="{1F9DB50F-1A8C-42C2-BFA4-4EC48BEAE6E5}" destId="{23A23C3B-4CE0-4685-9F49-D3399742A06F}" srcOrd="0" destOrd="0" presId="urn:microsoft.com/office/officeart/2018/2/layout/IconVerticalSolidList"/>
-    <dgm:cxn modelId="{86FA2564-F211-4E77-880E-026290DBB6E1}" srcId="{B7CCDE46-7A3F-47FA-8ECD-F3A496337D39}" destId="{CB569D9D-1602-40CA-9A2F-46B70A203773}" srcOrd="5" destOrd="0" parTransId="{CBE83AB3-815B-4AEC-9C92-57EF883C5284}" sibTransId="{E80C4C0D-6D41-461E-A750-EEA038F88275}"/>
+    <dgm:cxn modelId="{5063621D-6A37-4AEE-B900-A03954C9DE7B}" type="presOf" srcId="{2E2DDA94-608C-43AC-9C61-68964103DADA}" destId="{F763F47D-E8A0-4E12-BDBB-569B51C6BB57}" srcOrd="0" destOrd="0" presId="urn:microsoft.com/office/officeart/2018/2/layout/IconVerticalSolidList"/>
+    <dgm:cxn modelId="{81369A30-1433-4FC8-9D9C-A7B690FD683D}" type="presOf" srcId="{B7CCDE46-7A3F-47FA-8ECD-F3A496337D39}" destId="{477A92A2-DB23-4329-A73B-AB048D5D629F}" srcOrd="0" destOrd="0" presId="urn:microsoft.com/office/officeart/2018/2/layout/IconVerticalSolidList"/>
+    <dgm:cxn modelId="{86FA2564-F211-4E77-880E-026290DBB6E1}" srcId="{B7CCDE46-7A3F-47FA-8ECD-F3A496337D39}" destId="{CB569D9D-1602-40CA-9A2F-46B70A203773}" srcOrd="4" destOrd="0" parTransId="{CBE83AB3-815B-4AEC-9C92-57EF883C5284}" sibTransId="{E80C4C0D-6D41-461E-A750-EEA038F88275}"/>
+    <dgm:cxn modelId="{441CFB48-C9FB-4230-BE77-06A0665B00E7}" type="presOf" srcId="{1F9DB50F-1A8C-42C2-BFA4-4EC48BEAE6E5}" destId="{23A23C3B-4CE0-4685-9F49-D3399742A06F}" srcOrd="0" destOrd="0" presId="urn:microsoft.com/office/officeart/2018/2/layout/IconVerticalSolidList"/>
     <dgm:cxn modelId="{14B7E44E-9EC7-4F0C-80CA-7A3240B4F1E9}" srcId="{B7CCDE46-7A3F-47FA-8ECD-F3A496337D39}" destId="{8FA06BA2-199B-4291-882D-E33C8411082A}" srcOrd="2" destOrd="0" parTransId="{B871EC60-38FE-4B15-93FB-A96659F08719}" sibTransId="{F1B31658-7FE8-4CB4-A0EF-4FC1D153F3E6}"/>
-    <dgm:cxn modelId="{32EE017D-A59C-4609-8013-B9CFE99A8AB4}" srcId="{B7CCDE46-7A3F-47FA-8ECD-F3A496337D39}" destId="{B86E489B-8C4C-4461-9EAE-410833D8CEBC}" srcOrd="4" destOrd="0" parTransId="{41DEE1D2-F5E5-4C52-8FB2-4302C0C7FF3F}" sibTransId="{34A26E3A-2A55-4BB1-82FA-9A039A817F39}"/>
+    <dgm:cxn modelId="{ECBA2279-FE5A-44DE-B483-954A768C3892}" type="presOf" srcId="{B82B9C7E-636D-481B-B734-DBD3A0C81D00}" destId="{1CE228F7-A178-4AF6-8E91-3B113C03160E}" srcOrd="0" destOrd="0" presId="urn:microsoft.com/office/officeart/2018/2/layout/IconVerticalSolidList"/>
     <dgm:cxn modelId="{35223F8E-DDD3-4320-A831-882FF2371980}" srcId="{B7CCDE46-7A3F-47FA-8ECD-F3A496337D39}" destId="{2E2DDA94-608C-43AC-9C61-68964103DADA}" srcOrd="3" destOrd="0" parTransId="{2CFBB059-7E8E-4D8F-B68B-47E1149A224D}" sibTransId="{D1A42052-FBF5-4238-82DC-10412AAFD09F}"/>
+    <dgm:cxn modelId="{C331EF92-940C-4AF5-83D0-33C0A4A4C962}" type="presOf" srcId="{CB569D9D-1602-40CA-9A2F-46B70A203773}" destId="{AD0AF3D7-E99C-45BB-9E50-9CC991F6BEDD}" srcOrd="0" destOrd="0" presId="urn:microsoft.com/office/officeart/2018/2/layout/IconVerticalSolidList"/>
     <dgm:cxn modelId="{39B34695-B658-419D-A45E-E9C9DFFD6E75}" srcId="{B7CCDE46-7A3F-47FA-8ECD-F3A496337D39}" destId="{1F9DB50F-1A8C-42C2-BFA4-4EC48BEAE6E5}" srcOrd="1" destOrd="0" parTransId="{F58AE301-23F1-436C-95C1-3B439E83ABC3}" sibTransId="{30DAE0FD-1F9F-4476-BA5B-F2BE51C59E7C}"/>
-    <dgm:cxn modelId="{94AD449D-4373-43EF-AD1D-89ADAB8478A8}" type="presOf" srcId="{B82B9C7E-636D-481B-B734-DBD3A0C81D00}" destId="{1CE228F7-A178-4AF6-8E91-3B113C03160E}" srcOrd="0" destOrd="0" presId="urn:microsoft.com/office/officeart/2018/2/layout/IconVerticalSolidList"/>
-    <dgm:cxn modelId="{99ACE1A8-2283-44DC-B0E4-B289C632F2E1}" type="presOf" srcId="{B86E489B-8C4C-4461-9EAE-410833D8CEBC}" destId="{BD5CA3FA-F5FD-484C-BD98-88E507916A51}" srcOrd="0" destOrd="0" presId="urn:microsoft.com/office/officeart/2018/2/layout/IconVerticalSolidList"/>
-    <dgm:cxn modelId="{653A7FB1-844F-4D75-BC56-E764A36A1049}" type="presOf" srcId="{2E2DDA94-608C-43AC-9C61-68964103DADA}" destId="{F763F47D-E8A0-4E12-BDBB-569B51C6BB57}" srcOrd="0" destOrd="0" presId="urn:microsoft.com/office/officeart/2018/2/layout/IconVerticalSolidList"/>
-    <dgm:cxn modelId="{3584C5BA-729F-479F-A366-B6610962633F}" type="presOf" srcId="{B7CCDE46-7A3F-47FA-8ECD-F3A496337D39}" destId="{477A92A2-DB23-4329-A73B-AB048D5D629F}" srcOrd="0" destOrd="0" presId="urn:microsoft.com/office/officeart/2018/2/layout/IconVerticalSolidList"/>
-    <dgm:cxn modelId="{48D1BDBF-52C6-40F7-B5B7-03FE613FF1FC}" type="presOf" srcId="{8FA06BA2-199B-4291-882D-E33C8411082A}" destId="{BCC6B495-1159-4859-ADBF-57F526D89FA1}" srcOrd="0" destOrd="0" presId="urn:microsoft.com/office/officeart/2018/2/layout/IconVerticalSolidList"/>
-    <dgm:cxn modelId="{E4E8A7CE-40D3-4DB4-A780-B5C484D31E33}" type="presOf" srcId="{CB569D9D-1602-40CA-9A2F-46B70A203773}" destId="{AD0AF3D7-E99C-45BB-9E50-9CC991F6BEDD}" srcOrd="0" destOrd="0" presId="urn:microsoft.com/office/officeart/2018/2/layout/IconVerticalSolidList"/>
-    <dgm:cxn modelId="{C1D2606A-5594-444D-B4D3-1D4879291EFB}" type="presParOf" srcId="{477A92A2-DB23-4329-A73B-AB048D5D629F}" destId="{354D8CF3-75E9-42B5-9EEF-80F547D92107}" srcOrd="0" destOrd="0" presId="urn:microsoft.com/office/officeart/2018/2/layout/IconVerticalSolidList"/>
-    <dgm:cxn modelId="{F1C3F8E7-4CE5-4891-A118-5BE5CC02664E}" type="presParOf" srcId="{354D8CF3-75E9-42B5-9EEF-80F547D92107}" destId="{965EA740-D44A-47B2-AD39-5993B560A3A2}" srcOrd="0" destOrd="0" presId="urn:microsoft.com/office/officeart/2018/2/layout/IconVerticalSolidList"/>
-    <dgm:cxn modelId="{2C1C05B3-D2EF-469B-8589-08EBE848D898}" type="presParOf" srcId="{354D8CF3-75E9-42B5-9EEF-80F547D92107}" destId="{7106DC7E-810F-40AC-901A-993B60B0BABB}" srcOrd="1" destOrd="0" presId="urn:microsoft.com/office/officeart/2018/2/layout/IconVerticalSolidList"/>
-    <dgm:cxn modelId="{4A8CA116-3FA7-4EFB-BCAF-818DA4F060EE}" type="presParOf" srcId="{354D8CF3-75E9-42B5-9EEF-80F547D92107}" destId="{F2A801E6-C1E8-414A-95DC-D9AD4C43BC06}" srcOrd="2" destOrd="0" presId="urn:microsoft.com/office/officeart/2018/2/layout/IconVerticalSolidList"/>
-    <dgm:cxn modelId="{C05AE112-BAAE-4FB4-895A-0CC76760A6EF}" type="presParOf" srcId="{354D8CF3-75E9-42B5-9EEF-80F547D92107}" destId="{1CE228F7-A178-4AF6-8E91-3B113C03160E}" srcOrd="3" destOrd="0" presId="urn:microsoft.com/office/officeart/2018/2/layout/IconVerticalSolidList"/>
-    <dgm:cxn modelId="{EFA0C464-E8F7-452B-BE96-35635AFFD5C5}" type="presParOf" srcId="{477A92A2-DB23-4329-A73B-AB048D5D629F}" destId="{8F356AA3-B55F-4D11-B7C1-567B291517EE}" srcOrd="1" destOrd="0" presId="urn:microsoft.com/office/officeart/2018/2/layout/IconVerticalSolidList"/>
-    <dgm:cxn modelId="{2A7B8E06-AF47-4817-AD76-F548354F85FE}" type="presParOf" srcId="{477A92A2-DB23-4329-A73B-AB048D5D629F}" destId="{68332CC1-F808-42A3-9F62-AC7B4824C792}" srcOrd="2" destOrd="0" presId="urn:microsoft.com/office/officeart/2018/2/layout/IconVerticalSolidList"/>
-    <dgm:cxn modelId="{84D106FF-06FD-4556-BA6A-1A24B6464756}" type="presParOf" srcId="{68332CC1-F808-42A3-9F62-AC7B4824C792}" destId="{7A8C693B-9C50-4E38-A137-CE889639C2D0}" srcOrd="0" destOrd="0" presId="urn:microsoft.com/office/officeart/2018/2/layout/IconVerticalSolidList"/>
-    <dgm:cxn modelId="{29E7A8EC-2C8A-4678-AC42-07808E468C9C}" type="presParOf" srcId="{68332CC1-F808-42A3-9F62-AC7B4824C792}" destId="{9BD92682-E08B-4F50-925B-BA6B74DD554A}" srcOrd="1" destOrd="0" presId="urn:microsoft.com/office/officeart/2018/2/layout/IconVerticalSolidList"/>
-    <dgm:cxn modelId="{004D7A00-F1C4-4D8E-AEE9-2F0FBC35D5E6}" type="presParOf" srcId="{68332CC1-F808-42A3-9F62-AC7B4824C792}" destId="{45AD22B7-E2EA-4B0B-8FA8-D9F8B4289AE2}" srcOrd="2" destOrd="0" presId="urn:microsoft.com/office/officeart/2018/2/layout/IconVerticalSolidList"/>
-    <dgm:cxn modelId="{43C62FAE-A8C9-4207-AB5D-9F6DD67DFC40}" type="presParOf" srcId="{68332CC1-F808-42A3-9F62-AC7B4824C792}" destId="{23A23C3B-4CE0-4685-9F49-D3399742A06F}" srcOrd="3" destOrd="0" presId="urn:microsoft.com/office/officeart/2018/2/layout/IconVerticalSolidList"/>
-    <dgm:cxn modelId="{2F809798-EF65-4860-B854-63BCF33A605D}" type="presParOf" srcId="{477A92A2-DB23-4329-A73B-AB048D5D629F}" destId="{40248A82-3DCE-427E-84F0-18363EAB12A2}" srcOrd="3" destOrd="0" presId="urn:microsoft.com/office/officeart/2018/2/layout/IconVerticalSolidList"/>
-    <dgm:cxn modelId="{79BDA3C3-C4EF-45C4-8C06-F485BC62F236}" type="presParOf" srcId="{477A92A2-DB23-4329-A73B-AB048D5D629F}" destId="{6877F0B1-896C-4FE7-B55C-8B3647880436}" srcOrd="4" destOrd="0" presId="urn:microsoft.com/office/officeart/2018/2/layout/IconVerticalSolidList"/>
-    <dgm:cxn modelId="{13C8BF5C-FEA4-4203-BAAC-EDE88E02DFD7}" type="presParOf" srcId="{6877F0B1-896C-4FE7-B55C-8B3647880436}" destId="{32A63343-310A-4F9A-8AA5-153130F6FA2A}" srcOrd="0" destOrd="0" presId="urn:microsoft.com/office/officeart/2018/2/layout/IconVerticalSolidList"/>
-    <dgm:cxn modelId="{4A3D902C-47E1-4035-8F53-B0E565FA594D}" type="presParOf" srcId="{6877F0B1-896C-4FE7-B55C-8B3647880436}" destId="{E3FC30FE-41E9-4635-863D-01CB809540CF}" srcOrd="1" destOrd="0" presId="urn:microsoft.com/office/officeart/2018/2/layout/IconVerticalSolidList"/>
-    <dgm:cxn modelId="{18A8610E-2D5D-4E66-A50F-9CDF4BD4F218}" type="presParOf" srcId="{6877F0B1-896C-4FE7-B55C-8B3647880436}" destId="{720090BF-0BD2-4E13-9812-EB7ED3925A7E}" srcOrd="2" destOrd="0" presId="urn:microsoft.com/office/officeart/2018/2/layout/IconVerticalSolidList"/>
-    <dgm:cxn modelId="{65B0C0A6-B6E7-43A0-ADC4-C58225006E12}" type="presParOf" srcId="{6877F0B1-896C-4FE7-B55C-8B3647880436}" destId="{BCC6B495-1159-4859-ADBF-57F526D89FA1}" srcOrd="3" destOrd="0" presId="urn:microsoft.com/office/officeart/2018/2/layout/IconVerticalSolidList"/>
-    <dgm:cxn modelId="{6C112662-8ECC-4644-996C-3BD2BE98D894}" type="presParOf" srcId="{477A92A2-DB23-4329-A73B-AB048D5D629F}" destId="{6B8DC898-D9A9-4717-B895-105FF618BB62}" srcOrd="5" destOrd="0" presId="urn:microsoft.com/office/officeart/2018/2/layout/IconVerticalSolidList"/>
-    <dgm:cxn modelId="{55E69565-25DD-475B-B015-E3B9974EC03F}" type="presParOf" srcId="{477A92A2-DB23-4329-A73B-AB048D5D629F}" destId="{11BB456E-0EC1-445D-BA43-F272E89A43D4}" srcOrd="6" destOrd="0" presId="urn:microsoft.com/office/officeart/2018/2/layout/IconVerticalSolidList"/>
-    <dgm:cxn modelId="{7C5C2E3B-2FC3-4E37-AEBB-F38BA1E218DD}" type="presParOf" srcId="{11BB456E-0EC1-445D-BA43-F272E89A43D4}" destId="{FEA0FCAC-17E7-4248-84CE-963C64E31AA0}" srcOrd="0" destOrd="0" presId="urn:microsoft.com/office/officeart/2018/2/layout/IconVerticalSolidList"/>
-    <dgm:cxn modelId="{B23EA812-D97C-41BA-9484-1CEFFA59F8CF}" type="presParOf" srcId="{11BB456E-0EC1-445D-BA43-F272E89A43D4}" destId="{4FF875F4-129C-436B-AE5B-E30E4EA6125E}" srcOrd="1" destOrd="0" presId="urn:microsoft.com/office/officeart/2018/2/layout/IconVerticalSolidList"/>
-    <dgm:cxn modelId="{F335C9AB-7401-4D1F-8406-92EEF41D47BB}" type="presParOf" srcId="{11BB456E-0EC1-445D-BA43-F272E89A43D4}" destId="{85D2E1F1-A4D1-496A-96EE-D891EDF08583}" srcOrd="2" destOrd="0" presId="urn:microsoft.com/office/officeart/2018/2/layout/IconVerticalSolidList"/>
-    <dgm:cxn modelId="{B1D1E666-4B5F-49A3-898A-84BBDB5050B1}" type="presParOf" srcId="{11BB456E-0EC1-445D-BA43-F272E89A43D4}" destId="{F763F47D-E8A0-4E12-BDBB-569B51C6BB57}" srcOrd="3" destOrd="0" presId="urn:microsoft.com/office/officeart/2018/2/layout/IconVerticalSolidList"/>
-    <dgm:cxn modelId="{30B109A7-67CE-45FB-98F7-8CC73E20C0FB}" type="presParOf" srcId="{477A92A2-DB23-4329-A73B-AB048D5D629F}" destId="{E58FA7CA-BCDA-40F0-80D6-EE27B3AC0772}" srcOrd="7" destOrd="0" presId="urn:microsoft.com/office/officeart/2018/2/layout/IconVerticalSolidList"/>
-    <dgm:cxn modelId="{53B26DC9-4FA5-499D-8DCC-B6DD9BC6673F}" type="presParOf" srcId="{477A92A2-DB23-4329-A73B-AB048D5D629F}" destId="{893FC24A-2553-4DF7-B526-4F9F238BF3CC}" srcOrd="8" destOrd="0" presId="urn:microsoft.com/office/officeart/2018/2/layout/IconVerticalSolidList"/>
-    <dgm:cxn modelId="{E54441B2-70EA-4A45-A4A5-37037345F5E2}" type="presParOf" srcId="{893FC24A-2553-4DF7-B526-4F9F238BF3CC}" destId="{3D5CCE64-0CF4-43E5-926A-891251C34F07}" srcOrd="0" destOrd="0" presId="urn:microsoft.com/office/officeart/2018/2/layout/IconVerticalSolidList"/>
-    <dgm:cxn modelId="{EAEC79F0-4CB9-40F4-A020-44C8DBB21C49}" type="presParOf" srcId="{893FC24A-2553-4DF7-B526-4F9F238BF3CC}" destId="{F6E1CECA-FCEF-4437-BF8F-BC259095A948}" srcOrd="1" destOrd="0" presId="urn:microsoft.com/office/officeart/2018/2/layout/IconVerticalSolidList"/>
-    <dgm:cxn modelId="{72E1FC72-E873-4716-AB45-74D22AB843F3}" type="presParOf" srcId="{893FC24A-2553-4DF7-B526-4F9F238BF3CC}" destId="{36ADCF31-27D6-41FB-AB5E-58F7B4D3E40D}" srcOrd="2" destOrd="0" presId="urn:microsoft.com/office/officeart/2018/2/layout/IconVerticalSolidList"/>
-    <dgm:cxn modelId="{EE9E4F4F-643D-4F56-9484-7BA121C7C222}" type="presParOf" srcId="{893FC24A-2553-4DF7-B526-4F9F238BF3CC}" destId="{BD5CA3FA-F5FD-484C-BD98-88E507916A51}" srcOrd="3" destOrd="0" presId="urn:microsoft.com/office/officeart/2018/2/layout/IconVerticalSolidList"/>
-    <dgm:cxn modelId="{CD24E7EF-93AC-40AF-9C4C-833ADF045D02}" type="presParOf" srcId="{477A92A2-DB23-4329-A73B-AB048D5D629F}" destId="{BC571819-74D0-46E8-97FB-59829C3FA7C2}" srcOrd="9" destOrd="0" presId="urn:microsoft.com/office/officeart/2018/2/layout/IconVerticalSolidList"/>
-    <dgm:cxn modelId="{40080758-42CC-4FD5-B5D8-284B396AA680}" type="presParOf" srcId="{477A92A2-DB23-4329-A73B-AB048D5D629F}" destId="{F17BFC32-3A57-4900-9F2D-D3FDE9F32FD8}" srcOrd="10" destOrd="0" presId="urn:microsoft.com/office/officeart/2018/2/layout/IconVerticalSolidList"/>
-    <dgm:cxn modelId="{DF99D995-8C18-452E-A176-0413BD04C642}" type="presParOf" srcId="{F17BFC32-3A57-4900-9F2D-D3FDE9F32FD8}" destId="{F6D12AFC-15E0-44B8-8DA0-C45ADE6CAFC1}" srcOrd="0" destOrd="0" presId="urn:microsoft.com/office/officeart/2018/2/layout/IconVerticalSolidList"/>
-    <dgm:cxn modelId="{232ECD31-2972-454B-A5A9-8BBB7593B9D3}" type="presParOf" srcId="{F17BFC32-3A57-4900-9F2D-D3FDE9F32FD8}" destId="{A103EDB6-5C00-4505-88EF-1BDF3C70FF20}" srcOrd="1" destOrd="0" presId="urn:microsoft.com/office/officeart/2018/2/layout/IconVerticalSolidList"/>
-    <dgm:cxn modelId="{47CCFC05-522C-458C-9C4A-1599E1810FA5}" type="presParOf" srcId="{F17BFC32-3A57-4900-9F2D-D3FDE9F32FD8}" destId="{28ACF266-E12E-452D-8F37-5597A29946B9}" srcOrd="2" destOrd="0" presId="urn:microsoft.com/office/officeart/2018/2/layout/IconVerticalSolidList"/>
-    <dgm:cxn modelId="{8627E614-580B-4B66-9146-354CE0A1A39B}" type="presParOf" srcId="{F17BFC32-3A57-4900-9F2D-D3FDE9F32FD8}" destId="{AD0AF3D7-E99C-45BB-9E50-9CC991F6BEDD}" srcOrd="3" destOrd="0" presId="urn:microsoft.com/office/officeart/2018/2/layout/IconVerticalSolidList"/>
+    <dgm:cxn modelId="{41B7E9DE-2FEB-4315-AD5A-D3DFFA1CC33B}" type="presOf" srcId="{8FA06BA2-199B-4291-882D-E33C8411082A}" destId="{BCC6B495-1159-4859-ADBF-57F526D89FA1}" srcOrd="0" destOrd="0" presId="urn:microsoft.com/office/officeart/2018/2/layout/IconVerticalSolidList"/>
+    <dgm:cxn modelId="{34CD87EF-26A1-4503-8574-AD208C529669}" type="presParOf" srcId="{477A92A2-DB23-4329-A73B-AB048D5D629F}" destId="{354D8CF3-75E9-42B5-9EEF-80F547D92107}" srcOrd="0" destOrd="0" presId="urn:microsoft.com/office/officeart/2018/2/layout/IconVerticalSolidList"/>
+    <dgm:cxn modelId="{D598B7F4-7F4A-4454-BB89-DE2E4F2D7D67}" type="presParOf" srcId="{354D8CF3-75E9-42B5-9EEF-80F547D92107}" destId="{965EA740-D44A-47B2-AD39-5993B560A3A2}" srcOrd="0" destOrd="0" presId="urn:microsoft.com/office/officeart/2018/2/layout/IconVerticalSolidList"/>
+    <dgm:cxn modelId="{04B7AF6C-15F7-4019-B44E-1DB0BAD84A6E}" type="presParOf" srcId="{354D8CF3-75E9-42B5-9EEF-80F547D92107}" destId="{7106DC7E-810F-40AC-901A-993B60B0BABB}" srcOrd="1" destOrd="0" presId="urn:microsoft.com/office/officeart/2018/2/layout/IconVerticalSolidList"/>
+    <dgm:cxn modelId="{5AA4807F-E10D-483A-AE74-9A07A6C527DA}" type="presParOf" srcId="{354D8CF3-75E9-42B5-9EEF-80F547D92107}" destId="{F2A801E6-C1E8-414A-95DC-D9AD4C43BC06}" srcOrd="2" destOrd="0" presId="urn:microsoft.com/office/officeart/2018/2/layout/IconVerticalSolidList"/>
+    <dgm:cxn modelId="{DEF6B2F0-95C8-433B-B563-991E7EB67E8A}" type="presParOf" srcId="{354D8CF3-75E9-42B5-9EEF-80F547D92107}" destId="{1CE228F7-A178-4AF6-8E91-3B113C03160E}" srcOrd="3" destOrd="0" presId="urn:microsoft.com/office/officeart/2018/2/layout/IconVerticalSolidList"/>
+    <dgm:cxn modelId="{621E3925-388F-4741-B6EA-69B0F46FF675}" type="presParOf" srcId="{477A92A2-DB23-4329-A73B-AB048D5D629F}" destId="{8F356AA3-B55F-4D11-B7C1-567B291517EE}" srcOrd="1" destOrd="0" presId="urn:microsoft.com/office/officeart/2018/2/layout/IconVerticalSolidList"/>
+    <dgm:cxn modelId="{4BF438CB-A019-4D79-9769-8674FAA04AE5}" type="presParOf" srcId="{477A92A2-DB23-4329-A73B-AB048D5D629F}" destId="{68332CC1-F808-42A3-9F62-AC7B4824C792}" srcOrd="2" destOrd="0" presId="urn:microsoft.com/office/officeart/2018/2/layout/IconVerticalSolidList"/>
+    <dgm:cxn modelId="{2B9E2069-7A2D-4549-B3A4-359381BC15D3}" type="presParOf" srcId="{68332CC1-F808-42A3-9F62-AC7B4824C792}" destId="{7A8C693B-9C50-4E38-A137-CE889639C2D0}" srcOrd="0" destOrd="0" presId="urn:microsoft.com/office/officeart/2018/2/layout/IconVerticalSolidList"/>
+    <dgm:cxn modelId="{35DA37C8-FB77-4612-891C-103FABDB7B82}" type="presParOf" srcId="{68332CC1-F808-42A3-9F62-AC7B4824C792}" destId="{9BD92682-E08B-4F50-925B-BA6B74DD554A}" srcOrd="1" destOrd="0" presId="urn:microsoft.com/office/officeart/2018/2/layout/IconVerticalSolidList"/>
+    <dgm:cxn modelId="{A810D8C7-B937-47A4-A450-093228389FE8}" type="presParOf" srcId="{68332CC1-F808-42A3-9F62-AC7B4824C792}" destId="{45AD22B7-E2EA-4B0B-8FA8-D9F8B4289AE2}" srcOrd="2" destOrd="0" presId="urn:microsoft.com/office/officeart/2018/2/layout/IconVerticalSolidList"/>
+    <dgm:cxn modelId="{FD6873F2-5329-4B3E-A654-20DD1940195B}" type="presParOf" srcId="{68332CC1-F808-42A3-9F62-AC7B4824C792}" destId="{23A23C3B-4CE0-4685-9F49-D3399742A06F}" srcOrd="3" destOrd="0" presId="urn:microsoft.com/office/officeart/2018/2/layout/IconVerticalSolidList"/>
+    <dgm:cxn modelId="{E42E88FC-D5F6-4136-A59D-5D63405D1DDF}" type="presParOf" srcId="{477A92A2-DB23-4329-A73B-AB048D5D629F}" destId="{40248A82-3DCE-427E-84F0-18363EAB12A2}" srcOrd="3" destOrd="0" presId="urn:microsoft.com/office/officeart/2018/2/layout/IconVerticalSolidList"/>
+    <dgm:cxn modelId="{6099C213-DA2D-40E6-B148-A4A087154CD0}" type="presParOf" srcId="{477A92A2-DB23-4329-A73B-AB048D5D629F}" destId="{6877F0B1-896C-4FE7-B55C-8B3647880436}" srcOrd="4" destOrd="0" presId="urn:microsoft.com/office/officeart/2018/2/layout/IconVerticalSolidList"/>
+    <dgm:cxn modelId="{B7DBFE03-858D-4945-A0ED-7910EF01E4CF}" type="presParOf" srcId="{6877F0B1-896C-4FE7-B55C-8B3647880436}" destId="{32A63343-310A-4F9A-8AA5-153130F6FA2A}" srcOrd="0" destOrd="0" presId="urn:microsoft.com/office/officeart/2018/2/layout/IconVerticalSolidList"/>
+    <dgm:cxn modelId="{B7AD219E-649D-4224-90E6-1883040AE2EB}" type="presParOf" srcId="{6877F0B1-896C-4FE7-B55C-8B3647880436}" destId="{E3FC30FE-41E9-4635-863D-01CB809540CF}" srcOrd="1" destOrd="0" presId="urn:microsoft.com/office/officeart/2018/2/layout/IconVerticalSolidList"/>
+    <dgm:cxn modelId="{64499C9B-C8D2-4434-8BD5-538506F8624C}" type="presParOf" srcId="{6877F0B1-896C-4FE7-B55C-8B3647880436}" destId="{720090BF-0BD2-4E13-9812-EB7ED3925A7E}" srcOrd="2" destOrd="0" presId="urn:microsoft.com/office/officeart/2018/2/layout/IconVerticalSolidList"/>
+    <dgm:cxn modelId="{C5F04397-F9A9-4717-8482-185475D3EF16}" type="presParOf" srcId="{6877F0B1-896C-4FE7-B55C-8B3647880436}" destId="{BCC6B495-1159-4859-ADBF-57F526D89FA1}" srcOrd="3" destOrd="0" presId="urn:microsoft.com/office/officeart/2018/2/layout/IconVerticalSolidList"/>
+    <dgm:cxn modelId="{A0661F67-C33E-4A91-84D5-1B50AEA1AFCC}" type="presParOf" srcId="{477A92A2-DB23-4329-A73B-AB048D5D629F}" destId="{6B8DC898-D9A9-4717-B895-105FF618BB62}" srcOrd="5" destOrd="0" presId="urn:microsoft.com/office/officeart/2018/2/layout/IconVerticalSolidList"/>
+    <dgm:cxn modelId="{A65B65AB-9391-4A58-A1F9-7332DBE11928}" type="presParOf" srcId="{477A92A2-DB23-4329-A73B-AB048D5D629F}" destId="{11BB456E-0EC1-445D-BA43-F272E89A43D4}" srcOrd="6" destOrd="0" presId="urn:microsoft.com/office/officeart/2018/2/layout/IconVerticalSolidList"/>
+    <dgm:cxn modelId="{3F4B7ADD-FF52-47B3-9573-AFA9777EB9B4}" type="presParOf" srcId="{11BB456E-0EC1-445D-BA43-F272E89A43D4}" destId="{FEA0FCAC-17E7-4248-84CE-963C64E31AA0}" srcOrd="0" destOrd="0" presId="urn:microsoft.com/office/officeart/2018/2/layout/IconVerticalSolidList"/>
+    <dgm:cxn modelId="{C3093D66-29CF-47E4-9987-CEC4B4754264}" type="presParOf" srcId="{11BB456E-0EC1-445D-BA43-F272E89A43D4}" destId="{4FF875F4-129C-436B-AE5B-E30E4EA6125E}" srcOrd="1" destOrd="0" presId="urn:microsoft.com/office/officeart/2018/2/layout/IconVerticalSolidList"/>
+    <dgm:cxn modelId="{F00CEFFB-DBC5-4E6E-952F-95FC3E72C177}" type="presParOf" srcId="{11BB456E-0EC1-445D-BA43-F272E89A43D4}" destId="{85D2E1F1-A4D1-496A-96EE-D891EDF08583}" srcOrd="2" destOrd="0" presId="urn:microsoft.com/office/officeart/2018/2/layout/IconVerticalSolidList"/>
+    <dgm:cxn modelId="{C288B60F-E312-44CE-926A-BCA38EFD7DF5}" type="presParOf" srcId="{11BB456E-0EC1-445D-BA43-F272E89A43D4}" destId="{F763F47D-E8A0-4E12-BDBB-569B51C6BB57}" srcOrd="3" destOrd="0" presId="urn:microsoft.com/office/officeart/2018/2/layout/IconVerticalSolidList"/>
+    <dgm:cxn modelId="{5F5A1A7E-50A2-414D-944D-133291EBBD88}" type="presParOf" srcId="{477A92A2-DB23-4329-A73B-AB048D5D629F}" destId="{E58FA7CA-BCDA-40F0-80D6-EE27B3AC0772}" srcOrd="7" destOrd="0" presId="urn:microsoft.com/office/officeart/2018/2/layout/IconVerticalSolidList"/>
+    <dgm:cxn modelId="{C965A7CF-3C8D-423C-B842-10DE01A1D948}" type="presParOf" srcId="{477A92A2-DB23-4329-A73B-AB048D5D629F}" destId="{F17BFC32-3A57-4900-9F2D-D3FDE9F32FD8}" srcOrd="8" destOrd="0" presId="urn:microsoft.com/office/officeart/2018/2/layout/IconVerticalSolidList"/>
+    <dgm:cxn modelId="{AB68FA14-D58A-44DC-80E3-0C754FFFC6C5}" type="presParOf" srcId="{F17BFC32-3A57-4900-9F2D-D3FDE9F32FD8}" destId="{F6D12AFC-15E0-44B8-8DA0-C45ADE6CAFC1}" srcOrd="0" destOrd="0" presId="urn:microsoft.com/office/officeart/2018/2/layout/IconVerticalSolidList"/>
+    <dgm:cxn modelId="{EFEBFA10-51EC-4235-823F-ADE6CF873DCD}" type="presParOf" srcId="{F17BFC32-3A57-4900-9F2D-D3FDE9F32FD8}" destId="{A103EDB6-5C00-4505-88EF-1BDF3C70FF20}" srcOrd="1" destOrd="0" presId="urn:microsoft.com/office/officeart/2018/2/layout/IconVerticalSolidList"/>
+    <dgm:cxn modelId="{F8C32081-56B3-46C3-A79E-BF7533876A85}" type="presParOf" srcId="{F17BFC32-3A57-4900-9F2D-D3FDE9F32FD8}" destId="{28ACF266-E12E-452D-8F37-5597A29946B9}" srcOrd="2" destOrd="0" presId="urn:microsoft.com/office/officeart/2018/2/layout/IconVerticalSolidList"/>
+    <dgm:cxn modelId="{ACA996A1-B998-4759-9147-E5B19125696F}" type="presParOf" srcId="{F17BFC32-3A57-4900-9F2D-D3FDE9F32FD8}" destId="{AD0AF3D7-E99C-45BB-9E50-9CC991F6BEDD}" srcOrd="3" destOrd="0" presId="urn:microsoft.com/office/officeart/2018/2/layout/IconVerticalSolidList"/>
   </dgm:cxnLst>
   <dgm:bg/>
   <dgm:whole/>
@@ -1681,8 +1452,8 @@
       </dsp:nvSpPr>
       <dsp:spPr>
         <a:xfrm>
-          <a:off x="0" y="1808"/>
-          <a:ext cx="6245265" cy="770445"/>
+          <a:off x="0" y="3399"/>
+          <a:ext cx="10515600" cy="724089"/>
         </a:xfrm>
         <a:prstGeom prst="roundRect">
           <a:avLst>
@@ -1723,8 +1494,8 @@
       </dsp:nvSpPr>
       <dsp:spPr>
         <a:xfrm>
-          <a:off x="233059" y="175158"/>
-          <a:ext cx="423745" cy="423745"/>
+          <a:off x="219037" y="166319"/>
+          <a:ext cx="398249" cy="398249"/>
         </a:xfrm>
         <a:prstGeom prst="rect">
           <a:avLst/>
@@ -1773,8 +1544,8 @@
       </dsp:nvSpPr>
       <dsp:spPr>
         <a:xfrm>
-          <a:off x="889864" y="1808"/>
-          <a:ext cx="5355400" cy="770445"/>
+          <a:off x="836323" y="3399"/>
+          <a:ext cx="9679276" cy="724089"/>
         </a:xfrm>
         <a:prstGeom prst="rect">
           <a:avLst/>
@@ -1798,7 +1569,7 @@
         <a:fontRef idx="minor"/>
       </dsp:style>
       <dsp:txBody>
-        <a:bodyPr spcFirstLastPara="0" vert="horz" wrap="square" lIns="81539" tIns="81539" rIns="81539" bIns="81539" numCol="1" spcCol="1270" anchor="ctr" anchorCtr="0">
+        <a:bodyPr spcFirstLastPara="0" vert="horz" wrap="square" lIns="76633" tIns="76633" rIns="76633" bIns="76633" numCol="1" spcCol="1270" anchor="ctr" anchorCtr="0">
           <a:noAutofit/>
         </a:bodyPr>
         <a:lstStyle/>
@@ -1823,8 +1594,8 @@
         </a:p>
       </dsp:txBody>
       <dsp:txXfrm>
-        <a:off x="889864" y="1808"/>
-        <a:ext cx="5355400" cy="770445"/>
+        <a:off x="836323" y="3399"/>
+        <a:ext cx="9679276" cy="724089"/>
       </dsp:txXfrm>
     </dsp:sp>
     <dsp:sp modelId="{7A8C693B-9C50-4E38-A137-CE889639C2D0}">
@@ -1834,8 +1605,8 @@
       </dsp:nvSpPr>
       <dsp:spPr>
         <a:xfrm>
-          <a:off x="0" y="964865"/>
-          <a:ext cx="6245265" cy="770445"/>
+          <a:off x="0" y="908511"/>
+          <a:ext cx="10515600" cy="724089"/>
         </a:xfrm>
         <a:prstGeom prst="roundRect">
           <a:avLst>
@@ -1876,8 +1647,8 @@
       </dsp:nvSpPr>
       <dsp:spPr>
         <a:xfrm>
-          <a:off x="233059" y="1138215"/>
-          <a:ext cx="423745" cy="423745"/>
+          <a:off x="219037" y="1071431"/>
+          <a:ext cx="398249" cy="398249"/>
         </a:xfrm>
         <a:prstGeom prst="rect">
           <a:avLst/>
@@ -1926,8 +1697,8 @@
       </dsp:nvSpPr>
       <dsp:spPr>
         <a:xfrm>
-          <a:off x="889864" y="964865"/>
-          <a:ext cx="5355400" cy="770445"/>
+          <a:off x="836323" y="908511"/>
+          <a:ext cx="9679276" cy="724089"/>
         </a:xfrm>
         <a:prstGeom prst="rect">
           <a:avLst/>
@@ -1951,7 +1722,7 @@
         <a:fontRef idx="minor"/>
       </dsp:style>
       <dsp:txBody>
-        <a:bodyPr spcFirstLastPara="0" vert="horz" wrap="square" lIns="81539" tIns="81539" rIns="81539" bIns="81539" numCol="1" spcCol="1270" anchor="ctr" anchorCtr="0">
+        <a:bodyPr spcFirstLastPara="0" vert="horz" wrap="square" lIns="76633" tIns="76633" rIns="76633" bIns="76633" numCol="1" spcCol="1270" anchor="ctr" anchorCtr="0">
           <a:noAutofit/>
         </a:bodyPr>
         <a:lstStyle/>
@@ -1976,8 +1747,8 @@
         </a:p>
       </dsp:txBody>
       <dsp:txXfrm>
-        <a:off x="889864" y="964865"/>
-        <a:ext cx="5355400" cy="770445"/>
+        <a:off x="836323" y="908511"/>
+        <a:ext cx="9679276" cy="724089"/>
       </dsp:txXfrm>
     </dsp:sp>
     <dsp:sp modelId="{32A63343-310A-4F9A-8AA5-153130F6FA2A}">
@@ -1987,8 +1758,8 @@
       </dsp:nvSpPr>
       <dsp:spPr>
         <a:xfrm>
-          <a:off x="0" y="1927922"/>
-          <a:ext cx="6245265" cy="770445"/>
+          <a:off x="0" y="1813624"/>
+          <a:ext cx="10515600" cy="724089"/>
         </a:xfrm>
         <a:prstGeom prst="roundRect">
           <a:avLst>
@@ -2029,8 +1800,8 @@
       </dsp:nvSpPr>
       <dsp:spPr>
         <a:xfrm>
-          <a:off x="233059" y="2101272"/>
-          <a:ext cx="423745" cy="423745"/>
+          <a:off x="219037" y="1976544"/>
+          <a:ext cx="398249" cy="398249"/>
         </a:xfrm>
         <a:prstGeom prst="rect">
           <a:avLst/>
@@ -2079,8 +1850,8 @@
       </dsp:nvSpPr>
       <dsp:spPr>
         <a:xfrm>
-          <a:off x="889864" y="1927922"/>
-          <a:ext cx="5355400" cy="770445"/>
+          <a:off x="836323" y="1813624"/>
+          <a:ext cx="9679276" cy="724089"/>
         </a:xfrm>
         <a:prstGeom prst="rect">
           <a:avLst/>
@@ -2104,7 +1875,7 @@
         <a:fontRef idx="minor"/>
       </dsp:style>
       <dsp:txBody>
-        <a:bodyPr spcFirstLastPara="0" vert="horz" wrap="square" lIns="81539" tIns="81539" rIns="81539" bIns="81539" numCol="1" spcCol="1270" anchor="ctr" anchorCtr="0">
+        <a:bodyPr spcFirstLastPara="0" vert="horz" wrap="square" lIns="76633" tIns="76633" rIns="76633" bIns="76633" numCol="1" spcCol="1270" anchor="ctr" anchorCtr="0">
           <a:noAutofit/>
         </a:bodyPr>
         <a:lstStyle/>
@@ -2129,8 +1900,8 @@
         </a:p>
       </dsp:txBody>
       <dsp:txXfrm>
-        <a:off x="889864" y="1927922"/>
-        <a:ext cx="5355400" cy="770445"/>
+        <a:off x="836323" y="1813624"/>
+        <a:ext cx="9679276" cy="724089"/>
       </dsp:txXfrm>
     </dsp:sp>
     <dsp:sp modelId="{FEA0FCAC-17E7-4248-84CE-963C64E31AA0}">
@@ -2140,8 +1911,8 @@
       </dsp:nvSpPr>
       <dsp:spPr>
         <a:xfrm>
-          <a:off x="0" y="2890979"/>
-          <a:ext cx="6245265" cy="770445"/>
+          <a:off x="0" y="2718736"/>
+          <a:ext cx="10515600" cy="724089"/>
         </a:xfrm>
         <a:prstGeom prst="roundRect">
           <a:avLst>
@@ -2182,8 +1953,8 @@
       </dsp:nvSpPr>
       <dsp:spPr>
         <a:xfrm>
-          <a:off x="233059" y="3064329"/>
-          <a:ext cx="423745" cy="423745"/>
+          <a:off x="219037" y="2881656"/>
+          <a:ext cx="398249" cy="398249"/>
         </a:xfrm>
         <a:prstGeom prst="rect">
           <a:avLst/>
@@ -2232,8 +2003,8 @@
       </dsp:nvSpPr>
       <dsp:spPr>
         <a:xfrm>
-          <a:off x="889864" y="2890979"/>
-          <a:ext cx="5355400" cy="770445"/>
+          <a:off x="836323" y="2718736"/>
+          <a:ext cx="9679276" cy="724089"/>
         </a:xfrm>
         <a:prstGeom prst="rect">
           <a:avLst/>
@@ -2257,7 +2028,7 @@
         <a:fontRef idx="minor"/>
       </dsp:style>
       <dsp:txBody>
-        <a:bodyPr spcFirstLastPara="0" vert="horz" wrap="square" lIns="81539" tIns="81539" rIns="81539" bIns="81539" numCol="1" spcCol="1270" anchor="ctr" anchorCtr="0">
+        <a:bodyPr spcFirstLastPara="0" vert="horz" wrap="square" lIns="76633" tIns="76633" rIns="76633" bIns="76633" numCol="1" spcCol="1270" anchor="ctr" anchorCtr="0">
           <a:noAutofit/>
         </a:bodyPr>
         <a:lstStyle/>
@@ -2282,161 +2053,8 @@
         </a:p>
       </dsp:txBody>
       <dsp:txXfrm>
-        <a:off x="889864" y="2890979"/>
-        <a:ext cx="5355400" cy="770445"/>
-      </dsp:txXfrm>
-    </dsp:sp>
-    <dsp:sp modelId="{3D5CCE64-0CF4-43E5-926A-891251C34F07}">
-      <dsp:nvSpPr>
-        <dsp:cNvPr id="0" name=""/>
-        <dsp:cNvSpPr/>
-      </dsp:nvSpPr>
-      <dsp:spPr>
-        <a:xfrm>
-          <a:off x="0" y="3854036"/>
-          <a:ext cx="6245265" cy="770445"/>
-        </a:xfrm>
-        <a:prstGeom prst="roundRect">
-          <a:avLst>
-            <a:gd name="adj" fmla="val 10000"/>
-          </a:avLst>
-        </a:prstGeom>
-        <a:solidFill>
-          <a:schemeClr val="bg1">
-            <a:lumMod val="95000"/>
-            <a:hueOff val="0"/>
-            <a:satOff val="0"/>
-            <a:lumOff val="0"/>
-            <a:alphaOff val="0"/>
-          </a:schemeClr>
-        </a:solidFill>
-        <a:ln>
-          <a:noFill/>
-        </a:ln>
-        <a:effectLst/>
-      </dsp:spPr>
-      <dsp:style>
-        <a:lnRef idx="0">
-          <a:scrgbClr r="0" g="0" b="0"/>
-        </a:lnRef>
-        <a:fillRef idx="1">
-          <a:scrgbClr r="0" g="0" b="0"/>
-        </a:fillRef>
-        <a:effectRef idx="0">
-          <a:scrgbClr r="0" g="0" b="0"/>
-        </a:effectRef>
-        <a:fontRef idx="minor"/>
-      </dsp:style>
-    </dsp:sp>
-    <dsp:sp modelId="{F6E1CECA-FCEF-4437-BF8F-BC259095A948}">
-      <dsp:nvSpPr>
-        <dsp:cNvPr id="0" name=""/>
-        <dsp:cNvSpPr/>
-      </dsp:nvSpPr>
-      <dsp:spPr>
-        <a:xfrm>
-          <a:off x="233059" y="4027386"/>
-          <a:ext cx="423745" cy="423745"/>
-        </a:xfrm>
-        <a:prstGeom prst="rect">
-          <a:avLst/>
-        </a:prstGeom>
-        <a:blipFill>
-          <a:blip xmlns:r="http://schemas.openxmlformats.org/officeDocument/2006/relationships" r:embed="rId9">
-            <a:extLst>
-              <a:ext uri="{28A0092B-C50C-407E-A947-70E740481C1C}">
-                <a14:useLocalDpi xmlns:a14="http://schemas.microsoft.com/office/drawing/2010/main" val="0"/>
-              </a:ext>
-              <a:ext uri="{96DAC541-7B7A-43D3-8B79-37D633B846F1}">
-                <asvg:svgBlip xmlns:asvg="http://schemas.microsoft.com/office/drawing/2016/SVG/main" r:embed="rId10"/>
-              </a:ext>
-            </a:extLst>
-          </a:blip>
-          <a:stretch>
-            <a:fillRect/>
-          </a:stretch>
-        </a:blipFill>
-        <a:ln w="12700" cap="flat" cmpd="sng" algn="ctr">
-          <a:noFill/>
-          <a:prstDash val="solid"/>
-          <a:miter lim="800000"/>
-        </a:ln>
-        <a:effectLst/>
-      </dsp:spPr>
-      <dsp:style>
-        <a:lnRef idx="2">
-          <a:scrgbClr r="0" g="0" b="0"/>
-        </a:lnRef>
-        <a:fillRef idx="1">
-          <a:scrgbClr r="0" g="0" b="0"/>
-        </a:fillRef>
-        <a:effectRef idx="0">
-          <a:scrgbClr r="0" g="0" b="0"/>
-        </a:effectRef>
-        <a:fontRef idx="minor">
-          <a:schemeClr val="lt1"/>
-        </a:fontRef>
-      </dsp:style>
-    </dsp:sp>
-    <dsp:sp modelId="{BD5CA3FA-F5FD-484C-BD98-88E507916A51}">
-      <dsp:nvSpPr>
-        <dsp:cNvPr id="0" name=""/>
-        <dsp:cNvSpPr/>
-      </dsp:nvSpPr>
-      <dsp:spPr>
-        <a:xfrm>
-          <a:off x="889864" y="3854036"/>
-          <a:ext cx="5355400" cy="770445"/>
-        </a:xfrm>
-        <a:prstGeom prst="rect">
-          <a:avLst/>
-        </a:prstGeom>
-        <a:noFill/>
-        <a:ln>
-          <a:noFill/>
-        </a:ln>
-        <a:effectLst/>
-      </dsp:spPr>
-      <dsp:style>
-        <a:lnRef idx="0">
-          <a:scrgbClr r="0" g="0" b="0"/>
-        </a:lnRef>
-        <a:fillRef idx="0">
-          <a:scrgbClr r="0" g="0" b="0"/>
-        </a:fillRef>
-        <a:effectRef idx="0">
-          <a:scrgbClr r="0" g="0" b="0"/>
-        </a:effectRef>
-        <a:fontRef idx="minor"/>
-      </dsp:style>
-      <dsp:txBody>
-        <a:bodyPr spcFirstLastPara="0" vert="horz" wrap="square" lIns="81539" tIns="81539" rIns="81539" bIns="81539" numCol="1" spcCol="1270" anchor="ctr" anchorCtr="0">
-          <a:noAutofit/>
-        </a:bodyPr>
-        <a:lstStyle/>
-        <a:p>
-          <a:pPr marL="0" lvl="0" indent="0" algn="l" defTabSz="844550">
-            <a:lnSpc>
-              <a:spcPct val="90000"/>
-            </a:lnSpc>
-            <a:spcBef>
-              <a:spcPct val="0"/>
-            </a:spcBef>
-            <a:spcAft>
-              <a:spcPct val="35000"/>
-            </a:spcAft>
-            <a:buNone/>
-          </a:pPr>
-          <a:r>
-            <a:rPr lang="es-ES" sz="1900" kern="1200"/>
-            <a:t>Codigo</a:t>
-          </a:r>
-          <a:endParaRPr lang="en-US" sz="1900" kern="1200"/>
-        </a:p>
-      </dsp:txBody>
-      <dsp:txXfrm>
-        <a:off x="889864" y="3854036"/>
-        <a:ext cx="5355400" cy="770445"/>
+        <a:off x="836323" y="2718736"/>
+        <a:ext cx="9679276" cy="724089"/>
       </dsp:txXfrm>
     </dsp:sp>
     <dsp:sp modelId="{F6D12AFC-15E0-44B8-8DA0-C45ADE6CAFC1}">
@@ -2446,8 +2064,8 @@
       </dsp:nvSpPr>
       <dsp:spPr>
         <a:xfrm>
-          <a:off x="0" y="4817093"/>
-          <a:ext cx="6245265" cy="770445"/>
+          <a:off x="0" y="3623848"/>
+          <a:ext cx="10515600" cy="724089"/>
         </a:xfrm>
         <a:prstGeom prst="roundRect">
           <a:avLst>
@@ -2488,20 +2106,20 @@
       </dsp:nvSpPr>
       <dsp:spPr>
         <a:xfrm>
-          <a:off x="233059" y="4990443"/>
-          <a:ext cx="423745" cy="423745"/>
+          <a:off x="219037" y="3786768"/>
+          <a:ext cx="398249" cy="398249"/>
         </a:xfrm>
         <a:prstGeom prst="rect">
           <a:avLst/>
         </a:prstGeom>
         <a:blipFill>
-          <a:blip xmlns:r="http://schemas.openxmlformats.org/officeDocument/2006/relationships" r:embed="rId11">
+          <a:blip xmlns:r="http://schemas.openxmlformats.org/officeDocument/2006/relationships" r:embed="rId9">
             <a:extLst>
               <a:ext uri="{28A0092B-C50C-407E-A947-70E740481C1C}">
                 <a14:useLocalDpi xmlns:a14="http://schemas.microsoft.com/office/drawing/2010/main" val="0"/>
               </a:ext>
               <a:ext uri="{96DAC541-7B7A-43D3-8B79-37D633B846F1}">
-                <asvg:svgBlip xmlns:asvg="http://schemas.microsoft.com/office/drawing/2016/SVG/main" r:embed="rId12"/>
+                <asvg:svgBlip xmlns:asvg="http://schemas.microsoft.com/office/drawing/2016/SVG/main" r:embed="rId10"/>
               </a:ext>
             </a:extLst>
           </a:blip>
@@ -2538,8 +2156,8 @@
       </dsp:nvSpPr>
       <dsp:spPr>
         <a:xfrm>
-          <a:off x="889864" y="4817093"/>
-          <a:ext cx="5355400" cy="770445"/>
+          <a:off x="836323" y="3623848"/>
+          <a:ext cx="9679276" cy="724089"/>
         </a:xfrm>
         <a:prstGeom prst="rect">
           <a:avLst/>
@@ -2563,7 +2181,7 @@
         <a:fontRef idx="minor"/>
       </dsp:style>
       <dsp:txBody>
-        <a:bodyPr spcFirstLastPara="0" vert="horz" wrap="square" lIns="81539" tIns="81539" rIns="81539" bIns="81539" numCol="1" spcCol="1270" anchor="ctr" anchorCtr="0">
+        <a:bodyPr spcFirstLastPara="0" vert="horz" wrap="square" lIns="76633" tIns="76633" rIns="76633" bIns="76633" numCol="1" spcCol="1270" anchor="ctr" anchorCtr="0">
           <a:noAutofit/>
         </a:bodyPr>
         <a:lstStyle/>
@@ -2581,15 +2199,15 @@
             <a:buNone/>
           </a:pPr>
           <a:r>
-            <a:rPr lang="es-ES" sz="1900" kern="1200"/>
-            <a:t>Porque e usado esto?</a:t>
+            <a:rPr lang="es-ES" sz="1900" kern="1200" dirty="0"/>
+            <a:t>¿Porque he usado esto?</a:t>
           </a:r>
-          <a:endParaRPr lang="en-US" sz="1900" kern="1200"/>
+          <a:endParaRPr lang="en-US" sz="1900" kern="1200" dirty="0"/>
         </a:p>
       </dsp:txBody>
       <dsp:txXfrm>
-        <a:off x="889864" y="4817093"/>
-        <a:ext cx="5355400" cy="770445"/>
+        <a:off x="836323" y="3623848"/>
+        <a:ext cx="9679276" cy="724089"/>
       </dsp:txXfrm>
     </dsp:sp>
   </dsp:spTree>
@@ -4071,7 +3689,7 @@
           <a:p>
             <a:fld id="{6A4B53A7-3209-46A6-9454-F38EAC8F11E7}" type="datetimeFigureOut">
               <a:rPr lang="en-US" smtClean="0"/>
-              <a:t>6/4/2023</a:t>
+              <a:t>6/6/2023</a:t>
             </a:fld>
             <a:endParaRPr lang="en-US"/>
           </a:p>
@@ -4322,7 +3940,7 @@
           <a:p>
             <a:fld id="{6A4B53A7-3209-46A6-9454-F38EAC8F11E7}" type="datetimeFigureOut">
               <a:rPr lang="en-US" smtClean="0"/>
-              <a:t>6/4/2023</a:t>
+              <a:t>6/6/2023</a:t>
             </a:fld>
             <a:endParaRPr lang="en-US"/>
           </a:p>
@@ -4583,7 +4201,7 @@
           <a:p>
             <a:fld id="{6A4B53A7-3209-46A6-9454-F38EAC8F11E7}" type="datetimeFigureOut">
               <a:rPr lang="en-US" smtClean="0"/>
-              <a:t>6/4/2023</a:t>
+              <a:t>6/6/2023</a:t>
             </a:fld>
             <a:endParaRPr lang="en-US"/>
           </a:p>
@@ -4834,7 +4452,7 @@
           <a:p>
             <a:fld id="{6A4B53A7-3209-46A6-9454-F38EAC8F11E7}" type="datetimeFigureOut">
               <a:rPr lang="en-US" smtClean="0"/>
-              <a:t>6/4/2023</a:t>
+              <a:t>6/6/2023</a:t>
             </a:fld>
             <a:endParaRPr lang="en-US"/>
           </a:p>
@@ -5162,7 +4780,7 @@
           <a:p>
             <a:fld id="{6A4B53A7-3209-46A6-9454-F38EAC8F11E7}" type="datetimeFigureOut">
               <a:rPr lang="en-US" smtClean="0"/>
-              <a:t>6/4/2023</a:t>
+              <a:t>6/6/2023</a:t>
             </a:fld>
             <a:endParaRPr lang="en-US"/>
           </a:p>
@@ -5480,7 +5098,7 @@
           <a:p>
             <a:fld id="{6A4B53A7-3209-46A6-9454-F38EAC8F11E7}" type="datetimeFigureOut">
               <a:rPr lang="en-US" smtClean="0"/>
-              <a:t>6/4/2023</a:t>
+              <a:t>6/6/2023</a:t>
             </a:fld>
             <a:endParaRPr lang="en-US"/>
           </a:p>
@@ -5945,7 +5563,7 @@
           <a:p>
             <a:fld id="{6A4B53A7-3209-46A6-9454-F38EAC8F11E7}" type="datetimeFigureOut">
               <a:rPr lang="en-US" smtClean="0"/>
-              <a:t>6/4/2023</a:t>
+              <a:t>6/6/2023</a:t>
             </a:fld>
             <a:endParaRPr lang="en-US"/>
           </a:p>
@@ -6139,7 +5757,7 @@
           <a:p>
             <a:fld id="{6A4B53A7-3209-46A6-9454-F38EAC8F11E7}" type="datetimeFigureOut">
               <a:rPr lang="en-US" smtClean="0"/>
-              <a:t>6/4/2023</a:t>
+              <a:t>6/6/2023</a:t>
             </a:fld>
             <a:endParaRPr lang="en-US"/>
           </a:p>
@@ -6305,7 +5923,7 @@
           <a:p>
             <a:fld id="{6A4B53A7-3209-46A6-9454-F38EAC8F11E7}" type="datetimeFigureOut">
               <a:rPr lang="en-US" smtClean="0"/>
-              <a:t>6/4/2023</a:t>
+              <a:t>6/6/2023</a:t>
             </a:fld>
             <a:endParaRPr lang="en-US"/>
           </a:p>
@@ -6669,7 +6287,7 @@
           <a:p>
             <a:fld id="{6A4B53A7-3209-46A6-9454-F38EAC8F11E7}" type="datetimeFigureOut">
               <a:rPr lang="en-US" smtClean="0"/>
-              <a:t>6/4/2023</a:t>
+              <a:t>6/6/2023</a:t>
             </a:fld>
             <a:endParaRPr lang="en-US"/>
           </a:p>
@@ -7013,7 +6631,7 @@
           <a:p>
             <a:fld id="{6A4B53A7-3209-46A6-9454-F38EAC8F11E7}" type="datetimeFigureOut">
               <a:rPr lang="en-US" smtClean="0"/>
-              <a:t>6/4/2023</a:t>
+              <a:t>6/6/2023</a:t>
             </a:fld>
             <a:endParaRPr lang="en-US"/>
           </a:p>
@@ -7308,7 +6926,7 @@
             <a:fld id="{6A4B53A7-3209-46A6-9454-F38EAC8F11E7}" type="datetimeFigureOut">
               <a:rPr lang="en-US" smtClean="0"/>
               <a:pPr/>
-              <a:t>6/4/2023</a:t>
+              <a:t>6/6/2023</a:t>
             </a:fld>
             <a:endParaRPr lang="en-US" dirty="0"/>
           </a:p>
@@ -7736,10 +7354,10 @@
       </p:grpSpPr>
       <p:sp>
         <p:nvSpPr>
-          <p:cNvPr id="1073" name="Rectangle 1063">
+          <p:cNvPr id="1097" name="Rectangle 1096">
             <a:extLst>
               <a:ext uri="{FF2B5EF4-FFF2-40B4-BE49-F238E27FC236}">
-                <a16:creationId xmlns:a16="http://schemas.microsoft.com/office/drawing/2014/main" id="{609CB703-C563-4F1F-BF28-83C06E978C4F}"/>
+                <a16:creationId xmlns:a16="http://schemas.microsoft.com/office/drawing/2014/main" id="{158B3569-73B2-4D05-8E95-886A6EE17F1F}"/>
               </a:ext>
               <a:ext uri="{C183D7F6-B498-43B3-948B-1728B52AA6E4}">
                 <adec:decorative xmlns:adec="http://schemas.microsoft.com/office/drawing/2017/decorative" val="1"/>
@@ -7774,7 +7392,7 @@
                 <a:schemeClr val="accent2"/>
               </a:gs>
             </a:gsLst>
-            <a:lin ang="8100000" scaled="1"/>
+            <a:lin ang="2700000" scaled="1"/>
             <a:tileRect/>
           </a:gradFill>
           <a:ln>
@@ -7824,19 +7442,19 @@
         </p:nvSpPr>
         <p:spPr>
           <a:xfrm>
-            <a:off x="5207000" y="583345"/>
-            <a:ext cx="5833787" cy="2274155"/>
+            <a:off x="457200" y="1598246"/>
+            <a:ext cx="4412419" cy="3626217"/>
           </a:xfrm>
         </p:spPr>
         <p:txBody>
-          <a:bodyPr anchor="b">
+          <a:bodyPr anchor="t">
             <a:normAutofit/>
           </a:bodyPr>
           <a:lstStyle/>
           <a:p>
             <a:pPr algn="r"/>
             <a:r>
-              <a:rPr lang="es-ES">
+              <a:rPr lang="es-ES" sz="5600">
                 <a:solidFill>
                   <a:schemeClr val="bg1"/>
                 </a:solidFill>
@@ -7846,9 +7464,220 @@
           </a:p>
         </p:txBody>
       </p:sp>
+      <p:sp>
+        <p:nvSpPr>
+          <p:cNvPr id="1099" name="!!plus graphic">
+            <a:extLst>
+              <a:ext uri="{FF2B5EF4-FFF2-40B4-BE49-F238E27FC236}">
+                <a16:creationId xmlns:a16="http://schemas.microsoft.com/office/drawing/2014/main" id="{B71758F4-3F46-45DA-8AC5-4E508DA080BA}"/>
+              </a:ext>
+              <a:ext uri="{C183D7F6-B498-43B3-948B-1728B52AA6E4}">
+                <adec:decorative xmlns:adec="http://schemas.microsoft.com/office/drawing/2017/decorative" val="1"/>
+              </a:ext>
+            </a:extLst>
+          </p:cNvPr>
+          <p:cNvSpPr>
+            <a:spLocks noGrp="1" noRot="1" noChangeAspect="1" noMove="1" noResize="1" noEditPoints="1" noAdjustHandles="1" noChangeArrowheads="1" noChangeShapeType="1" noTextEdit="1"/>
+          </p:cNvSpPr>
+          <p:nvPr>
+            <p:extLst>
+              <p:ext uri="{386F3935-93C4-4BCD-93E2-E3B085C9AB24}">
+                <p16:designElem xmlns:p16="http://schemas.microsoft.com/office/powerpoint/2015/main" val="1"/>
+              </p:ext>
+            </p:extLst>
+          </p:nvPr>
+        </p:nvSpPr>
+        <p:spPr>
+          <a:xfrm>
+            <a:off x="11512034" y="1267063"/>
+            <a:ext cx="139037" cy="139039"/>
+          </a:xfrm>
+          <a:custGeom>
+            <a:avLst/>
+            <a:gdLst>
+              <a:gd name="connsiteX0" fmla="*/ 129600 w 139037"/>
+              <a:gd name="connsiteY0" fmla="*/ 60082 h 139039"/>
+              <a:gd name="connsiteX1" fmla="*/ 78955 w 139037"/>
+              <a:gd name="connsiteY1" fmla="*/ 60082 h 139039"/>
+              <a:gd name="connsiteX2" fmla="*/ 78955 w 139037"/>
+              <a:gd name="connsiteY2" fmla="*/ 9437 h 139039"/>
+              <a:gd name="connsiteX3" fmla="*/ 69519 w 139037"/>
+              <a:gd name="connsiteY3" fmla="*/ 0 h 139039"/>
+              <a:gd name="connsiteX4" fmla="*/ 60082 w 139037"/>
+              <a:gd name="connsiteY4" fmla="*/ 9437 h 139039"/>
+              <a:gd name="connsiteX5" fmla="*/ 60082 w 139037"/>
+              <a:gd name="connsiteY5" fmla="*/ 60082 h 139039"/>
+              <a:gd name="connsiteX6" fmla="*/ 9437 w 139037"/>
+              <a:gd name="connsiteY6" fmla="*/ 60082 h 139039"/>
+              <a:gd name="connsiteX7" fmla="*/ 0 w 139037"/>
+              <a:gd name="connsiteY7" fmla="*/ 69520 h 139039"/>
+              <a:gd name="connsiteX8" fmla="*/ 9437 w 139037"/>
+              <a:gd name="connsiteY8" fmla="*/ 78957 h 139039"/>
+              <a:gd name="connsiteX9" fmla="*/ 60082 w 139037"/>
+              <a:gd name="connsiteY9" fmla="*/ 78957 h 139039"/>
+              <a:gd name="connsiteX10" fmla="*/ 60082 w 139037"/>
+              <a:gd name="connsiteY10" fmla="*/ 129602 h 139039"/>
+              <a:gd name="connsiteX11" fmla="*/ 69519 w 139037"/>
+              <a:gd name="connsiteY11" fmla="*/ 139039 h 139039"/>
+              <a:gd name="connsiteX12" fmla="*/ 78955 w 139037"/>
+              <a:gd name="connsiteY12" fmla="*/ 129602 h 139039"/>
+              <a:gd name="connsiteX13" fmla="*/ 78955 w 139037"/>
+              <a:gd name="connsiteY13" fmla="*/ 78957 h 139039"/>
+              <a:gd name="connsiteX14" fmla="*/ 129600 w 139037"/>
+              <a:gd name="connsiteY14" fmla="*/ 78957 h 139039"/>
+              <a:gd name="connsiteX15" fmla="*/ 139037 w 139037"/>
+              <a:gd name="connsiteY15" fmla="*/ 69520 h 139039"/>
+              <a:gd name="connsiteX16" fmla="*/ 129600 w 139037"/>
+              <a:gd name="connsiteY16" fmla="*/ 60082 h 139039"/>
+            </a:gdLst>
+            <a:ahLst/>
+            <a:cxnLst>
+              <a:cxn ang="0">
+                <a:pos x="connsiteX0" y="connsiteY0"/>
+              </a:cxn>
+              <a:cxn ang="0">
+                <a:pos x="connsiteX1" y="connsiteY1"/>
+              </a:cxn>
+              <a:cxn ang="0">
+                <a:pos x="connsiteX2" y="connsiteY2"/>
+              </a:cxn>
+              <a:cxn ang="0">
+                <a:pos x="connsiteX3" y="connsiteY3"/>
+              </a:cxn>
+              <a:cxn ang="0">
+                <a:pos x="connsiteX4" y="connsiteY4"/>
+              </a:cxn>
+              <a:cxn ang="0">
+                <a:pos x="connsiteX5" y="connsiteY5"/>
+              </a:cxn>
+              <a:cxn ang="0">
+                <a:pos x="connsiteX6" y="connsiteY6"/>
+              </a:cxn>
+              <a:cxn ang="0">
+                <a:pos x="connsiteX7" y="connsiteY7"/>
+              </a:cxn>
+              <a:cxn ang="0">
+                <a:pos x="connsiteX8" y="connsiteY8"/>
+              </a:cxn>
+              <a:cxn ang="0">
+                <a:pos x="connsiteX9" y="connsiteY9"/>
+              </a:cxn>
+              <a:cxn ang="0">
+                <a:pos x="connsiteX10" y="connsiteY10"/>
+              </a:cxn>
+              <a:cxn ang="0">
+                <a:pos x="connsiteX11" y="connsiteY11"/>
+              </a:cxn>
+              <a:cxn ang="0">
+                <a:pos x="connsiteX12" y="connsiteY12"/>
+              </a:cxn>
+              <a:cxn ang="0">
+                <a:pos x="connsiteX13" y="connsiteY13"/>
+              </a:cxn>
+              <a:cxn ang="0">
+                <a:pos x="connsiteX14" y="connsiteY14"/>
+              </a:cxn>
+              <a:cxn ang="0">
+                <a:pos x="connsiteX15" y="connsiteY15"/>
+              </a:cxn>
+              <a:cxn ang="0">
+                <a:pos x="connsiteX16" y="connsiteY16"/>
+              </a:cxn>
+            </a:cxnLst>
+            <a:rect l="l" t="t" r="r" b="b"/>
+            <a:pathLst>
+              <a:path w="139037" h="139039">
+                <a:moveTo>
+                  <a:pt x="129600" y="60082"/>
+                </a:moveTo>
+                <a:lnTo>
+                  <a:pt x="78955" y="60082"/>
+                </a:lnTo>
+                <a:lnTo>
+                  <a:pt x="78955" y="9437"/>
+                </a:lnTo>
+                <a:cubicBezTo>
+                  <a:pt x="78955" y="4225"/>
+                  <a:pt x="74730" y="0"/>
+                  <a:pt x="69519" y="0"/>
+                </a:cubicBezTo>
+                <a:cubicBezTo>
+                  <a:pt x="64307" y="0"/>
+                  <a:pt x="60082" y="4225"/>
+                  <a:pt x="60082" y="9437"/>
+                </a:cubicBezTo>
+                <a:lnTo>
+                  <a:pt x="60082" y="60082"/>
+                </a:lnTo>
+                <a:lnTo>
+                  <a:pt x="9437" y="60082"/>
+                </a:lnTo>
+                <a:cubicBezTo>
+                  <a:pt x="4225" y="60082"/>
+                  <a:pt x="0" y="64308"/>
+                  <a:pt x="0" y="69520"/>
+                </a:cubicBezTo>
+                <a:cubicBezTo>
+                  <a:pt x="0" y="74731"/>
+                  <a:pt x="4225" y="78957"/>
+                  <a:pt x="9437" y="78957"/>
+                </a:cubicBezTo>
+                <a:lnTo>
+                  <a:pt x="60082" y="78957"/>
+                </a:lnTo>
+                <a:lnTo>
+                  <a:pt x="60082" y="129602"/>
+                </a:lnTo>
+                <a:cubicBezTo>
+                  <a:pt x="60082" y="134814"/>
+                  <a:pt x="64307" y="139039"/>
+                  <a:pt x="69519" y="139039"/>
+                </a:cubicBezTo>
+                <a:cubicBezTo>
+                  <a:pt x="74730" y="139039"/>
+                  <a:pt x="78955" y="134814"/>
+                  <a:pt x="78955" y="129602"/>
+                </a:cubicBezTo>
+                <a:lnTo>
+                  <a:pt x="78955" y="78957"/>
+                </a:lnTo>
+                <a:lnTo>
+                  <a:pt x="129600" y="78957"/>
+                </a:lnTo>
+                <a:cubicBezTo>
+                  <a:pt x="134812" y="78957"/>
+                  <a:pt x="139037" y="74731"/>
+                  <a:pt x="139037" y="69520"/>
+                </a:cubicBezTo>
+                <a:cubicBezTo>
+                  <a:pt x="139037" y="64308"/>
+                  <a:pt x="134812" y="60082"/>
+                  <a:pt x="129600" y="60082"/>
+                </a:cubicBezTo>
+                <a:close/>
+              </a:path>
+            </a:pathLst>
+          </a:custGeom>
+          <a:solidFill>
+            <a:schemeClr val="bg1"/>
+          </a:solidFill>
+          <a:ln w="603" cap="flat">
+            <a:noFill/>
+            <a:prstDash val="solid"/>
+            <a:miter/>
+          </a:ln>
+        </p:spPr>
+        <p:txBody>
+          <a:bodyPr rtlCol="0" anchor="ctr"/>
+          <a:lstStyle/>
+          <a:p>
+            <a:endParaRPr lang="en-US"/>
+          </a:p>
+        </p:txBody>
+      </p:sp>
       <p:cxnSp>
         <p:nvCxnSpPr>
-          <p:cNvPr id="1074" name="!!Straight Connector">
+          <p:cNvPr id="1101" name="!!Straight Connector">
             <a:extLst>
               <a:ext uri="{FF2B5EF4-FFF2-40B4-BE49-F238E27FC236}">
                 <a16:creationId xmlns:a16="http://schemas.microsoft.com/office/drawing/2014/main" id="{56020367-4FD5-4596-8E10-C5F095CD8DBF}"/>
@@ -7871,8 +7700,8 @@
         </p:nvCxnSpPr>
         <p:spPr>
           <a:xfrm>
-            <a:off x="856114" y="3511910"/>
-            <a:ext cx="0" cy="3346090"/>
+            <a:off x="5447322" y="1598246"/>
+            <a:ext cx="0" cy="5259754"/>
           </a:xfrm>
           <a:prstGeom prst="line">
             <a:avLst/>
@@ -7901,10 +7730,10 @@
       </p:cxnSp>
       <p:pic>
         <p:nvPicPr>
-          <p:cNvPr id="1030" name="Picture 6" descr="Proyecto Final Lenguaje de Marcas. Web de CalzadoFran. – Francisco Jesús">
+          <p:cNvPr id="1026" name="Picture 2" descr="Páginas Web - Diseño Web">
             <a:extLst>
               <a:ext uri="{FF2B5EF4-FFF2-40B4-BE49-F238E27FC236}">
-                <a16:creationId xmlns:a16="http://schemas.microsoft.com/office/drawing/2014/main" id="{1D7DB840-5CD5-9203-1B94-500F0326215F}"/>
+                <a16:creationId xmlns:a16="http://schemas.microsoft.com/office/drawing/2014/main" id="{1BC7E48F-0818-1875-8593-8E0AC1E47400}"/>
               </a:ext>
             </a:extLst>
           </p:cNvPr>
@@ -7921,49 +7750,17 @@
               </a:ext>
             </a:extLst>
           </a:blip>
-          <a:srcRect l="24776" r="23787" b="1"/>
+          <a:srcRect l="7833" r="1635"/>
           <a:stretch/>
         </p:blipFill>
         <p:spPr bwMode="auto">
           <a:xfrm>
-            <a:off x="1366432" y="2530057"/>
-            <a:ext cx="3707972" cy="3707972"/>
+            <a:off x="5986926" y="1598246"/>
+            <a:ext cx="5569864" cy="4783504"/>
           </a:xfrm>
-          <a:custGeom>
+          <a:prstGeom prst="rect">
             <a:avLst/>
-            <a:gdLst/>
-            <a:ahLst/>
-            <a:cxnLst/>
-            <a:rect l="l" t="t" r="r" b="b"/>
-            <a:pathLst>
-              <a:path w="1924906" h="1924906">
-                <a:moveTo>
-                  <a:pt x="962453" y="0"/>
-                </a:moveTo>
-                <a:cubicBezTo>
-                  <a:pt x="1494001" y="0"/>
-                  <a:pt x="1924906" y="430905"/>
-                  <a:pt x="1924906" y="962453"/>
-                </a:cubicBezTo>
-                <a:cubicBezTo>
-                  <a:pt x="1924906" y="1494001"/>
-                  <a:pt x="1494001" y="1924906"/>
-                  <a:pt x="962453" y="1924906"/>
-                </a:cubicBezTo>
-                <a:cubicBezTo>
-                  <a:pt x="430905" y="1924906"/>
-                  <a:pt x="0" y="1494001"/>
-                  <a:pt x="0" y="962453"/>
-                </a:cubicBezTo>
-                <a:cubicBezTo>
-                  <a:pt x="0" y="430905"/>
-                  <a:pt x="430905" y="0"/>
-                  <a:pt x="962453" y="0"/>
-                </a:cubicBezTo>
-                <a:close/>
-              </a:path>
-            </a:pathLst>
-          </a:custGeom>
+          </a:prstGeom>
           <a:noFill/>
           <a:extLst>
             <a:ext uri="{909E8E84-426E-40DD-AFC4-6F175D3DCCD1}">
@@ -7978,10 +7775,10 @@
       </p:pic>
       <p:sp>
         <p:nvSpPr>
-          <p:cNvPr id="1075" name="!!plus graphic">
+          <p:cNvPr id="1103" name="!!circle graphic">
             <a:extLst>
               <a:ext uri="{FF2B5EF4-FFF2-40B4-BE49-F238E27FC236}">
-                <a16:creationId xmlns:a16="http://schemas.microsoft.com/office/drawing/2014/main" id="{C5CB530E-515E-412C-9DF1-5F8FFBD6F383}"/>
+                <a16:creationId xmlns:a16="http://schemas.microsoft.com/office/drawing/2014/main" id="{8D61482F-F3C5-4D66-8C5D-C6BBE3E1275C}"/>
               </a:ext>
               <a:ext uri="{C183D7F6-B498-43B3-948B-1728B52AA6E4}">
                 <adec:decorative xmlns:adec="http://schemas.microsoft.com/office/drawing/2017/decorative" val="1"/>
@@ -8001,349 +7798,31 @@
         </p:nvSpPr>
         <p:spPr>
           <a:xfrm>
-            <a:off x="4386614" y="2530982"/>
-            <a:ext cx="139039" cy="139039"/>
+            <a:off x="11752801" y="1659316"/>
+            <a:ext cx="127713" cy="127714"/>
           </a:xfrm>
           <a:custGeom>
             <a:avLst/>
             <a:gdLst>
-              <a:gd name="connsiteX0" fmla="*/ 129602 w 139039"/>
-              <a:gd name="connsiteY0" fmla="*/ 60082 h 139039"/>
-              <a:gd name="connsiteX1" fmla="*/ 78957 w 139039"/>
-              <a:gd name="connsiteY1" fmla="*/ 60082 h 139039"/>
-              <a:gd name="connsiteX2" fmla="*/ 78957 w 139039"/>
-              <a:gd name="connsiteY2" fmla="*/ 9437 h 139039"/>
-              <a:gd name="connsiteX3" fmla="*/ 69520 w 139039"/>
-              <a:gd name="connsiteY3" fmla="*/ 0 h 139039"/>
-              <a:gd name="connsiteX4" fmla="*/ 60082 w 139039"/>
-              <a:gd name="connsiteY4" fmla="*/ 9437 h 139039"/>
-              <a:gd name="connsiteX5" fmla="*/ 60082 w 139039"/>
-              <a:gd name="connsiteY5" fmla="*/ 60082 h 139039"/>
-              <a:gd name="connsiteX6" fmla="*/ 9437 w 139039"/>
-              <a:gd name="connsiteY6" fmla="*/ 60082 h 139039"/>
-              <a:gd name="connsiteX7" fmla="*/ 0 w 139039"/>
-              <a:gd name="connsiteY7" fmla="*/ 69520 h 139039"/>
-              <a:gd name="connsiteX8" fmla="*/ 9437 w 139039"/>
-              <a:gd name="connsiteY8" fmla="*/ 78957 h 139039"/>
-              <a:gd name="connsiteX9" fmla="*/ 60082 w 139039"/>
-              <a:gd name="connsiteY9" fmla="*/ 78957 h 139039"/>
-              <a:gd name="connsiteX10" fmla="*/ 60082 w 139039"/>
-              <a:gd name="connsiteY10" fmla="*/ 129602 h 139039"/>
-              <a:gd name="connsiteX11" fmla="*/ 69520 w 139039"/>
-              <a:gd name="connsiteY11" fmla="*/ 139039 h 139039"/>
-              <a:gd name="connsiteX12" fmla="*/ 78957 w 139039"/>
-              <a:gd name="connsiteY12" fmla="*/ 129602 h 139039"/>
-              <a:gd name="connsiteX13" fmla="*/ 78957 w 139039"/>
-              <a:gd name="connsiteY13" fmla="*/ 78957 h 139039"/>
-              <a:gd name="connsiteX14" fmla="*/ 129602 w 139039"/>
-              <a:gd name="connsiteY14" fmla="*/ 78957 h 139039"/>
-              <a:gd name="connsiteX15" fmla="*/ 139039 w 139039"/>
-              <a:gd name="connsiteY15" fmla="*/ 69520 h 139039"/>
-              <a:gd name="connsiteX16" fmla="*/ 129602 w 139039"/>
-              <a:gd name="connsiteY16" fmla="*/ 60082 h 139039"/>
-            </a:gdLst>
-            <a:ahLst/>
-            <a:cxnLst>
-              <a:cxn ang="0">
-                <a:pos x="connsiteX0" y="connsiteY0"/>
-              </a:cxn>
-              <a:cxn ang="0">
-                <a:pos x="connsiteX1" y="connsiteY1"/>
-              </a:cxn>
-              <a:cxn ang="0">
-                <a:pos x="connsiteX2" y="connsiteY2"/>
-              </a:cxn>
-              <a:cxn ang="0">
-                <a:pos x="connsiteX3" y="connsiteY3"/>
-              </a:cxn>
-              <a:cxn ang="0">
-                <a:pos x="connsiteX4" y="connsiteY4"/>
-              </a:cxn>
-              <a:cxn ang="0">
-                <a:pos x="connsiteX5" y="connsiteY5"/>
-              </a:cxn>
-              <a:cxn ang="0">
-                <a:pos x="connsiteX6" y="connsiteY6"/>
-              </a:cxn>
-              <a:cxn ang="0">
-                <a:pos x="connsiteX7" y="connsiteY7"/>
-              </a:cxn>
-              <a:cxn ang="0">
-                <a:pos x="connsiteX8" y="connsiteY8"/>
-              </a:cxn>
-              <a:cxn ang="0">
-                <a:pos x="connsiteX9" y="connsiteY9"/>
-              </a:cxn>
-              <a:cxn ang="0">
-                <a:pos x="connsiteX10" y="connsiteY10"/>
-              </a:cxn>
-              <a:cxn ang="0">
-                <a:pos x="connsiteX11" y="connsiteY11"/>
-              </a:cxn>
-              <a:cxn ang="0">
-                <a:pos x="connsiteX12" y="connsiteY12"/>
-              </a:cxn>
-              <a:cxn ang="0">
-                <a:pos x="connsiteX13" y="connsiteY13"/>
-              </a:cxn>
-              <a:cxn ang="0">
-                <a:pos x="connsiteX14" y="connsiteY14"/>
-              </a:cxn>
-              <a:cxn ang="0">
-                <a:pos x="connsiteX15" y="connsiteY15"/>
-              </a:cxn>
-              <a:cxn ang="0">
-                <a:pos x="connsiteX16" y="connsiteY16"/>
-              </a:cxn>
-            </a:cxnLst>
-            <a:rect l="l" t="t" r="r" b="b"/>
-            <a:pathLst>
-              <a:path w="139039" h="139039">
-                <a:moveTo>
-                  <a:pt x="129602" y="60082"/>
-                </a:moveTo>
-                <a:lnTo>
-                  <a:pt x="78957" y="60082"/>
-                </a:lnTo>
-                <a:lnTo>
-                  <a:pt x="78957" y="9437"/>
-                </a:lnTo>
-                <a:cubicBezTo>
-                  <a:pt x="78957" y="4225"/>
-                  <a:pt x="74731" y="0"/>
-                  <a:pt x="69520" y="0"/>
-                </a:cubicBezTo>
-                <a:cubicBezTo>
-                  <a:pt x="64308" y="0"/>
-                  <a:pt x="60082" y="4225"/>
-                  <a:pt x="60082" y="9437"/>
-                </a:cubicBezTo>
-                <a:lnTo>
-                  <a:pt x="60082" y="60082"/>
-                </a:lnTo>
-                <a:lnTo>
-                  <a:pt x="9437" y="60082"/>
-                </a:lnTo>
-                <a:cubicBezTo>
-                  <a:pt x="4225" y="60082"/>
-                  <a:pt x="0" y="64308"/>
-                  <a:pt x="0" y="69520"/>
-                </a:cubicBezTo>
-                <a:cubicBezTo>
-                  <a:pt x="0" y="74731"/>
-                  <a:pt x="4225" y="78957"/>
-                  <a:pt x="9437" y="78957"/>
-                </a:cubicBezTo>
-                <a:lnTo>
-                  <a:pt x="60082" y="78957"/>
-                </a:lnTo>
-                <a:lnTo>
-                  <a:pt x="60082" y="129602"/>
-                </a:lnTo>
-                <a:cubicBezTo>
-                  <a:pt x="60082" y="134814"/>
-                  <a:pt x="64308" y="139039"/>
-                  <a:pt x="69520" y="139039"/>
-                </a:cubicBezTo>
-                <a:cubicBezTo>
-                  <a:pt x="74731" y="139039"/>
-                  <a:pt x="78957" y="134814"/>
-                  <a:pt x="78957" y="129602"/>
-                </a:cubicBezTo>
-                <a:lnTo>
-                  <a:pt x="78957" y="78957"/>
-                </a:lnTo>
-                <a:lnTo>
-                  <a:pt x="129602" y="78957"/>
-                </a:lnTo>
-                <a:cubicBezTo>
-                  <a:pt x="134814" y="78957"/>
-                  <a:pt x="139039" y="74731"/>
-                  <a:pt x="139039" y="69520"/>
-                </a:cubicBezTo>
-                <a:cubicBezTo>
-                  <a:pt x="139039" y="64308"/>
-                  <a:pt x="134814" y="60082"/>
-                  <a:pt x="129602" y="60082"/>
-                </a:cubicBezTo>
-                <a:close/>
-              </a:path>
-            </a:pathLst>
-          </a:custGeom>
-          <a:solidFill>
-            <a:schemeClr val="bg1"/>
-          </a:solidFill>
-          <a:ln w="603" cap="flat">
-            <a:noFill/>
-            <a:prstDash val="solid"/>
-            <a:miter/>
-          </a:ln>
-        </p:spPr>
-        <p:txBody>
-          <a:bodyPr rtlCol="0" anchor="ctr"/>
-          <a:lstStyle/>
-          <a:p>
-            <a:endParaRPr lang="en-US"/>
-          </a:p>
-        </p:txBody>
-      </p:sp>
-      <p:sp>
-        <p:nvSpPr>
-          <p:cNvPr id="1076" name="!!dot graphic">
-            <a:extLst>
-              <a:ext uri="{FF2B5EF4-FFF2-40B4-BE49-F238E27FC236}">
-                <a16:creationId xmlns:a16="http://schemas.microsoft.com/office/drawing/2014/main" id="{712D4376-A578-4FF1-94FC-245E7A6A489F}"/>
-              </a:ext>
-              <a:ext uri="{C183D7F6-B498-43B3-948B-1728B52AA6E4}">
-                <adec:decorative xmlns:adec="http://schemas.microsoft.com/office/drawing/2017/decorative" val="1"/>
-              </a:ext>
-            </a:extLst>
-          </p:cNvPr>
-          <p:cNvSpPr>
-            <a:spLocks noGrp="1" noRot="1" noChangeAspect="1" noMove="1" noResize="1" noEditPoints="1" noAdjustHandles="1" noChangeArrowheads="1" noChangeShapeType="1" noTextEdit="1"/>
-          </p:cNvSpPr>
-          <p:nvPr>
-            <p:extLst>
-              <p:ext uri="{386F3935-93C4-4BCD-93E2-E3B085C9AB24}">
-                <p16:designElem xmlns:p16="http://schemas.microsoft.com/office/powerpoint/2015/main" val="1"/>
-              </p:ext>
-            </p:extLst>
-          </p:nvPr>
-        </p:nvSpPr>
-        <p:spPr>
-          <a:xfrm>
-            <a:off x="4745394" y="2760277"/>
-            <a:ext cx="91138" cy="91138"/>
-          </a:xfrm>
-          <a:custGeom>
-            <a:avLst/>
-            <a:gdLst>
-              <a:gd name="connsiteX0" fmla="*/ 91138 w 91138"/>
-              <a:gd name="connsiteY0" fmla="*/ 45569 h 91138"/>
-              <a:gd name="connsiteX1" fmla="*/ 45569 w 91138"/>
-              <a:gd name="connsiteY1" fmla="*/ 91138 h 91138"/>
-              <a:gd name="connsiteX2" fmla="*/ 0 w 91138"/>
-              <a:gd name="connsiteY2" fmla="*/ 45569 h 91138"/>
-              <a:gd name="connsiteX3" fmla="*/ 45569 w 91138"/>
-              <a:gd name="connsiteY3" fmla="*/ 0 h 91138"/>
-              <a:gd name="connsiteX4" fmla="*/ 91138 w 91138"/>
-              <a:gd name="connsiteY4" fmla="*/ 45569 h 91138"/>
-            </a:gdLst>
-            <a:ahLst/>
-            <a:cxnLst>
-              <a:cxn ang="0">
-                <a:pos x="connsiteX0" y="connsiteY0"/>
-              </a:cxn>
-              <a:cxn ang="0">
-                <a:pos x="connsiteX1" y="connsiteY1"/>
-              </a:cxn>
-              <a:cxn ang="0">
-                <a:pos x="connsiteX2" y="connsiteY2"/>
-              </a:cxn>
-              <a:cxn ang="0">
-                <a:pos x="connsiteX3" y="connsiteY3"/>
-              </a:cxn>
-              <a:cxn ang="0">
-                <a:pos x="connsiteX4" y="connsiteY4"/>
-              </a:cxn>
-            </a:cxnLst>
-            <a:rect l="l" t="t" r="r" b="b"/>
-            <a:pathLst>
-              <a:path w="91138" h="91138">
-                <a:moveTo>
-                  <a:pt x="91138" y="45569"/>
-                </a:moveTo>
-                <a:cubicBezTo>
-                  <a:pt x="91138" y="70736"/>
-                  <a:pt x="70736" y="91138"/>
-                  <a:pt x="45569" y="91138"/>
-                </a:cubicBezTo>
-                <a:cubicBezTo>
-                  <a:pt x="20402" y="91138"/>
-                  <a:pt x="0" y="70736"/>
-                  <a:pt x="0" y="45569"/>
-                </a:cubicBezTo>
-                <a:cubicBezTo>
-                  <a:pt x="0" y="20402"/>
-                  <a:pt x="20402" y="0"/>
-                  <a:pt x="45569" y="0"/>
-                </a:cubicBezTo>
-                <a:cubicBezTo>
-                  <a:pt x="70736" y="0"/>
-                  <a:pt x="91138" y="20402"/>
-                  <a:pt x="91138" y="45569"/>
-                </a:cubicBezTo>
-                <a:close/>
-              </a:path>
-            </a:pathLst>
-          </a:custGeom>
-          <a:solidFill>
-            <a:schemeClr val="bg1"/>
-          </a:solidFill>
-          <a:ln w="422" cap="flat">
-            <a:noFill/>
-            <a:prstDash val="solid"/>
-            <a:miter/>
-          </a:ln>
-        </p:spPr>
-        <p:txBody>
-          <a:bodyPr rtlCol="0" anchor="ctr"/>
-          <a:lstStyle/>
-          <a:p>
-            <a:endParaRPr lang="en-US"/>
-          </a:p>
-        </p:txBody>
-      </p:sp>
-      <p:sp>
-        <p:nvSpPr>
-          <p:cNvPr id="1072" name="!!circle graphic">
-            <a:extLst>
-              <a:ext uri="{FF2B5EF4-FFF2-40B4-BE49-F238E27FC236}">
-                <a16:creationId xmlns:a16="http://schemas.microsoft.com/office/drawing/2014/main" id="{AEA7509D-F04F-40CB-A0B3-EEF16499CC9F}"/>
-              </a:ext>
-              <a:ext uri="{C183D7F6-B498-43B3-948B-1728B52AA6E4}">
-                <adec:decorative xmlns:adec="http://schemas.microsoft.com/office/drawing/2017/decorative" val="1"/>
-              </a:ext>
-            </a:extLst>
-          </p:cNvPr>
-          <p:cNvSpPr>
-            <a:spLocks noGrp="1" noRot="1" noChangeAspect="1" noMove="1" noResize="1" noEditPoints="1" noAdjustHandles="1" noChangeArrowheads="1" noChangeShapeType="1" noTextEdit="1"/>
-          </p:cNvSpPr>
-          <p:nvPr>
-            <p:extLst>
-              <p:ext uri="{386F3935-93C4-4BCD-93E2-E3B085C9AB24}">
-                <p16:designElem xmlns:p16="http://schemas.microsoft.com/office/powerpoint/2015/main" val="1"/>
-              </p:ext>
-            </p:extLst>
-          </p:nvPr>
-        </p:nvSpPr>
-        <p:spPr>
-          <a:xfrm>
-            <a:off x="1669987" y="6031572"/>
-            <a:ext cx="127714" cy="127714"/>
-          </a:xfrm>
-          <a:custGeom>
-            <a:avLst/>
-            <a:gdLst>
-              <a:gd name="connsiteX0" fmla="*/ 63857 w 127714"/>
+              <a:gd name="connsiteX0" fmla="*/ 63857 w 127713"/>
               <a:gd name="connsiteY0" fmla="*/ 18874 h 127714"/>
-              <a:gd name="connsiteX1" fmla="*/ 108840 w 127714"/>
+              <a:gd name="connsiteX1" fmla="*/ 108839 w 127713"/>
               <a:gd name="connsiteY1" fmla="*/ 63857 h 127714"/>
-              <a:gd name="connsiteX2" fmla="*/ 63857 w 127714"/>
+              <a:gd name="connsiteX2" fmla="*/ 63857 w 127713"/>
               <a:gd name="connsiteY2" fmla="*/ 108840 h 127714"/>
-              <a:gd name="connsiteX3" fmla="*/ 18874 w 127714"/>
+              <a:gd name="connsiteX3" fmla="*/ 18874 w 127713"/>
               <a:gd name="connsiteY3" fmla="*/ 63857 h 127714"/>
-              <a:gd name="connsiteX4" fmla="*/ 63857 w 127714"/>
+              <a:gd name="connsiteX4" fmla="*/ 63857 w 127713"/>
               <a:gd name="connsiteY4" fmla="*/ 18874 h 127714"/>
-              <a:gd name="connsiteX5" fmla="*/ 63857 w 127714"/>
+              <a:gd name="connsiteX5" fmla="*/ 63857 w 127713"/>
               <a:gd name="connsiteY5" fmla="*/ 0 h 127714"/>
-              <a:gd name="connsiteX6" fmla="*/ 0 w 127714"/>
+              <a:gd name="connsiteX6" fmla="*/ 0 w 127713"/>
               <a:gd name="connsiteY6" fmla="*/ 63857 h 127714"/>
-              <a:gd name="connsiteX7" fmla="*/ 63857 w 127714"/>
+              <a:gd name="connsiteX7" fmla="*/ 63857 w 127713"/>
               <a:gd name="connsiteY7" fmla="*/ 127714 h 127714"/>
-              <a:gd name="connsiteX8" fmla="*/ 127714 w 127714"/>
+              <a:gd name="connsiteX8" fmla="*/ 127713 w 127713"/>
               <a:gd name="connsiteY8" fmla="*/ 63857 h 127714"/>
-              <a:gd name="connsiteX9" fmla="*/ 63857 w 127714"/>
+              <a:gd name="connsiteX9" fmla="*/ 63857 w 127713"/>
               <a:gd name="connsiteY9" fmla="*/ 0 h 127714"/>
             </a:gdLst>
             <a:ahLst/>
@@ -8381,28 +7860,28 @@
             </a:cxnLst>
             <a:rect l="l" t="t" r="r" b="b"/>
             <a:pathLst>
-              <a:path w="127714" h="127714">
+              <a:path w="127713" h="127714">
                 <a:moveTo>
                   <a:pt x="63857" y="18874"/>
                 </a:moveTo>
                 <a:cubicBezTo>
                   <a:pt x="88700" y="18874"/>
-                  <a:pt x="108840" y="39014"/>
-                  <a:pt x="108840" y="63857"/>
-                </a:cubicBezTo>
-                <a:cubicBezTo>
-                  <a:pt x="108840" y="88700"/>
+                  <a:pt x="108839" y="39014"/>
+                  <a:pt x="108839" y="63857"/>
+                </a:cubicBezTo>
+                <a:cubicBezTo>
+                  <a:pt x="108839" y="88700"/>
                   <a:pt x="88700" y="108840"/>
                   <a:pt x="63857" y="108840"/>
                 </a:cubicBezTo>
                 <a:cubicBezTo>
-                  <a:pt x="39014" y="108840"/>
+                  <a:pt x="39013" y="108840"/>
                   <a:pt x="18874" y="88700"/>
                   <a:pt x="18874" y="63857"/>
                 </a:cubicBezTo>
                 <a:cubicBezTo>
                   <a:pt x="18898" y="39024"/>
-                  <a:pt x="39024" y="18898"/>
+                  <a:pt x="39023" y="18898"/>
                   <a:pt x="63857" y="18874"/>
                 </a:cubicBezTo>
                 <a:moveTo>
@@ -8420,11 +7899,11 @@
                 </a:cubicBezTo>
                 <a:cubicBezTo>
                   <a:pt x="99124" y="127714"/>
-                  <a:pt x="127714" y="99124"/>
-                  <a:pt x="127714" y="63857"/>
-                </a:cubicBezTo>
-                <a:cubicBezTo>
-                  <a:pt x="127714" y="28590"/>
+                  <a:pt x="127713" y="99124"/>
+                  <a:pt x="127713" y="63857"/>
+                </a:cubicBezTo>
+                <a:cubicBezTo>
+                  <a:pt x="127713" y="28590"/>
                   <a:pt x="99124" y="0"/>
                   <a:pt x="63857" y="0"/>
                 </a:cubicBezTo>
@@ -10126,321 +9605,9 @@
           <a:chExt cx="0" cy="0"/>
         </a:xfrm>
       </p:grpSpPr>
-      <p:sp useBgFill="1">
-        <p:nvSpPr>
-          <p:cNvPr id="39" name="Rectangle 38">
-            <a:extLst>
-              <a:ext uri="{FF2B5EF4-FFF2-40B4-BE49-F238E27FC236}">
-                <a16:creationId xmlns:a16="http://schemas.microsoft.com/office/drawing/2014/main" id="{A2679492-7988-4050-9056-542444452411}"/>
-              </a:ext>
-              <a:ext uri="{C183D7F6-B498-43B3-948B-1728B52AA6E4}">
-                <adec:decorative xmlns:adec="http://schemas.microsoft.com/office/drawing/2017/decorative" val="1"/>
-              </a:ext>
-            </a:extLst>
-          </p:cNvPr>
-          <p:cNvSpPr>
-            <a:spLocks noGrp="1" noRot="1" noChangeAspect="1" noMove="1" noResize="1" noEditPoints="1" noAdjustHandles="1" noChangeArrowheads="1" noChangeShapeType="1" noTextEdit="1"/>
-          </p:cNvSpPr>
-          <p:nvPr>
-            <p:extLst>
-              <p:ext uri="{386F3935-93C4-4BCD-93E2-E3B085C9AB24}">
-                <p16:designElem xmlns:p16="http://schemas.microsoft.com/office/powerpoint/2015/main" val="1"/>
-              </p:ext>
-            </p:extLst>
-          </p:nvPr>
-        </p:nvSpPr>
-        <p:spPr>
-          <a:xfrm>
-            <a:off x="0" y="0"/>
-            <a:ext cx="12192000" cy="6858000"/>
-          </a:xfrm>
-          <a:prstGeom prst="rect">
-            <a:avLst/>
-          </a:prstGeom>
-          <a:ln>
-            <a:noFill/>
-          </a:ln>
-        </p:spPr>
-        <p:style>
-          <a:lnRef idx="2">
-            <a:schemeClr val="accent1">
-              <a:shade val="50000"/>
-            </a:schemeClr>
-          </a:lnRef>
-          <a:fillRef idx="1">
-            <a:schemeClr val="accent1"/>
-          </a:fillRef>
-          <a:effectRef idx="0">
-            <a:schemeClr val="accent1"/>
-          </a:effectRef>
-          <a:fontRef idx="minor">
-            <a:schemeClr val="lt1"/>
-          </a:fontRef>
-        </p:style>
-        <p:txBody>
-          <a:bodyPr rtlCol="0" anchor="ctr"/>
-          <a:lstStyle/>
-          <a:p>
-            <a:pPr algn="ctr"/>
-            <a:endParaRPr lang="en-US"/>
-          </a:p>
-        </p:txBody>
-      </p:sp>
-      <p:sp>
-        <p:nvSpPr>
-          <p:cNvPr id="41" name="Rectangle 40">
-            <a:extLst>
-              <a:ext uri="{FF2B5EF4-FFF2-40B4-BE49-F238E27FC236}">
-                <a16:creationId xmlns:a16="http://schemas.microsoft.com/office/drawing/2014/main" id="{B091B163-7D61-4891-ABCF-5C13D9C418D0}"/>
-              </a:ext>
-              <a:ext uri="{C183D7F6-B498-43B3-948B-1728B52AA6E4}">
-                <adec:decorative xmlns:adec="http://schemas.microsoft.com/office/drawing/2017/decorative" val="1"/>
-              </a:ext>
-            </a:extLst>
-          </p:cNvPr>
-          <p:cNvSpPr>
-            <a:spLocks noGrp="1" noRot="1" noChangeAspect="1" noMove="1" noResize="1" noEditPoints="1" noAdjustHandles="1" noChangeArrowheads="1" noChangeShapeType="1" noTextEdit="1"/>
-          </p:cNvSpPr>
-          <p:nvPr>
-            <p:extLst>
-              <p:ext uri="{386F3935-93C4-4BCD-93E2-E3B085C9AB24}">
-                <p16:designElem xmlns:p16="http://schemas.microsoft.com/office/powerpoint/2015/main" val="1"/>
-              </p:ext>
-            </p:extLst>
-          </p:nvPr>
-        </p:nvSpPr>
-        <p:spPr>
-          <a:xfrm>
-            <a:off x="0" y="0"/>
-            <a:ext cx="5779911" cy="6858000"/>
-          </a:xfrm>
-          <a:prstGeom prst="rect">
-            <a:avLst/>
-          </a:prstGeom>
-          <a:gradFill flip="none" rotWithShape="1">
-            <a:gsLst>
-              <a:gs pos="100000">
-                <a:schemeClr val="accent4"/>
-              </a:gs>
-              <a:gs pos="0">
-                <a:schemeClr val="accent2"/>
-              </a:gs>
-            </a:gsLst>
-            <a:lin ang="2700000" scaled="1"/>
-            <a:tileRect/>
-          </a:gradFill>
-          <a:ln>
-            <a:noFill/>
-          </a:ln>
-        </p:spPr>
-        <p:style>
-          <a:lnRef idx="2">
-            <a:schemeClr val="accent1">
-              <a:shade val="50000"/>
-            </a:schemeClr>
-          </a:lnRef>
-          <a:fillRef idx="1">
-            <a:schemeClr val="accent1"/>
-          </a:fillRef>
-          <a:effectRef idx="0">
-            <a:schemeClr val="accent1"/>
-          </a:effectRef>
-          <a:fontRef idx="minor">
-            <a:schemeClr val="lt1"/>
-          </a:fontRef>
-        </p:style>
-        <p:txBody>
-          <a:bodyPr rtlCol="0" anchor="ctr"/>
-          <a:lstStyle/>
-          <a:p>
-            <a:pPr algn="ctr"/>
-            <a:endParaRPr lang="en-US"/>
-          </a:p>
-        </p:txBody>
-      </p:sp>
-      <p:pic>
-        <p:nvPicPr>
-          <p:cNvPr id="5" name="Picture 4" descr="Rompecabezas blanco con una pieza roja">
-            <a:extLst>
-              <a:ext uri="{FF2B5EF4-FFF2-40B4-BE49-F238E27FC236}">
-                <a16:creationId xmlns:a16="http://schemas.microsoft.com/office/drawing/2014/main" id="{33E9CF21-815E-5CF9-616C-1873583CC352}"/>
-              </a:ext>
-            </a:extLst>
-          </p:cNvPr>
-          <p:cNvPicPr>
-            <a:picLocks noChangeAspect="1"/>
-          </p:cNvPicPr>
-          <p:nvPr/>
-        </p:nvPicPr>
-        <p:blipFill rotWithShape="1">
-          <a:blip r:embed="rId2"/>
-          <a:srcRect l="27318" r="25755" b="1"/>
-          <a:stretch/>
-        </p:blipFill>
-        <p:spPr>
-          <a:xfrm>
-            <a:off x="279143" y="299509"/>
-            <a:ext cx="5221625" cy="6258983"/>
-          </a:xfrm>
-          <a:prstGeom prst="rect">
-            <a:avLst/>
-          </a:prstGeom>
-        </p:spPr>
-      </p:pic>
-      <p:sp>
-        <p:nvSpPr>
-          <p:cNvPr id="3" name="Marcador de contenido 2">
-            <a:extLst>
-              <a:ext uri="{FF2B5EF4-FFF2-40B4-BE49-F238E27FC236}">
-                <a16:creationId xmlns:a16="http://schemas.microsoft.com/office/drawing/2014/main" id="{8A774C64-83AC-703B-E813-0B83216DBC72}"/>
-              </a:ext>
-            </a:extLst>
-          </p:cNvPr>
-          <p:cNvSpPr>
-            <a:spLocks noGrp="1"/>
-          </p:cNvSpPr>
-          <p:nvPr>
-            <p:ph idx="1"/>
-          </p:nvPr>
-        </p:nvSpPr>
-        <p:spPr>
-          <a:xfrm>
-            <a:off x="6392583" y="797170"/>
-            <a:ext cx="4434721" cy="5559180"/>
-          </a:xfrm>
-        </p:spPr>
-        <p:txBody>
-          <a:bodyPr anchor="t">
-            <a:normAutofit/>
-          </a:bodyPr>
-          <a:lstStyle/>
-          <a:p>
-            <a:r>
-              <a:rPr lang="es-ES" sz="2000" dirty="0"/>
-              <a:t>Tailwind, en pocas palabras, es un framework CSS que da prioridad a la utilidad sobre el propio estilo, pero además a diferencia de otros frameworks CSS como Bootstrap o </a:t>
-            </a:r>
-            <a:r>
-              <a:rPr lang="es-ES" sz="2000" dirty="0" err="1"/>
-              <a:t>Bulma</a:t>
-            </a:r>
-            <a:r>
-              <a:rPr lang="es-ES" sz="2000" dirty="0"/>
-              <a:t>, Tailwind no provee una serie de componentes predefinidos. En su lugar, este framework opera en un nivel inferior y te proporciona un conjunto de clases de ayuda para estructura y estilado, de forma que, usando dichas clases, puedas crear rápidamente diseños personalizados con facilidad. Además, no es </a:t>
-            </a:r>
-            <a:r>
-              <a:rPr lang="es-ES" sz="2000" dirty="0" err="1"/>
-              <a:t>opinionado</a:t>
-            </a:r>
-            <a:r>
-              <a:rPr lang="es-ES" sz="2000" dirty="0"/>
-              <a:t> y gracias a su flexibilidad te permite crear un diseño realmente único.</a:t>
-            </a:r>
-          </a:p>
-        </p:txBody>
-      </p:sp>
       <p:cxnSp>
         <p:nvCxnSpPr>
-          <p:cNvPr id="43" name="!!Straight Connector">
-            <a:extLst>
-              <a:ext uri="{FF2B5EF4-FFF2-40B4-BE49-F238E27FC236}">
-                <a16:creationId xmlns:a16="http://schemas.microsoft.com/office/drawing/2014/main" id="{C49DA8F6-BCC1-4447-B54C-57856834B94B}"/>
-              </a:ext>
-              <a:ext uri="{C183D7F6-B498-43B3-948B-1728B52AA6E4}">
-                <adec:decorative xmlns:adec="http://schemas.microsoft.com/office/drawing/2017/decorative" val="1"/>
-              </a:ext>
-            </a:extLst>
-          </p:cNvPr>
-          <p:cNvCxnSpPr>
-            <a:cxnSpLocks noGrp="1" noRot="1" noChangeAspect="1" noMove="1" noResize="1" noEditPoints="1" noAdjustHandles="1" noChangeArrowheads="1" noChangeShapeType="1"/>
-          </p:cNvCxnSpPr>
-          <p:nvPr>
-            <p:extLst>
-              <p:ext uri="{386F3935-93C4-4BCD-93E2-E3B085C9AB24}">
-                <p16:designElem xmlns:p16="http://schemas.microsoft.com/office/powerpoint/2015/main" val="1"/>
-              </p:ext>
-            </p:extLst>
-          </p:nvPr>
-        </p:nvCxnSpPr>
-        <p:spPr>
-          <a:xfrm>
-            <a:off x="11586162" y="3619272"/>
-            <a:ext cx="0" cy="3238728"/>
-          </a:xfrm>
-          <a:prstGeom prst="line">
-            <a:avLst/>
-          </a:prstGeom>
-          <a:ln w="25400" cap="sq">
-            <a:gradFill flip="none" rotWithShape="1">
-              <a:gsLst>
-                <a:gs pos="0">
-                  <a:schemeClr val="accent2"/>
-                </a:gs>
-                <a:gs pos="100000">
-                  <a:schemeClr val="accent4"/>
-                </a:gs>
-              </a:gsLst>
-              <a:lin ang="16200000" scaled="1"/>
-              <a:tileRect/>
-            </a:gradFill>
-            <a:bevel/>
-          </a:ln>
-        </p:spPr>
-        <p:style>
-          <a:lnRef idx="1">
-            <a:schemeClr val="accent1"/>
-          </a:lnRef>
-          <a:fillRef idx="0">
-            <a:schemeClr val="accent1"/>
-          </a:fillRef>
-          <a:effectRef idx="0">
-            <a:schemeClr val="accent1"/>
-          </a:effectRef>
-          <a:fontRef idx="minor">
-            <a:schemeClr val="tx1"/>
-          </a:fontRef>
-        </p:style>
-      </p:cxnSp>
-    </p:spTree>
-    <p:extLst>
-      <p:ext uri="{BB962C8B-B14F-4D97-AF65-F5344CB8AC3E}">
-        <p14:creationId xmlns:p14="http://schemas.microsoft.com/office/powerpoint/2010/main" val="594627249"/>
-      </p:ext>
-    </p:extLst>
-  </p:cSld>
-  <p:clrMapOvr>
-    <a:masterClrMapping/>
-  </p:clrMapOvr>
-</p:sld>
-</file>
-
-<file path=ppt/slides/slide13.xml><?xml version="1.0" encoding="utf-8"?>
-<p:sld xmlns:a="http://schemas.openxmlformats.org/drawingml/2006/main" xmlns:r="http://schemas.openxmlformats.org/officeDocument/2006/relationships" xmlns:p="http://schemas.openxmlformats.org/presentationml/2006/main">
-  <p:cSld>
-    <p:bg>
-      <p:bgPr>
-        <a:solidFill>
-          <a:schemeClr val="bg1"/>
-        </a:solidFill>
-        <a:effectLst/>
-      </p:bgPr>
-    </p:bg>
-    <p:spTree>
-      <p:nvGrpSpPr>
-        <p:cNvPr id="1" name=""/>
-        <p:cNvGrpSpPr/>
-        <p:nvPr/>
-      </p:nvGrpSpPr>
-      <p:grpSpPr>
-        <a:xfrm>
-          <a:off x="0" y="0"/>
-          <a:ext cx="0" cy="0"/>
-          <a:chOff x="0" y="0"/>
-          <a:chExt cx="0" cy="0"/>
-        </a:xfrm>
-      </p:grpSpPr>
-      <p:cxnSp>
-        <p:nvCxnSpPr>
-          <p:cNvPr id="23" name="Straight Connector 13">
+          <p:cNvPr id="74" name="Straight Connector 73">
             <a:extLst>
               <a:ext uri="{FF2B5EF4-FFF2-40B4-BE49-F238E27FC236}">
                 <a16:creationId xmlns:a16="http://schemas.microsoft.com/office/drawing/2014/main" id="{D1B787A8-0D67-4B7E-9B48-86BD906AB6B5}"/>
@@ -10502,7 +9669,7 @@
       </p:cxnSp>
       <p:sp>
         <p:nvSpPr>
-          <p:cNvPr id="24" name="Rectangle 15">
+          <p:cNvPr id="76" name="Rectangle 75">
             <a:extLst>
               <a:ext uri="{FF2B5EF4-FFF2-40B4-BE49-F238E27FC236}">
                 <a16:creationId xmlns:a16="http://schemas.microsoft.com/office/drawing/2014/main" id="{158B3569-73B2-4D05-8E95-886A6EE17F1F}"/>
@@ -10577,6 +9744,911 @@
           <p:cNvPr id="2" name="Título 1">
             <a:extLst>
               <a:ext uri="{FF2B5EF4-FFF2-40B4-BE49-F238E27FC236}">
+                <a16:creationId xmlns:a16="http://schemas.microsoft.com/office/drawing/2014/main" id="{A73A657F-AB3E-7586-9697-7B25F92BC3D7}"/>
+              </a:ext>
+            </a:extLst>
+          </p:cNvPr>
+          <p:cNvSpPr>
+            <a:spLocks noGrp="1"/>
+          </p:cNvSpPr>
+          <p:nvPr>
+            <p:ph type="title"/>
+          </p:nvPr>
+        </p:nvSpPr>
+        <p:spPr>
+          <a:xfrm>
+            <a:off x="457200" y="1589368"/>
+            <a:ext cx="4412419" cy="1440229"/>
+          </a:xfrm>
+        </p:spPr>
+        <p:txBody>
+          <a:bodyPr vert="horz" lIns="91440" tIns="45720" rIns="91440" bIns="45720" rtlCol="0" anchor="t">
+            <a:normAutofit fontScale="90000"/>
+          </a:bodyPr>
+          <a:lstStyle/>
+          <a:p>
+            <a:pPr algn="r"/>
+            <a:r>
+              <a:rPr lang="en-US" b="1" i="0" kern="1200" cap="all" baseline="0" dirty="0">
+                <a:solidFill>
+                  <a:schemeClr val="bg1"/>
+                </a:solidFill>
+                <a:latin typeface="+mj-lt"/>
+                <a:ea typeface="+mj-ea"/>
+                <a:cs typeface="+mj-cs"/>
+              </a:rPr>
+              <a:t>¿Que es react icons?</a:t>
+            </a:r>
+            <a:br>
+              <a:rPr lang="en-US" sz="6200" b="1" i="0" kern="1200" cap="all" baseline="0" dirty="0">
+                <a:solidFill>
+                  <a:schemeClr val="bg1"/>
+                </a:solidFill>
+                <a:latin typeface="+mj-lt"/>
+                <a:ea typeface="+mj-ea"/>
+                <a:cs typeface="+mj-cs"/>
+              </a:rPr>
+            </a:br>
+            <a:endParaRPr lang="en-US" sz="6200" b="1" i="0" kern="1200" cap="all" baseline="0" dirty="0">
+              <a:solidFill>
+                <a:schemeClr val="bg1"/>
+              </a:solidFill>
+              <a:latin typeface="+mj-lt"/>
+              <a:ea typeface="+mj-ea"/>
+              <a:cs typeface="+mj-cs"/>
+            </a:endParaRPr>
+          </a:p>
+        </p:txBody>
+      </p:sp>
+      <p:sp>
+        <p:nvSpPr>
+          <p:cNvPr id="4" name="CuadroTexto 3">
+            <a:extLst>
+              <a:ext uri="{FF2B5EF4-FFF2-40B4-BE49-F238E27FC236}">
+                <a16:creationId xmlns:a16="http://schemas.microsoft.com/office/drawing/2014/main" id="{18F1E0BB-F993-700A-2468-CB80517F9EF9}"/>
+              </a:ext>
+            </a:extLst>
+          </p:cNvPr>
+          <p:cNvSpPr txBox="1"/>
+          <p:nvPr/>
+        </p:nvSpPr>
+        <p:spPr>
+          <a:xfrm>
+            <a:off x="457202" y="3029597"/>
+            <a:ext cx="4412417" cy="3352153"/>
+          </a:xfrm>
+          <a:prstGeom prst="rect">
+            <a:avLst/>
+          </a:prstGeom>
+        </p:spPr>
+        <p:txBody>
+          <a:bodyPr vert="horz" lIns="91440" tIns="45720" rIns="91440" bIns="45720" rtlCol="0">
+            <a:normAutofit/>
+          </a:bodyPr>
+          <a:lstStyle/>
+          <a:p>
+            <a:pPr>
+              <a:lnSpc>
+                <a:spcPct val="90000"/>
+              </a:lnSpc>
+              <a:spcBef>
+                <a:spcPts val="1000"/>
+              </a:spcBef>
+              <a:spcAft>
+                <a:spcPts val="600"/>
+              </a:spcAft>
+            </a:pPr>
+            <a:r>
+              <a:rPr lang="es-ES" sz="2000" b="0" i="0" kern="1200" dirty="0">
+                <a:solidFill>
+                  <a:schemeClr val="bg1"/>
+                </a:solidFill>
+                <a:effectLst/>
+                <a:latin typeface="+mn-lt"/>
+                <a:ea typeface="+mn-ea"/>
+                <a:cs typeface="+mn-cs"/>
+              </a:rPr>
+              <a:t>React Icons es una biblioteca de iconos para React. Proporciona un conjunto de iconos vectoriales listos para usar en aplicaciones React sin la necesidad de agregar bibliotecas de iconos externas. React Icons ofrece una amplia variedad de iconos populares y personalizables que se pueden utilizar en componentes de React de manera sencilla.</a:t>
+            </a:r>
+            <a:endParaRPr lang="es-ES" sz="2000" kern="1200" dirty="0">
+              <a:solidFill>
+                <a:schemeClr val="bg1"/>
+              </a:solidFill>
+              <a:latin typeface="+mn-lt"/>
+              <a:ea typeface="+mn-ea"/>
+              <a:cs typeface="+mn-cs"/>
+            </a:endParaRPr>
+          </a:p>
+        </p:txBody>
+      </p:sp>
+      <p:sp>
+        <p:nvSpPr>
+          <p:cNvPr id="78" name="Graphic 17">
+            <a:extLst>
+              <a:ext uri="{FF2B5EF4-FFF2-40B4-BE49-F238E27FC236}">
+                <a16:creationId xmlns:a16="http://schemas.microsoft.com/office/drawing/2014/main" id="{B71758F4-3F46-45DA-8AC5-4E508DA080BA}"/>
+              </a:ext>
+              <a:ext uri="{C183D7F6-B498-43B3-948B-1728B52AA6E4}">
+                <adec:decorative xmlns:adec="http://schemas.microsoft.com/office/drawing/2017/decorative" val="1"/>
+              </a:ext>
+            </a:extLst>
+          </p:cNvPr>
+          <p:cNvSpPr>
+            <a:spLocks noGrp="1" noRot="1" noChangeAspect="1" noMove="1" noResize="1" noEditPoints="1" noAdjustHandles="1" noChangeArrowheads="1" noChangeShapeType="1" noTextEdit="1"/>
+          </p:cNvSpPr>
+          <p:nvPr>
+            <p:extLst>
+              <p:ext uri="{386F3935-93C4-4BCD-93E2-E3B085C9AB24}">
+                <p16:designElem xmlns:p16="http://schemas.microsoft.com/office/powerpoint/2015/main" val="1"/>
+              </p:ext>
+            </p:extLst>
+          </p:nvPr>
+        </p:nvSpPr>
+        <p:spPr>
+          <a:xfrm>
+            <a:off x="11512034" y="1267063"/>
+            <a:ext cx="139037" cy="139039"/>
+          </a:xfrm>
+          <a:custGeom>
+            <a:avLst/>
+            <a:gdLst>
+              <a:gd name="connsiteX0" fmla="*/ 129600 w 139037"/>
+              <a:gd name="connsiteY0" fmla="*/ 60082 h 139039"/>
+              <a:gd name="connsiteX1" fmla="*/ 78955 w 139037"/>
+              <a:gd name="connsiteY1" fmla="*/ 60082 h 139039"/>
+              <a:gd name="connsiteX2" fmla="*/ 78955 w 139037"/>
+              <a:gd name="connsiteY2" fmla="*/ 9437 h 139039"/>
+              <a:gd name="connsiteX3" fmla="*/ 69519 w 139037"/>
+              <a:gd name="connsiteY3" fmla="*/ 0 h 139039"/>
+              <a:gd name="connsiteX4" fmla="*/ 60082 w 139037"/>
+              <a:gd name="connsiteY4" fmla="*/ 9437 h 139039"/>
+              <a:gd name="connsiteX5" fmla="*/ 60082 w 139037"/>
+              <a:gd name="connsiteY5" fmla="*/ 60082 h 139039"/>
+              <a:gd name="connsiteX6" fmla="*/ 9437 w 139037"/>
+              <a:gd name="connsiteY6" fmla="*/ 60082 h 139039"/>
+              <a:gd name="connsiteX7" fmla="*/ 0 w 139037"/>
+              <a:gd name="connsiteY7" fmla="*/ 69520 h 139039"/>
+              <a:gd name="connsiteX8" fmla="*/ 9437 w 139037"/>
+              <a:gd name="connsiteY8" fmla="*/ 78957 h 139039"/>
+              <a:gd name="connsiteX9" fmla="*/ 60082 w 139037"/>
+              <a:gd name="connsiteY9" fmla="*/ 78957 h 139039"/>
+              <a:gd name="connsiteX10" fmla="*/ 60082 w 139037"/>
+              <a:gd name="connsiteY10" fmla="*/ 129602 h 139039"/>
+              <a:gd name="connsiteX11" fmla="*/ 69519 w 139037"/>
+              <a:gd name="connsiteY11" fmla="*/ 139039 h 139039"/>
+              <a:gd name="connsiteX12" fmla="*/ 78955 w 139037"/>
+              <a:gd name="connsiteY12" fmla="*/ 129602 h 139039"/>
+              <a:gd name="connsiteX13" fmla="*/ 78955 w 139037"/>
+              <a:gd name="connsiteY13" fmla="*/ 78957 h 139039"/>
+              <a:gd name="connsiteX14" fmla="*/ 129600 w 139037"/>
+              <a:gd name="connsiteY14" fmla="*/ 78957 h 139039"/>
+              <a:gd name="connsiteX15" fmla="*/ 139037 w 139037"/>
+              <a:gd name="connsiteY15" fmla="*/ 69520 h 139039"/>
+              <a:gd name="connsiteX16" fmla="*/ 129600 w 139037"/>
+              <a:gd name="connsiteY16" fmla="*/ 60082 h 139039"/>
+            </a:gdLst>
+            <a:ahLst/>
+            <a:cxnLst>
+              <a:cxn ang="0">
+                <a:pos x="connsiteX0" y="connsiteY0"/>
+              </a:cxn>
+              <a:cxn ang="0">
+                <a:pos x="connsiteX1" y="connsiteY1"/>
+              </a:cxn>
+              <a:cxn ang="0">
+                <a:pos x="connsiteX2" y="connsiteY2"/>
+              </a:cxn>
+              <a:cxn ang="0">
+                <a:pos x="connsiteX3" y="connsiteY3"/>
+              </a:cxn>
+              <a:cxn ang="0">
+                <a:pos x="connsiteX4" y="connsiteY4"/>
+              </a:cxn>
+              <a:cxn ang="0">
+                <a:pos x="connsiteX5" y="connsiteY5"/>
+              </a:cxn>
+              <a:cxn ang="0">
+                <a:pos x="connsiteX6" y="connsiteY6"/>
+              </a:cxn>
+              <a:cxn ang="0">
+                <a:pos x="connsiteX7" y="connsiteY7"/>
+              </a:cxn>
+              <a:cxn ang="0">
+                <a:pos x="connsiteX8" y="connsiteY8"/>
+              </a:cxn>
+              <a:cxn ang="0">
+                <a:pos x="connsiteX9" y="connsiteY9"/>
+              </a:cxn>
+              <a:cxn ang="0">
+                <a:pos x="connsiteX10" y="connsiteY10"/>
+              </a:cxn>
+              <a:cxn ang="0">
+                <a:pos x="connsiteX11" y="connsiteY11"/>
+              </a:cxn>
+              <a:cxn ang="0">
+                <a:pos x="connsiteX12" y="connsiteY12"/>
+              </a:cxn>
+              <a:cxn ang="0">
+                <a:pos x="connsiteX13" y="connsiteY13"/>
+              </a:cxn>
+              <a:cxn ang="0">
+                <a:pos x="connsiteX14" y="connsiteY14"/>
+              </a:cxn>
+              <a:cxn ang="0">
+                <a:pos x="connsiteX15" y="connsiteY15"/>
+              </a:cxn>
+              <a:cxn ang="0">
+                <a:pos x="connsiteX16" y="connsiteY16"/>
+              </a:cxn>
+            </a:cxnLst>
+            <a:rect l="l" t="t" r="r" b="b"/>
+            <a:pathLst>
+              <a:path w="139037" h="139039">
+                <a:moveTo>
+                  <a:pt x="129600" y="60082"/>
+                </a:moveTo>
+                <a:lnTo>
+                  <a:pt x="78955" y="60082"/>
+                </a:lnTo>
+                <a:lnTo>
+                  <a:pt x="78955" y="9437"/>
+                </a:lnTo>
+                <a:cubicBezTo>
+                  <a:pt x="78955" y="4225"/>
+                  <a:pt x="74730" y="0"/>
+                  <a:pt x="69519" y="0"/>
+                </a:cubicBezTo>
+                <a:cubicBezTo>
+                  <a:pt x="64307" y="0"/>
+                  <a:pt x="60082" y="4225"/>
+                  <a:pt x="60082" y="9437"/>
+                </a:cubicBezTo>
+                <a:lnTo>
+                  <a:pt x="60082" y="60082"/>
+                </a:lnTo>
+                <a:lnTo>
+                  <a:pt x="9437" y="60082"/>
+                </a:lnTo>
+                <a:cubicBezTo>
+                  <a:pt x="4225" y="60082"/>
+                  <a:pt x="0" y="64308"/>
+                  <a:pt x="0" y="69520"/>
+                </a:cubicBezTo>
+                <a:cubicBezTo>
+                  <a:pt x="0" y="74731"/>
+                  <a:pt x="4225" y="78957"/>
+                  <a:pt x="9437" y="78957"/>
+                </a:cubicBezTo>
+                <a:lnTo>
+                  <a:pt x="60082" y="78957"/>
+                </a:lnTo>
+                <a:lnTo>
+                  <a:pt x="60082" y="129602"/>
+                </a:lnTo>
+                <a:cubicBezTo>
+                  <a:pt x="60082" y="134814"/>
+                  <a:pt x="64307" y="139039"/>
+                  <a:pt x="69519" y="139039"/>
+                </a:cubicBezTo>
+                <a:cubicBezTo>
+                  <a:pt x="74730" y="139039"/>
+                  <a:pt x="78955" y="134814"/>
+                  <a:pt x="78955" y="129602"/>
+                </a:cubicBezTo>
+                <a:lnTo>
+                  <a:pt x="78955" y="78957"/>
+                </a:lnTo>
+                <a:lnTo>
+                  <a:pt x="129600" y="78957"/>
+                </a:lnTo>
+                <a:cubicBezTo>
+                  <a:pt x="134812" y="78957"/>
+                  <a:pt x="139037" y="74731"/>
+                  <a:pt x="139037" y="69520"/>
+                </a:cubicBezTo>
+                <a:cubicBezTo>
+                  <a:pt x="139037" y="64308"/>
+                  <a:pt x="134812" y="60082"/>
+                  <a:pt x="129600" y="60082"/>
+                </a:cubicBezTo>
+                <a:close/>
+              </a:path>
+            </a:pathLst>
+          </a:custGeom>
+          <a:solidFill>
+            <a:schemeClr val="bg1"/>
+          </a:solidFill>
+          <a:ln w="603" cap="flat">
+            <a:noFill/>
+            <a:prstDash val="solid"/>
+            <a:miter/>
+          </a:ln>
+        </p:spPr>
+        <p:txBody>
+          <a:bodyPr rtlCol="0" anchor="ctr"/>
+          <a:lstStyle/>
+          <a:p>
+            <a:endParaRPr lang="en-US"/>
+          </a:p>
+        </p:txBody>
+      </p:sp>
+      <p:cxnSp>
+        <p:nvCxnSpPr>
+          <p:cNvPr id="80" name="Straight Connector 79">
+            <a:extLst>
+              <a:ext uri="{FF2B5EF4-FFF2-40B4-BE49-F238E27FC236}">
+                <a16:creationId xmlns:a16="http://schemas.microsoft.com/office/drawing/2014/main" id="{56020367-4FD5-4596-8E10-C5F095CD8DBF}"/>
+              </a:ext>
+              <a:ext uri="{C183D7F6-B498-43B3-948B-1728B52AA6E4}">
+                <adec:decorative xmlns:adec="http://schemas.microsoft.com/office/drawing/2017/decorative" val="1"/>
+              </a:ext>
+            </a:extLst>
+          </p:cNvPr>
+          <p:cNvCxnSpPr>
+            <a:cxnSpLocks noGrp="1" noRot="1" noChangeAspect="1" noMove="1" noResize="1" noEditPoints="1" noAdjustHandles="1" noChangeArrowheads="1" noChangeShapeType="1"/>
+          </p:cNvCxnSpPr>
+          <p:nvPr>
+            <p:extLst>
+              <p:ext uri="{386F3935-93C4-4BCD-93E2-E3B085C9AB24}">
+                <p16:designElem xmlns:p16="http://schemas.microsoft.com/office/powerpoint/2015/main" val="1"/>
+              </p:ext>
+            </p:extLst>
+          </p:nvPr>
+        </p:nvCxnSpPr>
+        <p:spPr>
+          <a:xfrm>
+            <a:off x="5447322" y="1589368"/>
+            <a:ext cx="0" cy="5259754"/>
+          </a:xfrm>
+          <a:prstGeom prst="line">
+            <a:avLst/>
+          </a:prstGeom>
+          <a:ln w="25400" cap="sq">
+            <a:solidFill>
+              <a:schemeClr val="bg1"/>
+            </a:solidFill>
+            <a:bevel/>
+          </a:ln>
+        </p:spPr>
+        <p:style>
+          <a:lnRef idx="1">
+            <a:schemeClr val="accent1"/>
+          </a:lnRef>
+          <a:fillRef idx="0">
+            <a:schemeClr val="accent1"/>
+          </a:fillRef>
+          <a:effectRef idx="0">
+            <a:schemeClr val="accent1"/>
+          </a:effectRef>
+          <a:fontRef idx="minor">
+            <a:schemeClr val="tx1"/>
+          </a:fontRef>
+        </p:style>
+      </p:cxnSp>
+      <p:sp>
+        <p:nvSpPr>
+          <p:cNvPr id="82" name="Graphic 21">
+            <a:extLst>
+              <a:ext uri="{FF2B5EF4-FFF2-40B4-BE49-F238E27FC236}">
+                <a16:creationId xmlns:a16="http://schemas.microsoft.com/office/drawing/2014/main" id="{8D61482F-F3C5-4D66-8C5D-C6BBE3E1275C}"/>
+              </a:ext>
+              <a:ext uri="{C183D7F6-B498-43B3-948B-1728B52AA6E4}">
+                <adec:decorative xmlns:adec="http://schemas.microsoft.com/office/drawing/2017/decorative" val="1"/>
+              </a:ext>
+            </a:extLst>
+          </p:cNvPr>
+          <p:cNvSpPr>
+            <a:spLocks noGrp="1" noRot="1" noChangeAspect="1" noMove="1" noResize="1" noEditPoints="1" noAdjustHandles="1" noChangeArrowheads="1" noChangeShapeType="1" noTextEdit="1"/>
+          </p:cNvSpPr>
+          <p:nvPr>
+            <p:extLst>
+              <p:ext uri="{386F3935-93C4-4BCD-93E2-E3B085C9AB24}">
+                <p16:designElem xmlns:p16="http://schemas.microsoft.com/office/powerpoint/2015/main" val="1"/>
+              </p:ext>
+            </p:extLst>
+          </p:nvPr>
+        </p:nvSpPr>
+        <p:spPr>
+          <a:xfrm>
+            <a:off x="11752801" y="1659316"/>
+            <a:ext cx="127713" cy="127714"/>
+          </a:xfrm>
+          <a:custGeom>
+            <a:avLst/>
+            <a:gdLst>
+              <a:gd name="connsiteX0" fmla="*/ 63857 w 127713"/>
+              <a:gd name="connsiteY0" fmla="*/ 18874 h 127714"/>
+              <a:gd name="connsiteX1" fmla="*/ 108839 w 127713"/>
+              <a:gd name="connsiteY1" fmla="*/ 63857 h 127714"/>
+              <a:gd name="connsiteX2" fmla="*/ 63857 w 127713"/>
+              <a:gd name="connsiteY2" fmla="*/ 108840 h 127714"/>
+              <a:gd name="connsiteX3" fmla="*/ 18874 w 127713"/>
+              <a:gd name="connsiteY3" fmla="*/ 63857 h 127714"/>
+              <a:gd name="connsiteX4" fmla="*/ 63857 w 127713"/>
+              <a:gd name="connsiteY4" fmla="*/ 18874 h 127714"/>
+              <a:gd name="connsiteX5" fmla="*/ 63857 w 127713"/>
+              <a:gd name="connsiteY5" fmla="*/ 0 h 127714"/>
+              <a:gd name="connsiteX6" fmla="*/ 0 w 127713"/>
+              <a:gd name="connsiteY6" fmla="*/ 63857 h 127714"/>
+              <a:gd name="connsiteX7" fmla="*/ 63857 w 127713"/>
+              <a:gd name="connsiteY7" fmla="*/ 127714 h 127714"/>
+              <a:gd name="connsiteX8" fmla="*/ 127713 w 127713"/>
+              <a:gd name="connsiteY8" fmla="*/ 63857 h 127714"/>
+              <a:gd name="connsiteX9" fmla="*/ 63857 w 127713"/>
+              <a:gd name="connsiteY9" fmla="*/ 0 h 127714"/>
+            </a:gdLst>
+            <a:ahLst/>
+            <a:cxnLst>
+              <a:cxn ang="0">
+                <a:pos x="connsiteX0" y="connsiteY0"/>
+              </a:cxn>
+              <a:cxn ang="0">
+                <a:pos x="connsiteX1" y="connsiteY1"/>
+              </a:cxn>
+              <a:cxn ang="0">
+                <a:pos x="connsiteX2" y="connsiteY2"/>
+              </a:cxn>
+              <a:cxn ang="0">
+                <a:pos x="connsiteX3" y="connsiteY3"/>
+              </a:cxn>
+              <a:cxn ang="0">
+                <a:pos x="connsiteX4" y="connsiteY4"/>
+              </a:cxn>
+              <a:cxn ang="0">
+                <a:pos x="connsiteX5" y="connsiteY5"/>
+              </a:cxn>
+              <a:cxn ang="0">
+                <a:pos x="connsiteX6" y="connsiteY6"/>
+              </a:cxn>
+              <a:cxn ang="0">
+                <a:pos x="connsiteX7" y="connsiteY7"/>
+              </a:cxn>
+              <a:cxn ang="0">
+                <a:pos x="connsiteX8" y="connsiteY8"/>
+              </a:cxn>
+              <a:cxn ang="0">
+                <a:pos x="connsiteX9" y="connsiteY9"/>
+              </a:cxn>
+            </a:cxnLst>
+            <a:rect l="l" t="t" r="r" b="b"/>
+            <a:pathLst>
+              <a:path w="127713" h="127714">
+                <a:moveTo>
+                  <a:pt x="63857" y="18874"/>
+                </a:moveTo>
+                <a:cubicBezTo>
+                  <a:pt x="88700" y="18874"/>
+                  <a:pt x="108839" y="39014"/>
+                  <a:pt x="108839" y="63857"/>
+                </a:cubicBezTo>
+                <a:cubicBezTo>
+                  <a:pt x="108839" y="88700"/>
+                  <a:pt x="88700" y="108840"/>
+                  <a:pt x="63857" y="108840"/>
+                </a:cubicBezTo>
+                <a:cubicBezTo>
+                  <a:pt x="39013" y="108840"/>
+                  <a:pt x="18874" y="88700"/>
+                  <a:pt x="18874" y="63857"/>
+                </a:cubicBezTo>
+                <a:cubicBezTo>
+                  <a:pt x="18898" y="39024"/>
+                  <a:pt x="39023" y="18898"/>
+                  <a:pt x="63857" y="18874"/>
+                </a:cubicBezTo>
+                <a:moveTo>
+                  <a:pt x="63857" y="0"/>
+                </a:moveTo>
+                <a:cubicBezTo>
+                  <a:pt x="28590" y="0"/>
+                  <a:pt x="0" y="28590"/>
+                  <a:pt x="0" y="63857"/>
+                </a:cubicBezTo>
+                <a:cubicBezTo>
+                  <a:pt x="0" y="99124"/>
+                  <a:pt x="28590" y="127714"/>
+                  <a:pt x="63857" y="127714"/>
+                </a:cubicBezTo>
+                <a:cubicBezTo>
+                  <a:pt x="99124" y="127714"/>
+                  <a:pt x="127713" y="99124"/>
+                  <a:pt x="127713" y="63857"/>
+                </a:cubicBezTo>
+                <a:cubicBezTo>
+                  <a:pt x="127713" y="28590"/>
+                  <a:pt x="99124" y="0"/>
+                  <a:pt x="63857" y="0"/>
+                </a:cubicBezTo>
+                <a:close/>
+              </a:path>
+            </a:pathLst>
+          </a:custGeom>
+          <a:solidFill>
+            <a:schemeClr val="bg1"/>
+          </a:solidFill>
+          <a:ln w="610" cap="flat">
+            <a:noFill/>
+            <a:prstDash val="solid"/>
+            <a:miter/>
+          </a:ln>
+        </p:spPr>
+        <p:txBody>
+          <a:bodyPr rtlCol="0" anchor="ctr"/>
+          <a:lstStyle/>
+          <a:p>
+            <a:endParaRPr lang="en-US"/>
+          </a:p>
+        </p:txBody>
+      </p:sp>
+      <p:sp>
+        <p:nvSpPr>
+          <p:cNvPr id="5" name="CuadroTexto 4">
+            <a:extLst>
+              <a:ext uri="{FF2B5EF4-FFF2-40B4-BE49-F238E27FC236}">
+                <a16:creationId xmlns:a16="http://schemas.microsoft.com/office/drawing/2014/main" id="{2F51A49C-3E7D-9C52-AD23-8A3238284BB8}"/>
+              </a:ext>
+            </a:extLst>
+          </p:cNvPr>
+          <p:cNvSpPr txBox="1"/>
+          <p:nvPr/>
+        </p:nvSpPr>
+        <p:spPr>
+          <a:xfrm>
+            <a:off x="6096000" y="3096272"/>
+            <a:ext cx="4963769" cy="3285478"/>
+          </a:xfrm>
+          <a:prstGeom prst="rect">
+            <a:avLst/>
+          </a:prstGeom>
+        </p:spPr>
+        <p:txBody>
+          <a:bodyPr vert="horz" lIns="91440" tIns="45720" rIns="91440" bIns="45720" rtlCol="0">
+            <a:noAutofit/>
+          </a:bodyPr>
+          <a:lstStyle/>
+          <a:p>
+            <a:pPr>
+              <a:lnSpc>
+                <a:spcPct val="90000"/>
+              </a:lnSpc>
+              <a:spcBef>
+                <a:spcPts val="1000"/>
+              </a:spcBef>
+            </a:pPr>
+            <a:r>
+              <a:rPr lang="es-ES" sz="2000" b="0" i="0" kern="1200" dirty="0">
+                <a:solidFill>
+                  <a:schemeClr val="bg1"/>
+                </a:solidFill>
+                <a:effectLst/>
+                <a:latin typeface="+mn-lt"/>
+                <a:ea typeface="+mn-ea"/>
+                <a:cs typeface="+mn-cs"/>
+              </a:rPr>
+              <a:t>React Router DOM es una biblioteca que facilita la navegación y el enrutamiento en aplicaciones web React. Permite definir rutas y asociar componentes a cada ruta específica. Con React </a:t>
+            </a:r>
+            <a:r>
+              <a:rPr lang="es-ES" sz="2000" b="0" i="0" kern="1200" dirty="0" err="1">
+                <a:solidFill>
+                  <a:schemeClr val="bg1"/>
+                </a:solidFill>
+                <a:effectLst/>
+                <a:latin typeface="+mn-lt"/>
+                <a:ea typeface="+mn-ea"/>
+                <a:cs typeface="+mn-cs"/>
+              </a:rPr>
+              <a:t>Ruter</a:t>
+            </a:r>
+            <a:r>
+              <a:rPr lang="es-ES" sz="2000" b="0" i="0" kern="1200" dirty="0">
+                <a:solidFill>
+                  <a:schemeClr val="bg1"/>
+                </a:solidFill>
+                <a:effectLst/>
+                <a:latin typeface="+mn-lt"/>
+                <a:ea typeface="+mn-ea"/>
+                <a:cs typeface="+mn-cs"/>
+              </a:rPr>
+              <a:t> DOM, los usuarios pueden cambiar entre diferentes vistas de manera dinámica, lo que mejora la experiencia de usuario y la interactividad en la aplicación.</a:t>
+            </a:r>
+            <a:endParaRPr lang="es-ES" sz="2000" kern="1200" dirty="0">
+              <a:solidFill>
+                <a:schemeClr val="bg1"/>
+              </a:solidFill>
+              <a:latin typeface="+mn-lt"/>
+              <a:ea typeface="+mn-ea"/>
+              <a:cs typeface="+mn-cs"/>
+            </a:endParaRPr>
+          </a:p>
+        </p:txBody>
+      </p:sp>
+      <p:pic>
+        <p:nvPicPr>
+          <p:cNvPr id="71" name="Graphic 70">
+            <a:extLst>
+              <a:ext uri="{FF2B5EF4-FFF2-40B4-BE49-F238E27FC236}">
+                <a16:creationId xmlns:a16="http://schemas.microsoft.com/office/drawing/2014/main" id="{731291BC-7691-2D2C-F8B5-16F705D8EB86}"/>
+              </a:ext>
+            </a:extLst>
+          </p:cNvPr>
+          <p:cNvPicPr>
+            <a:picLocks noChangeAspect="1"/>
+          </p:cNvPicPr>
+          <p:nvPr/>
+        </p:nvPicPr>
+        <p:blipFill>
+          <a:blip r:embed="rId2">
+            <a:extLst>
+              <a:ext uri="{28A0092B-C50C-407E-A947-70E740481C1C}">
+                <a14:useLocalDpi xmlns:a14="http://schemas.microsoft.com/office/drawing/2010/main" val="0"/>
+              </a:ext>
+              <a:ext uri="{96DAC541-7B7A-43D3-8B79-37D633B846F1}">
+                <asvg:svgBlip xmlns:asvg="http://schemas.microsoft.com/office/drawing/2016/SVG/main" r:embed="rId3"/>
+              </a:ext>
+            </a:extLst>
+          </a:blip>
+          <a:stretch>
+            <a:fillRect/>
+          </a:stretch>
+        </p:blipFill>
+        <p:spPr>
+          <a:xfrm>
+            <a:off x="0" y="0"/>
+            <a:ext cx="914400" cy="914400"/>
+          </a:xfrm>
+          <a:prstGeom prst="rect">
+            <a:avLst/>
+          </a:prstGeom>
+        </p:spPr>
+      </p:pic>
+      <p:sp>
+        <p:nvSpPr>
+          <p:cNvPr id="8" name="Título 1">
+            <a:extLst>
+              <a:ext uri="{FF2B5EF4-FFF2-40B4-BE49-F238E27FC236}">
+                <a16:creationId xmlns:a16="http://schemas.microsoft.com/office/drawing/2014/main" id="{F13A03E1-6397-825C-1904-6E27F2395A8D}"/>
+              </a:ext>
+            </a:extLst>
+          </p:cNvPr>
+          <p:cNvSpPr txBox="1">
+            <a:spLocks/>
+          </p:cNvSpPr>
+          <p:nvPr/>
+        </p:nvSpPr>
+        <p:spPr>
+          <a:xfrm>
+            <a:off x="6218078" y="1589368"/>
+            <a:ext cx="3790106" cy="1440229"/>
+          </a:xfrm>
+          <a:prstGeom prst="rect">
+            <a:avLst/>
+          </a:prstGeom>
+        </p:spPr>
+        <p:txBody>
+          <a:bodyPr vert="horz" lIns="91440" tIns="45720" rIns="91440" bIns="45720" rtlCol="0" anchor="t">
+            <a:normAutofit fontScale="82500" lnSpcReduction="20000"/>
+          </a:bodyPr>
+          <a:lstStyle>
+            <a:lvl1pPr algn="l" defTabSz="914400" rtl="0" eaLnBrk="1" latinLnBrk="0" hangingPunct="1">
+              <a:lnSpc>
+                <a:spcPct val="90000"/>
+              </a:lnSpc>
+              <a:spcBef>
+                <a:spcPct val="0"/>
+              </a:spcBef>
+              <a:buNone/>
+              <a:defRPr sz="4400" kern="1200">
+                <a:solidFill>
+                  <a:schemeClr val="tx1"/>
+                </a:solidFill>
+                <a:latin typeface="+mj-lt"/>
+                <a:ea typeface="+mj-ea"/>
+                <a:cs typeface="+mj-cs"/>
+              </a:defRPr>
+            </a:lvl1pPr>
+          </a:lstStyle>
+          <a:p>
+            <a:pPr algn="r"/>
+            <a:r>
+              <a:rPr lang="en-US" b="1" cap="all" dirty="0">
+                <a:solidFill>
+                  <a:schemeClr val="bg1"/>
+                </a:solidFill>
+              </a:rPr>
+              <a:t>¿Que es react router Dom?</a:t>
+            </a:r>
+            <a:br>
+              <a:rPr lang="en-US" sz="6200" b="1" cap="all" dirty="0">
+                <a:solidFill>
+                  <a:schemeClr val="bg1"/>
+                </a:solidFill>
+              </a:rPr>
+            </a:br>
+            <a:endParaRPr lang="en-US" sz="6200" b="1" cap="all" dirty="0">
+              <a:solidFill>
+                <a:schemeClr val="bg1"/>
+              </a:solidFill>
+            </a:endParaRPr>
+          </a:p>
+        </p:txBody>
+      </p:sp>
+    </p:spTree>
+    <p:extLst>
+      <p:ext uri="{BB962C8B-B14F-4D97-AF65-F5344CB8AC3E}">
+        <p14:creationId xmlns:p14="http://schemas.microsoft.com/office/powerpoint/2010/main" val="477611495"/>
+      </p:ext>
+    </p:extLst>
+  </p:cSld>
+  <p:clrMapOvr>
+    <a:masterClrMapping/>
+  </p:clrMapOvr>
+</p:sld>
+</file>
+
+<file path=ppt/slides/slide13.xml><?xml version="1.0" encoding="utf-8"?>
+<p:sld xmlns:a="http://schemas.openxmlformats.org/drawingml/2006/main" xmlns:r="http://schemas.openxmlformats.org/officeDocument/2006/relationships" xmlns:p="http://schemas.openxmlformats.org/presentationml/2006/main">
+  <p:cSld>
+    <p:bg>
+      <p:bgPr>
+        <a:solidFill>
+          <a:schemeClr val="bg1"/>
+        </a:solidFill>
+        <a:effectLst/>
+      </p:bgPr>
+    </p:bg>
+    <p:spTree>
+      <p:nvGrpSpPr>
+        <p:cNvPr id="1" name=""/>
+        <p:cNvGrpSpPr/>
+        <p:nvPr/>
+      </p:nvGrpSpPr>
+      <p:grpSpPr>
+        <a:xfrm>
+          <a:off x="0" y="0"/>
+          <a:ext cx="0" cy="0"/>
+          <a:chOff x="0" y="0"/>
+          <a:chExt cx="0" cy="0"/>
+        </a:xfrm>
+      </p:grpSpPr>
+      <p:cxnSp>
+        <p:nvCxnSpPr>
+          <p:cNvPr id="23" name="Straight Connector 13">
+            <a:extLst>
+              <a:ext uri="{FF2B5EF4-FFF2-40B4-BE49-F238E27FC236}">
+                <a16:creationId xmlns:a16="http://schemas.microsoft.com/office/drawing/2014/main" id="{D1B787A8-0D67-4B7E-9B48-86BD906AB6B5}"/>
+              </a:ext>
+              <a:ext uri="{C183D7F6-B498-43B3-948B-1728B52AA6E4}">
+                <adec:decorative xmlns:adec="http://schemas.microsoft.com/office/drawing/2017/decorative" val="1"/>
+              </a:ext>
+            </a:extLst>
+          </p:cNvPr>
+          <p:cNvCxnSpPr>
+            <a:cxnSpLocks noGrp="1" noRot="1" noChangeAspect="1" noMove="1" noResize="1" noEditPoints="1" noAdjustHandles="1" noChangeArrowheads="1" noChangeShapeType="1"/>
+          </p:cNvCxnSpPr>
+          <p:nvPr>
+            <p:extLst>
+              <p:ext uri="{386F3935-93C4-4BCD-93E2-E3B085C9AB24}">
+                <p16:designElem xmlns:p16="http://schemas.microsoft.com/office/powerpoint/2015/main" val="1"/>
+              </p:ext>
+            </p:extLst>
+          </p:nvPr>
+        </p:nvCxnSpPr>
+        <p:spPr>
+          <a:xfrm>
+            <a:off x="715890" y="1114050"/>
+            <a:ext cx="0" cy="5735637"/>
+          </a:xfrm>
+          <a:prstGeom prst="line">
+            <a:avLst/>
+          </a:prstGeom>
+          <a:ln w="25400" cap="sq">
+            <a:gradFill flip="none" rotWithShape="1">
+              <a:gsLst>
+                <a:gs pos="0">
+                  <a:schemeClr val="accent2"/>
+                </a:gs>
+                <a:gs pos="100000">
+                  <a:schemeClr val="accent4"/>
+                </a:gs>
+              </a:gsLst>
+              <a:lin ang="16200000" scaled="1"/>
+              <a:tileRect/>
+            </a:gradFill>
+            <a:bevel/>
+          </a:ln>
+        </p:spPr>
+        <p:style>
+          <a:lnRef idx="1">
+            <a:schemeClr val="accent1"/>
+          </a:lnRef>
+          <a:fillRef idx="0">
+            <a:schemeClr val="accent1"/>
+          </a:fillRef>
+          <a:effectRef idx="0">
+            <a:schemeClr val="accent1"/>
+          </a:effectRef>
+          <a:fontRef idx="minor">
+            <a:schemeClr val="tx1"/>
+          </a:fontRef>
+        </p:style>
+      </p:cxnSp>
+      <p:sp>
+        <p:nvSpPr>
+          <p:cNvPr id="24" name="Rectangle 15">
+            <a:extLst>
+              <a:ext uri="{FF2B5EF4-FFF2-40B4-BE49-F238E27FC236}">
+                <a16:creationId xmlns:a16="http://schemas.microsoft.com/office/drawing/2014/main" id="{158B3569-73B2-4D05-8E95-886A6EE17F1F}"/>
+              </a:ext>
+              <a:ext uri="{C183D7F6-B498-43B3-948B-1728B52AA6E4}">
+                <adec:decorative xmlns:adec="http://schemas.microsoft.com/office/drawing/2017/decorative" val="1"/>
+              </a:ext>
+            </a:extLst>
+          </p:cNvPr>
+          <p:cNvSpPr>
+            <a:spLocks noGrp="1" noRot="1" noChangeAspect="1" noMove="1" noResize="1" noEditPoints="1" noAdjustHandles="1" noChangeArrowheads="1" noChangeShapeType="1" noTextEdit="1"/>
+          </p:cNvSpPr>
+          <p:nvPr>
+            <p:extLst>
+              <p:ext uri="{386F3935-93C4-4BCD-93E2-E3B085C9AB24}">
+                <p16:designElem xmlns:p16="http://schemas.microsoft.com/office/powerpoint/2015/main" val="1"/>
+              </p:ext>
+            </p:extLst>
+          </p:nvPr>
+        </p:nvSpPr>
+        <p:spPr>
+          <a:xfrm>
+            <a:off x="0" y="0"/>
+            <a:ext cx="12192000" cy="6858000"/>
+          </a:xfrm>
+          <a:prstGeom prst="rect">
+            <a:avLst/>
+          </a:prstGeom>
+          <a:gradFill flip="none" rotWithShape="1">
+            <a:gsLst>
+              <a:gs pos="100000">
+                <a:schemeClr val="accent4"/>
+              </a:gs>
+              <a:gs pos="0">
+                <a:schemeClr val="accent2"/>
+              </a:gs>
+            </a:gsLst>
+            <a:lin ang="2700000" scaled="1"/>
+            <a:tileRect/>
+          </a:gradFill>
+          <a:ln>
+            <a:noFill/>
+          </a:ln>
+        </p:spPr>
+        <p:style>
+          <a:lnRef idx="2">
+            <a:schemeClr val="accent1">
+              <a:shade val="50000"/>
+            </a:schemeClr>
+          </a:lnRef>
+          <a:fillRef idx="1">
+            <a:schemeClr val="accent1"/>
+          </a:fillRef>
+          <a:effectRef idx="0">
+            <a:schemeClr val="accent1"/>
+          </a:effectRef>
+          <a:fontRef idx="minor">
+            <a:schemeClr val="lt1"/>
+          </a:fontRef>
+        </p:style>
+        <p:txBody>
+          <a:bodyPr rtlCol="0" anchor="ctr"/>
+          <a:lstStyle/>
+          <a:p>
+            <a:pPr algn="ctr"/>
+            <a:endParaRPr lang="en-US"/>
+          </a:p>
+        </p:txBody>
+      </p:sp>
+      <p:sp>
+        <p:nvSpPr>
+          <p:cNvPr id="2" name="Título 1">
+            <a:extLst>
+              <a:ext uri="{FF2B5EF4-FFF2-40B4-BE49-F238E27FC236}">
                 <a16:creationId xmlns:a16="http://schemas.microsoft.com/office/drawing/2014/main" id="{C3F15F6D-C674-EA92-BD58-27709CC91BF8}"/>
               </a:ext>
             </a:extLst>
@@ -11112,7 +11184,7 @@
       </p:grpSpPr>
       <p:sp useBgFill="1">
         <p:nvSpPr>
-          <p:cNvPr id="25" name="Rectangle 24">
+          <p:cNvPr id="40" name="Rectangle 39">
             <a:extLst>
               <a:ext uri="{FF2B5EF4-FFF2-40B4-BE49-F238E27FC236}">
                 <a16:creationId xmlns:a16="http://schemas.microsoft.com/office/drawing/2014/main" id="{327D73B4-9F5C-4A64-A179-51B9500CB8B5}"/>
@@ -11223,7 +11295,7 @@
       </p:sp>
       <p:sp>
         <p:nvSpPr>
-          <p:cNvPr id="27" name="Oval 26">
+          <p:cNvPr id="42" name="Oval 41">
             <a:extLst>
               <a:ext uri="{FF2B5EF4-FFF2-40B4-BE49-F238E27FC236}">
                 <a16:creationId xmlns:a16="http://schemas.microsoft.com/office/drawing/2014/main" id="{C1F06963-6374-4B48-844F-071A9BAAAE02}"/>
@@ -11367,7 +11439,7 @@
       </p:pic>
       <p:sp>
         <p:nvSpPr>
-          <p:cNvPr id="29" name="!!plus graphic">
+          <p:cNvPr id="44" name="!!plus graphic">
             <a:extLst>
               <a:ext uri="{FF2B5EF4-FFF2-40B4-BE49-F238E27FC236}">
                 <a16:creationId xmlns:a16="http://schemas.microsoft.com/office/drawing/2014/main" id="{6CB927A4-E432-4310-9CD5-E89FF5063179}"/>
@@ -11578,7 +11650,7 @@
       </p:sp>
       <p:sp>
         <p:nvSpPr>
-          <p:cNvPr id="31" name="!!circle graphic">
+          <p:cNvPr id="46" name="!!circle graphic">
             <a:extLst>
               <a:ext uri="{FF2B5EF4-FFF2-40B4-BE49-F238E27FC236}">
                 <a16:creationId xmlns:a16="http://schemas.microsoft.com/office/drawing/2014/main" id="{1453BF6C-B012-48B7-B4E8-6D7AC7C27D02}"/>
@@ -11759,13 +11831,43 @@
           </a:bodyPr>
           <a:lstStyle/>
           <a:p>
-            <a:endParaRPr lang="en-US" sz="1800"/>
+            <a:r>
+              <a:rPr lang="es-ES" sz="1400" dirty="0"/>
+              <a:t>Tailwind, en pocas palabras, es un framework CSS que da prioridad a la utilidad sobre el propio estilo, pero además a diferencia de otros </a:t>
+            </a:r>
+            <a:r>
+              <a:rPr lang="es-ES" sz="1400" dirty="0" err="1"/>
+              <a:t>frameworks</a:t>
+            </a:r>
+            <a:r>
+              <a:rPr lang="es-ES" sz="1400" dirty="0"/>
+              <a:t> CSS como Bootstrap o </a:t>
+            </a:r>
+            <a:r>
+              <a:rPr lang="es-ES" sz="1400" dirty="0" err="1"/>
+              <a:t>Bulma</a:t>
+            </a:r>
+            <a:r>
+              <a:rPr lang="es-ES" sz="1400" dirty="0"/>
+              <a:t>, Tailwind no provee una serie de componentes predefinidos. En su lugar, este framework opera en un nivel inferior y te proporciona un conjunto de clases de ayuda para estructura y estilado, de forma que, usando dichas clases, puedas crear rápidamente diseños personalizados con facilidad. Además, no es </a:t>
+            </a:r>
+            <a:r>
+              <a:rPr lang="es-ES" sz="1400" dirty="0" err="1"/>
+              <a:t>opinionado</a:t>
+            </a:r>
+            <a:r>
+              <a:rPr lang="es-ES" sz="1400" dirty="0"/>
+              <a:t> y gracias a su flexibilidad te permite crear un diseño realmente único.</a:t>
+            </a:r>
+          </a:p>
+          <a:p>
+            <a:endParaRPr lang="en-US" sz="1400" dirty="0"/>
           </a:p>
         </p:txBody>
       </p:sp>
       <p:sp>
         <p:nvSpPr>
-          <p:cNvPr id="33" name="!!dot graphic">
+          <p:cNvPr id="48" name="!!dot graphic">
             <a:extLst>
               <a:ext uri="{FF2B5EF4-FFF2-40B4-BE49-F238E27FC236}">
                 <a16:creationId xmlns:a16="http://schemas.microsoft.com/office/drawing/2014/main" id="{E3020543-B24B-4EC4-8FFC-8DD88EEA91A8}"/>
@@ -11872,7 +11974,7 @@
       </p:sp>
       <p:cxnSp>
         <p:nvCxnSpPr>
-          <p:cNvPr id="35" name="!!Straight Connector">
+          <p:cNvPr id="50" name="!!Straight Connector">
             <a:extLst>
               <a:ext uri="{FF2B5EF4-FFF2-40B4-BE49-F238E27FC236}">
                 <a16:creationId xmlns:a16="http://schemas.microsoft.com/office/drawing/2014/main" id="{C49DA8F6-BCC1-4447-B54C-57856834B94B}"/>
@@ -11945,7 +12047,1305 @@
 </p:sld>
 </file>
 
-<file path=ppt/slides/slide2.xml><?xml version="1.0" encoding="utf-8"?>
+<file path=ppt/slides/slide15.xml><?xml version="1.0" encoding="utf-8"?>
+<p:sld xmlns:a="http://schemas.openxmlformats.org/drawingml/2006/main" xmlns:r="http://schemas.openxmlformats.org/officeDocument/2006/relationships" xmlns:p="http://schemas.openxmlformats.org/presentationml/2006/main">
+  <p:cSld>
+    <p:bg>
+      <p:bgPr>
+        <a:solidFill>
+          <a:schemeClr val="bg1"/>
+        </a:solidFill>
+        <a:effectLst/>
+      </p:bgPr>
+    </p:bg>
+    <p:spTree>
+      <p:nvGrpSpPr>
+        <p:cNvPr id="1" name=""/>
+        <p:cNvGrpSpPr/>
+        <p:nvPr/>
+      </p:nvGrpSpPr>
+      <p:grpSpPr>
+        <a:xfrm>
+          <a:off x="0" y="0"/>
+          <a:ext cx="0" cy="0"/>
+          <a:chOff x="0" y="0"/>
+          <a:chExt cx="0" cy="0"/>
+        </a:xfrm>
+      </p:grpSpPr>
+      <p:cxnSp>
+        <p:nvCxnSpPr>
+          <p:cNvPr id="9" name="Straight Connector 8">
+            <a:extLst>
+              <a:ext uri="{FF2B5EF4-FFF2-40B4-BE49-F238E27FC236}">
+                <a16:creationId xmlns:a16="http://schemas.microsoft.com/office/drawing/2014/main" id="{D1B787A8-0D67-4B7E-9B48-86BD906AB6B5}"/>
+              </a:ext>
+              <a:ext uri="{C183D7F6-B498-43B3-948B-1728B52AA6E4}">
+                <adec:decorative xmlns:adec="http://schemas.microsoft.com/office/drawing/2017/decorative" val="1"/>
+              </a:ext>
+            </a:extLst>
+          </p:cNvPr>
+          <p:cNvCxnSpPr>
+            <a:cxnSpLocks noGrp="1" noRot="1" noChangeAspect="1" noMove="1" noResize="1" noEditPoints="1" noAdjustHandles="1" noChangeArrowheads="1" noChangeShapeType="1"/>
+          </p:cNvCxnSpPr>
+          <p:nvPr>
+            <p:extLst>
+              <p:ext uri="{386F3935-93C4-4BCD-93E2-E3B085C9AB24}">
+                <p16:designElem xmlns:p16="http://schemas.microsoft.com/office/powerpoint/2015/main" val="1"/>
+              </p:ext>
+            </p:extLst>
+          </p:nvPr>
+        </p:nvCxnSpPr>
+        <p:spPr>
+          <a:xfrm>
+            <a:off x="715890" y="1114050"/>
+            <a:ext cx="0" cy="5735637"/>
+          </a:xfrm>
+          <a:prstGeom prst="line">
+            <a:avLst/>
+          </a:prstGeom>
+          <a:ln w="25400" cap="sq">
+            <a:gradFill flip="none" rotWithShape="1">
+              <a:gsLst>
+                <a:gs pos="0">
+                  <a:schemeClr val="accent2"/>
+                </a:gs>
+                <a:gs pos="100000">
+                  <a:schemeClr val="accent4"/>
+                </a:gs>
+              </a:gsLst>
+              <a:lin ang="16200000" scaled="1"/>
+              <a:tileRect/>
+            </a:gradFill>
+            <a:bevel/>
+          </a:ln>
+        </p:spPr>
+        <p:style>
+          <a:lnRef idx="1">
+            <a:schemeClr val="accent1"/>
+          </a:lnRef>
+          <a:fillRef idx="0">
+            <a:schemeClr val="accent1"/>
+          </a:fillRef>
+          <a:effectRef idx="0">
+            <a:schemeClr val="accent1"/>
+          </a:effectRef>
+          <a:fontRef idx="minor">
+            <a:schemeClr val="tx1"/>
+          </a:fontRef>
+        </p:style>
+      </p:cxnSp>
+      <p:sp>
+        <p:nvSpPr>
+          <p:cNvPr id="22" name="Rectangle 10">
+            <a:extLst>
+              <a:ext uri="{FF2B5EF4-FFF2-40B4-BE49-F238E27FC236}">
+                <a16:creationId xmlns:a16="http://schemas.microsoft.com/office/drawing/2014/main" id="{158B3569-73B2-4D05-8E95-886A6EE17F1F}"/>
+              </a:ext>
+              <a:ext uri="{C183D7F6-B498-43B3-948B-1728B52AA6E4}">
+                <adec:decorative xmlns:adec="http://schemas.microsoft.com/office/drawing/2017/decorative" val="1"/>
+              </a:ext>
+            </a:extLst>
+          </p:cNvPr>
+          <p:cNvSpPr>
+            <a:spLocks noGrp="1" noRot="1" noChangeAspect="1" noMove="1" noResize="1" noEditPoints="1" noAdjustHandles="1" noChangeArrowheads="1" noChangeShapeType="1" noTextEdit="1"/>
+          </p:cNvSpPr>
+          <p:nvPr>
+            <p:extLst>
+              <p:ext uri="{386F3935-93C4-4BCD-93E2-E3B085C9AB24}">
+                <p16:designElem xmlns:p16="http://schemas.microsoft.com/office/powerpoint/2015/main" val="1"/>
+              </p:ext>
+            </p:extLst>
+          </p:nvPr>
+        </p:nvSpPr>
+        <p:spPr>
+          <a:xfrm>
+            <a:off x="0" y="0"/>
+            <a:ext cx="12192000" cy="6858000"/>
+          </a:xfrm>
+          <a:prstGeom prst="rect">
+            <a:avLst/>
+          </a:prstGeom>
+          <a:gradFill flip="none" rotWithShape="1">
+            <a:gsLst>
+              <a:gs pos="100000">
+                <a:schemeClr val="accent4"/>
+              </a:gs>
+              <a:gs pos="0">
+                <a:schemeClr val="accent2"/>
+              </a:gs>
+            </a:gsLst>
+            <a:lin ang="2700000" scaled="1"/>
+            <a:tileRect/>
+          </a:gradFill>
+          <a:ln>
+            <a:noFill/>
+          </a:ln>
+        </p:spPr>
+        <p:style>
+          <a:lnRef idx="2">
+            <a:schemeClr val="accent1">
+              <a:shade val="50000"/>
+            </a:schemeClr>
+          </a:lnRef>
+          <a:fillRef idx="1">
+            <a:schemeClr val="accent1"/>
+          </a:fillRef>
+          <a:effectRef idx="0">
+            <a:schemeClr val="accent1"/>
+          </a:effectRef>
+          <a:fontRef idx="minor">
+            <a:schemeClr val="lt1"/>
+          </a:fontRef>
+        </p:style>
+        <p:txBody>
+          <a:bodyPr rtlCol="0" anchor="ctr"/>
+          <a:lstStyle/>
+          <a:p>
+            <a:pPr algn="ctr"/>
+            <a:endParaRPr lang="en-US"/>
+          </a:p>
+        </p:txBody>
+      </p:sp>
+      <p:sp>
+        <p:nvSpPr>
+          <p:cNvPr id="2" name="Título 1">
+            <a:extLst>
+              <a:ext uri="{FF2B5EF4-FFF2-40B4-BE49-F238E27FC236}">
+                <a16:creationId xmlns:a16="http://schemas.microsoft.com/office/drawing/2014/main" id="{36A6BBF0-897B-62CA-92FC-A5101FA8AAAA}"/>
+              </a:ext>
+            </a:extLst>
+          </p:cNvPr>
+          <p:cNvSpPr>
+            <a:spLocks noGrp="1"/>
+          </p:cNvSpPr>
+          <p:nvPr>
+            <p:ph type="title"/>
+          </p:nvPr>
+        </p:nvSpPr>
+        <p:spPr>
+          <a:xfrm>
+            <a:off x="457200" y="1598246"/>
+            <a:ext cx="4412419" cy="3626217"/>
+          </a:xfrm>
+        </p:spPr>
+        <p:txBody>
+          <a:bodyPr vert="horz" lIns="91440" tIns="45720" rIns="91440" bIns="45720" rtlCol="0" anchor="t">
+            <a:normAutofit/>
+          </a:bodyPr>
+          <a:lstStyle/>
+          <a:p>
+            <a:pPr algn="r"/>
+            <a:r>
+              <a:rPr lang="en-US" b="1" i="0" kern="1200" cap="all" baseline="0">
+                <a:solidFill>
+                  <a:schemeClr val="bg1"/>
+                </a:solidFill>
+                <a:latin typeface="+mj-lt"/>
+                <a:ea typeface="+mj-ea"/>
+                <a:cs typeface="+mj-cs"/>
+              </a:rPr>
+              <a:t>Muestras de código de REACT, REACT-ICONS REACT-ROUTER DOM</a:t>
+            </a:r>
+          </a:p>
+        </p:txBody>
+      </p:sp>
+      <p:sp>
+        <p:nvSpPr>
+          <p:cNvPr id="23" name="Graphic 17">
+            <a:extLst>
+              <a:ext uri="{FF2B5EF4-FFF2-40B4-BE49-F238E27FC236}">
+                <a16:creationId xmlns:a16="http://schemas.microsoft.com/office/drawing/2014/main" id="{B71758F4-3F46-45DA-8AC5-4E508DA080BA}"/>
+              </a:ext>
+              <a:ext uri="{C183D7F6-B498-43B3-948B-1728B52AA6E4}">
+                <adec:decorative xmlns:adec="http://schemas.microsoft.com/office/drawing/2017/decorative" val="1"/>
+              </a:ext>
+            </a:extLst>
+          </p:cNvPr>
+          <p:cNvSpPr>
+            <a:spLocks noGrp="1" noRot="1" noChangeAspect="1" noMove="1" noResize="1" noEditPoints="1" noAdjustHandles="1" noChangeArrowheads="1" noChangeShapeType="1" noTextEdit="1"/>
+          </p:cNvSpPr>
+          <p:nvPr>
+            <p:extLst>
+              <p:ext uri="{386F3935-93C4-4BCD-93E2-E3B085C9AB24}">
+                <p16:designElem xmlns:p16="http://schemas.microsoft.com/office/powerpoint/2015/main" val="1"/>
+              </p:ext>
+            </p:extLst>
+          </p:nvPr>
+        </p:nvSpPr>
+        <p:spPr>
+          <a:xfrm>
+            <a:off x="11512034" y="1267063"/>
+            <a:ext cx="139037" cy="139039"/>
+          </a:xfrm>
+          <a:custGeom>
+            <a:avLst/>
+            <a:gdLst>
+              <a:gd name="connsiteX0" fmla="*/ 129600 w 139037"/>
+              <a:gd name="connsiteY0" fmla="*/ 60082 h 139039"/>
+              <a:gd name="connsiteX1" fmla="*/ 78955 w 139037"/>
+              <a:gd name="connsiteY1" fmla="*/ 60082 h 139039"/>
+              <a:gd name="connsiteX2" fmla="*/ 78955 w 139037"/>
+              <a:gd name="connsiteY2" fmla="*/ 9437 h 139039"/>
+              <a:gd name="connsiteX3" fmla="*/ 69519 w 139037"/>
+              <a:gd name="connsiteY3" fmla="*/ 0 h 139039"/>
+              <a:gd name="connsiteX4" fmla="*/ 60082 w 139037"/>
+              <a:gd name="connsiteY4" fmla="*/ 9437 h 139039"/>
+              <a:gd name="connsiteX5" fmla="*/ 60082 w 139037"/>
+              <a:gd name="connsiteY5" fmla="*/ 60082 h 139039"/>
+              <a:gd name="connsiteX6" fmla="*/ 9437 w 139037"/>
+              <a:gd name="connsiteY6" fmla="*/ 60082 h 139039"/>
+              <a:gd name="connsiteX7" fmla="*/ 0 w 139037"/>
+              <a:gd name="connsiteY7" fmla="*/ 69520 h 139039"/>
+              <a:gd name="connsiteX8" fmla="*/ 9437 w 139037"/>
+              <a:gd name="connsiteY8" fmla="*/ 78957 h 139039"/>
+              <a:gd name="connsiteX9" fmla="*/ 60082 w 139037"/>
+              <a:gd name="connsiteY9" fmla="*/ 78957 h 139039"/>
+              <a:gd name="connsiteX10" fmla="*/ 60082 w 139037"/>
+              <a:gd name="connsiteY10" fmla="*/ 129602 h 139039"/>
+              <a:gd name="connsiteX11" fmla="*/ 69519 w 139037"/>
+              <a:gd name="connsiteY11" fmla="*/ 139039 h 139039"/>
+              <a:gd name="connsiteX12" fmla="*/ 78955 w 139037"/>
+              <a:gd name="connsiteY12" fmla="*/ 129602 h 139039"/>
+              <a:gd name="connsiteX13" fmla="*/ 78955 w 139037"/>
+              <a:gd name="connsiteY13" fmla="*/ 78957 h 139039"/>
+              <a:gd name="connsiteX14" fmla="*/ 129600 w 139037"/>
+              <a:gd name="connsiteY14" fmla="*/ 78957 h 139039"/>
+              <a:gd name="connsiteX15" fmla="*/ 139037 w 139037"/>
+              <a:gd name="connsiteY15" fmla="*/ 69520 h 139039"/>
+              <a:gd name="connsiteX16" fmla="*/ 129600 w 139037"/>
+              <a:gd name="connsiteY16" fmla="*/ 60082 h 139039"/>
+            </a:gdLst>
+            <a:ahLst/>
+            <a:cxnLst>
+              <a:cxn ang="0">
+                <a:pos x="connsiteX0" y="connsiteY0"/>
+              </a:cxn>
+              <a:cxn ang="0">
+                <a:pos x="connsiteX1" y="connsiteY1"/>
+              </a:cxn>
+              <a:cxn ang="0">
+                <a:pos x="connsiteX2" y="connsiteY2"/>
+              </a:cxn>
+              <a:cxn ang="0">
+                <a:pos x="connsiteX3" y="connsiteY3"/>
+              </a:cxn>
+              <a:cxn ang="0">
+                <a:pos x="connsiteX4" y="connsiteY4"/>
+              </a:cxn>
+              <a:cxn ang="0">
+                <a:pos x="connsiteX5" y="connsiteY5"/>
+              </a:cxn>
+              <a:cxn ang="0">
+                <a:pos x="connsiteX6" y="connsiteY6"/>
+              </a:cxn>
+              <a:cxn ang="0">
+                <a:pos x="connsiteX7" y="connsiteY7"/>
+              </a:cxn>
+              <a:cxn ang="0">
+                <a:pos x="connsiteX8" y="connsiteY8"/>
+              </a:cxn>
+              <a:cxn ang="0">
+                <a:pos x="connsiteX9" y="connsiteY9"/>
+              </a:cxn>
+              <a:cxn ang="0">
+                <a:pos x="connsiteX10" y="connsiteY10"/>
+              </a:cxn>
+              <a:cxn ang="0">
+                <a:pos x="connsiteX11" y="connsiteY11"/>
+              </a:cxn>
+              <a:cxn ang="0">
+                <a:pos x="connsiteX12" y="connsiteY12"/>
+              </a:cxn>
+              <a:cxn ang="0">
+                <a:pos x="connsiteX13" y="connsiteY13"/>
+              </a:cxn>
+              <a:cxn ang="0">
+                <a:pos x="connsiteX14" y="connsiteY14"/>
+              </a:cxn>
+              <a:cxn ang="0">
+                <a:pos x="connsiteX15" y="connsiteY15"/>
+              </a:cxn>
+              <a:cxn ang="0">
+                <a:pos x="connsiteX16" y="connsiteY16"/>
+              </a:cxn>
+            </a:cxnLst>
+            <a:rect l="l" t="t" r="r" b="b"/>
+            <a:pathLst>
+              <a:path w="139037" h="139039">
+                <a:moveTo>
+                  <a:pt x="129600" y="60082"/>
+                </a:moveTo>
+                <a:lnTo>
+                  <a:pt x="78955" y="60082"/>
+                </a:lnTo>
+                <a:lnTo>
+                  <a:pt x="78955" y="9437"/>
+                </a:lnTo>
+                <a:cubicBezTo>
+                  <a:pt x="78955" y="4225"/>
+                  <a:pt x="74730" y="0"/>
+                  <a:pt x="69519" y="0"/>
+                </a:cubicBezTo>
+                <a:cubicBezTo>
+                  <a:pt x="64307" y="0"/>
+                  <a:pt x="60082" y="4225"/>
+                  <a:pt x="60082" y="9437"/>
+                </a:cubicBezTo>
+                <a:lnTo>
+                  <a:pt x="60082" y="60082"/>
+                </a:lnTo>
+                <a:lnTo>
+                  <a:pt x="9437" y="60082"/>
+                </a:lnTo>
+                <a:cubicBezTo>
+                  <a:pt x="4225" y="60082"/>
+                  <a:pt x="0" y="64308"/>
+                  <a:pt x="0" y="69520"/>
+                </a:cubicBezTo>
+                <a:cubicBezTo>
+                  <a:pt x="0" y="74731"/>
+                  <a:pt x="4225" y="78957"/>
+                  <a:pt x="9437" y="78957"/>
+                </a:cubicBezTo>
+                <a:lnTo>
+                  <a:pt x="60082" y="78957"/>
+                </a:lnTo>
+                <a:lnTo>
+                  <a:pt x="60082" y="129602"/>
+                </a:lnTo>
+                <a:cubicBezTo>
+                  <a:pt x="60082" y="134814"/>
+                  <a:pt x="64307" y="139039"/>
+                  <a:pt x="69519" y="139039"/>
+                </a:cubicBezTo>
+                <a:cubicBezTo>
+                  <a:pt x="74730" y="139039"/>
+                  <a:pt x="78955" y="134814"/>
+                  <a:pt x="78955" y="129602"/>
+                </a:cubicBezTo>
+                <a:lnTo>
+                  <a:pt x="78955" y="78957"/>
+                </a:lnTo>
+                <a:lnTo>
+                  <a:pt x="129600" y="78957"/>
+                </a:lnTo>
+                <a:cubicBezTo>
+                  <a:pt x="134812" y="78957"/>
+                  <a:pt x="139037" y="74731"/>
+                  <a:pt x="139037" y="69520"/>
+                </a:cubicBezTo>
+                <a:cubicBezTo>
+                  <a:pt x="139037" y="64308"/>
+                  <a:pt x="134812" y="60082"/>
+                  <a:pt x="129600" y="60082"/>
+                </a:cubicBezTo>
+                <a:close/>
+              </a:path>
+            </a:pathLst>
+          </a:custGeom>
+          <a:solidFill>
+            <a:schemeClr val="bg1"/>
+          </a:solidFill>
+          <a:ln w="603" cap="flat">
+            <a:noFill/>
+            <a:prstDash val="solid"/>
+            <a:miter/>
+          </a:ln>
+        </p:spPr>
+        <p:txBody>
+          <a:bodyPr rtlCol="0" anchor="ctr"/>
+          <a:lstStyle/>
+          <a:p>
+            <a:endParaRPr lang="en-US"/>
+          </a:p>
+        </p:txBody>
+      </p:sp>
+      <p:cxnSp>
+        <p:nvCxnSpPr>
+          <p:cNvPr id="15" name="Straight Connector 14">
+            <a:extLst>
+              <a:ext uri="{FF2B5EF4-FFF2-40B4-BE49-F238E27FC236}">
+                <a16:creationId xmlns:a16="http://schemas.microsoft.com/office/drawing/2014/main" id="{56020367-4FD5-4596-8E10-C5F095CD8DBF}"/>
+              </a:ext>
+              <a:ext uri="{C183D7F6-B498-43B3-948B-1728B52AA6E4}">
+                <adec:decorative xmlns:adec="http://schemas.microsoft.com/office/drawing/2017/decorative" val="1"/>
+              </a:ext>
+            </a:extLst>
+          </p:cNvPr>
+          <p:cNvCxnSpPr>
+            <a:cxnSpLocks noGrp="1" noRot="1" noChangeAspect="1" noMove="1" noResize="1" noEditPoints="1" noAdjustHandles="1" noChangeArrowheads="1" noChangeShapeType="1"/>
+          </p:cNvCxnSpPr>
+          <p:nvPr>
+            <p:extLst>
+              <p:ext uri="{386F3935-93C4-4BCD-93E2-E3B085C9AB24}">
+                <p16:designElem xmlns:p16="http://schemas.microsoft.com/office/powerpoint/2015/main" val="1"/>
+              </p:ext>
+            </p:extLst>
+          </p:nvPr>
+        </p:nvCxnSpPr>
+        <p:spPr>
+          <a:xfrm>
+            <a:off x="5447322" y="1589368"/>
+            <a:ext cx="0" cy="5259754"/>
+          </a:xfrm>
+          <a:prstGeom prst="line">
+            <a:avLst/>
+          </a:prstGeom>
+          <a:ln w="25400" cap="sq">
+            <a:solidFill>
+              <a:schemeClr val="bg1"/>
+            </a:solidFill>
+            <a:bevel/>
+          </a:ln>
+        </p:spPr>
+        <p:style>
+          <a:lnRef idx="1">
+            <a:schemeClr val="accent1"/>
+          </a:lnRef>
+          <a:fillRef idx="0">
+            <a:schemeClr val="accent1"/>
+          </a:fillRef>
+          <a:effectRef idx="0">
+            <a:schemeClr val="accent1"/>
+          </a:effectRef>
+          <a:fontRef idx="minor">
+            <a:schemeClr val="tx1"/>
+          </a:fontRef>
+        </p:style>
+      </p:cxnSp>
+      <p:pic>
+        <p:nvPicPr>
+          <p:cNvPr id="6" name="Graphic 5" descr="Test tubes">
+            <a:extLst>
+              <a:ext uri="{FF2B5EF4-FFF2-40B4-BE49-F238E27FC236}">
+                <a16:creationId xmlns:a16="http://schemas.microsoft.com/office/drawing/2014/main" id="{40264239-C196-7B86-8C32-2E6E6E5C8965}"/>
+              </a:ext>
+            </a:extLst>
+          </p:cNvPr>
+          <p:cNvPicPr>
+            <a:picLocks noChangeAspect="1"/>
+          </p:cNvPicPr>
+          <p:nvPr/>
+        </p:nvPicPr>
+        <p:blipFill>
+          <a:blip r:embed="rId2">
+            <a:extLst>
+              <a:ext uri="{28A0092B-C50C-407E-A947-70E740481C1C}">
+                <a14:useLocalDpi xmlns:a14="http://schemas.microsoft.com/office/drawing/2010/main" val="0"/>
+              </a:ext>
+              <a:ext uri="{96DAC541-7B7A-43D3-8B79-37D633B846F1}">
+                <asvg:svgBlip xmlns:asvg="http://schemas.microsoft.com/office/drawing/2016/SVG/main" r:embed="rId3"/>
+              </a:ext>
+            </a:extLst>
+          </a:blip>
+          <a:stretch>
+            <a:fillRect/>
+          </a:stretch>
+        </p:blipFill>
+        <p:spPr>
+          <a:xfrm>
+            <a:off x="6380106" y="1598246"/>
+            <a:ext cx="4783504" cy="4783504"/>
+          </a:xfrm>
+          <a:prstGeom prst="rect">
+            <a:avLst/>
+          </a:prstGeom>
+        </p:spPr>
+      </p:pic>
+      <p:sp>
+        <p:nvSpPr>
+          <p:cNvPr id="24" name="Graphic 21">
+            <a:extLst>
+              <a:ext uri="{FF2B5EF4-FFF2-40B4-BE49-F238E27FC236}">
+                <a16:creationId xmlns:a16="http://schemas.microsoft.com/office/drawing/2014/main" id="{8D61482F-F3C5-4D66-8C5D-C6BBE3E1275C}"/>
+              </a:ext>
+              <a:ext uri="{C183D7F6-B498-43B3-948B-1728B52AA6E4}">
+                <adec:decorative xmlns:adec="http://schemas.microsoft.com/office/drawing/2017/decorative" val="1"/>
+              </a:ext>
+            </a:extLst>
+          </p:cNvPr>
+          <p:cNvSpPr>
+            <a:spLocks noGrp="1" noRot="1" noChangeAspect="1" noMove="1" noResize="1" noEditPoints="1" noAdjustHandles="1" noChangeArrowheads="1" noChangeShapeType="1" noTextEdit="1"/>
+          </p:cNvSpPr>
+          <p:nvPr>
+            <p:extLst>
+              <p:ext uri="{386F3935-93C4-4BCD-93E2-E3B085C9AB24}">
+                <p16:designElem xmlns:p16="http://schemas.microsoft.com/office/powerpoint/2015/main" val="1"/>
+              </p:ext>
+            </p:extLst>
+          </p:nvPr>
+        </p:nvSpPr>
+        <p:spPr>
+          <a:xfrm>
+            <a:off x="11752801" y="1659316"/>
+            <a:ext cx="127713" cy="127714"/>
+          </a:xfrm>
+          <a:custGeom>
+            <a:avLst/>
+            <a:gdLst>
+              <a:gd name="connsiteX0" fmla="*/ 63857 w 127713"/>
+              <a:gd name="connsiteY0" fmla="*/ 18874 h 127714"/>
+              <a:gd name="connsiteX1" fmla="*/ 108839 w 127713"/>
+              <a:gd name="connsiteY1" fmla="*/ 63857 h 127714"/>
+              <a:gd name="connsiteX2" fmla="*/ 63857 w 127713"/>
+              <a:gd name="connsiteY2" fmla="*/ 108840 h 127714"/>
+              <a:gd name="connsiteX3" fmla="*/ 18874 w 127713"/>
+              <a:gd name="connsiteY3" fmla="*/ 63857 h 127714"/>
+              <a:gd name="connsiteX4" fmla="*/ 63857 w 127713"/>
+              <a:gd name="connsiteY4" fmla="*/ 18874 h 127714"/>
+              <a:gd name="connsiteX5" fmla="*/ 63857 w 127713"/>
+              <a:gd name="connsiteY5" fmla="*/ 0 h 127714"/>
+              <a:gd name="connsiteX6" fmla="*/ 0 w 127713"/>
+              <a:gd name="connsiteY6" fmla="*/ 63857 h 127714"/>
+              <a:gd name="connsiteX7" fmla="*/ 63857 w 127713"/>
+              <a:gd name="connsiteY7" fmla="*/ 127714 h 127714"/>
+              <a:gd name="connsiteX8" fmla="*/ 127713 w 127713"/>
+              <a:gd name="connsiteY8" fmla="*/ 63857 h 127714"/>
+              <a:gd name="connsiteX9" fmla="*/ 63857 w 127713"/>
+              <a:gd name="connsiteY9" fmla="*/ 0 h 127714"/>
+            </a:gdLst>
+            <a:ahLst/>
+            <a:cxnLst>
+              <a:cxn ang="0">
+                <a:pos x="connsiteX0" y="connsiteY0"/>
+              </a:cxn>
+              <a:cxn ang="0">
+                <a:pos x="connsiteX1" y="connsiteY1"/>
+              </a:cxn>
+              <a:cxn ang="0">
+                <a:pos x="connsiteX2" y="connsiteY2"/>
+              </a:cxn>
+              <a:cxn ang="0">
+                <a:pos x="connsiteX3" y="connsiteY3"/>
+              </a:cxn>
+              <a:cxn ang="0">
+                <a:pos x="connsiteX4" y="connsiteY4"/>
+              </a:cxn>
+              <a:cxn ang="0">
+                <a:pos x="connsiteX5" y="connsiteY5"/>
+              </a:cxn>
+              <a:cxn ang="0">
+                <a:pos x="connsiteX6" y="connsiteY6"/>
+              </a:cxn>
+              <a:cxn ang="0">
+                <a:pos x="connsiteX7" y="connsiteY7"/>
+              </a:cxn>
+              <a:cxn ang="0">
+                <a:pos x="connsiteX8" y="connsiteY8"/>
+              </a:cxn>
+              <a:cxn ang="0">
+                <a:pos x="connsiteX9" y="connsiteY9"/>
+              </a:cxn>
+            </a:cxnLst>
+            <a:rect l="l" t="t" r="r" b="b"/>
+            <a:pathLst>
+              <a:path w="127713" h="127714">
+                <a:moveTo>
+                  <a:pt x="63857" y="18874"/>
+                </a:moveTo>
+                <a:cubicBezTo>
+                  <a:pt x="88700" y="18874"/>
+                  <a:pt x="108839" y="39014"/>
+                  <a:pt x="108839" y="63857"/>
+                </a:cubicBezTo>
+                <a:cubicBezTo>
+                  <a:pt x="108839" y="88700"/>
+                  <a:pt x="88700" y="108840"/>
+                  <a:pt x="63857" y="108840"/>
+                </a:cubicBezTo>
+                <a:cubicBezTo>
+                  <a:pt x="39013" y="108840"/>
+                  <a:pt x="18874" y="88700"/>
+                  <a:pt x="18874" y="63857"/>
+                </a:cubicBezTo>
+                <a:cubicBezTo>
+                  <a:pt x="18898" y="39024"/>
+                  <a:pt x="39023" y="18898"/>
+                  <a:pt x="63857" y="18874"/>
+                </a:cubicBezTo>
+                <a:moveTo>
+                  <a:pt x="63857" y="0"/>
+                </a:moveTo>
+                <a:cubicBezTo>
+                  <a:pt x="28590" y="0"/>
+                  <a:pt x="0" y="28590"/>
+                  <a:pt x="0" y="63857"/>
+                </a:cubicBezTo>
+                <a:cubicBezTo>
+                  <a:pt x="0" y="99124"/>
+                  <a:pt x="28590" y="127714"/>
+                  <a:pt x="63857" y="127714"/>
+                </a:cubicBezTo>
+                <a:cubicBezTo>
+                  <a:pt x="99124" y="127714"/>
+                  <a:pt x="127713" y="99124"/>
+                  <a:pt x="127713" y="63857"/>
+                </a:cubicBezTo>
+                <a:cubicBezTo>
+                  <a:pt x="127713" y="28590"/>
+                  <a:pt x="99124" y="0"/>
+                  <a:pt x="63857" y="0"/>
+                </a:cubicBezTo>
+                <a:close/>
+              </a:path>
+            </a:pathLst>
+          </a:custGeom>
+          <a:solidFill>
+            <a:schemeClr val="bg1"/>
+          </a:solidFill>
+          <a:ln w="610" cap="flat">
+            <a:noFill/>
+            <a:prstDash val="solid"/>
+            <a:miter/>
+          </a:ln>
+        </p:spPr>
+        <p:txBody>
+          <a:bodyPr rtlCol="0" anchor="ctr"/>
+          <a:lstStyle/>
+          <a:p>
+            <a:endParaRPr lang="en-US"/>
+          </a:p>
+        </p:txBody>
+      </p:sp>
+    </p:spTree>
+    <p:extLst>
+      <p:ext uri="{BB962C8B-B14F-4D97-AF65-F5344CB8AC3E}">
+        <p14:creationId xmlns:p14="http://schemas.microsoft.com/office/powerpoint/2010/main" val="1520785439"/>
+      </p:ext>
+    </p:extLst>
+  </p:cSld>
+  <p:clrMapOvr>
+    <a:masterClrMapping/>
+  </p:clrMapOvr>
+</p:sld>
+</file>
+
+<file path=ppt/slides/slide16.xml><?xml version="1.0" encoding="utf-8"?>
+<p:sld xmlns:a="http://schemas.openxmlformats.org/drawingml/2006/main" xmlns:r="http://schemas.openxmlformats.org/officeDocument/2006/relationships" xmlns:p="http://schemas.openxmlformats.org/presentationml/2006/main">
+  <p:cSld>
+    <p:bg>
+      <p:bgPr>
+        <a:solidFill>
+          <a:schemeClr val="bg1"/>
+        </a:solidFill>
+        <a:effectLst/>
+      </p:bgPr>
+    </p:bg>
+    <p:spTree>
+      <p:nvGrpSpPr>
+        <p:cNvPr id="1" name=""/>
+        <p:cNvGrpSpPr/>
+        <p:nvPr/>
+      </p:nvGrpSpPr>
+      <p:grpSpPr>
+        <a:xfrm>
+          <a:off x="0" y="0"/>
+          <a:ext cx="0" cy="0"/>
+          <a:chOff x="0" y="0"/>
+          <a:chExt cx="0" cy="0"/>
+        </a:xfrm>
+      </p:grpSpPr>
+      <p:cxnSp>
+        <p:nvCxnSpPr>
+          <p:cNvPr id="10" name="Straight Connector 9">
+            <a:extLst>
+              <a:ext uri="{FF2B5EF4-FFF2-40B4-BE49-F238E27FC236}">
+                <a16:creationId xmlns:a16="http://schemas.microsoft.com/office/drawing/2014/main" id="{D1B787A8-0D67-4B7E-9B48-86BD906AB6B5}"/>
+              </a:ext>
+              <a:ext uri="{C183D7F6-B498-43B3-948B-1728B52AA6E4}">
+                <adec:decorative xmlns:adec="http://schemas.microsoft.com/office/drawing/2017/decorative" val="1"/>
+              </a:ext>
+            </a:extLst>
+          </p:cNvPr>
+          <p:cNvCxnSpPr>
+            <a:cxnSpLocks noGrp="1" noRot="1" noChangeAspect="1" noMove="1" noResize="1" noEditPoints="1" noAdjustHandles="1" noChangeArrowheads="1" noChangeShapeType="1"/>
+          </p:cNvCxnSpPr>
+          <p:nvPr>
+            <p:extLst>
+              <p:ext uri="{386F3935-93C4-4BCD-93E2-E3B085C9AB24}">
+                <p16:designElem xmlns:p16="http://schemas.microsoft.com/office/powerpoint/2015/main" val="1"/>
+              </p:ext>
+            </p:extLst>
+          </p:nvPr>
+        </p:nvCxnSpPr>
+        <p:spPr>
+          <a:xfrm>
+            <a:off x="715890" y="1114050"/>
+            <a:ext cx="0" cy="5735637"/>
+          </a:xfrm>
+          <a:prstGeom prst="line">
+            <a:avLst/>
+          </a:prstGeom>
+          <a:ln w="25400" cap="sq">
+            <a:gradFill flip="none" rotWithShape="1">
+              <a:gsLst>
+                <a:gs pos="0">
+                  <a:schemeClr val="accent2"/>
+                </a:gs>
+                <a:gs pos="100000">
+                  <a:schemeClr val="accent4"/>
+                </a:gs>
+              </a:gsLst>
+              <a:lin ang="16200000" scaled="1"/>
+              <a:tileRect/>
+            </a:gradFill>
+            <a:bevel/>
+          </a:ln>
+        </p:spPr>
+        <p:style>
+          <a:lnRef idx="1">
+            <a:schemeClr val="accent1"/>
+          </a:lnRef>
+          <a:fillRef idx="0">
+            <a:schemeClr val="accent1"/>
+          </a:fillRef>
+          <a:effectRef idx="0">
+            <a:schemeClr val="accent1"/>
+          </a:effectRef>
+          <a:fontRef idx="minor">
+            <a:schemeClr val="tx1"/>
+          </a:fontRef>
+        </p:style>
+      </p:cxnSp>
+      <p:sp>
+        <p:nvSpPr>
+          <p:cNvPr id="18" name="Rectangle 11">
+            <a:extLst>
+              <a:ext uri="{FF2B5EF4-FFF2-40B4-BE49-F238E27FC236}">
+                <a16:creationId xmlns:a16="http://schemas.microsoft.com/office/drawing/2014/main" id="{D9FB580A-BA0E-4D5E-90F4-C42767A78389}"/>
+              </a:ext>
+              <a:ext uri="{C183D7F6-B498-43B3-948B-1728B52AA6E4}">
+                <adec:decorative xmlns:adec="http://schemas.microsoft.com/office/drawing/2017/decorative" val="1"/>
+              </a:ext>
+            </a:extLst>
+          </p:cNvPr>
+          <p:cNvSpPr>
+            <a:spLocks noGrp="1" noRot="1" noChangeAspect="1" noMove="1" noResize="1" noEditPoints="1" noAdjustHandles="1" noChangeArrowheads="1" noChangeShapeType="1" noTextEdit="1"/>
+          </p:cNvSpPr>
+          <p:nvPr>
+            <p:extLst>
+              <p:ext uri="{386F3935-93C4-4BCD-93E2-E3B085C9AB24}">
+                <p16:designElem xmlns:p16="http://schemas.microsoft.com/office/powerpoint/2015/main" val="1"/>
+              </p:ext>
+            </p:extLst>
+          </p:nvPr>
+        </p:nvSpPr>
+        <p:spPr>
+          <a:xfrm>
+            <a:off x="0" y="0"/>
+            <a:ext cx="12192000" cy="6858000"/>
+          </a:xfrm>
+          <a:prstGeom prst="rect">
+            <a:avLst/>
+          </a:prstGeom>
+          <a:gradFill flip="none" rotWithShape="1">
+            <a:gsLst>
+              <a:gs pos="100000">
+                <a:schemeClr val="accent4"/>
+              </a:gs>
+              <a:gs pos="0">
+                <a:schemeClr val="accent2"/>
+              </a:gs>
+            </a:gsLst>
+            <a:lin ang="18900000" scaled="1"/>
+            <a:tileRect/>
+          </a:gradFill>
+          <a:ln>
+            <a:noFill/>
+          </a:ln>
+        </p:spPr>
+        <p:style>
+          <a:lnRef idx="2">
+            <a:schemeClr val="accent1">
+              <a:shade val="50000"/>
+            </a:schemeClr>
+          </a:lnRef>
+          <a:fillRef idx="1">
+            <a:schemeClr val="accent1"/>
+          </a:fillRef>
+          <a:effectRef idx="0">
+            <a:schemeClr val="accent1"/>
+          </a:effectRef>
+          <a:fontRef idx="minor">
+            <a:schemeClr val="lt1"/>
+          </a:fontRef>
+        </p:style>
+        <p:txBody>
+          <a:bodyPr rtlCol="0" anchor="ctr"/>
+          <a:lstStyle/>
+          <a:p>
+            <a:pPr algn="ctr"/>
+            <a:endParaRPr lang="en-US"/>
+          </a:p>
+        </p:txBody>
+      </p:sp>
+      <p:pic>
+        <p:nvPicPr>
+          <p:cNvPr id="5" name="Marcador de contenido 4" descr="Patrón de fondo&#10;&#10;Descripción generada automáticamente con confianza media">
+            <a:extLst>
+              <a:ext uri="{FF2B5EF4-FFF2-40B4-BE49-F238E27FC236}">
+                <a16:creationId xmlns:a16="http://schemas.microsoft.com/office/drawing/2014/main" id="{FA87B1DA-02A5-684A-C17D-8408B046E48B}"/>
+              </a:ext>
+            </a:extLst>
+          </p:cNvPr>
+          <p:cNvPicPr>
+            <a:picLocks noGrp="1" noChangeAspect="1"/>
+          </p:cNvPicPr>
+          <p:nvPr>
+            <p:ph idx="1"/>
+          </p:nvPr>
+        </p:nvPicPr>
+        <p:blipFill rotWithShape="1">
+          <a:blip r:embed="rId2">
+            <a:extLst>
+              <a:ext uri="{28A0092B-C50C-407E-A947-70E740481C1C}">
+                <a14:useLocalDpi xmlns:a14="http://schemas.microsoft.com/office/drawing/2010/main" val="0"/>
+              </a:ext>
+            </a:extLst>
+          </a:blip>
+          <a:srcRect l="3019" t="20442" r="63768" b="10808"/>
+          <a:stretch/>
+        </p:blipFill>
+        <p:spPr>
+          <a:xfrm>
+            <a:off x="1664143" y="1114050"/>
+            <a:ext cx="9142939" cy="4967980"/>
+          </a:xfrm>
+          <a:prstGeom prst="rect">
+            <a:avLst/>
+          </a:prstGeom>
+        </p:spPr>
+      </p:pic>
+    </p:spTree>
+    <p:extLst>
+      <p:ext uri="{BB962C8B-B14F-4D97-AF65-F5344CB8AC3E}">
+        <p14:creationId xmlns:p14="http://schemas.microsoft.com/office/powerpoint/2010/main" val="1786373278"/>
+      </p:ext>
+    </p:extLst>
+  </p:cSld>
+  <p:clrMapOvr>
+    <a:masterClrMapping/>
+  </p:clrMapOvr>
+</p:sld>
+</file>
+
+<file path=ppt/slides/slide17.xml><?xml version="1.0" encoding="utf-8"?>
+<p:sld xmlns:a="http://schemas.openxmlformats.org/drawingml/2006/main" xmlns:r="http://schemas.openxmlformats.org/officeDocument/2006/relationships" xmlns:p="http://schemas.openxmlformats.org/presentationml/2006/main">
+  <p:cSld>
+    <p:bg>
+      <p:bgPr>
+        <a:solidFill>
+          <a:schemeClr val="bg1"/>
+        </a:solidFill>
+        <a:effectLst/>
+      </p:bgPr>
+    </p:bg>
+    <p:spTree>
+      <p:nvGrpSpPr>
+        <p:cNvPr id="1" name=""/>
+        <p:cNvGrpSpPr/>
+        <p:nvPr/>
+      </p:nvGrpSpPr>
+      <p:grpSpPr>
+        <a:xfrm>
+          <a:off x="0" y="0"/>
+          <a:ext cx="0" cy="0"/>
+          <a:chOff x="0" y="0"/>
+          <a:chExt cx="0" cy="0"/>
+        </a:xfrm>
+      </p:grpSpPr>
+      <p:cxnSp>
+        <p:nvCxnSpPr>
+          <p:cNvPr id="11" name="Straight Connector 10">
+            <a:extLst>
+              <a:ext uri="{FF2B5EF4-FFF2-40B4-BE49-F238E27FC236}">
+                <a16:creationId xmlns:a16="http://schemas.microsoft.com/office/drawing/2014/main" id="{D1B787A8-0D67-4B7E-9B48-86BD906AB6B5}"/>
+              </a:ext>
+              <a:ext uri="{C183D7F6-B498-43B3-948B-1728B52AA6E4}">
+                <adec:decorative xmlns:adec="http://schemas.microsoft.com/office/drawing/2017/decorative" val="1"/>
+              </a:ext>
+            </a:extLst>
+          </p:cNvPr>
+          <p:cNvCxnSpPr>
+            <a:cxnSpLocks noGrp="1" noRot="1" noChangeAspect="1" noMove="1" noResize="1" noEditPoints="1" noAdjustHandles="1" noChangeArrowheads="1" noChangeShapeType="1"/>
+          </p:cNvCxnSpPr>
+          <p:nvPr>
+            <p:extLst>
+              <p:ext uri="{386F3935-93C4-4BCD-93E2-E3B085C9AB24}">
+                <p16:designElem xmlns:p16="http://schemas.microsoft.com/office/powerpoint/2015/main" val="1"/>
+              </p:ext>
+            </p:extLst>
+          </p:nvPr>
+        </p:nvCxnSpPr>
+        <p:spPr>
+          <a:xfrm>
+            <a:off x="715890" y="1114050"/>
+            <a:ext cx="0" cy="5735637"/>
+          </a:xfrm>
+          <a:prstGeom prst="line">
+            <a:avLst/>
+          </a:prstGeom>
+          <a:ln w="25400" cap="sq">
+            <a:gradFill flip="none" rotWithShape="1">
+              <a:gsLst>
+                <a:gs pos="0">
+                  <a:schemeClr val="accent2"/>
+                </a:gs>
+                <a:gs pos="100000">
+                  <a:schemeClr val="accent4"/>
+                </a:gs>
+              </a:gsLst>
+              <a:lin ang="16200000" scaled="1"/>
+              <a:tileRect/>
+            </a:gradFill>
+            <a:bevel/>
+          </a:ln>
+        </p:spPr>
+        <p:style>
+          <a:lnRef idx="1">
+            <a:schemeClr val="accent1"/>
+          </a:lnRef>
+          <a:fillRef idx="0">
+            <a:schemeClr val="accent1"/>
+          </a:fillRef>
+          <a:effectRef idx="0">
+            <a:schemeClr val="accent1"/>
+          </a:effectRef>
+          <a:fontRef idx="minor">
+            <a:schemeClr val="tx1"/>
+          </a:fontRef>
+        </p:style>
+      </p:cxnSp>
+      <p:sp>
+        <p:nvSpPr>
+          <p:cNvPr id="13" name="Rectangle 12">
+            <a:extLst>
+              <a:ext uri="{FF2B5EF4-FFF2-40B4-BE49-F238E27FC236}">
+                <a16:creationId xmlns:a16="http://schemas.microsoft.com/office/drawing/2014/main" id="{D9FB580A-BA0E-4D5E-90F4-C42767A78389}"/>
+              </a:ext>
+              <a:ext uri="{C183D7F6-B498-43B3-948B-1728B52AA6E4}">
+                <adec:decorative xmlns:adec="http://schemas.microsoft.com/office/drawing/2017/decorative" val="1"/>
+              </a:ext>
+            </a:extLst>
+          </p:cNvPr>
+          <p:cNvSpPr>
+            <a:spLocks noGrp="1" noRot="1" noChangeAspect="1" noMove="1" noResize="1" noEditPoints="1" noAdjustHandles="1" noChangeArrowheads="1" noChangeShapeType="1" noTextEdit="1"/>
+          </p:cNvSpPr>
+          <p:nvPr>
+            <p:extLst>
+              <p:ext uri="{386F3935-93C4-4BCD-93E2-E3B085C9AB24}">
+                <p16:designElem xmlns:p16="http://schemas.microsoft.com/office/powerpoint/2015/main" val="1"/>
+              </p:ext>
+            </p:extLst>
+          </p:nvPr>
+        </p:nvSpPr>
+        <p:spPr>
+          <a:xfrm>
+            <a:off x="0" y="0"/>
+            <a:ext cx="12192000" cy="6858000"/>
+          </a:xfrm>
+          <a:prstGeom prst="rect">
+            <a:avLst/>
+          </a:prstGeom>
+          <a:gradFill flip="none" rotWithShape="1">
+            <a:gsLst>
+              <a:gs pos="100000">
+                <a:schemeClr val="accent4"/>
+              </a:gs>
+              <a:gs pos="0">
+                <a:schemeClr val="accent2"/>
+              </a:gs>
+            </a:gsLst>
+            <a:lin ang="18900000" scaled="1"/>
+            <a:tileRect/>
+          </a:gradFill>
+          <a:ln>
+            <a:noFill/>
+          </a:ln>
+        </p:spPr>
+        <p:style>
+          <a:lnRef idx="2">
+            <a:schemeClr val="accent1">
+              <a:shade val="50000"/>
+            </a:schemeClr>
+          </a:lnRef>
+          <a:fillRef idx="1">
+            <a:schemeClr val="accent1"/>
+          </a:fillRef>
+          <a:effectRef idx="0">
+            <a:schemeClr val="accent1"/>
+          </a:effectRef>
+          <a:fontRef idx="minor">
+            <a:schemeClr val="lt1"/>
+          </a:fontRef>
+        </p:style>
+        <p:txBody>
+          <a:bodyPr rtlCol="0" anchor="ctr"/>
+          <a:lstStyle/>
+          <a:p>
+            <a:pPr algn="ctr"/>
+            <a:endParaRPr lang="en-US"/>
+          </a:p>
+        </p:txBody>
+      </p:sp>
+      <p:pic>
+        <p:nvPicPr>
+          <p:cNvPr id="6" name="Marcador de contenido 5" descr="Texto&#10;&#10;Descripción generada automáticamente">
+            <a:extLst>
+              <a:ext uri="{FF2B5EF4-FFF2-40B4-BE49-F238E27FC236}">
+                <a16:creationId xmlns:a16="http://schemas.microsoft.com/office/drawing/2014/main" id="{28EA9068-D903-E6C2-1C17-8CF186B6ED3B}"/>
+              </a:ext>
+            </a:extLst>
+          </p:cNvPr>
+          <p:cNvPicPr>
+            <a:picLocks noGrp="1" noChangeAspect="1"/>
+          </p:cNvPicPr>
+          <p:nvPr>
+            <p:ph idx="1"/>
+          </p:nvPr>
+        </p:nvPicPr>
+        <p:blipFill rotWithShape="1">
+          <a:blip r:embed="rId2">
+            <a:extLst>
+              <a:ext uri="{28A0092B-C50C-407E-A947-70E740481C1C}">
+                <a14:useLocalDpi xmlns:a14="http://schemas.microsoft.com/office/drawing/2010/main" val="0"/>
+              </a:ext>
+            </a:extLst>
+          </a:blip>
+          <a:srcRect l="3024" t="11748" r="39932" b="7115"/>
+          <a:stretch/>
+        </p:blipFill>
+        <p:spPr>
+          <a:xfrm>
+            <a:off x="1431781" y="426971"/>
+            <a:ext cx="9539442" cy="6004058"/>
+          </a:xfrm>
+          <a:prstGeom prst="rect">
+            <a:avLst/>
+          </a:prstGeom>
+        </p:spPr>
+      </p:pic>
+    </p:spTree>
+    <p:extLst>
+      <p:ext uri="{BB962C8B-B14F-4D97-AF65-F5344CB8AC3E}">
+        <p14:creationId xmlns:p14="http://schemas.microsoft.com/office/powerpoint/2010/main" val="1422509131"/>
+      </p:ext>
+    </p:extLst>
+  </p:cSld>
+  <p:clrMapOvr>
+    <a:masterClrMapping/>
+  </p:clrMapOvr>
+</p:sld>
+</file>
+
+<file path=ppt/slides/slide18.xml><?xml version="1.0" encoding="utf-8"?>
+<p:sld xmlns:a="http://schemas.openxmlformats.org/drawingml/2006/main" xmlns:r="http://schemas.openxmlformats.org/officeDocument/2006/relationships" xmlns:p="http://schemas.openxmlformats.org/presentationml/2006/main">
+  <p:cSld>
+    <p:bg>
+      <p:bgPr>
+        <a:solidFill>
+          <a:schemeClr val="bg1"/>
+        </a:solidFill>
+        <a:effectLst/>
+      </p:bgPr>
+    </p:bg>
+    <p:spTree>
+      <p:nvGrpSpPr>
+        <p:cNvPr id="1" name=""/>
+        <p:cNvGrpSpPr/>
+        <p:nvPr/>
+      </p:nvGrpSpPr>
+      <p:grpSpPr>
+        <a:xfrm>
+          <a:off x="0" y="0"/>
+          <a:ext cx="0" cy="0"/>
+          <a:chOff x="0" y="0"/>
+          <a:chExt cx="0" cy="0"/>
+        </a:xfrm>
+      </p:grpSpPr>
+      <p:cxnSp>
+        <p:nvCxnSpPr>
+          <p:cNvPr id="11" name="Straight Connector 10">
+            <a:extLst>
+              <a:ext uri="{FF2B5EF4-FFF2-40B4-BE49-F238E27FC236}">
+                <a16:creationId xmlns:a16="http://schemas.microsoft.com/office/drawing/2014/main" id="{D1B787A8-0D67-4B7E-9B48-86BD906AB6B5}"/>
+              </a:ext>
+              <a:ext uri="{C183D7F6-B498-43B3-948B-1728B52AA6E4}">
+                <adec:decorative xmlns:adec="http://schemas.microsoft.com/office/drawing/2017/decorative" val="1"/>
+              </a:ext>
+            </a:extLst>
+          </p:cNvPr>
+          <p:cNvCxnSpPr>
+            <a:cxnSpLocks noGrp="1" noRot="1" noChangeAspect="1" noMove="1" noResize="1" noEditPoints="1" noAdjustHandles="1" noChangeArrowheads="1" noChangeShapeType="1"/>
+          </p:cNvCxnSpPr>
+          <p:nvPr>
+            <p:extLst>
+              <p:ext uri="{386F3935-93C4-4BCD-93E2-E3B085C9AB24}">
+                <p16:designElem xmlns:p16="http://schemas.microsoft.com/office/powerpoint/2015/main" val="1"/>
+              </p:ext>
+            </p:extLst>
+          </p:nvPr>
+        </p:nvCxnSpPr>
+        <p:spPr>
+          <a:xfrm>
+            <a:off x="715890" y="1114050"/>
+            <a:ext cx="0" cy="5735637"/>
+          </a:xfrm>
+          <a:prstGeom prst="line">
+            <a:avLst/>
+          </a:prstGeom>
+          <a:ln w="25400" cap="sq">
+            <a:gradFill flip="none" rotWithShape="1">
+              <a:gsLst>
+                <a:gs pos="0">
+                  <a:schemeClr val="accent2"/>
+                </a:gs>
+                <a:gs pos="100000">
+                  <a:schemeClr val="accent4"/>
+                </a:gs>
+              </a:gsLst>
+              <a:lin ang="16200000" scaled="1"/>
+              <a:tileRect/>
+            </a:gradFill>
+            <a:bevel/>
+          </a:ln>
+        </p:spPr>
+        <p:style>
+          <a:lnRef idx="1">
+            <a:schemeClr val="accent1"/>
+          </a:lnRef>
+          <a:fillRef idx="0">
+            <a:schemeClr val="accent1"/>
+          </a:fillRef>
+          <a:effectRef idx="0">
+            <a:schemeClr val="accent1"/>
+          </a:effectRef>
+          <a:fontRef idx="minor">
+            <a:schemeClr val="tx1"/>
+          </a:fontRef>
+        </p:style>
+      </p:cxnSp>
+      <p:sp>
+        <p:nvSpPr>
+          <p:cNvPr id="13" name="Rectangle 12">
+            <a:extLst>
+              <a:ext uri="{FF2B5EF4-FFF2-40B4-BE49-F238E27FC236}">
+                <a16:creationId xmlns:a16="http://schemas.microsoft.com/office/drawing/2014/main" id="{D9FB580A-BA0E-4D5E-90F4-C42767A78389}"/>
+              </a:ext>
+              <a:ext uri="{C183D7F6-B498-43B3-948B-1728B52AA6E4}">
+                <adec:decorative xmlns:adec="http://schemas.microsoft.com/office/drawing/2017/decorative" val="1"/>
+              </a:ext>
+            </a:extLst>
+          </p:cNvPr>
+          <p:cNvSpPr>
+            <a:spLocks noGrp="1" noRot="1" noChangeAspect="1" noMove="1" noResize="1" noEditPoints="1" noAdjustHandles="1" noChangeArrowheads="1" noChangeShapeType="1" noTextEdit="1"/>
+          </p:cNvSpPr>
+          <p:nvPr>
+            <p:extLst>
+              <p:ext uri="{386F3935-93C4-4BCD-93E2-E3B085C9AB24}">
+                <p16:designElem xmlns:p16="http://schemas.microsoft.com/office/powerpoint/2015/main" val="1"/>
+              </p:ext>
+            </p:extLst>
+          </p:nvPr>
+        </p:nvSpPr>
+        <p:spPr>
+          <a:xfrm>
+            <a:off x="0" y="0"/>
+            <a:ext cx="12192000" cy="6858000"/>
+          </a:xfrm>
+          <a:prstGeom prst="rect">
+            <a:avLst/>
+          </a:prstGeom>
+          <a:gradFill flip="none" rotWithShape="1">
+            <a:gsLst>
+              <a:gs pos="100000">
+                <a:schemeClr val="accent4"/>
+              </a:gs>
+              <a:gs pos="0">
+                <a:schemeClr val="accent2"/>
+              </a:gs>
+            </a:gsLst>
+            <a:lin ang="18900000" scaled="1"/>
+            <a:tileRect/>
+          </a:gradFill>
+          <a:ln>
+            <a:noFill/>
+          </a:ln>
+        </p:spPr>
+        <p:style>
+          <a:lnRef idx="2">
+            <a:schemeClr val="accent1">
+              <a:shade val="50000"/>
+            </a:schemeClr>
+          </a:lnRef>
+          <a:fillRef idx="1">
+            <a:schemeClr val="accent1"/>
+          </a:fillRef>
+          <a:effectRef idx="0">
+            <a:schemeClr val="accent1"/>
+          </a:effectRef>
+          <a:fontRef idx="minor">
+            <a:schemeClr val="lt1"/>
+          </a:fontRef>
+        </p:style>
+        <p:txBody>
+          <a:bodyPr rtlCol="0" anchor="ctr"/>
+          <a:lstStyle/>
+          <a:p>
+            <a:pPr algn="ctr"/>
+            <a:endParaRPr lang="en-US"/>
+          </a:p>
+        </p:txBody>
+      </p:sp>
+      <p:pic>
+        <p:nvPicPr>
+          <p:cNvPr id="4" name="Imagen 3" descr="Texto&#10;&#10;Descripción generada automáticamente">
+            <a:extLst>
+              <a:ext uri="{FF2B5EF4-FFF2-40B4-BE49-F238E27FC236}">
+                <a16:creationId xmlns:a16="http://schemas.microsoft.com/office/drawing/2014/main" id="{81CD6D13-1CEE-4FBD-731A-DAA100AC767F}"/>
+              </a:ext>
+            </a:extLst>
+          </p:cNvPr>
+          <p:cNvPicPr>
+            <a:picLocks noChangeAspect="1"/>
+          </p:cNvPicPr>
+          <p:nvPr/>
+        </p:nvPicPr>
+        <p:blipFill rotWithShape="1">
+          <a:blip r:embed="rId2">
+            <a:extLst>
+              <a:ext uri="{28A0092B-C50C-407E-A947-70E740481C1C}">
+                <a14:useLocalDpi xmlns:a14="http://schemas.microsoft.com/office/drawing/2010/main" val="0"/>
+              </a:ext>
+            </a:extLst>
+          </a:blip>
+          <a:srcRect l="3179" t="6388" r="28214" b="4862"/>
+          <a:stretch/>
+        </p:blipFill>
+        <p:spPr>
+          <a:xfrm>
+            <a:off x="2905467" y="209550"/>
+            <a:ext cx="6381066" cy="6438900"/>
+          </a:xfrm>
+          <a:prstGeom prst="rect">
+            <a:avLst/>
+          </a:prstGeom>
+        </p:spPr>
+      </p:pic>
+    </p:spTree>
+    <p:extLst>
+      <p:ext uri="{BB962C8B-B14F-4D97-AF65-F5344CB8AC3E}">
+        <p14:creationId xmlns:p14="http://schemas.microsoft.com/office/powerpoint/2010/main" val="4184556984"/>
+      </p:ext>
+    </p:extLst>
+  </p:cSld>
+  <p:clrMapOvr>
+    <a:masterClrMapping/>
+  </p:clrMapOvr>
+</p:sld>
+</file>
+
+<file path=ppt/slides/slide19.xml><?xml version="1.0" encoding="utf-8"?>
 <p:sld xmlns:a="http://schemas.openxmlformats.org/drawingml/2006/main" xmlns:r="http://schemas.openxmlformats.org/officeDocument/2006/relationships" xmlns:p="http://schemas.openxmlformats.org/presentationml/2006/main">
   <p:cSld>
     <p:bg>
@@ -11972,10 +13372,10 @@
       </p:grpSpPr>
       <p:sp useBgFill="1">
         <p:nvSpPr>
-          <p:cNvPr id="19" name="Rectangle 8">
+          <p:cNvPr id="25" name="Rectangle 7">
             <a:extLst>
               <a:ext uri="{FF2B5EF4-FFF2-40B4-BE49-F238E27FC236}">
-                <a16:creationId xmlns:a16="http://schemas.microsoft.com/office/drawing/2014/main" id="{2659FDB4-FCBE-4A89-B46D-43D4FA54464D}"/>
+                <a16:creationId xmlns:a16="http://schemas.microsoft.com/office/drawing/2014/main" id="{327D73B4-9F5C-4A64-A179-51B9500CB8B5}"/>
               </a:ext>
               <a:ext uri="{C183D7F6-B498-43B3-948B-1728B52AA6E4}">
                 <adec:decorative xmlns:adec="http://schemas.microsoft.com/office/drawing/2017/decorative" val="1"/>
@@ -11995,12 +13395,812 @@
         </p:nvSpPr>
         <p:spPr>
           <a:xfrm>
-            <a:off x="0" y="8313"/>
+            <a:off x="0" y="0"/>
             <a:ext cx="12192000" cy="6858000"/>
           </a:xfrm>
           <a:prstGeom prst="rect">
             <a:avLst/>
           </a:prstGeom>
+          <a:ln>
+            <a:noFill/>
+          </a:ln>
+        </p:spPr>
+        <p:style>
+          <a:lnRef idx="2">
+            <a:schemeClr val="accent1">
+              <a:shade val="50000"/>
+            </a:schemeClr>
+          </a:lnRef>
+          <a:fillRef idx="1">
+            <a:schemeClr val="accent1"/>
+          </a:fillRef>
+          <a:effectRef idx="0">
+            <a:schemeClr val="accent1"/>
+          </a:effectRef>
+          <a:fontRef idx="minor">
+            <a:schemeClr val="lt1"/>
+          </a:fontRef>
+        </p:style>
+        <p:txBody>
+          <a:bodyPr rtlCol="0" anchor="ctr"/>
+          <a:lstStyle/>
+          <a:p>
+            <a:pPr algn="ctr"/>
+            <a:endParaRPr lang="en-US"/>
+          </a:p>
+        </p:txBody>
+      </p:sp>
+      <p:sp>
+        <p:nvSpPr>
+          <p:cNvPr id="26" name="Oval 9">
+            <a:extLst>
+              <a:ext uri="{FF2B5EF4-FFF2-40B4-BE49-F238E27FC236}">
+                <a16:creationId xmlns:a16="http://schemas.microsoft.com/office/drawing/2014/main" id="{C1F06963-6374-4B48-844F-071A9BAAAE02}"/>
+              </a:ext>
+              <a:ext uri="{C183D7F6-B498-43B3-948B-1728B52AA6E4}">
+                <adec:decorative xmlns:adec="http://schemas.microsoft.com/office/drawing/2017/decorative" val="1"/>
+              </a:ext>
+            </a:extLst>
+          </p:cNvPr>
+          <p:cNvSpPr>
+            <a:spLocks noGrp="1" noRot="1" noChangeAspect="1" noMove="1" noResize="1" noEditPoints="1" noAdjustHandles="1" noChangeArrowheads="1" noChangeShapeType="1" noTextEdit="1"/>
+          </p:cNvSpPr>
+          <p:nvPr>
+            <p:extLst>
+              <p:ext uri="{386F3935-93C4-4BCD-93E2-E3B085C9AB24}">
+                <p16:designElem xmlns:p16="http://schemas.microsoft.com/office/powerpoint/2015/main" val="1"/>
+              </p:ext>
+            </p:extLst>
+          </p:nvPr>
+        </p:nvSpPr>
+        <p:spPr>
+          <a:xfrm>
+            <a:off x="199528" y="554152"/>
+            <a:ext cx="5742189" cy="5742189"/>
+          </a:xfrm>
+          <a:prstGeom prst="ellipse">
+            <a:avLst/>
+          </a:prstGeom>
+          <a:gradFill flip="none" rotWithShape="1">
+            <a:gsLst>
+              <a:gs pos="100000">
+                <a:schemeClr val="accent4"/>
+              </a:gs>
+              <a:gs pos="0">
+                <a:schemeClr val="accent2"/>
+              </a:gs>
+            </a:gsLst>
+            <a:lin ang="2700000" scaled="1"/>
+            <a:tileRect/>
+          </a:gradFill>
+          <a:ln>
+            <a:noFill/>
+          </a:ln>
+        </p:spPr>
+        <p:style>
+          <a:lnRef idx="2">
+            <a:schemeClr val="accent1">
+              <a:shade val="50000"/>
+            </a:schemeClr>
+          </a:lnRef>
+          <a:fillRef idx="1">
+            <a:schemeClr val="accent1"/>
+          </a:fillRef>
+          <a:effectRef idx="0">
+            <a:schemeClr val="accent1"/>
+          </a:effectRef>
+          <a:fontRef idx="minor">
+            <a:schemeClr val="lt1"/>
+          </a:fontRef>
+        </p:style>
+        <p:txBody>
+          <a:bodyPr rot="0" spcFirstLastPara="0" vertOverflow="overflow" horzOverflow="overflow" vert="horz" wrap="square" lIns="91440" tIns="45720" rIns="91440" bIns="45720" numCol="1" spcCol="0" rtlCol="0" fromWordArt="0" anchor="ctr" anchorCtr="0" forceAA="0" compatLnSpc="1">
+            <a:prstTxWarp prst="textNoShape">
+              <a:avLst/>
+            </a:prstTxWarp>
+            <a:noAutofit/>
+          </a:bodyPr>
+          <a:lstStyle/>
+          <a:p>
+            <a:pPr algn="ctr"/>
+            <a:endParaRPr lang="en-US"/>
+          </a:p>
+        </p:txBody>
+      </p:sp>
+      <p:sp>
+        <p:nvSpPr>
+          <p:cNvPr id="2" name="Título 1">
+            <a:extLst>
+              <a:ext uri="{FF2B5EF4-FFF2-40B4-BE49-F238E27FC236}">
+                <a16:creationId xmlns:a16="http://schemas.microsoft.com/office/drawing/2014/main" id="{B0CC3C23-8D19-DFED-A5A5-82EFA9AC895A}"/>
+              </a:ext>
+            </a:extLst>
+          </p:cNvPr>
+          <p:cNvSpPr>
+            <a:spLocks noGrp="1"/>
+          </p:cNvSpPr>
+          <p:nvPr>
+            <p:ph type="title"/>
+          </p:nvPr>
+        </p:nvSpPr>
+        <p:spPr>
+          <a:xfrm>
+            <a:off x="1245072" y="1289765"/>
+            <a:ext cx="3651101" cy="4270963"/>
+          </a:xfrm>
+        </p:spPr>
+        <p:txBody>
+          <a:bodyPr anchor="ctr">
+            <a:normAutofit/>
+          </a:bodyPr>
+          <a:lstStyle/>
+          <a:p>
+            <a:pPr algn="ctr"/>
+            <a:r>
+              <a:rPr lang="es-ES" sz="6100">
+                <a:solidFill>
+                  <a:schemeClr val="bg1"/>
+                </a:solidFill>
+              </a:rPr>
+              <a:t>Porque he usado todo esto</a:t>
+            </a:r>
+          </a:p>
+        </p:txBody>
+      </p:sp>
+      <p:sp>
+        <p:nvSpPr>
+          <p:cNvPr id="27" name="Graphic 11">
+            <a:extLst>
+              <a:ext uri="{FF2B5EF4-FFF2-40B4-BE49-F238E27FC236}">
+                <a16:creationId xmlns:a16="http://schemas.microsoft.com/office/drawing/2014/main" id="{6CB927A4-E432-4310-9CD5-E89FF5063179}"/>
+              </a:ext>
+              <a:ext uri="{C183D7F6-B498-43B3-948B-1728B52AA6E4}">
+                <adec:decorative xmlns:adec="http://schemas.microsoft.com/office/drawing/2017/decorative" val="1"/>
+              </a:ext>
+            </a:extLst>
+          </p:cNvPr>
+          <p:cNvSpPr>
+            <a:spLocks noGrp="1" noRot="1" noChangeAspect="1" noMove="1" noResize="1" noEditPoints="1" noAdjustHandles="1" noChangeArrowheads="1" noChangeShapeType="1" noTextEdit="1"/>
+          </p:cNvSpPr>
+          <p:nvPr>
+            <p:extLst>
+              <p:ext uri="{386F3935-93C4-4BCD-93E2-E3B085C9AB24}">
+                <p16:designElem xmlns:p16="http://schemas.microsoft.com/office/powerpoint/2015/main" val="1"/>
+              </p:ext>
+            </p:extLst>
+          </p:nvPr>
+        </p:nvSpPr>
+        <p:spPr>
+          <a:xfrm>
+            <a:off x="1123493" y="374394"/>
+            <a:ext cx="171515" cy="171515"/>
+          </a:xfrm>
+          <a:custGeom>
+            <a:avLst/>
+            <a:gdLst>
+              <a:gd name="connsiteX0" fmla="*/ 159874 w 171515"/>
+              <a:gd name="connsiteY0" fmla="*/ 74116 h 171515"/>
+              <a:gd name="connsiteX1" fmla="*/ 97399 w 171515"/>
+              <a:gd name="connsiteY1" fmla="*/ 74116 h 171515"/>
+              <a:gd name="connsiteX2" fmla="*/ 97399 w 171515"/>
+              <a:gd name="connsiteY2" fmla="*/ 11641 h 171515"/>
+              <a:gd name="connsiteX3" fmla="*/ 85758 w 171515"/>
+              <a:gd name="connsiteY3" fmla="*/ 0 h 171515"/>
+              <a:gd name="connsiteX4" fmla="*/ 74116 w 171515"/>
+              <a:gd name="connsiteY4" fmla="*/ 11641 h 171515"/>
+              <a:gd name="connsiteX5" fmla="*/ 74116 w 171515"/>
+              <a:gd name="connsiteY5" fmla="*/ 74116 h 171515"/>
+              <a:gd name="connsiteX6" fmla="*/ 11641 w 171515"/>
+              <a:gd name="connsiteY6" fmla="*/ 74116 h 171515"/>
+              <a:gd name="connsiteX7" fmla="*/ 0 w 171515"/>
+              <a:gd name="connsiteY7" fmla="*/ 85758 h 171515"/>
+              <a:gd name="connsiteX8" fmla="*/ 11641 w 171515"/>
+              <a:gd name="connsiteY8" fmla="*/ 97399 h 171515"/>
+              <a:gd name="connsiteX9" fmla="*/ 74116 w 171515"/>
+              <a:gd name="connsiteY9" fmla="*/ 97399 h 171515"/>
+              <a:gd name="connsiteX10" fmla="*/ 74116 w 171515"/>
+              <a:gd name="connsiteY10" fmla="*/ 159874 h 171515"/>
+              <a:gd name="connsiteX11" fmla="*/ 85758 w 171515"/>
+              <a:gd name="connsiteY11" fmla="*/ 171515 h 171515"/>
+              <a:gd name="connsiteX12" fmla="*/ 97399 w 171515"/>
+              <a:gd name="connsiteY12" fmla="*/ 159874 h 171515"/>
+              <a:gd name="connsiteX13" fmla="*/ 97399 w 171515"/>
+              <a:gd name="connsiteY13" fmla="*/ 97399 h 171515"/>
+              <a:gd name="connsiteX14" fmla="*/ 159874 w 171515"/>
+              <a:gd name="connsiteY14" fmla="*/ 97399 h 171515"/>
+              <a:gd name="connsiteX15" fmla="*/ 171515 w 171515"/>
+              <a:gd name="connsiteY15" fmla="*/ 85758 h 171515"/>
+              <a:gd name="connsiteX16" fmla="*/ 159874 w 171515"/>
+              <a:gd name="connsiteY16" fmla="*/ 74116 h 171515"/>
+            </a:gdLst>
+            <a:ahLst/>
+            <a:cxnLst>
+              <a:cxn ang="0">
+                <a:pos x="connsiteX0" y="connsiteY0"/>
+              </a:cxn>
+              <a:cxn ang="0">
+                <a:pos x="connsiteX1" y="connsiteY1"/>
+              </a:cxn>
+              <a:cxn ang="0">
+                <a:pos x="connsiteX2" y="connsiteY2"/>
+              </a:cxn>
+              <a:cxn ang="0">
+                <a:pos x="connsiteX3" y="connsiteY3"/>
+              </a:cxn>
+              <a:cxn ang="0">
+                <a:pos x="connsiteX4" y="connsiteY4"/>
+              </a:cxn>
+              <a:cxn ang="0">
+                <a:pos x="connsiteX5" y="connsiteY5"/>
+              </a:cxn>
+              <a:cxn ang="0">
+                <a:pos x="connsiteX6" y="connsiteY6"/>
+              </a:cxn>
+              <a:cxn ang="0">
+                <a:pos x="connsiteX7" y="connsiteY7"/>
+              </a:cxn>
+              <a:cxn ang="0">
+                <a:pos x="connsiteX8" y="connsiteY8"/>
+              </a:cxn>
+              <a:cxn ang="0">
+                <a:pos x="connsiteX9" y="connsiteY9"/>
+              </a:cxn>
+              <a:cxn ang="0">
+                <a:pos x="connsiteX10" y="connsiteY10"/>
+              </a:cxn>
+              <a:cxn ang="0">
+                <a:pos x="connsiteX11" y="connsiteY11"/>
+              </a:cxn>
+              <a:cxn ang="0">
+                <a:pos x="connsiteX12" y="connsiteY12"/>
+              </a:cxn>
+              <a:cxn ang="0">
+                <a:pos x="connsiteX13" y="connsiteY13"/>
+              </a:cxn>
+              <a:cxn ang="0">
+                <a:pos x="connsiteX14" y="connsiteY14"/>
+              </a:cxn>
+              <a:cxn ang="0">
+                <a:pos x="connsiteX15" y="connsiteY15"/>
+              </a:cxn>
+              <a:cxn ang="0">
+                <a:pos x="connsiteX16" y="connsiteY16"/>
+              </a:cxn>
+            </a:cxnLst>
+            <a:rect l="l" t="t" r="r" b="b"/>
+            <a:pathLst>
+              <a:path w="171515" h="171515">
+                <a:moveTo>
+                  <a:pt x="159874" y="74116"/>
+                </a:moveTo>
+                <a:lnTo>
+                  <a:pt x="97399" y="74116"/>
+                </a:lnTo>
+                <a:lnTo>
+                  <a:pt x="97399" y="11641"/>
+                </a:lnTo>
+                <a:cubicBezTo>
+                  <a:pt x="97399" y="5212"/>
+                  <a:pt x="92187" y="0"/>
+                  <a:pt x="85758" y="0"/>
+                </a:cubicBezTo>
+                <a:cubicBezTo>
+                  <a:pt x="79328" y="0"/>
+                  <a:pt x="74116" y="5212"/>
+                  <a:pt x="74116" y="11641"/>
+                </a:cubicBezTo>
+                <a:lnTo>
+                  <a:pt x="74116" y="74116"/>
+                </a:lnTo>
+                <a:lnTo>
+                  <a:pt x="11641" y="74116"/>
+                </a:lnTo>
+                <a:cubicBezTo>
+                  <a:pt x="5212" y="74116"/>
+                  <a:pt x="0" y="79328"/>
+                  <a:pt x="0" y="85758"/>
+                </a:cubicBezTo>
+                <a:cubicBezTo>
+                  <a:pt x="0" y="92187"/>
+                  <a:pt x="5212" y="97399"/>
+                  <a:pt x="11641" y="97399"/>
+                </a:cubicBezTo>
+                <a:lnTo>
+                  <a:pt x="74116" y="97399"/>
+                </a:lnTo>
+                <a:lnTo>
+                  <a:pt x="74116" y="159874"/>
+                </a:lnTo>
+                <a:cubicBezTo>
+                  <a:pt x="74116" y="166303"/>
+                  <a:pt x="79328" y="171515"/>
+                  <a:pt x="85758" y="171515"/>
+                </a:cubicBezTo>
+                <a:cubicBezTo>
+                  <a:pt x="92187" y="171515"/>
+                  <a:pt x="97399" y="166303"/>
+                  <a:pt x="97399" y="159874"/>
+                </a:cubicBezTo>
+                <a:lnTo>
+                  <a:pt x="97399" y="97399"/>
+                </a:lnTo>
+                <a:lnTo>
+                  <a:pt x="159874" y="97399"/>
+                </a:lnTo>
+                <a:cubicBezTo>
+                  <a:pt x="166303" y="97399"/>
+                  <a:pt x="171515" y="92187"/>
+                  <a:pt x="171515" y="85758"/>
+                </a:cubicBezTo>
+                <a:cubicBezTo>
+                  <a:pt x="171515" y="79328"/>
+                  <a:pt x="166303" y="74116"/>
+                  <a:pt x="159874" y="74116"/>
+                </a:cubicBezTo>
+                <a:close/>
+              </a:path>
+            </a:pathLst>
+          </a:custGeom>
+          <a:solidFill>
+            <a:schemeClr val="accent2"/>
+          </a:solidFill>
+          <a:ln w="776" cap="flat">
+            <a:noFill/>
+            <a:prstDash val="solid"/>
+            <a:miter/>
+          </a:ln>
+        </p:spPr>
+        <p:txBody>
+          <a:bodyPr rtlCol="0" anchor="ctr"/>
+          <a:lstStyle/>
+          <a:p>
+            <a:endParaRPr lang="en-US"/>
+          </a:p>
+        </p:txBody>
+      </p:sp>
+      <p:sp>
+        <p:nvSpPr>
+          <p:cNvPr id="28" name="Graphic 12">
+            <a:extLst>
+              <a:ext uri="{FF2B5EF4-FFF2-40B4-BE49-F238E27FC236}">
+                <a16:creationId xmlns:a16="http://schemas.microsoft.com/office/drawing/2014/main" id="{1453BF6C-B012-48B7-B4E8-6D7AC7C27D02}"/>
+              </a:ext>
+              <a:ext uri="{C183D7F6-B498-43B3-948B-1728B52AA6E4}">
+                <adec:decorative xmlns:adec="http://schemas.microsoft.com/office/drawing/2017/decorative" val="1"/>
+              </a:ext>
+            </a:extLst>
+          </p:cNvPr>
+          <p:cNvSpPr>
+            <a:spLocks noGrp="1" noRot="1" noChangeAspect="1" noMove="1" noResize="1" noEditPoints="1" noAdjustHandles="1" noChangeArrowheads="1" noChangeShapeType="1" noTextEdit="1"/>
+          </p:cNvSpPr>
+          <p:nvPr>
+            <p:extLst>
+              <p:ext uri="{386F3935-93C4-4BCD-93E2-E3B085C9AB24}">
+                <p16:designElem xmlns:p16="http://schemas.microsoft.com/office/powerpoint/2015/main" val="1"/>
+              </p:ext>
+            </p:extLst>
+          </p:nvPr>
+        </p:nvSpPr>
+        <p:spPr>
+          <a:xfrm>
+            <a:off x="550109" y="1084507"/>
+            <a:ext cx="157545" cy="157545"/>
+          </a:xfrm>
+          <a:custGeom>
+            <a:avLst/>
+            <a:gdLst>
+              <a:gd name="connsiteX0" fmla="*/ 78773 w 157545"/>
+              <a:gd name="connsiteY0" fmla="*/ 23283 h 157545"/>
+              <a:gd name="connsiteX1" fmla="*/ 134262 w 157545"/>
+              <a:gd name="connsiteY1" fmla="*/ 78773 h 157545"/>
+              <a:gd name="connsiteX2" fmla="*/ 78773 w 157545"/>
+              <a:gd name="connsiteY2" fmla="*/ 134262 h 157545"/>
+              <a:gd name="connsiteX3" fmla="*/ 23283 w 157545"/>
+              <a:gd name="connsiteY3" fmla="*/ 78773 h 157545"/>
+              <a:gd name="connsiteX4" fmla="*/ 78773 w 157545"/>
+              <a:gd name="connsiteY4" fmla="*/ 23283 h 157545"/>
+              <a:gd name="connsiteX5" fmla="*/ 78773 w 157545"/>
+              <a:gd name="connsiteY5" fmla="*/ 0 h 157545"/>
+              <a:gd name="connsiteX6" fmla="*/ 0 w 157545"/>
+              <a:gd name="connsiteY6" fmla="*/ 78773 h 157545"/>
+              <a:gd name="connsiteX7" fmla="*/ 78773 w 157545"/>
+              <a:gd name="connsiteY7" fmla="*/ 157545 h 157545"/>
+              <a:gd name="connsiteX8" fmla="*/ 157545 w 157545"/>
+              <a:gd name="connsiteY8" fmla="*/ 78773 h 157545"/>
+              <a:gd name="connsiteX9" fmla="*/ 78773 w 157545"/>
+              <a:gd name="connsiteY9" fmla="*/ 0 h 157545"/>
+            </a:gdLst>
+            <a:ahLst/>
+            <a:cxnLst>
+              <a:cxn ang="0">
+                <a:pos x="connsiteX0" y="connsiteY0"/>
+              </a:cxn>
+              <a:cxn ang="0">
+                <a:pos x="connsiteX1" y="connsiteY1"/>
+              </a:cxn>
+              <a:cxn ang="0">
+                <a:pos x="connsiteX2" y="connsiteY2"/>
+              </a:cxn>
+              <a:cxn ang="0">
+                <a:pos x="connsiteX3" y="connsiteY3"/>
+              </a:cxn>
+              <a:cxn ang="0">
+                <a:pos x="connsiteX4" y="connsiteY4"/>
+              </a:cxn>
+              <a:cxn ang="0">
+                <a:pos x="connsiteX5" y="connsiteY5"/>
+              </a:cxn>
+              <a:cxn ang="0">
+                <a:pos x="connsiteX6" y="connsiteY6"/>
+              </a:cxn>
+              <a:cxn ang="0">
+                <a:pos x="connsiteX7" y="connsiteY7"/>
+              </a:cxn>
+              <a:cxn ang="0">
+                <a:pos x="connsiteX8" y="connsiteY8"/>
+              </a:cxn>
+              <a:cxn ang="0">
+                <a:pos x="connsiteX9" y="connsiteY9"/>
+              </a:cxn>
+            </a:cxnLst>
+            <a:rect l="l" t="t" r="r" b="b"/>
+            <a:pathLst>
+              <a:path w="157545" h="157545">
+                <a:moveTo>
+                  <a:pt x="78773" y="23283"/>
+                </a:moveTo>
+                <a:cubicBezTo>
+                  <a:pt x="109419" y="23283"/>
+                  <a:pt x="134262" y="48126"/>
+                  <a:pt x="134262" y="78773"/>
+                </a:cubicBezTo>
+                <a:cubicBezTo>
+                  <a:pt x="134262" y="109419"/>
+                  <a:pt x="109419" y="134262"/>
+                  <a:pt x="78773" y="134262"/>
+                </a:cubicBezTo>
+                <a:cubicBezTo>
+                  <a:pt x="48126" y="134262"/>
+                  <a:pt x="23283" y="109419"/>
+                  <a:pt x="23283" y="78773"/>
+                </a:cubicBezTo>
+                <a:cubicBezTo>
+                  <a:pt x="23312" y="48139"/>
+                  <a:pt x="48139" y="23312"/>
+                  <a:pt x="78773" y="23283"/>
+                </a:cubicBezTo>
+                <a:moveTo>
+                  <a:pt x="78773" y="0"/>
+                </a:moveTo>
+                <a:cubicBezTo>
+                  <a:pt x="35268" y="0"/>
+                  <a:pt x="0" y="35268"/>
+                  <a:pt x="0" y="78773"/>
+                </a:cubicBezTo>
+                <a:cubicBezTo>
+                  <a:pt x="0" y="122277"/>
+                  <a:pt x="35268" y="157545"/>
+                  <a:pt x="78773" y="157545"/>
+                </a:cubicBezTo>
+                <a:cubicBezTo>
+                  <a:pt x="122277" y="157545"/>
+                  <a:pt x="157545" y="122277"/>
+                  <a:pt x="157545" y="78773"/>
+                </a:cubicBezTo>
+                <a:cubicBezTo>
+                  <a:pt x="157545" y="35268"/>
+                  <a:pt x="122277" y="0"/>
+                  <a:pt x="78773" y="0"/>
+                </a:cubicBezTo>
+                <a:close/>
+              </a:path>
+            </a:pathLst>
+          </a:custGeom>
+          <a:solidFill>
+            <a:schemeClr val="accent2"/>
+          </a:solidFill>
+          <a:ln w="751" cap="flat">
+            <a:noFill/>
+            <a:prstDash val="solid"/>
+            <a:miter/>
+          </a:ln>
+        </p:spPr>
+        <p:txBody>
+          <a:bodyPr rtlCol="0" anchor="ctr"/>
+          <a:lstStyle/>
+          <a:p>
+            <a:endParaRPr lang="en-US"/>
+          </a:p>
+        </p:txBody>
+      </p:sp>
+      <p:sp>
+        <p:nvSpPr>
+          <p:cNvPr id="3" name="Marcador de contenido 2">
+            <a:extLst>
+              <a:ext uri="{FF2B5EF4-FFF2-40B4-BE49-F238E27FC236}">
+                <a16:creationId xmlns:a16="http://schemas.microsoft.com/office/drawing/2014/main" id="{456E37BA-578B-74B5-BAC7-04B0189DD359}"/>
+              </a:ext>
+            </a:extLst>
+          </p:cNvPr>
+          <p:cNvSpPr>
+            <a:spLocks noGrp="1"/>
+          </p:cNvSpPr>
+          <p:nvPr>
+            <p:ph idx="1"/>
+          </p:nvPr>
+        </p:nvSpPr>
+        <p:spPr>
+          <a:xfrm>
+            <a:off x="6397039" y="381935"/>
+            <a:ext cx="4685916" cy="5974415"/>
+          </a:xfrm>
+        </p:spPr>
+        <p:txBody>
+          <a:bodyPr anchor="ctr">
+            <a:normAutofit/>
+          </a:bodyPr>
+          <a:lstStyle/>
+          <a:p>
+            <a:pPr marL="0" indent="0">
+              <a:buNone/>
+            </a:pPr>
+            <a:r>
+              <a:rPr lang="es-ES" sz="1800" dirty="0"/>
+              <a:t>He querido usar cosas nuevas para poder investigar qué cosas hay en el tema relacionado con las páginas web. Y como quería probar a hacer una tienda que muestra algunos productos he querido usar React el cual e usado alguna vez o probado para hacer la página más dinámica y usar tailwindcss para el tema del estilo de la página web. </a:t>
+            </a:r>
+          </a:p>
+        </p:txBody>
+      </p:sp>
+      <p:sp>
+        <p:nvSpPr>
+          <p:cNvPr id="29" name="Graphic 10">
+            <a:extLst>
+              <a:ext uri="{FF2B5EF4-FFF2-40B4-BE49-F238E27FC236}">
+                <a16:creationId xmlns:a16="http://schemas.microsoft.com/office/drawing/2014/main" id="{E3020543-B24B-4EC4-8FFC-8DD88EEA91A8}"/>
+              </a:ext>
+              <a:ext uri="{C183D7F6-B498-43B3-948B-1728B52AA6E4}">
+                <adec:decorative xmlns:adec="http://schemas.microsoft.com/office/drawing/2017/decorative" val="1"/>
+              </a:ext>
+            </a:extLst>
+          </p:cNvPr>
+          <p:cNvSpPr>
+            <a:spLocks noGrp="1" noRot="1" noChangeAspect="1" noMove="1" noResize="1" noEditPoints="1" noAdjustHandles="1" noChangeArrowheads="1" noChangeShapeType="1" noTextEdit="1"/>
+          </p:cNvSpPr>
+          <p:nvPr>
+            <p:extLst>
+              <p:ext uri="{386F3935-93C4-4BCD-93E2-E3B085C9AB24}">
+                <p16:designElem xmlns:p16="http://schemas.microsoft.com/office/powerpoint/2015/main" val="1"/>
+              </p:ext>
+            </p:extLst>
+          </p:nvPr>
+        </p:nvSpPr>
+        <p:spPr>
+          <a:xfrm>
+            <a:off x="5436547" y="5751820"/>
+            <a:ext cx="112426" cy="112426"/>
+          </a:xfrm>
+          <a:custGeom>
+            <a:avLst/>
+            <a:gdLst>
+              <a:gd name="connsiteX0" fmla="*/ 112426 w 112426"/>
+              <a:gd name="connsiteY0" fmla="*/ 56213 h 112426"/>
+              <a:gd name="connsiteX1" fmla="*/ 56213 w 112426"/>
+              <a:gd name="connsiteY1" fmla="*/ 112426 h 112426"/>
+              <a:gd name="connsiteX2" fmla="*/ 0 w 112426"/>
+              <a:gd name="connsiteY2" fmla="*/ 56213 h 112426"/>
+              <a:gd name="connsiteX3" fmla="*/ 56213 w 112426"/>
+              <a:gd name="connsiteY3" fmla="*/ 0 h 112426"/>
+              <a:gd name="connsiteX4" fmla="*/ 112426 w 112426"/>
+              <a:gd name="connsiteY4" fmla="*/ 56213 h 112426"/>
+            </a:gdLst>
+            <a:ahLst/>
+            <a:cxnLst>
+              <a:cxn ang="0">
+                <a:pos x="connsiteX0" y="connsiteY0"/>
+              </a:cxn>
+              <a:cxn ang="0">
+                <a:pos x="connsiteX1" y="connsiteY1"/>
+              </a:cxn>
+              <a:cxn ang="0">
+                <a:pos x="connsiteX2" y="connsiteY2"/>
+              </a:cxn>
+              <a:cxn ang="0">
+                <a:pos x="connsiteX3" y="connsiteY3"/>
+              </a:cxn>
+              <a:cxn ang="0">
+                <a:pos x="connsiteX4" y="connsiteY4"/>
+              </a:cxn>
+            </a:cxnLst>
+            <a:rect l="l" t="t" r="r" b="b"/>
+            <a:pathLst>
+              <a:path w="112426" h="112426">
+                <a:moveTo>
+                  <a:pt x="112426" y="56213"/>
+                </a:moveTo>
+                <a:cubicBezTo>
+                  <a:pt x="112426" y="87259"/>
+                  <a:pt x="87259" y="112426"/>
+                  <a:pt x="56213" y="112426"/>
+                </a:cubicBezTo>
+                <a:cubicBezTo>
+                  <a:pt x="25167" y="112426"/>
+                  <a:pt x="0" y="87259"/>
+                  <a:pt x="0" y="56213"/>
+                </a:cubicBezTo>
+                <a:cubicBezTo>
+                  <a:pt x="0" y="25167"/>
+                  <a:pt x="25167" y="0"/>
+                  <a:pt x="56213" y="0"/>
+                </a:cubicBezTo>
+                <a:cubicBezTo>
+                  <a:pt x="87259" y="0"/>
+                  <a:pt x="112426" y="25167"/>
+                  <a:pt x="112426" y="56213"/>
+                </a:cubicBezTo>
+                <a:close/>
+              </a:path>
+            </a:pathLst>
+          </a:custGeom>
+          <a:solidFill>
+            <a:schemeClr val="accent2"/>
+          </a:solidFill>
+          <a:ln w="516" cap="flat">
+            <a:noFill/>
+            <a:prstDash val="solid"/>
+            <a:miter/>
+          </a:ln>
+        </p:spPr>
+        <p:txBody>
+          <a:bodyPr rtlCol="0" anchor="ctr"/>
+          <a:lstStyle/>
+          <a:p>
+            <a:endParaRPr lang="en-US"/>
+          </a:p>
+        </p:txBody>
+      </p:sp>
+      <p:cxnSp>
+        <p:nvCxnSpPr>
+          <p:cNvPr id="18" name="Straight Connector 17">
+            <a:extLst>
+              <a:ext uri="{FF2B5EF4-FFF2-40B4-BE49-F238E27FC236}">
+                <a16:creationId xmlns:a16="http://schemas.microsoft.com/office/drawing/2014/main" id="{C49DA8F6-BCC1-4447-B54C-57856834B94B}"/>
+              </a:ext>
+              <a:ext uri="{C183D7F6-B498-43B3-948B-1728B52AA6E4}">
+                <adec:decorative xmlns:adec="http://schemas.microsoft.com/office/drawing/2017/decorative" val="1"/>
+              </a:ext>
+            </a:extLst>
+          </p:cNvPr>
+          <p:cNvCxnSpPr>
+            <a:cxnSpLocks noGrp="1" noRot="1" noChangeAspect="1" noMove="1" noResize="1" noEditPoints="1" noAdjustHandles="1" noChangeArrowheads="1" noChangeShapeType="1"/>
+          </p:cNvCxnSpPr>
+          <p:nvPr>
+            <p:extLst>
+              <p:ext uri="{386F3935-93C4-4BCD-93E2-E3B085C9AB24}">
+                <p16:designElem xmlns:p16="http://schemas.microsoft.com/office/powerpoint/2015/main" val="1"/>
+              </p:ext>
+            </p:extLst>
+          </p:nvPr>
+        </p:nvCxnSpPr>
+        <p:spPr>
+          <a:xfrm>
+            <a:off x="11586162" y="3610394"/>
+            <a:ext cx="0" cy="3238728"/>
+          </a:xfrm>
+          <a:prstGeom prst="line">
+            <a:avLst/>
+          </a:prstGeom>
+          <a:ln w="25400" cap="sq">
+            <a:gradFill flip="none" rotWithShape="1">
+              <a:gsLst>
+                <a:gs pos="0">
+                  <a:schemeClr val="accent2"/>
+                </a:gs>
+                <a:gs pos="100000">
+                  <a:schemeClr val="accent4"/>
+                </a:gs>
+              </a:gsLst>
+              <a:lin ang="5400000" scaled="1"/>
+              <a:tileRect/>
+            </a:gradFill>
+            <a:bevel/>
+          </a:ln>
+        </p:spPr>
+        <p:style>
+          <a:lnRef idx="1">
+            <a:schemeClr val="accent1"/>
+          </a:lnRef>
+          <a:fillRef idx="0">
+            <a:schemeClr val="accent1"/>
+          </a:fillRef>
+          <a:effectRef idx="0">
+            <a:schemeClr val="accent1"/>
+          </a:effectRef>
+          <a:fontRef idx="minor">
+            <a:schemeClr val="tx1"/>
+          </a:fontRef>
+        </p:style>
+      </p:cxnSp>
+    </p:spTree>
+    <p:extLst>
+      <p:ext uri="{BB962C8B-B14F-4D97-AF65-F5344CB8AC3E}">
+        <p14:creationId xmlns:p14="http://schemas.microsoft.com/office/powerpoint/2010/main" val="3288922383"/>
+      </p:ext>
+    </p:extLst>
+  </p:cSld>
+  <p:clrMapOvr>
+    <a:masterClrMapping/>
+  </p:clrMapOvr>
+</p:sld>
+</file>
+
+<file path=ppt/slides/slide2.xml><?xml version="1.0" encoding="utf-8"?>
+<p:sld xmlns:a="http://schemas.openxmlformats.org/drawingml/2006/main" xmlns:r="http://schemas.openxmlformats.org/officeDocument/2006/relationships" xmlns:p="http://schemas.openxmlformats.org/presentationml/2006/main">
+  <p:cSld>
+    <p:bg>
+      <p:bgPr>
+        <a:solidFill>
+          <a:schemeClr val="bg1"/>
+        </a:solidFill>
+        <a:effectLst/>
+      </p:bgPr>
+    </p:bg>
+    <p:spTree>
+      <p:nvGrpSpPr>
+        <p:cNvPr id="1" name=""/>
+        <p:cNvGrpSpPr/>
+        <p:nvPr/>
+      </p:nvGrpSpPr>
+      <p:grpSpPr>
+        <a:xfrm>
+          <a:off x="0" y="0"/>
+          <a:ext cx="0" cy="0"/>
+          <a:chOff x="0" y="0"/>
+          <a:chExt cx="0" cy="0"/>
+        </a:xfrm>
+      </p:grpSpPr>
+      <p:sp>
+        <p:nvSpPr>
+          <p:cNvPr id="43" name="Rectangle 25">
+            <a:extLst>
+              <a:ext uri="{FF2B5EF4-FFF2-40B4-BE49-F238E27FC236}">
+                <a16:creationId xmlns:a16="http://schemas.microsoft.com/office/drawing/2014/main" id="{16AC3602-3348-4F31-9E43-076B03514ECB}"/>
+              </a:ext>
+              <a:ext uri="{C183D7F6-B498-43B3-948B-1728B52AA6E4}">
+                <adec:decorative xmlns:adec="http://schemas.microsoft.com/office/drawing/2017/decorative" val="1"/>
+              </a:ext>
+            </a:extLst>
+          </p:cNvPr>
+          <p:cNvSpPr>
+            <a:spLocks noGrp="1" noRot="1" noChangeAspect="1" noMove="1" noResize="1" noEditPoints="1" noAdjustHandles="1" noChangeArrowheads="1" noChangeShapeType="1" noTextEdit="1"/>
+          </p:cNvSpPr>
+          <p:nvPr>
+            <p:extLst>
+              <p:ext uri="{386F3935-93C4-4BCD-93E2-E3B085C9AB24}">
+                <p16:designElem xmlns:p16="http://schemas.microsoft.com/office/powerpoint/2015/main" val="1"/>
+              </p:ext>
+            </p:extLst>
+          </p:nvPr>
+        </p:nvSpPr>
+        <p:spPr>
+          <a:xfrm>
+            <a:off x="0" y="0"/>
+            <a:ext cx="12192000" cy="6858000"/>
+          </a:xfrm>
+          <a:prstGeom prst="rect">
+            <a:avLst/>
+          </a:prstGeom>
+          <a:gradFill flip="none" rotWithShape="1">
+            <a:gsLst>
+              <a:gs pos="100000">
+                <a:schemeClr val="accent4"/>
+              </a:gs>
+              <a:gs pos="0">
+                <a:schemeClr val="accent2"/>
+              </a:gs>
+            </a:gsLst>
+            <a:lin ang="2700000" scaled="1"/>
+            <a:tileRect/>
+          </a:gradFill>
           <a:ln>
             <a:noFill/>
           </a:ln>
@@ -12052,8 +14252,8 @@
         </p:nvSpPr>
         <p:spPr>
           <a:xfrm>
-            <a:off x="479394" y="1070800"/>
-            <a:ext cx="3939688" cy="5583126"/>
+            <a:off x="838200" y="365125"/>
+            <a:ext cx="9804918" cy="1325563"/>
           </a:xfrm>
         </p:spPr>
         <p:txBody>
@@ -12062,9 +14262,12 @@
           </a:bodyPr>
           <a:lstStyle/>
           <a:p>
-            <a:pPr algn="r"/>
             <a:r>
-              <a:rPr lang="es-ES" sz="7200"/>
+              <a:rPr lang="es-ES">
+                <a:solidFill>
+                  <a:schemeClr val="bg1"/>
+                </a:solidFill>
+              </a:rPr>
               <a:t>Indice</a:t>
             </a:r>
           </a:p>
@@ -12072,10 +14275,10 @@
       </p:sp>
       <p:cxnSp>
         <p:nvCxnSpPr>
-          <p:cNvPr id="20" name="Straight Connector 10">
+          <p:cNvPr id="28" name="Straight Connector 27">
             <a:extLst>
               <a:ext uri="{FF2B5EF4-FFF2-40B4-BE49-F238E27FC236}">
-                <a16:creationId xmlns:a16="http://schemas.microsoft.com/office/drawing/2014/main" id="{C8F51B3F-8331-4E4A-AE96-D47B1006EEAD}"/>
+                <a16:creationId xmlns:a16="http://schemas.microsoft.com/office/drawing/2014/main" id="{94169334-264D-4176-8BDE-037249A61B4E}"/>
               </a:ext>
               <a:ext uri="{C183D7F6-B498-43B3-948B-1728B52AA6E4}">
                 <adec:decorative xmlns:adec="http://schemas.microsoft.com/office/drawing/2017/decorative" val="1"/>
@@ -12095,8 +14298,603 @@
         </p:nvCxnSpPr>
         <p:spPr>
           <a:xfrm>
-            <a:off x="4728053" y="1132114"/>
-            <a:ext cx="0" cy="5717573"/>
+            <a:off x="715890" y="356812"/>
+            <a:ext cx="0" cy="6492875"/>
+          </a:xfrm>
+          <a:prstGeom prst="line">
+            <a:avLst/>
+          </a:prstGeom>
+          <a:ln w="25400" cap="sq">
+            <a:solidFill>
+              <a:schemeClr val="bg1"/>
+            </a:solidFill>
+            <a:bevel/>
+          </a:ln>
+        </p:spPr>
+        <p:style>
+          <a:lnRef idx="1">
+            <a:schemeClr val="accent1"/>
+          </a:lnRef>
+          <a:fillRef idx="0">
+            <a:schemeClr val="accent1"/>
+          </a:fillRef>
+          <a:effectRef idx="0">
+            <a:schemeClr val="accent1"/>
+          </a:effectRef>
+          <a:fontRef idx="minor">
+            <a:schemeClr val="tx1"/>
+          </a:fontRef>
+        </p:style>
+      </p:cxnSp>
+      <p:sp>
+        <p:nvSpPr>
+          <p:cNvPr id="44" name="Graphic 11">
+            <a:extLst>
+              <a:ext uri="{FF2B5EF4-FFF2-40B4-BE49-F238E27FC236}">
+                <a16:creationId xmlns:a16="http://schemas.microsoft.com/office/drawing/2014/main" id="{394094B0-A6C9-44BE-9042-66EF0612F625}"/>
+              </a:ext>
+              <a:ext uri="{C183D7F6-B498-43B3-948B-1728B52AA6E4}">
+                <adec:decorative xmlns:adec="http://schemas.microsoft.com/office/drawing/2017/decorative" val="1"/>
+              </a:ext>
+            </a:extLst>
+          </p:cNvPr>
+          <p:cNvSpPr>
+            <a:spLocks noGrp="1" noRot="1" noChangeAspect="1" noMove="1" noResize="1" noEditPoints="1" noAdjustHandles="1" noChangeArrowheads="1" noChangeShapeType="1" noTextEdit="1"/>
+          </p:cNvSpPr>
+          <p:nvPr>
+            <p:extLst>
+              <p:ext uri="{386F3935-93C4-4BCD-93E2-E3B085C9AB24}">
+                <p16:designElem xmlns:p16="http://schemas.microsoft.com/office/powerpoint/2015/main" val="1"/>
+              </p:ext>
+            </p:extLst>
+          </p:nvPr>
+        </p:nvSpPr>
+        <p:spPr>
+          <a:xfrm>
+            <a:off x="10903882" y="591829"/>
+            <a:ext cx="139039" cy="139039"/>
+          </a:xfrm>
+          <a:custGeom>
+            <a:avLst/>
+            <a:gdLst>
+              <a:gd name="connsiteX0" fmla="*/ 129602 w 139039"/>
+              <a:gd name="connsiteY0" fmla="*/ 60082 h 139039"/>
+              <a:gd name="connsiteX1" fmla="*/ 78957 w 139039"/>
+              <a:gd name="connsiteY1" fmla="*/ 60082 h 139039"/>
+              <a:gd name="connsiteX2" fmla="*/ 78957 w 139039"/>
+              <a:gd name="connsiteY2" fmla="*/ 9437 h 139039"/>
+              <a:gd name="connsiteX3" fmla="*/ 69520 w 139039"/>
+              <a:gd name="connsiteY3" fmla="*/ 0 h 139039"/>
+              <a:gd name="connsiteX4" fmla="*/ 60082 w 139039"/>
+              <a:gd name="connsiteY4" fmla="*/ 9437 h 139039"/>
+              <a:gd name="connsiteX5" fmla="*/ 60082 w 139039"/>
+              <a:gd name="connsiteY5" fmla="*/ 60082 h 139039"/>
+              <a:gd name="connsiteX6" fmla="*/ 9437 w 139039"/>
+              <a:gd name="connsiteY6" fmla="*/ 60082 h 139039"/>
+              <a:gd name="connsiteX7" fmla="*/ 0 w 139039"/>
+              <a:gd name="connsiteY7" fmla="*/ 69520 h 139039"/>
+              <a:gd name="connsiteX8" fmla="*/ 9437 w 139039"/>
+              <a:gd name="connsiteY8" fmla="*/ 78957 h 139039"/>
+              <a:gd name="connsiteX9" fmla="*/ 60082 w 139039"/>
+              <a:gd name="connsiteY9" fmla="*/ 78957 h 139039"/>
+              <a:gd name="connsiteX10" fmla="*/ 60082 w 139039"/>
+              <a:gd name="connsiteY10" fmla="*/ 129602 h 139039"/>
+              <a:gd name="connsiteX11" fmla="*/ 69520 w 139039"/>
+              <a:gd name="connsiteY11" fmla="*/ 139039 h 139039"/>
+              <a:gd name="connsiteX12" fmla="*/ 78957 w 139039"/>
+              <a:gd name="connsiteY12" fmla="*/ 129602 h 139039"/>
+              <a:gd name="connsiteX13" fmla="*/ 78957 w 139039"/>
+              <a:gd name="connsiteY13" fmla="*/ 78957 h 139039"/>
+              <a:gd name="connsiteX14" fmla="*/ 129602 w 139039"/>
+              <a:gd name="connsiteY14" fmla="*/ 78957 h 139039"/>
+              <a:gd name="connsiteX15" fmla="*/ 139039 w 139039"/>
+              <a:gd name="connsiteY15" fmla="*/ 69520 h 139039"/>
+              <a:gd name="connsiteX16" fmla="*/ 129602 w 139039"/>
+              <a:gd name="connsiteY16" fmla="*/ 60082 h 139039"/>
+            </a:gdLst>
+            <a:ahLst/>
+            <a:cxnLst>
+              <a:cxn ang="0">
+                <a:pos x="connsiteX0" y="connsiteY0"/>
+              </a:cxn>
+              <a:cxn ang="0">
+                <a:pos x="connsiteX1" y="connsiteY1"/>
+              </a:cxn>
+              <a:cxn ang="0">
+                <a:pos x="connsiteX2" y="connsiteY2"/>
+              </a:cxn>
+              <a:cxn ang="0">
+                <a:pos x="connsiteX3" y="connsiteY3"/>
+              </a:cxn>
+              <a:cxn ang="0">
+                <a:pos x="connsiteX4" y="connsiteY4"/>
+              </a:cxn>
+              <a:cxn ang="0">
+                <a:pos x="connsiteX5" y="connsiteY5"/>
+              </a:cxn>
+              <a:cxn ang="0">
+                <a:pos x="connsiteX6" y="connsiteY6"/>
+              </a:cxn>
+              <a:cxn ang="0">
+                <a:pos x="connsiteX7" y="connsiteY7"/>
+              </a:cxn>
+              <a:cxn ang="0">
+                <a:pos x="connsiteX8" y="connsiteY8"/>
+              </a:cxn>
+              <a:cxn ang="0">
+                <a:pos x="connsiteX9" y="connsiteY9"/>
+              </a:cxn>
+              <a:cxn ang="0">
+                <a:pos x="connsiteX10" y="connsiteY10"/>
+              </a:cxn>
+              <a:cxn ang="0">
+                <a:pos x="connsiteX11" y="connsiteY11"/>
+              </a:cxn>
+              <a:cxn ang="0">
+                <a:pos x="connsiteX12" y="connsiteY12"/>
+              </a:cxn>
+              <a:cxn ang="0">
+                <a:pos x="connsiteX13" y="connsiteY13"/>
+              </a:cxn>
+              <a:cxn ang="0">
+                <a:pos x="connsiteX14" y="connsiteY14"/>
+              </a:cxn>
+              <a:cxn ang="0">
+                <a:pos x="connsiteX15" y="connsiteY15"/>
+              </a:cxn>
+              <a:cxn ang="0">
+                <a:pos x="connsiteX16" y="connsiteY16"/>
+              </a:cxn>
+            </a:cxnLst>
+            <a:rect l="l" t="t" r="r" b="b"/>
+            <a:pathLst>
+              <a:path w="139039" h="139039">
+                <a:moveTo>
+                  <a:pt x="129602" y="60082"/>
+                </a:moveTo>
+                <a:lnTo>
+                  <a:pt x="78957" y="60082"/>
+                </a:lnTo>
+                <a:lnTo>
+                  <a:pt x="78957" y="9437"/>
+                </a:lnTo>
+                <a:cubicBezTo>
+                  <a:pt x="78957" y="4225"/>
+                  <a:pt x="74731" y="0"/>
+                  <a:pt x="69520" y="0"/>
+                </a:cubicBezTo>
+                <a:cubicBezTo>
+                  <a:pt x="64308" y="0"/>
+                  <a:pt x="60082" y="4225"/>
+                  <a:pt x="60082" y="9437"/>
+                </a:cubicBezTo>
+                <a:lnTo>
+                  <a:pt x="60082" y="60082"/>
+                </a:lnTo>
+                <a:lnTo>
+                  <a:pt x="9437" y="60082"/>
+                </a:lnTo>
+                <a:cubicBezTo>
+                  <a:pt x="4225" y="60082"/>
+                  <a:pt x="0" y="64308"/>
+                  <a:pt x="0" y="69520"/>
+                </a:cubicBezTo>
+                <a:cubicBezTo>
+                  <a:pt x="0" y="74731"/>
+                  <a:pt x="4225" y="78957"/>
+                  <a:pt x="9437" y="78957"/>
+                </a:cubicBezTo>
+                <a:lnTo>
+                  <a:pt x="60082" y="78957"/>
+                </a:lnTo>
+                <a:lnTo>
+                  <a:pt x="60082" y="129602"/>
+                </a:lnTo>
+                <a:cubicBezTo>
+                  <a:pt x="60082" y="134814"/>
+                  <a:pt x="64308" y="139039"/>
+                  <a:pt x="69520" y="139039"/>
+                </a:cubicBezTo>
+                <a:cubicBezTo>
+                  <a:pt x="74731" y="139039"/>
+                  <a:pt x="78957" y="134814"/>
+                  <a:pt x="78957" y="129602"/>
+                </a:cubicBezTo>
+                <a:lnTo>
+                  <a:pt x="78957" y="78957"/>
+                </a:lnTo>
+                <a:lnTo>
+                  <a:pt x="129602" y="78957"/>
+                </a:lnTo>
+                <a:cubicBezTo>
+                  <a:pt x="134814" y="78957"/>
+                  <a:pt x="139039" y="74731"/>
+                  <a:pt x="139039" y="69520"/>
+                </a:cubicBezTo>
+                <a:cubicBezTo>
+                  <a:pt x="139039" y="64308"/>
+                  <a:pt x="134814" y="60082"/>
+                  <a:pt x="129602" y="60082"/>
+                </a:cubicBezTo>
+                <a:close/>
+              </a:path>
+            </a:pathLst>
+          </a:custGeom>
+          <a:solidFill>
+            <a:schemeClr val="bg1"/>
+          </a:solidFill>
+          <a:ln w="603" cap="flat">
+            <a:noFill/>
+            <a:prstDash val="solid"/>
+            <a:miter/>
+          </a:ln>
+        </p:spPr>
+        <p:txBody>
+          <a:bodyPr rtlCol="0" anchor="ctr"/>
+          <a:lstStyle/>
+          <a:p>
+            <a:endParaRPr lang="en-US"/>
+          </a:p>
+        </p:txBody>
+      </p:sp>
+      <p:sp>
+        <p:nvSpPr>
+          <p:cNvPr id="45" name="Graphic 10">
+            <a:extLst>
+              <a:ext uri="{FF2B5EF4-FFF2-40B4-BE49-F238E27FC236}">
+                <a16:creationId xmlns:a16="http://schemas.microsoft.com/office/drawing/2014/main" id="{64C2CA96-0B16-4AA7-B340-33044D238597}"/>
+              </a:ext>
+              <a:ext uri="{C183D7F6-B498-43B3-948B-1728B52AA6E4}">
+                <adec:decorative xmlns:adec="http://schemas.microsoft.com/office/drawing/2017/decorative" val="1"/>
+              </a:ext>
+            </a:extLst>
+          </p:cNvPr>
+          <p:cNvSpPr>
+            <a:spLocks noGrp="1" noRot="1" noChangeAspect="1" noMove="1" noResize="1" noEditPoints="1" noAdjustHandles="1" noChangeArrowheads="1" noChangeShapeType="1" noTextEdit="1"/>
+          </p:cNvSpPr>
+          <p:nvPr>
+            <p:extLst>
+              <p:ext uri="{386F3935-93C4-4BCD-93E2-E3B085C9AB24}">
+                <p16:designElem xmlns:p16="http://schemas.microsoft.com/office/powerpoint/2015/main" val="1"/>
+              </p:ext>
+            </p:extLst>
+          </p:nvPr>
+        </p:nvSpPr>
+        <p:spPr>
+          <a:xfrm>
+            <a:off x="11262662" y="821124"/>
+            <a:ext cx="91138" cy="91138"/>
+          </a:xfrm>
+          <a:custGeom>
+            <a:avLst/>
+            <a:gdLst>
+              <a:gd name="connsiteX0" fmla="*/ 91138 w 91138"/>
+              <a:gd name="connsiteY0" fmla="*/ 45569 h 91138"/>
+              <a:gd name="connsiteX1" fmla="*/ 45569 w 91138"/>
+              <a:gd name="connsiteY1" fmla="*/ 91138 h 91138"/>
+              <a:gd name="connsiteX2" fmla="*/ 0 w 91138"/>
+              <a:gd name="connsiteY2" fmla="*/ 45569 h 91138"/>
+              <a:gd name="connsiteX3" fmla="*/ 45569 w 91138"/>
+              <a:gd name="connsiteY3" fmla="*/ 0 h 91138"/>
+              <a:gd name="connsiteX4" fmla="*/ 91138 w 91138"/>
+              <a:gd name="connsiteY4" fmla="*/ 45569 h 91138"/>
+            </a:gdLst>
+            <a:ahLst/>
+            <a:cxnLst>
+              <a:cxn ang="0">
+                <a:pos x="connsiteX0" y="connsiteY0"/>
+              </a:cxn>
+              <a:cxn ang="0">
+                <a:pos x="connsiteX1" y="connsiteY1"/>
+              </a:cxn>
+              <a:cxn ang="0">
+                <a:pos x="connsiteX2" y="connsiteY2"/>
+              </a:cxn>
+              <a:cxn ang="0">
+                <a:pos x="connsiteX3" y="connsiteY3"/>
+              </a:cxn>
+              <a:cxn ang="0">
+                <a:pos x="connsiteX4" y="connsiteY4"/>
+              </a:cxn>
+            </a:cxnLst>
+            <a:rect l="l" t="t" r="r" b="b"/>
+            <a:pathLst>
+              <a:path w="91138" h="91138">
+                <a:moveTo>
+                  <a:pt x="91138" y="45569"/>
+                </a:moveTo>
+                <a:cubicBezTo>
+                  <a:pt x="91138" y="70736"/>
+                  <a:pt x="70736" y="91138"/>
+                  <a:pt x="45569" y="91138"/>
+                </a:cubicBezTo>
+                <a:cubicBezTo>
+                  <a:pt x="20402" y="91138"/>
+                  <a:pt x="0" y="70736"/>
+                  <a:pt x="0" y="45569"/>
+                </a:cubicBezTo>
+                <a:cubicBezTo>
+                  <a:pt x="0" y="20402"/>
+                  <a:pt x="20402" y="0"/>
+                  <a:pt x="45569" y="0"/>
+                </a:cubicBezTo>
+                <a:cubicBezTo>
+                  <a:pt x="70736" y="0"/>
+                  <a:pt x="91138" y="20402"/>
+                  <a:pt x="91138" y="45569"/>
+                </a:cubicBezTo>
+                <a:close/>
+              </a:path>
+            </a:pathLst>
+          </a:custGeom>
+          <a:solidFill>
+            <a:schemeClr val="bg1"/>
+          </a:solidFill>
+          <a:ln w="422" cap="flat">
+            <a:noFill/>
+            <a:prstDash val="solid"/>
+            <a:miter/>
+          </a:ln>
+        </p:spPr>
+        <p:txBody>
+          <a:bodyPr rtlCol="0" anchor="ctr"/>
+          <a:lstStyle/>
+          <a:p>
+            <a:endParaRPr lang="en-US"/>
+          </a:p>
+        </p:txBody>
+      </p:sp>
+      <p:sp>
+        <p:nvSpPr>
+          <p:cNvPr id="46" name="Graphic 12">
+            <a:extLst>
+              <a:ext uri="{FF2B5EF4-FFF2-40B4-BE49-F238E27FC236}">
+                <a16:creationId xmlns:a16="http://schemas.microsoft.com/office/drawing/2014/main" id="{1D50D7A8-F1D5-4306-8A9B-DD7A73EB8BCE}"/>
+              </a:ext>
+              <a:ext uri="{C183D7F6-B498-43B3-948B-1728B52AA6E4}">
+                <adec:decorative xmlns:adec="http://schemas.microsoft.com/office/drawing/2017/decorative" val="1"/>
+              </a:ext>
+            </a:extLst>
+          </p:cNvPr>
+          <p:cNvSpPr>
+            <a:spLocks noGrp="1" noRot="1" noChangeAspect="1" noMove="1" noResize="1" noEditPoints="1" noAdjustHandles="1" noChangeArrowheads="1" noChangeShapeType="1" noTextEdit="1"/>
+          </p:cNvSpPr>
+          <p:nvPr>
+            <p:extLst>
+              <p:ext uri="{386F3935-93C4-4BCD-93E2-E3B085C9AB24}">
+                <p16:designElem xmlns:p16="http://schemas.microsoft.com/office/powerpoint/2015/main" val="1"/>
+              </p:ext>
+            </p:extLst>
+          </p:nvPr>
+        </p:nvSpPr>
+        <p:spPr>
+          <a:xfrm>
+            <a:off x="10888342" y="1336268"/>
+            <a:ext cx="127714" cy="127714"/>
+          </a:xfrm>
+          <a:custGeom>
+            <a:avLst/>
+            <a:gdLst>
+              <a:gd name="connsiteX0" fmla="*/ 63857 w 127714"/>
+              <a:gd name="connsiteY0" fmla="*/ 18874 h 127714"/>
+              <a:gd name="connsiteX1" fmla="*/ 108840 w 127714"/>
+              <a:gd name="connsiteY1" fmla="*/ 63857 h 127714"/>
+              <a:gd name="connsiteX2" fmla="*/ 63857 w 127714"/>
+              <a:gd name="connsiteY2" fmla="*/ 108840 h 127714"/>
+              <a:gd name="connsiteX3" fmla="*/ 18874 w 127714"/>
+              <a:gd name="connsiteY3" fmla="*/ 63857 h 127714"/>
+              <a:gd name="connsiteX4" fmla="*/ 63857 w 127714"/>
+              <a:gd name="connsiteY4" fmla="*/ 18874 h 127714"/>
+              <a:gd name="connsiteX5" fmla="*/ 63857 w 127714"/>
+              <a:gd name="connsiteY5" fmla="*/ 0 h 127714"/>
+              <a:gd name="connsiteX6" fmla="*/ 0 w 127714"/>
+              <a:gd name="connsiteY6" fmla="*/ 63857 h 127714"/>
+              <a:gd name="connsiteX7" fmla="*/ 63857 w 127714"/>
+              <a:gd name="connsiteY7" fmla="*/ 127714 h 127714"/>
+              <a:gd name="connsiteX8" fmla="*/ 127714 w 127714"/>
+              <a:gd name="connsiteY8" fmla="*/ 63857 h 127714"/>
+              <a:gd name="connsiteX9" fmla="*/ 63857 w 127714"/>
+              <a:gd name="connsiteY9" fmla="*/ 0 h 127714"/>
+            </a:gdLst>
+            <a:ahLst/>
+            <a:cxnLst>
+              <a:cxn ang="0">
+                <a:pos x="connsiteX0" y="connsiteY0"/>
+              </a:cxn>
+              <a:cxn ang="0">
+                <a:pos x="connsiteX1" y="connsiteY1"/>
+              </a:cxn>
+              <a:cxn ang="0">
+                <a:pos x="connsiteX2" y="connsiteY2"/>
+              </a:cxn>
+              <a:cxn ang="0">
+                <a:pos x="connsiteX3" y="connsiteY3"/>
+              </a:cxn>
+              <a:cxn ang="0">
+                <a:pos x="connsiteX4" y="connsiteY4"/>
+              </a:cxn>
+              <a:cxn ang="0">
+                <a:pos x="connsiteX5" y="connsiteY5"/>
+              </a:cxn>
+              <a:cxn ang="0">
+                <a:pos x="connsiteX6" y="connsiteY6"/>
+              </a:cxn>
+              <a:cxn ang="0">
+                <a:pos x="connsiteX7" y="connsiteY7"/>
+              </a:cxn>
+              <a:cxn ang="0">
+                <a:pos x="connsiteX8" y="connsiteY8"/>
+              </a:cxn>
+              <a:cxn ang="0">
+                <a:pos x="connsiteX9" y="connsiteY9"/>
+              </a:cxn>
+            </a:cxnLst>
+            <a:rect l="l" t="t" r="r" b="b"/>
+            <a:pathLst>
+              <a:path w="127714" h="127714">
+                <a:moveTo>
+                  <a:pt x="63857" y="18874"/>
+                </a:moveTo>
+                <a:cubicBezTo>
+                  <a:pt x="88700" y="18874"/>
+                  <a:pt x="108840" y="39014"/>
+                  <a:pt x="108840" y="63857"/>
+                </a:cubicBezTo>
+                <a:cubicBezTo>
+                  <a:pt x="108840" y="88700"/>
+                  <a:pt x="88700" y="108840"/>
+                  <a:pt x="63857" y="108840"/>
+                </a:cubicBezTo>
+                <a:cubicBezTo>
+                  <a:pt x="39014" y="108840"/>
+                  <a:pt x="18874" y="88700"/>
+                  <a:pt x="18874" y="63857"/>
+                </a:cubicBezTo>
+                <a:cubicBezTo>
+                  <a:pt x="18898" y="39024"/>
+                  <a:pt x="39024" y="18898"/>
+                  <a:pt x="63857" y="18874"/>
+                </a:cubicBezTo>
+                <a:moveTo>
+                  <a:pt x="63857" y="0"/>
+                </a:moveTo>
+                <a:cubicBezTo>
+                  <a:pt x="28590" y="0"/>
+                  <a:pt x="0" y="28590"/>
+                  <a:pt x="0" y="63857"/>
+                </a:cubicBezTo>
+                <a:cubicBezTo>
+                  <a:pt x="0" y="99124"/>
+                  <a:pt x="28590" y="127714"/>
+                  <a:pt x="63857" y="127714"/>
+                </a:cubicBezTo>
+                <a:cubicBezTo>
+                  <a:pt x="99124" y="127714"/>
+                  <a:pt x="127714" y="99124"/>
+                  <a:pt x="127714" y="63857"/>
+                </a:cubicBezTo>
+                <a:cubicBezTo>
+                  <a:pt x="127714" y="28590"/>
+                  <a:pt x="99124" y="0"/>
+                  <a:pt x="63857" y="0"/>
+                </a:cubicBezTo>
+                <a:close/>
+              </a:path>
+            </a:pathLst>
+          </a:custGeom>
+          <a:solidFill>
+            <a:schemeClr val="bg1"/>
+          </a:solidFill>
+          <a:ln w="610" cap="flat">
+            <a:noFill/>
+            <a:prstDash val="solid"/>
+            <a:miter/>
+          </a:ln>
+        </p:spPr>
+        <p:txBody>
+          <a:bodyPr rtlCol="0" anchor="ctr"/>
+          <a:lstStyle/>
+          <a:p>
+            <a:endParaRPr lang="en-US"/>
+          </a:p>
+        </p:txBody>
+      </p:sp>
+      <p:graphicFrame>
+        <p:nvGraphicFramePr>
+          <p:cNvPr id="21" name="Marcador de contenido 2">
+            <a:extLst>
+              <a:ext uri="{FF2B5EF4-FFF2-40B4-BE49-F238E27FC236}">
+                <a16:creationId xmlns:a16="http://schemas.microsoft.com/office/drawing/2014/main" id="{321A544D-8EBF-3F23-D187-D0D15ADA6326}"/>
+              </a:ext>
+            </a:extLst>
+          </p:cNvPr>
+          <p:cNvGraphicFramePr>
+            <a:graphicFrameLocks noGrp="1"/>
+          </p:cNvGraphicFramePr>
+          <p:nvPr>
+            <p:ph idx="1"/>
+            <p:extLst>
+              <p:ext uri="{D42A27DB-BD31-4B8C-83A1-F6EECF244321}">
+                <p14:modId xmlns:p14="http://schemas.microsoft.com/office/powerpoint/2010/main" val="1259954785"/>
+              </p:ext>
+            </p:extLst>
+          </p:nvPr>
+        </p:nvGraphicFramePr>
+        <p:xfrm>
+          <a:off x="838200" y="1825625"/>
+          <a:ext cx="10515600" cy="4351338"/>
+        </p:xfrm>
+        <a:graphic>
+          <a:graphicData uri="http://schemas.openxmlformats.org/drawingml/2006/diagram">
+            <dgm:relIds xmlns:dgm="http://schemas.openxmlformats.org/drawingml/2006/diagram" xmlns:r="http://schemas.openxmlformats.org/officeDocument/2006/relationships" r:dm="rId2" r:lo="rId3" r:qs="rId4" r:cs="rId5"/>
+          </a:graphicData>
+        </a:graphic>
+      </p:graphicFrame>
+    </p:spTree>
+    <p:extLst>
+      <p:ext uri="{BB962C8B-B14F-4D97-AF65-F5344CB8AC3E}">
+        <p14:creationId xmlns:p14="http://schemas.microsoft.com/office/powerpoint/2010/main" val="2883449870"/>
+      </p:ext>
+    </p:extLst>
+  </p:cSld>
+  <p:clrMapOvr>
+    <a:masterClrMapping/>
+  </p:clrMapOvr>
+</p:sld>
+</file>
+
+<file path=ppt/slides/slide20.xml><?xml version="1.0" encoding="utf-8"?>
+<p:sld xmlns:a="http://schemas.openxmlformats.org/drawingml/2006/main" xmlns:r="http://schemas.openxmlformats.org/officeDocument/2006/relationships" xmlns:p="http://schemas.openxmlformats.org/presentationml/2006/main">
+  <p:cSld>
+    <p:bg>
+      <p:bgPr>
+        <a:solidFill>
+          <a:schemeClr val="bg1"/>
+        </a:solidFill>
+        <a:effectLst/>
+      </p:bgPr>
+    </p:bg>
+    <p:spTree>
+      <p:nvGrpSpPr>
+        <p:cNvPr id="1" name=""/>
+        <p:cNvGrpSpPr/>
+        <p:nvPr/>
+      </p:nvGrpSpPr>
+      <p:grpSpPr>
+        <a:xfrm>
+          <a:off x="0" y="0"/>
+          <a:ext cx="0" cy="0"/>
+          <a:chOff x="0" y="0"/>
+          <a:chExt cx="0" cy="0"/>
+        </a:xfrm>
+      </p:grpSpPr>
+      <p:cxnSp>
+        <p:nvCxnSpPr>
+          <p:cNvPr id="7" name="Straight Connector 6">
+            <a:extLst>
+              <a:ext uri="{FF2B5EF4-FFF2-40B4-BE49-F238E27FC236}">
+                <a16:creationId xmlns:a16="http://schemas.microsoft.com/office/drawing/2014/main" id="{D1B787A8-0D67-4B7E-9B48-86BD906AB6B5}"/>
+              </a:ext>
+              <a:ext uri="{C183D7F6-B498-43B3-948B-1728B52AA6E4}">
+                <adec:decorative xmlns:adec="http://schemas.microsoft.com/office/drawing/2017/decorative" val="1"/>
+              </a:ext>
+            </a:extLst>
+          </p:cNvPr>
+          <p:cNvCxnSpPr>
+            <a:cxnSpLocks noGrp="1" noRot="1" noChangeAspect="1" noMove="1" noResize="1" noEditPoints="1" noAdjustHandles="1" noChangeArrowheads="1" noChangeShapeType="1"/>
+          </p:cNvCxnSpPr>
+          <p:nvPr>
+            <p:extLst>
+              <p:ext uri="{386F3935-93C4-4BCD-93E2-E3B085C9AB24}">
+                <p16:designElem xmlns:p16="http://schemas.microsoft.com/office/powerpoint/2015/main" val="1"/>
+              </p:ext>
+            </p:extLst>
+          </p:nvPr>
+        </p:nvCxnSpPr>
+        <p:spPr>
+          <a:xfrm>
+            <a:off x="715890" y="1114050"/>
+            <a:ext cx="0" cy="5735637"/>
           </a:xfrm>
           <a:prstGeom prst="line">
             <a:avLst/>
@@ -12132,41 +14930,650 @@
           </a:fontRef>
         </p:style>
       </p:cxnSp>
-      <p:graphicFrame>
-        <p:nvGraphicFramePr>
-          <p:cNvPr id="21" name="Marcador de contenido 2">
+      <p:sp>
+        <p:nvSpPr>
+          <p:cNvPr id="9" name="Rectangle 8">
             <a:extLst>
               <a:ext uri="{FF2B5EF4-FFF2-40B4-BE49-F238E27FC236}">
-                <a16:creationId xmlns:a16="http://schemas.microsoft.com/office/drawing/2014/main" id="{321A544D-8EBF-3F23-D187-D0D15ADA6326}"/>
+                <a16:creationId xmlns:a16="http://schemas.microsoft.com/office/drawing/2014/main" id="{9A3F5928-D955-456A-97B5-AA390B8CE9D5}"/>
+              </a:ext>
+              <a:ext uri="{C183D7F6-B498-43B3-948B-1728B52AA6E4}">
+                <adec:decorative xmlns:adec="http://schemas.microsoft.com/office/drawing/2017/decorative" val="1"/>
               </a:ext>
             </a:extLst>
           </p:cNvPr>
-          <p:cNvGraphicFramePr>
-            <a:graphicFrameLocks noGrp="1"/>
-          </p:cNvGraphicFramePr>
+          <p:cNvSpPr>
+            <a:spLocks noGrp="1" noRot="1" noChangeAspect="1" noMove="1" noResize="1" noEditPoints="1" noAdjustHandles="1" noChangeArrowheads="1" noChangeShapeType="1" noTextEdit="1"/>
+          </p:cNvSpPr>
           <p:nvPr>
-            <p:ph idx="1"/>
             <p:extLst>
-              <p:ext uri="{D42A27DB-BD31-4B8C-83A1-F6EECF244321}">
-                <p14:modId xmlns:p14="http://schemas.microsoft.com/office/powerpoint/2010/main" val="2151216979"/>
+              <p:ext uri="{386F3935-93C4-4BCD-93E2-E3B085C9AB24}">
+                <p16:designElem xmlns:p16="http://schemas.microsoft.com/office/powerpoint/2015/main" val="1"/>
               </p:ext>
             </p:extLst>
           </p:nvPr>
-        </p:nvGraphicFramePr>
-        <p:xfrm>
-          <a:off x="5108535" y="1070800"/>
-          <a:ext cx="6245265" cy="5589347"/>
-        </p:xfrm>
-        <a:graphic>
-          <a:graphicData uri="http://schemas.openxmlformats.org/drawingml/2006/diagram">
-            <dgm:relIds xmlns:dgm="http://schemas.openxmlformats.org/drawingml/2006/diagram" xmlns:r="http://schemas.openxmlformats.org/officeDocument/2006/relationships" r:dm="rId2" r:lo="rId3" r:qs="rId4" r:cs="rId5"/>
-          </a:graphicData>
-        </a:graphic>
-      </p:graphicFrame>
+        </p:nvSpPr>
+        <p:spPr>
+          <a:xfrm>
+            <a:off x="0" y="0"/>
+            <a:ext cx="12192000" cy="6858000"/>
+          </a:xfrm>
+          <a:prstGeom prst="rect">
+            <a:avLst/>
+          </a:prstGeom>
+          <a:gradFill flip="none" rotWithShape="1">
+            <a:gsLst>
+              <a:gs pos="100000">
+                <a:schemeClr val="accent4"/>
+              </a:gs>
+              <a:gs pos="0">
+                <a:schemeClr val="accent2"/>
+              </a:gs>
+            </a:gsLst>
+            <a:lin ang="18900000" scaled="1"/>
+            <a:tileRect/>
+          </a:gradFill>
+          <a:ln>
+            <a:noFill/>
+          </a:ln>
+        </p:spPr>
+        <p:style>
+          <a:lnRef idx="2">
+            <a:schemeClr val="accent1">
+              <a:shade val="50000"/>
+            </a:schemeClr>
+          </a:lnRef>
+          <a:fillRef idx="1">
+            <a:schemeClr val="accent1"/>
+          </a:fillRef>
+          <a:effectRef idx="0">
+            <a:schemeClr val="accent1"/>
+          </a:effectRef>
+          <a:fontRef idx="minor">
+            <a:schemeClr val="lt1"/>
+          </a:fontRef>
+        </p:style>
+        <p:txBody>
+          <a:bodyPr rtlCol="0" anchor="ctr"/>
+          <a:lstStyle/>
+          <a:p>
+            <a:pPr algn="ctr"/>
+            <a:endParaRPr lang="en-US"/>
+          </a:p>
+        </p:txBody>
+      </p:sp>
+      <p:sp>
+        <p:nvSpPr>
+          <p:cNvPr id="2" name="Título 1">
+            <a:extLst>
+              <a:ext uri="{FF2B5EF4-FFF2-40B4-BE49-F238E27FC236}">
+                <a16:creationId xmlns:a16="http://schemas.microsoft.com/office/drawing/2014/main" id="{1384E714-7761-5BDD-6E2E-7CF242737135}"/>
+              </a:ext>
+            </a:extLst>
+          </p:cNvPr>
+          <p:cNvSpPr>
+            <a:spLocks noGrp="1"/>
+          </p:cNvSpPr>
+          <p:nvPr>
+            <p:ph type="title"/>
+          </p:nvPr>
+        </p:nvSpPr>
+        <p:spPr>
+          <a:xfrm>
+            <a:off x="1256275" y="2271449"/>
+            <a:ext cx="9679449" cy="2847058"/>
+          </a:xfrm>
+        </p:spPr>
+        <p:txBody>
+          <a:bodyPr vert="horz" lIns="91440" tIns="45720" rIns="91440" bIns="45720" rtlCol="0" anchor="b">
+            <a:normAutofit/>
+          </a:bodyPr>
+          <a:lstStyle/>
+          <a:p>
+            <a:r>
+              <a:rPr lang="en-US" sz="7200" b="1" i="0" kern="1200" cap="all" baseline="0">
+                <a:solidFill>
+                  <a:schemeClr val="bg1"/>
+                </a:solidFill>
+                <a:latin typeface="+mj-lt"/>
+                <a:ea typeface="+mj-ea"/>
+                <a:cs typeface="+mj-cs"/>
+              </a:rPr>
+              <a:t>Fin</a:t>
+            </a:r>
+          </a:p>
+        </p:txBody>
+      </p:sp>
+      <p:cxnSp>
+        <p:nvCxnSpPr>
+          <p:cNvPr id="11" name="Straight Connector 10">
+            <a:extLst>
+              <a:ext uri="{FF2B5EF4-FFF2-40B4-BE49-F238E27FC236}">
+                <a16:creationId xmlns:a16="http://schemas.microsoft.com/office/drawing/2014/main" id="{56020367-4FD5-4596-8E10-C5F095CD8DBF}"/>
+              </a:ext>
+              <a:ext uri="{C183D7F6-B498-43B3-948B-1728B52AA6E4}">
+                <adec:decorative xmlns:adec="http://schemas.microsoft.com/office/drawing/2017/decorative" val="1"/>
+              </a:ext>
+            </a:extLst>
+          </p:cNvPr>
+          <p:cNvCxnSpPr>
+            <a:cxnSpLocks noGrp="1" noRot="1" noChangeAspect="1" noMove="1" noResize="1" noEditPoints="1" noAdjustHandles="1" noChangeArrowheads="1" noChangeShapeType="1"/>
+          </p:cNvCxnSpPr>
+          <p:nvPr>
+            <p:extLst>
+              <p:ext uri="{386F3935-93C4-4BCD-93E2-E3B085C9AB24}">
+                <p16:designElem xmlns:p16="http://schemas.microsoft.com/office/powerpoint/2015/main" val="1"/>
+              </p:ext>
+            </p:extLst>
+          </p:nvPr>
+        </p:nvCxnSpPr>
+        <p:spPr>
+          <a:xfrm>
+            <a:off x="8878" y="806470"/>
+            <a:ext cx="8453437" cy="0"/>
+          </a:xfrm>
+          <a:prstGeom prst="line">
+            <a:avLst/>
+          </a:prstGeom>
+          <a:ln w="25400" cap="sq">
+            <a:solidFill>
+              <a:schemeClr val="bg1"/>
+            </a:solidFill>
+            <a:bevel/>
+          </a:ln>
+        </p:spPr>
+        <p:style>
+          <a:lnRef idx="1">
+            <a:schemeClr val="accent1"/>
+          </a:lnRef>
+          <a:fillRef idx="0">
+            <a:schemeClr val="accent1"/>
+          </a:fillRef>
+          <a:effectRef idx="0">
+            <a:schemeClr val="accent1"/>
+          </a:effectRef>
+          <a:fontRef idx="minor">
+            <a:schemeClr val="tx1"/>
+          </a:fontRef>
+        </p:style>
+      </p:cxnSp>
+      <p:sp>
+        <p:nvSpPr>
+          <p:cNvPr id="13" name="Graphic 13">
+            <a:extLst>
+              <a:ext uri="{FF2B5EF4-FFF2-40B4-BE49-F238E27FC236}">
+                <a16:creationId xmlns:a16="http://schemas.microsoft.com/office/drawing/2014/main" id="{C5CB530E-515E-412C-9DF1-5F8FFBD6F383}"/>
+              </a:ext>
+              <a:ext uri="{C183D7F6-B498-43B3-948B-1728B52AA6E4}">
+                <adec:decorative xmlns:adec="http://schemas.microsoft.com/office/drawing/2017/decorative" val="1"/>
+              </a:ext>
+            </a:extLst>
+          </p:cNvPr>
+          <p:cNvSpPr>
+            <a:spLocks noGrp="1" noRot="1" noChangeAspect="1" noMove="1" noResize="1" noEditPoints="1" noAdjustHandles="1" noChangeArrowheads="1" noChangeShapeType="1" noTextEdit="1"/>
+          </p:cNvSpPr>
+          <p:nvPr>
+            <p:extLst>
+              <p:ext uri="{386F3935-93C4-4BCD-93E2-E3B085C9AB24}">
+                <p16:designElem xmlns:p16="http://schemas.microsoft.com/office/powerpoint/2015/main" val="1"/>
+              </p:ext>
+            </p:extLst>
+          </p:nvPr>
+        </p:nvSpPr>
+        <p:spPr>
+          <a:xfrm>
+            <a:off x="544954" y="2875093"/>
+            <a:ext cx="139039" cy="139039"/>
+          </a:xfrm>
+          <a:custGeom>
+            <a:avLst/>
+            <a:gdLst>
+              <a:gd name="connsiteX0" fmla="*/ 129602 w 139039"/>
+              <a:gd name="connsiteY0" fmla="*/ 60082 h 139039"/>
+              <a:gd name="connsiteX1" fmla="*/ 78957 w 139039"/>
+              <a:gd name="connsiteY1" fmla="*/ 60082 h 139039"/>
+              <a:gd name="connsiteX2" fmla="*/ 78957 w 139039"/>
+              <a:gd name="connsiteY2" fmla="*/ 9437 h 139039"/>
+              <a:gd name="connsiteX3" fmla="*/ 69520 w 139039"/>
+              <a:gd name="connsiteY3" fmla="*/ 0 h 139039"/>
+              <a:gd name="connsiteX4" fmla="*/ 60082 w 139039"/>
+              <a:gd name="connsiteY4" fmla="*/ 9437 h 139039"/>
+              <a:gd name="connsiteX5" fmla="*/ 60082 w 139039"/>
+              <a:gd name="connsiteY5" fmla="*/ 60082 h 139039"/>
+              <a:gd name="connsiteX6" fmla="*/ 9437 w 139039"/>
+              <a:gd name="connsiteY6" fmla="*/ 60082 h 139039"/>
+              <a:gd name="connsiteX7" fmla="*/ 0 w 139039"/>
+              <a:gd name="connsiteY7" fmla="*/ 69520 h 139039"/>
+              <a:gd name="connsiteX8" fmla="*/ 9437 w 139039"/>
+              <a:gd name="connsiteY8" fmla="*/ 78957 h 139039"/>
+              <a:gd name="connsiteX9" fmla="*/ 60082 w 139039"/>
+              <a:gd name="connsiteY9" fmla="*/ 78957 h 139039"/>
+              <a:gd name="connsiteX10" fmla="*/ 60082 w 139039"/>
+              <a:gd name="connsiteY10" fmla="*/ 129602 h 139039"/>
+              <a:gd name="connsiteX11" fmla="*/ 69520 w 139039"/>
+              <a:gd name="connsiteY11" fmla="*/ 139039 h 139039"/>
+              <a:gd name="connsiteX12" fmla="*/ 78957 w 139039"/>
+              <a:gd name="connsiteY12" fmla="*/ 129602 h 139039"/>
+              <a:gd name="connsiteX13" fmla="*/ 78957 w 139039"/>
+              <a:gd name="connsiteY13" fmla="*/ 78957 h 139039"/>
+              <a:gd name="connsiteX14" fmla="*/ 129602 w 139039"/>
+              <a:gd name="connsiteY14" fmla="*/ 78957 h 139039"/>
+              <a:gd name="connsiteX15" fmla="*/ 139039 w 139039"/>
+              <a:gd name="connsiteY15" fmla="*/ 69520 h 139039"/>
+              <a:gd name="connsiteX16" fmla="*/ 129602 w 139039"/>
+              <a:gd name="connsiteY16" fmla="*/ 60082 h 139039"/>
+            </a:gdLst>
+            <a:ahLst/>
+            <a:cxnLst>
+              <a:cxn ang="0">
+                <a:pos x="connsiteX0" y="connsiteY0"/>
+              </a:cxn>
+              <a:cxn ang="0">
+                <a:pos x="connsiteX1" y="connsiteY1"/>
+              </a:cxn>
+              <a:cxn ang="0">
+                <a:pos x="connsiteX2" y="connsiteY2"/>
+              </a:cxn>
+              <a:cxn ang="0">
+                <a:pos x="connsiteX3" y="connsiteY3"/>
+              </a:cxn>
+              <a:cxn ang="0">
+                <a:pos x="connsiteX4" y="connsiteY4"/>
+              </a:cxn>
+              <a:cxn ang="0">
+                <a:pos x="connsiteX5" y="connsiteY5"/>
+              </a:cxn>
+              <a:cxn ang="0">
+                <a:pos x="connsiteX6" y="connsiteY6"/>
+              </a:cxn>
+              <a:cxn ang="0">
+                <a:pos x="connsiteX7" y="connsiteY7"/>
+              </a:cxn>
+              <a:cxn ang="0">
+                <a:pos x="connsiteX8" y="connsiteY8"/>
+              </a:cxn>
+              <a:cxn ang="0">
+                <a:pos x="connsiteX9" y="connsiteY9"/>
+              </a:cxn>
+              <a:cxn ang="0">
+                <a:pos x="connsiteX10" y="connsiteY10"/>
+              </a:cxn>
+              <a:cxn ang="0">
+                <a:pos x="connsiteX11" y="connsiteY11"/>
+              </a:cxn>
+              <a:cxn ang="0">
+                <a:pos x="connsiteX12" y="connsiteY12"/>
+              </a:cxn>
+              <a:cxn ang="0">
+                <a:pos x="connsiteX13" y="connsiteY13"/>
+              </a:cxn>
+              <a:cxn ang="0">
+                <a:pos x="connsiteX14" y="connsiteY14"/>
+              </a:cxn>
+              <a:cxn ang="0">
+                <a:pos x="connsiteX15" y="connsiteY15"/>
+              </a:cxn>
+              <a:cxn ang="0">
+                <a:pos x="connsiteX16" y="connsiteY16"/>
+              </a:cxn>
+            </a:cxnLst>
+            <a:rect l="l" t="t" r="r" b="b"/>
+            <a:pathLst>
+              <a:path w="139039" h="139039">
+                <a:moveTo>
+                  <a:pt x="129602" y="60082"/>
+                </a:moveTo>
+                <a:lnTo>
+                  <a:pt x="78957" y="60082"/>
+                </a:lnTo>
+                <a:lnTo>
+                  <a:pt x="78957" y="9437"/>
+                </a:lnTo>
+                <a:cubicBezTo>
+                  <a:pt x="78957" y="4225"/>
+                  <a:pt x="74731" y="0"/>
+                  <a:pt x="69520" y="0"/>
+                </a:cubicBezTo>
+                <a:cubicBezTo>
+                  <a:pt x="64308" y="0"/>
+                  <a:pt x="60082" y="4225"/>
+                  <a:pt x="60082" y="9437"/>
+                </a:cubicBezTo>
+                <a:lnTo>
+                  <a:pt x="60082" y="60082"/>
+                </a:lnTo>
+                <a:lnTo>
+                  <a:pt x="9437" y="60082"/>
+                </a:lnTo>
+                <a:cubicBezTo>
+                  <a:pt x="4225" y="60082"/>
+                  <a:pt x="0" y="64308"/>
+                  <a:pt x="0" y="69520"/>
+                </a:cubicBezTo>
+                <a:cubicBezTo>
+                  <a:pt x="0" y="74731"/>
+                  <a:pt x="4225" y="78957"/>
+                  <a:pt x="9437" y="78957"/>
+                </a:cubicBezTo>
+                <a:lnTo>
+                  <a:pt x="60082" y="78957"/>
+                </a:lnTo>
+                <a:lnTo>
+                  <a:pt x="60082" y="129602"/>
+                </a:lnTo>
+                <a:cubicBezTo>
+                  <a:pt x="60082" y="134814"/>
+                  <a:pt x="64308" y="139039"/>
+                  <a:pt x="69520" y="139039"/>
+                </a:cubicBezTo>
+                <a:cubicBezTo>
+                  <a:pt x="74731" y="139039"/>
+                  <a:pt x="78957" y="134814"/>
+                  <a:pt x="78957" y="129602"/>
+                </a:cubicBezTo>
+                <a:lnTo>
+                  <a:pt x="78957" y="78957"/>
+                </a:lnTo>
+                <a:lnTo>
+                  <a:pt x="129602" y="78957"/>
+                </a:lnTo>
+                <a:cubicBezTo>
+                  <a:pt x="134814" y="78957"/>
+                  <a:pt x="139039" y="74731"/>
+                  <a:pt x="139039" y="69520"/>
+                </a:cubicBezTo>
+                <a:cubicBezTo>
+                  <a:pt x="139039" y="64308"/>
+                  <a:pt x="134814" y="60082"/>
+                  <a:pt x="129602" y="60082"/>
+                </a:cubicBezTo>
+                <a:close/>
+              </a:path>
+            </a:pathLst>
+          </a:custGeom>
+          <a:solidFill>
+            <a:schemeClr val="bg1"/>
+          </a:solidFill>
+          <a:ln w="603" cap="flat">
+            <a:noFill/>
+            <a:prstDash val="solid"/>
+            <a:miter/>
+          </a:ln>
+        </p:spPr>
+        <p:txBody>
+          <a:bodyPr rtlCol="0" anchor="ctr"/>
+          <a:lstStyle/>
+          <a:p>
+            <a:endParaRPr lang="en-US"/>
+          </a:p>
+        </p:txBody>
+      </p:sp>
+      <p:sp>
+        <p:nvSpPr>
+          <p:cNvPr id="15" name="Graphic 12">
+            <a:extLst>
+              <a:ext uri="{FF2B5EF4-FFF2-40B4-BE49-F238E27FC236}">
+                <a16:creationId xmlns:a16="http://schemas.microsoft.com/office/drawing/2014/main" id="{712D4376-A578-4FF1-94FC-245E7A6A489F}"/>
+              </a:ext>
+              <a:ext uri="{C183D7F6-B498-43B3-948B-1728B52AA6E4}">
+                <adec:decorative xmlns:adec="http://schemas.microsoft.com/office/drawing/2017/decorative" val="1"/>
+              </a:ext>
+            </a:extLst>
+          </p:cNvPr>
+          <p:cNvSpPr>
+            <a:spLocks noGrp="1" noRot="1" noChangeAspect="1" noMove="1" noResize="1" noEditPoints="1" noAdjustHandles="1" noChangeArrowheads="1" noChangeShapeType="1" noTextEdit="1"/>
+          </p:cNvSpPr>
+          <p:nvPr>
+            <p:extLst>
+              <p:ext uri="{386F3935-93C4-4BCD-93E2-E3B085C9AB24}">
+                <p16:designElem xmlns:p16="http://schemas.microsoft.com/office/powerpoint/2015/main" val="1"/>
+              </p:ext>
+            </p:extLst>
+          </p:nvPr>
+        </p:nvSpPr>
+        <p:spPr>
+          <a:xfrm>
+            <a:off x="903734" y="3104388"/>
+            <a:ext cx="91138" cy="91138"/>
+          </a:xfrm>
+          <a:custGeom>
+            <a:avLst/>
+            <a:gdLst>
+              <a:gd name="connsiteX0" fmla="*/ 91138 w 91138"/>
+              <a:gd name="connsiteY0" fmla="*/ 45569 h 91138"/>
+              <a:gd name="connsiteX1" fmla="*/ 45569 w 91138"/>
+              <a:gd name="connsiteY1" fmla="*/ 91138 h 91138"/>
+              <a:gd name="connsiteX2" fmla="*/ 0 w 91138"/>
+              <a:gd name="connsiteY2" fmla="*/ 45569 h 91138"/>
+              <a:gd name="connsiteX3" fmla="*/ 45569 w 91138"/>
+              <a:gd name="connsiteY3" fmla="*/ 0 h 91138"/>
+              <a:gd name="connsiteX4" fmla="*/ 91138 w 91138"/>
+              <a:gd name="connsiteY4" fmla="*/ 45569 h 91138"/>
+            </a:gdLst>
+            <a:ahLst/>
+            <a:cxnLst>
+              <a:cxn ang="0">
+                <a:pos x="connsiteX0" y="connsiteY0"/>
+              </a:cxn>
+              <a:cxn ang="0">
+                <a:pos x="connsiteX1" y="connsiteY1"/>
+              </a:cxn>
+              <a:cxn ang="0">
+                <a:pos x="connsiteX2" y="connsiteY2"/>
+              </a:cxn>
+              <a:cxn ang="0">
+                <a:pos x="connsiteX3" y="connsiteY3"/>
+              </a:cxn>
+              <a:cxn ang="0">
+                <a:pos x="connsiteX4" y="connsiteY4"/>
+              </a:cxn>
+            </a:cxnLst>
+            <a:rect l="l" t="t" r="r" b="b"/>
+            <a:pathLst>
+              <a:path w="91138" h="91138">
+                <a:moveTo>
+                  <a:pt x="91138" y="45569"/>
+                </a:moveTo>
+                <a:cubicBezTo>
+                  <a:pt x="91138" y="70736"/>
+                  <a:pt x="70736" y="91138"/>
+                  <a:pt x="45569" y="91138"/>
+                </a:cubicBezTo>
+                <a:cubicBezTo>
+                  <a:pt x="20402" y="91138"/>
+                  <a:pt x="0" y="70736"/>
+                  <a:pt x="0" y="45569"/>
+                </a:cubicBezTo>
+                <a:cubicBezTo>
+                  <a:pt x="0" y="20402"/>
+                  <a:pt x="20402" y="0"/>
+                  <a:pt x="45569" y="0"/>
+                </a:cubicBezTo>
+                <a:cubicBezTo>
+                  <a:pt x="70736" y="0"/>
+                  <a:pt x="91138" y="20402"/>
+                  <a:pt x="91138" y="45569"/>
+                </a:cubicBezTo>
+                <a:close/>
+              </a:path>
+            </a:pathLst>
+          </a:custGeom>
+          <a:solidFill>
+            <a:schemeClr val="bg1"/>
+          </a:solidFill>
+          <a:ln w="422" cap="flat">
+            <a:noFill/>
+            <a:prstDash val="solid"/>
+            <a:miter/>
+          </a:ln>
+        </p:spPr>
+        <p:txBody>
+          <a:bodyPr rtlCol="0" anchor="ctr"/>
+          <a:lstStyle/>
+          <a:p>
+            <a:endParaRPr lang="en-US"/>
+          </a:p>
+        </p:txBody>
+      </p:sp>
+      <p:sp>
+        <p:nvSpPr>
+          <p:cNvPr id="17" name="Graphic 15">
+            <a:extLst>
+              <a:ext uri="{FF2B5EF4-FFF2-40B4-BE49-F238E27FC236}">
+                <a16:creationId xmlns:a16="http://schemas.microsoft.com/office/drawing/2014/main" id="{AEA7509D-F04F-40CB-A0B3-EEF16499CC9F}"/>
+              </a:ext>
+              <a:ext uri="{C183D7F6-B498-43B3-948B-1728B52AA6E4}">
+                <adec:decorative xmlns:adec="http://schemas.microsoft.com/office/drawing/2017/decorative" val="1"/>
+              </a:ext>
+            </a:extLst>
+          </p:cNvPr>
+          <p:cNvSpPr>
+            <a:spLocks noGrp="1" noRot="1" noChangeAspect="1" noMove="1" noResize="1" noEditPoints="1" noAdjustHandles="1" noChangeArrowheads="1" noChangeShapeType="1" noTextEdit="1"/>
+          </p:cNvSpPr>
+          <p:nvPr>
+            <p:extLst>
+              <p:ext uri="{386F3935-93C4-4BCD-93E2-E3B085C9AB24}">
+                <p16:designElem xmlns:p16="http://schemas.microsoft.com/office/powerpoint/2015/main" val="1"/>
+              </p:ext>
+            </p:extLst>
+          </p:nvPr>
+        </p:nvSpPr>
+        <p:spPr>
+          <a:xfrm>
+            <a:off x="529414" y="3619532"/>
+            <a:ext cx="127714" cy="127714"/>
+          </a:xfrm>
+          <a:custGeom>
+            <a:avLst/>
+            <a:gdLst>
+              <a:gd name="connsiteX0" fmla="*/ 63857 w 127714"/>
+              <a:gd name="connsiteY0" fmla="*/ 18874 h 127714"/>
+              <a:gd name="connsiteX1" fmla="*/ 108840 w 127714"/>
+              <a:gd name="connsiteY1" fmla="*/ 63857 h 127714"/>
+              <a:gd name="connsiteX2" fmla="*/ 63857 w 127714"/>
+              <a:gd name="connsiteY2" fmla="*/ 108840 h 127714"/>
+              <a:gd name="connsiteX3" fmla="*/ 18874 w 127714"/>
+              <a:gd name="connsiteY3" fmla="*/ 63857 h 127714"/>
+              <a:gd name="connsiteX4" fmla="*/ 63857 w 127714"/>
+              <a:gd name="connsiteY4" fmla="*/ 18874 h 127714"/>
+              <a:gd name="connsiteX5" fmla="*/ 63857 w 127714"/>
+              <a:gd name="connsiteY5" fmla="*/ 0 h 127714"/>
+              <a:gd name="connsiteX6" fmla="*/ 0 w 127714"/>
+              <a:gd name="connsiteY6" fmla="*/ 63857 h 127714"/>
+              <a:gd name="connsiteX7" fmla="*/ 63857 w 127714"/>
+              <a:gd name="connsiteY7" fmla="*/ 127714 h 127714"/>
+              <a:gd name="connsiteX8" fmla="*/ 127714 w 127714"/>
+              <a:gd name="connsiteY8" fmla="*/ 63857 h 127714"/>
+              <a:gd name="connsiteX9" fmla="*/ 63857 w 127714"/>
+              <a:gd name="connsiteY9" fmla="*/ 0 h 127714"/>
+            </a:gdLst>
+            <a:ahLst/>
+            <a:cxnLst>
+              <a:cxn ang="0">
+                <a:pos x="connsiteX0" y="connsiteY0"/>
+              </a:cxn>
+              <a:cxn ang="0">
+                <a:pos x="connsiteX1" y="connsiteY1"/>
+              </a:cxn>
+              <a:cxn ang="0">
+                <a:pos x="connsiteX2" y="connsiteY2"/>
+              </a:cxn>
+              <a:cxn ang="0">
+                <a:pos x="connsiteX3" y="connsiteY3"/>
+              </a:cxn>
+              <a:cxn ang="0">
+                <a:pos x="connsiteX4" y="connsiteY4"/>
+              </a:cxn>
+              <a:cxn ang="0">
+                <a:pos x="connsiteX5" y="connsiteY5"/>
+              </a:cxn>
+              <a:cxn ang="0">
+                <a:pos x="connsiteX6" y="connsiteY6"/>
+              </a:cxn>
+              <a:cxn ang="0">
+                <a:pos x="connsiteX7" y="connsiteY7"/>
+              </a:cxn>
+              <a:cxn ang="0">
+                <a:pos x="connsiteX8" y="connsiteY8"/>
+              </a:cxn>
+              <a:cxn ang="0">
+                <a:pos x="connsiteX9" y="connsiteY9"/>
+              </a:cxn>
+            </a:cxnLst>
+            <a:rect l="l" t="t" r="r" b="b"/>
+            <a:pathLst>
+              <a:path w="127714" h="127714">
+                <a:moveTo>
+                  <a:pt x="63857" y="18874"/>
+                </a:moveTo>
+                <a:cubicBezTo>
+                  <a:pt x="88700" y="18874"/>
+                  <a:pt x="108840" y="39014"/>
+                  <a:pt x="108840" y="63857"/>
+                </a:cubicBezTo>
+                <a:cubicBezTo>
+                  <a:pt x="108840" y="88700"/>
+                  <a:pt x="88700" y="108840"/>
+                  <a:pt x="63857" y="108840"/>
+                </a:cubicBezTo>
+                <a:cubicBezTo>
+                  <a:pt x="39014" y="108840"/>
+                  <a:pt x="18874" y="88700"/>
+                  <a:pt x="18874" y="63857"/>
+                </a:cubicBezTo>
+                <a:cubicBezTo>
+                  <a:pt x="18898" y="39024"/>
+                  <a:pt x="39024" y="18898"/>
+                  <a:pt x="63857" y="18874"/>
+                </a:cubicBezTo>
+                <a:moveTo>
+                  <a:pt x="63857" y="0"/>
+                </a:moveTo>
+                <a:cubicBezTo>
+                  <a:pt x="28590" y="0"/>
+                  <a:pt x="0" y="28590"/>
+                  <a:pt x="0" y="63857"/>
+                </a:cubicBezTo>
+                <a:cubicBezTo>
+                  <a:pt x="0" y="99124"/>
+                  <a:pt x="28590" y="127714"/>
+                  <a:pt x="63857" y="127714"/>
+                </a:cubicBezTo>
+                <a:cubicBezTo>
+                  <a:pt x="99124" y="127714"/>
+                  <a:pt x="127714" y="99124"/>
+                  <a:pt x="127714" y="63857"/>
+                </a:cubicBezTo>
+                <a:cubicBezTo>
+                  <a:pt x="127714" y="28590"/>
+                  <a:pt x="99124" y="0"/>
+                  <a:pt x="63857" y="0"/>
+                </a:cubicBezTo>
+                <a:close/>
+              </a:path>
+            </a:pathLst>
+          </a:custGeom>
+          <a:solidFill>
+            <a:schemeClr val="bg1"/>
+          </a:solidFill>
+          <a:ln w="610" cap="flat">
+            <a:noFill/>
+            <a:prstDash val="solid"/>
+            <a:miter/>
+          </a:ln>
+        </p:spPr>
+        <p:txBody>
+          <a:bodyPr rtlCol="0" anchor="ctr"/>
+          <a:lstStyle/>
+          <a:p>
+            <a:endParaRPr lang="en-US"/>
+          </a:p>
+        </p:txBody>
+      </p:sp>
     </p:spTree>
     <p:extLst>
       <p:ext uri="{BB962C8B-B14F-4D97-AF65-F5344CB8AC3E}">
-        <p14:creationId xmlns:p14="http://schemas.microsoft.com/office/powerpoint/2010/main" val="2883449870"/>
+        <p14:creationId xmlns:p14="http://schemas.microsoft.com/office/powerpoint/2010/main" val="1247181641"/>
       </p:ext>
     </p:extLst>
   </p:cSld>
@@ -12203,10 +15610,10 @@
       </p:grpSpPr>
       <p:sp useBgFill="1">
         <p:nvSpPr>
-          <p:cNvPr id="53" name="Rectangle 52">
+          <p:cNvPr id="40" name="Rectangle 23">
             <a:extLst>
               <a:ext uri="{FF2B5EF4-FFF2-40B4-BE49-F238E27FC236}">
-                <a16:creationId xmlns:a16="http://schemas.microsoft.com/office/drawing/2014/main" id="{552166BF-0946-419E-A3F5-F3510C5B2A7F}"/>
+                <a16:creationId xmlns:a16="http://schemas.microsoft.com/office/drawing/2014/main" id="{7EE0A6B3-EB7E-45AA-ADB6-138489E0CD75}"/>
               </a:ext>
               <a:ext uri="{C183D7F6-B498-43B3-948B-1728B52AA6E4}">
                 <adec:decorative xmlns:adec="http://schemas.microsoft.com/office/drawing/2017/decorative" val="1"/>
@@ -12279,10 +15686,10 @@
       </p:sp>
       <p:sp>
         <p:nvSpPr>
-          <p:cNvPr id="69" name="!!Rectangle">
+          <p:cNvPr id="41" name="!!Rectangle">
             <a:extLst>
               <a:ext uri="{FF2B5EF4-FFF2-40B4-BE49-F238E27FC236}">
-                <a16:creationId xmlns:a16="http://schemas.microsoft.com/office/drawing/2014/main" id="{1E902070-A0E4-4756-B623-BA0AC4066FBE}"/>
+                <a16:creationId xmlns:a16="http://schemas.microsoft.com/office/drawing/2014/main" id="{0C0EA1AB-DC8C-4976-9474-9313A673D4E9}"/>
               </a:ext>
               <a:ext uri="{C183D7F6-B498-43B3-948B-1728B52AA6E4}">
                 <adec:decorative xmlns:adec="http://schemas.microsoft.com/office/drawing/2017/decorative" val="1"/>
@@ -12317,1019 +15724,7 @@
                 <a:schemeClr val="accent2"/>
               </a:gs>
             </a:gsLst>
-            <a:lin ang="14400000" scaled="0"/>
-            <a:tileRect/>
-          </a:gradFill>
-          <a:ln>
-            <a:noFill/>
-          </a:ln>
-        </p:spPr>
-        <p:style>
-          <a:lnRef idx="2">
-            <a:schemeClr val="accent1">
-              <a:shade val="50000"/>
-            </a:schemeClr>
-          </a:lnRef>
-          <a:fillRef idx="1">
-            <a:schemeClr val="accent1"/>
-          </a:fillRef>
-          <a:effectRef idx="0">
-            <a:schemeClr val="accent1"/>
-          </a:effectRef>
-          <a:fontRef idx="minor">
-            <a:schemeClr val="lt1"/>
-          </a:fontRef>
-        </p:style>
-        <p:txBody>
-          <a:bodyPr rtlCol="0" anchor="ctr"/>
-          <a:lstStyle/>
-          <a:p>
-            <a:pPr marL="0" marR="0" lvl="0" indent="0" algn="ctr" defTabSz="914400" rtl="0" eaLnBrk="1" fontAlgn="auto" latinLnBrk="0" hangingPunct="1">
-              <a:lnSpc>
-                <a:spcPct val="100000"/>
-              </a:lnSpc>
-              <a:spcBef>
-                <a:spcPts val="0"/>
-              </a:spcBef>
-              <a:spcAft>
-                <a:spcPts val="0"/>
-              </a:spcAft>
-              <a:buClrTx/>
-              <a:buSzTx/>
-              <a:buFontTx/>
-              <a:buNone/>
-              <a:tabLst/>
-              <a:defRPr/>
-            </a:pPr>
-            <a:endParaRPr kumimoji="0" lang="en-US" sz="1800" b="0" i="0" u="none" strike="noStrike" kern="1200" cap="none" spc="0" normalizeH="0" baseline="0" noProof="0">
-              <a:ln>
-                <a:noFill/>
-              </a:ln>
-              <a:solidFill>
-                <a:prstClr val="white"/>
-              </a:solidFill>
-              <a:effectLst/>
-              <a:uLnTx/>
-              <a:uFillTx/>
-              <a:latin typeface="Univers"/>
-              <a:ea typeface="+mn-ea"/>
-              <a:cs typeface="+mn-cs"/>
-            </a:endParaRPr>
-          </a:p>
-        </p:txBody>
-      </p:sp>
-      <p:pic>
-        <p:nvPicPr>
-          <p:cNvPr id="22" name="Picture 4" descr="Script de computador num ecrã">
-            <a:extLst>
-              <a:ext uri="{FF2B5EF4-FFF2-40B4-BE49-F238E27FC236}">
-                <a16:creationId xmlns:a16="http://schemas.microsoft.com/office/drawing/2014/main" id="{80CD2610-2060-AB2E-1C29-C36E66F6515B}"/>
-              </a:ext>
-            </a:extLst>
-          </p:cNvPr>
-          <p:cNvPicPr>
-            <a:picLocks noChangeAspect="1"/>
-          </p:cNvPicPr>
-          <p:nvPr/>
-        </p:nvPicPr>
-        <p:blipFill rotWithShape="1">
-          <a:blip r:embed="rId2">
-            <a:duotone>
-              <a:schemeClr val="accent1">
-                <a:shade val="45000"/>
-                <a:satMod val="135000"/>
-              </a:schemeClr>
-              <a:prstClr val="white"/>
-            </a:duotone>
-            <a:alphaModFix amt="35000"/>
-          </a:blip>
-          <a:srcRect t="7017" b="8713"/>
-          <a:stretch/>
-        </p:blipFill>
-        <p:spPr>
-          <a:xfrm>
-            <a:off x="20" y="-8877"/>
-            <a:ext cx="12191980" cy="6858000"/>
-          </a:xfrm>
-          <a:prstGeom prst="rect">
-            <a:avLst/>
-          </a:prstGeom>
-        </p:spPr>
-      </p:pic>
-      <p:sp>
-        <p:nvSpPr>
-          <p:cNvPr id="2" name="Título 1">
-            <a:extLst>
-              <a:ext uri="{FF2B5EF4-FFF2-40B4-BE49-F238E27FC236}">
-                <a16:creationId xmlns:a16="http://schemas.microsoft.com/office/drawing/2014/main" id="{BCC7CE61-A325-2B2A-83DE-184B326FE817}"/>
-              </a:ext>
-            </a:extLst>
-          </p:cNvPr>
-          <p:cNvSpPr>
-            <a:spLocks noGrp="1"/>
-          </p:cNvSpPr>
-          <p:nvPr>
-            <p:ph type="title"/>
-          </p:nvPr>
-        </p:nvSpPr>
-        <p:spPr>
-          <a:xfrm>
-            <a:off x="838199" y="381934"/>
-            <a:ext cx="5257801" cy="5181523"/>
-          </a:xfrm>
-        </p:spPr>
-        <p:txBody>
-          <a:bodyPr anchor="b">
-            <a:normAutofit/>
-          </a:bodyPr>
-          <a:lstStyle/>
-          <a:p>
-            <a:r>
-              <a:rPr lang="es-ES" sz="7200">
-                <a:solidFill>
-                  <a:srgbClr val="FFFFFF"/>
-                </a:solidFill>
-              </a:rPr>
-              <a:t>Cosas que he usado</a:t>
-            </a:r>
-            <a:endParaRPr lang="es-ES" sz="7200" dirty="0">
-              <a:solidFill>
-                <a:srgbClr val="FFFFFF"/>
-              </a:solidFill>
-            </a:endParaRPr>
-          </a:p>
-        </p:txBody>
-      </p:sp>
-      <p:cxnSp>
-        <p:nvCxnSpPr>
-          <p:cNvPr id="57" name="Straight Connector 56">
-            <a:extLst>
-              <a:ext uri="{FF2B5EF4-FFF2-40B4-BE49-F238E27FC236}">
-                <a16:creationId xmlns:a16="http://schemas.microsoft.com/office/drawing/2014/main" id="{C49DA8F6-BCC1-4447-B54C-57856834B94B}"/>
-              </a:ext>
-              <a:ext uri="{C183D7F6-B498-43B3-948B-1728B52AA6E4}">
-                <adec:decorative xmlns:adec="http://schemas.microsoft.com/office/drawing/2017/decorative" val="1"/>
-              </a:ext>
-            </a:extLst>
-          </p:cNvPr>
-          <p:cNvCxnSpPr>
-            <a:cxnSpLocks noGrp="1" noRot="1" noChangeAspect="1" noMove="1" noResize="1" noEditPoints="1" noAdjustHandles="1" noChangeArrowheads="1" noChangeShapeType="1"/>
-          </p:cNvCxnSpPr>
-          <p:nvPr>
-            <p:extLst>
-              <p:ext uri="{386F3935-93C4-4BCD-93E2-E3B085C9AB24}">
-                <p16:designElem xmlns:p16="http://schemas.microsoft.com/office/powerpoint/2015/main" val="1"/>
-              </p:ext>
-            </p:extLst>
-          </p:nvPr>
-        </p:nvCxnSpPr>
-        <p:spPr>
-          <a:xfrm>
-            <a:off x="623622" y="373056"/>
-            <a:ext cx="0" cy="6476066"/>
-          </a:xfrm>
-          <a:prstGeom prst="line">
-            <a:avLst/>
-          </a:prstGeom>
-          <a:ln w="25400" cap="sq">
-            <a:solidFill>
-              <a:srgbClr val="FFFFFF"/>
-            </a:solidFill>
-            <a:bevel/>
-          </a:ln>
-        </p:spPr>
-        <p:style>
-          <a:lnRef idx="1">
-            <a:schemeClr val="accent1"/>
-          </a:lnRef>
-          <a:fillRef idx="0">
-            <a:schemeClr val="accent1"/>
-          </a:fillRef>
-          <a:effectRef idx="0">
-            <a:schemeClr val="accent1"/>
-          </a:effectRef>
-          <a:fontRef idx="minor">
-            <a:schemeClr val="tx1"/>
-          </a:fontRef>
-        </p:style>
-      </p:cxnSp>
-      <p:sp>
-        <p:nvSpPr>
-          <p:cNvPr id="59" name="Graphic 11">
-            <a:extLst>
-              <a:ext uri="{FF2B5EF4-FFF2-40B4-BE49-F238E27FC236}">
-                <a16:creationId xmlns:a16="http://schemas.microsoft.com/office/drawing/2014/main" id="{6CB927A4-E432-4310-9CD5-E89FF5063179}"/>
-              </a:ext>
-              <a:ext uri="{C183D7F6-B498-43B3-948B-1728B52AA6E4}">
-                <adec:decorative xmlns:adec="http://schemas.microsoft.com/office/drawing/2017/decorative" val="1"/>
-              </a:ext>
-            </a:extLst>
-          </p:cNvPr>
-          <p:cNvSpPr>
-            <a:spLocks noGrp="1" noRot="1" noChangeAspect="1" noMove="1" noResize="1" noEditPoints="1" noAdjustHandles="1" noChangeArrowheads="1" noChangeShapeType="1" noTextEdit="1"/>
-          </p:cNvSpPr>
-          <p:nvPr>
-            <p:extLst>
-              <p:ext uri="{386F3935-93C4-4BCD-93E2-E3B085C9AB24}">
-                <p16:designElem xmlns:p16="http://schemas.microsoft.com/office/powerpoint/2015/main" val="1"/>
-              </p:ext>
-            </p:extLst>
-          </p:nvPr>
-        </p:nvSpPr>
-        <p:spPr>
-          <a:xfrm>
-            <a:off x="5722814" y="740316"/>
-            <a:ext cx="139039" cy="139039"/>
-          </a:xfrm>
-          <a:custGeom>
-            <a:avLst/>
-            <a:gdLst>
-              <a:gd name="connsiteX0" fmla="*/ 129602 w 139039"/>
-              <a:gd name="connsiteY0" fmla="*/ 60082 h 139039"/>
-              <a:gd name="connsiteX1" fmla="*/ 78957 w 139039"/>
-              <a:gd name="connsiteY1" fmla="*/ 60082 h 139039"/>
-              <a:gd name="connsiteX2" fmla="*/ 78957 w 139039"/>
-              <a:gd name="connsiteY2" fmla="*/ 9437 h 139039"/>
-              <a:gd name="connsiteX3" fmla="*/ 69520 w 139039"/>
-              <a:gd name="connsiteY3" fmla="*/ 0 h 139039"/>
-              <a:gd name="connsiteX4" fmla="*/ 60082 w 139039"/>
-              <a:gd name="connsiteY4" fmla="*/ 9437 h 139039"/>
-              <a:gd name="connsiteX5" fmla="*/ 60082 w 139039"/>
-              <a:gd name="connsiteY5" fmla="*/ 60082 h 139039"/>
-              <a:gd name="connsiteX6" fmla="*/ 9437 w 139039"/>
-              <a:gd name="connsiteY6" fmla="*/ 60082 h 139039"/>
-              <a:gd name="connsiteX7" fmla="*/ 0 w 139039"/>
-              <a:gd name="connsiteY7" fmla="*/ 69520 h 139039"/>
-              <a:gd name="connsiteX8" fmla="*/ 9437 w 139039"/>
-              <a:gd name="connsiteY8" fmla="*/ 78957 h 139039"/>
-              <a:gd name="connsiteX9" fmla="*/ 60082 w 139039"/>
-              <a:gd name="connsiteY9" fmla="*/ 78957 h 139039"/>
-              <a:gd name="connsiteX10" fmla="*/ 60082 w 139039"/>
-              <a:gd name="connsiteY10" fmla="*/ 129602 h 139039"/>
-              <a:gd name="connsiteX11" fmla="*/ 69520 w 139039"/>
-              <a:gd name="connsiteY11" fmla="*/ 139039 h 139039"/>
-              <a:gd name="connsiteX12" fmla="*/ 78957 w 139039"/>
-              <a:gd name="connsiteY12" fmla="*/ 129602 h 139039"/>
-              <a:gd name="connsiteX13" fmla="*/ 78957 w 139039"/>
-              <a:gd name="connsiteY13" fmla="*/ 78957 h 139039"/>
-              <a:gd name="connsiteX14" fmla="*/ 129602 w 139039"/>
-              <a:gd name="connsiteY14" fmla="*/ 78957 h 139039"/>
-              <a:gd name="connsiteX15" fmla="*/ 139039 w 139039"/>
-              <a:gd name="connsiteY15" fmla="*/ 69520 h 139039"/>
-              <a:gd name="connsiteX16" fmla="*/ 129602 w 139039"/>
-              <a:gd name="connsiteY16" fmla="*/ 60082 h 139039"/>
-            </a:gdLst>
-            <a:ahLst/>
-            <a:cxnLst>
-              <a:cxn ang="0">
-                <a:pos x="connsiteX0" y="connsiteY0"/>
-              </a:cxn>
-              <a:cxn ang="0">
-                <a:pos x="connsiteX1" y="connsiteY1"/>
-              </a:cxn>
-              <a:cxn ang="0">
-                <a:pos x="connsiteX2" y="connsiteY2"/>
-              </a:cxn>
-              <a:cxn ang="0">
-                <a:pos x="connsiteX3" y="connsiteY3"/>
-              </a:cxn>
-              <a:cxn ang="0">
-                <a:pos x="connsiteX4" y="connsiteY4"/>
-              </a:cxn>
-              <a:cxn ang="0">
-                <a:pos x="connsiteX5" y="connsiteY5"/>
-              </a:cxn>
-              <a:cxn ang="0">
-                <a:pos x="connsiteX6" y="connsiteY6"/>
-              </a:cxn>
-              <a:cxn ang="0">
-                <a:pos x="connsiteX7" y="connsiteY7"/>
-              </a:cxn>
-              <a:cxn ang="0">
-                <a:pos x="connsiteX8" y="connsiteY8"/>
-              </a:cxn>
-              <a:cxn ang="0">
-                <a:pos x="connsiteX9" y="connsiteY9"/>
-              </a:cxn>
-              <a:cxn ang="0">
-                <a:pos x="connsiteX10" y="connsiteY10"/>
-              </a:cxn>
-              <a:cxn ang="0">
-                <a:pos x="connsiteX11" y="connsiteY11"/>
-              </a:cxn>
-              <a:cxn ang="0">
-                <a:pos x="connsiteX12" y="connsiteY12"/>
-              </a:cxn>
-              <a:cxn ang="0">
-                <a:pos x="connsiteX13" y="connsiteY13"/>
-              </a:cxn>
-              <a:cxn ang="0">
-                <a:pos x="connsiteX14" y="connsiteY14"/>
-              </a:cxn>
-              <a:cxn ang="0">
-                <a:pos x="connsiteX15" y="connsiteY15"/>
-              </a:cxn>
-              <a:cxn ang="0">
-                <a:pos x="connsiteX16" y="connsiteY16"/>
-              </a:cxn>
-            </a:cxnLst>
-            <a:rect l="l" t="t" r="r" b="b"/>
-            <a:pathLst>
-              <a:path w="139039" h="139039">
-                <a:moveTo>
-                  <a:pt x="129602" y="60082"/>
-                </a:moveTo>
-                <a:lnTo>
-                  <a:pt x="78957" y="60082"/>
-                </a:lnTo>
-                <a:lnTo>
-                  <a:pt x="78957" y="9437"/>
-                </a:lnTo>
-                <a:cubicBezTo>
-                  <a:pt x="78957" y="4225"/>
-                  <a:pt x="74731" y="0"/>
-                  <a:pt x="69520" y="0"/>
-                </a:cubicBezTo>
-                <a:cubicBezTo>
-                  <a:pt x="64308" y="0"/>
-                  <a:pt x="60082" y="4225"/>
-                  <a:pt x="60082" y="9437"/>
-                </a:cubicBezTo>
-                <a:lnTo>
-                  <a:pt x="60082" y="60082"/>
-                </a:lnTo>
-                <a:lnTo>
-                  <a:pt x="9437" y="60082"/>
-                </a:lnTo>
-                <a:cubicBezTo>
-                  <a:pt x="4225" y="60082"/>
-                  <a:pt x="0" y="64308"/>
-                  <a:pt x="0" y="69520"/>
-                </a:cubicBezTo>
-                <a:cubicBezTo>
-                  <a:pt x="0" y="74731"/>
-                  <a:pt x="4225" y="78957"/>
-                  <a:pt x="9437" y="78957"/>
-                </a:cubicBezTo>
-                <a:lnTo>
-                  <a:pt x="60082" y="78957"/>
-                </a:lnTo>
-                <a:lnTo>
-                  <a:pt x="60082" y="129602"/>
-                </a:lnTo>
-                <a:cubicBezTo>
-                  <a:pt x="60082" y="134814"/>
-                  <a:pt x="64308" y="139039"/>
-                  <a:pt x="69520" y="139039"/>
-                </a:cubicBezTo>
-                <a:cubicBezTo>
-                  <a:pt x="74731" y="139039"/>
-                  <a:pt x="78957" y="134814"/>
-                  <a:pt x="78957" y="129602"/>
-                </a:cubicBezTo>
-                <a:lnTo>
-                  <a:pt x="78957" y="78957"/>
-                </a:lnTo>
-                <a:lnTo>
-                  <a:pt x="129602" y="78957"/>
-                </a:lnTo>
-                <a:cubicBezTo>
-                  <a:pt x="134814" y="78957"/>
-                  <a:pt x="139039" y="74731"/>
-                  <a:pt x="139039" y="69520"/>
-                </a:cubicBezTo>
-                <a:cubicBezTo>
-                  <a:pt x="139039" y="64308"/>
-                  <a:pt x="134814" y="60082"/>
-                  <a:pt x="129602" y="60082"/>
-                </a:cubicBezTo>
-                <a:close/>
-              </a:path>
-            </a:pathLst>
-          </a:custGeom>
-          <a:solidFill>
-            <a:srgbClr val="FFFFFF"/>
-          </a:solidFill>
-          <a:ln w="603" cap="flat">
-            <a:noFill/>
-            <a:prstDash val="solid"/>
-            <a:miter/>
-          </a:ln>
-        </p:spPr>
-        <p:txBody>
-          <a:bodyPr rtlCol="0" anchor="ctr"/>
-          <a:lstStyle/>
-          <a:p>
-            <a:pPr marL="0" marR="0" lvl="0" indent="0" algn="l" defTabSz="914400" rtl="0" eaLnBrk="1" fontAlgn="auto" latinLnBrk="0" hangingPunct="1">
-              <a:lnSpc>
-                <a:spcPct val="100000"/>
-              </a:lnSpc>
-              <a:spcBef>
-                <a:spcPts val="0"/>
-              </a:spcBef>
-              <a:spcAft>
-                <a:spcPts val="0"/>
-              </a:spcAft>
-              <a:buClrTx/>
-              <a:buSzTx/>
-              <a:buFontTx/>
-              <a:buNone/>
-              <a:tabLst/>
-              <a:defRPr/>
-            </a:pPr>
-            <a:endParaRPr kumimoji="0" lang="en-US" sz="1800" b="0" i="0" u="none" strike="noStrike" kern="1200" cap="none" spc="0" normalizeH="0" baseline="0" noProof="0">
-              <a:ln>
-                <a:noFill/>
-              </a:ln>
-              <a:solidFill>
-                <a:prstClr val="black"/>
-              </a:solidFill>
-              <a:effectLst/>
-              <a:uLnTx/>
-              <a:uFillTx/>
-              <a:latin typeface="Univers"/>
-              <a:ea typeface="+mn-ea"/>
-              <a:cs typeface="+mn-cs"/>
-            </a:endParaRPr>
-          </a:p>
-        </p:txBody>
-      </p:sp>
-      <p:sp>
-        <p:nvSpPr>
-          <p:cNvPr id="61" name="Graphic 10">
-            <a:extLst>
-              <a:ext uri="{FF2B5EF4-FFF2-40B4-BE49-F238E27FC236}">
-                <a16:creationId xmlns:a16="http://schemas.microsoft.com/office/drawing/2014/main" id="{E3020543-B24B-4EC4-8FFC-8DD88EEA91A8}"/>
-              </a:ext>
-              <a:ext uri="{C183D7F6-B498-43B3-948B-1728B52AA6E4}">
-                <adec:decorative xmlns:adec="http://schemas.microsoft.com/office/drawing/2017/decorative" val="1"/>
-              </a:ext>
-            </a:extLst>
-          </p:cNvPr>
-          <p:cNvSpPr>
-            <a:spLocks noGrp="1" noRot="1" noChangeAspect="1" noMove="1" noResize="1" noEditPoints="1" noAdjustHandles="1" noChangeArrowheads="1" noChangeShapeType="1" noTextEdit="1"/>
-          </p:cNvSpPr>
-          <p:nvPr>
-            <p:extLst>
-              <p:ext uri="{386F3935-93C4-4BCD-93E2-E3B085C9AB24}">
-                <p16:designElem xmlns:p16="http://schemas.microsoft.com/office/powerpoint/2015/main" val="1"/>
-              </p:ext>
-            </p:extLst>
-          </p:nvPr>
-        </p:nvSpPr>
-        <p:spPr>
-          <a:xfrm>
-            <a:off x="6081594" y="969611"/>
-            <a:ext cx="91138" cy="91138"/>
-          </a:xfrm>
-          <a:custGeom>
-            <a:avLst/>
-            <a:gdLst>
-              <a:gd name="connsiteX0" fmla="*/ 91138 w 91138"/>
-              <a:gd name="connsiteY0" fmla="*/ 45569 h 91138"/>
-              <a:gd name="connsiteX1" fmla="*/ 45569 w 91138"/>
-              <a:gd name="connsiteY1" fmla="*/ 91138 h 91138"/>
-              <a:gd name="connsiteX2" fmla="*/ 0 w 91138"/>
-              <a:gd name="connsiteY2" fmla="*/ 45569 h 91138"/>
-              <a:gd name="connsiteX3" fmla="*/ 45569 w 91138"/>
-              <a:gd name="connsiteY3" fmla="*/ 0 h 91138"/>
-              <a:gd name="connsiteX4" fmla="*/ 91138 w 91138"/>
-              <a:gd name="connsiteY4" fmla="*/ 45569 h 91138"/>
-            </a:gdLst>
-            <a:ahLst/>
-            <a:cxnLst>
-              <a:cxn ang="0">
-                <a:pos x="connsiteX0" y="connsiteY0"/>
-              </a:cxn>
-              <a:cxn ang="0">
-                <a:pos x="connsiteX1" y="connsiteY1"/>
-              </a:cxn>
-              <a:cxn ang="0">
-                <a:pos x="connsiteX2" y="connsiteY2"/>
-              </a:cxn>
-              <a:cxn ang="0">
-                <a:pos x="connsiteX3" y="connsiteY3"/>
-              </a:cxn>
-              <a:cxn ang="0">
-                <a:pos x="connsiteX4" y="connsiteY4"/>
-              </a:cxn>
-            </a:cxnLst>
-            <a:rect l="l" t="t" r="r" b="b"/>
-            <a:pathLst>
-              <a:path w="91138" h="91138">
-                <a:moveTo>
-                  <a:pt x="91138" y="45569"/>
-                </a:moveTo>
-                <a:cubicBezTo>
-                  <a:pt x="91138" y="70736"/>
-                  <a:pt x="70736" y="91138"/>
-                  <a:pt x="45569" y="91138"/>
-                </a:cubicBezTo>
-                <a:cubicBezTo>
-                  <a:pt x="20402" y="91138"/>
-                  <a:pt x="0" y="70736"/>
-                  <a:pt x="0" y="45569"/>
-                </a:cubicBezTo>
-                <a:cubicBezTo>
-                  <a:pt x="0" y="20402"/>
-                  <a:pt x="20402" y="0"/>
-                  <a:pt x="45569" y="0"/>
-                </a:cubicBezTo>
-                <a:cubicBezTo>
-                  <a:pt x="70736" y="0"/>
-                  <a:pt x="91138" y="20402"/>
-                  <a:pt x="91138" y="45569"/>
-                </a:cubicBezTo>
-                <a:close/>
-              </a:path>
-            </a:pathLst>
-          </a:custGeom>
-          <a:solidFill>
-            <a:srgbClr val="FFFFFF"/>
-          </a:solidFill>
-          <a:ln w="422" cap="flat">
-            <a:noFill/>
-            <a:prstDash val="solid"/>
-            <a:miter/>
-          </a:ln>
-        </p:spPr>
-        <p:txBody>
-          <a:bodyPr rtlCol="0" anchor="ctr"/>
-          <a:lstStyle/>
-          <a:p>
-            <a:pPr marL="0" marR="0" lvl="0" indent="0" algn="l" defTabSz="914400" rtl="0" eaLnBrk="1" fontAlgn="auto" latinLnBrk="0" hangingPunct="1">
-              <a:lnSpc>
-                <a:spcPct val="100000"/>
-              </a:lnSpc>
-              <a:spcBef>
-                <a:spcPts val="0"/>
-              </a:spcBef>
-              <a:spcAft>
-                <a:spcPts val="0"/>
-              </a:spcAft>
-              <a:buClrTx/>
-              <a:buSzTx/>
-              <a:buFontTx/>
-              <a:buNone/>
-              <a:tabLst/>
-              <a:defRPr/>
-            </a:pPr>
-            <a:endParaRPr kumimoji="0" lang="en-US" sz="1800" b="0" i="0" u="none" strike="noStrike" kern="1200" cap="none" spc="0" normalizeH="0" baseline="0" noProof="0">
-              <a:ln>
-                <a:noFill/>
-              </a:ln>
-              <a:solidFill>
-                <a:prstClr val="black"/>
-              </a:solidFill>
-              <a:effectLst/>
-              <a:uLnTx/>
-              <a:uFillTx/>
-              <a:latin typeface="Univers"/>
-              <a:ea typeface="+mn-ea"/>
-              <a:cs typeface="+mn-cs"/>
-            </a:endParaRPr>
-          </a:p>
-        </p:txBody>
-      </p:sp>
-      <p:sp>
-        <p:nvSpPr>
-          <p:cNvPr id="63" name="Graphic 12">
-            <a:extLst>
-              <a:ext uri="{FF2B5EF4-FFF2-40B4-BE49-F238E27FC236}">
-                <a16:creationId xmlns:a16="http://schemas.microsoft.com/office/drawing/2014/main" id="{1453BF6C-B012-48B7-B4E8-6D7AC7C27D02}"/>
-              </a:ext>
-              <a:ext uri="{C183D7F6-B498-43B3-948B-1728B52AA6E4}">
-                <adec:decorative xmlns:adec="http://schemas.microsoft.com/office/drawing/2017/decorative" val="1"/>
-              </a:ext>
-            </a:extLst>
-          </p:cNvPr>
-          <p:cNvSpPr>
-            <a:spLocks noGrp="1" noRot="1" noChangeAspect="1" noMove="1" noResize="1" noEditPoints="1" noAdjustHandles="1" noChangeArrowheads="1" noChangeShapeType="1" noTextEdit="1"/>
-          </p:cNvSpPr>
-          <p:nvPr>
-            <p:extLst>
-              <p:ext uri="{386F3935-93C4-4BCD-93E2-E3B085C9AB24}">
-                <p16:designElem xmlns:p16="http://schemas.microsoft.com/office/powerpoint/2015/main" val="1"/>
-              </p:ext>
-            </p:extLst>
-          </p:nvPr>
-        </p:nvSpPr>
-        <p:spPr>
-          <a:xfrm>
-            <a:off x="5707274" y="1484755"/>
-            <a:ext cx="127714" cy="127714"/>
-          </a:xfrm>
-          <a:custGeom>
-            <a:avLst/>
-            <a:gdLst>
-              <a:gd name="connsiteX0" fmla="*/ 63857 w 127714"/>
-              <a:gd name="connsiteY0" fmla="*/ 18874 h 127714"/>
-              <a:gd name="connsiteX1" fmla="*/ 108840 w 127714"/>
-              <a:gd name="connsiteY1" fmla="*/ 63857 h 127714"/>
-              <a:gd name="connsiteX2" fmla="*/ 63857 w 127714"/>
-              <a:gd name="connsiteY2" fmla="*/ 108840 h 127714"/>
-              <a:gd name="connsiteX3" fmla="*/ 18874 w 127714"/>
-              <a:gd name="connsiteY3" fmla="*/ 63857 h 127714"/>
-              <a:gd name="connsiteX4" fmla="*/ 63857 w 127714"/>
-              <a:gd name="connsiteY4" fmla="*/ 18874 h 127714"/>
-              <a:gd name="connsiteX5" fmla="*/ 63857 w 127714"/>
-              <a:gd name="connsiteY5" fmla="*/ 0 h 127714"/>
-              <a:gd name="connsiteX6" fmla="*/ 0 w 127714"/>
-              <a:gd name="connsiteY6" fmla="*/ 63857 h 127714"/>
-              <a:gd name="connsiteX7" fmla="*/ 63857 w 127714"/>
-              <a:gd name="connsiteY7" fmla="*/ 127714 h 127714"/>
-              <a:gd name="connsiteX8" fmla="*/ 127714 w 127714"/>
-              <a:gd name="connsiteY8" fmla="*/ 63857 h 127714"/>
-              <a:gd name="connsiteX9" fmla="*/ 63857 w 127714"/>
-              <a:gd name="connsiteY9" fmla="*/ 0 h 127714"/>
-            </a:gdLst>
-            <a:ahLst/>
-            <a:cxnLst>
-              <a:cxn ang="0">
-                <a:pos x="connsiteX0" y="connsiteY0"/>
-              </a:cxn>
-              <a:cxn ang="0">
-                <a:pos x="connsiteX1" y="connsiteY1"/>
-              </a:cxn>
-              <a:cxn ang="0">
-                <a:pos x="connsiteX2" y="connsiteY2"/>
-              </a:cxn>
-              <a:cxn ang="0">
-                <a:pos x="connsiteX3" y="connsiteY3"/>
-              </a:cxn>
-              <a:cxn ang="0">
-                <a:pos x="connsiteX4" y="connsiteY4"/>
-              </a:cxn>
-              <a:cxn ang="0">
-                <a:pos x="connsiteX5" y="connsiteY5"/>
-              </a:cxn>
-              <a:cxn ang="0">
-                <a:pos x="connsiteX6" y="connsiteY6"/>
-              </a:cxn>
-              <a:cxn ang="0">
-                <a:pos x="connsiteX7" y="connsiteY7"/>
-              </a:cxn>
-              <a:cxn ang="0">
-                <a:pos x="connsiteX8" y="connsiteY8"/>
-              </a:cxn>
-              <a:cxn ang="0">
-                <a:pos x="connsiteX9" y="connsiteY9"/>
-              </a:cxn>
-            </a:cxnLst>
-            <a:rect l="l" t="t" r="r" b="b"/>
-            <a:pathLst>
-              <a:path w="127714" h="127714">
-                <a:moveTo>
-                  <a:pt x="63857" y="18874"/>
-                </a:moveTo>
-                <a:cubicBezTo>
-                  <a:pt x="88700" y="18874"/>
-                  <a:pt x="108840" y="39014"/>
-                  <a:pt x="108840" y="63857"/>
-                </a:cubicBezTo>
-                <a:cubicBezTo>
-                  <a:pt x="108840" y="88700"/>
-                  <a:pt x="88700" y="108840"/>
-                  <a:pt x="63857" y="108840"/>
-                </a:cubicBezTo>
-                <a:cubicBezTo>
-                  <a:pt x="39014" y="108840"/>
-                  <a:pt x="18874" y="88700"/>
-                  <a:pt x="18874" y="63857"/>
-                </a:cubicBezTo>
-                <a:cubicBezTo>
-                  <a:pt x="18898" y="39024"/>
-                  <a:pt x="39024" y="18898"/>
-                  <a:pt x="63857" y="18874"/>
-                </a:cubicBezTo>
-                <a:moveTo>
-                  <a:pt x="63857" y="0"/>
-                </a:moveTo>
-                <a:cubicBezTo>
-                  <a:pt x="28590" y="0"/>
-                  <a:pt x="0" y="28590"/>
-                  <a:pt x="0" y="63857"/>
-                </a:cubicBezTo>
-                <a:cubicBezTo>
-                  <a:pt x="0" y="99124"/>
-                  <a:pt x="28590" y="127714"/>
-                  <a:pt x="63857" y="127714"/>
-                </a:cubicBezTo>
-                <a:cubicBezTo>
-                  <a:pt x="99124" y="127714"/>
-                  <a:pt x="127714" y="99124"/>
-                  <a:pt x="127714" y="63857"/>
-                </a:cubicBezTo>
-                <a:cubicBezTo>
-                  <a:pt x="127714" y="28590"/>
-                  <a:pt x="99124" y="0"/>
-                  <a:pt x="63857" y="0"/>
-                </a:cubicBezTo>
-                <a:close/>
-              </a:path>
-            </a:pathLst>
-          </a:custGeom>
-          <a:solidFill>
-            <a:srgbClr val="FFFFFF"/>
-          </a:solidFill>
-          <a:ln w="610" cap="flat">
-            <a:noFill/>
-            <a:prstDash val="solid"/>
-            <a:miter/>
-          </a:ln>
-        </p:spPr>
-        <p:txBody>
-          <a:bodyPr rtlCol="0" anchor="ctr"/>
-          <a:lstStyle/>
-          <a:p>
-            <a:pPr marL="0" marR="0" lvl="0" indent="0" algn="l" defTabSz="914400" rtl="0" eaLnBrk="1" fontAlgn="auto" latinLnBrk="0" hangingPunct="1">
-              <a:lnSpc>
-                <a:spcPct val="100000"/>
-              </a:lnSpc>
-              <a:spcBef>
-                <a:spcPts val="0"/>
-              </a:spcBef>
-              <a:spcAft>
-                <a:spcPts val="0"/>
-              </a:spcAft>
-              <a:buClrTx/>
-              <a:buSzTx/>
-              <a:buFontTx/>
-              <a:buNone/>
-              <a:tabLst/>
-              <a:defRPr/>
-            </a:pPr>
-            <a:endParaRPr kumimoji="0" lang="en-US" sz="1800" b="0" i="0" u="none" strike="noStrike" kern="1200" cap="none" spc="0" normalizeH="0" baseline="0" noProof="0">
-              <a:ln>
-                <a:noFill/>
-              </a:ln>
-              <a:solidFill>
-                <a:prstClr val="black"/>
-              </a:solidFill>
-              <a:effectLst/>
-              <a:uLnTx/>
-              <a:uFillTx/>
-              <a:latin typeface="Univers"/>
-              <a:ea typeface="+mn-ea"/>
-              <a:cs typeface="+mn-cs"/>
-            </a:endParaRPr>
-          </a:p>
-        </p:txBody>
-      </p:sp>
-      <p:sp>
-        <p:nvSpPr>
-          <p:cNvPr id="26" name="Marcador de contenido 2">
-            <a:extLst>
-              <a:ext uri="{FF2B5EF4-FFF2-40B4-BE49-F238E27FC236}">
-                <a16:creationId xmlns:a16="http://schemas.microsoft.com/office/drawing/2014/main" id="{6652DE62-4AD6-2D9A-5B5E-687DA9C16A6C}"/>
-              </a:ext>
-            </a:extLst>
-          </p:cNvPr>
-          <p:cNvSpPr>
-            <a:spLocks noGrp="1"/>
-          </p:cNvSpPr>
-          <p:nvPr>
-            <p:ph idx="1"/>
-          </p:nvPr>
-        </p:nvSpPr>
-        <p:spPr>
-          <a:xfrm>
-            <a:off x="7229042" y="698643"/>
-            <a:ext cx="4124758" cy="5301467"/>
-          </a:xfrm>
-        </p:spPr>
-        <p:txBody>
-          <a:bodyPr anchor="b">
-            <a:normAutofit/>
-          </a:bodyPr>
-          <a:lstStyle/>
-          <a:p>
-            <a:r>
-              <a:rPr lang="es-ES" sz="1800">
-                <a:solidFill>
-                  <a:srgbClr val="FFFFFF"/>
-                </a:solidFill>
-              </a:rPr>
-              <a:t>HTML</a:t>
-            </a:r>
-          </a:p>
-          <a:p>
-            <a:r>
-              <a:rPr lang="es-ES" sz="1800">
-                <a:solidFill>
-                  <a:srgbClr val="FFFFFF"/>
-                </a:solidFill>
-              </a:rPr>
-              <a:t>CSS</a:t>
-            </a:r>
-          </a:p>
-          <a:p>
-            <a:r>
-              <a:rPr lang="es-ES" sz="1800">
-                <a:solidFill>
-                  <a:srgbClr val="FFFFFF"/>
-                </a:solidFill>
-              </a:rPr>
-              <a:t>JS</a:t>
-            </a:r>
-          </a:p>
-          <a:p>
-            <a:r>
-              <a:rPr lang="es-ES" sz="1800">
-                <a:solidFill>
-                  <a:srgbClr val="FFFFFF"/>
-                </a:solidFill>
-              </a:rPr>
-              <a:t>NODE.JS</a:t>
-            </a:r>
-          </a:p>
-          <a:p>
-            <a:r>
-              <a:rPr lang="es-ES" sz="1800">
-                <a:solidFill>
-                  <a:srgbClr val="FFFFFF"/>
-                </a:solidFill>
-              </a:rPr>
-              <a:t>REACT</a:t>
-            </a:r>
-          </a:p>
-          <a:p>
-            <a:r>
-              <a:rPr lang="es-ES" sz="1800">
-                <a:solidFill>
-                  <a:srgbClr val="FFFFFF"/>
-                </a:solidFill>
-              </a:rPr>
-              <a:t>TAILWINDCSS</a:t>
-            </a:r>
-          </a:p>
-          <a:p>
-            <a:pPr marL="0" indent="0">
-              <a:buNone/>
-            </a:pPr>
-            <a:endParaRPr lang="es-ES" sz="1800" dirty="0">
-              <a:solidFill>
-                <a:srgbClr val="FFFFFF"/>
-              </a:solidFill>
-            </a:endParaRPr>
-          </a:p>
-        </p:txBody>
-      </p:sp>
-    </p:spTree>
-    <p:extLst>
-      <p:ext uri="{BB962C8B-B14F-4D97-AF65-F5344CB8AC3E}">
-        <p14:creationId xmlns:p14="http://schemas.microsoft.com/office/powerpoint/2010/main" val="2946057471"/>
-      </p:ext>
-    </p:extLst>
-  </p:cSld>
-  <p:clrMapOvr>
-    <a:masterClrMapping/>
-  </p:clrMapOvr>
-</p:sld>
-</file>
-
-<file path=ppt/slides/slide4.xml><?xml version="1.0" encoding="utf-8"?>
-<p:sld xmlns:a="http://schemas.openxmlformats.org/drawingml/2006/main" xmlns:r="http://schemas.openxmlformats.org/officeDocument/2006/relationships" xmlns:p="http://schemas.openxmlformats.org/presentationml/2006/main">
-  <p:cSld>
-    <p:bg>
-      <p:bgPr>
-        <a:solidFill>
-          <a:schemeClr val="bg1"/>
-        </a:solidFill>
-        <a:effectLst/>
-      </p:bgPr>
-    </p:bg>
-    <p:spTree>
-      <p:nvGrpSpPr>
-        <p:cNvPr id="1" name=""/>
-        <p:cNvGrpSpPr/>
-        <p:nvPr/>
-      </p:nvGrpSpPr>
-      <p:grpSpPr>
-        <a:xfrm>
-          <a:off x="0" y="0"/>
-          <a:ext cx="0" cy="0"/>
-          <a:chOff x="0" y="0"/>
-          <a:chExt cx="0" cy="0"/>
-        </a:xfrm>
-      </p:grpSpPr>
-      <p:sp useBgFill="1">
-        <p:nvSpPr>
-          <p:cNvPr id="9" name="Rectangle 8">
-            <a:extLst>
-              <a:ext uri="{FF2B5EF4-FFF2-40B4-BE49-F238E27FC236}">
-                <a16:creationId xmlns:a16="http://schemas.microsoft.com/office/drawing/2014/main" id="{45CF0CC2-658D-4A87-9D2E-154B0ABE1BA0}"/>
-              </a:ext>
-              <a:ext uri="{C183D7F6-B498-43B3-948B-1728B52AA6E4}">
-                <adec:decorative xmlns:adec="http://schemas.microsoft.com/office/drawing/2017/decorative" val="1"/>
-              </a:ext>
-            </a:extLst>
-          </p:cNvPr>
-          <p:cNvSpPr>
-            <a:spLocks noGrp="1" noRot="1" noChangeAspect="1" noMove="1" noResize="1" noEditPoints="1" noAdjustHandles="1" noChangeArrowheads="1" noChangeShapeType="1" noTextEdit="1"/>
-          </p:cNvSpPr>
-          <p:nvPr>
-            <p:extLst>
-              <p:ext uri="{386F3935-93C4-4BCD-93E2-E3B085C9AB24}">
-                <p16:designElem xmlns:p16="http://schemas.microsoft.com/office/powerpoint/2015/main" val="1"/>
-              </p:ext>
-            </p:extLst>
-          </p:nvPr>
-        </p:nvSpPr>
-        <p:spPr>
-          <a:xfrm>
-            <a:off x="0" y="0"/>
-            <a:ext cx="12192000" cy="6858000"/>
-          </a:xfrm>
-          <a:prstGeom prst="rect">
-            <a:avLst/>
-          </a:prstGeom>
-          <a:ln w="12700" cap="flat" cmpd="sng" algn="ctr">
-            <a:noFill/>
-            <a:prstDash val="solid"/>
-            <a:miter lim="800000"/>
-          </a:ln>
-          <a:effectLst/>
-          <a:extLst>
-            <a:ext uri="{91240B29-F687-4F45-9708-019B960494DF}">
-              <a14:hiddenLine xmlns:a14="http://schemas.microsoft.com/office/drawing/2010/main" w="12700" cap="flat" cmpd="sng" algn="ctr">
-                <a:solidFill>
-                  <a:schemeClr val="accent1">
-                    <a:shade val="50000"/>
-                  </a:schemeClr>
-                </a:solidFill>
-                <a:prstDash val="solid"/>
-                <a:miter lim="800000"/>
-              </a14:hiddenLine>
-            </a:ext>
-          </a:extLst>
-        </p:spPr>
-        <p:style>
-          <a:lnRef idx="2">
-            <a:schemeClr val="accent1">
-              <a:shade val="50000"/>
-            </a:schemeClr>
-          </a:lnRef>
-          <a:fillRef idx="1">
-            <a:schemeClr val="accent1"/>
-          </a:fillRef>
-          <a:effectRef idx="0">
-            <a:schemeClr val="accent1"/>
-          </a:effectRef>
-          <a:fontRef idx="minor">
-            <a:schemeClr val="lt1"/>
-          </a:fontRef>
-        </p:style>
-        <p:txBody>
-          <a:bodyPr rtlCol="0" anchor="ctr"/>
-          <a:lstStyle/>
-          <a:p>
-            <a:pPr algn="ctr"/>
-            <a:endParaRPr lang="en-US"/>
-          </a:p>
-        </p:txBody>
-      </p:sp>
-      <p:sp>
-        <p:nvSpPr>
-          <p:cNvPr id="11" name="!!Rectangle">
-            <a:extLst>
-              <a:ext uri="{FF2B5EF4-FFF2-40B4-BE49-F238E27FC236}">
-                <a16:creationId xmlns:a16="http://schemas.microsoft.com/office/drawing/2014/main" id="{796C2CE2-29C3-4EBD-A8BB-82C6CC06950D}"/>
-              </a:ext>
-              <a:ext uri="{C183D7F6-B498-43B3-948B-1728B52AA6E4}">
-                <adec:decorative xmlns:adec="http://schemas.microsoft.com/office/drawing/2017/decorative" val="1"/>
-              </a:ext>
-            </a:extLst>
-          </p:cNvPr>
-          <p:cNvSpPr>
-            <a:spLocks noGrp="1" noRot="1" noChangeAspect="1" noMove="1" noResize="1" noEditPoints="1" noAdjustHandles="1" noChangeArrowheads="1" noChangeShapeType="1" noTextEdit="1"/>
-          </p:cNvSpPr>
-          <p:nvPr>
-            <p:extLst>
-              <p:ext uri="{386F3935-93C4-4BCD-93E2-E3B085C9AB24}">
-                <p16:designElem xmlns:p16="http://schemas.microsoft.com/office/powerpoint/2015/main" val="1"/>
-              </p:ext>
-            </p:extLst>
-          </p:nvPr>
-        </p:nvSpPr>
-        <p:spPr>
-          <a:xfrm>
-            <a:off x="0" y="-2"/>
-            <a:ext cx="12192000" cy="6858000"/>
-          </a:xfrm>
-          <a:prstGeom prst="rect">
-            <a:avLst/>
-          </a:prstGeom>
-          <a:gradFill flip="none" rotWithShape="1">
-            <a:gsLst>
-              <a:gs pos="100000">
-                <a:schemeClr val="accent4"/>
-              </a:gs>
-              <a:gs pos="0">
-                <a:schemeClr val="accent2"/>
-              </a:gs>
-            </a:gsLst>
-            <a:lin ang="15000000" scaled="0"/>
+            <a:lin ang="18900000" scaled="1"/>
             <a:tileRect/>
           </a:gradFill>
           <a:ln>
@@ -13446,7 +15841,7 @@
         </p:nvSpPr>
         <p:spPr>
           <a:xfrm>
-            <a:off x="5846617" y="381935"/>
+            <a:off x="1188069" y="381935"/>
             <a:ext cx="5366040" cy="2344840"/>
           </a:xfrm>
         </p:spPr>
@@ -13457,19 +15852,24 @@
           <a:lstStyle/>
           <a:p>
             <a:r>
-              <a:rPr lang="es-ES" sz="7200" dirty="0">
+              <a:rPr lang="es-ES" sz="7200">
                 <a:solidFill>
                   <a:srgbClr val="FFFFFF"/>
                 </a:solidFill>
               </a:rPr>
               <a:t>¿Qué es un framework?</a:t>
             </a:r>
+            <a:endParaRPr lang="es-ES" sz="7200" dirty="0">
+              <a:solidFill>
+                <a:srgbClr val="FFFFFF"/>
+              </a:solidFill>
+            </a:endParaRPr>
           </a:p>
         </p:txBody>
       </p:sp>
       <p:sp>
         <p:nvSpPr>
-          <p:cNvPr id="13" name="Graphic 11">
+          <p:cNvPr id="42" name="Graphic 11">
             <a:extLst>
               <a:ext uri="{FF2B5EF4-FFF2-40B4-BE49-F238E27FC236}">
                 <a16:creationId xmlns:a16="http://schemas.microsoft.com/office/drawing/2014/main" id="{6CB927A4-E432-4310-9CD5-E89FF5063179}"/>
@@ -13492,7 +15892,7 @@
         </p:nvSpPr>
         <p:spPr>
           <a:xfrm>
-            <a:off x="1379609" y="554152"/>
+            <a:off x="11013369" y="554152"/>
             <a:ext cx="171515" cy="171515"/>
           </a:xfrm>
           <a:custGeom>
@@ -13710,7 +16110,7 @@
       </p:sp>
       <p:sp>
         <p:nvSpPr>
-          <p:cNvPr id="15" name="Graphic 10">
+          <p:cNvPr id="43" name="Graphic 10">
             <a:extLst>
               <a:ext uri="{FF2B5EF4-FFF2-40B4-BE49-F238E27FC236}">
                 <a16:creationId xmlns:a16="http://schemas.microsoft.com/office/drawing/2014/main" id="{E3020543-B24B-4EC4-8FFC-8DD88EEA91A8}"/>
@@ -13733,7 +16133,7 @@
         </p:nvSpPr>
         <p:spPr>
           <a:xfrm>
-            <a:off x="996116" y="837005"/>
+            <a:off x="11455951" y="837005"/>
             <a:ext cx="112426" cy="112426"/>
           </a:xfrm>
           <a:custGeom>
@@ -13847,7 +16247,7 @@
       </p:sp>
       <p:sp>
         <p:nvSpPr>
-          <p:cNvPr id="17" name="Graphic 12">
+          <p:cNvPr id="44" name="Graphic 12">
             <a:extLst>
               <a:ext uri="{FF2B5EF4-FFF2-40B4-BE49-F238E27FC236}">
                 <a16:creationId xmlns:a16="http://schemas.microsoft.com/office/drawing/2014/main" id="{1453BF6C-B012-48B7-B4E8-6D7AC7C27D02}"/>
@@ -13870,7 +16270,7 @@
         </p:nvSpPr>
         <p:spPr>
           <a:xfrm>
-            <a:off x="1412748" y="1472473"/>
+            <a:off x="10994200" y="1472473"/>
             <a:ext cx="157545" cy="157545"/>
           </a:xfrm>
           <a:custGeom>
@@ -14032,10 +16432,10 @@
       </p:sp>
       <p:cxnSp>
         <p:nvCxnSpPr>
-          <p:cNvPr id="19" name="Straight Connector">
+          <p:cNvPr id="34" name="Straight Connector">
             <a:extLst>
               <a:ext uri="{FF2B5EF4-FFF2-40B4-BE49-F238E27FC236}">
-                <a16:creationId xmlns:a16="http://schemas.microsoft.com/office/drawing/2014/main" id="{BF76EB78-6E9D-49A9-ADC5-7BCCD6F1FD48}"/>
+                <a16:creationId xmlns:a16="http://schemas.microsoft.com/office/drawing/2014/main" id="{C49DA8F6-BCC1-4447-B54C-57856834B94B}"/>
               </a:ext>
               <a:ext uri="{C183D7F6-B498-43B3-948B-1728B52AA6E4}">
                 <adec:decorative xmlns:adec="http://schemas.microsoft.com/office/drawing/2017/decorative" val="1"/>
@@ -14063,7 +16463,7 @@
           </a:prstGeom>
           <a:ln w="25400" cap="sq">
             <a:solidFill>
-              <a:srgbClr val="FFFFFF"/>
+              <a:schemeClr val="bg1"/>
             </a:solidFill>
             <a:bevel/>
           </a:ln>
@@ -14101,7 +16501,7 @@
         </p:nvSpPr>
         <p:spPr>
           <a:xfrm>
-            <a:off x="5846617" y="3175552"/>
+            <a:off x="1188069" y="3175552"/>
             <a:ext cx="5366041" cy="2809114"/>
           </a:xfrm>
         </p:spPr>
@@ -14115,13 +16515,18 @@
               <a:buNone/>
             </a:pPr>
             <a:r>
-              <a:rPr lang="es-ES" sz="1800" dirty="0">
+              <a:rPr lang="es-ES" sz="1800">
                 <a:solidFill>
                   <a:srgbClr val="FFFFFF"/>
                 </a:solidFill>
               </a:rPr>
-              <a:t>Un framework es un marco de trabajo que tiene como objetivo facilitar la solución de problemas que pueden surgir al programar. Los frameworks aceleran el proceso de programar facilitando tareas como la organización del código o el trabajo en equipo dentro de un proyecto, por ejemplo.</a:t>
+              <a:t>Un framework es un marco de trabajo que tiene como objetivo facilitar la solución de problemas que pueden surgir al programar. Los frameworks aceleran el proceso de programar facilitando tareas como la organización del código o el trabajo en equipo dentro de un proyecto, por ejemplo: TailwindCSS.</a:t>
             </a:r>
+            <a:endParaRPr lang="es-ES" sz="1800" dirty="0">
+              <a:solidFill>
+                <a:srgbClr val="FFFFFF"/>
+              </a:solidFill>
+            </a:endParaRPr>
           </a:p>
         </p:txBody>
       </p:sp>
@@ -14138,7 +16543,7 @@
 </p:sld>
 </file>
 
-<file path=ppt/slides/slide5.xml><?xml version="1.0" encoding="utf-8"?>
+<file path=ppt/slides/slide4.xml><?xml version="1.0" encoding="utf-8"?>
 <p:sld xmlns:a="http://schemas.openxmlformats.org/drawingml/2006/main" xmlns:r="http://schemas.openxmlformats.org/officeDocument/2006/relationships" xmlns:p="http://schemas.openxmlformats.org/presentationml/2006/main">
   <p:cSld>
     <p:bg>
@@ -15086,7 +17491,7 @@
                   <a:srgbClr val="FFFFFF"/>
                 </a:solidFill>
               </a:rPr>
-              <a:t> en JavaScript que permite un desarrollo más fácil de aplicaciones basadas en JavaScript, especialmente AJAX y otras tecnologías centradas en la web.​</a:t>
+              <a:t> en JavaScript que permite un desarrollo más fácil de aplicaciones basadas en JavaScript, especialmente AJAX y otras tecnologías centradas en la web.​ por ejemplo: React.</a:t>
             </a:r>
           </a:p>
         </p:txBody>
@@ -15095,6 +17500,1025 @@
     <p:extLst>
       <p:ext uri="{BB962C8B-B14F-4D97-AF65-F5344CB8AC3E}">
         <p14:creationId xmlns:p14="http://schemas.microsoft.com/office/powerpoint/2010/main" val="168553603"/>
+      </p:ext>
+    </p:extLst>
+  </p:cSld>
+  <p:clrMapOvr>
+    <a:masterClrMapping/>
+  </p:clrMapOvr>
+</p:sld>
+</file>
+
+<file path=ppt/slides/slide5.xml><?xml version="1.0" encoding="utf-8"?>
+<p:sld xmlns:a="http://schemas.openxmlformats.org/drawingml/2006/main" xmlns:r="http://schemas.openxmlformats.org/officeDocument/2006/relationships" xmlns:p="http://schemas.openxmlformats.org/presentationml/2006/main">
+  <p:cSld>
+    <p:bg>
+      <p:bgPr>
+        <a:solidFill>
+          <a:schemeClr val="bg1"/>
+        </a:solidFill>
+        <a:effectLst/>
+      </p:bgPr>
+    </p:bg>
+    <p:spTree>
+      <p:nvGrpSpPr>
+        <p:cNvPr id="1" name=""/>
+        <p:cNvGrpSpPr/>
+        <p:nvPr/>
+      </p:nvGrpSpPr>
+      <p:grpSpPr>
+        <a:xfrm>
+          <a:off x="0" y="0"/>
+          <a:ext cx="0" cy="0"/>
+          <a:chOff x="0" y="0"/>
+          <a:chExt cx="0" cy="0"/>
+        </a:xfrm>
+      </p:grpSpPr>
+      <p:sp useBgFill="1">
+        <p:nvSpPr>
+          <p:cNvPr id="86" name="Rectangle 73">
+            <a:extLst>
+              <a:ext uri="{FF2B5EF4-FFF2-40B4-BE49-F238E27FC236}">
+                <a16:creationId xmlns:a16="http://schemas.microsoft.com/office/drawing/2014/main" id="{2FD33B50-DCFC-4FC8-86E6-220C10042223}"/>
+              </a:ext>
+              <a:ext uri="{C183D7F6-B498-43B3-948B-1728B52AA6E4}">
+                <adec:decorative xmlns:adec="http://schemas.microsoft.com/office/drawing/2017/decorative" val="1"/>
+              </a:ext>
+            </a:extLst>
+          </p:cNvPr>
+          <p:cNvSpPr>
+            <a:spLocks noGrp="1" noRot="1" noChangeAspect="1" noMove="1" noResize="1" noEditPoints="1" noAdjustHandles="1" noChangeArrowheads="1" noChangeShapeType="1" noTextEdit="1"/>
+          </p:cNvSpPr>
+          <p:nvPr>
+            <p:extLst>
+              <p:ext uri="{386F3935-93C4-4BCD-93E2-E3B085C9AB24}">
+                <p16:designElem xmlns:p16="http://schemas.microsoft.com/office/powerpoint/2015/main" val="1"/>
+              </p:ext>
+            </p:extLst>
+          </p:nvPr>
+        </p:nvSpPr>
+        <p:spPr>
+          <a:xfrm>
+            <a:off x="0" y="0"/>
+            <a:ext cx="12192000" cy="6858000"/>
+          </a:xfrm>
+          <a:prstGeom prst="rect">
+            <a:avLst/>
+          </a:prstGeom>
+          <a:ln w="12700" cap="flat" cmpd="sng" algn="ctr">
+            <a:noFill/>
+            <a:prstDash val="solid"/>
+            <a:miter lim="800000"/>
+          </a:ln>
+          <a:effectLst/>
+          <a:extLst>
+            <a:ext uri="{91240B29-F687-4F45-9708-019B960494DF}">
+              <a14:hiddenLine xmlns:a14="http://schemas.microsoft.com/office/drawing/2010/main" w="12700" cap="flat" cmpd="sng" algn="ctr">
+                <a:solidFill>
+                  <a:schemeClr val="accent1">
+                    <a:shade val="50000"/>
+                  </a:schemeClr>
+                </a:solidFill>
+                <a:prstDash val="solid"/>
+                <a:miter lim="800000"/>
+              </a14:hiddenLine>
+            </a:ext>
+          </a:extLst>
+        </p:spPr>
+        <p:style>
+          <a:lnRef idx="2">
+            <a:schemeClr val="accent1">
+              <a:shade val="50000"/>
+            </a:schemeClr>
+          </a:lnRef>
+          <a:fillRef idx="1">
+            <a:schemeClr val="accent1"/>
+          </a:fillRef>
+          <a:effectRef idx="0">
+            <a:schemeClr val="accent1"/>
+          </a:effectRef>
+          <a:fontRef idx="minor">
+            <a:schemeClr val="lt1"/>
+          </a:fontRef>
+        </p:style>
+        <p:txBody>
+          <a:bodyPr rtlCol="0" anchor="ctr"/>
+          <a:lstStyle/>
+          <a:p>
+            <a:pPr algn="ctr"/>
+            <a:endParaRPr lang="en-US"/>
+          </a:p>
+        </p:txBody>
+      </p:sp>
+      <p:sp>
+        <p:nvSpPr>
+          <p:cNvPr id="87" name="!!Rectangle">
+            <a:extLst>
+              <a:ext uri="{FF2B5EF4-FFF2-40B4-BE49-F238E27FC236}">
+                <a16:creationId xmlns:a16="http://schemas.microsoft.com/office/drawing/2014/main" id="{B0C822EA-49C6-4B57-89F4-2F6A54365C59}"/>
+              </a:ext>
+              <a:ext uri="{C183D7F6-B498-43B3-948B-1728B52AA6E4}">
+                <adec:decorative xmlns:adec="http://schemas.microsoft.com/office/drawing/2017/decorative" val="1"/>
+              </a:ext>
+            </a:extLst>
+          </p:cNvPr>
+          <p:cNvSpPr>
+            <a:spLocks noGrp="1" noRot="1" noChangeAspect="1" noMove="1" noResize="1" noEditPoints="1" noAdjustHandles="1" noChangeArrowheads="1" noChangeShapeType="1" noTextEdit="1"/>
+          </p:cNvSpPr>
+          <p:nvPr>
+            <p:extLst>
+              <p:ext uri="{386F3935-93C4-4BCD-93E2-E3B085C9AB24}">
+                <p16:designElem xmlns:p16="http://schemas.microsoft.com/office/powerpoint/2015/main" val="1"/>
+              </p:ext>
+            </p:extLst>
+          </p:nvPr>
+        </p:nvSpPr>
+        <p:spPr>
+          <a:xfrm>
+            <a:off x="0" y="0"/>
+            <a:ext cx="12192000" cy="6858000"/>
+          </a:xfrm>
+          <a:prstGeom prst="rect">
+            <a:avLst/>
+          </a:prstGeom>
+          <a:gradFill flip="none" rotWithShape="1">
+            <a:gsLst>
+              <a:gs pos="100000">
+                <a:schemeClr val="accent4"/>
+              </a:gs>
+              <a:gs pos="0">
+                <a:schemeClr val="accent2"/>
+              </a:gs>
+            </a:gsLst>
+            <a:lin ang="12600000" scaled="0"/>
+            <a:tileRect/>
+          </a:gradFill>
+          <a:ln>
+            <a:noFill/>
+          </a:ln>
+        </p:spPr>
+        <p:style>
+          <a:lnRef idx="2">
+            <a:schemeClr val="accent1">
+              <a:shade val="50000"/>
+            </a:schemeClr>
+          </a:lnRef>
+          <a:fillRef idx="1">
+            <a:schemeClr val="accent1"/>
+          </a:fillRef>
+          <a:effectRef idx="0">
+            <a:schemeClr val="accent1"/>
+          </a:effectRef>
+          <a:fontRef idx="minor">
+            <a:schemeClr val="lt1"/>
+          </a:fontRef>
+        </p:style>
+        <p:txBody>
+          <a:bodyPr rtlCol="0" anchor="ctr"/>
+          <a:lstStyle/>
+          <a:p>
+            <a:pPr marL="0" marR="0" lvl="0" indent="0" algn="ctr" defTabSz="914400" rtl="0" eaLnBrk="1" fontAlgn="auto" latinLnBrk="0" hangingPunct="1">
+              <a:lnSpc>
+                <a:spcPct val="100000"/>
+              </a:lnSpc>
+              <a:spcBef>
+                <a:spcPts val="0"/>
+              </a:spcBef>
+              <a:spcAft>
+                <a:spcPts val="0"/>
+              </a:spcAft>
+              <a:buClrTx/>
+              <a:buSzTx/>
+              <a:buFontTx/>
+              <a:buNone/>
+              <a:tabLst/>
+              <a:defRPr/>
+            </a:pPr>
+            <a:endParaRPr kumimoji="0" lang="en-US" sz="1800" b="0" i="0" u="none" strike="noStrike" kern="1200" cap="none" spc="0" normalizeH="0" baseline="0" noProof="0">
+              <a:ln>
+                <a:noFill/>
+              </a:ln>
+              <a:solidFill>
+                <a:prstClr val="white"/>
+              </a:solidFill>
+              <a:effectLst/>
+              <a:uLnTx/>
+              <a:uFillTx/>
+              <a:latin typeface="Univers"/>
+              <a:ea typeface="+mn-ea"/>
+              <a:cs typeface="+mn-cs"/>
+            </a:endParaRPr>
+          </a:p>
+        </p:txBody>
+      </p:sp>
+      <p:pic>
+        <p:nvPicPr>
+          <p:cNvPr id="22" name="Picture 4" descr="Script de computador num ecrã">
+            <a:extLst>
+              <a:ext uri="{FF2B5EF4-FFF2-40B4-BE49-F238E27FC236}">
+                <a16:creationId xmlns:a16="http://schemas.microsoft.com/office/drawing/2014/main" id="{80CD2610-2060-AB2E-1C29-C36E66F6515B}"/>
+              </a:ext>
+            </a:extLst>
+          </p:cNvPr>
+          <p:cNvPicPr>
+            <a:picLocks noChangeAspect="1"/>
+          </p:cNvPicPr>
+          <p:nvPr/>
+        </p:nvPicPr>
+        <p:blipFill rotWithShape="1">
+          <a:blip r:embed="rId2">
+            <a:duotone>
+              <a:schemeClr val="accent1">
+                <a:shade val="45000"/>
+                <a:satMod val="135000"/>
+              </a:schemeClr>
+              <a:prstClr val="white"/>
+            </a:duotone>
+            <a:alphaModFix amt="35000"/>
+          </a:blip>
+          <a:srcRect t="7017" b="8713"/>
+          <a:stretch/>
+        </p:blipFill>
+        <p:spPr>
+          <a:xfrm>
+            <a:off x="20" y="-8877"/>
+            <a:ext cx="12191980" cy="6858000"/>
+          </a:xfrm>
+          <a:prstGeom prst="rect">
+            <a:avLst/>
+          </a:prstGeom>
+        </p:spPr>
+      </p:pic>
+      <p:sp>
+        <p:nvSpPr>
+          <p:cNvPr id="2" name="Título 1">
+            <a:extLst>
+              <a:ext uri="{FF2B5EF4-FFF2-40B4-BE49-F238E27FC236}">
+                <a16:creationId xmlns:a16="http://schemas.microsoft.com/office/drawing/2014/main" id="{BCC7CE61-A325-2B2A-83DE-184B326FE817}"/>
+              </a:ext>
+            </a:extLst>
+          </p:cNvPr>
+          <p:cNvSpPr>
+            <a:spLocks noGrp="1"/>
+          </p:cNvSpPr>
+          <p:nvPr>
+            <p:ph type="title"/>
+          </p:nvPr>
+        </p:nvSpPr>
+        <p:spPr>
+          <a:xfrm>
+            <a:off x="882268" y="698643"/>
+            <a:ext cx="5243394" cy="5189746"/>
+          </a:xfrm>
+        </p:spPr>
+        <p:txBody>
+          <a:bodyPr anchor="t">
+            <a:normAutofit/>
+          </a:bodyPr>
+          <a:lstStyle/>
+          <a:p>
+            <a:r>
+              <a:rPr lang="es-ES" sz="7200">
+                <a:solidFill>
+                  <a:srgbClr val="FFFFFF"/>
+                </a:solidFill>
+              </a:rPr>
+              <a:t>Cosas que he usado</a:t>
+            </a:r>
+            <a:endParaRPr lang="es-ES" sz="7200" dirty="0">
+              <a:solidFill>
+                <a:srgbClr val="FFFFFF"/>
+              </a:solidFill>
+            </a:endParaRPr>
+          </a:p>
+        </p:txBody>
+      </p:sp>
+      <p:sp>
+        <p:nvSpPr>
+          <p:cNvPr id="88" name="Graphic 11">
+            <a:extLst>
+              <a:ext uri="{FF2B5EF4-FFF2-40B4-BE49-F238E27FC236}">
+                <a16:creationId xmlns:a16="http://schemas.microsoft.com/office/drawing/2014/main" id="{6CB927A4-E432-4310-9CD5-E89FF5063179}"/>
+              </a:ext>
+              <a:ext uri="{C183D7F6-B498-43B3-948B-1728B52AA6E4}">
+                <adec:decorative xmlns:adec="http://schemas.microsoft.com/office/drawing/2017/decorative" val="1"/>
+              </a:ext>
+            </a:extLst>
+          </p:cNvPr>
+          <p:cNvSpPr>
+            <a:spLocks noGrp="1" noRot="1" noChangeAspect="1" noMove="1" noResize="1" noEditPoints="1" noAdjustHandles="1" noChangeArrowheads="1" noChangeShapeType="1" noTextEdit="1"/>
+          </p:cNvSpPr>
+          <p:nvPr>
+            <p:extLst>
+              <p:ext uri="{386F3935-93C4-4BCD-93E2-E3B085C9AB24}">
+                <p16:designElem xmlns:p16="http://schemas.microsoft.com/office/powerpoint/2015/main" val="1"/>
+              </p:ext>
+            </p:extLst>
+          </p:nvPr>
+        </p:nvSpPr>
+        <p:spPr>
+          <a:xfrm>
+            <a:off x="6170016" y="740316"/>
+            <a:ext cx="139039" cy="139039"/>
+          </a:xfrm>
+          <a:custGeom>
+            <a:avLst/>
+            <a:gdLst>
+              <a:gd name="connsiteX0" fmla="*/ 129602 w 139039"/>
+              <a:gd name="connsiteY0" fmla="*/ 60082 h 139039"/>
+              <a:gd name="connsiteX1" fmla="*/ 78957 w 139039"/>
+              <a:gd name="connsiteY1" fmla="*/ 60082 h 139039"/>
+              <a:gd name="connsiteX2" fmla="*/ 78957 w 139039"/>
+              <a:gd name="connsiteY2" fmla="*/ 9437 h 139039"/>
+              <a:gd name="connsiteX3" fmla="*/ 69520 w 139039"/>
+              <a:gd name="connsiteY3" fmla="*/ 0 h 139039"/>
+              <a:gd name="connsiteX4" fmla="*/ 60082 w 139039"/>
+              <a:gd name="connsiteY4" fmla="*/ 9437 h 139039"/>
+              <a:gd name="connsiteX5" fmla="*/ 60082 w 139039"/>
+              <a:gd name="connsiteY5" fmla="*/ 60082 h 139039"/>
+              <a:gd name="connsiteX6" fmla="*/ 9437 w 139039"/>
+              <a:gd name="connsiteY6" fmla="*/ 60082 h 139039"/>
+              <a:gd name="connsiteX7" fmla="*/ 0 w 139039"/>
+              <a:gd name="connsiteY7" fmla="*/ 69520 h 139039"/>
+              <a:gd name="connsiteX8" fmla="*/ 9437 w 139039"/>
+              <a:gd name="connsiteY8" fmla="*/ 78957 h 139039"/>
+              <a:gd name="connsiteX9" fmla="*/ 60082 w 139039"/>
+              <a:gd name="connsiteY9" fmla="*/ 78957 h 139039"/>
+              <a:gd name="connsiteX10" fmla="*/ 60082 w 139039"/>
+              <a:gd name="connsiteY10" fmla="*/ 129602 h 139039"/>
+              <a:gd name="connsiteX11" fmla="*/ 69520 w 139039"/>
+              <a:gd name="connsiteY11" fmla="*/ 139039 h 139039"/>
+              <a:gd name="connsiteX12" fmla="*/ 78957 w 139039"/>
+              <a:gd name="connsiteY12" fmla="*/ 129602 h 139039"/>
+              <a:gd name="connsiteX13" fmla="*/ 78957 w 139039"/>
+              <a:gd name="connsiteY13" fmla="*/ 78957 h 139039"/>
+              <a:gd name="connsiteX14" fmla="*/ 129602 w 139039"/>
+              <a:gd name="connsiteY14" fmla="*/ 78957 h 139039"/>
+              <a:gd name="connsiteX15" fmla="*/ 139039 w 139039"/>
+              <a:gd name="connsiteY15" fmla="*/ 69520 h 139039"/>
+              <a:gd name="connsiteX16" fmla="*/ 129602 w 139039"/>
+              <a:gd name="connsiteY16" fmla="*/ 60082 h 139039"/>
+            </a:gdLst>
+            <a:ahLst/>
+            <a:cxnLst>
+              <a:cxn ang="0">
+                <a:pos x="connsiteX0" y="connsiteY0"/>
+              </a:cxn>
+              <a:cxn ang="0">
+                <a:pos x="connsiteX1" y="connsiteY1"/>
+              </a:cxn>
+              <a:cxn ang="0">
+                <a:pos x="connsiteX2" y="connsiteY2"/>
+              </a:cxn>
+              <a:cxn ang="0">
+                <a:pos x="connsiteX3" y="connsiteY3"/>
+              </a:cxn>
+              <a:cxn ang="0">
+                <a:pos x="connsiteX4" y="connsiteY4"/>
+              </a:cxn>
+              <a:cxn ang="0">
+                <a:pos x="connsiteX5" y="connsiteY5"/>
+              </a:cxn>
+              <a:cxn ang="0">
+                <a:pos x="connsiteX6" y="connsiteY6"/>
+              </a:cxn>
+              <a:cxn ang="0">
+                <a:pos x="connsiteX7" y="connsiteY7"/>
+              </a:cxn>
+              <a:cxn ang="0">
+                <a:pos x="connsiteX8" y="connsiteY8"/>
+              </a:cxn>
+              <a:cxn ang="0">
+                <a:pos x="connsiteX9" y="connsiteY9"/>
+              </a:cxn>
+              <a:cxn ang="0">
+                <a:pos x="connsiteX10" y="connsiteY10"/>
+              </a:cxn>
+              <a:cxn ang="0">
+                <a:pos x="connsiteX11" y="connsiteY11"/>
+              </a:cxn>
+              <a:cxn ang="0">
+                <a:pos x="connsiteX12" y="connsiteY12"/>
+              </a:cxn>
+              <a:cxn ang="0">
+                <a:pos x="connsiteX13" y="connsiteY13"/>
+              </a:cxn>
+              <a:cxn ang="0">
+                <a:pos x="connsiteX14" y="connsiteY14"/>
+              </a:cxn>
+              <a:cxn ang="0">
+                <a:pos x="connsiteX15" y="connsiteY15"/>
+              </a:cxn>
+              <a:cxn ang="0">
+                <a:pos x="connsiteX16" y="connsiteY16"/>
+              </a:cxn>
+            </a:cxnLst>
+            <a:rect l="l" t="t" r="r" b="b"/>
+            <a:pathLst>
+              <a:path w="139039" h="139039">
+                <a:moveTo>
+                  <a:pt x="129602" y="60082"/>
+                </a:moveTo>
+                <a:lnTo>
+                  <a:pt x="78957" y="60082"/>
+                </a:lnTo>
+                <a:lnTo>
+                  <a:pt x="78957" y="9437"/>
+                </a:lnTo>
+                <a:cubicBezTo>
+                  <a:pt x="78957" y="4225"/>
+                  <a:pt x="74731" y="0"/>
+                  <a:pt x="69520" y="0"/>
+                </a:cubicBezTo>
+                <a:cubicBezTo>
+                  <a:pt x="64308" y="0"/>
+                  <a:pt x="60082" y="4225"/>
+                  <a:pt x="60082" y="9437"/>
+                </a:cubicBezTo>
+                <a:lnTo>
+                  <a:pt x="60082" y="60082"/>
+                </a:lnTo>
+                <a:lnTo>
+                  <a:pt x="9437" y="60082"/>
+                </a:lnTo>
+                <a:cubicBezTo>
+                  <a:pt x="4225" y="60082"/>
+                  <a:pt x="0" y="64308"/>
+                  <a:pt x="0" y="69520"/>
+                </a:cubicBezTo>
+                <a:cubicBezTo>
+                  <a:pt x="0" y="74731"/>
+                  <a:pt x="4225" y="78957"/>
+                  <a:pt x="9437" y="78957"/>
+                </a:cubicBezTo>
+                <a:lnTo>
+                  <a:pt x="60082" y="78957"/>
+                </a:lnTo>
+                <a:lnTo>
+                  <a:pt x="60082" y="129602"/>
+                </a:lnTo>
+                <a:cubicBezTo>
+                  <a:pt x="60082" y="134814"/>
+                  <a:pt x="64308" y="139039"/>
+                  <a:pt x="69520" y="139039"/>
+                </a:cubicBezTo>
+                <a:cubicBezTo>
+                  <a:pt x="74731" y="139039"/>
+                  <a:pt x="78957" y="134814"/>
+                  <a:pt x="78957" y="129602"/>
+                </a:cubicBezTo>
+                <a:lnTo>
+                  <a:pt x="78957" y="78957"/>
+                </a:lnTo>
+                <a:lnTo>
+                  <a:pt x="129602" y="78957"/>
+                </a:lnTo>
+                <a:cubicBezTo>
+                  <a:pt x="134814" y="78957"/>
+                  <a:pt x="139039" y="74731"/>
+                  <a:pt x="139039" y="69520"/>
+                </a:cubicBezTo>
+                <a:cubicBezTo>
+                  <a:pt x="139039" y="64308"/>
+                  <a:pt x="134814" y="60082"/>
+                  <a:pt x="129602" y="60082"/>
+                </a:cubicBezTo>
+                <a:close/>
+              </a:path>
+            </a:pathLst>
+          </a:custGeom>
+          <a:solidFill>
+            <a:srgbClr val="FFFFFF"/>
+          </a:solidFill>
+          <a:ln w="603" cap="flat">
+            <a:noFill/>
+            <a:prstDash val="solid"/>
+            <a:miter/>
+          </a:ln>
+        </p:spPr>
+        <p:txBody>
+          <a:bodyPr rtlCol="0" anchor="ctr"/>
+          <a:lstStyle/>
+          <a:p>
+            <a:pPr marL="0" marR="0" lvl="0" indent="0" algn="l" defTabSz="914400" rtl="0" eaLnBrk="1" fontAlgn="auto" latinLnBrk="0" hangingPunct="1">
+              <a:lnSpc>
+                <a:spcPct val="100000"/>
+              </a:lnSpc>
+              <a:spcBef>
+                <a:spcPts val="0"/>
+              </a:spcBef>
+              <a:spcAft>
+                <a:spcPts val="0"/>
+              </a:spcAft>
+              <a:buClrTx/>
+              <a:buSzTx/>
+              <a:buFontTx/>
+              <a:buNone/>
+              <a:tabLst/>
+              <a:defRPr/>
+            </a:pPr>
+            <a:endParaRPr kumimoji="0" lang="en-US" sz="1800" b="0" i="0" u="none" strike="noStrike" kern="1200" cap="none" spc="0" normalizeH="0" baseline="0" noProof="0">
+              <a:ln>
+                <a:noFill/>
+              </a:ln>
+              <a:solidFill>
+                <a:prstClr val="black"/>
+              </a:solidFill>
+              <a:effectLst/>
+              <a:uLnTx/>
+              <a:uFillTx/>
+              <a:latin typeface="Univers"/>
+              <a:ea typeface="+mn-ea"/>
+              <a:cs typeface="+mn-cs"/>
+            </a:endParaRPr>
+          </a:p>
+        </p:txBody>
+      </p:sp>
+      <p:sp>
+        <p:nvSpPr>
+          <p:cNvPr id="89" name="Graphic 10">
+            <a:extLst>
+              <a:ext uri="{FF2B5EF4-FFF2-40B4-BE49-F238E27FC236}">
+                <a16:creationId xmlns:a16="http://schemas.microsoft.com/office/drawing/2014/main" id="{E3020543-B24B-4EC4-8FFC-8DD88EEA91A8}"/>
+              </a:ext>
+              <a:ext uri="{C183D7F6-B498-43B3-948B-1728B52AA6E4}">
+                <adec:decorative xmlns:adec="http://schemas.microsoft.com/office/drawing/2017/decorative" val="1"/>
+              </a:ext>
+            </a:extLst>
+          </p:cNvPr>
+          <p:cNvSpPr>
+            <a:spLocks noGrp="1" noRot="1" noChangeAspect="1" noMove="1" noResize="1" noEditPoints="1" noAdjustHandles="1" noChangeArrowheads="1" noChangeShapeType="1" noTextEdit="1"/>
+          </p:cNvSpPr>
+          <p:nvPr>
+            <p:extLst>
+              <p:ext uri="{386F3935-93C4-4BCD-93E2-E3B085C9AB24}">
+                <p16:designElem xmlns:p16="http://schemas.microsoft.com/office/powerpoint/2015/main" val="1"/>
+              </p:ext>
+            </p:extLst>
+          </p:nvPr>
+        </p:nvSpPr>
+        <p:spPr>
+          <a:xfrm>
+            <a:off x="6528796" y="969611"/>
+            <a:ext cx="91138" cy="91138"/>
+          </a:xfrm>
+          <a:custGeom>
+            <a:avLst/>
+            <a:gdLst>
+              <a:gd name="connsiteX0" fmla="*/ 91138 w 91138"/>
+              <a:gd name="connsiteY0" fmla="*/ 45569 h 91138"/>
+              <a:gd name="connsiteX1" fmla="*/ 45569 w 91138"/>
+              <a:gd name="connsiteY1" fmla="*/ 91138 h 91138"/>
+              <a:gd name="connsiteX2" fmla="*/ 0 w 91138"/>
+              <a:gd name="connsiteY2" fmla="*/ 45569 h 91138"/>
+              <a:gd name="connsiteX3" fmla="*/ 45569 w 91138"/>
+              <a:gd name="connsiteY3" fmla="*/ 0 h 91138"/>
+              <a:gd name="connsiteX4" fmla="*/ 91138 w 91138"/>
+              <a:gd name="connsiteY4" fmla="*/ 45569 h 91138"/>
+            </a:gdLst>
+            <a:ahLst/>
+            <a:cxnLst>
+              <a:cxn ang="0">
+                <a:pos x="connsiteX0" y="connsiteY0"/>
+              </a:cxn>
+              <a:cxn ang="0">
+                <a:pos x="connsiteX1" y="connsiteY1"/>
+              </a:cxn>
+              <a:cxn ang="0">
+                <a:pos x="connsiteX2" y="connsiteY2"/>
+              </a:cxn>
+              <a:cxn ang="0">
+                <a:pos x="connsiteX3" y="connsiteY3"/>
+              </a:cxn>
+              <a:cxn ang="0">
+                <a:pos x="connsiteX4" y="connsiteY4"/>
+              </a:cxn>
+            </a:cxnLst>
+            <a:rect l="l" t="t" r="r" b="b"/>
+            <a:pathLst>
+              <a:path w="91138" h="91138">
+                <a:moveTo>
+                  <a:pt x="91138" y="45569"/>
+                </a:moveTo>
+                <a:cubicBezTo>
+                  <a:pt x="91138" y="70736"/>
+                  <a:pt x="70736" y="91138"/>
+                  <a:pt x="45569" y="91138"/>
+                </a:cubicBezTo>
+                <a:cubicBezTo>
+                  <a:pt x="20402" y="91138"/>
+                  <a:pt x="0" y="70736"/>
+                  <a:pt x="0" y="45569"/>
+                </a:cubicBezTo>
+                <a:cubicBezTo>
+                  <a:pt x="0" y="20402"/>
+                  <a:pt x="20402" y="0"/>
+                  <a:pt x="45569" y="0"/>
+                </a:cubicBezTo>
+                <a:cubicBezTo>
+                  <a:pt x="70736" y="0"/>
+                  <a:pt x="91138" y="20402"/>
+                  <a:pt x="91138" y="45569"/>
+                </a:cubicBezTo>
+                <a:close/>
+              </a:path>
+            </a:pathLst>
+          </a:custGeom>
+          <a:solidFill>
+            <a:srgbClr val="FFFFFF"/>
+          </a:solidFill>
+          <a:ln w="422" cap="flat">
+            <a:noFill/>
+            <a:prstDash val="solid"/>
+            <a:miter/>
+          </a:ln>
+        </p:spPr>
+        <p:txBody>
+          <a:bodyPr rtlCol="0" anchor="ctr"/>
+          <a:lstStyle/>
+          <a:p>
+            <a:pPr marL="0" marR="0" lvl="0" indent="0" algn="l" defTabSz="914400" rtl="0" eaLnBrk="1" fontAlgn="auto" latinLnBrk="0" hangingPunct="1">
+              <a:lnSpc>
+                <a:spcPct val="100000"/>
+              </a:lnSpc>
+              <a:spcBef>
+                <a:spcPts val="0"/>
+              </a:spcBef>
+              <a:spcAft>
+                <a:spcPts val="0"/>
+              </a:spcAft>
+              <a:buClrTx/>
+              <a:buSzTx/>
+              <a:buFontTx/>
+              <a:buNone/>
+              <a:tabLst/>
+              <a:defRPr/>
+            </a:pPr>
+            <a:endParaRPr kumimoji="0" lang="en-US" sz="1800" b="0" i="0" u="none" strike="noStrike" kern="1200" cap="none" spc="0" normalizeH="0" baseline="0" noProof="0">
+              <a:ln>
+                <a:noFill/>
+              </a:ln>
+              <a:solidFill>
+                <a:prstClr val="black"/>
+              </a:solidFill>
+              <a:effectLst/>
+              <a:uLnTx/>
+              <a:uFillTx/>
+              <a:latin typeface="Univers"/>
+              <a:ea typeface="+mn-ea"/>
+              <a:cs typeface="+mn-cs"/>
+            </a:endParaRPr>
+          </a:p>
+        </p:txBody>
+      </p:sp>
+      <p:sp>
+        <p:nvSpPr>
+          <p:cNvPr id="90" name="Graphic 12">
+            <a:extLst>
+              <a:ext uri="{FF2B5EF4-FFF2-40B4-BE49-F238E27FC236}">
+                <a16:creationId xmlns:a16="http://schemas.microsoft.com/office/drawing/2014/main" id="{1453BF6C-B012-48B7-B4E8-6D7AC7C27D02}"/>
+              </a:ext>
+              <a:ext uri="{C183D7F6-B498-43B3-948B-1728B52AA6E4}">
+                <adec:decorative xmlns:adec="http://schemas.microsoft.com/office/drawing/2017/decorative" val="1"/>
+              </a:ext>
+            </a:extLst>
+          </p:cNvPr>
+          <p:cNvSpPr>
+            <a:spLocks noGrp="1" noRot="1" noChangeAspect="1" noMove="1" noResize="1" noEditPoints="1" noAdjustHandles="1" noChangeArrowheads="1" noChangeShapeType="1" noTextEdit="1"/>
+          </p:cNvSpPr>
+          <p:nvPr>
+            <p:extLst>
+              <p:ext uri="{386F3935-93C4-4BCD-93E2-E3B085C9AB24}">
+                <p16:designElem xmlns:p16="http://schemas.microsoft.com/office/powerpoint/2015/main" val="1"/>
+              </p:ext>
+            </p:extLst>
+          </p:nvPr>
+        </p:nvSpPr>
+        <p:spPr>
+          <a:xfrm>
+            <a:off x="6154476" y="1484755"/>
+            <a:ext cx="127714" cy="127714"/>
+          </a:xfrm>
+          <a:custGeom>
+            <a:avLst/>
+            <a:gdLst>
+              <a:gd name="connsiteX0" fmla="*/ 63857 w 127714"/>
+              <a:gd name="connsiteY0" fmla="*/ 18874 h 127714"/>
+              <a:gd name="connsiteX1" fmla="*/ 108840 w 127714"/>
+              <a:gd name="connsiteY1" fmla="*/ 63857 h 127714"/>
+              <a:gd name="connsiteX2" fmla="*/ 63857 w 127714"/>
+              <a:gd name="connsiteY2" fmla="*/ 108840 h 127714"/>
+              <a:gd name="connsiteX3" fmla="*/ 18874 w 127714"/>
+              <a:gd name="connsiteY3" fmla="*/ 63857 h 127714"/>
+              <a:gd name="connsiteX4" fmla="*/ 63857 w 127714"/>
+              <a:gd name="connsiteY4" fmla="*/ 18874 h 127714"/>
+              <a:gd name="connsiteX5" fmla="*/ 63857 w 127714"/>
+              <a:gd name="connsiteY5" fmla="*/ 0 h 127714"/>
+              <a:gd name="connsiteX6" fmla="*/ 0 w 127714"/>
+              <a:gd name="connsiteY6" fmla="*/ 63857 h 127714"/>
+              <a:gd name="connsiteX7" fmla="*/ 63857 w 127714"/>
+              <a:gd name="connsiteY7" fmla="*/ 127714 h 127714"/>
+              <a:gd name="connsiteX8" fmla="*/ 127714 w 127714"/>
+              <a:gd name="connsiteY8" fmla="*/ 63857 h 127714"/>
+              <a:gd name="connsiteX9" fmla="*/ 63857 w 127714"/>
+              <a:gd name="connsiteY9" fmla="*/ 0 h 127714"/>
+            </a:gdLst>
+            <a:ahLst/>
+            <a:cxnLst>
+              <a:cxn ang="0">
+                <a:pos x="connsiteX0" y="connsiteY0"/>
+              </a:cxn>
+              <a:cxn ang="0">
+                <a:pos x="connsiteX1" y="connsiteY1"/>
+              </a:cxn>
+              <a:cxn ang="0">
+                <a:pos x="connsiteX2" y="connsiteY2"/>
+              </a:cxn>
+              <a:cxn ang="0">
+                <a:pos x="connsiteX3" y="connsiteY3"/>
+              </a:cxn>
+              <a:cxn ang="0">
+                <a:pos x="connsiteX4" y="connsiteY4"/>
+              </a:cxn>
+              <a:cxn ang="0">
+                <a:pos x="connsiteX5" y="connsiteY5"/>
+              </a:cxn>
+              <a:cxn ang="0">
+                <a:pos x="connsiteX6" y="connsiteY6"/>
+              </a:cxn>
+              <a:cxn ang="0">
+                <a:pos x="connsiteX7" y="connsiteY7"/>
+              </a:cxn>
+              <a:cxn ang="0">
+                <a:pos x="connsiteX8" y="connsiteY8"/>
+              </a:cxn>
+              <a:cxn ang="0">
+                <a:pos x="connsiteX9" y="connsiteY9"/>
+              </a:cxn>
+            </a:cxnLst>
+            <a:rect l="l" t="t" r="r" b="b"/>
+            <a:pathLst>
+              <a:path w="127714" h="127714">
+                <a:moveTo>
+                  <a:pt x="63857" y="18874"/>
+                </a:moveTo>
+                <a:cubicBezTo>
+                  <a:pt x="88700" y="18874"/>
+                  <a:pt x="108840" y="39014"/>
+                  <a:pt x="108840" y="63857"/>
+                </a:cubicBezTo>
+                <a:cubicBezTo>
+                  <a:pt x="108840" y="88700"/>
+                  <a:pt x="88700" y="108840"/>
+                  <a:pt x="63857" y="108840"/>
+                </a:cubicBezTo>
+                <a:cubicBezTo>
+                  <a:pt x="39014" y="108840"/>
+                  <a:pt x="18874" y="88700"/>
+                  <a:pt x="18874" y="63857"/>
+                </a:cubicBezTo>
+                <a:cubicBezTo>
+                  <a:pt x="18898" y="39024"/>
+                  <a:pt x="39024" y="18898"/>
+                  <a:pt x="63857" y="18874"/>
+                </a:cubicBezTo>
+                <a:moveTo>
+                  <a:pt x="63857" y="0"/>
+                </a:moveTo>
+                <a:cubicBezTo>
+                  <a:pt x="28590" y="0"/>
+                  <a:pt x="0" y="28590"/>
+                  <a:pt x="0" y="63857"/>
+                </a:cubicBezTo>
+                <a:cubicBezTo>
+                  <a:pt x="0" y="99124"/>
+                  <a:pt x="28590" y="127714"/>
+                  <a:pt x="63857" y="127714"/>
+                </a:cubicBezTo>
+                <a:cubicBezTo>
+                  <a:pt x="99124" y="127714"/>
+                  <a:pt x="127714" y="99124"/>
+                  <a:pt x="127714" y="63857"/>
+                </a:cubicBezTo>
+                <a:cubicBezTo>
+                  <a:pt x="127714" y="28590"/>
+                  <a:pt x="99124" y="0"/>
+                  <a:pt x="63857" y="0"/>
+                </a:cubicBezTo>
+                <a:close/>
+              </a:path>
+            </a:pathLst>
+          </a:custGeom>
+          <a:solidFill>
+            <a:srgbClr val="FFFFFF"/>
+          </a:solidFill>
+          <a:ln w="610" cap="flat">
+            <a:noFill/>
+            <a:prstDash val="solid"/>
+            <a:miter/>
+          </a:ln>
+        </p:spPr>
+        <p:txBody>
+          <a:bodyPr rtlCol="0" anchor="ctr"/>
+          <a:lstStyle/>
+          <a:p>
+            <a:pPr marL="0" marR="0" lvl="0" indent="0" algn="l" defTabSz="914400" rtl="0" eaLnBrk="1" fontAlgn="auto" latinLnBrk="0" hangingPunct="1">
+              <a:lnSpc>
+                <a:spcPct val="100000"/>
+              </a:lnSpc>
+              <a:spcBef>
+                <a:spcPts val="0"/>
+              </a:spcBef>
+              <a:spcAft>
+                <a:spcPts val="0"/>
+              </a:spcAft>
+              <a:buClrTx/>
+              <a:buSzTx/>
+              <a:buFontTx/>
+              <a:buNone/>
+              <a:tabLst/>
+              <a:defRPr/>
+            </a:pPr>
+            <a:endParaRPr kumimoji="0" lang="en-US" sz="1800" b="0" i="0" u="none" strike="noStrike" kern="1200" cap="none" spc="0" normalizeH="0" baseline="0" noProof="0">
+              <a:ln>
+                <a:noFill/>
+              </a:ln>
+              <a:solidFill>
+                <a:prstClr val="black"/>
+              </a:solidFill>
+              <a:effectLst/>
+              <a:uLnTx/>
+              <a:uFillTx/>
+              <a:latin typeface="Univers"/>
+              <a:ea typeface="+mn-ea"/>
+              <a:cs typeface="+mn-cs"/>
+            </a:endParaRPr>
+          </a:p>
+        </p:txBody>
+      </p:sp>
+      <p:cxnSp>
+        <p:nvCxnSpPr>
+          <p:cNvPr id="91" name="Straight Connector">
+            <a:extLst>
+              <a:ext uri="{FF2B5EF4-FFF2-40B4-BE49-F238E27FC236}">
+                <a16:creationId xmlns:a16="http://schemas.microsoft.com/office/drawing/2014/main" id="{C27ECE09-20A7-4AE8-973B-F66776C1113E}"/>
+              </a:ext>
+              <a:ext uri="{C183D7F6-B498-43B3-948B-1728B52AA6E4}">
+                <adec:decorative xmlns:adec="http://schemas.microsoft.com/office/drawing/2017/decorative" val="1"/>
+              </a:ext>
+            </a:extLst>
+          </p:cNvPr>
+          <p:cNvCxnSpPr>
+            <a:cxnSpLocks noGrp="1" noRot="1" noChangeAspect="1" noMove="1" noResize="1" noEditPoints="1" noAdjustHandles="1" noChangeArrowheads="1" noChangeShapeType="1"/>
+          </p:cNvCxnSpPr>
+          <p:nvPr>
+            <p:extLst>
+              <p:ext uri="{386F3935-93C4-4BCD-93E2-E3B085C9AB24}">
+                <p16:designElem xmlns:p16="http://schemas.microsoft.com/office/powerpoint/2015/main" val="1"/>
+              </p:ext>
+            </p:extLst>
+          </p:nvPr>
+        </p:nvCxnSpPr>
+        <p:spPr>
+          <a:xfrm>
+            <a:off x="623622" y="3610394"/>
+            <a:ext cx="0" cy="3238728"/>
+          </a:xfrm>
+          <a:prstGeom prst="line">
+            <a:avLst/>
+          </a:prstGeom>
+          <a:ln w="25400" cap="sq">
+            <a:solidFill>
+              <a:schemeClr val="bg1"/>
+            </a:solidFill>
+            <a:bevel/>
+          </a:ln>
+        </p:spPr>
+        <p:style>
+          <a:lnRef idx="1">
+            <a:schemeClr val="accent1"/>
+          </a:lnRef>
+          <a:fillRef idx="0">
+            <a:schemeClr val="accent1"/>
+          </a:fillRef>
+          <a:effectRef idx="0">
+            <a:schemeClr val="accent1"/>
+          </a:effectRef>
+          <a:fontRef idx="minor">
+            <a:schemeClr val="tx1"/>
+          </a:fontRef>
+        </p:style>
+      </p:cxnSp>
+      <p:sp>
+        <p:nvSpPr>
+          <p:cNvPr id="26" name="Marcador de contenido 2">
+            <a:extLst>
+              <a:ext uri="{FF2B5EF4-FFF2-40B4-BE49-F238E27FC236}">
+                <a16:creationId xmlns:a16="http://schemas.microsoft.com/office/drawing/2014/main" id="{6652DE62-4AD6-2D9A-5B5E-687DA9C16A6C}"/>
+              </a:ext>
+            </a:extLst>
+          </p:cNvPr>
+          <p:cNvSpPr>
+            <a:spLocks noGrp="1"/>
+          </p:cNvSpPr>
+          <p:nvPr>
+            <p:ph idx="1"/>
+          </p:nvPr>
+        </p:nvSpPr>
+        <p:spPr>
+          <a:xfrm>
+            <a:off x="7229042" y="698643"/>
+            <a:ext cx="4124758" cy="5301467"/>
+          </a:xfrm>
+        </p:spPr>
+        <p:txBody>
+          <a:bodyPr anchor="b">
+            <a:normAutofit/>
+          </a:bodyPr>
+          <a:lstStyle/>
+          <a:p>
+            <a:r>
+              <a:rPr lang="es-ES" sz="1800" dirty="0">
+                <a:solidFill>
+                  <a:srgbClr val="FFFFFF"/>
+                </a:solidFill>
+              </a:rPr>
+              <a:t>JS</a:t>
+            </a:r>
+          </a:p>
+          <a:p>
+            <a:r>
+              <a:rPr lang="es-ES" sz="1800" dirty="0">
+                <a:solidFill>
+                  <a:srgbClr val="FFFFFF"/>
+                </a:solidFill>
+              </a:rPr>
+              <a:t>Node.js</a:t>
+            </a:r>
+          </a:p>
+          <a:p>
+            <a:r>
+              <a:rPr lang="es-ES" sz="1800" dirty="0">
+                <a:solidFill>
+                  <a:srgbClr val="FFFFFF"/>
+                </a:solidFill>
+              </a:rPr>
+              <a:t>React</a:t>
+            </a:r>
+          </a:p>
+          <a:p>
+            <a:pPr lvl="1"/>
+            <a:r>
+              <a:rPr lang="es-ES" sz="1800">
+                <a:solidFill>
+                  <a:srgbClr val="FFFFFF"/>
+                </a:solidFill>
+              </a:rPr>
+              <a:t>React Router Dom</a:t>
+            </a:r>
+          </a:p>
+          <a:p>
+            <a:pPr lvl="1"/>
+            <a:r>
+              <a:rPr lang="es-ES" sz="1800">
+                <a:solidFill>
+                  <a:srgbClr val="FFFFFF"/>
+                </a:solidFill>
+              </a:rPr>
+              <a:t>React Icons</a:t>
+            </a:r>
+          </a:p>
+          <a:p>
+            <a:r>
+              <a:rPr lang="es-ES" sz="1800">
+                <a:solidFill>
+                  <a:srgbClr val="FFFFFF"/>
+                </a:solidFill>
+              </a:rPr>
+              <a:t>TailwindCSS</a:t>
+            </a:r>
+            <a:endParaRPr lang="es-ES" sz="1800" dirty="0">
+              <a:solidFill>
+                <a:srgbClr val="FFFFFF"/>
+              </a:solidFill>
+            </a:endParaRPr>
+          </a:p>
+          <a:p>
+            <a:pPr marL="0" indent="0">
+              <a:buNone/>
+            </a:pPr>
+            <a:endParaRPr lang="es-ES" sz="1800" dirty="0">
+              <a:solidFill>
+                <a:srgbClr val="FFFFFF"/>
+              </a:solidFill>
+            </a:endParaRPr>
+          </a:p>
+        </p:txBody>
+      </p:sp>
+    </p:spTree>
+    <p:extLst>
+      <p:ext uri="{BB962C8B-B14F-4D97-AF65-F5344CB8AC3E}">
+        <p14:creationId xmlns:p14="http://schemas.microsoft.com/office/powerpoint/2010/main" val="2946057471"/>
       </p:ext>
     </p:extLst>
   </p:cSld>

--- a/Proyecto_CarlosVaralo.pptx
+++ b/Proyecto_CarlosVaralo.pptx
@@ -22,9 +22,12 @@
     <p:sldId id="274" r:id="rId16"/>
     <p:sldId id="275" r:id="rId17"/>
     <p:sldId id="276" r:id="rId18"/>
-    <p:sldId id="278" r:id="rId19"/>
-    <p:sldId id="272" r:id="rId20"/>
-    <p:sldId id="273" r:id="rId21"/>
+    <p:sldId id="281" r:id="rId19"/>
+    <p:sldId id="278" r:id="rId20"/>
+    <p:sldId id="279" r:id="rId21"/>
+    <p:sldId id="280" r:id="rId22"/>
+    <p:sldId id="272" r:id="rId23"/>
+    <p:sldId id="273" r:id="rId24"/>
   </p:sldIdLst>
   <p:sldSz cx="12192000" cy="6858000"/>
   <p:notesSz cx="6858000" cy="9144000"/>
@@ -13165,6 +13168,207 @@
       </p:grpSpPr>
       <p:cxnSp>
         <p:nvCxnSpPr>
+          <p:cNvPr id="18" name="Straight Connector 17">
+            <a:extLst>
+              <a:ext uri="{FF2B5EF4-FFF2-40B4-BE49-F238E27FC236}">
+                <a16:creationId xmlns:a16="http://schemas.microsoft.com/office/drawing/2014/main" id="{353C1207-D1C8-49E3-8837-E2B89D366FAE}"/>
+              </a:ext>
+              <a:ext uri="{C183D7F6-B498-43B3-948B-1728B52AA6E4}">
+                <adec:decorative xmlns:adec="http://schemas.microsoft.com/office/drawing/2017/decorative" val="1"/>
+              </a:ext>
+            </a:extLst>
+          </p:cNvPr>
+          <p:cNvCxnSpPr>
+            <a:cxnSpLocks noGrp="1" noRot="1" noChangeAspect="1" noMove="1" noResize="1" noEditPoints="1" noAdjustHandles="1" noChangeArrowheads="1" noChangeShapeType="1"/>
+          </p:cNvCxnSpPr>
+          <p:nvPr>
+            <p:extLst>
+              <p:ext uri="{386F3935-93C4-4BCD-93E2-E3B085C9AB24}">
+                <p16:designElem xmlns:p16="http://schemas.microsoft.com/office/powerpoint/2015/main" val="1"/>
+              </p:ext>
+            </p:extLst>
+          </p:nvPr>
+        </p:nvCxnSpPr>
+        <p:spPr>
+          <a:xfrm>
+            <a:off x="715890" y="356812"/>
+            <a:ext cx="0" cy="6492875"/>
+          </a:xfrm>
+          <a:prstGeom prst="line">
+            <a:avLst/>
+          </a:prstGeom>
+          <a:ln w="25400" cap="sq">
+            <a:gradFill flip="none" rotWithShape="1">
+              <a:gsLst>
+                <a:gs pos="0">
+                  <a:schemeClr val="accent2"/>
+                </a:gs>
+                <a:gs pos="100000">
+                  <a:schemeClr val="accent4"/>
+                </a:gs>
+              </a:gsLst>
+              <a:lin ang="16200000" scaled="1"/>
+              <a:tileRect/>
+            </a:gradFill>
+            <a:bevel/>
+          </a:ln>
+        </p:spPr>
+        <p:style>
+          <a:lnRef idx="1">
+            <a:schemeClr val="accent1"/>
+          </a:lnRef>
+          <a:fillRef idx="0">
+            <a:schemeClr val="accent1"/>
+          </a:fillRef>
+          <a:effectRef idx="0">
+            <a:schemeClr val="accent1"/>
+          </a:effectRef>
+          <a:fontRef idx="minor">
+            <a:schemeClr val="tx1"/>
+          </a:fontRef>
+        </p:style>
+      </p:cxnSp>
+      <p:sp>
+        <p:nvSpPr>
+          <p:cNvPr id="20" name="Rectangle 19">
+            <a:extLst>
+              <a:ext uri="{FF2B5EF4-FFF2-40B4-BE49-F238E27FC236}">
+                <a16:creationId xmlns:a16="http://schemas.microsoft.com/office/drawing/2014/main" id="{16B067B1-F4E5-4FDF-813D-C9E872E80075}"/>
+              </a:ext>
+              <a:ext uri="{C183D7F6-B498-43B3-948B-1728B52AA6E4}">
+                <adec:decorative xmlns:adec="http://schemas.microsoft.com/office/drawing/2017/decorative" val="1"/>
+              </a:ext>
+            </a:extLst>
+          </p:cNvPr>
+          <p:cNvSpPr>
+            <a:spLocks noGrp="1" noRot="1" noChangeAspect="1" noMove="1" noResize="1" noEditPoints="1" noAdjustHandles="1" noChangeArrowheads="1" noChangeShapeType="1" noTextEdit="1"/>
+          </p:cNvSpPr>
+          <p:nvPr>
+            <p:extLst>
+              <p:ext uri="{386F3935-93C4-4BCD-93E2-E3B085C9AB24}">
+                <p16:designElem xmlns:p16="http://schemas.microsoft.com/office/powerpoint/2015/main" val="1"/>
+              </p:ext>
+            </p:extLst>
+          </p:nvPr>
+        </p:nvSpPr>
+        <p:spPr>
+          <a:xfrm>
+            <a:off x="0" y="0"/>
+            <a:ext cx="12192000" cy="6858000"/>
+          </a:xfrm>
+          <a:prstGeom prst="rect">
+            <a:avLst/>
+          </a:prstGeom>
+          <a:gradFill flip="none" rotWithShape="1">
+            <a:gsLst>
+              <a:gs pos="100000">
+                <a:schemeClr val="accent4"/>
+              </a:gs>
+              <a:gs pos="0">
+                <a:schemeClr val="accent2"/>
+              </a:gs>
+            </a:gsLst>
+            <a:lin ang="2700000" scaled="1"/>
+            <a:tileRect/>
+          </a:gradFill>
+          <a:ln>
+            <a:noFill/>
+          </a:ln>
+        </p:spPr>
+        <p:style>
+          <a:lnRef idx="2">
+            <a:schemeClr val="accent1">
+              <a:shade val="50000"/>
+            </a:schemeClr>
+          </a:lnRef>
+          <a:fillRef idx="1">
+            <a:schemeClr val="accent1"/>
+          </a:fillRef>
+          <a:effectRef idx="0">
+            <a:schemeClr val="accent1"/>
+          </a:effectRef>
+          <a:fontRef idx="minor">
+            <a:schemeClr val="lt1"/>
+          </a:fontRef>
+        </p:style>
+        <p:txBody>
+          <a:bodyPr rtlCol="0" anchor="ctr"/>
+          <a:lstStyle/>
+          <a:p>
+            <a:pPr algn="ctr"/>
+            <a:endParaRPr lang="en-US"/>
+          </a:p>
+        </p:txBody>
+      </p:sp>
+      <p:pic>
+        <p:nvPicPr>
+          <p:cNvPr id="5" name="Imagen 4">
+            <a:extLst>
+              <a:ext uri="{FF2B5EF4-FFF2-40B4-BE49-F238E27FC236}">
+                <a16:creationId xmlns:a16="http://schemas.microsoft.com/office/drawing/2014/main" id="{88790FCC-5D1B-CC0F-5B5A-35D565617034}"/>
+              </a:ext>
+            </a:extLst>
+          </p:cNvPr>
+          <p:cNvPicPr>
+            <a:picLocks noChangeAspect="1"/>
+          </p:cNvPicPr>
+          <p:nvPr/>
+        </p:nvPicPr>
+        <p:blipFill rotWithShape="1">
+          <a:blip r:embed="rId2"/>
+          <a:srcRect r="37871"/>
+          <a:stretch/>
+        </p:blipFill>
+        <p:spPr>
+          <a:xfrm>
+            <a:off x="307775" y="261437"/>
+            <a:ext cx="11576450" cy="6335126"/>
+          </a:xfrm>
+          <a:prstGeom prst="rect">
+            <a:avLst/>
+          </a:prstGeom>
+        </p:spPr>
+      </p:pic>
+    </p:spTree>
+    <p:extLst>
+      <p:ext uri="{BB962C8B-B14F-4D97-AF65-F5344CB8AC3E}">
+        <p14:creationId xmlns:p14="http://schemas.microsoft.com/office/powerpoint/2010/main" val="310541059"/>
+      </p:ext>
+    </p:extLst>
+  </p:cSld>
+  <p:clrMapOvr>
+    <a:masterClrMapping/>
+  </p:clrMapOvr>
+</p:sld>
+</file>
+
+<file path=ppt/slides/slide19.xml><?xml version="1.0" encoding="utf-8"?>
+<p:sld xmlns:a="http://schemas.openxmlformats.org/drawingml/2006/main" xmlns:r="http://schemas.openxmlformats.org/officeDocument/2006/relationships" xmlns:p="http://schemas.openxmlformats.org/presentationml/2006/main">
+  <p:cSld>
+    <p:bg>
+      <p:bgPr>
+        <a:solidFill>
+          <a:schemeClr val="bg1"/>
+        </a:solidFill>
+        <a:effectLst/>
+      </p:bgPr>
+    </p:bg>
+    <p:spTree>
+      <p:nvGrpSpPr>
+        <p:cNvPr id="1" name=""/>
+        <p:cNvGrpSpPr/>
+        <p:nvPr/>
+      </p:nvGrpSpPr>
+      <p:grpSpPr>
+        <a:xfrm>
+          <a:off x="0" y="0"/>
+          <a:ext cx="0" cy="0"/>
+          <a:chOff x="0" y="0"/>
+          <a:chExt cx="0" cy="0"/>
+        </a:xfrm>
+      </p:grpSpPr>
+      <p:cxnSp>
+        <p:nvCxnSpPr>
           <p:cNvPr id="11" name="Straight Connector 10">
             <a:extLst>
               <a:ext uri="{FF2B5EF4-FFF2-40B4-BE49-F238E27FC236}">
@@ -13345,7 +13549,1120 @@
 </p:sld>
 </file>
 
-<file path=ppt/slides/slide19.xml><?xml version="1.0" encoding="utf-8"?>
+<file path=ppt/slides/slide2.xml><?xml version="1.0" encoding="utf-8"?>
+<p:sld xmlns:a="http://schemas.openxmlformats.org/drawingml/2006/main" xmlns:r="http://schemas.openxmlformats.org/officeDocument/2006/relationships" xmlns:p="http://schemas.openxmlformats.org/presentationml/2006/main">
+  <p:cSld>
+    <p:bg>
+      <p:bgPr>
+        <a:solidFill>
+          <a:schemeClr val="bg1"/>
+        </a:solidFill>
+        <a:effectLst/>
+      </p:bgPr>
+    </p:bg>
+    <p:spTree>
+      <p:nvGrpSpPr>
+        <p:cNvPr id="1" name=""/>
+        <p:cNvGrpSpPr/>
+        <p:nvPr/>
+      </p:nvGrpSpPr>
+      <p:grpSpPr>
+        <a:xfrm>
+          <a:off x="0" y="0"/>
+          <a:ext cx="0" cy="0"/>
+          <a:chOff x="0" y="0"/>
+          <a:chExt cx="0" cy="0"/>
+        </a:xfrm>
+      </p:grpSpPr>
+      <p:sp>
+        <p:nvSpPr>
+          <p:cNvPr id="43" name="Rectangle 25">
+            <a:extLst>
+              <a:ext uri="{FF2B5EF4-FFF2-40B4-BE49-F238E27FC236}">
+                <a16:creationId xmlns:a16="http://schemas.microsoft.com/office/drawing/2014/main" id="{16AC3602-3348-4F31-9E43-076B03514ECB}"/>
+              </a:ext>
+              <a:ext uri="{C183D7F6-B498-43B3-948B-1728B52AA6E4}">
+                <adec:decorative xmlns:adec="http://schemas.microsoft.com/office/drawing/2017/decorative" val="1"/>
+              </a:ext>
+            </a:extLst>
+          </p:cNvPr>
+          <p:cNvSpPr>
+            <a:spLocks noGrp="1" noRot="1" noChangeAspect="1" noMove="1" noResize="1" noEditPoints="1" noAdjustHandles="1" noChangeArrowheads="1" noChangeShapeType="1" noTextEdit="1"/>
+          </p:cNvSpPr>
+          <p:nvPr>
+            <p:extLst>
+              <p:ext uri="{386F3935-93C4-4BCD-93E2-E3B085C9AB24}">
+                <p16:designElem xmlns:p16="http://schemas.microsoft.com/office/powerpoint/2015/main" val="1"/>
+              </p:ext>
+            </p:extLst>
+          </p:nvPr>
+        </p:nvSpPr>
+        <p:spPr>
+          <a:xfrm>
+            <a:off x="0" y="0"/>
+            <a:ext cx="12192000" cy="6858000"/>
+          </a:xfrm>
+          <a:prstGeom prst="rect">
+            <a:avLst/>
+          </a:prstGeom>
+          <a:gradFill flip="none" rotWithShape="1">
+            <a:gsLst>
+              <a:gs pos="100000">
+                <a:schemeClr val="accent4"/>
+              </a:gs>
+              <a:gs pos="0">
+                <a:schemeClr val="accent2"/>
+              </a:gs>
+            </a:gsLst>
+            <a:lin ang="2700000" scaled="1"/>
+            <a:tileRect/>
+          </a:gradFill>
+          <a:ln>
+            <a:noFill/>
+          </a:ln>
+        </p:spPr>
+        <p:style>
+          <a:lnRef idx="2">
+            <a:schemeClr val="accent1">
+              <a:shade val="50000"/>
+            </a:schemeClr>
+          </a:lnRef>
+          <a:fillRef idx="1">
+            <a:schemeClr val="accent1"/>
+          </a:fillRef>
+          <a:effectRef idx="0">
+            <a:schemeClr val="accent1"/>
+          </a:effectRef>
+          <a:fontRef idx="minor">
+            <a:schemeClr val="lt1"/>
+          </a:fontRef>
+        </p:style>
+        <p:txBody>
+          <a:bodyPr rtlCol="0" anchor="ctr"/>
+          <a:lstStyle/>
+          <a:p>
+            <a:pPr algn="ctr"/>
+            <a:endParaRPr lang="en-US">
+              <a:solidFill>
+                <a:schemeClr val="bg1"/>
+              </a:solidFill>
+            </a:endParaRPr>
+          </a:p>
+        </p:txBody>
+      </p:sp>
+      <p:sp>
+        <p:nvSpPr>
+          <p:cNvPr id="2" name="Título 1">
+            <a:extLst>
+              <a:ext uri="{FF2B5EF4-FFF2-40B4-BE49-F238E27FC236}">
+                <a16:creationId xmlns:a16="http://schemas.microsoft.com/office/drawing/2014/main" id="{80424F5C-77C1-11AB-216A-1A8165A45C96}"/>
+              </a:ext>
+            </a:extLst>
+          </p:cNvPr>
+          <p:cNvSpPr>
+            <a:spLocks noGrp="1"/>
+          </p:cNvSpPr>
+          <p:nvPr>
+            <p:ph type="title"/>
+          </p:nvPr>
+        </p:nvSpPr>
+        <p:spPr>
+          <a:xfrm>
+            <a:off x="838200" y="365125"/>
+            <a:ext cx="9804918" cy="1325563"/>
+          </a:xfrm>
+        </p:spPr>
+        <p:txBody>
+          <a:bodyPr>
+            <a:normAutofit/>
+          </a:bodyPr>
+          <a:lstStyle/>
+          <a:p>
+            <a:r>
+              <a:rPr lang="es-ES">
+                <a:solidFill>
+                  <a:schemeClr val="bg1"/>
+                </a:solidFill>
+              </a:rPr>
+              <a:t>Indice</a:t>
+            </a:r>
+          </a:p>
+        </p:txBody>
+      </p:sp>
+      <p:cxnSp>
+        <p:nvCxnSpPr>
+          <p:cNvPr id="28" name="Straight Connector 27">
+            <a:extLst>
+              <a:ext uri="{FF2B5EF4-FFF2-40B4-BE49-F238E27FC236}">
+                <a16:creationId xmlns:a16="http://schemas.microsoft.com/office/drawing/2014/main" id="{94169334-264D-4176-8BDE-037249A61B4E}"/>
+              </a:ext>
+              <a:ext uri="{C183D7F6-B498-43B3-948B-1728B52AA6E4}">
+                <adec:decorative xmlns:adec="http://schemas.microsoft.com/office/drawing/2017/decorative" val="1"/>
+              </a:ext>
+            </a:extLst>
+          </p:cNvPr>
+          <p:cNvCxnSpPr>
+            <a:cxnSpLocks noGrp="1" noRot="1" noChangeAspect="1" noMove="1" noResize="1" noEditPoints="1" noAdjustHandles="1" noChangeArrowheads="1" noChangeShapeType="1"/>
+          </p:cNvCxnSpPr>
+          <p:nvPr>
+            <p:extLst>
+              <p:ext uri="{386F3935-93C4-4BCD-93E2-E3B085C9AB24}">
+                <p16:designElem xmlns:p16="http://schemas.microsoft.com/office/powerpoint/2015/main" val="1"/>
+              </p:ext>
+            </p:extLst>
+          </p:nvPr>
+        </p:nvCxnSpPr>
+        <p:spPr>
+          <a:xfrm>
+            <a:off x="715890" y="356812"/>
+            <a:ext cx="0" cy="6492875"/>
+          </a:xfrm>
+          <a:prstGeom prst="line">
+            <a:avLst/>
+          </a:prstGeom>
+          <a:ln w="25400" cap="sq">
+            <a:solidFill>
+              <a:schemeClr val="bg1"/>
+            </a:solidFill>
+            <a:bevel/>
+          </a:ln>
+        </p:spPr>
+        <p:style>
+          <a:lnRef idx="1">
+            <a:schemeClr val="accent1"/>
+          </a:lnRef>
+          <a:fillRef idx="0">
+            <a:schemeClr val="accent1"/>
+          </a:fillRef>
+          <a:effectRef idx="0">
+            <a:schemeClr val="accent1"/>
+          </a:effectRef>
+          <a:fontRef idx="minor">
+            <a:schemeClr val="tx1"/>
+          </a:fontRef>
+        </p:style>
+      </p:cxnSp>
+      <p:sp>
+        <p:nvSpPr>
+          <p:cNvPr id="44" name="Graphic 11">
+            <a:extLst>
+              <a:ext uri="{FF2B5EF4-FFF2-40B4-BE49-F238E27FC236}">
+                <a16:creationId xmlns:a16="http://schemas.microsoft.com/office/drawing/2014/main" id="{394094B0-A6C9-44BE-9042-66EF0612F625}"/>
+              </a:ext>
+              <a:ext uri="{C183D7F6-B498-43B3-948B-1728B52AA6E4}">
+                <adec:decorative xmlns:adec="http://schemas.microsoft.com/office/drawing/2017/decorative" val="1"/>
+              </a:ext>
+            </a:extLst>
+          </p:cNvPr>
+          <p:cNvSpPr>
+            <a:spLocks noGrp="1" noRot="1" noChangeAspect="1" noMove="1" noResize="1" noEditPoints="1" noAdjustHandles="1" noChangeArrowheads="1" noChangeShapeType="1" noTextEdit="1"/>
+          </p:cNvSpPr>
+          <p:nvPr>
+            <p:extLst>
+              <p:ext uri="{386F3935-93C4-4BCD-93E2-E3B085C9AB24}">
+                <p16:designElem xmlns:p16="http://schemas.microsoft.com/office/powerpoint/2015/main" val="1"/>
+              </p:ext>
+            </p:extLst>
+          </p:nvPr>
+        </p:nvSpPr>
+        <p:spPr>
+          <a:xfrm>
+            <a:off x="10903882" y="591829"/>
+            <a:ext cx="139039" cy="139039"/>
+          </a:xfrm>
+          <a:custGeom>
+            <a:avLst/>
+            <a:gdLst>
+              <a:gd name="connsiteX0" fmla="*/ 129602 w 139039"/>
+              <a:gd name="connsiteY0" fmla="*/ 60082 h 139039"/>
+              <a:gd name="connsiteX1" fmla="*/ 78957 w 139039"/>
+              <a:gd name="connsiteY1" fmla="*/ 60082 h 139039"/>
+              <a:gd name="connsiteX2" fmla="*/ 78957 w 139039"/>
+              <a:gd name="connsiteY2" fmla="*/ 9437 h 139039"/>
+              <a:gd name="connsiteX3" fmla="*/ 69520 w 139039"/>
+              <a:gd name="connsiteY3" fmla="*/ 0 h 139039"/>
+              <a:gd name="connsiteX4" fmla="*/ 60082 w 139039"/>
+              <a:gd name="connsiteY4" fmla="*/ 9437 h 139039"/>
+              <a:gd name="connsiteX5" fmla="*/ 60082 w 139039"/>
+              <a:gd name="connsiteY5" fmla="*/ 60082 h 139039"/>
+              <a:gd name="connsiteX6" fmla="*/ 9437 w 139039"/>
+              <a:gd name="connsiteY6" fmla="*/ 60082 h 139039"/>
+              <a:gd name="connsiteX7" fmla="*/ 0 w 139039"/>
+              <a:gd name="connsiteY7" fmla="*/ 69520 h 139039"/>
+              <a:gd name="connsiteX8" fmla="*/ 9437 w 139039"/>
+              <a:gd name="connsiteY8" fmla="*/ 78957 h 139039"/>
+              <a:gd name="connsiteX9" fmla="*/ 60082 w 139039"/>
+              <a:gd name="connsiteY9" fmla="*/ 78957 h 139039"/>
+              <a:gd name="connsiteX10" fmla="*/ 60082 w 139039"/>
+              <a:gd name="connsiteY10" fmla="*/ 129602 h 139039"/>
+              <a:gd name="connsiteX11" fmla="*/ 69520 w 139039"/>
+              <a:gd name="connsiteY11" fmla="*/ 139039 h 139039"/>
+              <a:gd name="connsiteX12" fmla="*/ 78957 w 139039"/>
+              <a:gd name="connsiteY12" fmla="*/ 129602 h 139039"/>
+              <a:gd name="connsiteX13" fmla="*/ 78957 w 139039"/>
+              <a:gd name="connsiteY13" fmla="*/ 78957 h 139039"/>
+              <a:gd name="connsiteX14" fmla="*/ 129602 w 139039"/>
+              <a:gd name="connsiteY14" fmla="*/ 78957 h 139039"/>
+              <a:gd name="connsiteX15" fmla="*/ 139039 w 139039"/>
+              <a:gd name="connsiteY15" fmla="*/ 69520 h 139039"/>
+              <a:gd name="connsiteX16" fmla="*/ 129602 w 139039"/>
+              <a:gd name="connsiteY16" fmla="*/ 60082 h 139039"/>
+            </a:gdLst>
+            <a:ahLst/>
+            <a:cxnLst>
+              <a:cxn ang="0">
+                <a:pos x="connsiteX0" y="connsiteY0"/>
+              </a:cxn>
+              <a:cxn ang="0">
+                <a:pos x="connsiteX1" y="connsiteY1"/>
+              </a:cxn>
+              <a:cxn ang="0">
+                <a:pos x="connsiteX2" y="connsiteY2"/>
+              </a:cxn>
+              <a:cxn ang="0">
+                <a:pos x="connsiteX3" y="connsiteY3"/>
+              </a:cxn>
+              <a:cxn ang="0">
+                <a:pos x="connsiteX4" y="connsiteY4"/>
+              </a:cxn>
+              <a:cxn ang="0">
+                <a:pos x="connsiteX5" y="connsiteY5"/>
+              </a:cxn>
+              <a:cxn ang="0">
+                <a:pos x="connsiteX6" y="connsiteY6"/>
+              </a:cxn>
+              <a:cxn ang="0">
+                <a:pos x="connsiteX7" y="connsiteY7"/>
+              </a:cxn>
+              <a:cxn ang="0">
+                <a:pos x="connsiteX8" y="connsiteY8"/>
+              </a:cxn>
+              <a:cxn ang="0">
+                <a:pos x="connsiteX9" y="connsiteY9"/>
+              </a:cxn>
+              <a:cxn ang="0">
+                <a:pos x="connsiteX10" y="connsiteY10"/>
+              </a:cxn>
+              <a:cxn ang="0">
+                <a:pos x="connsiteX11" y="connsiteY11"/>
+              </a:cxn>
+              <a:cxn ang="0">
+                <a:pos x="connsiteX12" y="connsiteY12"/>
+              </a:cxn>
+              <a:cxn ang="0">
+                <a:pos x="connsiteX13" y="connsiteY13"/>
+              </a:cxn>
+              <a:cxn ang="0">
+                <a:pos x="connsiteX14" y="connsiteY14"/>
+              </a:cxn>
+              <a:cxn ang="0">
+                <a:pos x="connsiteX15" y="connsiteY15"/>
+              </a:cxn>
+              <a:cxn ang="0">
+                <a:pos x="connsiteX16" y="connsiteY16"/>
+              </a:cxn>
+            </a:cxnLst>
+            <a:rect l="l" t="t" r="r" b="b"/>
+            <a:pathLst>
+              <a:path w="139039" h="139039">
+                <a:moveTo>
+                  <a:pt x="129602" y="60082"/>
+                </a:moveTo>
+                <a:lnTo>
+                  <a:pt x="78957" y="60082"/>
+                </a:lnTo>
+                <a:lnTo>
+                  <a:pt x="78957" y="9437"/>
+                </a:lnTo>
+                <a:cubicBezTo>
+                  <a:pt x="78957" y="4225"/>
+                  <a:pt x="74731" y="0"/>
+                  <a:pt x="69520" y="0"/>
+                </a:cubicBezTo>
+                <a:cubicBezTo>
+                  <a:pt x="64308" y="0"/>
+                  <a:pt x="60082" y="4225"/>
+                  <a:pt x="60082" y="9437"/>
+                </a:cubicBezTo>
+                <a:lnTo>
+                  <a:pt x="60082" y="60082"/>
+                </a:lnTo>
+                <a:lnTo>
+                  <a:pt x="9437" y="60082"/>
+                </a:lnTo>
+                <a:cubicBezTo>
+                  <a:pt x="4225" y="60082"/>
+                  <a:pt x="0" y="64308"/>
+                  <a:pt x="0" y="69520"/>
+                </a:cubicBezTo>
+                <a:cubicBezTo>
+                  <a:pt x="0" y="74731"/>
+                  <a:pt x="4225" y="78957"/>
+                  <a:pt x="9437" y="78957"/>
+                </a:cubicBezTo>
+                <a:lnTo>
+                  <a:pt x="60082" y="78957"/>
+                </a:lnTo>
+                <a:lnTo>
+                  <a:pt x="60082" y="129602"/>
+                </a:lnTo>
+                <a:cubicBezTo>
+                  <a:pt x="60082" y="134814"/>
+                  <a:pt x="64308" y="139039"/>
+                  <a:pt x="69520" y="139039"/>
+                </a:cubicBezTo>
+                <a:cubicBezTo>
+                  <a:pt x="74731" y="139039"/>
+                  <a:pt x="78957" y="134814"/>
+                  <a:pt x="78957" y="129602"/>
+                </a:cubicBezTo>
+                <a:lnTo>
+                  <a:pt x="78957" y="78957"/>
+                </a:lnTo>
+                <a:lnTo>
+                  <a:pt x="129602" y="78957"/>
+                </a:lnTo>
+                <a:cubicBezTo>
+                  <a:pt x="134814" y="78957"/>
+                  <a:pt x="139039" y="74731"/>
+                  <a:pt x="139039" y="69520"/>
+                </a:cubicBezTo>
+                <a:cubicBezTo>
+                  <a:pt x="139039" y="64308"/>
+                  <a:pt x="134814" y="60082"/>
+                  <a:pt x="129602" y="60082"/>
+                </a:cubicBezTo>
+                <a:close/>
+              </a:path>
+            </a:pathLst>
+          </a:custGeom>
+          <a:solidFill>
+            <a:schemeClr val="bg1"/>
+          </a:solidFill>
+          <a:ln w="603" cap="flat">
+            <a:noFill/>
+            <a:prstDash val="solid"/>
+            <a:miter/>
+          </a:ln>
+        </p:spPr>
+        <p:txBody>
+          <a:bodyPr rtlCol="0" anchor="ctr"/>
+          <a:lstStyle/>
+          <a:p>
+            <a:endParaRPr lang="en-US"/>
+          </a:p>
+        </p:txBody>
+      </p:sp>
+      <p:sp>
+        <p:nvSpPr>
+          <p:cNvPr id="45" name="Graphic 10">
+            <a:extLst>
+              <a:ext uri="{FF2B5EF4-FFF2-40B4-BE49-F238E27FC236}">
+                <a16:creationId xmlns:a16="http://schemas.microsoft.com/office/drawing/2014/main" id="{64C2CA96-0B16-4AA7-B340-33044D238597}"/>
+              </a:ext>
+              <a:ext uri="{C183D7F6-B498-43B3-948B-1728B52AA6E4}">
+                <adec:decorative xmlns:adec="http://schemas.microsoft.com/office/drawing/2017/decorative" val="1"/>
+              </a:ext>
+            </a:extLst>
+          </p:cNvPr>
+          <p:cNvSpPr>
+            <a:spLocks noGrp="1" noRot="1" noChangeAspect="1" noMove="1" noResize="1" noEditPoints="1" noAdjustHandles="1" noChangeArrowheads="1" noChangeShapeType="1" noTextEdit="1"/>
+          </p:cNvSpPr>
+          <p:nvPr>
+            <p:extLst>
+              <p:ext uri="{386F3935-93C4-4BCD-93E2-E3B085C9AB24}">
+                <p16:designElem xmlns:p16="http://schemas.microsoft.com/office/powerpoint/2015/main" val="1"/>
+              </p:ext>
+            </p:extLst>
+          </p:nvPr>
+        </p:nvSpPr>
+        <p:spPr>
+          <a:xfrm>
+            <a:off x="11262662" y="821124"/>
+            <a:ext cx="91138" cy="91138"/>
+          </a:xfrm>
+          <a:custGeom>
+            <a:avLst/>
+            <a:gdLst>
+              <a:gd name="connsiteX0" fmla="*/ 91138 w 91138"/>
+              <a:gd name="connsiteY0" fmla="*/ 45569 h 91138"/>
+              <a:gd name="connsiteX1" fmla="*/ 45569 w 91138"/>
+              <a:gd name="connsiteY1" fmla="*/ 91138 h 91138"/>
+              <a:gd name="connsiteX2" fmla="*/ 0 w 91138"/>
+              <a:gd name="connsiteY2" fmla="*/ 45569 h 91138"/>
+              <a:gd name="connsiteX3" fmla="*/ 45569 w 91138"/>
+              <a:gd name="connsiteY3" fmla="*/ 0 h 91138"/>
+              <a:gd name="connsiteX4" fmla="*/ 91138 w 91138"/>
+              <a:gd name="connsiteY4" fmla="*/ 45569 h 91138"/>
+            </a:gdLst>
+            <a:ahLst/>
+            <a:cxnLst>
+              <a:cxn ang="0">
+                <a:pos x="connsiteX0" y="connsiteY0"/>
+              </a:cxn>
+              <a:cxn ang="0">
+                <a:pos x="connsiteX1" y="connsiteY1"/>
+              </a:cxn>
+              <a:cxn ang="0">
+                <a:pos x="connsiteX2" y="connsiteY2"/>
+              </a:cxn>
+              <a:cxn ang="0">
+                <a:pos x="connsiteX3" y="connsiteY3"/>
+              </a:cxn>
+              <a:cxn ang="0">
+                <a:pos x="connsiteX4" y="connsiteY4"/>
+              </a:cxn>
+            </a:cxnLst>
+            <a:rect l="l" t="t" r="r" b="b"/>
+            <a:pathLst>
+              <a:path w="91138" h="91138">
+                <a:moveTo>
+                  <a:pt x="91138" y="45569"/>
+                </a:moveTo>
+                <a:cubicBezTo>
+                  <a:pt x="91138" y="70736"/>
+                  <a:pt x="70736" y="91138"/>
+                  <a:pt x="45569" y="91138"/>
+                </a:cubicBezTo>
+                <a:cubicBezTo>
+                  <a:pt x="20402" y="91138"/>
+                  <a:pt x="0" y="70736"/>
+                  <a:pt x="0" y="45569"/>
+                </a:cubicBezTo>
+                <a:cubicBezTo>
+                  <a:pt x="0" y="20402"/>
+                  <a:pt x="20402" y="0"/>
+                  <a:pt x="45569" y="0"/>
+                </a:cubicBezTo>
+                <a:cubicBezTo>
+                  <a:pt x="70736" y="0"/>
+                  <a:pt x="91138" y="20402"/>
+                  <a:pt x="91138" y="45569"/>
+                </a:cubicBezTo>
+                <a:close/>
+              </a:path>
+            </a:pathLst>
+          </a:custGeom>
+          <a:solidFill>
+            <a:schemeClr val="bg1"/>
+          </a:solidFill>
+          <a:ln w="422" cap="flat">
+            <a:noFill/>
+            <a:prstDash val="solid"/>
+            <a:miter/>
+          </a:ln>
+        </p:spPr>
+        <p:txBody>
+          <a:bodyPr rtlCol="0" anchor="ctr"/>
+          <a:lstStyle/>
+          <a:p>
+            <a:endParaRPr lang="en-US"/>
+          </a:p>
+        </p:txBody>
+      </p:sp>
+      <p:sp>
+        <p:nvSpPr>
+          <p:cNvPr id="46" name="Graphic 12">
+            <a:extLst>
+              <a:ext uri="{FF2B5EF4-FFF2-40B4-BE49-F238E27FC236}">
+                <a16:creationId xmlns:a16="http://schemas.microsoft.com/office/drawing/2014/main" id="{1D50D7A8-F1D5-4306-8A9B-DD7A73EB8BCE}"/>
+              </a:ext>
+              <a:ext uri="{C183D7F6-B498-43B3-948B-1728B52AA6E4}">
+                <adec:decorative xmlns:adec="http://schemas.microsoft.com/office/drawing/2017/decorative" val="1"/>
+              </a:ext>
+            </a:extLst>
+          </p:cNvPr>
+          <p:cNvSpPr>
+            <a:spLocks noGrp="1" noRot="1" noChangeAspect="1" noMove="1" noResize="1" noEditPoints="1" noAdjustHandles="1" noChangeArrowheads="1" noChangeShapeType="1" noTextEdit="1"/>
+          </p:cNvSpPr>
+          <p:nvPr>
+            <p:extLst>
+              <p:ext uri="{386F3935-93C4-4BCD-93E2-E3B085C9AB24}">
+                <p16:designElem xmlns:p16="http://schemas.microsoft.com/office/powerpoint/2015/main" val="1"/>
+              </p:ext>
+            </p:extLst>
+          </p:nvPr>
+        </p:nvSpPr>
+        <p:spPr>
+          <a:xfrm>
+            <a:off x="10888342" y="1336268"/>
+            <a:ext cx="127714" cy="127714"/>
+          </a:xfrm>
+          <a:custGeom>
+            <a:avLst/>
+            <a:gdLst>
+              <a:gd name="connsiteX0" fmla="*/ 63857 w 127714"/>
+              <a:gd name="connsiteY0" fmla="*/ 18874 h 127714"/>
+              <a:gd name="connsiteX1" fmla="*/ 108840 w 127714"/>
+              <a:gd name="connsiteY1" fmla="*/ 63857 h 127714"/>
+              <a:gd name="connsiteX2" fmla="*/ 63857 w 127714"/>
+              <a:gd name="connsiteY2" fmla="*/ 108840 h 127714"/>
+              <a:gd name="connsiteX3" fmla="*/ 18874 w 127714"/>
+              <a:gd name="connsiteY3" fmla="*/ 63857 h 127714"/>
+              <a:gd name="connsiteX4" fmla="*/ 63857 w 127714"/>
+              <a:gd name="connsiteY4" fmla="*/ 18874 h 127714"/>
+              <a:gd name="connsiteX5" fmla="*/ 63857 w 127714"/>
+              <a:gd name="connsiteY5" fmla="*/ 0 h 127714"/>
+              <a:gd name="connsiteX6" fmla="*/ 0 w 127714"/>
+              <a:gd name="connsiteY6" fmla="*/ 63857 h 127714"/>
+              <a:gd name="connsiteX7" fmla="*/ 63857 w 127714"/>
+              <a:gd name="connsiteY7" fmla="*/ 127714 h 127714"/>
+              <a:gd name="connsiteX8" fmla="*/ 127714 w 127714"/>
+              <a:gd name="connsiteY8" fmla="*/ 63857 h 127714"/>
+              <a:gd name="connsiteX9" fmla="*/ 63857 w 127714"/>
+              <a:gd name="connsiteY9" fmla="*/ 0 h 127714"/>
+            </a:gdLst>
+            <a:ahLst/>
+            <a:cxnLst>
+              <a:cxn ang="0">
+                <a:pos x="connsiteX0" y="connsiteY0"/>
+              </a:cxn>
+              <a:cxn ang="0">
+                <a:pos x="connsiteX1" y="connsiteY1"/>
+              </a:cxn>
+              <a:cxn ang="0">
+                <a:pos x="connsiteX2" y="connsiteY2"/>
+              </a:cxn>
+              <a:cxn ang="0">
+                <a:pos x="connsiteX3" y="connsiteY3"/>
+              </a:cxn>
+              <a:cxn ang="0">
+                <a:pos x="connsiteX4" y="connsiteY4"/>
+              </a:cxn>
+              <a:cxn ang="0">
+                <a:pos x="connsiteX5" y="connsiteY5"/>
+              </a:cxn>
+              <a:cxn ang="0">
+                <a:pos x="connsiteX6" y="connsiteY6"/>
+              </a:cxn>
+              <a:cxn ang="0">
+                <a:pos x="connsiteX7" y="connsiteY7"/>
+              </a:cxn>
+              <a:cxn ang="0">
+                <a:pos x="connsiteX8" y="connsiteY8"/>
+              </a:cxn>
+              <a:cxn ang="0">
+                <a:pos x="connsiteX9" y="connsiteY9"/>
+              </a:cxn>
+            </a:cxnLst>
+            <a:rect l="l" t="t" r="r" b="b"/>
+            <a:pathLst>
+              <a:path w="127714" h="127714">
+                <a:moveTo>
+                  <a:pt x="63857" y="18874"/>
+                </a:moveTo>
+                <a:cubicBezTo>
+                  <a:pt x="88700" y="18874"/>
+                  <a:pt x="108840" y="39014"/>
+                  <a:pt x="108840" y="63857"/>
+                </a:cubicBezTo>
+                <a:cubicBezTo>
+                  <a:pt x="108840" y="88700"/>
+                  <a:pt x="88700" y="108840"/>
+                  <a:pt x="63857" y="108840"/>
+                </a:cubicBezTo>
+                <a:cubicBezTo>
+                  <a:pt x="39014" y="108840"/>
+                  <a:pt x="18874" y="88700"/>
+                  <a:pt x="18874" y="63857"/>
+                </a:cubicBezTo>
+                <a:cubicBezTo>
+                  <a:pt x="18898" y="39024"/>
+                  <a:pt x="39024" y="18898"/>
+                  <a:pt x="63857" y="18874"/>
+                </a:cubicBezTo>
+                <a:moveTo>
+                  <a:pt x="63857" y="0"/>
+                </a:moveTo>
+                <a:cubicBezTo>
+                  <a:pt x="28590" y="0"/>
+                  <a:pt x="0" y="28590"/>
+                  <a:pt x="0" y="63857"/>
+                </a:cubicBezTo>
+                <a:cubicBezTo>
+                  <a:pt x="0" y="99124"/>
+                  <a:pt x="28590" y="127714"/>
+                  <a:pt x="63857" y="127714"/>
+                </a:cubicBezTo>
+                <a:cubicBezTo>
+                  <a:pt x="99124" y="127714"/>
+                  <a:pt x="127714" y="99124"/>
+                  <a:pt x="127714" y="63857"/>
+                </a:cubicBezTo>
+                <a:cubicBezTo>
+                  <a:pt x="127714" y="28590"/>
+                  <a:pt x="99124" y="0"/>
+                  <a:pt x="63857" y="0"/>
+                </a:cubicBezTo>
+                <a:close/>
+              </a:path>
+            </a:pathLst>
+          </a:custGeom>
+          <a:solidFill>
+            <a:schemeClr val="bg1"/>
+          </a:solidFill>
+          <a:ln w="610" cap="flat">
+            <a:noFill/>
+            <a:prstDash val="solid"/>
+            <a:miter/>
+          </a:ln>
+        </p:spPr>
+        <p:txBody>
+          <a:bodyPr rtlCol="0" anchor="ctr"/>
+          <a:lstStyle/>
+          <a:p>
+            <a:endParaRPr lang="en-US"/>
+          </a:p>
+        </p:txBody>
+      </p:sp>
+      <p:graphicFrame>
+        <p:nvGraphicFramePr>
+          <p:cNvPr id="21" name="Marcador de contenido 2">
+            <a:extLst>
+              <a:ext uri="{FF2B5EF4-FFF2-40B4-BE49-F238E27FC236}">
+                <a16:creationId xmlns:a16="http://schemas.microsoft.com/office/drawing/2014/main" id="{321A544D-8EBF-3F23-D187-D0D15ADA6326}"/>
+              </a:ext>
+            </a:extLst>
+          </p:cNvPr>
+          <p:cNvGraphicFramePr>
+            <a:graphicFrameLocks noGrp="1"/>
+          </p:cNvGraphicFramePr>
+          <p:nvPr>
+            <p:ph idx="1"/>
+            <p:extLst>
+              <p:ext uri="{D42A27DB-BD31-4B8C-83A1-F6EECF244321}">
+                <p14:modId xmlns:p14="http://schemas.microsoft.com/office/powerpoint/2010/main" val="1259954785"/>
+              </p:ext>
+            </p:extLst>
+          </p:nvPr>
+        </p:nvGraphicFramePr>
+        <p:xfrm>
+          <a:off x="838200" y="1825625"/>
+          <a:ext cx="10515600" cy="4351338"/>
+        </p:xfrm>
+        <a:graphic>
+          <a:graphicData uri="http://schemas.openxmlformats.org/drawingml/2006/diagram">
+            <dgm:relIds xmlns:dgm="http://schemas.openxmlformats.org/drawingml/2006/diagram" xmlns:r="http://schemas.openxmlformats.org/officeDocument/2006/relationships" r:dm="rId2" r:lo="rId3" r:qs="rId4" r:cs="rId5"/>
+          </a:graphicData>
+        </a:graphic>
+      </p:graphicFrame>
+    </p:spTree>
+    <p:extLst>
+      <p:ext uri="{BB962C8B-B14F-4D97-AF65-F5344CB8AC3E}">
+        <p14:creationId xmlns:p14="http://schemas.microsoft.com/office/powerpoint/2010/main" val="2883449870"/>
+      </p:ext>
+    </p:extLst>
+  </p:cSld>
+  <p:clrMapOvr>
+    <a:masterClrMapping/>
+  </p:clrMapOvr>
+</p:sld>
+</file>
+
+<file path=ppt/slides/slide20.xml><?xml version="1.0" encoding="utf-8"?>
+<p:sld xmlns:a="http://schemas.openxmlformats.org/drawingml/2006/main" xmlns:r="http://schemas.openxmlformats.org/officeDocument/2006/relationships" xmlns:p="http://schemas.openxmlformats.org/presentationml/2006/main">
+  <p:cSld>
+    <p:bg>
+      <p:bgPr>
+        <a:solidFill>
+          <a:schemeClr val="bg1"/>
+        </a:solidFill>
+        <a:effectLst/>
+      </p:bgPr>
+    </p:bg>
+    <p:spTree>
+      <p:nvGrpSpPr>
+        <p:cNvPr id="1" name=""/>
+        <p:cNvGrpSpPr/>
+        <p:nvPr/>
+      </p:nvGrpSpPr>
+      <p:grpSpPr>
+        <a:xfrm>
+          <a:off x="0" y="0"/>
+          <a:ext cx="0" cy="0"/>
+          <a:chOff x="0" y="0"/>
+          <a:chExt cx="0" cy="0"/>
+        </a:xfrm>
+      </p:grpSpPr>
+      <p:cxnSp>
+        <p:nvCxnSpPr>
+          <p:cNvPr id="8" name="Straight Connector 7">
+            <a:extLst>
+              <a:ext uri="{FF2B5EF4-FFF2-40B4-BE49-F238E27FC236}">
+                <a16:creationId xmlns:a16="http://schemas.microsoft.com/office/drawing/2014/main" id="{353C1207-D1C8-49E3-8837-E2B89D366FAE}"/>
+              </a:ext>
+              <a:ext uri="{C183D7F6-B498-43B3-948B-1728B52AA6E4}">
+                <adec:decorative xmlns:adec="http://schemas.microsoft.com/office/drawing/2017/decorative" val="1"/>
+              </a:ext>
+            </a:extLst>
+          </p:cNvPr>
+          <p:cNvCxnSpPr>
+            <a:cxnSpLocks noGrp="1" noRot="1" noChangeAspect="1" noMove="1" noResize="1" noEditPoints="1" noAdjustHandles="1" noChangeArrowheads="1" noChangeShapeType="1"/>
+          </p:cNvCxnSpPr>
+          <p:nvPr>
+            <p:extLst>
+              <p:ext uri="{386F3935-93C4-4BCD-93E2-E3B085C9AB24}">
+                <p16:designElem xmlns:p16="http://schemas.microsoft.com/office/powerpoint/2015/main" val="1"/>
+              </p:ext>
+            </p:extLst>
+          </p:nvPr>
+        </p:nvCxnSpPr>
+        <p:spPr>
+          <a:xfrm>
+            <a:off x="715890" y="356812"/>
+            <a:ext cx="0" cy="6492875"/>
+          </a:xfrm>
+          <a:prstGeom prst="line">
+            <a:avLst/>
+          </a:prstGeom>
+          <a:ln w="25400" cap="sq">
+            <a:gradFill flip="none" rotWithShape="1">
+              <a:gsLst>
+                <a:gs pos="0">
+                  <a:schemeClr val="accent2"/>
+                </a:gs>
+                <a:gs pos="100000">
+                  <a:schemeClr val="accent4"/>
+                </a:gs>
+              </a:gsLst>
+              <a:lin ang="16200000" scaled="1"/>
+              <a:tileRect/>
+            </a:gradFill>
+            <a:bevel/>
+          </a:ln>
+        </p:spPr>
+        <p:style>
+          <a:lnRef idx="1">
+            <a:schemeClr val="accent1"/>
+          </a:lnRef>
+          <a:fillRef idx="0">
+            <a:schemeClr val="accent1"/>
+          </a:fillRef>
+          <a:effectRef idx="0">
+            <a:schemeClr val="accent1"/>
+          </a:effectRef>
+          <a:fontRef idx="minor">
+            <a:schemeClr val="tx1"/>
+          </a:fontRef>
+        </p:style>
+      </p:cxnSp>
+      <p:sp>
+        <p:nvSpPr>
+          <p:cNvPr id="10" name="Rectangle 9">
+            <a:extLst>
+              <a:ext uri="{FF2B5EF4-FFF2-40B4-BE49-F238E27FC236}">
+                <a16:creationId xmlns:a16="http://schemas.microsoft.com/office/drawing/2014/main" id="{16B067B1-F4E5-4FDF-813D-C9E872E80075}"/>
+              </a:ext>
+              <a:ext uri="{C183D7F6-B498-43B3-948B-1728B52AA6E4}">
+                <adec:decorative xmlns:adec="http://schemas.microsoft.com/office/drawing/2017/decorative" val="1"/>
+              </a:ext>
+            </a:extLst>
+          </p:cNvPr>
+          <p:cNvSpPr>
+            <a:spLocks noGrp="1" noRot="1" noChangeAspect="1" noMove="1" noResize="1" noEditPoints="1" noAdjustHandles="1" noChangeArrowheads="1" noChangeShapeType="1" noTextEdit="1"/>
+          </p:cNvSpPr>
+          <p:nvPr>
+            <p:extLst>
+              <p:ext uri="{386F3935-93C4-4BCD-93E2-E3B085C9AB24}">
+                <p16:designElem xmlns:p16="http://schemas.microsoft.com/office/powerpoint/2015/main" val="1"/>
+              </p:ext>
+            </p:extLst>
+          </p:nvPr>
+        </p:nvSpPr>
+        <p:spPr>
+          <a:xfrm>
+            <a:off x="0" y="0"/>
+            <a:ext cx="12192000" cy="6858000"/>
+          </a:xfrm>
+          <a:prstGeom prst="rect">
+            <a:avLst/>
+          </a:prstGeom>
+          <a:gradFill flip="none" rotWithShape="1">
+            <a:gsLst>
+              <a:gs pos="100000">
+                <a:schemeClr val="accent4"/>
+              </a:gs>
+              <a:gs pos="0">
+                <a:schemeClr val="accent2"/>
+              </a:gs>
+            </a:gsLst>
+            <a:lin ang="2700000" scaled="1"/>
+            <a:tileRect/>
+          </a:gradFill>
+          <a:ln>
+            <a:noFill/>
+          </a:ln>
+        </p:spPr>
+        <p:style>
+          <a:lnRef idx="2">
+            <a:schemeClr val="accent1">
+              <a:shade val="50000"/>
+            </a:schemeClr>
+          </a:lnRef>
+          <a:fillRef idx="1">
+            <a:schemeClr val="accent1"/>
+          </a:fillRef>
+          <a:effectRef idx="0">
+            <a:schemeClr val="accent1"/>
+          </a:effectRef>
+          <a:fontRef idx="minor">
+            <a:schemeClr val="lt1"/>
+          </a:fontRef>
+        </p:style>
+        <p:txBody>
+          <a:bodyPr rtlCol="0" anchor="ctr"/>
+          <a:lstStyle/>
+          <a:p>
+            <a:pPr algn="ctr"/>
+            <a:endParaRPr lang="en-US"/>
+          </a:p>
+        </p:txBody>
+      </p:sp>
+      <p:pic>
+        <p:nvPicPr>
+          <p:cNvPr id="3" name="Imagen 2" descr="Una captura de pantalla de una computadora&#10;&#10;Descripción generada automáticamente">
+            <a:extLst>
+              <a:ext uri="{FF2B5EF4-FFF2-40B4-BE49-F238E27FC236}">
+                <a16:creationId xmlns:a16="http://schemas.microsoft.com/office/drawing/2014/main" id="{B8D79A6F-20BF-3244-A2F7-9FE6986EFEDC}"/>
+              </a:ext>
+            </a:extLst>
+          </p:cNvPr>
+          <p:cNvPicPr>
+            <a:picLocks noChangeAspect="1"/>
+          </p:cNvPicPr>
+          <p:nvPr/>
+        </p:nvPicPr>
+        <p:blipFill rotWithShape="1">
+          <a:blip r:embed="rId2"/>
+          <a:srcRect r="10003"/>
+          <a:stretch/>
+        </p:blipFill>
+        <p:spPr>
+          <a:xfrm>
+            <a:off x="307775" y="261437"/>
+            <a:ext cx="11576450" cy="6335126"/>
+          </a:xfrm>
+          <a:prstGeom prst="rect">
+            <a:avLst/>
+          </a:prstGeom>
+        </p:spPr>
+      </p:pic>
+    </p:spTree>
+    <p:extLst>
+      <p:ext uri="{BB962C8B-B14F-4D97-AF65-F5344CB8AC3E}">
+        <p14:creationId xmlns:p14="http://schemas.microsoft.com/office/powerpoint/2010/main" val="2998908046"/>
+      </p:ext>
+    </p:extLst>
+  </p:cSld>
+  <p:clrMapOvr>
+    <a:masterClrMapping/>
+  </p:clrMapOvr>
+</p:sld>
+</file>
+
+<file path=ppt/slides/slide21.xml><?xml version="1.0" encoding="utf-8"?>
+<p:sld xmlns:a="http://schemas.openxmlformats.org/drawingml/2006/main" xmlns:r="http://schemas.openxmlformats.org/officeDocument/2006/relationships" xmlns:p="http://schemas.openxmlformats.org/presentationml/2006/main">
+  <p:cSld>
+    <p:bg>
+      <p:bgPr>
+        <a:solidFill>
+          <a:schemeClr val="bg1"/>
+        </a:solidFill>
+        <a:effectLst/>
+      </p:bgPr>
+    </p:bg>
+    <p:spTree>
+      <p:nvGrpSpPr>
+        <p:cNvPr id="1" name=""/>
+        <p:cNvGrpSpPr/>
+        <p:nvPr/>
+      </p:nvGrpSpPr>
+      <p:grpSpPr>
+        <a:xfrm>
+          <a:off x="0" y="0"/>
+          <a:ext cx="0" cy="0"/>
+          <a:chOff x="0" y="0"/>
+          <a:chExt cx="0" cy="0"/>
+        </a:xfrm>
+      </p:grpSpPr>
+      <p:cxnSp>
+        <p:nvCxnSpPr>
+          <p:cNvPr id="9" name="Straight Connector 8">
+            <a:extLst>
+              <a:ext uri="{FF2B5EF4-FFF2-40B4-BE49-F238E27FC236}">
+                <a16:creationId xmlns:a16="http://schemas.microsoft.com/office/drawing/2014/main" id="{353C1207-D1C8-49E3-8837-E2B89D366FAE}"/>
+              </a:ext>
+              <a:ext uri="{C183D7F6-B498-43B3-948B-1728B52AA6E4}">
+                <adec:decorative xmlns:adec="http://schemas.microsoft.com/office/drawing/2017/decorative" val="1"/>
+              </a:ext>
+            </a:extLst>
+          </p:cNvPr>
+          <p:cNvCxnSpPr>
+            <a:cxnSpLocks noGrp="1" noRot="1" noChangeAspect="1" noMove="1" noResize="1" noEditPoints="1" noAdjustHandles="1" noChangeArrowheads="1" noChangeShapeType="1"/>
+          </p:cNvCxnSpPr>
+          <p:nvPr>
+            <p:extLst>
+              <p:ext uri="{386F3935-93C4-4BCD-93E2-E3B085C9AB24}">
+                <p16:designElem xmlns:p16="http://schemas.microsoft.com/office/powerpoint/2015/main" val="1"/>
+              </p:ext>
+            </p:extLst>
+          </p:nvPr>
+        </p:nvCxnSpPr>
+        <p:spPr>
+          <a:xfrm>
+            <a:off x="715890" y="356812"/>
+            <a:ext cx="0" cy="6492875"/>
+          </a:xfrm>
+          <a:prstGeom prst="line">
+            <a:avLst/>
+          </a:prstGeom>
+          <a:ln w="25400" cap="sq">
+            <a:gradFill flip="none" rotWithShape="1">
+              <a:gsLst>
+                <a:gs pos="0">
+                  <a:schemeClr val="accent2"/>
+                </a:gs>
+                <a:gs pos="100000">
+                  <a:schemeClr val="accent4"/>
+                </a:gs>
+              </a:gsLst>
+              <a:lin ang="16200000" scaled="1"/>
+              <a:tileRect/>
+            </a:gradFill>
+            <a:bevel/>
+          </a:ln>
+        </p:spPr>
+        <p:style>
+          <a:lnRef idx="1">
+            <a:schemeClr val="accent1"/>
+          </a:lnRef>
+          <a:fillRef idx="0">
+            <a:schemeClr val="accent1"/>
+          </a:fillRef>
+          <a:effectRef idx="0">
+            <a:schemeClr val="accent1"/>
+          </a:effectRef>
+          <a:fontRef idx="minor">
+            <a:schemeClr val="tx1"/>
+          </a:fontRef>
+        </p:style>
+      </p:cxnSp>
+      <p:sp>
+        <p:nvSpPr>
+          <p:cNvPr id="11" name="Rectangle 10">
+            <a:extLst>
+              <a:ext uri="{FF2B5EF4-FFF2-40B4-BE49-F238E27FC236}">
+                <a16:creationId xmlns:a16="http://schemas.microsoft.com/office/drawing/2014/main" id="{16B067B1-F4E5-4FDF-813D-C9E872E80075}"/>
+              </a:ext>
+              <a:ext uri="{C183D7F6-B498-43B3-948B-1728B52AA6E4}">
+                <adec:decorative xmlns:adec="http://schemas.microsoft.com/office/drawing/2017/decorative" val="1"/>
+              </a:ext>
+            </a:extLst>
+          </p:cNvPr>
+          <p:cNvSpPr>
+            <a:spLocks noGrp="1" noRot="1" noChangeAspect="1" noMove="1" noResize="1" noEditPoints="1" noAdjustHandles="1" noChangeArrowheads="1" noChangeShapeType="1" noTextEdit="1"/>
+          </p:cNvSpPr>
+          <p:nvPr>
+            <p:extLst>
+              <p:ext uri="{386F3935-93C4-4BCD-93E2-E3B085C9AB24}">
+                <p16:designElem xmlns:p16="http://schemas.microsoft.com/office/powerpoint/2015/main" val="1"/>
+              </p:ext>
+            </p:extLst>
+          </p:nvPr>
+        </p:nvSpPr>
+        <p:spPr>
+          <a:xfrm>
+            <a:off x="0" y="0"/>
+            <a:ext cx="12192000" cy="6858000"/>
+          </a:xfrm>
+          <a:prstGeom prst="rect">
+            <a:avLst/>
+          </a:prstGeom>
+          <a:gradFill flip="none" rotWithShape="1">
+            <a:gsLst>
+              <a:gs pos="100000">
+                <a:schemeClr val="accent4"/>
+              </a:gs>
+              <a:gs pos="0">
+                <a:schemeClr val="accent2"/>
+              </a:gs>
+            </a:gsLst>
+            <a:lin ang="2700000" scaled="1"/>
+            <a:tileRect/>
+          </a:gradFill>
+          <a:ln>
+            <a:noFill/>
+          </a:ln>
+        </p:spPr>
+        <p:style>
+          <a:lnRef idx="2">
+            <a:schemeClr val="accent1">
+              <a:shade val="50000"/>
+            </a:schemeClr>
+          </a:lnRef>
+          <a:fillRef idx="1">
+            <a:schemeClr val="accent1"/>
+          </a:fillRef>
+          <a:effectRef idx="0">
+            <a:schemeClr val="accent1"/>
+          </a:effectRef>
+          <a:fontRef idx="minor">
+            <a:schemeClr val="lt1"/>
+          </a:fontRef>
+        </p:style>
+        <p:txBody>
+          <a:bodyPr rtlCol="0" anchor="ctr"/>
+          <a:lstStyle/>
+          <a:p>
+            <a:pPr algn="ctr"/>
+            <a:endParaRPr lang="en-US"/>
+          </a:p>
+        </p:txBody>
+      </p:sp>
+      <p:pic>
+        <p:nvPicPr>
+          <p:cNvPr id="3" name="Imagen 2">
+            <a:extLst>
+              <a:ext uri="{FF2B5EF4-FFF2-40B4-BE49-F238E27FC236}">
+                <a16:creationId xmlns:a16="http://schemas.microsoft.com/office/drawing/2014/main" id="{DC1A427F-4384-0CEE-DB03-0BDD413AD3A7}"/>
+              </a:ext>
+            </a:extLst>
+          </p:cNvPr>
+          <p:cNvPicPr>
+            <a:picLocks noChangeAspect="1"/>
+          </p:cNvPicPr>
+          <p:nvPr/>
+        </p:nvPicPr>
+        <p:blipFill>
+          <a:blip r:embed="rId2"/>
+          <a:stretch>
+            <a:fillRect/>
+          </a:stretch>
+        </p:blipFill>
+        <p:spPr>
+          <a:xfrm>
+            <a:off x="937845" y="417531"/>
+            <a:ext cx="10855569" cy="6022937"/>
+          </a:xfrm>
+          <a:prstGeom prst="rect">
+            <a:avLst/>
+          </a:prstGeom>
+        </p:spPr>
+      </p:pic>
+    </p:spTree>
+    <p:extLst>
+      <p:ext uri="{BB962C8B-B14F-4D97-AF65-F5344CB8AC3E}">
+        <p14:creationId xmlns:p14="http://schemas.microsoft.com/office/powerpoint/2010/main" val="3846895068"/>
+      </p:ext>
+    </p:extLst>
+  </p:cSld>
+  <p:clrMapOvr>
+    <a:masterClrMapping/>
+  </p:clrMapOvr>
+</p:sld>
+</file>
+
+<file path=ppt/slides/slide22.xml><?xml version="1.0" encoding="utf-8"?>
 <p:sld xmlns:a="http://schemas.openxmlformats.org/drawingml/2006/main" xmlns:r="http://schemas.openxmlformats.org/officeDocument/2006/relationships" xmlns:p="http://schemas.openxmlformats.org/presentationml/2006/main">
   <p:cSld>
     <p:bg>
@@ -14133,717 +15450,7 @@
 </p:sld>
 </file>
 
-<file path=ppt/slides/slide2.xml><?xml version="1.0" encoding="utf-8"?>
-<p:sld xmlns:a="http://schemas.openxmlformats.org/drawingml/2006/main" xmlns:r="http://schemas.openxmlformats.org/officeDocument/2006/relationships" xmlns:p="http://schemas.openxmlformats.org/presentationml/2006/main">
-  <p:cSld>
-    <p:bg>
-      <p:bgPr>
-        <a:solidFill>
-          <a:schemeClr val="bg1"/>
-        </a:solidFill>
-        <a:effectLst/>
-      </p:bgPr>
-    </p:bg>
-    <p:spTree>
-      <p:nvGrpSpPr>
-        <p:cNvPr id="1" name=""/>
-        <p:cNvGrpSpPr/>
-        <p:nvPr/>
-      </p:nvGrpSpPr>
-      <p:grpSpPr>
-        <a:xfrm>
-          <a:off x="0" y="0"/>
-          <a:ext cx="0" cy="0"/>
-          <a:chOff x="0" y="0"/>
-          <a:chExt cx="0" cy="0"/>
-        </a:xfrm>
-      </p:grpSpPr>
-      <p:sp>
-        <p:nvSpPr>
-          <p:cNvPr id="43" name="Rectangle 25">
-            <a:extLst>
-              <a:ext uri="{FF2B5EF4-FFF2-40B4-BE49-F238E27FC236}">
-                <a16:creationId xmlns:a16="http://schemas.microsoft.com/office/drawing/2014/main" id="{16AC3602-3348-4F31-9E43-076B03514ECB}"/>
-              </a:ext>
-              <a:ext uri="{C183D7F6-B498-43B3-948B-1728B52AA6E4}">
-                <adec:decorative xmlns:adec="http://schemas.microsoft.com/office/drawing/2017/decorative" val="1"/>
-              </a:ext>
-            </a:extLst>
-          </p:cNvPr>
-          <p:cNvSpPr>
-            <a:spLocks noGrp="1" noRot="1" noChangeAspect="1" noMove="1" noResize="1" noEditPoints="1" noAdjustHandles="1" noChangeArrowheads="1" noChangeShapeType="1" noTextEdit="1"/>
-          </p:cNvSpPr>
-          <p:nvPr>
-            <p:extLst>
-              <p:ext uri="{386F3935-93C4-4BCD-93E2-E3B085C9AB24}">
-                <p16:designElem xmlns:p16="http://schemas.microsoft.com/office/powerpoint/2015/main" val="1"/>
-              </p:ext>
-            </p:extLst>
-          </p:nvPr>
-        </p:nvSpPr>
-        <p:spPr>
-          <a:xfrm>
-            <a:off x="0" y="0"/>
-            <a:ext cx="12192000" cy="6858000"/>
-          </a:xfrm>
-          <a:prstGeom prst="rect">
-            <a:avLst/>
-          </a:prstGeom>
-          <a:gradFill flip="none" rotWithShape="1">
-            <a:gsLst>
-              <a:gs pos="100000">
-                <a:schemeClr val="accent4"/>
-              </a:gs>
-              <a:gs pos="0">
-                <a:schemeClr val="accent2"/>
-              </a:gs>
-            </a:gsLst>
-            <a:lin ang="2700000" scaled="1"/>
-            <a:tileRect/>
-          </a:gradFill>
-          <a:ln>
-            <a:noFill/>
-          </a:ln>
-        </p:spPr>
-        <p:style>
-          <a:lnRef idx="2">
-            <a:schemeClr val="accent1">
-              <a:shade val="50000"/>
-            </a:schemeClr>
-          </a:lnRef>
-          <a:fillRef idx="1">
-            <a:schemeClr val="accent1"/>
-          </a:fillRef>
-          <a:effectRef idx="0">
-            <a:schemeClr val="accent1"/>
-          </a:effectRef>
-          <a:fontRef idx="minor">
-            <a:schemeClr val="lt1"/>
-          </a:fontRef>
-        </p:style>
-        <p:txBody>
-          <a:bodyPr rtlCol="0" anchor="ctr"/>
-          <a:lstStyle/>
-          <a:p>
-            <a:pPr algn="ctr"/>
-            <a:endParaRPr lang="en-US">
-              <a:solidFill>
-                <a:schemeClr val="bg1"/>
-              </a:solidFill>
-            </a:endParaRPr>
-          </a:p>
-        </p:txBody>
-      </p:sp>
-      <p:sp>
-        <p:nvSpPr>
-          <p:cNvPr id="2" name="Título 1">
-            <a:extLst>
-              <a:ext uri="{FF2B5EF4-FFF2-40B4-BE49-F238E27FC236}">
-                <a16:creationId xmlns:a16="http://schemas.microsoft.com/office/drawing/2014/main" id="{80424F5C-77C1-11AB-216A-1A8165A45C96}"/>
-              </a:ext>
-            </a:extLst>
-          </p:cNvPr>
-          <p:cNvSpPr>
-            <a:spLocks noGrp="1"/>
-          </p:cNvSpPr>
-          <p:nvPr>
-            <p:ph type="title"/>
-          </p:nvPr>
-        </p:nvSpPr>
-        <p:spPr>
-          <a:xfrm>
-            <a:off x="838200" y="365125"/>
-            <a:ext cx="9804918" cy="1325563"/>
-          </a:xfrm>
-        </p:spPr>
-        <p:txBody>
-          <a:bodyPr>
-            <a:normAutofit/>
-          </a:bodyPr>
-          <a:lstStyle/>
-          <a:p>
-            <a:r>
-              <a:rPr lang="es-ES">
-                <a:solidFill>
-                  <a:schemeClr val="bg1"/>
-                </a:solidFill>
-              </a:rPr>
-              <a:t>Indice</a:t>
-            </a:r>
-          </a:p>
-        </p:txBody>
-      </p:sp>
-      <p:cxnSp>
-        <p:nvCxnSpPr>
-          <p:cNvPr id="28" name="Straight Connector 27">
-            <a:extLst>
-              <a:ext uri="{FF2B5EF4-FFF2-40B4-BE49-F238E27FC236}">
-                <a16:creationId xmlns:a16="http://schemas.microsoft.com/office/drawing/2014/main" id="{94169334-264D-4176-8BDE-037249A61B4E}"/>
-              </a:ext>
-              <a:ext uri="{C183D7F6-B498-43B3-948B-1728B52AA6E4}">
-                <adec:decorative xmlns:adec="http://schemas.microsoft.com/office/drawing/2017/decorative" val="1"/>
-              </a:ext>
-            </a:extLst>
-          </p:cNvPr>
-          <p:cNvCxnSpPr>
-            <a:cxnSpLocks noGrp="1" noRot="1" noChangeAspect="1" noMove="1" noResize="1" noEditPoints="1" noAdjustHandles="1" noChangeArrowheads="1" noChangeShapeType="1"/>
-          </p:cNvCxnSpPr>
-          <p:nvPr>
-            <p:extLst>
-              <p:ext uri="{386F3935-93C4-4BCD-93E2-E3B085C9AB24}">
-                <p16:designElem xmlns:p16="http://schemas.microsoft.com/office/powerpoint/2015/main" val="1"/>
-              </p:ext>
-            </p:extLst>
-          </p:nvPr>
-        </p:nvCxnSpPr>
-        <p:spPr>
-          <a:xfrm>
-            <a:off x="715890" y="356812"/>
-            <a:ext cx="0" cy="6492875"/>
-          </a:xfrm>
-          <a:prstGeom prst="line">
-            <a:avLst/>
-          </a:prstGeom>
-          <a:ln w="25400" cap="sq">
-            <a:solidFill>
-              <a:schemeClr val="bg1"/>
-            </a:solidFill>
-            <a:bevel/>
-          </a:ln>
-        </p:spPr>
-        <p:style>
-          <a:lnRef idx="1">
-            <a:schemeClr val="accent1"/>
-          </a:lnRef>
-          <a:fillRef idx="0">
-            <a:schemeClr val="accent1"/>
-          </a:fillRef>
-          <a:effectRef idx="0">
-            <a:schemeClr val="accent1"/>
-          </a:effectRef>
-          <a:fontRef idx="minor">
-            <a:schemeClr val="tx1"/>
-          </a:fontRef>
-        </p:style>
-      </p:cxnSp>
-      <p:sp>
-        <p:nvSpPr>
-          <p:cNvPr id="44" name="Graphic 11">
-            <a:extLst>
-              <a:ext uri="{FF2B5EF4-FFF2-40B4-BE49-F238E27FC236}">
-                <a16:creationId xmlns:a16="http://schemas.microsoft.com/office/drawing/2014/main" id="{394094B0-A6C9-44BE-9042-66EF0612F625}"/>
-              </a:ext>
-              <a:ext uri="{C183D7F6-B498-43B3-948B-1728B52AA6E4}">
-                <adec:decorative xmlns:adec="http://schemas.microsoft.com/office/drawing/2017/decorative" val="1"/>
-              </a:ext>
-            </a:extLst>
-          </p:cNvPr>
-          <p:cNvSpPr>
-            <a:spLocks noGrp="1" noRot="1" noChangeAspect="1" noMove="1" noResize="1" noEditPoints="1" noAdjustHandles="1" noChangeArrowheads="1" noChangeShapeType="1" noTextEdit="1"/>
-          </p:cNvSpPr>
-          <p:nvPr>
-            <p:extLst>
-              <p:ext uri="{386F3935-93C4-4BCD-93E2-E3B085C9AB24}">
-                <p16:designElem xmlns:p16="http://schemas.microsoft.com/office/powerpoint/2015/main" val="1"/>
-              </p:ext>
-            </p:extLst>
-          </p:nvPr>
-        </p:nvSpPr>
-        <p:spPr>
-          <a:xfrm>
-            <a:off x="10903882" y="591829"/>
-            <a:ext cx="139039" cy="139039"/>
-          </a:xfrm>
-          <a:custGeom>
-            <a:avLst/>
-            <a:gdLst>
-              <a:gd name="connsiteX0" fmla="*/ 129602 w 139039"/>
-              <a:gd name="connsiteY0" fmla="*/ 60082 h 139039"/>
-              <a:gd name="connsiteX1" fmla="*/ 78957 w 139039"/>
-              <a:gd name="connsiteY1" fmla="*/ 60082 h 139039"/>
-              <a:gd name="connsiteX2" fmla="*/ 78957 w 139039"/>
-              <a:gd name="connsiteY2" fmla="*/ 9437 h 139039"/>
-              <a:gd name="connsiteX3" fmla="*/ 69520 w 139039"/>
-              <a:gd name="connsiteY3" fmla="*/ 0 h 139039"/>
-              <a:gd name="connsiteX4" fmla="*/ 60082 w 139039"/>
-              <a:gd name="connsiteY4" fmla="*/ 9437 h 139039"/>
-              <a:gd name="connsiteX5" fmla="*/ 60082 w 139039"/>
-              <a:gd name="connsiteY5" fmla="*/ 60082 h 139039"/>
-              <a:gd name="connsiteX6" fmla="*/ 9437 w 139039"/>
-              <a:gd name="connsiteY6" fmla="*/ 60082 h 139039"/>
-              <a:gd name="connsiteX7" fmla="*/ 0 w 139039"/>
-              <a:gd name="connsiteY7" fmla="*/ 69520 h 139039"/>
-              <a:gd name="connsiteX8" fmla="*/ 9437 w 139039"/>
-              <a:gd name="connsiteY8" fmla="*/ 78957 h 139039"/>
-              <a:gd name="connsiteX9" fmla="*/ 60082 w 139039"/>
-              <a:gd name="connsiteY9" fmla="*/ 78957 h 139039"/>
-              <a:gd name="connsiteX10" fmla="*/ 60082 w 139039"/>
-              <a:gd name="connsiteY10" fmla="*/ 129602 h 139039"/>
-              <a:gd name="connsiteX11" fmla="*/ 69520 w 139039"/>
-              <a:gd name="connsiteY11" fmla="*/ 139039 h 139039"/>
-              <a:gd name="connsiteX12" fmla="*/ 78957 w 139039"/>
-              <a:gd name="connsiteY12" fmla="*/ 129602 h 139039"/>
-              <a:gd name="connsiteX13" fmla="*/ 78957 w 139039"/>
-              <a:gd name="connsiteY13" fmla="*/ 78957 h 139039"/>
-              <a:gd name="connsiteX14" fmla="*/ 129602 w 139039"/>
-              <a:gd name="connsiteY14" fmla="*/ 78957 h 139039"/>
-              <a:gd name="connsiteX15" fmla="*/ 139039 w 139039"/>
-              <a:gd name="connsiteY15" fmla="*/ 69520 h 139039"/>
-              <a:gd name="connsiteX16" fmla="*/ 129602 w 139039"/>
-              <a:gd name="connsiteY16" fmla="*/ 60082 h 139039"/>
-            </a:gdLst>
-            <a:ahLst/>
-            <a:cxnLst>
-              <a:cxn ang="0">
-                <a:pos x="connsiteX0" y="connsiteY0"/>
-              </a:cxn>
-              <a:cxn ang="0">
-                <a:pos x="connsiteX1" y="connsiteY1"/>
-              </a:cxn>
-              <a:cxn ang="0">
-                <a:pos x="connsiteX2" y="connsiteY2"/>
-              </a:cxn>
-              <a:cxn ang="0">
-                <a:pos x="connsiteX3" y="connsiteY3"/>
-              </a:cxn>
-              <a:cxn ang="0">
-                <a:pos x="connsiteX4" y="connsiteY4"/>
-              </a:cxn>
-              <a:cxn ang="0">
-                <a:pos x="connsiteX5" y="connsiteY5"/>
-              </a:cxn>
-              <a:cxn ang="0">
-                <a:pos x="connsiteX6" y="connsiteY6"/>
-              </a:cxn>
-              <a:cxn ang="0">
-                <a:pos x="connsiteX7" y="connsiteY7"/>
-              </a:cxn>
-              <a:cxn ang="0">
-                <a:pos x="connsiteX8" y="connsiteY8"/>
-              </a:cxn>
-              <a:cxn ang="0">
-                <a:pos x="connsiteX9" y="connsiteY9"/>
-              </a:cxn>
-              <a:cxn ang="0">
-                <a:pos x="connsiteX10" y="connsiteY10"/>
-              </a:cxn>
-              <a:cxn ang="0">
-                <a:pos x="connsiteX11" y="connsiteY11"/>
-              </a:cxn>
-              <a:cxn ang="0">
-                <a:pos x="connsiteX12" y="connsiteY12"/>
-              </a:cxn>
-              <a:cxn ang="0">
-                <a:pos x="connsiteX13" y="connsiteY13"/>
-              </a:cxn>
-              <a:cxn ang="0">
-                <a:pos x="connsiteX14" y="connsiteY14"/>
-              </a:cxn>
-              <a:cxn ang="0">
-                <a:pos x="connsiteX15" y="connsiteY15"/>
-              </a:cxn>
-              <a:cxn ang="0">
-                <a:pos x="connsiteX16" y="connsiteY16"/>
-              </a:cxn>
-            </a:cxnLst>
-            <a:rect l="l" t="t" r="r" b="b"/>
-            <a:pathLst>
-              <a:path w="139039" h="139039">
-                <a:moveTo>
-                  <a:pt x="129602" y="60082"/>
-                </a:moveTo>
-                <a:lnTo>
-                  <a:pt x="78957" y="60082"/>
-                </a:lnTo>
-                <a:lnTo>
-                  <a:pt x="78957" y="9437"/>
-                </a:lnTo>
-                <a:cubicBezTo>
-                  <a:pt x="78957" y="4225"/>
-                  <a:pt x="74731" y="0"/>
-                  <a:pt x="69520" y="0"/>
-                </a:cubicBezTo>
-                <a:cubicBezTo>
-                  <a:pt x="64308" y="0"/>
-                  <a:pt x="60082" y="4225"/>
-                  <a:pt x="60082" y="9437"/>
-                </a:cubicBezTo>
-                <a:lnTo>
-                  <a:pt x="60082" y="60082"/>
-                </a:lnTo>
-                <a:lnTo>
-                  <a:pt x="9437" y="60082"/>
-                </a:lnTo>
-                <a:cubicBezTo>
-                  <a:pt x="4225" y="60082"/>
-                  <a:pt x="0" y="64308"/>
-                  <a:pt x="0" y="69520"/>
-                </a:cubicBezTo>
-                <a:cubicBezTo>
-                  <a:pt x="0" y="74731"/>
-                  <a:pt x="4225" y="78957"/>
-                  <a:pt x="9437" y="78957"/>
-                </a:cubicBezTo>
-                <a:lnTo>
-                  <a:pt x="60082" y="78957"/>
-                </a:lnTo>
-                <a:lnTo>
-                  <a:pt x="60082" y="129602"/>
-                </a:lnTo>
-                <a:cubicBezTo>
-                  <a:pt x="60082" y="134814"/>
-                  <a:pt x="64308" y="139039"/>
-                  <a:pt x="69520" y="139039"/>
-                </a:cubicBezTo>
-                <a:cubicBezTo>
-                  <a:pt x="74731" y="139039"/>
-                  <a:pt x="78957" y="134814"/>
-                  <a:pt x="78957" y="129602"/>
-                </a:cubicBezTo>
-                <a:lnTo>
-                  <a:pt x="78957" y="78957"/>
-                </a:lnTo>
-                <a:lnTo>
-                  <a:pt x="129602" y="78957"/>
-                </a:lnTo>
-                <a:cubicBezTo>
-                  <a:pt x="134814" y="78957"/>
-                  <a:pt x="139039" y="74731"/>
-                  <a:pt x="139039" y="69520"/>
-                </a:cubicBezTo>
-                <a:cubicBezTo>
-                  <a:pt x="139039" y="64308"/>
-                  <a:pt x="134814" y="60082"/>
-                  <a:pt x="129602" y="60082"/>
-                </a:cubicBezTo>
-                <a:close/>
-              </a:path>
-            </a:pathLst>
-          </a:custGeom>
-          <a:solidFill>
-            <a:schemeClr val="bg1"/>
-          </a:solidFill>
-          <a:ln w="603" cap="flat">
-            <a:noFill/>
-            <a:prstDash val="solid"/>
-            <a:miter/>
-          </a:ln>
-        </p:spPr>
-        <p:txBody>
-          <a:bodyPr rtlCol="0" anchor="ctr"/>
-          <a:lstStyle/>
-          <a:p>
-            <a:endParaRPr lang="en-US"/>
-          </a:p>
-        </p:txBody>
-      </p:sp>
-      <p:sp>
-        <p:nvSpPr>
-          <p:cNvPr id="45" name="Graphic 10">
-            <a:extLst>
-              <a:ext uri="{FF2B5EF4-FFF2-40B4-BE49-F238E27FC236}">
-                <a16:creationId xmlns:a16="http://schemas.microsoft.com/office/drawing/2014/main" id="{64C2CA96-0B16-4AA7-B340-33044D238597}"/>
-              </a:ext>
-              <a:ext uri="{C183D7F6-B498-43B3-948B-1728B52AA6E4}">
-                <adec:decorative xmlns:adec="http://schemas.microsoft.com/office/drawing/2017/decorative" val="1"/>
-              </a:ext>
-            </a:extLst>
-          </p:cNvPr>
-          <p:cNvSpPr>
-            <a:spLocks noGrp="1" noRot="1" noChangeAspect="1" noMove="1" noResize="1" noEditPoints="1" noAdjustHandles="1" noChangeArrowheads="1" noChangeShapeType="1" noTextEdit="1"/>
-          </p:cNvSpPr>
-          <p:nvPr>
-            <p:extLst>
-              <p:ext uri="{386F3935-93C4-4BCD-93E2-E3B085C9AB24}">
-                <p16:designElem xmlns:p16="http://schemas.microsoft.com/office/powerpoint/2015/main" val="1"/>
-              </p:ext>
-            </p:extLst>
-          </p:nvPr>
-        </p:nvSpPr>
-        <p:spPr>
-          <a:xfrm>
-            <a:off x="11262662" y="821124"/>
-            <a:ext cx="91138" cy="91138"/>
-          </a:xfrm>
-          <a:custGeom>
-            <a:avLst/>
-            <a:gdLst>
-              <a:gd name="connsiteX0" fmla="*/ 91138 w 91138"/>
-              <a:gd name="connsiteY0" fmla="*/ 45569 h 91138"/>
-              <a:gd name="connsiteX1" fmla="*/ 45569 w 91138"/>
-              <a:gd name="connsiteY1" fmla="*/ 91138 h 91138"/>
-              <a:gd name="connsiteX2" fmla="*/ 0 w 91138"/>
-              <a:gd name="connsiteY2" fmla="*/ 45569 h 91138"/>
-              <a:gd name="connsiteX3" fmla="*/ 45569 w 91138"/>
-              <a:gd name="connsiteY3" fmla="*/ 0 h 91138"/>
-              <a:gd name="connsiteX4" fmla="*/ 91138 w 91138"/>
-              <a:gd name="connsiteY4" fmla="*/ 45569 h 91138"/>
-            </a:gdLst>
-            <a:ahLst/>
-            <a:cxnLst>
-              <a:cxn ang="0">
-                <a:pos x="connsiteX0" y="connsiteY0"/>
-              </a:cxn>
-              <a:cxn ang="0">
-                <a:pos x="connsiteX1" y="connsiteY1"/>
-              </a:cxn>
-              <a:cxn ang="0">
-                <a:pos x="connsiteX2" y="connsiteY2"/>
-              </a:cxn>
-              <a:cxn ang="0">
-                <a:pos x="connsiteX3" y="connsiteY3"/>
-              </a:cxn>
-              <a:cxn ang="0">
-                <a:pos x="connsiteX4" y="connsiteY4"/>
-              </a:cxn>
-            </a:cxnLst>
-            <a:rect l="l" t="t" r="r" b="b"/>
-            <a:pathLst>
-              <a:path w="91138" h="91138">
-                <a:moveTo>
-                  <a:pt x="91138" y="45569"/>
-                </a:moveTo>
-                <a:cubicBezTo>
-                  <a:pt x="91138" y="70736"/>
-                  <a:pt x="70736" y="91138"/>
-                  <a:pt x="45569" y="91138"/>
-                </a:cubicBezTo>
-                <a:cubicBezTo>
-                  <a:pt x="20402" y="91138"/>
-                  <a:pt x="0" y="70736"/>
-                  <a:pt x="0" y="45569"/>
-                </a:cubicBezTo>
-                <a:cubicBezTo>
-                  <a:pt x="0" y="20402"/>
-                  <a:pt x="20402" y="0"/>
-                  <a:pt x="45569" y="0"/>
-                </a:cubicBezTo>
-                <a:cubicBezTo>
-                  <a:pt x="70736" y="0"/>
-                  <a:pt x="91138" y="20402"/>
-                  <a:pt x="91138" y="45569"/>
-                </a:cubicBezTo>
-                <a:close/>
-              </a:path>
-            </a:pathLst>
-          </a:custGeom>
-          <a:solidFill>
-            <a:schemeClr val="bg1"/>
-          </a:solidFill>
-          <a:ln w="422" cap="flat">
-            <a:noFill/>
-            <a:prstDash val="solid"/>
-            <a:miter/>
-          </a:ln>
-        </p:spPr>
-        <p:txBody>
-          <a:bodyPr rtlCol="0" anchor="ctr"/>
-          <a:lstStyle/>
-          <a:p>
-            <a:endParaRPr lang="en-US"/>
-          </a:p>
-        </p:txBody>
-      </p:sp>
-      <p:sp>
-        <p:nvSpPr>
-          <p:cNvPr id="46" name="Graphic 12">
-            <a:extLst>
-              <a:ext uri="{FF2B5EF4-FFF2-40B4-BE49-F238E27FC236}">
-                <a16:creationId xmlns:a16="http://schemas.microsoft.com/office/drawing/2014/main" id="{1D50D7A8-F1D5-4306-8A9B-DD7A73EB8BCE}"/>
-              </a:ext>
-              <a:ext uri="{C183D7F6-B498-43B3-948B-1728B52AA6E4}">
-                <adec:decorative xmlns:adec="http://schemas.microsoft.com/office/drawing/2017/decorative" val="1"/>
-              </a:ext>
-            </a:extLst>
-          </p:cNvPr>
-          <p:cNvSpPr>
-            <a:spLocks noGrp="1" noRot="1" noChangeAspect="1" noMove="1" noResize="1" noEditPoints="1" noAdjustHandles="1" noChangeArrowheads="1" noChangeShapeType="1" noTextEdit="1"/>
-          </p:cNvSpPr>
-          <p:nvPr>
-            <p:extLst>
-              <p:ext uri="{386F3935-93C4-4BCD-93E2-E3B085C9AB24}">
-                <p16:designElem xmlns:p16="http://schemas.microsoft.com/office/powerpoint/2015/main" val="1"/>
-              </p:ext>
-            </p:extLst>
-          </p:nvPr>
-        </p:nvSpPr>
-        <p:spPr>
-          <a:xfrm>
-            <a:off x="10888342" y="1336268"/>
-            <a:ext cx="127714" cy="127714"/>
-          </a:xfrm>
-          <a:custGeom>
-            <a:avLst/>
-            <a:gdLst>
-              <a:gd name="connsiteX0" fmla="*/ 63857 w 127714"/>
-              <a:gd name="connsiteY0" fmla="*/ 18874 h 127714"/>
-              <a:gd name="connsiteX1" fmla="*/ 108840 w 127714"/>
-              <a:gd name="connsiteY1" fmla="*/ 63857 h 127714"/>
-              <a:gd name="connsiteX2" fmla="*/ 63857 w 127714"/>
-              <a:gd name="connsiteY2" fmla="*/ 108840 h 127714"/>
-              <a:gd name="connsiteX3" fmla="*/ 18874 w 127714"/>
-              <a:gd name="connsiteY3" fmla="*/ 63857 h 127714"/>
-              <a:gd name="connsiteX4" fmla="*/ 63857 w 127714"/>
-              <a:gd name="connsiteY4" fmla="*/ 18874 h 127714"/>
-              <a:gd name="connsiteX5" fmla="*/ 63857 w 127714"/>
-              <a:gd name="connsiteY5" fmla="*/ 0 h 127714"/>
-              <a:gd name="connsiteX6" fmla="*/ 0 w 127714"/>
-              <a:gd name="connsiteY6" fmla="*/ 63857 h 127714"/>
-              <a:gd name="connsiteX7" fmla="*/ 63857 w 127714"/>
-              <a:gd name="connsiteY7" fmla="*/ 127714 h 127714"/>
-              <a:gd name="connsiteX8" fmla="*/ 127714 w 127714"/>
-              <a:gd name="connsiteY8" fmla="*/ 63857 h 127714"/>
-              <a:gd name="connsiteX9" fmla="*/ 63857 w 127714"/>
-              <a:gd name="connsiteY9" fmla="*/ 0 h 127714"/>
-            </a:gdLst>
-            <a:ahLst/>
-            <a:cxnLst>
-              <a:cxn ang="0">
-                <a:pos x="connsiteX0" y="connsiteY0"/>
-              </a:cxn>
-              <a:cxn ang="0">
-                <a:pos x="connsiteX1" y="connsiteY1"/>
-              </a:cxn>
-              <a:cxn ang="0">
-                <a:pos x="connsiteX2" y="connsiteY2"/>
-              </a:cxn>
-              <a:cxn ang="0">
-                <a:pos x="connsiteX3" y="connsiteY3"/>
-              </a:cxn>
-              <a:cxn ang="0">
-                <a:pos x="connsiteX4" y="connsiteY4"/>
-              </a:cxn>
-              <a:cxn ang="0">
-                <a:pos x="connsiteX5" y="connsiteY5"/>
-              </a:cxn>
-              <a:cxn ang="0">
-                <a:pos x="connsiteX6" y="connsiteY6"/>
-              </a:cxn>
-              <a:cxn ang="0">
-                <a:pos x="connsiteX7" y="connsiteY7"/>
-              </a:cxn>
-              <a:cxn ang="0">
-                <a:pos x="connsiteX8" y="connsiteY8"/>
-              </a:cxn>
-              <a:cxn ang="0">
-                <a:pos x="connsiteX9" y="connsiteY9"/>
-              </a:cxn>
-            </a:cxnLst>
-            <a:rect l="l" t="t" r="r" b="b"/>
-            <a:pathLst>
-              <a:path w="127714" h="127714">
-                <a:moveTo>
-                  <a:pt x="63857" y="18874"/>
-                </a:moveTo>
-                <a:cubicBezTo>
-                  <a:pt x="88700" y="18874"/>
-                  <a:pt x="108840" y="39014"/>
-                  <a:pt x="108840" y="63857"/>
-                </a:cubicBezTo>
-                <a:cubicBezTo>
-                  <a:pt x="108840" y="88700"/>
-                  <a:pt x="88700" y="108840"/>
-                  <a:pt x="63857" y="108840"/>
-                </a:cubicBezTo>
-                <a:cubicBezTo>
-                  <a:pt x="39014" y="108840"/>
-                  <a:pt x="18874" y="88700"/>
-                  <a:pt x="18874" y="63857"/>
-                </a:cubicBezTo>
-                <a:cubicBezTo>
-                  <a:pt x="18898" y="39024"/>
-                  <a:pt x="39024" y="18898"/>
-                  <a:pt x="63857" y="18874"/>
-                </a:cubicBezTo>
-                <a:moveTo>
-                  <a:pt x="63857" y="0"/>
-                </a:moveTo>
-                <a:cubicBezTo>
-                  <a:pt x="28590" y="0"/>
-                  <a:pt x="0" y="28590"/>
-                  <a:pt x="0" y="63857"/>
-                </a:cubicBezTo>
-                <a:cubicBezTo>
-                  <a:pt x="0" y="99124"/>
-                  <a:pt x="28590" y="127714"/>
-                  <a:pt x="63857" y="127714"/>
-                </a:cubicBezTo>
-                <a:cubicBezTo>
-                  <a:pt x="99124" y="127714"/>
-                  <a:pt x="127714" y="99124"/>
-                  <a:pt x="127714" y="63857"/>
-                </a:cubicBezTo>
-                <a:cubicBezTo>
-                  <a:pt x="127714" y="28590"/>
-                  <a:pt x="99124" y="0"/>
-                  <a:pt x="63857" y="0"/>
-                </a:cubicBezTo>
-                <a:close/>
-              </a:path>
-            </a:pathLst>
-          </a:custGeom>
-          <a:solidFill>
-            <a:schemeClr val="bg1"/>
-          </a:solidFill>
-          <a:ln w="610" cap="flat">
-            <a:noFill/>
-            <a:prstDash val="solid"/>
-            <a:miter/>
-          </a:ln>
-        </p:spPr>
-        <p:txBody>
-          <a:bodyPr rtlCol="0" anchor="ctr"/>
-          <a:lstStyle/>
-          <a:p>
-            <a:endParaRPr lang="en-US"/>
-          </a:p>
-        </p:txBody>
-      </p:sp>
-      <p:graphicFrame>
-        <p:nvGraphicFramePr>
-          <p:cNvPr id="21" name="Marcador de contenido 2">
-            <a:extLst>
-              <a:ext uri="{FF2B5EF4-FFF2-40B4-BE49-F238E27FC236}">
-                <a16:creationId xmlns:a16="http://schemas.microsoft.com/office/drawing/2014/main" id="{321A544D-8EBF-3F23-D187-D0D15ADA6326}"/>
-              </a:ext>
-            </a:extLst>
-          </p:cNvPr>
-          <p:cNvGraphicFramePr>
-            <a:graphicFrameLocks noGrp="1"/>
-          </p:cNvGraphicFramePr>
-          <p:nvPr>
-            <p:ph idx="1"/>
-            <p:extLst>
-              <p:ext uri="{D42A27DB-BD31-4B8C-83A1-F6EECF244321}">
-                <p14:modId xmlns:p14="http://schemas.microsoft.com/office/powerpoint/2010/main" val="1259954785"/>
-              </p:ext>
-            </p:extLst>
-          </p:nvPr>
-        </p:nvGraphicFramePr>
-        <p:xfrm>
-          <a:off x="838200" y="1825625"/>
-          <a:ext cx="10515600" cy="4351338"/>
-        </p:xfrm>
-        <a:graphic>
-          <a:graphicData uri="http://schemas.openxmlformats.org/drawingml/2006/diagram">
-            <dgm:relIds xmlns:dgm="http://schemas.openxmlformats.org/drawingml/2006/diagram" xmlns:r="http://schemas.openxmlformats.org/officeDocument/2006/relationships" r:dm="rId2" r:lo="rId3" r:qs="rId4" r:cs="rId5"/>
-          </a:graphicData>
-        </a:graphic>
-      </p:graphicFrame>
-    </p:spTree>
-    <p:extLst>
-      <p:ext uri="{BB962C8B-B14F-4D97-AF65-F5344CB8AC3E}">
-        <p14:creationId xmlns:p14="http://schemas.microsoft.com/office/powerpoint/2010/main" val="2883449870"/>
-      </p:ext>
-    </p:extLst>
-  </p:cSld>
-  <p:clrMapOvr>
-    <a:masterClrMapping/>
-  </p:clrMapOvr>
-</p:sld>
-</file>
-
-<file path=ppt/slides/slide20.xml><?xml version="1.0" encoding="utf-8"?>
+<file path=ppt/slides/slide23.xml><?xml version="1.0" encoding="utf-8"?>
 <p:sld xmlns:a="http://schemas.openxmlformats.org/drawingml/2006/main" xmlns:r="http://schemas.openxmlformats.org/officeDocument/2006/relationships" xmlns:p="http://schemas.openxmlformats.org/presentationml/2006/main">
   <p:cSld>
     <p:bg>
@@ -17475,23 +18082,7 @@
                   <a:srgbClr val="FFFFFF"/>
                 </a:solidFill>
               </a:rPr>
-              <a:t>Una biblioteca de JavaScript es una biblioteca de código </a:t>
-            </a:r>
-            <a:r>
-              <a:rPr lang="es-ES" sz="1800" dirty="0" err="1">
-                <a:solidFill>
-                  <a:srgbClr val="FFFFFF"/>
-                </a:solidFill>
-              </a:rPr>
-              <a:t>pre-escrito</a:t>
-            </a:r>
-            <a:r>
-              <a:rPr lang="es-ES" sz="1800" dirty="0">
-                <a:solidFill>
-                  <a:srgbClr val="FFFFFF"/>
-                </a:solidFill>
-              </a:rPr>
-              <a:t> en JavaScript que permite un desarrollo más fácil de aplicaciones basadas en JavaScript, especialmente AJAX y otras tecnologías centradas en la web.​ por ejemplo: React.</a:t>
+              <a:t>Una biblioteca de JavaScript es una biblioteca de código pre-escrito en JavaScript que permite un desarrollo más fácil de aplicaciones basadas en JavaScript, especialmente AJAX y otras tecnologías centradas en la web.​ por ejemplo: React.</a:t>
             </a:r>
           </a:p>
         </p:txBody>
